--- a/rapport.pptx
+++ b/rapport.pptx
@@ -7,6 +7,8 @@
   <p:sldIdLst>
     <p:sldId id="256" r:id="rId2"/>
     <p:sldId id="257" r:id="rId3"/>
+    <p:sldId id="258" r:id="rId4"/>
+    <p:sldId id="259" r:id="rId5"/>
   </p:sldIdLst>
   <p:sldSz cx="12192000" cy="6858000"/>
   <p:notesSz cx="6858000" cy="9144000"/>
@@ -105,6 +107,11 @@
       </a:defRPr>
     </a:lvl9pPr>
   </p:defaultTextStyle>
+  <p:extLst>
+    <p:ext uri="{EFAFB233-063F-42B5-8137-9DF3F51BA10A}">
+      <p15:sldGuideLst xmlns:p15="http://schemas.microsoft.com/office/powerpoint/2012/main"/>
+    </p:ext>
+  </p:extLst>
 </p:presentation>
 </file>
 
@@ -255,7 +262,7 @@
           <a:p>
             <a:fld id="{40A6E905-B5AB-AC44-9673-03A8CEA14BCA}" type="datetimeFigureOut">
               <a:rPr lang="fr-FR" smtClean="0"/>
-              <a:t>13/12/2023</a:t>
+              <a:t>15/12/2023</a:t>
             </a:fld>
             <a:endParaRPr lang="fr-FR"/>
           </a:p>
@@ -453,7 +460,7 @@
           <a:p>
             <a:fld id="{40A6E905-B5AB-AC44-9673-03A8CEA14BCA}" type="datetimeFigureOut">
               <a:rPr lang="fr-FR" smtClean="0"/>
-              <a:t>13/12/2023</a:t>
+              <a:t>15/12/2023</a:t>
             </a:fld>
             <a:endParaRPr lang="fr-FR"/>
           </a:p>
@@ -661,7 +668,7 @@
           <a:p>
             <a:fld id="{40A6E905-B5AB-AC44-9673-03A8CEA14BCA}" type="datetimeFigureOut">
               <a:rPr lang="fr-FR" smtClean="0"/>
-              <a:t>13/12/2023</a:t>
+              <a:t>15/12/2023</a:t>
             </a:fld>
             <a:endParaRPr lang="fr-FR"/>
           </a:p>
@@ -859,7 +866,7 @@
           <a:p>
             <a:fld id="{40A6E905-B5AB-AC44-9673-03A8CEA14BCA}" type="datetimeFigureOut">
               <a:rPr lang="fr-FR" smtClean="0"/>
-              <a:t>13/12/2023</a:t>
+              <a:t>15/12/2023</a:t>
             </a:fld>
             <a:endParaRPr lang="fr-FR"/>
           </a:p>
@@ -1134,7 +1141,7 @@
           <a:p>
             <a:fld id="{40A6E905-B5AB-AC44-9673-03A8CEA14BCA}" type="datetimeFigureOut">
               <a:rPr lang="fr-FR" smtClean="0"/>
-              <a:t>13/12/2023</a:t>
+              <a:t>15/12/2023</a:t>
             </a:fld>
             <a:endParaRPr lang="fr-FR"/>
           </a:p>
@@ -1399,7 +1406,7 @@
           <a:p>
             <a:fld id="{40A6E905-B5AB-AC44-9673-03A8CEA14BCA}" type="datetimeFigureOut">
               <a:rPr lang="fr-FR" smtClean="0"/>
-              <a:t>13/12/2023</a:t>
+              <a:t>15/12/2023</a:t>
             </a:fld>
             <a:endParaRPr lang="fr-FR"/>
           </a:p>
@@ -1811,7 +1818,7 @@
           <a:p>
             <a:fld id="{40A6E905-B5AB-AC44-9673-03A8CEA14BCA}" type="datetimeFigureOut">
               <a:rPr lang="fr-FR" smtClean="0"/>
-              <a:t>13/12/2023</a:t>
+              <a:t>15/12/2023</a:t>
             </a:fld>
             <a:endParaRPr lang="fr-FR"/>
           </a:p>
@@ -1952,7 +1959,7 @@
           <a:p>
             <a:fld id="{40A6E905-B5AB-AC44-9673-03A8CEA14BCA}" type="datetimeFigureOut">
               <a:rPr lang="fr-FR" smtClean="0"/>
-              <a:t>13/12/2023</a:t>
+              <a:t>15/12/2023</a:t>
             </a:fld>
             <a:endParaRPr lang="fr-FR"/>
           </a:p>
@@ -2065,7 +2072,7 @@
           <a:p>
             <a:fld id="{40A6E905-B5AB-AC44-9673-03A8CEA14BCA}" type="datetimeFigureOut">
               <a:rPr lang="fr-FR" smtClean="0"/>
-              <a:t>13/12/2023</a:t>
+              <a:t>15/12/2023</a:t>
             </a:fld>
             <a:endParaRPr lang="fr-FR"/>
           </a:p>
@@ -2376,7 +2383,7 @@
           <a:p>
             <a:fld id="{40A6E905-B5AB-AC44-9673-03A8CEA14BCA}" type="datetimeFigureOut">
               <a:rPr lang="fr-FR" smtClean="0"/>
-              <a:t>13/12/2023</a:t>
+              <a:t>15/12/2023</a:t>
             </a:fld>
             <a:endParaRPr lang="fr-FR"/>
           </a:p>
@@ -2664,7 +2671,7 @@
           <a:p>
             <a:fld id="{40A6E905-B5AB-AC44-9673-03A8CEA14BCA}" type="datetimeFigureOut">
               <a:rPr lang="fr-FR" smtClean="0"/>
-              <a:t>13/12/2023</a:t>
+              <a:t>15/12/2023</a:t>
             </a:fld>
             <a:endParaRPr lang="fr-FR"/>
           </a:p>
@@ -2905,7 +2912,7 @@
           <a:p>
             <a:fld id="{40A6E905-B5AB-AC44-9673-03A8CEA14BCA}" type="datetimeFigureOut">
               <a:rPr lang="fr-FR" smtClean="0"/>
-              <a:t>13/12/2023</a:t>
+              <a:t>15/12/2023</a:t>
             </a:fld>
             <a:endParaRPr lang="fr-FR"/>
           </a:p>
@@ -3609,6 +3616,199 @@
 </p:sld>
 </file>
 
+<file path=ppt/slides/slide3.xml><?xml version="1.0" encoding="utf-8"?>
+<p:sld xmlns:a="http://schemas.openxmlformats.org/drawingml/2006/main" xmlns:r="http://schemas.openxmlformats.org/officeDocument/2006/relationships" xmlns:p="http://schemas.openxmlformats.org/presentationml/2006/main">
+  <p:cSld>
+    <p:spTree>
+      <p:nvGrpSpPr>
+        <p:cNvPr id="1" name=""/>
+        <p:cNvGrpSpPr/>
+        <p:nvPr/>
+      </p:nvGrpSpPr>
+      <p:grpSpPr>
+        <a:xfrm>
+          <a:off x="0" y="0"/>
+          <a:ext cx="0" cy="0"/>
+          <a:chOff x="0" y="0"/>
+          <a:chExt cx="0" cy="0"/>
+        </a:xfrm>
+      </p:grpSpPr>
+      <p:sp>
+        <p:nvSpPr>
+          <p:cNvPr id="2" name="Titre 1">
+            <a:extLst>
+              <a:ext uri="{FF2B5EF4-FFF2-40B4-BE49-F238E27FC236}">
+                <a16:creationId xmlns:a16="http://schemas.microsoft.com/office/drawing/2014/main" id="{6410BF9F-7E3F-9795-125F-6B719D6CF5BE}"/>
+              </a:ext>
+            </a:extLst>
+          </p:cNvPr>
+          <p:cNvSpPr>
+            <a:spLocks noGrp="1"/>
+          </p:cNvSpPr>
+          <p:nvPr>
+            <p:ph type="title"/>
+          </p:nvPr>
+        </p:nvSpPr>
+        <p:spPr/>
+        <p:txBody>
+          <a:bodyPr/>
+          <a:lstStyle/>
+          <a:p>
+            <a:r>
+              <a:rPr lang="fr-FR" dirty="0"/>
+              <a:t>Hypothèses</a:t>
+            </a:r>
+          </a:p>
+        </p:txBody>
+      </p:sp>
+      <p:sp>
+        <p:nvSpPr>
+          <p:cNvPr id="3" name="Espace réservé du contenu 2">
+            <a:extLst>
+              <a:ext uri="{FF2B5EF4-FFF2-40B4-BE49-F238E27FC236}">
+                <a16:creationId xmlns:a16="http://schemas.microsoft.com/office/drawing/2014/main" id="{F810667A-3203-F804-266B-3CA1317D811C}"/>
+              </a:ext>
+            </a:extLst>
+          </p:cNvPr>
+          <p:cNvSpPr>
+            <a:spLocks noGrp="1"/>
+          </p:cNvSpPr>
+          <p:nvPr>
+            <p:ph idx="1"/>
+          </p:nvPr>
+        </p:nvSpPr>
+        <p:spPr/>
+        <p:txBody>
+          <a:bodyPr/>
+          <a:lstStyle/>
+          <a:p>
+            <a:r>
+              <a:rPr lang="fr-FR" dirty="0"/>
+              <a:t>Pas d’éolien off-shore</a:t>
+            </a:r>
+          </a:p>
+          <a:p>
+            <a:r>
+              <a:rPr lang="fr-FR" dirty="0"/>
+              <a:t>Pas de solaire au sol -&gt; uniquement toiture</a:t>
+            </a:r>
+          </a:p>
+        </p:txBody>
+      </p:sp>
+    </p:spTree>
+    <p:extLst>
+      <p:ext uri="{BB962C8B-B14F-4D97-AF65-F5344CB8AC3E}">
+        <p14:creationId xmlns:p14="http://schemas.microsoft.com/office/powerpoint/2010/main" val="3187893851"/>
+      </p:ext>
+    </p:extLst>
+  </p:cSld>
+  <p:clrMapOvr>
+    <a:masterClrMapping/>
+  </p:clrMapOvr>
+</p:sld>
+</file>
+
+<file path=ppt/slides/slide4.xml><?xml version="1.0" encoding="utf-8"?>
+<p:sld xmlns:a="http://schemas.openxmlformats.org/drawingml/2006/main" xmlns:r="http://schemas.openxmlformats.org/officeDocument/2006/relationships" xmlns:p="http://schemas.openxmlformats.org/presentationml/2006/main">
+  <p:cSld>
+    <p:spTree>
+      <p:nvGrpSpPr>
+        <p:cNvPr id="1" name=""/>
+        <p:cNvGrpSpPr/>
+        <p:nvPr/>
+      </p:nvGrpSpPr>
+      <p:grpSpPr>
+        <a:xfrm>
+          <a:off x="0" y="0"/>
+          <a:ext cx="0" cy="0"/>
+          <a:chOff x="0" y="0"/>
+          <a:chExt cx="0" cy="0"/>
+        </a:xfrm>
+      </p:grpSpPr>
+      <p:sp>
+        <p:nvSpPr>
+          <p:cNvPr id="2" name="Titre 1">
+            <a:extLst>
+              <a:ext uri="{FF2B5EF4-FFF2-40B4-BE49-F238E27FC236}">
+                <a16:creationId xmlns:a16="http://schemas.microsoft.com/office/drawing/2014/main" id="{8E60D6D7-D7F4-ACD9-62E1-F703767570BB}"/>
+              </a:ext>
+            </a:extLst>
+          </p:cNvPr>
+          <p:cNvSpPr>
+            <a:spLocks noGrp="1"/>
+          </p:cNvSpPr>
+          <p:nvPr>
+            <p:ph type="title"/>
+          </p:nvPr>
+        </p:nvSpPr>
+        <p:spPr/>
+        <p:txBody>
+          <a:bodyPr/>
+          <a:lstStyle/>
+          <a:p>
+            <a:r>
+              <a:rPr lang="fr-FR" dirty="0"/>
+              <a:t>Sources</a:t>
+            </a:r>
+          </a:p>
+        </p:txBody>
+      </p:sp>
+      <p:sp>
+        <p:nvSpPr>
+          <p:cNvPr id="3" name="Espace réservé du contenu 2">
+            <a:extLst>
+              <a:ext uri="{FF2B5EF4-FFF2-40B4-BE49-F238E27FC236}">
+                <a16:creationId xmlns:a16="http://schemas.microsoft.com/office/drawing/2014/main" id="{3DC91AD9-232E-BFEA-4F6D-F9DFDEAB00A7}"/>
+              </a:ext>
+            </a:extLst>
+          </p:cNvPr>
+          <p:cNvSpPr>
+            <a:spLocks noGrp="1"/>
+          </p:cNvSpPr>
+          <p:nvPr>
+            <p:ph idx="1"/>
+          </p:nvPr>
+        </p:nvSpPr>
+        <p:spPr/>
+        <p:txBody>
+          <a:bodyPr/>
+          <a:lstStyle/>
+          <a:p>
+            <a:r>
+              <a:rPr lang="fr-FR" dirty="0"/>
+              <a:t>Futurs énergétiques 2050 - RTE</a:t>
+            </a:r>
+          </a:p>
+          <a:p>
+            <a:r>
+              <a:rPr lang="fr-FR"/>
+              <a:t>World </a:t>
+            </a:r>
+            <a:r>
+              <a:rPr lang="fr-FR" dirty="0"/>
+              <a:t>Energy </a:t>
+            </a:r>
+            <a:r>
+              <a:rPr lang="fr-FR"/>
+              <a:t>Outlook 2020 - IAE</a:t>
+            </a:r>
+            <a:endParaRPr lang="fr-FR" dirty="0"/>
+          </a:p>
+        </p:txBody>
+      </p:sp>
+    </p:spTree>
+    <p:extLst>
+      <p:ext uri="{BB962C8B-B14F-4D97-AF65-F5344CB8AC3E}">
+        <p14:creationId xmlns:p14="http://schemas.microsoft.com/office/powerpoint/2010/main" val="1788369220"/>
+      </p:ext>
+    </p:extLst>
+  </p:cSld>
+  <p:clrMapOvr>
+    <a:masterClrMapping/>
+  </p:clrMapOvr>
+</p:sld>
+</file>
+
 <file path=ppt/theme/theme1.xml><?xml version="1.0" encoding="utf-8"?>
 <a:theme xmlns:a="http://schemas.openxmlformats.org/drawingml/2006/main" name="Thème Office">
   <a:themeElements>

--- a/rapport.pptx
+++ b/rapport.pptx
@@ -3781,17 +3781,17 @@
           </a:p>
           <a:p>
             <a:r>
-              <a:rPr lang="fr-FR"/>
-              <a:t>World </a:t>
-            </a:r>
-            <a:r>
               <a:rPr lang="fr-FR" dirty="0"/>
-              <a:t>Energy </a:t>
-            </a:r>
-            <a:r>
-              <a:rPr lang="fr-FR"/>
-              <a:t>Outlook 2020 - IAE</a:t>
-            </a:r>
+              <a:t>World Energy Outlook 2020 – IAE</a:t>
+            </a:r>
+          </a:p>
+          <a:p>
+            <a:r>
+              <a:rPr lang="fr-FR" dirty="0"/>
+              <a:t>Prix du diesel – site du gouvernement -&gt; date</a:t>
+            </a:r>
+          </a:p>
+          <a:p>
             <a:endParaRPr lang="fr-FR" dirty="0"/>
           </a:p>
         </p:txBody>

--- a/rapport.pptx
+++ b/rapport.pptx
@@ -9,6 +9,9 @@
     <p:sldId id="257" r:id="rId3"/>
     <p:sldId id="258" r:id="rId4"/>
     <p:sldId id="259" r:id="rId5"/>
+    <p:sldId id="260" r:id="rId6"/>
+    <p:sldId id="261" r:id="rId7"/>
+    <p:sldId id="262" r:id="rId8"/>
   </p:sldIdLst>
   <p:sldSz cx="12192000" cy="6858000"/>
   <p:notesSz cx="6858000" cy="9144000"/>
@@ -262,7 +265,7 @@
           <a:p>
             <a:fld id="{40A6E905-B5AB-AC44-9673-03A8CEA14BCA}" type="datetimeFigureOut">
               <a:rPr lang="fr-FR" smtClean="0"/>
-              <a:t>15/12/2023</a:t>
+              <a:t>16/12/2023</a:t>
             </a:fld>
             <a:endParaRPr lang="fr-FR"/>
           </a:p>
@@ -460,7 +463,7 @@
           <a:p>
             <a:fld id="{40A6E905-B5AB-AC44-9673-03A8CEA14BCA}" type="datetimeFigureOut">
               <a:rPr lang="fr-FR" smtClean="0"/>
-              <a:t>15/12/2023</a:t>
+              <a:t>16/12/2023</a:t>
             </a:fld>
             <a:endParaRPr lang="fr-FR"/>
           </a:p>
@@ -668,7 +671,7 @@
           <a:p>
             <a:fld id="{40A6E905-B5AB-AC44-9673-03A8CEA14BCA}" type="datetimeFigureOut">
               <a:rPr lang="fr-FR" smtClean="0"/>
-              <a:t>15/12/2023</a:t>
+              <a:t>16/12/2023</a:t>
             </a:fld>
             <a:endParaRPr lang="fr-FR"/>
           </a:p>
@@ -866,7 +869,7 @@
           <a:p>
             <a:fld id="{40A6E905-B5AB-AC44-9673-03A8CEA14BCA}" type="datetimeFigureOut">
               <a:rPr lang="fr-FR" smtClean="0"/>
-              <a:t>15/12/2023</a:t>
+              <a:t>16/12/2023</a:t>
             </a:fld>
             <a:endParaRPr lang="fr-FR"/>
           </a:p>
@@ -1141,7 +1144,7 @@
           <a:p>
             <a:fld id="{40A6E905-B5AB-AC44-9673-03A8CEA14BCA}" type="datetimeFigureOut">
               <a:rPr lang="fr-FR" smtClean="0"/>
-              <a:t>15/12/2023</a:t>
+              <a:t>16/12/2023</a:t>
             </a:fld>
             <a:endParaRPr lang="fr-FR"/>
           </a:p>
@@ -1406,7 +1409,7 @@
           <a:p>
             <a:fld id="{40A6E905-B5AB-AC44-9673-03A8CEA14BCA}" type="datetimeFigureOut">
               <a:rPr lang="fr-FR" smtClean="0"/>
-              <a:t>15/12/2023</a:t>
+              <a:t>16/12/2023</a:t>
             </a:fld>
             <a:endParaRPr lang="fr-FR"/>
           </a:p>
@@ -1818,7 +1821,7 @@
           <a:p>
             <a:fld id="{40A6E905-B5AB-AC44-9673-03A8CEA14BCA}" type="datetimeFigureOut">
               <a:rPr lang="fr-FR" smtClean="0"/>
-              <a:t>15/12/2023</a:t>
+              <a:t>16/12/2023</a:t>
             </a:fld>
             <a:endParaRPr lang="fr-FR"/>
           </a:p>
@@ -1959,7 +1962,7 @@
           <a:p>
             <a:fld id="{40A6E905-B5AB-AC44-9673-03A8CEA14BCA}" type="datetimeFigureOut">
               <a:rPr lang="fr-FR" smtClean="0"/>
-              <a:t>15/12/2023</a:t>
+              <a:t>16/12/2023</a:t>
             </a:fld>
             <a:endParaRPr lang="fr-FR"/>
           </a:p>
@@ -2072,7 +2075,7 @@
           <a:p>
             <a:fld id="{40A6E905-B5AB-AC44-9673-03A8CEA14BCA}" type="datetimeFigureOut">
               <a:rPr lang="fr-FR" smtClean="0"/>
-              <a:t>15/12/2023</a:t>
+              <a:t>16/12/2023</a:t>
             </a:fld>
             <a:endParaRPr lang="fr-FR"/>
           </a:p>
@@ -2383,7 +2386,7 @@
           <a:p>
             <a:fld id="{40A6E905-B5AB-AC44-9673-03A8CEA14BCA}" type="datetimeFigureOut">
               <a:rPr lang="fr-FR" smtClean="0"/>
-              <a:t>15/12/2023</a:t>
+              <a:t>16/12/2023</a:t>
             </a:fld>
             <a:endParaRPr lang="fr-FR"/>
           </a:p>
@@ -2671,7 +2674,7 @@
           <a:p>
             <a:fld id="{40A6E905-B5AB-AC44-9673-03A8CEA14BCA}" type="datetimeFigureOut">
               <a:rPr lang="fr-FR" smtClean="0"/>
-              <a:t>15/12/2023</a:t>
+              <a:t>16/12/2023</a:t>
             </a:fld>
             <a:endParaRPr lang="fr-FR"/>
           </a:p>
@@ -2912,7 +2915,7 @@
           <a:p>
             <a:fld id="{40A6E905-B5AB-AC44-9673-03A8CEA14BCA}" type="datetimeFigureOut">
               <a:rPr lang="fr-FR" smtClean="0"/>
-              <a:t>15/12/2023</a:t>
+              <a:t>16/12/2023</a:t>
             </a:fld>
             <a:endParaRPr lang="fr-FR"/>
           </a:p>
@@ -3693,6 +3696,18 @@
               <a:t>Pas de solaire au sol -&gt; uniquement toiture</a:t>
             </a:r>
           </a:p>
+          <a:p>
+            <a:r>
+              <a:rPr lang="fr-FR" dirty="0"/>
+              <a:t>xx Habitants sur l’île (règle de 3 sur la conso avec la France)</a:t>
+            </a:r>
+          </a:p>
+          <a:p>
+            <a:pPr marL="0" indent="0">
+              <a:buNone/>
+            </a:pPr>
+            <a:endParaRPr lang="fr-FR" dirty="0"/>
+          </a:p>
         </p:txBody>
       </p:sp>
     </p:spTree>
@@ -3800,6 +3815,652 @@
     <p:extLst>
       <p:ext uri="{BB962C8B-B14F-4D97-AF65-F5344CB8AC3E}">
         <p14:creationId xmlns:p14="http://schemas.microsoft.com/office/powerpoint/2010/main" val="1788369220"/>
+      </p:ext>
+    </p:extLst>
+  </p:cSld>
+  <p:clrMapOvr>
+    <a:masterClrMapping/>
+  </p:clrMapOvr>
+</p:sld>
+</file>
+
+<file path=ppt/slides/slide5.xml><?xml version="1.0" encoding="utf-8"?>
+<p:sld xmlns:a="http://schemas.openxmlformats.org/drawingml/2006/main" xmlns:r="http://schemas.openxmlformats.org/officeDocument/2006/relationships" xmlns:p="http://schemas.openxmlformats.org/presentationml/2006/main">
+  <p:cSld>
+    <p:spTree>
+      <p:nvGrpSpPr>
+        <p:cNvPr id="1" name=""/>
+        <p:cNvGrpSpPr/>
+        <p:nvPr/>
+      </p:nvGrpSpPr>
+      <p:grpSpPr>
+        <a:xfrm>
+          <a:off x="0" y="0"/>
+          <a:ext cx="0" cy="0"/>
+          <a:chOff x="0" y="0"/>
+          <a:chExt cx="0" cy="0"/>
+        </a:xfrm>
+      </p:grpSpPr>
+      <p:sp>
+        <p:nvSpPr>
+          <p:cNvPr id="2" name="Titre 1">
+            <a:extLst>
+              <a:ext uri="{FF2B5EF4-FFF2-40B4-BE49-F238E27FC236}">
+                <a16:creationId xmlns:a16="http://schemas.microsoft.com/office/drawing/2014/main" id="{0AEE65A6-0C7D-D77F-BD84-ABFC4A7D677F}"/>
+              </a:ext>
+            </a:extLst>
+          </p:cNvPr>
+          <p:cNvSpPr>
+            <a:spLocks noGrp="1"/>
+          </p:cNvSpPr>
+          <p:nvPr>
+            <p:ph type="title"/>
+          </p:nvPr>
+        </p:nvSpPr>
+        <p:spPr/>
+        <p:txBody>
+          <a:bodyPr/>
+          <a:lstStyle/>
+          <a:p>
+            <a:r>
+              <a:rPr lang="fr-FR" dirty="0"/>
+              <a:t>Hypothèses des coûts</a:t>
+            </a:r>
+          </a:p>
+        </p:txBody>
+      </p:sp>
+      <p:graphicFrame>
+        <p:nvGraphicFramePr>
+          <p:cNvPr id="4" name="Espace réservé du contenu 3">
+            <a:extLst>
+              <a:ext uri="{FF2B5EF4-FFF2-40B4-BE49-F238E27FC236}">
+                <a16:creationId xmlns:a16="http://schemas.microsoft.com/office/drawing/2014/main" id="{BC6F1049-A7CA-EA9E-4239-006FAFC5D243}"/>
+              </a:ext>
+            </a:extLst>
+          </p:cNvPr>
+          <p:cNvGraphicFramePr>
+            <a:graphicFrameLocks noGrp="1"/>
+          </p:cNvGraphicFramePr>
+          <p:nvPr>
+            <p:ph idx="1"/>
+            <p:extLst>
+              <p:ext uri="{D42A27DB-BD31-4B8C-83A1-F6EECF244321}">
+                <p14:modId xmlns:p14="http://schemas.microsoft.com/office/powerpoint/2010/main" val="2226967191"/>
+              </p:ext>
+            </p:extLst>
+          </p:nvPr>
+        </p:nvGraphicFramePr>
+        <p:xfrm>
+          <a:off x="838200" y="1825625"/>
+          <a:ext cx="10515597" cy="2225040"/>
+        </p:xfrm>
+        <a:graphic>
+          <a:graphicData uri="http://schemas.openxmlformats.org/drawingml/2006/table">
+            <a:tbl>
+              <a:tblPr firstRow="1" firstCol="1" bandRow="1">
+                <a:tableStyleId>{5C22544A-7EE6-4342-B048-85BDC9FD1C3A}</a:tableStyleId>
+              </a:tblPr>
+              <a:tblGrid>
+                <a:gridCol w="3505199">
+                  <a:extLst>
+                    <a:ext uri="{9D8B030D-6E8A-4147-A177-3AD203B41FA5}">
+                      <a16:colId xmlns:a16="http://schemas.microsoft.com/office/drawing/2014/main" val="315530076"/>
+                    </a:ext>
+                  </a:extLst>
+                </a:gridCol>
+                <a:gridCol w="3505199">
+                  <a:extLst>
+                    <a:ext uri="{9D8B030D-6E8A-4147-A177-3AD203B41FA5}">
+                      <a16:colId xmlns:a16="http://schemas.microsoft.com/office/drawing/2014/main" val="3572474061"/>
+                    </a:ext>
+                  </a:extLst>
+                </a:gridCol>
+                <a:gridCol w="3505199">
+                  <a:extLst>
+                    <a:ext uri="{9D8B030D-6E8A-4147-A177-3AD203B41FA5}">
+                      <a16:colId xmlns:a16="http://schemas.microsoft.com/office/drawing/2014/main" val="2628995089"/>
+                    </a:ext>
+                  </a:extLst>
+                </a:gridCol>
+              </a:tblGrid>
+              <a:tr h="370840">
+                <a:tc>
+                  <a:txBody>
+                    <a:bodyPr/>
+                    <a:lstStyle/>
+                    <a:p>
+                      <a:endParaRPr lang="fr-FR"/>
+                    </a:p>
+                  </a:txBody>
+                  <a:tcPr/>
+                </a:tc>
+                <a:tc>
+                  <a:txBody>
+                    <a:bodyPr/>
+                    <a:lstStyle/>
+                    <a:p>
+                      <a:r>
+                        <a:rPr lang="fr-FR" dirty="0"/>
+                        <a:t>CAPEX (€/MWh)</a:t>
+                      </a:r>
+                    </a:p>
+                  </a:txBody>
+                  <a:tcPr/>
+                </a:tc>
+                <a:tc>
+                  <a:txBody>
+                    <a:bodyPr/>
+                    <a:lstStyle/>
+                    <a:p>
+                      <a:r>
+                        <a:rPr lang="fr-FR" dirty="0"/>
+                        <a:t>OPEX (€/</a:t>
+                      </a:r>
+                      <a:r>
+                        <a:rPr lang="fr-FR" dirty="0" err="1"/>
+                        <a:t>MWh.an</a:t>
+                      </a:r>
+                      <a:r>
+                        <a:rPr lang="fr-FR" dirty="0"/>
+                        <a:t>)</a:t>
+                      </a:r>
+                    </a:p>
+                  </a:txBody>
+                  <a:tcPr/>
+                </a:tc>
+                <a:extLst>
+                  <a:ext uri="{0D108BD9-81ED-4DB2-BD59-A6C34878D82A}">
+                    <a16:rowId xmlns:a16="http://schemas.microsoft.com/office/drawing/2014/main" val="2468328423"/>
+                  </a:ext>
+                </a:extLst>
+              </a:tr>
+              <a:tr h="370840">
+                <a:tc>
+                  <a:txBody>
+                    <a:bodyPr/>
+                    <a:lstStyle/>
+                    <a:p>
+                      <a:r>
+                        <a:rPr lang="fr-FR" dirty="0"/>
+                        <a:t>Diesel</a:t>
+                      </a:r>
+                    </a:p>
+                  </a:txBody>
+                  <a:tcPr/>
+                </a:tc>
+                <a:tc>
+                  <a:txBody>
+                    <a:bodyPr/>
+                    <a:lstStyle/>
+                    <a:p>
+                      <a:endParaRPr lang="fr-FR"/>
+                    </a:p>
+                  </a:txBody>
+                  <a:tcPr/>
+                </a:tc>
+                <a:tc>
+                  <a:txBody>
+                    <a:bodyPr/>
+                    <a:lstStyle/>
+                    <a:p>
+                      <a:r>
+                        <a:rPr lang="fr-FR" dirty="0"/>
+                        <a:t>101 000</a:t>
+                      </a:r>
+                    </a:p>
+                  </a:txBody>
+                  <a:tcPr/>
+                </a:tc>
+                <a:extLst>
+                  <a:ext uri="{0D108BD9-81ED-4DB2-BD59-A6C34878D82A}">
+                    <a16:rowId xmlns:a16="http://schemas.microsoft.com/office/drawing/2014/main" val="895590090"/>
+                  </a:ext>
+                </a:extLst>
+              </a:tr>
+              <a:tr h="370840">
+                <a:tc>
+                  <a:txBody>
+                    <a:bodyPr/>
+                    <a:lstStyle/>
+                    <a:p>
+                      <a:r>
+                        <a:rPr lang="fr-FR" dirty="0"/>
+                        <a:t>Solaire au sol</a:t>
+                      </a:r>
+                    </a:p>
+                  </a:txBody>
+                  <a:tcPr/>
+                </a:tc>
+                <a:tc>
+                  <a:txBody>
+                    <a:bodyPr/>
+                    <a:lstStyle/>
+                    <a:p>
+                      <a:endParaRPr lang="fr-FR"/>
+                    </a:p>
+                  </a:txBody>
+                  <a:tcPr/>
+                </a:tc>
+                <a:tc>
+                  <a:txBody>
+                    <a:bodyPr/>
+                    <a:lstStyle/>
+                    <a:p>
+                      <a:r>
+                        <a:rPr lang="fr-FR" dirty="0"/>
+                        <a:t>11 000</a:t>
+                      </a:r>
+                    </a:p>
+                  </a:txBody>
+                  <a:tcPr/>
+                </a:tc>
+                <a:extLst>
+                  <a:ext uri="{0D108BD9-81ED-4DB2-BD59-A6C34878D82A}">
+                    <a16:rowId xmlns:a16="http://schemas.microsoft.com/office/drawing/2014/main" val="371147302"/>
+                  </a:ext>
+                </a:extLst>
+              </a:tr>
+              <a:tr h="370840">
+                <a:tc>
+                  <a:txBody>
+                    <a:bodyPr/>
+                    <a:lstStyle/>
+                    <a:p>
+                      <a:r>
+                        <a:rPr lang="fr-FR" dirty="0"/>
+                        <a:t>Solaire sur toiture</a:t>
+                      </a:r>
+                    </a:p>
+                  </a:txBody>
+                  <a:tcPr/>
+                </a:tc>
+                <a:tc>
+                  <a:txBody>
+                    <a:bodyPr/>
+                    <a:lstStyle/>
+                    <a:p>
+                      <a:endParaRPr lang="fr-FR"/>
+                    </a:p>
+                  </a:txBody>
+                  <a:tcPr/>
+                </a:tc>
+                <a:tc>
+                  <a:txBody>
+                    <a:bodyPr/>
+                    <a:lstStyle/>
+                    <a:p>
+                      <a:r>
+                        <a:rPr lang="fr-FR" dirty="0"/>
+                        <a:t>20 000</a:t>
+                      </a:r>
+                    </a:p>
+                  </a:txBody>
+                  <a:tcPr/>
+                </a:tc>
+                <a:extLst>
+                  <a:ext uri="{0D108BD9-81ED-4DB2-BD59-A6C34878D82A}">
+                    <a16:rowId xmlns:a16="http://schemas.microsoft.com/office/drawing/2014/main" val="29569578"/>
+                  </a:ext>
+                </a:extLst>
+              </a:tr>
+              <a:tr h="370840">
+                <a:tc>
+                  <a:txBody>
+                    <a:bodyPr/>
+                    <a:lstStyle/>
+                    <a:p>
+                      <a:r>
+                        <a:rPr lang="fr-FR" dirty="0"/>
+                        <a:t>Éolien terrestre</a:t>
+                      </a:r>
+                    </a:p>
+                  </a:txBody>
+                  <a:tcPr/>
+                </a:tc>
+                <a:tc>
+                  <a:txBody>
+                    <a:bodyPr/>
+                    <a:lstStyle/>
+                    <a:p>
+                      <a:endParaRPr lang="fr-FR"/>
+                    </a:p>
+                  </a:txBody>
+                  <a:tcPr/>
+                </a:tc>
+                <a:tc>
+                  <a:txBody>
+                    <a:bodyPr/>
+                    <a:lstStyle/>
+                    <a:p>
+                      <a:r>
+                        <a:rPr lang="fr-FR" dirty="0"/>
+                        <a:t>40 000</a:t>
+                      </a:r>
+                    </a:p>
+                  </a:txBody>
+                  <a:tcPr/>
+                </a:tc>
+                <a:extLst>
+                  <a:ext uri="{0D108BD9-81ED-4DB2-BD59-A6C34878D82A}">
+                    <a16:rowId xmlns:a16="http://schemas.microsoft.com/office/drawing/2014/main" val="426465920"/>
+                  </a:ext>
+                </a:extLst>
+              </a:tr>
+              <a:tr h="370840">
+                <a:tc>
+                  <a:txBody>
+                    <a:bodyPr/>
+                    <a:lstStyle/>
+                    <a:p>
+                      <a:r>
+                        <a:rPr lang="fr-FR" dirty="0"/>
+                        <a:t>Éolien off-shore</a:t>
+                      </a:r>
+                    </a:p>
+                  </a:txBody>
+                  <a:tcPr/>
+                </a:tc>
+                <a:tc>
+                  <a:txBody>
+                    <a:bodyPr/>
+                    <a:lstStyle/>
+                    <a:p>
+                      <a:endParaRPr lang="fr-FR"/>
+                    </a:p>
+                  </a:txBody>
+                  <a:tcPr/>
+                </a:tc>
+                <a:tc>
+                  <a:txBody>
+                    <a:bodyPr/>
+                    <a:lstStyle/>
+                    <a:p>
+                      <a:r>
+                        <a:rPr lang="fr-FR" dirty="0"/>
+                        <a:t>80 000</a:t>
+                      </a:r>
+                    </a:p>
+                  </a:txBody>
+                  <a:tcPr/>
+                </a:tc>
+                <a:extLst>
+                  <a:ext uri="{0D108BD9-81ED-4DB2-BD59-A6C34878D82A}">
+                    <a16:rowId xmlns:a16="http://schemas.microsoft.com/office/drawing/2014/main" val="1451350444"/>
+                  </a:ext>
+                </a:extLst>
+              </a:tr>
+            </a:tbl>
+          </a:graphicData>
+        </a:graphic>
+      </p:graphicFrame>
+    </p:spTree>
+    <p:extLst>
+      <p:ext uri="{BB962C8B-B14F-4D97-AF65-F5344CB8AC3E}">
+        <p14:creationId xmlns:p14="http://schemas.microsoft.com/office/powerpoint/2010/main" val="1961975441"/>
+      </p:ext>
+    </p:extLst>
+  </p:cSld>
+  <p:clrMapOvr>
+    <a:masterClrMapping/>
+  </p:clrMapOvr>
+</p:sld>
+</file>
+
+<file path=ppt/slides/slide6.xml><?xml version="1.0" encoding="utf-8"?>
+<p:sld xmlns:a="http://schemas.openxmlformats.org/drawingml/2006/main" xmlns:r="http://schemas.openxmlformats.org/officeDocument/2006/relationships" xmlns:p="http://schemas.openxmlformats.org/presentationml/2006/main">
+  <p:cSld>
+    <p:spTree>
+      <p:nvGrpSpPr>
+        <p:cNvPr id="1" name=""/>
+        <p:cNvGrpSpPr/>
+        <p:nvPr/>
+      </p:nvGrpSpPr>
+      <p:grpSpPr>
+        <a:xfrm>
+          <a:off x="0" y="0"/>
+          <a:ext cx="0" cy="0"/>
+          <a:chOff x="0" y="0"/>
+          <a:chExt cx="0" cy="0"/>
+        </a:xfrm>
+      </p:grpSpPr>
+      <p:sp>
+        <p:nvSpPr>
+          <p:cNvPr id="2" name="Titre 1">
+            <a:extLst>
+              <a:ext uri="{FF2B5EF4-FFF2-40B4-BE49-F238E27FC236}">
+                <a16:creationId xmlns:a16="http://schemas.microsoft.com/office/drawing/2014/main" id="{A3E95A17-1240-8030-7F5B-087655858295}"/>
+              </a:ext>
+            </a:extLst>
+          </p:cNvPr>
+          <p:cNvSpPr>
+            <a:spLocks noGrp="1"/>
+          </p:cNvSpPr>
+          <p:nvPr>
+            <p:ph type="title"/>
+          </p:nvPr>
+        </p:nvSpPr>
+        <p:spPr/>
+        <p:txBody>
+          <a:bodyPr/>
+          <a:lstStyle/>
+          <a:p>
+            <a:r>
+              <a:rPr lang="fr-FR" dirty="0"/>
+              <a:t>Scénarios</a:t>
+            </a:r>
+          </a:p>
+        </p:txBody>
+      </p:sp>
+      <p:sp>
+        <p:nvSpPr>
+          <p:cNvPr id="3" name="Espace réservé du contenu 2">
+            <a:extLst>
+              <a:ext uri="{FF2B5EF4-FFF2-40B4-BE49-F238E27FC236}">
+                <a16:creationId xmlns:a16="http://schemas.microsoft.com/office/drawing/2014/main" id="{26D07565-249A-F223-BA03-29F59D0E1053}"/>
+              </a:ext>
+            </a:extLst>
+          </p:cNvPr>
+          <p:cNvSpPr>
+            <a:spLocks noGrp="1"/>
+          </p:cNvSpPr>
+          <p:nvPr>
+            <p:ph idx="1"/>
+          </p:nvPr>
+        </p:nvSpPr>
+        <p:spPr/>
+        <p:txBody>
+          <a:bodyPr/>
+          <a:lstStyle/>
+          <a:p>
+            <a:r>
+              <a:rPr lang="fr-FR" dirty="0"/>
+              <a:t>Optimisation sur le coûts</a:t>
+            </a:r>
+          </a:p>
+          <a:p>
+            <a:r>
+              <a:rPr lang="fr-FR" dirty="0"/>
+              <a:t>Optimisation sur la pollution</a:t>
+            </a:r>
+          </a:p>
+          <a:p>
+            <a:r>
+              <a:rPr lang="fr-FR" dirty="0"/>
+              <a:t>Optimisation en prenant en compte le foisonnement</a:t>
+            </a:r>
+          </a:p>
+        </p:txBody>
+      </p:sp>
+    </p:spTree>
+    <p:extLst>
+      <p:ext uri="{BB962C8B-B14F-4D97-AF65-F5344CB8AC3E}">
+        <p14:creationId xmlns:p14="http://schemas.microsoft.com/office/powerpoint/2010/main" val="4049711483"/>
+      </p:ext>
+    </p:extLst>
+  </p:cSld>
+  <p:clrMapOvr>
+    <a:masterClrMapping/>
+  </p:clrMapOvr>
+</p:sld>
+</file>
+
+<file path=ppt/slides/slide7.xml><?xml version="1.0" encoding="utf-8"?>
+<p:sld xmlns:a="http://schemas.openxmlformats.org/drawingml/2006/main" xmlns:r="http://schemas.openxmlformats.org/officeDocument/2006/relationships" xmlns:p="http://schemas.openxmlformats.org/presentationml/2006/main">
+  <p:cSld>
+    <p:spTree>
+      <p:nvGrpSpPr>
+        <p:cNvPr id="1" name=""/>
+        <p:cNvGrpSpPr/>
+        <p:nvPr/>
+      </p:nvGrpSpPr>
+      <p:grpSpPr>
+        <a:xfrm>
+          <a:off x="0" y="0"/>
+          <a:ext cx="0" cy="0"/>
+          <a:chOff x="0" y="0"/>
+          <a:chExt cx="0" cy="0"/>
+        </a:xfrm>
+      </p:grpSpPr>
+      <p:sp>
+        <p:nvSpPr>
+          <p:cNvPr id="2" name="Titre 1">
+            <a:extLst>
+              <a:ext uri="{FF2B5EF4-FFF2-40B4-BE49-F238E27FC236}">
+                <a16:creationId xmlns:a16="http://schemas.microsoft.com/office/drawing/2014/main" id="{5F03E97A-003A-99CD-7642-F8F39407F91C}"/>
+              </a:ext>
+            </a:extLst>
+          </p:cNvPr>
+          <p:cNvSpPr>
+            <a:spLocks noGrp="1"/>
+          </p:cNvSpPr>
+          <p:nvPr>
+            <p:ph type="title"/>
+          </p:nvPr>
+        </p:nvSpPr>
+        <p:spPr/>
+        <p:txBody>
+          <a:bodyPr/>
+          <a:lstStyle/>
+          <a:p>
+            <a:r>
+              <a:rPr lang="fr-FR" dirty="0"/>
+              <a:t>Résultats</a:t>
+            </a:r>
+          </a:p>
+        </p:txBody>
+      </p:sp>
+      <p:sp>
+        <p:nvSpPr>
+          <p:cNvPr id="4" name="ZoneTexte 3">
+            <a:extLst>
+              <a:ext uri="{FF2B5EF4-FFF2-40B4-BE49-F238E27FC236}">
+                <a16:creationId xmlns:a16="http://schemas.microsoft.com/office/drawing/2014/main" id="{9509944C-6760-3574-A0D8-6622D18A6B77}"/>
+              </a:ext>
+            </a:extLst>
+          </p:cNvPr>
+          <p:cNvSpPr txBox="1"/>
+          <p:nvPr/>
+        </p:nvSpPr>
+        <p:spPr>
+          <a:xfrm>
+            <a:off x="1721707" y="6067170"/>
+            <a:ext cx="1346886" cy="369332"/>
+          </a:xfrm>
+          <a:prstGeom prst="rect">
+            <a:avLst/>
+          </a:prstGeom>
+          <a:noFill/>
+        </p:spPr>
+        <p:txBody>
+          <a:bodyPr wrap="square" rtlCol="0">
+            <a:spAutoFit/>
+          </a:bodyPr>
+          <a:lstStyle/>
+          <a:p>
+            <a:pPr algn="ctr"/>
+            <a:r>
+              <a:rPr lang="fr-FR" dirty="0"/>
+              <a:t>Scénario 1</a:t>
+            </a:r>
+          </a:p>
+        </p:txBody>
+      </p:sp>
+      <p:sp>
+        <p:nvSpPr>
+          <p:cNvPr id="5" name="ZoneTexte 4">
+            <a:extLst>
+              <a:ext uri="{FF2B5EF4-FFF2-40B4-BE49-F238E27FC236}">
+                <a16:creationId xmlns:a16="http://schemas.microsoft.com/office/drawing/2014/main" id="{20F8F632-A963-4DF1-AF0E-C97FCA9010BD}"/>
+              </a:ext>
+            </a:extLst>
+          </p:cNvPr>
+          <p:cNvSpPr txBox="1"/>
+          <p:nvPr/>
+        </p:nvSpPr>
+        <p:spPr>
+          <a:xfrm>
+            <a:off x="5422557" y="6067170"/>
+            <a:ext cx="1346886" cy="369332"/>
+          </a:xfrm>
+          <a:prstGeom prst="rect">
+            <a:avLst/>
+          </a:prstGeom>
+          <a:noFill/>
+        </p:spPr>
+        <p:txBody>
+          <a:bodyPr wrap="square" rtlCol="0">
+            <a:spAutoFit/>
+          </a:bodyPr>
+          <a:lstStyle/>
+          <a:p>
+            <a:pPr algn="ctr"/>
+            <a:r>
+              <a:rPr lang="fr-FR" dirty="0"/>
+              <a:t>Scénario 2</a:t>
+            </a:r>
+          </a:p>
+        </p:txBody>
+      </p:sp>
+      <p:sp>
+        <p:nvSpPr>
+          <p:cNvPr id="6" name="ZoneTexte 5">
+            <a:extLst>
+              <a:ext uri="{FF2B5EF4-FFF2-40B4-BE49-F238E27FC236}">
+                <a16:creationId xmlns:a16="http://schemas.microsoft.com/office/drawing/2014/main" id="{D173CA55-35E0-8C80-FD12-86BBF74897A1}"/>
+              </a:ext>
+            </a:extLst>
+          </p:cNvPr>
+          <p:cNvSpPr txBox="1"/>
+          <p:nvPr/>
+        </p:nvSpPr>
+        <p:spPr>
+          <a:xfrm>
+            <a:off x="9123407" y="6067170"/>
+            <a:ext cx="1346886" cy="369332"/>
+          </a:xfrm>
+          <a:prstGeom prst="rect">
+            <a:avLst/>
+          </a:prstGeom>
+          <a:noFill/>
+        </p:spPr>
+        <p:txBody>
+          <a:bodyPr wrap="square" rtlCol="0">
+            <a:spAutoFit/>
+          </a:bodyPr>
+          <a:lstStyle/>
+          <a:p>
+            <a:pPr algn="ctr"/>
+            <a:r>
+              <a:rPr lang="fr-FR" dirty="0"/>
+              <a:t>Scénario 3</a:t>
+            </a:r>
+          </a:p>
+        </p:txBody>
+      </p:sp>
+    </p:spTree>
+    <p:extLst>
+      <p:ext uri="{BB962C8B-B14F-4D97-AF65-F5344CB8AC3E}">
+        <p14:creationId xmlns:p14="http://schemas.microsoft.com/office/powerpoint/2010/main" val="2376248714"/>
       </p:ext>
     </p:extLst>
   </p:cSld>

--- a/rapport.pptx
+++ b/rapport.pptx
@@ -12,6 +12,7 @@
     <p:sldId id="260" r:id="rId6"/>
     <p:sldId id="261" r:id="rId7"/>
     <p:sldId id="262" r:id="rId8"/>
+    <p:sldId id="263" r:id="rId9"/>
   </p:sldIdLst>
   <p:sldSz cx="12192000" cy="6858000"/>
   <p:notesSz cx="6858000" cy="9144000"/>
@@ -116,6 +117,3834 @@
     </p:ext>
   </p:extLst>
 </p:presentation>
+</file>
+
+<file path=ppt/charts/chart1.xml><?xml version="1.0" encoding="utf-8"?>
+<c:chartSpace xmlns:c="http://schemas.openxmlformats.org/drawingml/2006/chart" xmlns:a="http://schemas.openxmlformats.org/drawingml/2006/main" xmlns:r="http://schemas.openxmlformats.org/officeDocument/2006/relationships" xmlns:c16r2="http://schemas.microsoft.com/office/drawing/2015/06/chart">
+  <c:date1904 val="0"/>
+  <c:lang val="fr-FR"/>
+  <c:roundedCorners val="0"/>
+  <mc:AlternateContent xmlns:mc="http://schemas.openxmlformats.org/markup-compatibility/2006">
+    <mc:Choice xmlns:c14="http://schemas.microsoft.com/office/drawing/2007/8/2/chart" Requires="c14">
+      <c14:style val="102"/>
+    </mc:Choice>
+    <mc:Fallback>
+      <c:style val="2"/>
+    </mc:Fallback>
+  </mc:AlternateContent>
+  <c:chart>
+    <c:autoTitleDeleted val="1"/>
+    <c:plotArea>
+      <c:layout/>
+      <c:pieChart>
+        <c:varyColors val="1"/>
+        <c:ser>
+          <c:idx val="0"/>
+          <c:order val="0"/>
+          <c:tx>
+            <c:strRef>
+              <c:f>'Scénario 1'!$B$1</c:f>
+              <c:strCache>
+                <c:ptCount val="1"/>
+                <c:pt idx="0">
+                  <c:v>Mix</c:v>
+                </c:pt>
+              </c:strCache>
+            </c:strRef>
+          </c:tx>
+          <c:dPt>
+            <c:idx val="0"/>
+            <c:bubble3D val="0"/>
+            <c:spPr>
+              <a:solidFill>
+                <a:schemeClr val="accent1"/>
+              </a:solidFill>
+              <a:ln w="19050">
+                <a:solidFill>
+                  <a:schemeClr val="lt1"/>
+                </a:solidFill>
+              </a:ln>
+              <a:effectLst/>
+            </c:spPr>
+            <c:extLst>
+              <c:ext xmlns:c16="http://schemas.microsoft.com/office/drawing/2014/chart" uri="{C3380CC4-5D6E-409C-BE32-E72D297353CC}">
+                <c16:uniqueId val="{00000001-F38E-EF4B-88AB-E830AFB52E82}"/>
+              </c:ext>
+            </c:extLst>
+          </c:dPt>
+          <c:dPt>
+            <c:idx val="1"/>
+            <c:bubble3D val="0"/>
+            <c:spPr>
+              <a:solidFill>
+                <a:schemeClr val="accent2"/>
+              </a:solidFill>
+              <a:ln w="19050">
+                <a:solidFill>
+                  <a:schemeClr val="lt1"/>
+                </a:solidFill>
+              </a:ln>
+              <a:effectLst/>
+            </c:spPr>
+            <c:extLst>
+              <c:ext xmlns:c16="http://schemas.microsoft.com/office/drawing/2014/chart" uri="{C3380CC4-5D6E-409C-BE32-E72D297353CC}">
+                <c16:uniqueId val="{00000003-F38E-EF4B-88AB-E830AFB52E82}"/>
+              </c:ext>
+            </c:extLst>
+          </c:dPt>
+          <c:dPt>
+            <c:idx val="2"/>
+            <c:bubble3D val="0"/>
+            <c:spPr>
+              <a:solidFill>
+                <a:schemeClr val="accent3"/>
+              </a:solidFill>
+              <a:ln w="19050">
+                <a:solidFill>
+                  <a:schemeClr val="lt1"/>
+                </a:solidFill>
+              </a:ln>
+              <a:effectLst/>
+            </c:spPr>
+            <c:extLst>
+              <c:ext xmlns:c16="http://schemas.microsoft.com/office/drawing/2014/chart" uri="{C3380CC4-5D6E-409C-BE32-E72D297353CC}">
+                <c16:uniqueId val="{00000005-F38E-EF4B-88AB-E830AFB52E82}"/>
+              </c:ext>
+            </c:extLst>
+          </c:dPt>
+          <c:dPt>
+            <c:idx val="3"/>
+            <c:bubble3D val="0"/>
+            <c:spPr>
+              <a:solidFill>
+                <a:schemeClr val="accent4"/>
+              </a:solidFill>
+              <a:ln w="19050">
+                <a:solidFill>
+                  <a:schemeClr val="lt1"/>
+                </a:solidFill>
+              </a:ln>
+              <a:effectLst/>
+            </c:spPr>
+            <c:extLst>
+              <c:ext xmlns:c16="http://schemas.microsoft.com/office/drawing/2014/chart" uri="{C3380CC4-5D6E-409C-BE32-E72D297353CC}">
+                <c16:uniqueId val="{00000007-F38E-EF4B-88AB-E830AFB52E82}"/>
+              </c:ext>
+            </c:extLst>
+          </c:dPt>
+          <c:dLbls>
+            <c:spPr>
+              <a:noFill/>
+              <a:ln>
+                <a:noFill/>
+              </a:ln>
+              <a:effectLst/>
+            </c:spPr>
+            <c:txPr>
+              <a:bodyPr rot="0" spcFirstLastPara="1" vertOverflow="ellipsis" vert="horz" wrap="square" lIns="38100" tIns="19050" rIns="38100" bIns="19050" anchor="ctr" anchorCtr="1">
+                <a:spAutoFit/>
+              </a:bodyPr>
+              <a:lstStyle/>
+              <a:p>
+                <a:pPr>
+                  <a:defRPr sz="900" b="0" i="0" u="none" strike="noStrike" kern="1200" baseline="0">
+                    <a:solidFill>
+                      <a:schemeClr val="tx1">
+                        <a:lumMod val="75000"/>
+                        <a:lumOff val="25000"/>
+                      </a:schemeClr>
+                    </a:solidFill>
+                    <a:latin typeface="+mn-lt"/>
+                    <a:ea typeface="+mn-ea"/>
+                    <a:cs typeface="+mn-cs"/>
+                  </a:defRPr>
+                </a:pPr>
+                <a:endParaRPr lang="fr-FR"/>
+              </a:p>
+            </c:txPr>
+            <c:showLegendKey val="0"/>
+            <c:showVal val="0"/>
+            <c:showCatName val="1"/>
+            <c:showSerName val="0"/>
+            <c:showPercent val="1"/>
+            <c:showBubbleSize val="0"/>
+            <c:showLeaderLines val="1"/>
+            <c:leaderLines>
+              <c:spPr>
+                <a:ln w="9525" cap="flat" cmpd="sng" algn="ctr">
+                  <a:solidFill>
+                    <a:schemeClr val="tx1">
+                      <a:lumMod val="35000"/>
+                      <a:lumOff val="65000"/>
+                    </a:schemeClr>
+                  </a:solidFill>
+                  <a:round/>
+                </a:ln>
+                <a:effectLst/>
+              </c:spPr>
+            </c:leaderLines>
+            <c:extLst>
+              <c:ext xmlns:c15="http://schemas.microsoft.com/office/drawing/2012/chart" uri="{CE6537A1-D6FC-4f65-9D91-7224C49458BB}"/>
+            </c:extLst>
+          </c:dLbls>
+          <c:cat>
+            <c:strRef>
+              <c:f>'Scénario 1'!$A$2:$A$5</c:f>
+              <c:strCache>
+                <c:ptCount val="4"/>
+                <c:pt idx="0">
+                  <c:v>Solaire</c:v>
+                </c:pt>
+                <c:pt idx="1">
+                  <c:v>Éolien</c:v>
+                </c:pt>
+                <c:pt idx="2">
+                  <c:v>Diesel</c:v>
+                </c:pt>
+                <c:pt idx="3">
+                  <c:v>Batterie</c:v>
+                </c:pt>
+              </c:strCache>
+            </c:strRef>
+          </c:cat>
+          <c:val>
+            <c:numRef>
+              <c:f>'Scénario 1'!$B$2:$B$5</c:f>
+              <c:numCache>
+                <c:formatCode>General</c:formatCode>
+                <c:ptCount val="4"/>
+                <c:pt idx="0">
+                  <c:v>17</c:v>
+                </c:pt>
+                <c:pt idx="1">
+                  <c:v>43</c:v>
+                </c:pt>
+                <c:pt idx="2">
+                  <c:v>21</c:v>
+                </c:pt>
+                <c:pt idx="3">
+                  <c:v>3</c:v>
+                </c:pt>
+              </c:numCache>
+            </c:numRef>
+          </c:val>
+          <c:extLst>
+            <c:ext xmlns:c16="http://schemas.microsoft.com/office/drawing/2014/chart" uri="{C3380CC4-5D6E-409C-BE32-E72D297353CC}">
+              <c16:uniqueId val="{00000008-F38E-EF4B-88AB-E830AFB52E82}"/>
+            </c:ext>
+          </c:extLst>
+        </c:ser>
+        <c:dLbls>
+          <c:showLegendKey val="0"/>
+          <c:showVal val="0"/>
+          <c:showCatName val="1"/>
+          <c:showSerName val="0"/>
+          <c:showPercent val="1"/>
+          <c:showBubbleSize val="0"/>
+          <c:showLeaderLines val="1"/>
+        </c:dLbls>
+        <c:firstSliceAng val="0"/>
+      </c:pieChart>
+      <c:spPr>
+        <a:noFill/>
+        <a:ln>
+          <a:noFill/>
+        </a:ln>
+        <a:effectLst/>
+      </c:spPr>
+    </c:plotArea>
+    <c:plotVisOnly val="1"/>
+    <c:dispBlanksAs val="gap"/>
+    <c:extLst>
+      <c:ext xmlns:c16r3="http://schemas.microsoft.com/office/drawing/2017/03/chart" uri="{56B9EC1D-385E-4148-901F-78D8002777C0}">
+        <c16r3:dataDisplayOptions16>
+          <c16r3:dispNaAsBlank val="1"/>
+        </c16r3:dataDisplayOptions16>
+      </c:ext>
+    </c:extLst>
+    <c:showDLblsOverMax val="0"/>
+  </c:chart>
+  <c:spPr>
+    <a:noFill/>
+    <a:ln>
+      <a:noFill/>
+    </a:ln>
+    <a:effectLst/>
+  </c:spPr>
+  <c:txPr>
+    <a:bodyPr/>
+    <a:lstStyle/>
+    <a:p>
+      <a:pPr>
+        <a:defRPr/>
+      </a:pPr>
+      <a:endParaRPr lang="fr-FR"/>
+    </a:p>
+  </c:txPr>
+  <c:externalData r:id="rId3">
+    <c:autoUpdate val="0"/>
+  </c:externalData>
+</c:chartSpace>
+</file>
+
+<file path=ppt/charts/chart2.xml><?xml version="1.0" encoding="utf-8"?>
+<c:chartSpace xmlns:c="http://schemas.openxmlformats.org/drawingml/2006/chart" xmlns:a="http://schemas.openxmlformats.org/drawingml/2006/main" xmlns:r="http://schemas.openxmlformats.org/officeDocument/2006/relationships" xmlns:c16r2="http://schemas.microsoft.com/office/drawing/2015/06/chart">
+  <c:date1904 val="0"/>
+  <c:lang val="fr-FR"/>
+  <c:roundedCorners val="0"/>
+  <mc:AlternateContent xmlns:mc="http://schemas.openxmlformats.org/markup-compatibility/2006">
+    <mc:Choice xmlns:c14="http://schemas.microsoft.com/office/drawing/2007/8/2/chart" Requires="c14">
+      <c14:style val="102"/>
+    </mc:Choice>
+    <mc:Fallback>
+      <c:style val="2"/>
+    </mc:Fallback>
+  </mc:AlternateContent>
+  <c:chart>
+    <c:autoTitleDeleted val="1"/>
+    <c:plotArea>
+      <c:layout/>
+      <c:pieChart>
+        <c:varyColors val="1"/>
+        <c:ser>
+          <c:idx val="0"/>
+          <c:order val="0"/>
+          <c:tx>
+            <c:strRef>
+              <c:f>'Scénario 1'!$B$1</c:f>
+              <c:strCache>
+                <c:ptCount val="1"/>
+                <c:pt idx="0">
+                  <c:v>Mix</c:v>
+                </c:pt>
+              </c:strCache>
+            </c:strRef>
+          </c:tx>
+          <c:dPt>
+            <c:idx val="0"/>
+            <c:bubble3D val="0"/>
+            <c:spPr>
+              <a:solidFill>
+                <a:schemeClr val="accent1"/>
+              </a:solidFill>
+              <a:ln w="19050">
+                <a:solidFill>
+                  <a:schemeClr val="lt1"/>
+                </a:solidFill>
+              </a:ln>
+              <a:effectLst/>
+            </c:spPr>
+            <c:extLst>
+              <c:ext xmlns:c16="http://schemas.microsoft.com/office/drawing/2014/chart" uri="{C3380CC4-5D6E-409C-BE32-E72D297353CC}">
+                <c16:uniqueId val="{00000001-7C7A-9343-BE4E-F18145DD0445}"/>
+              </c:ext>
+            </c:extLst>
+          </c:dPt>
+          <c:dPt>
+            <c:idx val="1"/>
+            <c:bubble3D val="0"/>
+            <c:spPr>
+              <a:solidFill>
+                <a:schemeClr val="accent2"/>
+              </a:solidFill>
+              <a:ln w="19050">
+                <a:solidFill>
+                  <a:schemeClr val="lt1"/>
+                </a:solidFill>
+              </a:ln>
+              <a:effectLst/>
+            </c:spPr>
+            <c:extLst>
+              <c:ext xmlns:c16="http://schemas.microsoft.com/office/drawing/2014/chart" uri="{C3380CC4-5D6E-409C-BE32-E72D297353CC}">
+                <c16:uniqueId val="{00000003-7C7A-9343-BE4E-F18145DD0445}"/>
+              </c:ext>
+            </c:extLst>
+          </c:dPt>
+          <c:dPt>
+            <c:idx val="2"/>
+            <c:bubble3D val="0"/>
+            <c:spPr>
+              <a:solidFill>
+                <a:schemeClr val="accent3"/>
+              </a:solidFill>
+              <a:ln w="19050">
+                <a:solidFill>
+                  <a:schemeClr val="lt1"/>
+                </a:solidFill>
+              </a:ln>
+              <a:effectLst/>
+            </c:spPr>
+            <c:extLst>
+              <c:ext xmlns:c16="http://schemas.microsoft.com/office/drawing/2014/chart" uri="{C3380CC4-5D6E-409C-BE32-E72D297353CC}">
+                <c16:uniqueId val="{00000005-7C7A-9343-BE4E-F18145DD0445}"/>
+              </c:ext>
+            </c:extLst>
+          </c:dPt>
+          <c:dPt>
+            <c:idx val="3"/>
+            <c:bubble3D val="0"/>
+            <c:spPr>
+              <a:solidFill>
+                <a:schemeClr val="accent4"/>
+              </a:solidFill>
+              <a:ln w="19050">
+                <a:solidFill>
+                  <a:schemeClr val="lt1"/>
+                </a:solidFill>
+              </a:ln>
+              <a:effectLst/>
+            </c:spPr>
+            <c:extLst>
+              <c:ext xmlns:c16="http://schemas.microsoft.com/office/drawing/2014/chart" uri="{C3380CC4-5D6E-409C-BE32-E72D297353CC}">
+                <c16:uniqueId val="{00000007-7C7A-9343-BE4E-F18145DD0445}"/>
+              </c:ext>
+            </c:extLst>
+          </c:dPt>
+          <c:dLbls>
+            <c:spPr>
+              <a:noFill/>
+              <a:ln>
+                <a:noFill/>
+              </a:ln>
+              <a:effectLst/>
+            </c:spPr>
+            <c:txPr>
+              <a:bodyPr rot="0" spcFirstLastPara="1" vertOverflow="ellipsis" vert="horz" wrap="square" lIns="38100" tIns="19050" rIns="38100" bIns="19050" anchor="ctr" anchorCtr="1">
+                <a:spAutoFit/>
+              </a:bodyPr>
+              <a:lstStyle/>
+              <a:p>
+                <a:pPr>
+                  <a:defRPr sz="900" b="0" i="0" u="none" strike="noStrike" kern="1200" baseline="0">
+                    <a:solidFill>
+                      <a:schemeClr val="tx1">
+                        <a:lumMod val="75000"/>
+                        <a:lumOff val="25000"/>
+                      </a:schemeClr>
+                    </a:solidFill>
+                    <a:latin typeface="+mn-lt"/>
+                    <a:ea typeface="+mn-ea"/>
+                    <a:cs typeface="+mn-cs"/>
+                  </a:defRPr>
+                </a:pPr>
+                <a:endParaRPr lang="fr-FR"/>
+              </a:p>
+            </c:txPr>
+            <c:showLegendKey val="0"/>
+            <c:showVal val="0"/>
+            <c:showCatName val="1"/>
+            <c:showSerName val="0"/>
+            <c:showPercent val="1"/>
+            <c:showBubbleSize val="0"/>
+            <c:showLeaderLines val="1"/>
+            <c:leaderLines>
+              <c:spPr>
+                <a:ln w="9525" cap="flat" cmpd="sng" algn="ctr">
+                  <a:solidFill>
+                    <a:schemeClr val="tx1">
+                      <a:lumMod val="35000"/>
+                      <a:lumOff val="65000"/>
+                    </a:schemeClr>
+                  </a:solidFill>
+                  <a:round/>
+                </a:ln>
+                <a:effectLst/>
+              </c:spPr>
+            </c:leaderLines>
+            <c:extLst>
+              <c:ext xmlns:c15="http://schemas.microsoft.com/office/drawing/2012/chart" uri="{CE6537A1-D6FC-4f65-9D91-7224C49458BB}"/>
+            </c:extLst>
+          </c:dLbls>
+          <c:cat>
+            <c:strRef>
+              <c:f>'Scénario 1'!$A$2:$A$5</c:f>
+              <c:strCache>
+                <c:ptCount val="4"/>
+                <c:pt idx="0">
+                  <c:v>Solaire</c:v>
+                </c:pt>
+                <c:pt idx="1">
+                  <c:v>Éolien</c:v>
+                </c:pt>
+                <c:pt idx="2">
+                  <c:v>Diesel</c:v>
+                </c:pt>
+                <c:pt idx="3">
+                  <c:v>Batterie</c:v>
+                </c:pt>
+              </c:strCache>
+            </c:strRef>
+          </c:cat>
+          <c:val>
+            <c:numRef>
+              <c:f>'Scénario 1'!$B$2:$B$5</c:f>
+              <c:numCache>
+                <c:formatCode>General</c:formatCode>
+                <c:ptCount val="4"/>
+                <c:pt idx="0">
+                  <c:v>17</c:v>
+                </c:pt>
+                <c:pt idx="1">
+                  <c:v>43</c:v>
+                </c:pt>
+                <c:pt idx="2">
+                  <c:v>21</c:v>
+                </c:pt>
+                <c:pt idx="3">
+                  <c:v>3</c:v>
+                </c:pt>
+              </c:numCache>
+            </c:numRef>
+          </c:val>
+          <c:extLst>
+            <c:ext xmlns:c16="http://schemas.microsoft.com/office/drawing/2014/chart" uri="{C3380CC4-5D6E-409C-BE32-E72D297353CC}">
+              <c16:uniqueId val="{00000008-7C7A-9343-BE4E-F18145DD0445}"/>
+            </c:ext>
+          </c:extLst>
+        </c:ser>
+        <c:dLbls>
+          <c:showLegendKey val="0"/>
+          <c:showVal val="0"/>
+          <c:showCatName val="1"/>
+          <c:showSerName val="0"/>
+          <c:showPercent val="1"/>
+          <c:showBubbleSize val="0"/>
+          <c:showLeaderLines val="1"/>
+        </c:dLbls>
+        <c:firstSliceAng val="0"/>
+      </c:pieChart>
+      <c:spPr>
+        <a:noFill/>
+        <a:ln>
+          <a:noFill/>
+        </a:ln>
+        <a:effectLst/>
+      </c:spPr>
+    </c:plotArea>
+    <c:plotVisOnly val="1"/>
+    <c:dispBlanksAs val="gap"/>
+    <c:extLst>
+      <c:ext xmlns:c16r3="http://schemas.microsoft.com/office/drawing/2017/03/chart" uri="{56B9EC1D-385E-4148-901F-78D8002777C0}">
+        <c16r3:dataDisplayOptions16>
+          <c16r3:dispNaAsBlank val="1"/>
+        </c16r3:dataDisplayOptions16>
+      </c:ext>
+    </c:extLst>
+    <c:showDLblsOverMax val="0"/>
+  </c:chart>
+  <c:spPr>
+    <a:noFill/>
+    <a:ln>
+      <a:noFill/>
+    </a:ln>
+    <a:effectLst/>
+  </c:spPr>
+  <c:txPr>
+    <a:bodyPr/>
+    <a:lstStyle/>
+    <a:p>
+      <a:pPr>
+        <a:defRPr/>
+      </a:pPr>
+      <a:endParaRPr lang="fr-FR"/>
+    </a:p>
+  </c:txPr>
+  <c:externalData r:id="rId3">
+    <c:autoUpdate val="0"/>
+  </c:externalData>
+</c:chartSpace>
+</file>
+
+<file path=ppt/charts/chart3.xml><?xml version="1.0" encoding="utf-8"?>
+<c:chartSpace xmlns:c="http://schemas.openxmlformats.org/drawingml/2006/chart" xmlns:a="http://schemas.openxmlformats.org/drawingml/2006/main" xmlns:r="http://schemas.openxmlformats.org/officeDocument/2006/relationships" xmlns:c16r2="http://schemas.microsoft.com/office/drawing/2015/06/chart">
+  <c:date1904 val="0"/>
+  <c:lang val="fr-FR"/>
+  <c:roundedCorners val="0"/>
+  <mc:AlternateContent xmlns:mc="http://schemas.openxmlformats.org/markup-compatibility/2006">
+    <mc:Choice xmlns:c14="http://schemas.microsoft.com/office/drawing/2007/8/2/chart" Requires="c14">
+      <c14:style val="102"/>
+    </mc:Choice>
+    <mc:Fallback>
+      <c:style val="2"/>
+    </mc:Fallback>
+  </mc:AlternateContent>
+  <c:chart>
+    <c:autoTitleDeleted val="1"/>
+    <c:plotArea>
+      <c:layout/>
+      <c:pieChart>
+        <c:varyColors val="1"/>
+        <c:ser>
+          <c:idx val="0"/>
+          <c:order val="0"/>
+          <c:tx>
+            <c:strRef>
+              <c:f>'Scénario 1'!$B$1</c:f>
+              <c:strCache>
+                <c:ptCount val="1"/>
+                <c:pt idx="0">
+                  <c:v>Mix</c:v>
+                </c:pt>
+              </c:strCache>
+            </c:strRef>
+          </c:tx>
+          <c:dPt>
+            <c:idx val="0"/>
+            <c:bubble3D val="0"/>
+            <c:spPr>
+              <a:solidFill>
+                <a:schemeClr val="accent1"/>
+              </a:solidFill>
+              <a:ln w="19050">
+                <a:solidFill>
+                  <a:schemeClr val="lt1"/>
+                </a:solidFill>
+              </a:ln>
+              <a:effectLst/>
+            </c:spPr>
+            <c:extLst>
+              <c:ext xmlns:c16="http://schemas.microsoft.com/office/drawing/2014/chart" uri="{C3380CC4-5D6E-409C-BE32-E72D297353CC}">
+                <c16:uniqueId val="{00000001-D996-7A44-A6D8-3805D033335B}"/>
+              </c:ext>
+            </c:extLst>
+          </c:dPt>
+          <c:dPt>
+            <c:idx val="1"/>
+            <c:bubble3D val="0"/>
+            <c:spPr>
+              <a:solidFill>
+                <a:schemeClr val="accent2"/>
+              </a:solidFill>
+              <a:ln w="19050">
+                <a:solidFill>
+                  <a:schemeClr val="lt1"/>
+                </a:solidFill>
+              </a:ln>
+              <a:effectLst/>
+            </c:spPr>
+            <c:extLst>
+              <c:ext xmlns:c16="http://schemas.microsoft.com/office/drawing/2014/chart" uri="{C3380CC4-5D6E-409C-BE32-E72D297353CC}">
+                <c16:uniqueId val="{00000003-D996-7A44-A6D8-3805D033335B}"/>
+              </c:ext>
+            </c:extLst>
+          </c:dPt>
+          <c:dPt>
+            <c:idx val="2"/>
+            <c:bubble3D val="0"/>
+            <c:spPr>
+              <a:solidFill>
+                <a:schemeClr val="accent3"/>
+              </a:solidFill>
+              <a:ln w="19050">
+                <a:solidFill>
+                  <a:schemeClr val="lt1"/>
+                </a:solidFill>
+              </a:ln>
+              <a:effectLst/>
+            </c:spPr>
+            <c:extLst>
+              <c:ext xmlns:c16="http://schemas.microsoft.com/office/drawing/2014/chart" uri="{C3380CC4-5D6E-409C-BE32-E72D297353CC}">
+                <c16:uniqueId val="{00000005-D996-7A44-A6D8-3805D033335B}"/>
+              </c:ext>
+            </c:extLst>
+          </c:dPt>
+          <c:dPt>
+            <c:idx val="3"/>
+            <c:bubble3D val="0"/>
+            <c:spPr>
+              <a:solidFill>
+                <a:schemeClr val="accent4"/>
+              </a:solidFill>
+              <a:ln w="19050">
+                <a:solidFill>
+                  <a:schemeClr val="lt1"/>
+                </a:solidFill>
+              </a:ln>
+              <a:effectLst/>
+            </c:spPr>
+            <c:extLst>
+              <c:ext xmlns:c16="http://schemas.microsoft.com/office/drawing/2014/chart" uri="{C3380CC4-5D6E-409C-BE32-E72D297353CC}">
+                <c16:uniqueId val="{00000007-D996-7A44-A6D8-3805D033335B}"/>
+              </c:ext>
+            </c:extLst>
+          </c:dPt>
+          <c:dLbls>
+            <c:spPr>
+              <a:noFill/>
+              <a:ln>
+                <a:noFill/>
+              </a:ln>
+              <a:effectLst/>
+            </c:spPr>
+            <c:txPr>
+              <a:bodyPr rot="0" spcFirstLastPara="1" vertOverflow="ellipsis" vert="horz" wrap="square" lIns="38100" tIns="19050" rIns="38100" bIns="19050" anchor="ctr" anchorCtr="1">
+                <a:spAutoFit/>
+              </a:bodyPr>
+              <a:lstStyle/>
+              <a:p>
+                <a:pPr>
+                  <a:defRPr sz="900" b="0" i="0" u="none" strike="noStrike" kern="1200" baseline="0">
+                    <a:solidFill>
+                      <a:schemeClr val="tx1">
+                        <a:lumMod val="75000"/>
+                        <a:lumOff val="25000"/>
+                      </a:schemeClr>
+                    </a:solidFill>
+                    <a:latin typeface="+mn-lt"/>
+                    <a:ea typeface="+mn-ea"/>
+                    <a:cs typeface="+mn-cs"/>
+                  </a:defRPr>
+                </a:pPr>
+                <a:endParaRPr lang="fr-FR"/>
+              </a:p>
+            </c:txPr>
+            <c:showLegendKey val="0"/>
+            <c:showVal val="0"/>
+            <c:showCatName val="1"/>
+            <c:showSerName val="0"/>
+            <c:showPercent val="1"/>
+            <c:showBubbleSize val="0"/>
+            <c:showLeaderLines val="1"/>
+            <c:leaderLines>
+              <c:spPr>
+                <a:ln w="9525" cap="flat" cmpd="sng" algn="ctr">
+                  <a:solidFill>
+                    <a:schemeClr val="tx1">
+                      <a:lumMod val="35000"/>
+                      <a:lumOff val="65000"/>
+                    </a:schemeClr>
+                  </a:solidFill>
+                  <a:round/>
+                </a:ln>
+                <a:effectLst/>
+              </c:spPr>
+            </c:leaderLines>
+            <c:extLst>
+              <c:ext xmlns:c15="http://schemas.microsoft.com/office/drawing/2012/chart" uri="{CE6537A1-D6FC-4f65-9D91-7224C49458BB}"/>
+            </c:extLst>
+          </c:dLbls>
+          <c:cat>
+            <c:strRef>
+              <c:f>'Scénario 1'!$A$2:$A$5</c:f>
+              <c:strCache>
+                <c:ptCount val="4"/>
+                <c:pt idx="0">
+                  <c:v>Solaire</c:v>
+                </c:pt>
+                <c:pt idx="1">
+                  <c:v>Éolien</c:v>
+                </c:pt>
+                <c:pt idx="2">
+                  <c:v>Diesel</c:v>
+                </c:pt>
+                <c:pt idx="3">
+                  <c:v>Batterie</c:v>
+                </c:pt>
+              </c:strCache>
+            </c:strRef>
+          </c:cat>
+          <c:val>
+            <c:numRef>
+              <c:f>'Scénario 1'!$B$2:$B$5</c:f>
+              <c:numCache>
+                <c:formatCode>General</c:formatCode>
+                <c:ptCount val="4"/>
+                <c:pt idx="0">
+                  <c:v>17</c:v>
+                </c:pt>
+                <c:pt idx="1">
+                  <c:v>43</c:v>
+                </c:pt>
+                <c:pt idx="2">
+                  <c:v>21</c:v>
+                </c:pt>
+                <c:pt idx="3">
+                  <c:v>3</c:v>
+                </c:pt>
+              </c:numCache>
+            </c:numRef>
+          </c:val>
+          <c:extLst>
+            <c:ext xmlns:c16="http://schemas.microsoft.com/office/drawing/2014/chart" uri="{C3380CC4-5D6E-409C-BE32-E72D297353CC}">
+              <c16:uniqueId val="{00000008-D996-7A44-A6D8-3805D033335B}"/>
+            </c:ext>
+          </c:extLst>
+        </c:ser>
+        <c:dLbls>
+          <c:showLegendKey val="0"/>
+          <c:showVal val="0"/>
+          <c:showCatName val="1"/>
+          <c:showSerName val="0"/>
+          <c:showPercent val="1"/>
+          <c:showBubbleSize val="0"/>
+          <c:showLeaderLines val="1"/>
+        </c:dLbls>
+        <c:firstSliceAng val="0"/>
+      </c:pieChart>
+      <c:spPr>
+        <a:noFill/>
+        <a:ln>
+          <a:noFill/>
+        </a:ln>
+        <a:effectLst/>
+      </c:spPr>
+    </c:plotArea>
+    <c:plotVisOnly val="1"/>
+    <c:dispBlanksAs val="gap"/>
+    <c:extLst>
+      <c:ext xmlns:c16r3="http://schemas.microsoft.com/office/drawing/2017/03/chart" uri="{56B9EC1D-385E-4148-901F-78D8002777C0}">
+        <c16r3:dataDisplayOptions16>
+          <c16r3:dispNaAsBlank val="1"/>
+        </c16r3:dataDisplayOptions16>
+      </c:ext>
+    </c:extLst>
+    <c:showDLblsOverMax val="0"/>
+  </c:chart>
+  <c:spPr>
+    <a:noFill/>
+    <a:ln>
+      <a:noFill/>
+    </a:ln>
+    <a:effectLst/>
+  </c:spPr>
+  <c:txPr>
+    <a:bodyPr/>
+    <a:lstStyle/>
+    <a:p>
+      <a:pPr>
+        <a:defRPr/>
+      </a:pPr>
+      <a:endParaRPr lang="fr-FR"/>
+    </a:p>
+  </c:txPr>
+  <c:externalData r:id="rId3">
+    <c:autoUpdate val="0"/>
+  </c:externalData>
+</c:chartSpace>
+</file>
+
+<file path=ppt/charts/chart4.xml><?xml version="1.0" encoding="utf-8"?>
+<c:chartSpace xmlns:c="http://schemas.openxmlformats.org/drawingml/2006/chart" xmlns:a="http://schemas.openxmlformats.org/drawingml/2006/main" xmlns:r="http://schemas.openxmlformats.org/officeDocument/2006/relationships" xmlns:c16r2="http://schemas.microsoft.com/office/drawing/2015/06/chart">
+  <c:date1904 val="0"/>
+  <c:lang val="fr-FR"/>
+  <c:roundedCorners val="0"/>
+  <mc:AlternateContent xmlns:mc="http://schemas.openxmlformats.org/markup-compatibility/2006">
+    <mc:Choice xmlns:c14="http://schemas.microsoft.com/office/drawing/2007/8/2/chart" Requires="c14">
+      <c14:style val="102"/>
+    </mc:Choice>
+    <mc:Fallback>
+      <c:style val="2"/>
+    </mc:Fallback>
+  </mc:AlternateContent>
+  <c:chart>
+    <c:title>
+      <c:tx>
+        <c:rich>
+          <a:bodyPr rot="0" spcFirstLastPara="1" vertOverflow="ellipsis" vert="horz" wrap="square" anchor="ctr" anchorCtr="1"/>
+          <a:lstStyle/>
+          <a:p>
+            <a:pPr>
+              <a:defRPr sz="1400" b="0" i="0" u="none" strike="noStrike" kern="1200" spc="0" baseline="0">
+                <a:solidFill>
+                  <a:schemeClr val="tx1">
+                    <a:lumMod val="65000"/>
+                    <a:lumOff val="35000"/>
+                  </a:schemeClr>
+                </a:solidFill>
+                <a:latin typeface="+mn-lt"/>
+                <a:ea typeface="+mn-ea"/>
+                <a:cs typeface="+mn-cs"/>
+              </a:defRPr>
+            </a:pPr>
+            <a:r>
+              <a:rPr lang="fr-FR"/>
+              <a:t>Coûts total des scénarios</a:t>
+            </a:r>
+          </a:p>
+        </c:rich>
+      </c:tx>
+      <c:overlay val="0"/>
+      <c:spPr>
+        <a:noFill/>
+        <a:ln>
+          <a:noFill/>
+        </a:ln>
+        <a:effectLst/>
+      </c:spPr>
+      <c:txPr>
+        <a:bodyPr rot="0" spcFirstLastPara="1" vertOverflow="ellipsis" vert="horz" wrap="square" anchor="ctr" anchorCtr="1"/>
+        <a:lstStyle/>
+        <a:p>
+          <a:pPr>
+            <a:defRPr sz="1400" b="0" i="0" u="none" strike="noStrike" kern="1200" spc="0" baseline="0">
+              <a:solidFill>
+                <a:schemeClr val="tx1">
+                  <a:lumMod val="65000"/>
+                  <a:lumOff val="35000"/>
+                </a:schemeClr>
+              </a:solidFill>
+              <a:latin typeface="+mn-lt"/>
+              <a:ea typeface="+mn-ea"/>
+              <a:cs typeface="+mn-cs"/>
+            </a:defRPr>
+          </a:pPr>
+          <a:endParaRPr lang="fr-FR"/>
+        </a:p>
+      </c:txPr>
+    </c:title>
+    <c:autoTitleDeleted val="0"/>
+    <c:plotArea>
+      <c:layout/>
+      <c:barChart>
+        <c:barDir val="col"/>
+        <c:grouping val="stacked"/>
+        <c:varyColors val="0"/>
+        <c:ser>
+          <c:idx val="0"/>
+          <c:order val="0"/>
+          <c:tx>
+            <c:strRef>
+              <c:f>Comparaison!$C$1</c:f>
+              <c:strCache>
+                <c:ptCount val="1"/>
+                <c:pt idx="0">
+                  <c:v>Cout de production </c:v>
+                </c:pt>
+              </c:strCache>
+            </c:strRef>
+          </c:tx>
+          <c:spPr>
+            <a:solidFill>
+              <a:schemeClr val="accent1"/>
+            </a:solidFill>
+            <a:ln>
+              <a:noFill/>
+            </a:ln>
+            <a:effectLst/>
+          </c:spPr>
+          <c:invertIfNegative val="0"/>
+          <c:dLbls>
+            <c:spPr>
+              <a:noFill/>
+              <a:ln>
+                <a:noFill/>
+              </a:ln>
+              <a:effectLst/>
+            </c:spPr>
+            <c:txPr>
+              <a:bodyPr rot="0" spcFirstLastPara="1" vertOverflow="ellipsis" vert="horz" wrap="square" lIns="38100" tIns="19050" rIns="38100" bIns="19050" anchor="ctr" anchorCtr="1">
+                <a:spAutoFit/>
+              </a:bodyPr>
+              <a:lstStyle/>
+              <a:p>
+                <a:pPr>
+                  <a:defRPr sz="900" b="0" i="0" u="none" strike="noStrike" kern="1200" baseline="0">
+                    <a:solidFill>
+                      <a:schemeClr val="tx1">
+                        <a:lumMod val="75000"/>
+                        <a:lumOff val="25000"/>
+                      </a:schemeClr>
+                    </a:solidFill>
+                    <a:latin typeface="+mn-lt"/>
+                    <a:ea typeface="+mn-ea"/>
+                    <a:cs typeface="+mn-cs"/>
+                  </a:defRPr>
+                </a:pPr>
+                <a:endParaRPr lang="fr-FR"/>
+              </a:p>
+            </c:txPr>
+            <c:showLegendKey val="0"/>
+            <c:showVal val="1"/>
+            <c:showCatName val="0"/>
+            <c:showSerName val="0"/>
+            <c:showPercent val="0"/>
+            <c:showBubbleSize val="0"/>
+            <c:showLeaderLines val="0"/>
+            <c:extLst>
+              <c:ext xmlns:c15="http://schemas.microsoft.com/office/drawing/2012/chart" uri="{CE6537A1-D6FC-4f65-9D91-7224C49458BB}">
+                <c15:showLeaderLines val="1"/>
+                <c15:leaderLines>
+                  <c:spPr>
+                    <a:ln w="9525" cap="flat" cmpd="sng" algn="ctr">
+                      <a:solidFill>
+                        <a:schemeClr val="tx1">
+                          <a:lumMod val="35000"/>
+                          <a:lumOff val="65000"/>
+                        </a:schemeClr>
+                      </a:solidFill>
+                      <a:round/>
+                    </a:ln>
+                    <a:effectLst/>
+                  </c:spPr>
+                </c15:leaderLines>
+              </c:ext>
+            </c:extLst>
+          </c:dLbls>
+          <c:cat>
+            <c:strRef>
+              <c:f>Comparaison!$A$2:$A$4</c:f>
+              <c:strCache>
+                <c:ptCount val="3"/>
+                <c:pt idx="0">
+                  <c:v>Scénario 1</c:v>
+                </c:pt>
+                <c:pt idx="1">
+                  <c:v>Scénario 2</c:v>
+                </c:pt>
+                <c:pt idx="2">
+                  <c:v>Scénario 3</c:v>
+                </c:pt>
+              </c:strCache>
+            </c:strRef>
+          </c:cat>
+          <c:val>
+            <c:numRef>
+              <c:f>Comparaison!$C$2:$C$4</c:f>
+              <c:numCache>
+                <c:formatCode>General</c:formatCode>
+                <c:ptCount val="3"/>
+                <c:pt idx="0">
+                  <c:v>99</c:v>
+                </c:pt>
+                <c:pt idx="1">
+                  <c:v>78</c:v>
+                </c:pt>
+                <c:pt idx="2">
+                  <c:v>89</c:v>
+                </c:pt>
+              </c:numCache>
+            </c:numRef>
+          </c:val>
+          <c:extLst>
+            <c:ext xmlns:c16="http://schemas.microsoft.com/office/drawing/2014/chart" uri="{C3380CC4-5D6E-409C-BE32-E72D297353CC}">
+              <c16:uniqueId val="{00000000-F794-494C-B986-CD9CF4991FC7}"/>
+            </c:ext>
+          </c:extLst>
+        </c:ser>
+        <c:ser>
+          <c:idx val="1"/>
+          <c:order val="1"/>
+          <c:tx>
+            <c:strRef>
+              <c:f>Comparaison!$D$1</c:f>
+              <c:strCache>
+                <c:ptCount val="1"/>
+                <c:pt idx="0">
+                  <c:v>Couts O&amp;M</c:v>
+                </c:pt>
+              </c:strCache>
+            </c:strRef>
+          </c:tx>
+          <c:spPr>
+            <a:solidFill>
+              <a:schemeClr val="accent2"/>
+            </a:solidFill>
+            <a:ln>
+              <a:noFill/>
+            </a:ln>
+            <a:effectLst/>
+          </c:spPr>
+          <c:invertIfNegative val="0"/>
+          <c:dLbls>
+            <c:spPr>
+              <a:noFill/>
+              <a:ln>
+                <a:noFill/>
+              </a:ln>
+              <a:effectLst/>
+            </c:spPr>
+            <c:txPr>
+              <a:bodyPr rot="0" spcFirstLastPara="1" vertOverflow="ellipsis" vert="horz" wrap="square" lIns="38100" tIns="19050" rIns="38100" bIns="19050" anchor="ctr" anchorCtr="1">
+                <a:spAutoFit/>
+              </a:bodyPr>
+              <a:lstStyle/>
+              <a:p>
+                <a:pPr>
+                  <a:defRPr sz="900" b="0" i="0" u="none" strike="noStrike" kern="1200" baseline="0">
+                    <a:solidFill>
+                      <a:schemeClr val="tx1">
+                        <a:lumMod val="75000"/>
+                        <a:lumOff val="25000"/>
+                      </a:schemeClr>
+                    </a:solidFill>
+                    <a:latin typeface="+mn-lt"/>
+                    <a:ea typeface="+mn-ea"/>
+                    <a:cs typeface="+mn-cs"/>
+                  </a:defRPr>
+                </a:pPr>
+                <a:endParaRPr lang="fr-FR"/>
+              </a:p>
+            </c:txPr>
+            <c:showLegendKey val="0"/>
+            <c:showVal val="1"/>
+            <c:showCatName val="0"/>
+            <c:showSerName val="0"/>
+            <c:showPercent val="0"/>
+            <c:showBubbleSize val="0"/>
+            <c:showLeaderLines val="0"/>
+            <c:extLst>
+              <c:ext xmlns:c15="http://schemas.microsoft.com/office/drawing/2012/chart" uri="{CE6537A1-D6FC-4f65-9D91-7224C49458BB}">
+                <c15:showLeaderLines val="1"/>
+                <c15:leaderLines>
+                  <c:spPr>
+                    <a:ln w="9525" cap="flat" cmpd="sng" algn="ctr">
+                      <a:solidFill>
+                        <a:schemeClr val="tx1">
+                          <a:lumMod val="35000"/>
+                          <a:lumOff val="65000"/>
+                        </a:schemeClr>
+                      </a:solidFill>
+                      <a:round/>
+                    </a:ln>
+                    <a:effectLst/>
+                  </c:spPr>
+                </c15:leaderLines>
+              </c:ext>
+            </c:extLst>
+          </c:dLbls>
+          <c:cat>
+            <c:strRef>
+              <c:f>Comparaison!$A$2:$A$4</c:f>
+              <c:strCache>
+                <c:ptCount val="3"/>
+                <c:pt idx="0">
+                  <c:v>Scénario 1</c:v>
+                </c:pt>
+                <c:pt idx="1">
+                  <c:v>Scénario 2</c:v>
+                </c:pt>
+                <c:pt idx="2">
+                  <c:v>Scénario 3</c:v>
+                </c:pt>
+              </c:strCache>
+            </c:strRef>
+          </c:cat>
+          <c:val>
+            <c:numRef>
+              <c:f>Comparaison!$D$2:$D$4</c:f>
+              <c:numCache>
+                <c:formatCode>General</c:formatCode>
+                <c:ptCount val="3"/>
+                <c:pt idx="0">
+                  <c:v>99</c:v>
+                </c:pt>
+                <c:pt idx="1">
+                  <c:v>78</c:v>
+                </c:pt>
+                <c:pt idx="2">
+                  <c:v>89</c:v>
+                </c:pt>
+              </c:numCache>
+            </c:numRef>
+          </c:val>
+          <c:extLst>
+            <c:ext xmlns:c16="http://schemas.microsoft.com/office/drawing/2014/chart" uri="{C3380CC4-5D6E-409C-BE32-E72D297353CC}">
+              <c16:uniqueId val="{00000001-F794-494C-B986-CD9CF4991FC7}"/>
+            </c:ext>
+          </c:extLst>
+        </c:ser>
+        <c:ser>
+          <c:idx val="2"/>
+          <c:order val="2"/>
+          <c:tx>
+            <c:strRef>
+              <c:f>Comparaison!$E$1</c:f>
+              <c:strCache>
+                <c:ptCount val="1"/>
+                <c:pt idx="0">
+                  <c:v>Cout diesel</c:v>
+                </c:pt>
+              </c:strCache>
+            </c:strRef>
+          </c:tx>
+          <c:spPr>
+            <a:solidFill>
+              <a:schemeClr val="accent3"/>
+            </a:solidFill>
+            <a:ln>
+              <a:noFill/>
+            </a:ln>
+            <a:effectLst/>
+          </c:spPr>
+          <c:invertIfNegative val="0"/>
+          <c:dLbls>
+            <c:spPr>
+              <a:noFill/>
+              <a:ln>
+                <a:noFill/>
+              </a:ln>
+              <a:effectLst/>
+            </c:spPr>
+            <c:txPr>
+              <a:bodyPr rot="0" spcFirstLastPara="1" vertOverflow="ellipsis" vert="horz" wrap="square" lIns="38100" tIns="19050" rIns="38100" bIns="19050" anchor="ctr" anchorCtr="1">
+                <a:spAutoFit/>
+              </a:bodyPr>
+              <a:lstStyle/>
+              <a:p>
+                <a:pPr>
+                  <a:defRPr sz="900" b="0" i="0" u="none" strike="noStrike" kern="1200" baseline="0">
+                    <a:solidFill>
+                      <a:schemeClr val="tx1">
+                        <a:lumMod val="75000"/>
+                        <a:lumOff val="25000"/>
+                      </a:schemeClr>
+                    </a:solidFill>
+                    <a:latin typeface="+mn-lt"/>
+                    <a:ea typeface="+mn-ea"/>
+                    <a:cs typeface="+mn-cs"/>
+                  </a:defRPr>
+                </a:pPr>
+                <a:endParaRPr lang="fr-FR"/>
+              </a:p>
+            </c:txPr>
+            <c:showLegendKey val="0"/>
+            <c:showVal val="1"/>
+            <c:showCatName val="0"/>
+            <c:showSerName val="0"/>
+            <c:showPercent val="0"/>
+            <c:showBubbleSize val="0"/>
+            <c:showLeaderLines val="0"/>
+            <c:extLst>
+              <c:ext xmlns:c15="http://schemas.microsoft.com/office/drawing/2012/chart" uri="{CE6537A1-D6FC-4f65-9D91-7224C49458BB}">
+                <c15:showLeaderLines val="1"/>
+                <c15:leaderLines>
+                  <c:spPr>
+                    <a:ln w="9525" cap="flat" cmpd="sng" algn="ctr">
+                      <a:solidFill>
+                        <a:schemeClr val="tx1">
+                          <a:lumMod val="35000"/>
+                          <a:lumOff val="65000"/>
+                        </a:schemeClr>
+                      </a:solidFill>
+                      <a:round/>
+                    </a:ln>
+                    <a:effectLst/>
+                  </c:spPr>
+                </c15:leaderLines>
+              </c:ext>
+            </c:extLst>
+          </c:dLbls>
+          <c:cat>
+            <c:strRef>
+              <c:f>Comparaison!$A$2:$A$4</c:f>
+              <c:strCache>
+                <c:ptCount val="3"/>
+                <c:pt idx="0">
+                  <c:v>Scénario 1</c:v>
+                </c:pt>
+                <c:pt idx="1">
+                  <c:v>Scénario 2</c:v>
+                </c:pt>
+                <c:pt idx="2">
+                  <c:v>Scénario 3</c:v>
+                </c:pt>
+              </c:strCache>
+            </c:strRef>
+          </c:cat>
+          <c:val>
+            <c:numRef>
+              <c:f>Comparaison!$E$2:$E$4</c:f>
+              <c:numCache>
+                <c:formatCode>General</c:formatCode>
+                <c:ptCount val="3"/>
+                <c:pt idx="0">
+                  <c:v>99</c:v>
+                </c:pt>
+                <c:pt idx="1">
+                  <c:v>78</c:v>
+                </c:pt>
+                <c:pt idx="2">
+                  <c:v>89</c:v>
+                </c:pt>
+              </c:numCache>
+            </c:numRef>
+          </c:val>
+          <c:extLst>
+            <c:ext xmlns:c16="http://schemas.microsoft.com/office/drawing/2014/chart" uri="{C3380CC4-5D6E-409C-BE32-E72D297353CC}">
+              <c16:uniqueId val="{00000002-F794-494C-B986-CD9CF4991FC7}"/>
+            </c:ext>
+          </c:extLst>
+        </c:ser>
+        <c:ser>
+          <c:idx val="3"/>
+          <c:order val="3"/>
+          <c:tx>
+            <c:strRef>
+              <c:f>Comparaison!$F$1</c:f>
+              <c:strCache>
+                <c:ptCount val="1"/>
+                <c:pt idx="0">
+                  <c:v>Cout Energie unserved</c:v>
+                </c:pt>
+              </c:strCache>
+            </c:strRef>
+          </c:tx>
+          <c:spPr>
+            <a:solidFill>
+              <a:schemeClr val="accent4"/>
+            </a:solidFill>
+            <a:ln>
+              <a:noFill/>
+            </a:ln>
+            <a:effectLst/>
+          </c:spPr>
+          <c:invertIfNegative val="0"/>
+          <c:dLbls>
+            <c:spPr>
+              <a:noFill/>
+              <a:ln>
+                <a:noFill/>
+              </a:ln>
+              <a:effectLst/>
+            </c:spPr>
+            <c:txPr>
+              <a:bodyPr rot="0" spcFirstLastPara="1" vertOverflow="ellipsis" vert="horz" wrap="square" lIns="38100" tIns="19050" rIns="38100" bIns="19050" anchor="ctr" anchorCtr="1">
+                <a:spAutoFit/>
+              </a:bodyPr>
+              <a:lstStyle/>
+              <a:p>
+                <a:pPr>
+                  <a:defRPr sz="900" b="0" i="0" u="none" strike="noStrike" kern="1200" baseline="0">
+                    <a:solidFill>
+                      <a:schemeClr val="tx1">
+                        <a:lumMod val="75000"/>
+                        <a:lumOff val="25000"/>
+                      </a:schemeClr>
+                    </a:solidFill>
+                    <a:latin typeface="+mn-lt"/>
+                    <a:ea typeface="+mn-ea"/>
+                    <a:cs typeface="+mn-cs"/>
+                  </a:defRPr>
+                </a:pPr>
+                <a:endParaRPr lang="fr-FR"/>
+              </a:p>
+            </c:txPr>
+            <c:showLegendKey val="0"/>
+            <c:showVal val="1"/>
+            <c:showCatName val="0"/>
+            <c:showSerName val="0"/>
+            <c:showPercent val="0"/>
+            <c:showBubbleSize val="0"/>
+            <c:showLeaderLines val="0"/>
+            <c:extLst>
+              <c:ext xmlns:c15="http://schemas.microsoft.com/office/drawing/2012/chart" uri="{CE6537A1-D6FC-4f65-9D91-7224C49458BB}">
+                <c15:showLeaderLines val="1"/>
+                <c15:leaderLines>
+                  <c:spPr>
+                    <a:ln w="9525" cap="flat" cmpd="sng" algn="ctr">
+                      <a:solidFill>
+                        <a:schemeClr val="tx1">
+                          <a:lumMod val="35000"/>
+                          <a:lumOff val="65000"/>
+                        </a:schemeClr>
+                      </a:solidFill>
+                      <a:round/>
+                    </a:ln>
+                    <a:effectLst/>
+                  </c:spPr>
+                </c15:leaderLines>
+              </c:ext>
+            </c:extLst>
+          </c:dLbls>
+          <c:cat>
+            <c:strRef>
+              <c:f>Comparaison!$A$2:$A$4</c:f>
+              <c:strCache>
+                <c:ptCount val="3"/>
+                <c:pt idx="0">
+                  <c:v>Scénario 1</c:v>
+                </c:pt>
+                <c:pt idx="1">
+                  <c:v>Scénario 2</c:v>
+                </c:pt>
+                <c:pt idx="2">
+                  <c:v>Scénario 3</c:v>
+                </c:pt>
+              </c:strCache>
+            </c:strRef>
+          </c:cat>
+          <c:val>
+            <c:numRef>
+              <c:f>Comparaison!$F$2:$F$4</c:f>
+              <c:numCache>
+                <c:formatCode>General</c:formatCode>
+                <c:ptCount val="3"/>
+                <c:pt idx="0">
+                  <c:v>99</c:v>
+                </c:pt>
+                <c:pt idx="1">
+                  <c:v>78</c:v>
+                </c:pt>
+                <c:pt idx="2">
+                  <c:v>89</c:v>
+                </c:pt>
+              </c:numCache>
+            </c:numRef>
+          </c:val>
+          <c:extLst>
+            <c:ext xmlns:c16="http://schemas.microsoft.com/office/drawing/2014/chart" uri="{C3380CC4-5D6E-409C-BE32-E72D297353CC}">
+              <c16:uniqueId val="{00000003-F794-494C-B986-CD9CF4991FC7}"/>
+            </c:ext>
+          </c:extLst>
+        </c:ser>
+        <c:ser>
+          <c:idx val="4"/>
+          <c:order val="4"/>
+          <c:tx>
+            <c:strRef>
+              <c:f>Comparaison!$G$1</c:f>
+              <c:strCache>
+                <c:ptCount val="1"/>
+                <c:pt idx="0">
+                  <c:v>Cout CO2</c:v>
+                </c:pt>
+              </c:strCache>
+            </c:strRef>
+          </c:tx>
+          <c:spPr>
+            <a:solidFill>
+              <a:schemeClr val="accent5"/>
+            </a:solidFill>
+            <a:ln>
+              <a:noFill/>
+            </a:ln>
+            <a:effectLst/>
+          </c:spPr>
+          <c:invertIfNegative val="0"/>
+          <c:dLbls>
+            <c:spPr>
+              <a:noFill/>
+              <a:ln>
+                <a:noFill/>
+              </a:ln>
+              <a:effectLst/>
+            </c:spPr>
+            <c:txPr>
+              <a:bodyPr rot="0" spcFirstLastPara="1" vertOverflow="ellipsis" vert="horz" wrap="square" lIns="38100" tIns="19050" rIns="38100" bIns="19050" anchor="ctr" anchorCtr="1">
+                <a:spAutoFit/>
+              </a:bodyPr>
+              <a:lstStyle/>
+              <a:p>
+                <a:pPr>
+                  <a:defRPr sz="900" b="0" i="0" u="none" strike="noStrike" kern="1200" baseline="0">
+                    <a:solidFill>
+                      <a:schemeClr val="tx1">
+                        <a:lumMod val="75000"/>
+                        <a:lumOff val="25000"/>
+                      </a:schemeClr>
+                    </a:solidFill>
+                    <a:latin typeface="+mn-lt"/>
+                    <a:ea typeface="+mn-ea"/>
+                    <a:cs typeface="+mn-cs"/>
+                  </a:defRPr>
+                </a:pPr>
+                <a:endParaRPr lang="fr-FR"/>
+              </a:p>
+            </c:txPr>
+            <c:showLegendKey val="0"/>
+            <c:showVal val="1"/>
+            <c:showCatName val="0"/>
+            <c:showSerName val="0"/>
+            <c:showPercent val="0"/>
+            <c:showBubbleSize val="0"/>
+            <c:showLeaderLines val="0"/>
+            <c:extLst>
+              <c:ext xmlns:c15="http://schemas.microsoft.com/office/drawing/2012/chart" uri="{CE6537A1-D6FC-4f65-9D91-7224C49458BB}">
+                <c15:showLeaderLines val="1"/>
+                <c15:leaderLines>
+                  <c:spPr>
+                    <a:ln w="9525" cap="flat" cmpd="sng" algn="ctr">
+                      <a:solidFill>
+                        <a:schemeClr val="tx1">
+                          <a:lumMod val="35000"/>
+                          <a:lumOff val="65000"/>
+                        </a:schemeClr>
+                      </a:solidFill>
+                      <a:round/>
+                    </a:ln>
+                    <a:effectLst/>
+                  </c:spPr>
+                </c15:leaderLines>
+              </c:ext>
+            </c:extLst>
+          </c:dLbls>
+          <c:cat>
+            <c:strRef>
+              <c:f>Comparaison!$A$2:$A$4</c:f>
+              <c:strCache>
+                <c:ptCount val="3"/>
+                <c:pt idx="0">
+                  <c:v>Scénario 1</c:v>
+                </c:pt>
+                <c:pt idx="1">
+                  <c:v>Scénario 2</c:v>
+                </c:pt>
+                <c:pt idx="2">
+                  <c:v>Scénario 3</c:v>
+                </c:pt>
+              </c:strCache>
+            </c:strRef>
+          </c:cat>
+          <c:val>
+            <c:numRef>
+              <c:f>Comparaison!$G$2:$G$4</c:f>
+              <c:numCache>
+                <c:formatCode>General</c:formatCode>
+                <c:ptCount val="3"/>
+                <c:pt idx="0">
+                  <c:v>99</c:v>
+                </c:pt>
+                <c:pt idx="1">
+                  <c:v>78</c:v>
+                </c:pt>
+                <c:pt idx="2">
+                  <c:v>89</c:v>
+                </c:pt>
+              </c:numCache>
+            </c:numRef>
+          </c:val>
+          <c:extLst>
+            <c:ext xmlns:c16="http://schemas.microsoft.com/office/drawing/2014/chart" uri="{C3380CC4-5D6E-409C-BE32-E72D297353CC}">
+              <c16:uniqueId val="{00000004-F794-494C-B986-CD9CF4991FC7}"/>
+            </c:ext>
+          </c:extLst>
+        </c:ser>
+        <c:dLbls>
+          <c:showLegendKey val="0"/>
+          <c:showVal val="1"/>
+          <c:showCatName val="0"/>
+          <c:showSerName val="0"/>
+          <c:showPercent val="0"/>
+          <c:showBubbleSize val="0"/>
+        </c:dLbls>
+        <c:gapWidth val="95"/>
+        <c:overlap val="100"/>
+        <c:axId val="1867223535"/>
+        <c:axId val="1867225263"/>
+      </c:barChart>
+      <c:catAx>
+        <c:axId val="1867223535"/>
+        <c:scaling>
+          <c:orientation val="minMax"/>
+        </c:scaling>
+        <c:delete val="0"/>
+        <c:axPos val="b"/>
+        <c:numFmt formatCode="General" sourceLinked="1"/>
+        <c:majorTickMark val="none"/>
+        <c:minorTickMark val="none"/>
+        <c:tickLblPos val="nextTo"/>
+        <c:spPr>
+          <a:noFill/>
+          <a:ln w="9525" cap="flat" cmpd="sng" algn="ctr">
+            <a:solidFill>
+              <a:schemeClr val="tx1">
+                <a:lumMod val="15000"/>
+                <a:lumOff val="85000"/>
+              </a:schemeClr>
+            </a:solidFill>
+            <a:round/>
+          </a:ln>
+          <a:effectLst/>
+        </c:spPr>
+        <c:txPr>
+          <a:bodyPr rot="-60000000" spcFirstLastPara="1" vertOverflow="ellipsis" vert="horz" wrap="square" anchor="ctr" anchorCtr="1"/>
+          <a:lstStyle/>
+          <a:p>
+            <a:pPr>
+              <a:defRPr sz="900" b="0" i="0" u="none" strike="noStrike" kern="1200" baseline="0">
+                <a:solidFill>
+                  <a:schemeClr val="tx1">
+                    <a:lumMod val="65000"/>
+                    <a:lumOff val="35000"/>
+                  </a:schemeClr>
+                </a:solidFill>
+                <a:latin typeface="+mn-lt"/>
+                <a:ea typeface="+mn-ea"/>
+                <a:cs typeface="+mn-cs"/>
+              </a:defRPr>
+            </a:pPr>
+            <a:endParaRPr lang="fr-FR"/>
+          </a:p>
+        </c:txPr>
+        <c:crossAx val="1867225263"/>
+        <c:crosses val="autoZero"/>
+        <c:auto val="1"/>
+        <c:lblAlgn val="ctr"/>
+        <c:lblOffset val="100"/>
+        <c:noMultiLvlLbl val="0"/>
+      </c:catAx>
+      <c:valAx>
+        <c:axId val="1867225263"/>
+        <c:scaling>
+          <c:orientation val="minMax"/>
+        </c:scaling>
+        <c:delete val="1"/>
+        <c:axPos val="l"/>
+        <c:numFmt formatCode="General" sourceLinked="1"/>
+        <c:majorTickMark val="none"/>
+        <c:minorTickMark val="none"/>
+        <c:tickLblPos val="nextTo"/>
+        <c:crossAx val="1867223535"/>
+        <c:crosses val="autoZero"/>
+        <c:crossBetween val="between"/>
+      </c:valAx>
+      <c:spPr>
+        <a:noFill/>
+        <a:ln>
+          <a:noFill/>
+        </a:ln>
+        <a:effectLst/>
+      </c:spPr>
+    </c:plotArea>
+    <c:legend>
+      <c:legendPos val="t"/>
+      <c:overlay val="0"/>
+      <c:spPr>
+        <a:noFill/>
+        <a:ln>
+          <a:noFill/>
+        </a:ln>
+        <a:effectLst/>
+      </c:spPr>
+      <c:txPr>
+        <a:bodyPr rot="0" spcFirstLastPara="1" vertOverflow="ellipsis" vert="horz" wrap="square" anchor="ctr" anchorCtr="1"/>
+        <a:lstStyle/>
+        <a:p>
+          <a:pPr>
+            <a:defRPr sz="900" b="0" i="0" u="none" strike="noStrike" kern="1200" baseline="0">
+              <a:solidFill>
+                <a:schemeClr val="tx1">
+                  <a:lumMod val="65000"/>
+                  <a:lumOff val="35000"/>
+                </a:schemeClr>
+              </a:solidFill>
+              <a:latin typeface="+mn-lt"/>
+              <a:ea typeface="+mn-ea"/>
+              <a:cs typeface="+mn-cs"/>
+            </a:defRPr>
+          </a:pPr>
+          <a:endParaRPr lang="fr-FR"/>
+        </a:p>
+      </c:txPr>
+    </c:legend>
+    <c:plotVisOnly val="1"/>
+    <c:dispBlanksAs val="gap"/>
+    <c:showDLblsOverMax val="0"/>
+  </c:chart>
+  <c:spPr>
+    <a:noFill/>
+    <a:ln>
+      <a:noFill/>
+    </a:ln>
+    <a:effectLst/>
+  </c:spPr>
+  <c:txPr>
+    <a:bodyPr/>
+    <a:lstStyle/>
+    <a:p>
+      <a:pPr>
+        <a:defRPr/>
+      </a:pPr>
+      <a:endParaRPr lang="fr-FR"/>
+    </a:p>
+  </c:txPr>
+  <c:externalData r:id="rId3">
+    <c:autoUpdate val="0"/>
+  </c:externalData>
+</c:chartSpace>
+</file>
+
+<file path=ppt/charts/colors1.xml><?xml version="1.0" encoding="utf-8"?>
+<cs:colorStyle xmlns:cs="http://schemas.microsoft.com/office/drawing/2012/chartStyle" xmlns:a="http://schemas.openxmlformats.org/drawingml/2006/main" meth="cycle" id="10">
+  <a:schemeClr val="accent1"/>
+  <a:schemeClr val="accent2"/>
+  <a:schemeClr val="accent3"/>
+  <a:schemeClr val="accent4"/>
+  <a:schemeClr val="accent5"/>
+  <a:schemeClr val="accent6"/>
+  <cs:variation/>
+  <cs:variation>
+    <a:lumMod val="60000"/>
+  </cs:variation>
+  <cs:variation>
+    <a:lumMod val="80000"/>
+    <a:lumOff val="20000"/>
+  </cs:variation>
+  <cs:variation>
+    <a:lumMod val="80000"/>
+  </cs:variation>
+  <cs:variation>
+    <a:lumMod val="60000"/>
+    <a:lumOff val="40000"/>
+  </cs:variation>
+  <cs:variation>
+    <a:lumMod val="50000"/>
+  </cs:variation>
+  <cs:variation>
+    <a:lumMod val="70000"/>
+    <a:lumOff val="30000"/>
+  </cs:variation>
+  <cs:variation>
+    <a:lumMod val="70000"/>
+  </cs:variation>
+  <cs:variation>
+    <a:lumMod val="50000"/>
+    <a:lumOff val="50000"/>
+  </cs:variation>
+</cs:colorStyle>
+</file>
+
+<file path=ppt/charts/colors2.xml><?xml version="1.0" encoding="utf-8"?>
+<cs:colorStyle xmlns:cs="http://schemas.microsoft.com/office/drawing/2012/chartStyle" xmlns:a="http://schemas.openxmlformats.org/drawingml/2006/main" meth="cycle" id="10">
+  <a:schemeClr val="accent1"/>
+  <a:schemeClr val="accent2"/>
+  <a:schemeClr val="accent3"/>
+  <a:schemeClr val="accent4"/>
+  <a:schemeClr val="accent5"/>
+  <a:schemeClr val="accent6"/>
+  <cs:variation/>
+  <cs:variation>
+    <a:lumMod val="60000"/>
+  </cs:variation>
+  <cs:variation>
+    <a:lumMod val="80000"/>
+    <a:lumOff val="20000"/>
+  </cs:variation>
+  <cs:variation>
+    <a:lumMod val="80000"/>
+  </cs:variation>
+  <cs:variation>
+    <a:lumMod val="60000"/>
+    <a:lumOff val="40000"/>
+  </cs:variation>
+  <cs:variation>
+    <a:lumMod val="50000"/>
+  </cs:variation>
+  <cs:variation>
+    <a:lumMod val="70000"/>
+    <a:lumOff val="30000"/>
+  </cs:variation>
+  <cs:variation>
+    <a:lumMod val="70000"/>
+  </cs:variation>
+  <cs:variation>
+    <a:lumMod val="50000"/>
+    <a:lumOff val="50000"/>
+  </cs:variation>
+</cs:colorStyle>
+</file>
+
+<file path=ppt/charts/colors3.xml><?xml version="1.0" encoding="utf-8"?>
+<cs:colorStyle xmlns:cs="http://schemas.microsoft.com/office/drawing/2012/chartStyle" xmlns:a="http://schemas.openxmlformats.org/drawingml/2006/main" meth="cycle" id="10">
+  <a:schemeClr val="accent1"/>
+  <a:schemeClr val="accent2"/>
+  <a:schemeClr val="accent3"/>
+  <a:schemeClr val="accent4"/>
+  <a:schemeClr val="accent5"/>
+  <a:schemeClr val="accent6"/>
+  <cs:variation/>
+  <cs:variation>
+    <a:lumMod val="60000"/>
+  </cs:variation>
+  <cs:variation>
+    <a:lumMod val="80000"/>
+    <a:lumOff val="20000"/>
+  </cs:variation>
+  <cs:variation>
+    <a:lumMod val="80000"/>
+  </cs:variation>
+  <cs:variation>
+    <a:lumMod val="60000"/>
+    <a:lumOff val="40000"/>
+  </cs:variation>
+  <cs:variation>
+    <a:lumMod val="50000"/>
+  </cs:variation>
+  <cs:variation>
+    <a:lumMod val="70000"/>
+    <a:lumOff val="30000"/>
+  </cs:variation>
+  <cs:variation>
+    <a:lumMod val="70000"/>
+  </cs:variation>
+  <cs:variation>
+    <a:lumMod val="50000"/>
+    <a:lumOff val="50000"/>
+  </cs:variation>
+</cs:colorStyle>
+</file>
+
+<file path=ppt/charts/colors4.xml><?xml version="1.0" encoding="utf-8"?>
+<cs:colorStyle xmlns:cs="http://schemas.microsoft.com/office/drawing/2012/chartStyle" xmlns:a="http://schemas.openxmlformats.org/drawingml/2006/main" meth="acrossLinear" id="2">
+  <a:schemeClr val="accent1"/>
+  <a:schemeClr val="accent2"/>
+  <a:schemeClr val="accent3"/>
+  <a:schemeClr val="accent4"/>
+  <a:schemeClr val="accent5"/>
+  <a:schemeClr val="accent6"/>
+</cs:colorStyle>
+</file>
+
+<file path=ppt/charts/style1.xml><?xml version="1.0" encoding="utf-8"?>
+<cs:chartStyle xmlns:cs="http://schemas.microsoft.com/office/drawing/2012/chartStyle" xmlns:a="http://schemas.openxmlformats.org/drawingml/2006/main" id="251">
+  <cs:axisTitle>
+    <cs:lnRef idx="0"/>
+    <cs:fillRef idx="0"/>
+    <cs:effectRef idx="0"/>
+    <cs:fontRef idx="minor">
+      <a:schemeClr val="tx1">
+        <a:lumMod val="65000"/>
+        <a:lumOff val="35000"/>
+      </a:schemeClr>
+    </cs:fontRef>
+    <cs:defRPr sz="1000" kern="1200"/>
+  </cs:axisTitle>
+  <cs:categoryAxis>
+    <cs:lnRef idx="0"/>
+    <cs:fillRef idx="0"/>
+    <cs:effectRef idx="0"/>
+    <cs:fontRef idx="minor">
+      <a:schemeClr val="tx1">
+        <a:lumMod val="65000"/>
+        <a:lumOff val="35000"/>
+      </a:schemeClr>
+    </cs:fontRef>
+    <cs:spPr>
+      <a:ln w="9525" cap="flat" cmpd="sng" algn="ctr">
+        <a:solidFill>
+          <a:schemeClr val="tx1">
+            <a:lumMod val="15000"/>
+            <a:lumOff val="85000"/>
+          </a:schemeClr>
+        </a:solidFill>
+        <a:round/>
+      </a:ln>
+    </cs:spPr>
+    <cs:defRPr sz="900" kern="1200"/>
+  </cs:categoryAxis>
+  <cs:chartArea mods="allowNoFillOverride allowNoLineOverride">
+    <cs:lnRef idx="0"/>
+    <cs:fillRef idx="0"/>
+    <cs:effectRef idx="0"/>
+    <cs:fontRef idx="minor">
+      <a:schemeClr val="tx1"/>
+    </cs:fontRef>
+    <cs:spPr>
+      <a:solidFill>
+        <a:schemeClr val="bg1"/>
+      </a:solidFill>
+      <a:ln w="9525" cap="flat" cmpd="sng" algn="ctr">
+        <a:solidFill>
+          <a:schemeClr val="tx1">
+            <a:lumMod val="15000"/>
+            <a:lumOff val="85000"/>
+          </a:schemeClr>
+        </a:solidFill>
+        <a:round/>
+      </a:ln>
+    </cs:spPr>
+    <cs:defRPr sz="900" kern="1200"/>
+  </cs:chartArea>
+  <cs:dataLabel>
+    <cs:lnRef idx="0"/>
+    <cs:fillRef idx="0"/>
+    <cs:effectRef idx="0"/>
+    <cs:fontRef idx="minor">
+      <a:schemeClr val="tx1">
+        <a:lumMod val="75000"/>
+        <a:lumOff val="25000"/>
+      </a:schemeClr>
+    </cs:fontRef>
+    <cs:defRPr sz="900" kern="1200"/>
+  </cs:dataLabel>
+  <cs:dataLabelCallout>
+    <cs:lnRef idx="0"/>
+    <cs:fillRef idx="0"/>
+    <cs:effectRef idx="0"/>
+    <cs:fontRef idx="minor">
+      <a:schemeClr val="dk1">
+        <a:lumMod val="65000"/>
+        <a:lumOff val="35000"/>
+      </a:schemeClr>
+    </cs:fontRef>
+    <cs:spPr>
+      <a:solidFill>
+        <a:schemeClr val="lt1"/>
+      </a:solidFill>
+      <a:ln>
+        <a:solidFill>
+          <a:schemeClr val="dk1">
+            <a:lumMod val="25000"/>
+            <a:lumOff val="75000"/>
+          </a:schemeClr>
+        </a:solidFill>
+      </a:ln>
+    </cs:spPr>
+    <cs:defRPr sz="900" kern="1200"/>
+    <cs:bodyPr rot="0" spcFirstLastPara="1" vertOverflow="clip" horzOverflow="clip" vert="horz" wrap="square" lIns="36576" tIns="18288" rIns="36576" bIns="18288" anchor="ctr" anchorCtr="1">
+      <a:spAutoFit/>
+    </cs:bodyPr>
+  </cs:dataLabelCallout>
+  <cs:dataPoint>
+    <cs:lnRef idx="0"/>
+    <cs:fillRef idx="1">
+      <cs:styleClr val="auto"/>
+    </cs:fillRef>
+    <cs:effectRef idx="0"/>
+    <cs:fontRef idx="minor">
+      <a:schemeClr val="tx1"/>
+    </cs:fontRef>
+    <cs:spPr>
+      <a:ln w="19050">
+        <a:solidFill>
+          <a:schemeClr val="lt1"/>
+        </a:solidFill>
+      </a:ln>
+    </cs:spPr>
+  </cs:dataPoint>
+  <cs:dataPoint3D>
+    <cs:lnRef idx="0"/>
+    <cs:fillRef idx="1">
+      <cs:styleClr val="auto"/>
+    </cs:fillRef>
+    <cs:effectRef idx="0"/>
+    <cs:fontRef idx="minor">
+      <a:schemeClr val="tx1"/>
+    </cs:fontRef>
+    <cs:spPr>
+      <a:ln w="25400">
+        <a:solidFill>
+          <a:schemeClr val="lt1"/>
+        </a:solidFill>
+      </a:ln>
+    </cs:spPr>
+  </cs:dataPoint3D>
+  <cs:dataPointLine>
+    <cs:lnRef idx="0">
+      <cs:styleClr val="auto"/>
+    </cs:lnRef>
+    <cs:fillRef idx="0"/>
+    <cs:effectRef idx="0"/>
+    <cs:fontRef idx="minor">
+      <a:schemeClr val="tx1"/>
+    </cs:fontRef>
+    <cs:spPr>
+      <a:ln w="28575" cap="rnd">
+        <a:solidFill>
+          <a:schemeClr val="phClr"/>
+        </a:solidFill>
+        <a:round/>
+      </a:ln>
+    </cs:spPr>
+  </cs:dataPointLine>
+  <cs:dataPointMarker>
+    <cs:lnRef idx="0">
+      <cs:styleClr val="auto"/>
+    </cs:lnRef>
+    <cs:fillRef idx="1">
+      <cs:styleClr val="auto"/>
+    </cs:fillRef>
+    <cs:effectRef idx="0"/>
+    <cs:fontRef idx="minor">
+      <a:schemeClr val="tx1"/>
+    </cs:fontRef>
+    <cs:spPr>
+      <a:ln w="9525">
+        <a:solidFill>
+          <a:schemeClr val="phClr"/>
+        </a:solidFill>
+      </a:ln>
+    </cs:spPr>
+  </cs:dataPointMarker>
+  <cs:dataPointMarkerLayout symbol="circle" size="5"/>
+  <cs:dataPointWireframe>
+    <cs:lnRef idx="0">
+      <cs:styleClr val="auto"/>
+    </cs:lnRef>
+    <cs:fillRef idx="0"/>
+    <cs:effectRef idx="0"/>
+    <cs:fontRef idx="minor">
+      <a:schemeClr val="tx1"/>
+    </cs:fontRef>
+    <cs:spPr>
+      <a:ln w="9525" cap="rnd">
+        <a:solidFill>
+          <a:schemeClr val="phClr"/>
+        </a:solidFill>
+        <a:round/>
+      </a:ln>
+    </cs:spPr>
+  </cs:dataPointWireframe>
+  <cs:dataTable>
+    <cs:lnRef idx="0"/>
+    <cs:fillRef idx="0"/>
+    <cs:effectRef idx="0"/>
+    <cs:fontRef idx="minor">
+      <a:schemeClr val="tx1">
+        <a:lumMod val="65000"/>
+        <a:lumOff val="35000"/>
+      </a:schemeClr>
+    </cs:fontRef>
+    <cs:spPr>
+      <a:noFill/>
+      <a:ln w="9525" cap="flat" cmpd="sng" algn="ctr">
+        <a:solidFill>
+          <a:schemeClr val="tx1">
+            <a:lumMod val="15000"/>
+            <a:lumOff val="85000"/>
+          </a:schemeClr>
+        </a:solidFill>
+        <a:round/>
+      </a:ln>
+    </cs:spPr>
+    <cs:defRPr sz="900" kern="1200"/>
+  </cs:dataTable>
+  <cs:downBar>
+    <cs:lnRef idx="0"/>
+    <cs:fillRef idx="0"/>
+    <cs:effectRef idx="0"/>
+    <cs:fontRef idx="minor">
+      <a:schemeClr val="tx1"/>
+    </cs:fontRef>
+    <cs:spPr>
+      <a:solidFill>
+        <a:schemeClr val="dk1">
+          <a:lumMod val="75000"/>
+          <a:lumOff val="25000"/>
+        </a:schemeClr>
+      </a:solidFill>
+      <a:ln w="9525" cap="flat" cmpd="sng" algn="ctr">
+        <a:solidFill>
+          <a:schemeClr val="tx1">
+            <a:lumMod val="65000"/>
+            <a:lumOff val="35000"/>
+          </a:schemeClr>
+        </a:solidFill>
+        <a:round/>
+      </a:ln>
+    </cs:spPr>
+  </cs:downBar>
+  <cs:dropLine>
+    <cs:lnRef idx="0"/>
+    <cs:fillRef idx="0"/>
+    <cs:effectRef idx="0"/>
+    <cs:fontRef idx="minor">
+      <a:schemeClr val="tx1"/>
+    </cs:fontRef>
+    <cs:spPr>
+      <a:ln w="9525" cap="flat" cmpd="sng" algn="ctr">
+        <a:solidFill>
+          <a:schemeClr val="tx1">
+            <a:lumMod val="35000"/>
+            <a:lumOff val="65000"/>
+          </a:schemeClr>
+        </a:solidFill>
+        <a:round/>
+      </a:ln>
+    </cs:spPr>
+  </cs:dropLine>
+  <cs:errorBar>
+    <cs:lnRef idx="0"/>
+    <cs:fillRef idx="0"/>
+    <cs:effectRef idx="0"/>
+    <cs:fontRef idx="minor">
+      <a:schemeClr val="tx1"/>
+    </cs:fontRef>
+    <cs:spPr>
+      <a:ln w="9525" cap="flat" cmpd="sng" algn="ctr">
+        <a:solidFill>
+          <a:schemeClr val="tx1">
+            <a:lumMod val="65000"/>
+            <a:lumOff val="35000"/>
+          </a:schemeClr>
+        </a:solidFill>
+        <a:round/>
+      </a:ln>
+    </cs:spPr>
+  </cs:errorBar>
+  <cs:floor>
+    <cs:lnRef idx="0"/>
+    <cs:fillRef idx="0"/>
+    <cs:effectRef idx="0"/>
+    <cs:fontRef idx="minor">
+      <a:schemeClr val="tx1"/>
+    </cs:fontRef>
+    <cs:spPr>
+      <a:noFill/>
+      <a:ln>
+        <a:noFill/>
+      </a:ln>
+    </cs:spPr>
+  </cs:floor>
+  <cs:gridlineMajor>
+    <cs:lnRef idx="0"/>
+    <cs:fillRef idx="0"/>
+    <cs:effectRef idx="0"/>
+    <cs:fontRef idx="minor">
+      <a:schemeClr val="tx1"/>
+    </cs:fontRef>
+    <cs:spPr>
+      <a:ln w="9525" cap="flat" cmpd="sng" algn="ctr">
+        <a:solidFill>
+          <a:schemeClr val="tx1">
+            <a:lumMod val="15000"/>
+            <a:lumOff val="85000"/>
+          </a:schemeClr>
+        </a:solidFill>
+        <a:round/>
+      </a:ln>
+    </cs:spPr>
+  </cs:gridlineMajor>
+  <cs:gridlineMinor>
+    <cs:lnRef idx="0"/>
+    <cs:fillRef idx="0"/>
+    <cs:effectRef idx="0"/>
+    <cs:fontRef idx="minor">
+      <a:schemeClr val="tx1"/>
+    </cs:fontRef>
+    <cs:spPr>
+      <a:ln w="9525" cap="flat" cmpd="sng" algn="ctr">
+        <a:solidFill>
+          <a:schemeClr val="tx1">
+            <a:lumMod val="5000"/>
+            <a:lumOff val="95000"/>
+          </a:schemeClr>
+        </a:solidFill>
+        <a:round/>
+      </a:ln>
+    </cs:spPr>
+  </cs:gridlineMinor>
+  <cs:hiLoLine>
+    <cs:lnRef idx="0"/>
+    <cs:fillRef idx="0"/>
+    <cs:effectRef idx="0"/>
+    <cs:fontRef idx="minor">
+      <a:schemeClr val="tx1"/>
+    </cs:fontRef>
+    <cs:spPr>
+      <a:ln w="9525" cap="flat" cmpd="sng" algn="ctr">
+        <a:solidFill>
+          <a:schemeClr val="tx1">
+            <a:lumMod val="50000"/>
+            <a:lumOff val="50000"/>
+          </a:schemeClr>
+        </a:solidFill>
+        <a:round/>
+      </a:ln>
+    </cs:spPr>
+  </cs:hiLoLine>
+  <cs:leaderLine>
+    <cs:lnRef idx="0"/>
+    <cs:fillRef idx="0"/>
+    <cs:effectRef idx="0"/>
+    <cs:fontRef idx="minor">
+      <a:schemeClr val="tx1"/>
+    </cs:fontRef>
+    <cs:spPr>
+      <a:ln w="9525" cap="flat" cmpd="sng" algn="ctr">
+        <a:solidFill>
+          <a:schemeClr val="tx1">
+            <a:lumMod val="35000"/>
+            <a:lumOff val="65000"/>
+          </a:schemeClr>
+        </a:solidFill>
+        <a:round/>
+      </a:ln>
+    </cs:spPr>
+  </cs:leaderLine>
+  <cs:legend>
+    <cs:lnRef idx="0"/>
+    <cs:fillRef idx="0"/>
+    <cs:effectRef idx="0"/>
+    <cs:fontRef idx="minor">
+      <a:schemeClr val="tx1">
+        <a:lumMod val="65000"/>
+        <a:lumOff val="35000"/>
+      </a:schemeClr>
+    </cs:fontRef>
+    <cs:defRPr sz="900" kern="1200"/>
+  </cs:legend>
+  <cs:plotArea mods="allowNoFillOverride allowNoLineOverride">
+    <cs:lnRef idx="0"/>
+    <cs:fillRef idx="0"/>
+    <cs:effectRef idx="0"/>
+    <cs:fontRef idx="minor">
+      <a:schemeClr val="tx1"/>
+    </cs:fontRef>
+  </cs:plotArea>
+  <cs:plotArea3D mods="allowNoFillOverride allowNoLineOverride">
+    <cs:lnRef idx="0"/>
+    <cs:fillRef idx="0"/>
+    <cs:effectRef idx="0"/>
+    <cs:fontRef idx="minor">
+      <a:schemeClr val="tx1"/>
+    </cs:fontRef>
+  </cs:plotArea3D>
+  <cs:seriesAxis>
+    <cs:lnRef idx="0"/>
+    <cs:fillRef idx="0"/>
+    <cs:effectRef idx="0"/>
+    <cs:fontRef idx="minor">
+      <a:schemeClr val="tx1">
+        <a:lumMod val="65000"/>
+        <a:lumOff val="35000"/>
+      </a:schemeClr>
+    </cs:fontRef>
+    <cs:defRPr sz="900" kern="1200"/>
+  </cs:seriesAxis>
+  <cs:seriesLine>
+    <cs:lnRef idx="0"/>
+    <cs:fillRef idx="0"/>
+    <cs:effectRef idx="0"/>
+    <cs:fontRef idx="minor">
+      <a:schemeClr val="tx1"/>
+    </cs:fontRef>
+    <cs:spPr>
+      <a:ln w="9525" cap="flat" cmpd="sng" algn="ctr">
+        <a:solidFill>
+          <a:schemeClr val="tx1">
+            <a:lumMod val="35000"/>
+            <a:lumOff val="65000"/>
+          </a:schemeClr>
+        </a:solidFill>
+        <a:round/>
+      </a:ln>
+    </cs:spPr>
+  </cs:seriesLine>
+  <cs:title>
+    <cs:lnRef idx="0"/>
+    <cs:fillRef idx="0"/>
+    <cs:effectRef idx="0"/>
+    <cs:fontRef idx="minor">
+      <a:schemeClr val="tx1">
+        <a:lumMod val="65000"/>
+        <a:lumOff val="35000"/>
+      </a:schemeClr>
+    </cs:fontRef>
+    <cs:defRPr sz="1400" b="0" kern="1200" spc="0" baseline="0"/>
+  </cs:title>
+  <cs:trendline>
+    <cs:lnRef idx="0">
+      <cs:styleClr val="auto"/>
+    </cs:lnRef>
+    <cs:fillRef idx="0"/>
+    <cs:effectRef idx="0"/>
+    <cs:fontRef idx="minor">
+      <a:schemeClr val="tx1"/>
+    </cs:fontRef>
+    <cs:spPr>
+      <a:ln w="19050" cap="rnd">
+        <a:solidFill>
+          <a:schemeClr val="phClr"/>
+        </a:solidFill>
+        <a:prstDash val="sysDot"/>
+      </a:ln>
+    </cs:spPr>
+  </cs:trendline>
+  <cs:trendlineLabel>
+    <cs:lnRef idx="0"/>
+    <cs:fillRef idx="0"/>
+    <cs:effectRef idx="0"/>
+    <cs:fontRef idx="minor">
+      <a:schemeClr val="tx1">
+        <a:lumMod val="65000"/>
+        <a:lumOff val="35000"/>
+      </a:schemeClr>
+    </cs:fontRef>
+    <cs:defRPr sz="900" kern="1200"/>
+  </cs:trendlineLabel>
+  <cs:upBar>
+    <cs:lnRef idx="0"/>
+    <cs:fillRef idx="0"/>
+    <cs:effectRef idx="0"/>
+    <cs:fontRef idx="minor">
+      <a:schemeClr val="tx1"/>
+    </cs:fontRef>
+    <cs:spPr>
+      <a:solidFill>
+        <a:schemeClr val="lt1"/>
+      </a:solidFill>
+      <a:ln w="9525" cap="flat" cmpd="sng" algn="ctr">
+        <a:solidFill>
+          <a:schemeClr val="tx1">
+            <a:lumMod val="65000"/>
+            <a:lumOff val="35000"/>
+          </a:schemeClr>
+        </a:solidFill>
+        <a:round/>
+      </a:ln>
+    </cs:spPr>
+  </cs:upBar>
+  <cs:valueAxis>
+    <cs:lnRef idx="0"/>
+    <cs:fillRef idx="0"/>
+    <cs:effectRef idx="0"/>
+    <cs:fontRef idx="minor">
+      <a:schemeClr val="tx1">
+        <a:lumMod val="65000"/>
+        <a:lumOff val="35000"/>
+      </a:schemeClr>
+    </cs:fontRef>
+    <cs:defRPr sz="900" kern="1200"/>
+  </cs:valueAxis>
+  <cs:wall>
+    <cs:lnRef idx="0"/>
+    <cs:fillRef idx="0"/>
+    <cs:effectRef idx="0"/>
+    <cs:fontRef idx="minor">
+      <a:schemeClr val="tx1"/>
+    </cs:fontRef>
+    <cs:spPr>
+      <a:noFill/>
+      <a:ln>
+        <a:noFill/>
+      </a:ln>
+    </cs:spPr>
+  </cs:wall>
+</cs:chartStyle>
+</file>
+
+<file path=ppt/charts/style2.xml><?xml version="1.0" encoding="utf-8"?>
+<cs:chartStyle xmlns:cs="http://schemas.microsoft.com/office/drawing/2012/chartStyle" xmlns:a="http://schemas.openxmlformats.org/drawingml/2006/main" id="251">
+  <cs:axisTitle>
+    <cs:lnRef idx="0"/>
+    <cs:fillRef idx="0"/>
+    <cs:effectRef idx="0"/>
+    <cs:fontRef idx="minor">
+      <a:schemeClr val="tx1">
+        <a:lumMod val="65000"/>
+        <a:lumOff val="35000"/>
+      </a:schemeClr>
+    </cs:fontRef>
+    <cs:defRPr sz="1000" kern="1200"/>
+  </cs:axisTitle>
+  <cs:categoryAxis>
+    <cs:lnRef idx="0"/>
+    <cs:fillRef idx="0"/>
+    <cs:effectRef idx="0"/>
+    <cs:fontRef idx="minor">
+      <a:schemeClr val="tx1">
+        <a:lumMod val="65000"/>
+        <a:lumOff val="35000"/>
+      </a:schemeClr>
+    </cs:fontRef>
+    <cs:spPr>
+      <a:ln w="9525" cap="flat" cmpd="sng" algn="ctr">
+        <a:solidFill>
+          <a:schemeClr val="tx1">
+            <a:lumMod val="15000"/>
+            <a:lumOff val="85000"/>
+          </a:schemeClr>
+        </a:solidFill>
+        <a:round/>
+      </a:ln>
+    </cs:spPr>
+    <cs:defRPr sz="900" kern="1200"/>
+  </cs:categoryAxis>
+  <cs:chartArea mods="allowNoFillOverride allowNoLineOverride">
+    <cs:lnRef idx="0"/>
+    <cs:fillRef idx="0"/>
+    <cs:effectRef idx="0"/>
+    <cs:fontRef idx="minor">
+      <a:schemeClr val="tx1"/>
+    </cs:fontRef>
+    <cs:spPr>
+      <a:solidFill>
+        <a:schemeClr val="bg1"/>
+      </a:solidFill>
+      <a:ln w="9525" cap="flat" cmpd="sng" algn="ctr">
+        <a:solidFill>
+          <a:schemeClr val="tx1">
+            <a:lumMod val="15000"/>
+            <a:lumOff val="85000"/>
+          </a:schemeClr>
+        </a:solidFill>
+        <a:round/>
+      </a:ln>
+    </cs:spPr>
+    <cs:defRPr sz="900" kern="1200"/>
+  </cs:chartArea>
+  <cs:dataLabel>
+    <cs:lnRef idx="0"/>
+    <cs:fillRef idx="0"/>
+    <cs:effectRef idx="0"/>
+    <cs:fontRef idx="minor">
+      <a:schemeClr val="tx1">
+        <a:lumMod val="75000"/>
+        <a:lumOff val="25000"/>
+      </a:schemeClr>
+    </cs:fontRef>
+    <cs:defRPr sz="900" kern="1200"/>
+  </cs:dataLabel>
+  <cs:dataLabelCallout>
+    <cs:lnRef idx="0"/>
+    <cs:fillRef idx="0"/>
+    <cs:effectRef idx="0"/>
+    <cs:fontRef idx="minor">
+      <a:schemeClr val="dk1">
+        <a:lumMod val="65000"/>
+        <a:lumOff val="35000"/>
+      </a:schemeClr>
+    </cs:fontRef>
+    <cs:spPr>
+      <a:solidFill>
+        <a:schemeClr val="lt1"/>
+      </a:solidFill>
+      <a:ln>
+        <a:solidFill>
+          <a:schemeClr val="dk1">
+            <a:lumMod val="25000"/>
+            <a:lumOff val="75000"/>
+          </a:schemeClr>
+        </a:solidFill>
+      </a:ln>
+    </cs:spPr>
+    <cs:defRPr sz="900" kern="1200"/>
+    <cs:bodyPr rot="0" spcFirstLastPara="1" vertOverflow="clip" horzOverflow="clip" vert="horz" wrap="square" lIns="36576" tIns="18288" rIns="36576" bIns="18288" anchor="ctr" anchorCtr="1">
+      <a:spAutoFit/>
+    </cs:bodyPr>
+  </cs:dataLabelCallout>
+  <cs:dataPoint>
+    <cs:lnRef idx="0"/>
+    <cs:fillRef idx="1">
+      <cs:styleClr val="auto"/>
+    </cs:fillRef>
+    <cs:effectRef idx="0"/>
+    <cs:fontRef idx="minor">
+      <a:schemeClr val="tx1"/>
+    </cs:fontRef>
+    <cs:spPr>
+      <a:ln w="19050">
+        <a:solidFill>
+          <a:schemeClr val="lt1"/>
+        </a:solidFill>
+      </a:ln>
+    </cs:spPr>
+  </cs:dataPoint>
+  <cs:dataPoint3D>
+    <cs:lnRef idx="0"/>
+    <cs:fillRef idx="1">
+      <cs:styleClr val="auto"/>
+    </cs:fillRef>
+    <cs:effectRef idx="0"/>
+    <cs:fontRef idx="minor">
+      <a:schemeClr val="tx1"/>
+    </cs:fontRef>
+    <cs:spPr>
+      <a:ln w="25400">
+        <a:solidFill>
+          <a:schemeClr val="lt1"/>
+        </a:solidFill>
+      </a:ln>
+    </cs:spPr>
+  </cs:dataPoint3D>
+  <cs:dataPointLine>
+    <cs:lnRef idx="0">
+      <cs:styleClr val="auto"/>
+    </cs:lnRef>
+    <cs:fillRef idx="0"/>
+    <cs:effectRef idx="0"/>
+    <cs:fontRef idx="minor">
+      <a:schemeClr val="tx1"/>
+    </cs:fontRef>
+    <cs:spPr>
+      <a:ln w="28575" cap="rnd">
+        <a:solidFill>
+          <a:schemeClr val="phClr"/>
+        </a:solidFill>
+        <a:round/>
+      </a:ln>
+    </cs:spPr>
+  </cs:dataPointLine>
+  <cs:dataPointMarker>
+    <cs:lnRef idx="0">
+      <cs:styleClr val="auto"/>
+    </cs:lnRef>
+    <cs:fillRef idx="1">
+      <cs:styleClr val="auto"/>
+    </cs:fillRef>
+    <cs:effectRef idx="0"/>
+    <cs:fontRef idx="minor">
+      <a:schemeClr val="tx1"/>
+    </cs:fontRef>
+    <cs:spPr>
+      <a:ln w="9525">
+        <a:solidFill>
+          <a:schemeClr val="phClr"/>
+        </a:solidFill>
+      </a:ln>
+    </cs:spPr>
+  </cs:dataPointMarker>
+  <cs:dataPointMarkerLayout symbol="circle" size="5"/>
+  <cs:dataPointWireframe>
+    <cs:lnRef idx="0">
+      <cs:styleClr val="auto"/>
+    </cs:lnRef>
+    <cs:fillRef idx="0"/>
+    <cs:effectRef idx="0"/>
+    <cs:fontRef idx="minor">
+      <a:schemeClr val="tx1"/>
+    </cs:fontRef>
+    <cs:spPr>
+      <a:ln w="9525" cap="rnd">
+        <a:solidFill>
+          <a:schemeClr val="phClr"/>
+        </a:solidFill>
+        <a:round/>
+      </a:ln>
+    </cs:spPr>
+  </cs:dataPointWireframe>
+  <cs:dataTable>
+    <cs:lnRef idx="0"/>
+    <cs:fillRef idx="0"/>
+    <cs:effectRef idx="0"/>
+    <cs:fontRef idx="minor">
+      <a:schemeClr val="tx1">
+        <a:lumMod val="65000"/>
+        <a:lumOff val="35000"/>
+      </a:schemeClr>
+    </cs:fontRef>
+    <cs:spPr>
+      <a:noFill/>
+      <a:ln w="9525" cap="flat" cmpd="sng" algn="ctr">
+        <a:solidFill>
+          <a:schemeClr val="tx1">
+            <a:lumMod val="15000"/>
+            <a:lumOff val="85000"/>
+          </a:schemeClr>
+        </a:solidFill>
+        <a:round/>
+      </a:ln>
+    </cs:spPr>
+    <cs:defRPr sz="900" kern="1200"/>
+  </cs:dataTable>
+  <cs:downBar>
+    <cs:lnRef idx="0"/>
+    <cs:fillRef idx="0"/>
+    <cs:effectRef idx="0"/>
+    <cs:fontRef idx="minor">
+      <a:schemeClr val="tx1"/>
+    </cs:fontRef>
+    <cs:spPr>
+      <a:solidFill>
+        <a:schemeClr val="dk1">
+          <a:lumMod val="75000"/>
+          <a:lumOff val="25000"/>
+        </a:schemeClr>
+      </a:solidFill>
+      <a:ln w="9525" cap="flat" cmpd="sng" algn="ctr">
+        <a:solidFill>
+          <a:schemeClr val="tx1">
+            <a:lumMod val="65000"/>
+            <a:lumOff val="35000"/>
+          </a:schemeClr>
+        </a:solidFill>
+        <a:round/>
+      </a:ln>
+    </cs:spPr>
+  </cs:downBar>
+  <cs:dropLine>
+    <cs:lnRef idx="0"/>
+    <cs:fillRef idx="0"/>
+    <cs:effectRef idx="0"/>
+    <cs:fontRef idx="minor">
+      <a:schemeClr val="tx1"/>
+    </cs:fontRef>
+    <cs:spPr>
+      <a:ln w="9525" cap="flat" cmpd="sng" algn="ctr">
+        <a:solidFill>
+          <a:schemeClr val="tx1">
+            <a:lumMod val="35000"/>
+            <a:lumOff val="65000"/>
+          </a:schemeClr>
+        </a:solidFill>
+        <a:round/>
+      </a:ln>
+    </cs:spPr>
+  </cs:dropLine>
+  <cs:errorBar>
+    <cs:lnRef idx="0"/>
+    <cs:fillRef idx="0"/>
+    <cs:effectRef idx="0"/>
+    <cs:fontRef idx="minor">
+      <a:schemeClr val="tx1"/>
+    </cs:fontRef>
+    <cs:spPr>
+      <a:ln w="9525" cap="flat" cmpd="sng" algn="ctr">
+        <a:solidFill>
+          <a:schemeClr val="tx1">
+            <a:lumMod val="65000"/>
+            <a:lumOff val="35000"/>
+          </a:schemeClr>
+        </a:solidFill>
+        <a:round/>
+      </a:ln>
+    </cs:spPr>
+  </cs:errorBar>
+  <cs:floor>
+    <cs:lnRef idx="0"/>
+    <cs:fillRef idx="0"/>
+    <cs:effectRef idx="0"/>
+    <cs:fontRef idx="minor">
+      <a:schemeClr val="tx1"/>
+    </cs:fontRef>
+    <cs:spPr>
+      <a:noFill/>
+      <a:ln>
+        <a:noFill/>
+      </a:ln>
+    </cs:spPr>
+  </cs:floor>
+  <cs:gridlineMajor>
+    <cs:lnRef idx="0"/>
+    <cs:fillRef idx="0"/>
+    <cs:effectRef idx="0"/>
+    <cs:fontRef idx="minor">
+      <a:schemeClr val="tx1"/>
+    </cs:fontRef>
+    <cs:spPr>
+      <a:ln w="9525" cap="flat" cmpd="sng" algn="ctr">
+        <a:solidFill>
+          <a:schemeClr val="tx1">
+            <a:lumMod val="15000"/>
+            <a:lumOff val="85000"/>
+          </a:schemeClr>
+        </a:solidFill>
+        <a:round/>
+      </a:ln>
+    </cs:spPr>
+  </cs:gridlineMajor>
+  <cs:gridlineMinor>
+    <cs:lnRef idx="0"/>
+    <cs:fillRef idx="0"/>
+    <cs:effectRef idx="0"/>
+    <cs:fontRef idx="minor">
+      <a:schemeClr val="tx1"/>
+    </cs:fontRef>
+    <cs:spPr>
+      <a:ln w="9525" cap="flat" cmpd="sng" algn="ctr">
+        <a:solidFill>
+          <a:schemeClr val="tx1">
+            <a:lumMod val="5000"/>
+            <a:lumOff val="95000"/>
+          </a:schemeClr>
+        </a:solidFill>
+        <a:round/>
+      </a:ln>
+    </cs:spPr>
+  </cs:gridlineMinor>
+  <cs:hiLoLine>
+    <cs:lnRef idx="0"/>
+    <cs:fillRef idx="0"/>
+    <cs:effectRef idx="0"/>
+    <cs:fontRef idx="minor">
+      <a:schemeClr val="tx1"/>
+    </cs:fontRef>
+    <cs:spPr>
+      <a:ln w="9525" cap="flat" cmpd="sng" algn="ctr">
+        <a:solidFill>
+          <a:schemeClr val="tx1">
+            <a:lumMod val="50000"/>
+            <a:lumOff val="50000"/>
+          </a:schemeClr>
+        </a:solidFill>
+        <a:round/>
+      </a:ln>
+    </cs:spPr>
+  </cs:hiLoLine>
+  <cs:leaderLine>
+    <cs:lnRef idx="0"/>
+    <cs:fillRef idx="0"/>
+    <cs:effectRef idx="0"/>
+    <cs:fontRef idx="minor">
+      <a:schemeClr val="tx1"/>
+    </cs:fontRef>
+    <cs:spPr>
+      <a:ln w="9525" cap="flat" cmpd="sng" algn="ctr">
+        <a:solidFill>
+          <a:schemeClr val="tx1">
+            <a:lumMod val="35000"/>
+            <a:lumOff val="65000"/>
+          </a:schemeClr>
+        </a:solidFill>
+        <a:round/>
+      </a:ln>
+    </cs:spPr>
+  </cs:leaderLine>
+  <cs:legend>
+    <cs:lnRef idx="0"/>
+    <cs:fillRef idx="0"/>
+    <cs:effectRef idx="0"/>
+    <cs:fontRef idx="minor">
+      <a:schemeClr val="tx1">
+        <a:lumMod val="65000"/>
+        <a:lumOff val="35000"/>
+      </a:schemeClr>
+    </cs:fontRef>
+    <cs:defRPr sz="900" kern="1200"/>
+  </cs:legend>
+  <cs:plotArea mods="allowNoFillOverride allowNoLineOverride">
+    <cs:lnRef idx="0"/>
+    <cs:fillRef idx="0"/>
+    <cs:effectRef idx="0"/>
+    <cs:fontRef idx="minor">
+      <a:schemeClr val="tx1"/>
+    </cs:fontRef>
+  </cs:plotArea>
+  <cs:plotArea3D mods="allowNoFillOverride allowNoLineOverride">
+    <cs:lnRef idx="0"/>
+    <cs:fillRef idx="0"/>
+    <cs:effectRef idx="0"/>
+    <cs:fontRef idx="minor">
+      <a:schemeClr val="tx1"/>
+    </cs:fontRef>
+  </cs:plotArea3D>
+  <cs:seriesAxis>
+    <cs:lnRef idx="0"/>
+    <cs:fillRef idx="0"/>
+    <cs:effectRef idx="0"/>
+    <cs:fontRef idx="minor">
+      <a:schemeClr val="tx1">
+        <a:lumMod val="65000"/>
+        <a:lumOff val="35000"/>
+      </a:schemeClr>
+    </cs:fontRef>
+    <cs:defRPr sz="900" kern="1200"/>
+  </cs:seriesAxis>
+  <cs:seriesLine>
+    <cs:lnRef idx="0"/>
+    <cs:fillRef idx="0"/>
+    <cs:effectRef idx="0"/>
+    <cs:fontRef idx="minor">
+      <a:schemeClr val="tx1"/>
+    </cs:fontRef>
+    <cs:spPr>
+      <a:ln w="9525" cap="flat" cmpd="sng" algn="ctr">
+        <a:solidFill>
+          <a:schemeClr val="tx1">
+            <a:lumMod val="35000"/>
+            <a:lumOff val="65000"/>
+          </a:schemeClr>
+        </a:solidFill>
+        <a:round/>
+      </a:ln>
+    </cs:spPr>
+  </cs:seriesLine>
+  <cs:title>
+    <cs:lnRef idx="0"/>
+    <cs:fillRef idx="0"/>
+    <cs:effectRef idx="0"/>
+    <cs:fontRef idx="minor">
+      <a:schemeClr val="tx1">
+        <a:lumMod val="65000"/>
+        <a:lumOff val="35000"/>
+      </a:schemeClr>
+    </cs:fontRef>
+    <cs:defRPr sz="1400" b="0" kern="1200" spc="0" baseline="0"/>
+  </cs:title>
+  <cs:trendline>
+    <cs:lnRef idx="0">
+      <cs:styleClr val="auto"/>
+    </cs:lnRef>
+    <cs:fillRef idx="0"/>
+    <cs:effectRef idx="0"/>
+    <cs:fontRef idx="minor">
+      <a:schemeClr val="tx1"/>
+    </cs:fontRef>
+    <cs:spPr>
+      <a:ln w="19050" cap="rnd">
+        <a:solidFill>
+          <a:schemeClr val="phClr"/>
+        </a:solidFill>
+        <a:prstDash val="sysDot"/>
+      </a:ln>
+    </cs:spPr>
+  </cs:trendline>
+  <cs:trendlineLabel>
+    <cs:lnRef idx="0"/>
+    <cs:fillRef idx="0"/>
+    <cs:effectRef idx="0"/>
+    <cs:fontRef idx="minor">
+      <a:schemeClr val="tx1">
+        <a:lumMod val="65000"/>
+        <a:lumOff val="35000"/>
+      </a:schemeClr>
+    </cs:fontRef>
+    <cs:defRPr sz="900" kern="1200"/>
+  </cs:trendlineLabel>
+  <cs:upBar>
+    <cs:lnRef idx="0"/>
+    <cs:fillRef idx="0"/>
+    <cs:effectRef idx="0"/>
+    <cs:fontRef idx="minor">
+      <a:schemeClr val="tx1"/>
+    </cs:fontRef>
+    <cs:spPr>
+      <a:solidFill>
+        <a:schemeClr val="lt1"/>
+      </a:solidFill>
+      <a:ln w="9525" cap="flat" cmpd="sng" algn="ctr">
+        <a:solidFill>
+          <a:schemeClr val="tx1">
+            <a:lumMod val="65000"/>
+            <a:lumOff val="35000"/>
+          </a:schemeClr>
+        </a:solidFill>
+        <a:round/>
+      </a:ln>
+    </cs:spPr>
+  </cs:upBar>
+  <cs:valueAxis>
+    <cs:lnRef idx="0"/>
+    <cs:fillRef idx="0"/>
+    <cs:effectRef idx="0"/>
+    <cs:fontRef idx="minor">
+      <a:schemeClr val="tx1">
+        <a:lumMod val="65000"/>
+        <a:lumOff val="35000"/>
+      </a:schemeClr>
+    </cs:fontRef>
+    <cs:defRPr sz="900" kern="1200"/>
+  </cs:valueAxis>
+  <cs:wall>
+    <cs:lnRef idx="0"/>
+    <cs:fillRef idx="0"/>
+    <cs:effectRef idx="0"/>
+    <cs:fontRef idx="minor">
+      <a:schemeClr val="tx1"/>
+    </cs:fontRef>
+    <cs:spPr>
+      <a:noFill/>
+      <a:ln>
+        <a:noFill/>
+      </a:ln>
+    </cs:spPr>
+  </cs:wall>
+</cs:chartStyle>
+</file>
+
+<file path=ppt/charts/style3.xml><?xml version="1.0" encoding="utf-8"?>
+<cs:chartStyle xmlns:cs="http://schemas.microsoft.com/office/drawing/2012/chartStyle" xmlns:a="http://schemas.openxmlformats.org/drawingml/2006/main" id="251">
+  <cs:axisTitle>
+    <cs:lnRef idx="0"/>
+    <cs:fillRef idx="0"/>
+    <cs:effectRef idx="0"/>
+    <cs:fontRef idx="minor">
+      <a:schemeClr val="tx1">
+        <a:lumMod val="65000"/>
+        <a:lumOff val="35000"/>
+      </a:schemeClr>
+    </cs:fontRef>
+    <cs:defRPr sz="1000" kern="1200"/>
+  </cs:axisTitle>
+  <cs:categoryAxis>
+    <cs:lnRef idx="0"/>
+    <cs:fillRef idx="0"/>
+    <cs:effectRef idx="0"/>
+    <cs:fontRef idx="minor">
+      <a:schemeClr val="tx1">
+        <a:lumMod val="65000"/>
+        <a:lumOff val="35000"/>
+      </a:schemeClr>
+    </cs:fontRef>
+    <cs:spPr>
+      <a:ln w="9525" cap="flat" cmpd="sng" algn="ctr">
+        <a:solidFill>
+          <a:schemeClr val="tx1">
+            <a:lumMod val="15000"/>
+            <a:lumOff val="85000"/>
+          </a:schemeClr>
+        </a:solidFill>
+        <a:round/>
+      </a:ln>
+    </cs:spPr>
+    <cs:defRPr sz="900" kern="1200"/>
+  </cs:categoryAxis>
+  <cs:chartArea mods="allowNoFillOverride allowNoLineOverride">
+    <cs:lnRef idx="0"/>
+    <cs:fillRef idx="0"/>
+    <cs:effectRef idx="0"/>
+    <cs:fontRef idx="minor">
+      <a:schemeClr val="tx1"/>
+    </cs:fontRef>
+    <cs:spPr>
+      <a:solidFill>
+        <a:schemeClr val="bg1"/>
+      </a:solidFill>
+      <a:ln w="9525" cap="flat" cmpd="sng" algn="ctr">
+        <a:solidFill>
+          <a:schemeClr val="tx1">
+            <a:lumMod val="15000"/>
+            <a:lumOff val="85000"/>
+          </a:schemeClr>
+        </a:solidFill>
+        <a:round/>
+      </a:ln>
+    </cs:spPr>
+    <cs:defRPr sz="900" kern="1200"/>
+  </cs:chartArea>
+  <cs:dataLabel>
+    <cs:lnRef idx="0"/>
+    <cs:fillRef idx="0"/>
+    <cs:effectRef idx="0"/>
+    <cs:fontRef idx="minor">
+      <a:schemeClr val="tx1">
+        <a:lumMod val="75000"/>
+        <a:lumOff val="25000"/>
+      </a:schemeClr>
+    </cs:fontRef>
+    <cs:defRPr sz="900" kern="1200"/>
+  </cs:dataLabel>
+  <cs:dataLabelCallout>
+    <cs:lnRef idx="0"/>
+    <cs:fillRef idx="0"/>
+    <cs:effectRef idx="0"/>
+    <cs:fontRef idx="minor">
+      <a:schemeClr val="dk1">
+        <a:lumMod val="65000"/>
+        <a:lumOff val="35000"/>
+      </a:schemeClr>
+    </cs:fontRef>
+    <cs:spPr>
+      <a:solidFill>
+        <a:schemeClr val="lt1"/>
+      </a:solidFill>
+      <a:ln>
+        <a:solidFill>
+          <a:schemeClr val="dk1">
+            <a:lumMod val="25000"/>
+            <a:lumOff val="75000"/>
+          </a:schemeClr>
+        </a:solidFill>
+      </a:ln>
+    </cs:spPr>
+    <cs:defRPr sz="900" kern="1200"/>
+    <cs:bodyPr rot="0" spcFirstLastPara="1" vertOverflow="clip" horzOverflow="clip" vert="horz" wrap="square" lIns="36576" tIns="18288" rIns="36576" bIns="18288" anchor="ctr" anchorCtr="1">
+      <a:spAutoFit/>
+    </cs:bodyPr>
+  </cs:dataLabelCallout>
+  <cs:dataPoint>
+    <cs:lnRef idx="0"/>
+    <cs:fillRef idx="1">
+      <cs:styleClr val="auto"/>
+    </cs:fillRef>
+    <cs:effectRef idx="0"/>
+    <cs:fontRef idx="minor">
+      <a:schemeClr val="tx1"/>
+    </cs:fontRef>
+    <cs:spPr>
+      <a:ln w="19050">
+        <a:solidFill>
+          <a:schemeClr val="lt1"/>
+        </a:solidFill>
+      </a:ln>
+    </cs:spPr>
+  </cs:dataPoint>
+  <cs:dataPoint3D>
+    <cs:lnRef idx="0"/>
+    <cs:fillRef idx="1">
+      <cs:styleClr val="auto"/>
+    </cs:fillRef>
+    <cs:effectRef idx="0"/>
+    <cs:fontRef idx="minor">
+      <a:schemeClr val="tx1"/>
+    </cs:fontRef>
+    <cs:spPr>
+      <a:ln w="25400">
+        <a:solidFill>
+          <a:schemeClr val="lt1"/>
+        </a:solidFill>
+      </a:ln>
+    </cs:spPr>
+  </cs:dataPoint3D>
+  <cs:dataPointLine>
+    <cs:lnRef idx="0">
+      <cs:styleClr val="auto"/>
+    </cs:lnRef>
+    <cs:fillRef idx="0"/>
+    <cs:effectRef idx="0"/>
+    <cs:fontRef idx="minor">
+      <a:schemeClr val="tx1"/>
+    </cs:fontRef>
+    <cs:spPr>
+      <a:ln w="28575" cap="rnd">
+        <a:solidFill>
+          <a:schemeClr val="phClr"/>
+        </a:solidFill>
+        <a:round/>
+      </a:ln>
+    </cs:spPr>
+  </cs:dataPointLine>
+  <cs:dataPointMarker>
+    <cs:lnRef idx="0">
+      <cs:styleClr val="auto"/>
+    </cs:lnRef>
+    <cs:fillRef idx="1">
+      <cs:styleClr val="auto"/>
+    </cs:fillRef>
+    <cs:effectRef idx="0"/>
+    <cs:fontRef idx="minor">
+      <a:schemeClr val="tx1"/>
+    </cs:fontRef>
+    <cs:spPr>
+      <a:ln w="9525">
+        <a:solidFill>
+          <a:schemeClr val="phClr"/>
+        </a:solidFill>
+      </a:ln>
+    </cs:spPr>
+  </cs:dataPointMarker>
+  <cs:dataPointMarkerLayout symbol="circle" size="5"/>
+  <cs:dataPointWireframe>
+    <cs:lnRef idx="0">
+      <cs:styleClr val="auto"/>
+    </cs:lnRef>
+    <cs:fillRef idx="0"/>
+    <cs:effectRef idx="0"/>
+    <cs:fontRef idx="minor">
+      <a:schemeClr val="tx1"/>
+    </cs:fontRef>
+    <cs:spPr>
+      <a:ln w="9525" cap="rnd">
+        <a:solidFill>
+          <a:schemeClr val="phClr"/>
+        </a:solidFill>
+        <a:round/>
+      </a:ln>
+    </cs:spPr>
+  </cs:dataPointWireframe>
+  <cs:dataTable>
+    <cs:lnRef idx="0"/>
+    <cs:fillRef idx="0"/>
+    <cs:effectRef idx="0"/>
+    <cs:fontRef idx="minor">
+      <a:schemeClr val="tx1">
+        <a:lumMod val="65000"/>
+        <a:lumOff val="35000"/>
+      </a:schemeClr>
+    </cs:fontRef>
+    <cs:spPr>
+      <a:noFill/>
+      <a:ln w="9525" cap="flat" cmpd="sng" algn="ctr">
+        <a:solidFill>
+          <a:schemeClr val="tx1">
+            <a:lumMod val="15000"/>
+            <a:lumOff val="85000"/>
+          </a:schemeClr>
+        </a:solidFill>
+        <a:round/>
+      </a:ln>
+    </cs:spPr>
+    <cs:defRPr sz="900" kern="1200"/>
+  </cs:dataTable>
+  <cs:downBar>
+    <cs:lnRef idx="0"/>
+    <cs:fillRef idx="0"/>
+    <cs:effectRef idx="0"/>
+    <cs:fontRef idx="minor">
+      <a:schemeClr val="tx1"/>
+    </cs:fontRef>
+    <cs:spPr>
+      <a:solidFill>
+        <a:schemeClr val="dk1">
+          <a:lumMod val="75000"/>
+          <a:lumOff val="25000"/>
+        </a:schemeClr>
+      </a:solidFill>
+      <a:ln w="9525" cap="flat" cmpd="sng" algn="ctr">
+        <a:solidFill>
+          <a:schemeClr val="tx1">
+            <a:lumMod val="65000"/>
+            <a:lumOff val="35000"/>
+          </a:schemeClr>
+        </a:solidFill>
+        <a:round/>
+      </a:ln>
+    </cs:spPr>
+  </cs:downBar>
+  <cs:dropLine>
+    <cs:lnRef idx="0"/>
+    <cs:fillRef idx="0"/>
+    <cs:effectRef idx="0"/>
+    <cs:fontRef idx="minor">
+      <a:schemeClr val="tx1"/>
+    </cs:fontRef>
+    <cs:spPr>
+      <a:ln w="9525" cap="flat" cmpd="sng" algn="ctr">
+        <a:solidFill>
+          <a:schemeClr val="tx1">
+            <a:lumMod val="35000"/>
+            <a:lumOff val="65000"/>
+          </a:schemeClr>
+        </a:solidFill>
+        <a:round/>
+      </a:ln>
+    </cs:spPr>
+  </cs:dropLine>
+  <cs:errorBar>
+    <cs:lnRef idx="0"/>
+    <cs:fillRef idx="0"/>
+    <cs:effectRef idx="0"/>
+    <cs:fontRef idx="minor">
+      <a:schemeClr val="tx1"/>
+    </cs:fontRef>
+    <cs:spPr>
+      <a:ln w="9525" cap="flat" cmpd="sng" algn="ctr">
+        <a:solidFill>
+          <a:schemeClr val="tx1">
+            <a:lumMod val="65000"/>
+            <a:lumOff val="35000"/>
+          </a:schemeClr>
+        </a:solidFill>
+        <a:round/>
+      </a:ln>
+    </cs:spPr>
+  </cs:errorBar>
+  <cs:floor>
+    <cs:lnRef idx="0"/>
+    <cs:fillRef idx="0"/>
+    <cs:effectRef idx="0"/>
+    <cs:fontRef idx="minor">
+      <a:schemeClr val="tx1"/>
+    </cs:fontRef>
+    <cs:spPr>
+      <a:noFill/>
+      <a:ln>
+        <a:noFill/>
+      </a:ln>
+    </cs:spPr>
+  </cs:floor>
+  <cs:gridlineMajor>
+    <cs:lnRef idx="0"/>
+    <cs:fillRef idx="0"/>
+    <cs:effectRef idx="0"/>
+    <cs:fontRef idx="minor">
+      <a:schemeClr val="tx1"/>
+    </cs:fontRef>
+    <cs:spPr>
+      <a:ln w="9525" cap="flat" cmpd="sng" algn="ctr">
+        <a:solidFill>
+          <a:schemeClr val="tx1">
+            <a:lumMod val="15000"/>
+            <a:lumOff val="85000"/>
+          </a:schemeClr>
+        </a:solidFill>
+        <a:round/>
+      </a:ln>
+    </cs:spPr>
+  </cs:gridlineMajor>
+  <cs:gridlineMinor>
+    <cs:lnRef idx="0"/>
+    <cs:fillRef idx="0"/>
+    <cs:effectRef idx="0"/>
+    <cs:fontRef idx="minor">
+      <a:schemeClr val="tx1"/>
+    </cs:fontRef>
+    <cs:spPr>
+      <a:ln w="9525" cap="flat" cmpd="sng" algn="ctr">
+        <a:solidFill>
+          <a:schemeClr val="tx1">
+            <a:lumMod val="5000"/>
+            <a:lumOff val="95000"/>
+          </a:schemeClr>
+        </a:solidFill>
+        <a:round/>
+      </a:ln>
+    </cs:spPr>
+  </cs:gridlineMinor>
+  <cs:hiLoLine>
+    <cs:lnRef idx="0"/>
+    <cs:fillRef idx="0"/>
+    <cs:effectRef idx="0"/>
+    <cs:fontRef idx="minor">
+      <a:schemeClr val="tx1"/>
+    </cs:fontRef>
+    <cs:spPr>
+      <a:ln w="9525" cap="flat" cmpd="sng" algn="ctr">
+        <a:solidFill>
+          <a:schemeClr val="tx1">
+            <a:lumMod val="50000"/>
+            <a:lumOff val="50000"/>
+          </a:schemeClr>
+        </a:solidFill>
+        <a:round/>
+      </a:ln>
+    </cs:spPr>
+  </cs:hiLoLine>
+  <cs:leaderLine>
+    <cs:lnRef idx="0"/>
+    <cs:fillRef idx="0"/>
+    <cs:effectRef idx="0"/>
+    <cs:fontRef idx="minor">
+      <a:schemeClr val="tx1"/>
+    </cs:fontRef>
+    <cs:spPr>
+      <a:ln w="9525" cap="flat" cmpd="sng" algn="ctr">
+        <a:solidFill>
+          <a:schemeClr val="tx1">
+            <a:lumMod val="35000"/>
+            <a:lumOff val="65000"/>
+          </a:schemeClr>
+        </a:solidFill>
+        <a:round/>
+      </a:ln>
+    </cs:spPr>
+  </cs:leaderLine>
+  <cs:legend>
+    <cs:lnRef idx="0"/>
+    <cs:fillRef idx="0"/>
+    <cs:effectRef idx="0"/>
+    <cs:fontRef idx="minor">
+      <a:schemeClr val="tx1">
+        <a:lumMod val="65000"/>
+        <a:lumOff val="35000"/>
+      </a:schemeClr>
+    </cs:fontRef>
+    <cs:defRPr sz="900" kern="1200"/>
+  </cs:legend>
+  <cs:plotArea mods="allowNoFillOverride allowNoLineOverride">
+    <cs:lnRef idx="0"/>
+    <cs:fillRef idx="0"/>
+    <cs:effectRef idx="0"/>
+    <cs:fontRef idx="minor">
+      <a:schemeClr val="tx1"/>
+    </cs:fontRef>
+  </cs:plotArea>
+  <cs:plotArea3D mods="allowNoFillOverride allowNoLineOverride">
+    <cs:lnRef idx="0"/>
+    <cs:fillRef idx="0"/>
+    <cs:effectRef idx="0"/>
+    <cs:fontRef idx="minor">
+      <a:schemeClr val="tx1"/>
+    </cs:fontRef>
+  </cs:plotArea3D>
+  <cs:seriesAxis>
+    <cs:lnRef idx="0"/>
+    <cs:fillRef idx="0"/>
+    <cs:effectRef idx="0"/>
+    <cs:fontRef idx="minor">
+      <a:schemeClr val="tx1">
+        <a:lumMod val="65000"/>
+        <a:lumOff val="35000"/>
+      </a:schemeClr>
+    </cs:fontRef>
+    <cs:defRPr sz="900" kern="1200"/>
+  </cs:seriesAxis>
+  <cs:seriesLine>
+    <cs:lnRef idx="0"/>
+    <cs:fillRef idx="0"/>
+    <cs:effectRef idx="0"/>
+    <cs:fontRef idx="minor">
+      <a:schemeClr val="tx1"/>
+    </cs:fontRef>
+    <cs:spPr>
+      <a:ln w="9525" cap="flat" cmpd="sng" algn="ctr">
+        <a:solidFill>
+          <a:schemeClr val="tx1">
+            <a:lumMod val="35000"/>
+            <a:lumOff val="65000"/>
+          </a:schemeClr>
+        </a:solidFill>
+        <a:round/>
+      </a:ln>
+    </cs:spPr>
+  </cs:seriesLine>
+  <cs:title>
+    <cs:lnRef idx="0"/>
+    <cs:fillRef idx="0"/>
+    <cs:effectRef idx="0"/>
+    <cs:fontRef idx="minor">
+      <a:schemeClr val="tx1">
+        <a:lumMod val="65000"/>
+        <a:lumOff val="35000"/>
+      </a:schemeClr>
+    </cs:fontRef>
+    <cs:defRPr sz="1400" b="0" kern="1200" spc="0" baseline="0"/>
+  </cs:title>
+  <cs:trendline>
+    <cs:lnRef idx="0">
+      <cs:styleClr val="auto"/>
+    </cs:lnRef>
+    <cs:fillRef idx="0"/>
+    <cs:effectRef idx="0"/>
+    <cs:fontRef idx="minor">
+      <a:schemeClr val="tx1"/>
+    </cs:fontRef>
+    <cs:spPr>
+      <a:ln w="19050" cap="rnd">
+        <a:solidFill>
+          <a:schemeClr val="phClr"/>
+        </a:solidFill>
+        <a:prstDash val="sysDot"/>
+      </a:ln>
+    </cs:spPr>
+  </cs:trendline>
+  <cs:trendlineLabel>
+    <cs:lnRef idx="0"/>
+    <cs:fillRef idx="0"/>
+    <cs:effectRef idx="0"/>
+    <cs:fontRef idx="minor">
+      <a:schemeClr val="tx1">
+        <a:lumMod val="65000"/>
+        <a:lumOff val="35000"/>
+      </a:schemeClr>
+    </cs:fontRef>
+    <cs:defRPr sz="900" kern="1200"/>
+  </cs:trendlineLabel>
+  <cs:upBar>
+    <cs:lnRef idx="0"/>
+    <cs:fillRef idx="0"/>
+    <cs:effectRef idx="0"/>
+    <cs:fontRef idx="minor">
+      <a:schemeClr val="tx1"/>
+    </cs:fontRef>
+    <cs:spPr>
+      <a:solidFill>
+        <a:schemeClr val="lt1"/>
+      </a:solidFill>
+      <a:ln w="9525" cap="flat" cmpd="sng" algn="ctr">
+        <a:solidFill>
+          <a:schemeClr val="tx1">
+            <a:lumMod val="65000"/>
+            <a:lumOff val="35000"/>
+          </a:schemeClr>
+        </a:solidFill>
+        <a:round/>
+      </a:ln>
+    </cs:spPr>
+  </cs:upBar>
+  <cs:valueAxis>
+    <cs:lnRef idx="0"/>
+    <cs:fillRef idx="0"/>
+    <cs:effectRef idx="0"/>
+    <cs:fontRef idx="minor">
+      <a:schemeClr val="tx1">
+        <a:lumMod val="65000"/>
+        <a:lumOff val="35000"/>
+      </a:schemeClr>
+    </cs:fontRef>
+    <cs:defRPr sz="900" kern="1200"/>
+  </cs:valueAxis>
+  <cs:wall>
+    <cs:lnRef idx="0"/>
+    <cs:fillRef idx="0"/>
+    <cs:effectRef idx="0"/>
+    <cs:fontRef idx="minor">
+      <a:schemeClr val="tx1"/>
+    </cs:fontRef>
+    <cs:spPr>
+      <a:noFill/>
+      <a:ln>
+        <a:noFill/>
+      </a:ln>
+    </cs:spPr>
+  </cs:wall>
+</cs:chartStyle>
+</file>
+
+<file path=ppt/charts/style4.xml><?xml version="1.0" encoding="utf-8"?>
+<cs:chartStyle xmlns:cs="http://schemas.microsoft.com/office/drawing/2012/chartStyle" xmlns:a="http://schemas.openxmlformats.org/drawingml/2006/main" id="297">
+  <cs:axisTitle>
+    <cs:lnRef idx="0"/>
+    <cs:fillRef idx="0"/>
+    <cs:effectRef idx="0"/>
+    <cs:fontRef idx="minor">
+      <a:schemeClr val="tx1">
+        <a:lumMod val="65000"/>
+        <a:lumOff val="35000"/>
+      </a:schemeClr>
+    </cs:fontRef>
+    <cs:defRPr sz="1000" kern="1200"/>
+  </cs:axisTitle>
+  <cs:categoryAxis>
+    <cs:lnRef idx="0"/>
+    <cs:fillRef idx="0"/>
+    <cs:effectRef idx="0"/>
+    <cs:fontRef idx="minor">
+      <a:schemeClr val="tx1">
+        <a:lumMod val="65000"/>
+        <a:lumOff val="35000"/>
+      </a:schemeClr>
+    </cs:fontRef>
+    <cs:spPr>
+      <a:ln w="9525" cap="flat" cmpd="sng" algn="ctr">
+        <a:solidFill>
+          <a:schemeClr val="tx1">
+            <a:lumMod val="15000"/>
+            <a:lumOff val="85000"/>
+          </a:schemeClr>
+        </a:solidFill>
+        <a:round/>
+      </a:ln>
+    </cs:spPr>
+    <cs:defRPr sz="900" kern="1200"/>
+  </cs:categoryAxis>
+  <cs:chartArea mods="allowNoFillOverride allowNoLineOverride">
+    <cs:lnRef idx="0"/>
+    <cs:fillRef idx="0"/>
+    <cs:effectRef idx="0"/>
+    <cs:fontRef idx="minor">
+      <a:schemeClr val="tx1"/>
+    </cs:fontRef>
+    <cs:spPr>
+      <a:solidFill>
+        <a:schemeClr val="bg1"/>
+      </a:solidFill>
+      <a:ln w="9525" cap="flat" cmpd="sng" algn="ctr">
+        <a:solidFill>
+          <a:schemeClr val="tx1">
+            <a:lumMod val="15000"/>
+            <a:lumOff val="85000"/>
+          </a:schemeClr>
+        </a:solidFill>
+        <a:round/>
+      </a:ln>
+    </cs:spPr>
+    <cs:defRPr sz="1000" kern="1200"/>
+  </cs:chartArea>
+  <cs:dataLabel>
+    <cs:lnRef idx="0"/>
+    <cs:fillRef idx="0"/>
+    <cs:effectRef idx="0"/>
+    <cs:fontRef idx="minor">
+      <a:schemeClr val="tx1">
+        <a:lumMod val="75000"/>
+        <a:lumOff val="25000"/>
+      </a:schemeClr>
+    </cs:fontRef>
+    <cs:defRPr sz="900" kern="1200"/>
+  </cs:dataLabel>
+  <cs:dataLabelCallout>
+    <cs:lnRef idx="0"/>
+    <cs:fillRef idx="0"/>
+    <cs:effectRef idx="0"/>
+    <cs:fontRef idx="minor">
+      <a:schemeClr val="dk1">
+        <a:lumMod val="65000"/>
+        <a:lumOff val="35000"/>
+      </a:schemeClr>
+    </cs:fontRef>
+    <cs:spPr>
+      <a:solidFill>
+        <a:schemeClr val="lt1"/>
+      </a:solidFill>
+      <a:ln>
+        <a:solidFill>
+          <a:schemeClr val="dk1">
+            <a:lumMod val="25000"/>
+            <a:lumOff val="75000"/>
+          </a:schemeClr>
+        </a:solidFill>
+      </a:ln>
+    </cs:spPr>
+    <cs:defRPr sz="900" kern="1200"/>
+    <cs:bodyPr rot="0" spcFirstLastPara="1" vertOverflow="clip" horzOverflow="clip" vert="horz" wrap="square" lIns="36576" tIns="18288" rIns="36576" bIns="18288" anchor="ctr" anchorCtr="1">
+      <a:spAutoFit/>
+    </cs:bodyPr>
+  </cs:dataLabelCallout>
+  <cs:dataPoint>
+    <cs:lnRef idx="0"/>
+    <cs:fillRef idx="1">
+      <cs:styleClr val="auto"/>
+    </cs:fillRef>
+    <cs:effectRef idx="0"/>
+    <cs:fontRef idx="minor">
+      <a:schemeClr val="tx1"/>
+    </cs:fontRef>
+  </cs:dataPoint>
+  <cs:dataPoint3D>
+    <cs:lnRef idx="0"/>
+    <cs:fillRef idx="1">
+      <cs:styleClr val="auto"/>
+    </cs:fillRef>
+    <cs:effectRef idx="0"/>
+    <cs:fontRef idx="minor">
+      <a:schemeClr val="tx1"/>
+    </cs:fontRef>
+  </cs:dataPoint3D>
+  <cs:dataPointLine>
+    <cs:lnRef idx="0">
+      <cs:styleClr val="auto"/>
+    </cs:lnRef>
+    <cs:fillRef idx="1"/>
+    <cs:effectRef idx="0"/>
+    <cs:fontRef idx="minor">
+      <a:schemeClr val="tx1"/>
+    </cs:fontRef>
+    <cs:spPr>
+      <a:ln w="28575" cap="rnd">
+        <a:solidFill>
+          <a:schemeClr val="phClr"/>
+        </a:solidFill>
+        <a:round/>
+      </a:ln>
+    </cs:spPr>
+  </cs:dataPointLine>
+  <cs:dataPointMarker>
+    <cs:lnRef idx="0">
+      <cs:styleClr val="auto"/>
+    </cs:lnRef>
+    <cs:fillRef idx="1">
+      <cs:styleClr val="auto"/>
+    </cs:fillRef>
+    <cs:effectRef idx="0"/>
+    <cs:fontRef idx="minor">
+      <a:schemeClr val="tx1"/>
+    </cs:fontRef>
+    <cs:spPr>
+      <a:ln w="9525">
+        <a:solidFill>
+          <a:schemeClr val="phClr"/>
+        </a:solidFill>
+      </a:ln>
+    </cs:spPr>
+  </cs:dataPointMarker>
+  <cs:dataPointMarkerLayout symbol="circle" size="5"/>
+  <cs:dataPointWireframe>
+    <cs:lnRef idx="0">
+      <cs:styleClr val="auto"/>
+    </cs:lnRef>
+    <cs:fillRef idx="1"/>
+    <cs:effectRef idx="0"/>
+    <cs:fontRef idx="minor">
+      <a:schemeClr val="tx1"/>
+    </cs:fontRef>
+    <cs:spPr>
+      <a:ln w="9525" cap="rnd">
+        <a:solidFill>
+          <a:schemeClr val="phClr"/>
+        </a:solidFill>
+        <a:round/>
+      </a:ln>
+    </cs:spPr>
+  </cs:dataPointWireframe>
+  <cs:dataTable>
+    <cs:lnRef idx="0"/>
+    <cs:fillRef idx="0"/>
+    <cs:effectRef idx="0"/>
+    <cs:fontRef idx="minor">
+      <a:schemeClr val="tx1">
+        <a:lumMod val="65000"/>
+        <a:lumOff val="35000"/>
+      </a:schemeClr>
+    </cs:fontRef>
+    <cs:spPr>
+      <a:noFill/>
+      <a:ln w="9525" cap="flat" cmpd="sng" algn="ctr">
+        <a:solidFill>
+          <a:schemeClr val="tx1">
+            <a:lumMod val="15000"/>
+            <a:lumOff val="85000"/>
+          </a:schemeClr>
+        </a:solidFill>
+        <a:round/>
+      </a:ln>
+    </cs:spPr>
+    <cs:defRPr sz="900" kern="1200"/>
+  </cs:dataTable>
+  <cs:downBar>
+    <cs:lnRef idx="0"/>
+    <cs:fillRef idx="0"/>
+    <cs:effectRef idx="0"/>
+    <cs:fontRef idx="minor">
+      <a:schemeClr val="tx1"/>
+    </cs:fontRef>
+    <cs:spPr>
+      <a:solidFill>
+        <a:schemeClr val="dk1">
+          <a:lumMod val="75000"/>
+          <a:lumOff val="25000"/>
+        </a:schemeClr>
+      </a:solidFill>
+      <a:ln w="9525" cap="flat" cmpd="sng" algn="ctr">
+        <a:solidFill>
+          <a:schemeClr val="tx1">
+            <a:lumMod val="65000"/>
+            <a:lumOff val="35000"/>
+          </a:schemeClr>
+        </a:solidFill>
+        <a:round/>
+      </a:ln>
+    </cs:spPr>
+  </cs:downBar>
+  <cs:dropLine>
+    <cs:lnRef idx="0"/>
+    <cs:fillRef idx="0"/>
+    <cs:effectRef idx="0"/>
+    <cs:fontRef idx="minor">
+      <a:schemeClr val="tx1"/>
+    </cs:fontRef>
+    <cs:spPr>
+      <a:ln w="9525" cap="flat" cmpd="sng" algn="ctr">
+        <a:solidFill>
+          <a:schemeClr val="tx1">
+            <a:lumMod val="35000"/>
+            <a:lumOff val="65000"/>
+          </a:schemeClr>
+        </a:solidFill>
+        <a:round/>
+      </a:ln>
+    </cs:spPr>
+  </cs:dropLine>
+  <cs:errorBar>
+    <cs:lnRef idx="0"/>
+    <cs:fillRef idx="0"/>
+    <cs:effectRef idx="0"/>
+    <cs:fontRef idx="minor">
+      <a:schemeClr val="tx1"/>
+    </cs:fontRef>
+    <cs:spPr>
+      <a:ln w="9525" cap="flat" cmpd="sng" algn="ctr">
+        <a:solidFill>
+          <a:schemeClr val="tx1">
+            <a:lumMod val="65000"/>
+            <a:lumOff val="35000"/>
+          </a:schemeClr>
+        </a:solidFill>
+        <a:round/>
+      </a:ln>
+    </cs:spPr>
+  </cs:errorBar>
+  <cs:floor>
+    <cs:lnRef idx="0"/>
+    <cs:fillRef idx="0"/>
+    <cs:effectRef idx="0"/>
+    <cs:fontRef idx="minor">
+      <a:schemeClr val="tx1"/>
+    </cs:fontRef>
+    <cs:spPr>
+      <a:noFill/>
+      <a:ln>
+        <a:noFill/>
+      </a:ln>
+    </cs:spPr>
+  </cs:floor>
+  <cs:gridlineMajor>
+    <cs:lnRef idx="0"/>
+    <cs:fillRef idx="0"/>
+    <cs:effectRef idx="0"/>
+    <cs:fontRef idx="minor">
+      <a:schemeClr val="tx1"/>
+    </cs:fontRef>
+    <cs:spPr>
+      <a:ln w="9525" cap="flat" cmpd="sng" algn="ctr">
+        <a:solidFill>
+          <a:schemeClr val="tx1">
+            <a:lumMod val="15000"/>
+            <a:lumOff val="85000"/>
+          </a:schemeClr>
+        </a:solidFill>
+        <a:round/>
+      </a:ln>
+    </cs:spPr>
+  </cs:gridlineMajor>
+  <cs:gridlineMinor>
+    <cs:lnRef idx="0"/>
+    <cs:fillRef idx="0"/>
+    <cs:effectRef idx="0"/>
+    <cs:fontRef idx="minor">
+      <a:schemeClr val="tx1"/>
+    </cs:fontRef>
+    <cs:spPr>
+      <a:ln w="9525" cap="flat" cmpd="sng" algn="ctr">
+        <a:solidFill>
+          <a:schemeClr val="tx1">
+            <a:lumMod val="5000"/>
+            <a:lumOff val="95000"/>
+          </a:schemeClr>
+        </a:solidFill>
+        <a:round/>
+      </a:ln>
+    </cs:spPr>
+  </cs:gridlineMinor>
+  <cs:hiLoLine>
+    <cs:lnRef idx="0"/>
+    <cs:fillRef idx="0"/>
+    <cs:effectRef idx="0"/>
+    <cs:fontRef idx="minor">
+      <a:schemeClr val="tx1"/>
+    </cs:fontRef>
+    <cs:spPr>
+      <a:ln w="9525" cap="flat" cmpd="sng" algn="ctr">
+        <a:solidFill>
+          <a:schemeClr val="tx1">
+            <a:lumMod val="50000"/>
+            <a:lumOff val="50000"/>
+          </a:schemeClr>
+        </a:solidFill>
+        <a:round/>
+      </a:ln>
+    </cs:spPr>
+  </cs:hiLoLine>
+  <cs:leaderLine>
+    <cs:lnRef idx="0"/>
+    <cs:fillRef idx="0"/>
+    <cs:effectRef idx="0"/>
+    <cs:fontRef idx="minor">
+      <a:schemeClr val="tx1"/>
+    </cs:fontRef>
+    <cs:spPr>
+      <a:ln w="9525" cap="flat" cmpd="sng" algn="ctr">
+        <a:solidFill>
+          <a:schemeClr val="tx1">
+            <a:lumMod val="35000"/>
+            <a:lumOff val="65000"/>
+          </a:schemeClr>
+        </a:solidFill>
+        <a:round/>
+      </a:ln>
+    </cs:spPr>
+  </cs:leaderLine>
+  <cs:legend>
+    <cs:lnRef idx="0"/>
+    <cs:fillRef idx="0"/>
+    <cs:effectRef idx="0"/>
+    <cs:fontRef idx="minor">
+      <a:schemeClr val="tx1">
+        <a:lumMod val="65000"/>
+        <a:lumOff val="35000"/>
+      </a:schemeClr>
+    </cs:fontRef>
+    <cs:defRPr sz="900" kern="1200"/>
+  </cs:legend>
+  <cs:plotArea mods="allowNoFillOverride allowNoLineOverride">
+    <cs:lnRef idx="0"/>
+    <cs:fillRef idx="0"/>
+    <cs:effectRef idx="0"/>
+    <cs:fontRef idx="minor">
+      <a:schemeClr val="tx1"/>
+    </cs:fontRef>
+  </cs:plotArea>
+  <cs:plotArea3D mods="allowNoFillOverride allowNoLineOverride">
+    <cs:lnRef idx="0"/>
+    <cs:fillRef idx="0"/>
+    <cs:effectRef idx="0"/>
+    <cs:fontRef idx="minor">
+      <a:schemeClr val="tx1"/>
+    </cs:fontRef>
+  </cs:plotArea3D>
+  <cs:seriesAxis>
+    <cs:lnRef idx="0"/>
+    <cs:fillRef idx="0"/>
+    <cs:effectRef idx="0"/>
+    <cs:fontRef idx="minor">
+      <a:schemeClr val="tx1">
+        <a:lumMod val="65000"/>
+        <a:lumOff val="35000"/>
+      </a:schemeClr>
+    </cs:fontRef>
+    <cs:defRPr sz="900" kern="1200"/>
+  </cs:seriesAxis>
+  <cs:seriesLine>
+    <cs:lnRef idx="0"/>
+    <cs:fillRef idx="0"/>
+    <cs:effectRef idx="0"/>
+    <cs:fontRef idx="minor">
+      <a:schemeClr val="tx1"/>
+    </cs:fontRef>
+    <cs:spPr>
+      <a:ln w="9525" cap="flat" cmpd="sng" algn="ctr">
+        <a:solidFill>
+          <a:schemeClr val="tx1">
+            <a:lumMod val="35000"/>
+            <a:lumOff val="65000"/>
+          </a:schemeClr>
+        </a:solidFill>
+        <a:round/>
+      </a:ln>
+    </cs:spPr>
+  </cs:seriesLine>
+  <cs:title>
+    <cs:lnRef idx="0"/>
+    <cs:fillRef idx="0"/>
+    <cs:effectRef idx="0"/>
+    <cs:fontRef idx="minor">
+      <a:schemeClr val="tx1">
+        <a:lumMod val="65000"/>
+        <a:lumOff val="35000"/>
+      </a:schemeClr>
+    </cs:fontRef>
+    <cs:defRPr sz="1400" b="0" kern="1200" spc="0" baseline="0"/>
+  </cs:title>
+  <cs:trendline>
+    <cs:lnRef idx="0">
+      <cs:styleClr val="auto"/>
+    </cs:lnRef>
+    <cs:fillRef idx="0"/>
+    <cs:effectRef idx="0"/>
+    <cs:fontRef idx="minor">
+      <a:schemeClr val="tx1"/>
+    </cs:fontRef>
+    <cs:spPr>
+      <a:ln w="19050" cap="rnd">
+        <a:solidFill>
+          <a:schemeClr val="phClr"/>
+        </a:solidFill>
+        <a:prstDash val="sysDot"/>
+      </a:ln>
+    </cs:spPr>
+  </cs:trendline>
+  <cs:trendlineLabel>
+    <cs:lnRef idx="0"/>
+    <cs:fillRef idx="0"/>
+    <cs:effectRef idx="0"/>
+    <cs:fontRef idx="minor">
+      <a:schemeClr val="tx1">
+        <a:lumMod val="65000"/>
+        <a:lumOff val="35000"/>
+      </a:schemeClr>
+    </cs:fontRef>
+    <cs:defRPr sz="900" kern="1200"/>
+  </cs:trendlineLabel>
+  <cs:upBar>
+    <cs:lnRef idx="0"/>
+    <cs:fillRef idx="0"/>
+    <cs:effectRef idx="0"/>
+    <cs:fontRef idx="minor">
+      <a:schemeClr val="tx1"/>
+    </cs:fontRef>
+    <cs:spPr>
+      <a:solidFill>
+        <a:schemeClr val="lt1"/>
+      </a:solidFill>
+      <a:ln w="9525" cap="flat" cmpd="sng" algn="ctr">
+        <a:solidFill>
+          <a:schemeClr val="tx1">
+            <a:lumMod val="65000"/>
+            <a:lumOff val="35000"/>
+          </a:schemeClr>
+        </a:solidFill>
+        <a:round/>
+      </a:ln>
+    </cs:spPr>
+  </cs:upBar>
+  <cs:valueAxis>
+    <cs:lnRef idx="0"/>
+    <cs:fillRef idx="0"/>
+    <cs:effectRef idx="0"/>
+    <cs:fontRef idx="minor">
+      <a:schemeClr val="tx1">
+        <a:lumMod val="65000"/>
+        <a:lumOff val="35000"/>
+      </a:schemeClr>
+    </cs:fontRef>
+    <cs:defRPr sz="900" kern="1200"/>
+  </cs:valueAxis>
+  <cs:wall>
+    <cs:lnRef idx="0"/>
+    <cs:fillRef idx="0"/>
+    <cs:effectRef idx="0"/>
+    <cs:fontRef idx="minor">
+      <a:schemeClr val="tx1"/>
+    </cs:fontRef>
+    <cs:spPr>
+      <a:noFill/>
+      <a:ln>
+        <a:noFill/>
+      </a:ln>
+    </cs:spPr>
+  </cs:wall>
+</cs:chartStyle>
 </file>
 
 <file path=ppt/slideLayouts/slideLayout1.xml><?xml version="1.0" encoding="utf-8"?>
@@ -3693,7 +7522,7 @@
           <a:p>
             <a:r>
               <a:rPr lang="fr-FR" dirty="0"/>
-              <a:t>Pas de solaire au sol -&gt; uniquement toiture</a:t>
+              <a:t>Solaire au sol </a:t>
             </a:r>
           </a:p>
           <a:p>
@@ -3701,6 +7530,9 @@
               <a:rPr lang="fr-FR" dirty="0"/>
               <a:t>xx Habitants sur l’île (règle de 3 sur la conso avec la France)</a:t>
             </a:r>
+          </a:p>
+          <a:p>
+            <a:endParaRPr lang="fr-FR" dirty="0"/>
           </a:p>
           <a:p>
             <a:pPr marL="0" indent="0">
@@ -3807,6 +7639,12 @@
             </a:r>
           </a:p>
           <a:p>
+            <a:r>
+              <a:rPr lang="fr-FR" dirty="0"/>
+              <a:t>CAPEX diesel – prix groupe électrogène Alibaba</a:t>
+            </a:r>
+          </a:p>
+          <a:p>
             <a:endParaRPr lang="fr-FR" dirty="0"/>
           </a:p>
         </p:txBody>
@@ -3885,7 +7723,7 @@
             <p:ph idx="1"/>
             <p:extLst>
               <p:ext uri="{D42A27DB-BD31-4B8C-83A1-F6EECF244321}">
-                <p14:modId xmlns:p14="http://schemas.microsoft.com/office/powerpoint/2010/main" val="2226967191"/>
+                <p14:modId xmlns:p14="http://schemas.microsoft.com/office/powerpoint/2010/main" val="1826185691"/>
               </p:ext>
             </p:extLst>
           </p:nvPr>
@@ -3901,21 +7739,21 @@
                 <a:tableStyleId>{5C22544A-7EE6-4342-B048-85BDC9FD1C3A}</a:tableStyleId>
               </a:tblPr>
               <a:tblGrid>
-                <a:gridCol w="3505199">
+                <a:gridCol w="6131011">
                   <a:extLst>
                     <a:ext uri="{9D8B030D-6E8A-4147-A177-3AD203B41FA5}">
                       <a16:colId xmlns:a16="http://schemas.microsoft.com/office/drawing/2014/main" val="315530076"/>
                     </a:ext>
                   </a:extLst>
                 </a:gridCol>
-                <a:gridCol w="3505199">
+                <a:gridCol w="2075935">
                   <a:extLst>
                     <a:ext uri="{9D8B030D-6E8A-4147-A177-3AD203B41FA5}">
                       <a16:colId xmlns:a16="http://schemas.microsoft.com/office/drawing/2014/main" val="3572474061"/>
                     </a:ext>
                   </a:extLst>
                 </a:gridCol>
-                <a:gridCol w="3505199">
+                <a:gridCol w="2308651">
                   <a:extLst>
                     <a:ext uri="{9D8B030D-6E8A-4147-A177-3AD203B41FA5}">
                       <a16:colId xmlns:a16="http://schemas.microsoft.com/office/drawing/2014/main" val="2628995089"/>
@@ -3939,6 +7777,7 @@
                     <a:bodyPr/>
                     <a:lstStyle/>
                     <a:p>
+                      <a:pPr algn="ctr"/>
                       <a:r>
                         <a:rPr lang="fr-FR" dirty="0"/>
                         <a:t>CAPEX (€/MWh)</a:t>
@@ -3952,6 +7791,7 @@
                     <a:bodyPr/>
                     <a:lstStyle/>
                     <a:p>
+                      <a:pPr algn="ctr"/>
                       <a:r>
                         <a:rPr lang="fr-FR" dirty="0"/>
                         <a:t>OPEX (€/</a:t>
@@ -3993,7 +7833,11 @@
                     <a:bodyPr/>
                     <a:lstStyle/>
                     <a:p>
-                      <a:endParaRPr lang="fr-FR"/>
+                      <a:pPr algn="ctr"/>
+                      <a:r>
+                        <a:rPr lang="fr-FR" dirty="0"/>
+                        <a:t>1 050 505</a:t>
+                      </a:r>
                     </a:p>
                   </a:txBody>
                   <a:tcPr/>
@@ -4003,6 +7847,7 @@
                     <a:bodyPr/>
                     <a:lstStyle/>
                     <a:p>
+                      <a:pPr algn="ctr"/>
                       <a:r>
                         <a:rPr lang="fr-FR" dirty="0"/>
                         <a:t>101 000</a:t>
@@ -4036,7 +7881,11 @@
                     <a:bodyPr/>
                     <a:lstStyle/>
                     <a:p>
-                      <a:endParaRPr lang="fr-FR"/>
+                      <a:pPr algn="ctr"/>
+                      <a:r>
+                        <a:rPr lang="fr-FR" dirty="0"/>
+                        <a:t>747 000</a:t>
+                      </a:r>
                     </a:p>
                   </a:txBody>
                   <a:tcPr/>
@@ -4046,6 +7895,7 @@
                     <a:bodyPr/>
                     <a:lstStyle/>
                     <a:p>
+                      <a:pPr algn="ctr"/>
                       <a:r>
                         <a:rPr lang="fr-FR" dirty="0"/>
                         <a:t>11 000</a:t>
@@ -4079,7 +7929,11 @@
                     <a:bodyPr/>
                     <a:lstStyle/>
                     <a:p>
-                      <a:endParaRPr lang="fr-FR"/>
+                      <a:pPr algn="ctr"/>
+                      <a:r>
+                        <a:rPr lang="fr-FR" dirty="0"/>
+                        <a:t>1 067 000</a:t>
+                      </a:r>
                     </a:p>
                   </a:txBody>
                   <a:tcPr/>
@@ -4089,6 +7943,7 @@
                     <a:bodyPr/>
                     <a:lstStyle/>
                     <a:p>
+                      <a:pPr algn="ctr"/>
                       <a:r>
                         <a:rPr lang="fr-FR" dirty="0"/>
                         <a:t>20 000</a:t>
@@ -4122,7 +7977,11 @@
                     <a:bodyPr/>
                     <a:lstStyle/>
                     <a:p>
-                      <a:endParaRPr lang="fr-FR"/>
+                      <a:pPr algn="ctr"/>
+                      <a:r>
+                        <a:rPr lang="fr-FR" dirty="0"/>
+                        <a:t>1 300 000</a:t>
+                      </a:r>
                     </a:p>
                   </a:txBody>
                   <a:tcPr/>
@@ -4132,6 +7991,7 @@
                     <a:bodyPr/>
                     <a:lstStyle/>
                     <a:p>
+                      <a:pPr algn="ctr"/>
                       <a:r>
                         <a:rPr lang="fr-FR" dirty="0"/>
                         <a:t>40 000</a:t>
@@ -4165,7 +8025,11 @@
                     <a:bodyPr/>
                     <a:lstStyle/>
                     <a:p>
-                      <a:endParaRPr lang="fr-FR"/>
+                      <a:pPr algn="ctr"/>
+                      <a:r>
+                        <a:rPr lang="fr-FR" dirty="0"/>
+                        <a:t>2 600 000</a:t>
+                      </a:r>
                     </a:p>
                   </a:txBody>
                   <a:tcPr/>
@@ -4175,6 +8039,7 @@
                     <a:bodyPr/>
                     <a:lstStyle/>
                     <a:p>
+                      <a:pPr algn="ctr"/>
                       <a:r>
                         <a:rPr lang="fr-FR" dirty="0"/>
                         <a:t>80 000</a:t>
@@ -4344,7 +8209,7 @@
           <a:p>
             <a:r>
               <a:rPr lang="fr-FR" dirty="0"/>
-              <a:t>Résultats</a:t>
+              <a:t>Résultats des mix</a:t>
             </a:r>
           </a:p>
         </p:txBody>
@@ -4457,10 +8322,734 @@
           </a:p>
         </p:txBody>
       </p:sp>
+      <p:graphicFrame>
+        <p:nvGraphicFramePr>
+          <p:cNvPr id="10" name="Graphique 9">
+            <a:extLst>
+              <a:ext uri="{FF2B5EF4-FFF2-40B4-BE49-F238E27FC236}">
+                <a16:creationId xmlns:a16="http://schemas.microsoft.com/office/drawing/2014/main" id="{DC02A24C-8D7F-B0F2-977B-CB3801F8A67B}"/>
+              </a:ext>
+            </a:extLst>
+          </p:cNvPr>
+          <p:cNvGraphicFramePr>
+            <a:graphicFrameLocks/>
+          </p:cNvGraphicFramePr>
+          <p:nvPr>
+            <p:extLst>
+              <p:ext uri="{D42A27DB-BD31-4B8C-83A1-F6EECF244321}">
+                <p14:modId xmlns:p14="http://schemas.microsoft.com/office/powerpoint/2010/main" val="4187416305"/>
+              </p:ext>
+            </p:extLst>
+          </p:nvPr>
+        </p:nvGraphicFramePr>
+        <p:xfrm>
+          <a:off x="915428" y="3323970"/>
+          <a:ext cx="2959443" cy="2743200"/>
+        </p:xfrm>
+        <a:graphic>
+          <a:graphicData uri="http://schemas.openxmlformats.org/drawingml/2006/chart">
+            <c:chart xmlns:c="http://schemas.openxmlformats.org/drawingml/2006/chart" xmlns:r="http://schemas.openxmlformats.org/officeDocument/2006/relationships" r:id="rId2"/>
+          </a:graphicData>
+        </a:graphic>
+      </p:graphicFrame>
+      <p:graphicFrame>
+        <p:nvGraphicFramePr>
+          <p:cNvPr id="11" name="Graphique 10">
+            <a:extLst>
+              <a:ext uri="{FF2B5EF4-FFF2-40B4-BE49-F238E27FC236}">
+                <a16:creationId xmlns:a16="http://schemas.microsoft.com/office/drawing/2014/main" id="{B9002E69-757F-DEEF-F7F5-3C4B06EEB5F7}"/>
+              </a:ext>
+            </a:extLst>
+          </p:cNvPr>
+          <p:cNvGraphicFramePr>
+            <a:graphicFrameLocks/>
+          </p:cNvGraphicFramePr>
+          <p:nvPr>
+            <p:extLst>
+              <p:ext uri="{D42A27DB-BD31-4B8C-83A1-F6EECF244321}">
+                <p14:modId xmlns:p14="http://schemas.microsoft.com/office/powerpoint/2010/main" val="2052867175"/>
+              </p:ext>
+            </p:extLst>
+          </p:nvPr>
+        </p:nvGraphicFramePr>
+        <p:xfrm>
+          <a:off x="4616278" y="3323970"/>
+          <a:ext cx="2959443" cy="2743200"/>
+        </p:xfrm>
+        <a:graphic>
+          <a:graphicData uri="http://schemas.openxmlformats.org/drawingml/2006/chart">
+            <c:chart xmlns:c="http://schemas.openxmlformats.org/drawingml/2006/chart" xmlns:r="http://schemas.openxmlformats.org/officeDocument/2006/relationships" r:id="rId3"/>
+          </a:graphicData>
+        </a:graphic>
+      </p:graphicFrame>
+      <p:graphicFrame>
+        <p:nvGraphicFramePr>
+          <p:cNvPr id="12" name="Graphique 11">
+            <a:extLst>
+              <a:ext uri="{FF2B5EF4-FFF2-40B4-BE49-F238E27FC236}">
+                <a16:creationId xmlns:a16="http://schemas.microsoft.com/office/drawing/2014/main" id="{D34C7A6B-A8B6-4117-7C72-22AE1E6651F6}"/>
+              </a:ext>
+            </a:extLst>
+          </p:cNvPr>
+          <p:cNvGraphicFramePr>
+            <a:graphicFrameLocks/>
+          </p:cNvGraphicFramePr>
+          <p:nvPr>
+            <p:extLst>
+              <p:ext uri="{D42A27DB-BD31-4B8C-83A1-F6EECF244321}">
+                <p14:modId xmlns:p14="http://schemas.microsoft.com/office/powerpoint/2010/main" val="2483658830"/>
+              </p:ext>
+            </p:extLst>
+          </p:nvPr>
+        </p:nvGraphicFramePr>
+        <p:xfrm>
+          <a:off x="8317128" y="3323970"/>
+          <a:ext cx="2959443" cy="2743200"/>
+        </p:xfrm>
+        <a:graphic>
+          <a:graphicData uri="http://schemas.openxmlformats.org/drawingml/2006/chart">
+            <c:chart xmlns:c="http://schemas.openxmlformats.org/drawingml/2006/chart" xmlns:r="http://schemas.openxmlformats.org/officeDocument/2006/relationships" r:id="rId4"/>
+          </a:graphicData>
+        </a:graphic>
+      </p:graphicFrame>
+      <p:sp>
+        <p:nvSpPr>
+          <p:cNvPr id="13" name="ZoneTexte 12">
+            <a:extLst>
+              <a:ext uri="{FF2B5EF4-FFF2-40B4-BE49-F238E27FC236}">
+                <a16:creationId xmlns:a16="http://schemas.microsoft.com/office/drawing/2014/main" id="{8E9230FE-46C9-C829-A88D-F35BA8F86E3F}"/>
+              </a:ext>
+            </a:extLst>
+          </p:cNvPr>
+          <p:cNvSpPr txBox="1"/>
+          <p:nvPr/>
+        </p:nvSpPr>
+        <p:spPr>
+          <a:xfrm>
+            <a:off x="1834975" y="2618820"/>
+            <a:ext cx="1120347" cy="461665"/>
+          </a:xfrm>
+          <a:prstGeom prst="rect">
+            <a:avLst/>
+          </a:prstGeom>
+          <a:noFill/>
+        </p:spPr>
+        <p:txBody>
+          <a:bodyPr wrap="square" rtlCol="0">
+            <a:spAutoFit/>
+          </a:bodyPr>
+          <a:lstStyle/>
+          <a:p>
+            <a:pPr algn="ctr"/>
+            <a:r>
+              <a:rPr lang="fr-FR" sz="2400" dirty="0">
+                <a:ln w="0"/>
+                <a:solidFill>
+                  <a:schemeClr val="accent1"/>
+                </a:solidFill>
+                <a:effectLst>
+                  <a:outerShdw blurRad="38100" dist="25400" dir="5400000" algn="ctr" rotWithShape="0">
+                    <a:srgbClr val="6E747A">
+                      <a:alpha val="43000"/>
+                    </a:srgbClr>
+                  </a:outerShdw>
+                </a:effectLst>
+              </a:rPr>
+              <a:t>30 MW</a:t>
+            </a:r>
+          </a:p>
+        </p:txBody>
+      </p:sp>
+      <p:sp>
+        <p:nvSpPr>
+          <p:cNvPr id="14" name="ZoneTexte 13">
+            <a:extLst>
+              <a:ext uri="{FF2B5EF4-FFF2-40B4-BE49-F238E27FC236}">
+                <a16:creationId xmlns:a16="http://schemas.microsoft.com/office/drawing/2014/main" id="{0F5CAB77-0C7A-28CD-8A8B-1562E084A957}"/>
+              </a:ext>
+            </a:extLst>
+          </p:cNvPr>
+          <p:cNvSpPr txBox="1"/>
+          <p:nvPr/>
+        </p:nvSpPr>
+        <p:spPr>
+          <a:xfrm>
+            <a:off x="5535825" y="2618819"/>
+            <a:ext cx="1120347" cy="461665"/>
+          </a:xfrm>
+          <a:prstGeom prst="rect">
+            <a:avLst/>
+          </a:prstGeom>
+          <a:noFill/>
+        </p:spPr>
+        <p:txBody>
+          <a:bodyPr wrap="square" rtlCol="0">
+            <a:spAutoFit/>
+          </a:bodyPr>
+          <a:lstStyle/>
+          <a:p>
+            <a:pPr algn="ctr"/>
+            <a:r>
+              <a:rPr lang="fr-FR" sz="2400" dirty="0">
+                <a:ln w="0"/>
+                <a:solidFill>
+                  <a:schemeClr val="accent1"/>
+                </a:solidFill>
+                <a:effectLst>
+                  <a:outerShdw blurRad="38100" dist="25400" dir="5400000" algn="ctr" rotWithShape="0">
+                    <a:srgbClr val="6E747A">
+                      <a:alpha val="43000"/>
+                    </a:srgbClr>
+                  </a:outerShdw>
+                </a:effectLst>
+              </a:rPr>
+              <a:t>35 MW</a:t>
+            </a:r>
+          </a:p>
+        </p:txBody>
+      </p:sp>
+      <p:sp>
+        <p:nvSpPr>
+          <p:cNvPr id="15" name="ZoneTexte 14">
+            <a:extLst>
+              <a:ext uri="{FF2B5EF4-FFF2-40B4-BE49-F238E27FC236}">
+                <a16:creationId xmlns:a16="http://schemas.microsoft.com/office/drawing/2014/main" id="{F9E04AC1-90B2-9969-6E61-6650F2F6BEA8}"/>
+              </a:ext>
+            </a:extLst>
+          </p:cNvPr>
+          <p:cNvSpPr txBox="1"/>
+          <p:nvPr/>
+        </p:nvSpPr>
+        <p:spPr>
+          <a:xfrm>
+            <a:off x="9236675" y="2618818"/>
+            <a:ext cx="1120347" cy="461665"/>
+          </a:xfrm>
+          <a:prstGeom prst="rect">
+            <a:avLst/>
+          </a:prstGeom>
+          <a:noFill/>
+        </p:spPr>
+        <p:txBody>
+          <a:bodyPr wrap="square" rtlCol="0">
+            <a:spAutoFit/>
+          </a:bodyPr>
+          <a:lstStyle/>
+          <a:p>
+            <a:pPr algn="ctr"/>
+            <a:r>
+              <a:rPr lang="fr-FR" sz="2400" dirty="0">
+                <a:ln w="0"/>
+                <a:solidFill>
+                  <a:schemeClr val="accent1"/>
+                </a:solidFill>
+                <a:effectLst>
+                  <a:outerShdw blurRad="38100" dist="25400" dir="5400000" algn="ctr" rotWithShape="0">
+                    <a:srgbClr val="6E747A">
+                      <a:alpha val="43000"/>
+                    </a:srgbClr>
+                  </a:outerShdw>
+                </a:effectLst>
+              </a:rPr>
+              <a:t>42 MW</a:t>
+            </a:r>
+          </a:p>
+        </p:txBody>
+      </p:sp>
+      <p:sp>
+        <p:nvSpPr>
+          <p:cNvPr id="16" name="ZoneTexte 15">
+            <a:extLst>
+              <a:ext uri="{FF2B5EF4-FFF2-40B4-BE49-F238E27FC236}">
+                <a16:creationId xmlns:a16="http://schemas.microsoft.com/office/drawing/2014/main" id="{F57CBEEE-1F61-B829-B56D-B0A5D6799FBB}"/>
+              </a:ext>
+            </a:extLst>
+          </p:cNvPr>
+          <p:cNvSpPr txBox="1"/>
+          <p:nvPr/>
+        </p:nvSpPr>
+        <p:spPr>
+          <a:xfrm>
+            <a:off x="1260901" y="1690688"/>
+            <a:ext cx="2268493" cy="707886"/>
+          </a:xfrm>
+          <a:prstGeom prst="rect">
+            <a:avLst/>
+          </a:prstGeom>
+          <a:noFill/>
+        </p:spPr>
+        <p:txBody>
+          <a:bodyPr wrap="square" rtlCol="0">
+            <a:spAutoFit/>
+          </a:bodyPr>
+          <a:lstStyle/>
+          <a:p>
+            <a:pPr algn="ctr"/>
+            <a:r>
+              <a:rPr lang="fr-FR" sz="4000" b="1" dirty="0">
+                <a:ln w="12700">
+                  <a:solidFill>
+                    <a:schemeClr val="tx2">
+                      <a:lumMod val="75000"/>
+                    </a:schemeClr>
+                  </a:solidFill>
+                  <a:prstDash val="solid"/>
+                </a:ln>
+                <a:pattFill prst="dkUpDiag">
+                  <a:fgClr>
+                    <a:schemeClr val="tx2"/>
+                  </a:fgClr>
+                  <a:bgClr>
+                    <a:schemeClr val="tx2">
+                      <a:lumMod val="20000"/>
+                      <a:lumOff val="80000"/>
+                    </a:schemeClr>
+                  </a:bgClr>
+                </a:pattFill>
+                <a:effectLst>
+                  <a:outerShdw dist="38100" dir="2640000" algn="bl" rotWithShape="0">
+                    <a:schemeClr val="tx2">
+                      <a:lumMod val="75000"/>
+                    </a:schemeClr>
+                  </a:outerShdw>
+                </a:effectLst>
+              </a:rPr>
+              <a:t>244 M€</a:t>
+            </a:r>
+          </a:p>
+        </p:txBody>
+      </p:sp>
+      <p:sp>
+        <p:nvSpPr>
+          <p:cNvPr id="18" name="ZoneTexte 17">
+            <a:extLst>
+              <a:ext uri="{FF2B5EF4-FFF2-40B4-BE49-F238E27FC236}">
+                <a16:creationId xmlns:a16="http://schemas.microsoft.com/office/drawing/2014/main" id="{BB3C13F2-9CB3-8829-8734-0934F7FAA770}"/>
+              </a:ext>
+            </a:extLst>
+          </p:cNvPr>
+          <p:cNvSpPr txBox="1"/>
+          <p:nvPr/>
+        </p:nvSpPr>
+        <p:spPr>
+          <a:xfrm>
+            <a:off x="4961751" y="1690688"/>
+            <a:ext cx="2268493" cy="707886"/>
+          </a:xfrm>
+          <a:prstGeom prst="rect">
+            <a:avLst/>
+          </a:prstGeom>
+          <a:noFill/>
+        </p:spPr>
+        <p:txBody>
+          <a:bodyPr wrap="square" rtlCol="0">
+            <a:spAutoFit/>
+          </a:bodyPr>
+          <a:lstStyle/>
+          <a:p>
+            <a:pPr algn="ctr"/>
+            <a:r>
+              <a:rPr lang="fr-FR" sz="4000" b="1" dirty="0">
+                <a:ln w="12700">
+                  <a:solidFill>
+                    <a:schemeClr val="tx2">
+                      <a:lumMod val="75000"/>
+                    </a:schemeClr>
+                  </a:solidFill>
+                  <a:prstDash val="solid"/>
+                </a:ln>
+                <a:pattFill prst="dkUpDiag">
+                  <a:fgClr>
+                    <a:schemeClr val="tx2"/>
+                  </a:fgClr>
+                  <a:bgClr>
+                    <a:schemeClr val="tx2">
+                      <a:lumMod val="20000"/>
+                      <a:lumOff val="80000"/>
+                    </a:schemeClr>
+                  </a:bgClr>
+                </a:pattFill>
+                <a:effectLst>
+                  <a:outerShdw dist="38100" dir="2640000" algn="bl" rotWithShape="0">
+                    <a:schemeClr val="tx2">
+                      <a:lumMod val="75000"/>
+                    </a:schemeClr>
+                  </a:outerShdw>
+                </a:effectLst>
+              </a:rPr>
+              <a:t>202 M€</a:t>
+            </a:r>
+          </a:p>
+        </p:txBody>
+      </p:sp>
+      <p:sp>
+        <p:nvSpPr>
+          <p:cNvPr id="19" name="ZoneTexte 18">
+            <a:extLst>
+              <a:ext uri="{FF2B5EF4-FFF2-40B4-BE49-F238E27FC236}">
+                <a16:creationId xmlns:a16="http://schemas.microsoft.com/office/drawing/2014/main" id="{98B37F0C-24CD-A9B8-125A-4E3652A516BC}"/>
+              </a:ext>
+            </a:extLst>
+          </p:cNvPr>
+          <p:cNvSpPr txBox="1"/>
+          <p:nvPr/>
+        </p:nvSpPr>
+        <p:spPr>
+          <a:xfrm>
+            <a:off x="8662601" y="1690688"/>
+            <a:ext cx="2268493" cy="707886"/>
+          </a:xfrm>
+          <a:prstGeom prst="rect">
+            <a:avLst/>
+          </a:prstGeom>
+          <a:noFill/>
+        </p:spPr>
+        <p:txBody>
+          <a:bodyPr wrap="square" rtlCol="0">
+            <a:spAutoFit/>
+          </a:bodyPr>
+          <a:lstStyle/>
+          <a:p>
+            <a:pPr algn="ctr"/>
+            <a:r>
+              <a:rPr lang="fr-FR" sz="4000" b="1" dirty="0">
+                <a:ln w="12700">
+                  <a:solidFill>
+                    <a:schemeClr val="tx2">
+                      <a:lumMod val="75000"/>
+                    </a:schemeClr>
+                  </a:solidFill>
+                  <a:prstDash val="solid"/>
+                </a:ln>
+                <a:pattFill prst="dkUpDiag">
+                  <a:fgClr>
+                    <a:schemeClr val="tx2"/>
+                  </a:fgClr>
+                  <a:bgClr>
+                    <a:schemeClr val="tx2">
+                      <a:lumMod val="20000"/>
+                      <a:lumOff val="80000"/>
+                    </a:schemeClr>
+                  </a:bgClr>
+                </a:pattFill>
+                <a:effectLst>
+                  <a:outerShdw dist="38100" dir="2640000" algn="bl" rotWithShape="0">
+                    <a:schemeClr val="tx2">
+                      <a:lumMod val="75000"/>
+                    </a:schemeClr>
+                  </a:outerShdw>
+                </a:effectLst>
+              </a:rPr>
+              <a:t>255 M€</a:t>
+            </a:r>
+          </a:p>
+        </p:txBody>
+      </p:sp>
     </p:spTree>
     <p:extLst>
       <p:ext uri="{BB962C8B-B14F-4D97-AF65-F5344CB8AC3E}">
         <p14:creationId xmlns:p14="http://schemas.microsoft.com/office/powerpoint/2010/main" val="2376248714"/>
+      </p:ext>
+    </p:extLst>
+  </p:cSld>
+  <p:clrMapOvr>
+    <a:masterClrMapping/>
+  </p:clrMapOvr>
+</p:sld>
+</file>
+
+<file path=ppt/slides/slide8.xml><?xml version="1.0" encoding="utf-8"?>
+<p:sld xmlns:a="http://schemas.openxmlformats.org/drawingml/2006/main" xmlns:r="http://schemas.openxmlformats.org/officeDocument/2006/relationships" xmlns:p="http://schemas.openxmlformats.org/presentationml/2006/main">
+  <p:cSld>
+    <p:bg>
+      <p:bgPr>
+        <a:solidFill>
+          <a:schemeClr val="bg1"/>
+        </a:solidFill>
+        <a:effectLst/>
+      </p:bgPr>
+    </p:bg>
+    <p:spTree>
+      <p:nvGrpSpPr>
+        <p:cNvPr id="1" name=""/>
+        <p:cNvGrpSpPr/>
+        <p:nvPr/>
+      </p:nvGrpSpPr>
+      <p:grpSpPr>
+        <a:xfrm>
+          <a:off x="0" y="0"/>
+          <a:ext cx="0" cy="0"/>
+          <a:chOff x="0" y="0"/>
+          <a:chExt cx="0" cy="0"/>
+        </a:xfrm>
+      </p:grpSpPr>
+      <p:sp useBgFill="1">
+        <p:nvSpPr>
+          <p:cNvPr id="10" name="Rectangle 9">
+            <a:extLst>
+              <a:ext uri="{FF2B5EF4-FFF2-40B4-BE49-F238E27FC236}">
+                <a16:creationId xmlns:a16="http://schemas.microsoft.com/office/drawing/2014/main" id="{53B021B3-DE93-4AB7-8A18-CF5F1CED88B8}"/>
+              </a:ext>
+              <a:ext uri="{C183D7F6-B498-43B3-948B-1728B52AA6E4}">
+                <adec:decorative xmlns:adec="http://schemas.microsoft.com/office/drawing/2017/decorative" val="1"/>
+              </a:ext>
+            </a:extLst>
+          </p:cNvPr>
+          <p:cNvSpPr>
+            <a:spLocks noGrp="1" noRot="1" noChangeAspect="1" noMove="1" noResize="1" noEditPoints="1" noAdjustHandles="1" noChangeArrowheads="1" noChangeShapeType="1" noTextEdit="1"/>
+          </p:cNvSpPr>
+          <p:nvPr>
+            <p:extLst>
+              <p:ext uri="{386F3935-93C4-4BCD-93E2-E3B085C9AB24}">
+                <p16:designElem xmlns:p16="http://schemas.microsoft.com/office/powerpoint/2015/main" val="1"/>
+              </p:ext>
+            </p:extLst>
+          </p:nvPr>
+        </p:nvSpPr>
+        <p:spPr>
+          <a:xfrm>
+            <a:off x="0" y="0"/>
+            <a:ext cx="12192000" cy="6858000"/>
+          </a:xfrm>
+          <a:prstGeom prst="rect">
+            <a:avLst/>
+          </a:prstGeom>
+          <a:ln>
+            <a:noFill/>
+          </a:ln>
+        </p:spPr>
+        <p:style>
+          <a:lnRef idx="2">
+            <a:schemeClr val="accent1">
+              <a:shade val="50000"/>
+            </a:schemeClr>
+          </a:lnRef>
+          <a:fillRef idx="1">
+            <a:schemeClr val="accent1"/>
+          </a:fillRef>
+          <a:effectRef idx="0">
+            <a:schemeClr val="accent1"/>
+          </a:effectRef>
+          <a:fontRef idx="minor">
+            <a:schemeClr val="lt1"/>
+          </a:fontRef>
+        </p:style>
+        <p:txBody>
+          <a:bodyPr rtlCol="0" anchor="ctr"/>
+          <a:lstStyle/>
+          <a:p>
+            <a:pPr algn="ctr"/>
+            <a:endParaRPr lang="en-US"/>
+          </a:p>
+        </p:txBody>
+      </p:sp>
+      <p:sp>
+        <p:nvSpPr>
+          <p:cNvPr id="2" name="Titre 1">
+            <a:extLst>
+              <a:ext uri="{FF2B5EF4-FFF2-40B4-BE49-F238E27FC236}">
+                <a16:creationId xmlns:a16="http://schemas.microsoft.com/office/drawing/2014/main" id="{5D9C20E2-9E9A-4E9A-86C4-67BF68D912D8}"/>
+              </a:ext>
+            </a:extLst>
+          </p:cNvPr>
+          <p:cNvSpPr>
+            <a:spLocks noGrp="1"/>
+          </p:cNvSpPr>
+          <p:nvPr>
+            <p:ph type="title"/>
+          </p:nvPr>
+        </p:nvSpPr>
+        <p:spPr>
+          <a:xfrm>
+            <a:off x="841248" y="256032"/>
+            <a:ext cx="10506456" cy="1014984"/>
+          </a:xfrm>
+        </p:spPr>
+        <p:txBody>
+          <a:bodyPr anchor="b">
+            <a:normAutofit/>
+          </a:bodyPr>
+          <a:lstStyle/>
+          <a:p>
+            <a:r>
+              <a:rPr lang="fr-FR" dirty="0"/>
+              <a:t>Variation des couts</a:t>
+            </a:r>
+          </a:p>
+        </p:txBody>
+      </p:sp>
+      <p:sp>
+        <p:nvSpPr>
+          <p:cNvPr id="12" name="Rectangle 11">
+            <a:extLst>
+              <a:ext uri="{FF2B5EF4-FFF2-40B4-BE49-F238E27FC236}">
+                <a16:creationId xmlns:a16="http://schemas.microsoft.com/office/drawing/2014/main" id="{52D502E5-F6B4-4D58-B4AE-FC466FF15EE8}"/>
+              </a:ext>
+              <a:ext uri="{C183D7F6-B498-43B3-948B-1728B52AA6E4}">
+                <adec:decorative xmlns:adec="http://schemas.microsoft.com/office/drawing/2017/decorative" val="1"/>
+              </a:ext>
+            </a:extLst>
+          </p:cNvPr>
+          <p:cNvSpPr>
+            <a:spLocks noGrp="1" noRot="1" noChangeAspect="1" noMove="1" noResize="1" noEditPoints="1" noAdjustHandles="1" noChangeArrowheads="1" noChangeShapeType="1" noTextEdit="1"/>
+          </p:cNvSpPr>
+          <p:nvPr>
+            <p:extLst>
+              <p:ext uri="{386F3935-93C4-4BCD-93E2-E3B085C9AB24}">
+                <p16:designElem xmlns:p16="http://schemas.microsoft.com/office/powerpoint/2015/main" val="1"/>
+              </p:ext>
+            </p:extLst>
+          </p:nvPr>
+        </p:nvSpPr>
+        <p:spPr>
+          <a:xfrm>
+            <a:off x="865953" y="1634502"/>
+            <a:ext cx="10451592" cy="18288"/>
+          </a:xfrm>
+          <a:prstGeom prst="rect">
+            <a:avLst/>
+          </a:prstGeom>
+          <a:solidFill>
+            <a:srgbClr val="D5D5D5"/>
+          </a:solidFill>
+          <a:ln w="3175">
+            <a:noFill/>
+          </a:ln>
+          <a:effectLst/>
+        </p:spPr>
+        <p:style>
+          <a:lnRef idx="2">
+            <a:schemeClr val="accent1">
+              <a:shade val="50000"/>
+            </a:schemeClr>
+          </a:lnRef>
+          <a:fillRef idx="1">
+            <a:schemeClr val="accent1"/>
+          </a:fillRef>
+          <a:effectRef idx="0">
+            <a:schemeClr val="accent1"/>
+          </a:effectRef>
+          <a:fontRef idx="minor">
+            <a:schemeClr val="lt1"/>
+          </a:fontRef>
+        </p:style>
+        <p:txBody>
+          <a:bodyPr rtlCol="0" anchor="ctr"/>
+          <a:lstStyle/>
+          <a:p>
+            <a:pPr algn="ctr"/>
+            <a:endParaRPr lang="en-US">
+              <a:solidFill>
+                <a:prstClr val="white"/>
+              </a:solidFill>
+              <a:latin typeface="Calibri" panose="020F0502020204030204"/>
+            </a:endParaRPr>
+          </a:p>
+        </p:txBody>
+      </p:sp>
+      <p:sp>
+        <p:nvSpPr>
+          <p:cNvPr id="14" name="Rectangle 13">
+            <a:extLst>
+              <a:ext uri="{FF2B5EF4-FFF2-40B4-BE49-F238E27FC236}">
+                <a16:creationId xmlns:a16="http://schemas.microsoft.com/office/drawing/2014/main" id="{9DECDBF4-02B6-4BB4-B65B-B8107AD6A9E8}"/>
+              </a:ext>
+              <a:ext uri="{C183D7F6-B498-43B3-948B-1728B52AA6E4}">
+                <adec:decorative xmlns:adec="http://schemas.microsoft.com/office/drawing/2017/decorative" val="1"/>
+              </a:ext>
+            </a:extLst>
+          </p:cNvPr>
+          <p:cNvSpPr>
+            <a:spLocks noGrp="1" noRot="1" noChangeAspect="1" noMove="1" noResize="1" noEditPoints="1" noAdjustHandles="1" noChangeArrowheads="1" noChangeShapeType="1" noTextEdit="1"/>
+          </p:cNvSpPr>
+          <p:nvPr>
+            <p:extLst>
+              <p:ext uri="{386F3935-93C4-4BCD-93E2-E3B085C9AB24}">
+                <p16:designElem xmlns:p16="http://schemas.microsoft.com/office/powerpoint/2015/main" val="1"/>
+              </p:ext>
+            </p:extLst>
+          </p:nvPr>
+        </p:nvSpPr>
+        <p:spPr>
+          <a:xfrm flipV="1">
+            <a:off x="841248" y="1538176"/>
+            <a:ext cx="1873457" cy="109814"/>
+          </a:xfrm>
+          <a:prstGeom prst="rect">
+            <a:avLst/>
+          </a:prstGeom>
+          <a:solidFill>
+            <a:schemeClr val="accent2"/>
+          </a:solidFill>
+          <a:ln>
+            <a:noFill/>
+          </a:ln>
+        </p:spPr>
+        <p:style>
+          <a:lnRef idx="2">
+            <a:schemeClr val="accent1">
+              <a:shade val="50000"/>
+            </a:schemeClr>
+          </a:lnRef>
+          <a:fillRef idx="1">
+            <a:schemeClr val="accent1"/>
+          </a:fillRef>
+          <a:effectRef idx="0">
+            <a:schemeClr val="accent1"/>
+          </a:effectRef>
+          <a:fontRef idx="minor">
+            <a:schemeClr val="lt1"/>
+          </a:fontRef>
+        </p:style>
+        <p:txBody>
+          <a:bodyPr rtlCol="0" anchor="ctr"/>
+          <a:lstStyle/>
+          <a:p>
+            <a:pPr algn="ctr"/>
+            <a:endParaRPr lang="en-US">
+              <a:solidFill>
+                <a:prstClr val="white"/>
+              </a:solidFill>
+              <a:latin typeface="Calibri" panose="020F0502020204030204"/>
+            </a:endParaRPr>
+          </a:p>
+        </p:txBody>
+      </p:sp>
+      <p:graphicFrame>
+        <p:nvGraphicFramePr>
+          <p:cNvPr id="7" name="Graphique 3">
+            <a:extLst>
+              <a:ext uri="{FF2B5EF4-FFF2-40B4-BE49-F238E27FC236}">
+                <a16:creationId xmlns:a16="http://schemas.microsoft.com/office/drawing/2014/main" id="{5405E5B6-61FC-EC4B-CB1D-668B908B4914}"/>
+              </a:ext>
+            </a:extLst>
+          </p:cNvPr>
+          <p:cNvGraphicFramePr>
+            <a:graphicFrameLocks noGrp="1"/>
+          </p:cNvGraphicFramePr>
+          <p:nvPr>
+            <p:ph idx="1"/>
+            <p:extLst>
+              <p:ext uri="{D42A27DB-BD31-4B8C-83A1-F6EECF244321}">
+                <p14:modId xmlns:p14="http://schemas.microsoft.com/office/powerpoint/2010/main" val="1693614806"/>
+              </p:ext>
+            </p:extLst>
+          </p:nvPr>
+        </p:nvGraphicFramePr>
+        <p:xfrm>
+          <a:off x="838200" y="1926266"/>
+          <a:ext cx="10515600" cy="4357524"/>
+        </p:xfrm>
+        <a:graphic>
+          <a:graphicData uri="http://schemas.openxmlformats.org/drawingml/2006/chart">
+            <c:chart xmlns:c="http://schemas.openxmlformats.org/drawingml/2006/chart" xmlns:r="http://schemas.openxmlformats.org/officeDocument/2006/relationships" r:id="rId2"/>
+          </a:graphicData>
+        </a:graphic>
+      </p:graphicFrame>
+    </p:spTree>
+    <p:extLst>
+      <p:ext uri="{BB962C8B-B14F-4D97-AF65-F5344CB8AC3E}">
+        <p14:creationId xmlns:p14="http://schemas.microsoft.com/office/powerpoint/2010/main" val="3012395660"/>
       </p:ext>
     </p:extLst>
   </p:cSld>

--- a/rapport.pptx
+++ b/rapport.pptx
@@ -302,7 +302,7 @@
                   <c:v>Diesel</c:v>
                 </c:pt>
                 <c:pt idx="3">
-                  <c:v>Batterie</c:v>
+                  <c:v>Stockage</c:v>
                 </c:pt>
               </c:strCache>
             </c:strRef>
@@ -406,202 +406,6 @@
       <c:layout/>
       <c:pieChart>
         <c:varyColors val="1"/>
-        <c:ser>
-          <c:idx val="0"/>
-          <c:order val="0"/>
-          <c:tx>
-            <c:strRef>
-              <c:f>'Scénario 1'!$B$1</c:f>
-              <c:strCache>
-                <c:ptCount val="1"/>
-                <c:pt idx="0">
-                  <c:v>Mix</c:v>
-                </c:pt>
-              </c:strCache>
-            </c:strRef>
-          </c:tx>
-          <c:dPt>
-            <c:idx val="0"/>
-            <c:bubble3D val="0"/>
-            <c:spPr>
-              <a:solidFill>
-                <a:schemeClr val="accent1"/>
-              </a:solidFill>
-              <a:ln w="19050">
-                <a:solidFill>
-                  <a:schemeClr val="lt1"/>
-                </a:solidFill>
-              </a:ln>
-              <a:effectLst/>
-            </c:spPr>
-            <c:extLst>
-              <c:ext xmlns:c16="http://schemas.microsoft.com/office/drawing/2014/chart" uri="{C3380CC4-5D6E-409C-BE32-E72D297353CC}">
-                <c16:uniqueId val="{00000001-7C7A-9343-BE4E-F18145DD0445}"/>
-              </c:ext>
-            </c:extLst>
-          </c:dPt>
-          <c:dPt>
-            <c:idx val="1"/>
-            <c:bubble3D val="0"/>
-            <c:spPr>
-              <a:solidFill>
-                <a:schemeClr val="accent2"/>
-              </a:solidFill>
-              <a:ln w="19050">
-                <a:solidFill>
-                  <a:schemeClr val="lt1"/>
-                </a:solidFill>
-              </a:ln>
-              <a:effectLst/>
-            </c:spPr>
-            <c:extLst>
-              <c:ext xmlns:c16="http://schemas.microsoft.com/office/drawing/2014/chart" uri="{C3380CC4-5D6E-409C-BE32-E72D297353CC}">
-                <c16:uniqueId val="{00000003-7C7A-9343-BE4E-F18145DD0445}"/>
-              </c:ext>
-            </c:extLst>
-          </c:dPt>
-          <c:dPt>
-            <c:idx val="2"/>
-            <c:bubble3D val="0"/>
-            <c:spPr>
-              <a:solidFill>
-                <a:schemeClr val="accent3"/>
-              </a:solidFill>
-              <a:ln w="19050">
-                <a:solidFill>
-                  <a:schemeClr val="lt1"/>
-                </a:solidFill>
-              </a:ln>
-              <a:effectLst/>
-            </c:spPr>
-            <c:extLst>
-              <c:ext xmlns:c16="http://schemas.microsoft.com/office/drawing/2014/chart" uri="{C3380CC4-5D6E-409C-BE32-E72D297353CC}">
-                <c16:uniqueId val="{00000005-7C7A-9343-BE4E-F18145DD0445}"/>
-              </c:ext>
-            </c:extLst>
-          </c:dPt>
-          <c:dPt>
-            <c:idx val="3"/>
-            <c:bubble3D val="0"/>
-            <c:spPr>
-              <a:solidFill>
-                <a:schemeClr val="accent4"/>
-              </a:solidFill>
-              <a:ln w="19050">
-                <a:solidFill>
-                  <a:schemeClr val="lt1"/>
-                </a:solidFill>
-              </a:ln>
-              <a:effectLst/>
-            </c:spPr>
-            <c:extLst>
-              <c:ext xmlns:c16="http://schemas.microsoft.com/office/drawing/2014/chart" uri="{C3380CC4-5D6E-409C-BE32-E72D297353CC}">
-                <c16:uniqueId val="{00000007-7C7A-9343-BE4E-F18145DD0445}"/>
-              </c:ext>
-            </c:extLst>
-          </c:dPt>
-          <c:dLbls>
-            <c:spPr>
-              <a:noFill/>
-              <a:ln>
-                <a:noFill/>
-              </a:ln>
-              <a:effectLst/>
-            </c:spPr>
-            <c:txPr>
-              <a:bodyPr rot="0" spcFirstLastPara="1" vertOverflow="ellipsis" vert="horz" wrap="square" lIns="38100" tIns="19050" rIns="38100" bIns="19050" anchor="ctr" anchorCtr="1">
-                <a:spAutoFit/>
-              </a:bodyPr>
-              <a:lstStyle/>
-              <a:p>
-                <a:pPr>
-                  <a:defRPr sz="900" b="0" i="0" u="none" strike="noStrike" kern="1200" baseline="0">
-                    <a:solidFill>
-                      <a:schemeClr val="tx1">
-                        <a:lumMod val="75000"/>
-                        <a:lumOff val="25000"/>
-                      </a:schemeClr>
-                    </a:solidFill>
-                    <a:latin typeface="+mn-lt"/>
-                    <a:ea typeface="+mn-ea"/>
-                    <a:cs typeface="+mn-cs"/>
-                  </a:defRPr>
-                </a:pPr>
-                <a:endParaRPr lang="fr-FR"/>
-              </a:p>
-            </c:txPr>
-            <c:showLegendKey val="0"/>
-            <c:showVal val="0"/>
-            <c:showCatName val="1"/>
-            <c:showSerName val="0"/>
-            <c:showPercent val="1"/>
-            <c:showBubbleSize val="0"/>
-            <c:showLeaderLines val="1"/>
-            <c:leaderLines>
-              <c:spPr>
-                <a:ln w="9525" cap="flat" cmpd="sng" algn="ctr">
-                  <a:solidFill>
-                    <a:schemeClr val="tx1">
-                      <a:lumMod val="35000"/>
-                      <a:lumOff val="65000"/>
-                    </a:schemeClr>
-                  </a:solidFill>
-                  <a:round/>
-                </a:ln>
-                <a:effectLst/>
-              </c:spPr>
-            </c:leaderLines>
-            <c:extLst>
-              <c:ext xmlns:c15="http://schemas.microsoft.com/office/drawing/2012/chart" uri="{CE6537A1-D6FC-4f65-9D91-7224C49458BB}"/>
-            </c:extLst>
-          </c:dLbls>
-          <c:cat>
-            <c:strRef>
-              <c:f>'Scénario 1'!$A$2:$A$5</c:f>
-              <c:strCache>
-                <c:ptCount val="4"/>
-                <c:pt idx="0">
-                  <c:v>Solaire</c:v>
-                </c:pt>
-                <c:pt idx="1">
-                  <c:v>Éolien</c:v>
-                </c:pt>
-                <c:pt idx="2">
-                  <c:v>Diesel</c:v>
-                </c:pt>
-                <c:pt idx="3">
-                  <c:v>Batterie</c:v>
-                </c:pt>
-              </c:strCache>
-            </c:strRef>
-          </c:cat>
-          <c:val>
-            <c:numRef>
-              <c:f>'Scénario 1'!$B$2:$B$5</c:f>
-              <c:numCache>
-                <c:formatCode>General</c:formatCode>
-                <c:ptCount val="4"/>
-                <c:pt idx="0">
-                  <c:v>17</c:v>
-                </c:pt>
-                <c:pt idx="1">
-                  <c:v>43</c:v>
-                </c:pt>
-                <c:pt idx="2">
-                  <c:v>21</c:v>
-                </c:pt>
-                <c:pt idx="3">
-                  <c:v>3</c:v>
-                </c:pt>
-              </c:numCache>
-            </c:numRef>
-          </c:val>
-          <c:extLst>
-            <c:ext xmlns:c16="http://schemas.microsoft.com/office/drawing/2014/chart" uri="{C3380CC4-5D6E-409C-BE32-E72D297353CC}">
-              <c16:uniqueId val="{00000008-7C7A-9343-BE4E-F18145DD0445}"/>
-            </c:ext>
-          </c:extLst>
-        </c:ser>
         <c:dLbls>
           <c:showLegendKey val="0"/>
           <c:showVal val="0"/>
@@ -609,7 +413,7 @@
           <c:showSerName val="0"/>
           <c:showPercent val="1"/>
           <c:showBubbleSize val="0"/>
-          <c:showLeaderLines val="1"/>
+          <c:showLeaderLines val="0"/>
         </c:dLbls>
         <c:firstSliceAng val="0"/>
       </c:pieChart>
@@ -679,7 +483,7 @@
           <c:order val="0"/>
           <c:tx>
             <c:strRef>
-              <c:f>'Scénario 1'!$B$1</c:f>
+              <c:f>'Scénario 2'!$B$1</c:f>
               <c:strCache>
                 <c:ptCount val="1"/>
                 <c:pt idx="0">
@@ -704,7 +508,7 @@
             </c:spPr>
             <c:extLst>
               <c:ext xmlns:c16="http://schemas.microsoft.com/office/drawing/2014/chart" uri="{C3380CC4-5D6E-409C-BE32-E72D297353CC}">
-                <c16:uniqueId val="{00000001-D996-7A44-A6D8-3805D033335B}"/>
+                <c16:uniqueId val="{00000001-0931-FB4E-8487-95912D8B4119}"/>
               </c:ext>
             </c:extLst>
           </c:dPt>
@@ -724,7 +528,7 @@
             </c:spPr>
             <c:extLst>
               <c:ext xmlns:c16="http://schemas.microsoft.com/office/drawing/2014/chart" uri="{C3380CC4-5D6E-409C-BE32-E72D297353CC}">
-                <c16:uniqueId val="{00000003-D996-7A44-A6D8-3805D033335B}"/>
+                <c16:uniqueId val="{00000003-0931-FB4E-8487-95912D8B4119}"/>
               </c:ext>
             </c:extLst>
           </c:dPt>
@@ -744,7 +548,7 @@
             </c:spPr>
             <c:extLst>
               <c:ext xmlns:c16="http://schemas.microsoft.com/office/drawing/2014/chart" uri="{C3380CC4-5D6E-409C-BE32-E72D297353CC}">
-                <c16:uniqueId val="{00000005-D996-7A44-A6D8-3805D033335B}"/>
+                <c16:uniqueId val="{00000005-0931-FB4E-8487-95912D8B4119}"/>
               </c:ext>
             </c:extLst>
           </c:dPt>
@@ -764,7 +568,7 @@
             </c:spPr>
             <c:extLst>
               <c:ext xmlns:c16="http://schemas.microsoft.com/office/drawing/2014/chart" uri="{C3380CC4-5D6E-409C-BE32-E72D297353CC}">
-                <c16:uniqueId val="{00000007-D996-7A44-A6D8-3805D033335B}"/>
+                <c16:uniqueId val="{00000007-0931-FB4E-8487-95912D8B4119}"/>
               </c:ext>
             </c:extLst>
           </c:dPt>
@@ -825,7 +629,7 @@
           </c:dLbls>
           <c:cat>
             <c:strRef>
-              <c:f>'Scénario 1'!$A$2:$A$5</c:f>
+              <c:f>'Scénario 2'!$A$2:$A$5</c:f>
               <c:strCache>
                 <c:ptCount val="4"/>
                 <c:pt idx="0">
@@ -838,25 +642,25 @@
                   <c:v>Diesel</c:v>
                 </c:pt>
                 <c:pt idx="3">
-                  <c:v>Batterie</c:v>
+                  <c:v>Stockage</c:v>
                 </c:pt>
               </c:strCache>
             </c:strRef>
           </c:cat>
           <c:val>
             <c:numRef>
-              <c:f>'Scénario 1'!$B$2:$B$5</c:f>
+              <c:f>'Scénario 2'!$B$2:$B$5</c:f>
               <c:numCache>
                 <c:formatCode>General</c:formatCode>
                 <c:ptCount val="4"/>
                 <c:pt idx="0">
-                  <c:v>17</c:v>
+                  <c:v>2</c:v>
                 </c:pt>
                 <c:pt idx="1">
-                  <c:v>43</c:v>
+                  <c:v>8</c:v>
                 </c:pt>
                 <c:pt idx="2">
-                  <c:v>21</c:v>
+                  <c:v>1</c:v>
                 </c:pt>
                 <c:pt idx="3">
                   <c:v>3</c:v>
@@ -866,7 +670,7 @@
           </c:val>
           <c:extLst>
             <c:ext xmlns:c16="http://schemas.microsoft.com/office/drawing/2014/chart" uri="{C3380CC4-5D6E-409C-BE32-E72D297353CC}">
-              <c16:uniqueId val="{00000008-D996-7A44-A6D8-3805D033335B}"/>
+              <c16:uniqueId val="{00000008-0931-FB4E-8487-95912D8B4119}"/>
             </c:ext>
           </c:extLst>
         </c:ser>
@@ -937,6 +741,326 @@
     </mc:Fallback>
   </mc:AlternateContent>
   <c:chart>
+    <c:autoTitleDeleted val="1"/>
+    <c:plotArea>
+      <c:layout/>
+      <c:pieChart>
+        <c:varyColors val="1"/>
+        <c:ser>
+          <c:idx val="0"/>
+          <c:order val="0"/>
+          <c:tx>
+            <c:strRef>
+              <c:f>'Scénario 3'!$B$1</c:f>
+              <c:strCache>
+                <c:ptCount val="1"/>
+                <c:pt idx="0">
+                  <c:v>Mix</c:v>
+                </c:pt>
+              </c:strCache>
+            </c:strRef>
+          </c:tx>
+          <c:dPt>
+            <c:idx val="0"/>
+            <c:bubble3D val="0"/>
+            <c:spPr>
+              <a:solidFill>
+                <a:schemeClr val="accent1"/>
+              </a:solidFill>
+              <a:ln w="19050">
+                <a:solidFill>
+                  <a:schemeClr val="lt1"/>
+                </a:solidFill>
+              </a:ln>
+              <a:effectLst/>
+            </c:spPr>
+            <c:extLst>
+              <c:ext xmlns:c16="http://schemas.microsoft.com/office/drawing/2014/chart" uri="{C3380CC4-5D6E-409C-BE32-E72D297353CC}">
+                <c16:uniqueId val="{00000001-DCF9-6E41-85D8-C1365801B234}"/>
+              </c:ext>
+            </c:extLst>
+          </c:dPt>
+          <c:dPt>
+            <c:idx val="1"/>
+            <c:bubble3D val="0"/>
+            <c:spPr>
+              <a:solidFill>
+                <a:schemeClr val="accent2"/>
+              </a:solidFill>
+              <a:ln w="19050">
+                <a:solidFill>
+                  <a:schemeClr val="lt1"/>
+                </a:solidFill>
+              </a:ln>
+              <a:effectLst/>
+            </c:spPr>
+            <c:extLst>
+              <c:ext xmlns:c16="http://schemas.microsoft.com/office/drawing/2014/chart" uri="{C3380CC4-5D6E-409C-BE32-E72D297353CC}">
+                <c16:uniqueId val="{00000003-DCF9-6E41-85D8-C1365801B234}"/>
+              </c:ext>
+            </c:extLst>
+          </c:dPt>
+          <c:dPt>
+            <c:idx val="2"/>
+            <c:bubble3D val="0"/>
+            <c:spPr>
+              <a:solidFill>
+                <a:schemeClr val="accent3"/>
+              </a:solidFill>
+              <a:ln w="19050">
+                <a:solidFill>
+                  <a:schemeClr val="lt1"/>
+                </a:solidFill>
+              </a:ln>
+              <a:effectLst/>
+            </c:spPr>
+            <c:extLst>
+              <c:ext xmlns:c16="http://schemas.microsoft.com/office/drawing/2014/chart" uri="{C3380CC4-5D6E-409C-BE32-E72D297353CC}">
+                <c16:uniqueId val="{00000005-DCF9-6E41-85D8-C1365801B234}"/>
+              </c:ext>
+            </c:extLst>
+          </c:dPt>
+          <c:dPt>
+            <c:idx val="3"/>
+            <c:bubble3D val="0"/>
+            <c:spPr>
+              <a:solidFill>
+                <a:schemeClr val="accent4"/>
+              </a:solidFill>
+              <a:ln w="19050">
+                <a:solidFill>
+                  <a:schemeClr val="lt1"/>
+                </a:solidFill>
+              </a:ln>
+              <a:effectLst/>
+            </c:spPr>
+            <c:extLst>
+              <c:ext xmlns:c16="http://schemas.microsoft.com/office/drawing/2014/chart" uri="{C3380CC4-5D6E-409C-BE32-E72D297353CC}">
+                <c16:uniqueId val="{00000007-DCF9-6E41-85D8-C1365801B234}"/>
+              </c:ext>
+            </c:extLst>
+          </c:dPt>
+          <c:dPt>
+            <c:idx val="4"/>
+            <c:bubble3D val="0"/>
+            <c:spPr>
+              <a:solidFill>
+                <a:schemeClr val="accent5"/>
+              </a:solidFill>
+              <a:ln w="19050">
+                <a:solidFill>
+                  <a:schemeClr val="lt1"/>
+                </a:solidFill>
+              </a:ln>
+              <a:effectLst/>
+            </c:spPr>
+            <c:extLst>
+              <c:ext xmlns:c16="http://schemas.microsoft.com/office/drawing/2014/chart" uri="{C3380CC4-5D6E-409C-BE32-E72D297353CC}">
+                <c16:uniqueId val="{00000009-DCF9-6E41-85D8-C1365801B234}"/>
+              </c:ext>
+            </c:extLst>
+          </c:dPt>
+          <c:dPt>
+            <c:idx val="5"/>
+            <c:bubble3D val="0"/>
+            <c:spPr>
+              <a:solidFill>
+                <a:schemeClr val="accent6"/>
+              </a:solidFill>
+              <a:ln w="19050">
+                <a:solidFill>
+                  <a:schemeClr val="lt1"/>
+                </a:solidFill>
+              </a:ln>
+              <a:effectLst/>
+            </c:spPr>
+            <c:extLst>
+              <c:ext xmlns:c16="http://schemas.microsoft.com/office/drawing/2014/chart" uri="{C3380CC4-5D6E-409C-BE32-E72D297353CC}">
+                <c16:uniqueId val="{0000000B-DCF9-6E41-85D8-C1365801B234}"/>
+              </c:ext>
+            </c:extLst>
+          </c:dPt>
+          <c:dLbls>
+            <c:spPr>
+              <a:noFill/>
+              <a:ln>
+                <a:noFill/>
+              </a:ln>
+              <a:effectLst/>
+            </c:spPr>
+            <c:txPr>
+              <a:bodyPr rot="0" spcFirstLastPara="1" vertOverflow="ellipsis" vert="horz" wrap="square" lIns="38100" tIns="19050" rIns="38100" bIns="19050" anchor="ctr" anchorCtr="1">
+                <a:spAutoFit/>
+              </a:bodyPr>
+              <a:lstStyle/>
+              <a:p>
+                <a:pPr>
+                  <a:defRPr sz="900" b="0" i="0" u="none" strike="noStrike" kern="1200" baseline="0">
+                    <a:solidFill>
+                      <a:schemeClr val="tx1">
+                        <a:lumMod val="75000"/>
+                        <a:lumOff val="25000"/>
+                      </a:schemeClr>
+                    </a:solidFill>
+                    <a:latin typeface="+mn-lt"/>
+                    <a:ea typeface="+mn-ea"/>
+                    <a:cs typeface="+mn-cs"/>
+                  </a:defRPr>
+                </a:pPr>
+                <a:endParaRPr lang="fr-FR"/>
+              </a:p>
+            </c:txPr>
+            <c:showLegendKey val="0"/>
+            <c:showVal val="0"/>
+            <c:showCatName val="1"/>
+            <c:showSerName val="0"/>
+            <c:showPercent val="1"/>
+            <c:showBubbleSize val="0"/>
+            <c:showLeaderLines val="1"/>
+            <c:leaderLines>
+              <c:spPr>
+                <a:ln w="9525" cap="flat" cmpd="sng" algn="ctr">
+                  <a:solidFill>
+                    <a:schemeClr val="tx1">
+                      <a:lumMod val="35000"/>
+                      <a:lumOff val="65000"/>
+                    </a:schemeClr>
+                  </a:solidFill>
+                  <a:round/>
+                </a:ln>
+                <a:effectLst/>
+              </c:spPr>
+            </c:leaderLines>
+            <c:extLst>
+              <c:ext xmlns:c15="http://schemas.microsoft.com/office/drawing/2012/chart" uri="{CE6537A1-D6FC-4f65-9D91-7224C49458BB}"/>
+            </c:extLst>
+          </c:dLbls>
+          <c:cat>
+            <c:strRef>
+              <c:f>'Scénario 3'!$A$2:$A$7</c:f>
+              <c:strCache>
+                <c:ptCount val="6"/>
+                <c:pt idx="0">
+                  <c:v>Solaire au sol</c:v>
+                </c:pt>
+                <c:pt idx="1">
+                  <c:v>Solaire toiture</c:v>
+                </c:pt>
+                <c:pt idx="2">
+                  <c:v>Éolien terrestre</c:v>
+                </c:pt>
+                <c:pt idx="3">
+                  <c:v>Éolien off-shore</c:v>
+                </c:pt>
+                <c:pt idx="4">
+                  <c:v>Diesel</c:v>
+                </c:pt>
+                <c:pt idx="5">
+                  <c:v>Stockage</c:v>
+                </c:pt>
+              </c:strCache>
+            </c:strRef>
+          </c:cat>
+          <c:val>
+            <c:numRef>
+              <c:f>'Scénario 3'!$B$2:$B$7</c:f>
+              <c:numCache>
+                <c:formatCode>General</c:formatCode>
+                <c:ptCount val="6"/>
+                <c:pt idx="0">
+                  <c:v>8</c:v>
+                </c:pt>
+                <c:pt idx="1">
+                  <c:v>17</c:v>
+                </c:pt>
+                <c:pt idx="2">
+                  <c:v>12</c:v>
+                </c:pt>
+                <c:pt idx="3">
+                  <c:v>0</c:v>
+                </c:pt>
+                <c:pt idx="4">
+                  <c:v>21</c:v>
+                </c:pt>
+                <c:pt idx="5">
+                  <c:v>3</c:v>
+                </c:pt>
+              </c:numCache>
+            </c:numRef>
+          </c:val>
+          <c:extLst>
+            <c:ext xmlns:c16="http://schemas.microsoft.com/office/drawing/2014/chart" uri="{C3380CC4-5D6E-409C-BE32-E72D297353CC}">
+              <c16:uniqueId val="{0000000C-DCF9-6E41-85D8-C1365801B234}"/>
+            </c:ext>
+          </c:extLst>
+        </c:ser>
+        <c:dLbls>
+          <c:showLegendKey val="0"/>
+          <c:showVal val="0"/>
+          <c:showCatName val="1"/>
+          <c:showSerName val="0"/>
+          <c:showPercent val="1"/>
+          <c:showBubbleSize val="0"/>
+          <c:showLeaderLines val="1"/>
+        </c:dLbls>
+        <c:firstSliceAng val="0"/>
+      </c:pieChart>
+      <c:spPr>
+        <a:noFill/>
+        <a:ln>
+          <a:noFill/>
+        </a:ln>
+        <a:effectLst/>
+      </c:spPr>
+    </c:plotArea>
+    <c:plotVisOnly val="1"/>
+    <c:dispBlanksAs val="gap"/>
+    <c:extLst>
+      <c:ext xmlns:c16r3="http://schemas.microsoft.com/office/drawing/2017/03/chart" uri="{56B9EC1D-385E-4148-901F-78D8002777C0}">
+        <c16r3:dataDisplayOptions16>
+          <c16r3:dispNaAsBlank val="1"/>
+        </c16r3:dataDisplayOptions16>
+      </c:ext>
+    </c:extLst>
+    <c:showDLblsOverMax val="0"/>
+  </c:chart>
+  <c:spPr>
+    <a:noFill/>
+    <a:ln>
+      <a:noFill/>
+    </a:ln>
+    <a:effectLst/>
+  </c:spPr>
+  <c:txPr>
+    <a:bodyPr/>
+    <a:lstStyle/>
+    <a:p>
+      <a:pPr>
+        <a:defRPr/>
+      </a:pPr>
+      <a:endParaRPr lang="fr-FR"/>
+    </a:p>
+  </c:txPr>
+  <c:externalData r:id="rId3">
+    <c:autoUpdate val="0"/>
+  </c:externalData>
+</c:chartSpace>
+</file>
+
+<file path=ppt/charts/chart5.xml><?xml version="1.0" encoding="utf-8"?>
+<c:chartSpace xmlns:c="http://schemas.openxmlformats.org/drawingml/2006/chart" xmlns:a="http://schemas.openxmlformats.org/drawingml/2006/main" xmlns:r="http://schemas.openxmlformats.org/officeDocument/2006/relationships" xmlns:c16r2="http://schemas.microsoft.com/office/drawing/2015/06/chart">
+  <c:date1904 val="0"/>
+  <c:lang val="fr-FR"/>
+  <c:roundedCorners val="0"/>
+  <mc:AlternateContent xmlns:mc="http://schemas.openxmlformats.org/markup-compatibility/2006">
+    <mc:Choice xmlns:c14="http://schemas.microsoft.com/office/drawing/2007/8/2/chart" Requires="c14">
+      <c14:style val="102"/>
+    </mc:Choice>
+    <mc:Fallback>
+      <c:style val="2"/>
+    </mc:Fallback>
+  </mc:AlternateContent>
+  <c:chart>
     <c:title>
       <c:tx>
         <c:rich>
@@ -944,7 +1068,7 @@
           <a:lstStyle/>
           <a:p>
             <a:pPr>
-              <a:defRPr sz="1400" b="0" i="0" u="none" strike="noStrike" kern="1200" spc="0" baseline="0">
+              <a:defRPr sz="3200" b="0" i="0" u="none" strike="noStrike" kern="1200" spc="0" baseline="0">
                 <a:solidFill>
                   <a:schemeClr val="tx1">
                     <a:lumMod val="65000"/>
@@ -957,7 +1081,7 @@
               </a:defRPr>
             </a:pPr>
             <a:r>
-              <a:rPr lang="fr-FR"/>
+              <a:rPr lang="fr-FR" sz="3200"/>
               <a:t>Coûts total des scénarios</a:t>
             </a:r>
           </a:p>
@@ -976,7 +1100,7 @@
         <a:lstStyle/>
         <a:p>
           <a:pPr>
-            <a:defRPr sz="1400" b="0" i="0" u="none" strike="noStrike" kern="1200" spc="0" baseline="0">
+            <a:defRPr sz="3200" b="0" i="0" u="none" strike="noStrike" kern="1200" spc="0" baseline="0">
               <a:solidFill>
                 <a:schemeClr val="tx1">
                   <a:lumMod val="65000"/>
@@ -1711,7 +1835,7 @@
         <a:lstStyle/>
         <a:p>
           <a:pPr>
-            <a:defRPr sz="900" b="0" i="0" u="none" strike="noStrike" kern="1200" baseline="0">
+            <a:defRPr sz="1200" b="0" i="0" u="none" strike="noStrike" kern="1200" baseline="0">
               <a:solidFill>
                 <a:schemeClr val="tx1">
                   <a:lumMod val="65000"/>
@@ -1875,6 +1999,46 @@
 </file>
 
 <file path=ppt/charts/colors4.xml><?xml version="1.0" encoding="utf-8"?>
+<cs:colorStyle xmlns:cs="http://schemas.microsoft.com/office/drawing/2012/chartStyle" xmlns:a="http://schemas.openxmlformats.org/drawingml/2006/main" meth="cycle" id="10">
+  <a:schemeClr val="accent1"/>
+  <a:schemeClr val="accent2"/>
+  <a:schemeClr val="accent3"/>
+  <a:schemeClr val="accent4"/>
+  <a:schemeClr val="accent5"/>
+  <a:schemeClr val="accent6"/>
+  <cs:variation/>
+  <cs:variation>
+    <a:lumMod val="60000"/>
+  </cs:variation>
+  <cs:variation>
+    <a:lumMod val="80000"/>
+    <a:lumOff val="20000"/>
+  </cs:variation>
+  <cs:variation>
+    <a:lumMod val="80000"/>
+  </cs:variation>
+  <cs:variation>
+    <a:lumMod val="60000"/>
+    <a:lumOff val="40000"/>
+  </cs:variation>
+  <cs:variation>
+    <a:lumMod val="50000"/>
+  </cs:variation>
+  <cs:variation>
+    <a:lumMod val="70000"/>
+    <a:lumOff val="30000"/>
+  </cs:variation>
+  <cs:variation>
+    <a:lumMod val="70000"/>
+  </cs:variation>
+  <cs:variation>
+    <a:lumMod val="50000"/>
+    <a:lumOff val="50000"/>
+  </cs:variation>
+</cs:colorStyle>
+</file>
+
+<file path=ppt/charts/colors5.xml><?xml version="1.0" encoding="utf-8"?>
 <cs:colorStyle xmlns:cs="http://schemas.microsoft.com/office/drawing/2012/chartStyle" xmlns:a="http://schemas.openxmlformats.org/drawingml/2006/main" meth="acrossLinear" id="2">
   <a:schemeClr val="accent1"/>
   <a:schemeClr val="accent2"/>
@@ -3443,7 +3607,7 @@
 </file>
 
 <file path=ppt/charts/style4.xml><?xml version="1.0" encoding="utf-8"?>
-<cs:chartStyle xmlns:cs="http://schemas.microsoft.com/office/drawing/2012/chartStyle" xmlns:a="http://schemas.openxmlformats.org/drawingml/2006/main" id="297">
+<cs:chartStyle xmlns:cs="http://schemas.microsoft.com/office/drawing/2012/chartStyle" xmlns:a="http://schemas.openxmlformats.org/drawingml/2006/main" id="251">
   <cs:axisTitle>
     <cs:lnRef idx="0"/>
     <cs:fillRef idx="0"/>
@@ -3500,7 +3664,7 @@
         <a:round/>
       </a:ln>
     </cs:spPr>
-    <cs:defRPr sz="1000" kern="1200"/>
+    <cs:defRPr sz="900" kern="1200"/>
   </cs:chartArea>
   <cs:dataLabel>
     <cs:lnRef idx="0"/>
@@ -3551,6 +3715,13 @@
     <cs:fontRef idx="minor">
       <a:schemeClr val="tx1"/>
     </cs:fontRef>
+    <cs:spPr>
+      <a:ln w="19050">
+        <a:solidFill>
+          <a:schemeClr val="lt1"/>
+        </a:solidFill>
+      </a:ln>
+    </cs:spPr>
   </cs:dataPoint>
   <cs:dataPoint3D>
     <cs:lnRef idx="0"/>
@@ -3561,12 +3732,19 @@
     <cs:fontRef idx="minor">
       <a:schemeClr val="tx1"/>
     </cs:fontRef>
+    <cs:spPr>
+      <a:ln w="25400">
+        <a:solidFill>
+          <a:schemeClr val="lt1"/>
+        </a:solidFill>
+      </a:ln>
+    </cs:spPr>
   </cs:dataPoint3D>
   <cs:dataPointLine>
     <cs:lnRef idx="0">
       <cs:styleClr val="auto"/>
     </cs:lnRef>
-    <cs:fillRef idx="1"/>
+    <cs:fillRef idx="0"/>
     <cs:effectRef idx="0"/>
     <cs:fontRef idx="minor">
       <a:schemeClr val="tx1"/>
@@ -3604,7 +3782,7 @@
     <cs:lnRef idx="0">
       <cs:styleClr val="auto"/>
     </cs:lnRef>
-    <cs:fillRef idx="1"/>
+    <cs:fillRef idx="0"/>
     <cs:effectRef idx="0"/>
     <cs:fontRef idx="minor">
       <a:schemeClr val="tx1"/>
@@ -3945,6 +4123,3459 @@
     </cs:spPr>
   </cs:wall>
 </cs:chartStyle>
+</file>
+
+<file path=ppt/charts/style5.xml><?xml version="1.0" encoding="utf-8"?>
+<cs:chartStyle xmlns:cs="http://schemas.microsoft.com/office/drawing/2012/chartStyle" xmlns:a="http://schemas.openxmlformats.org/drawingml/2006/main" id="297">
+  <cs:axisTitle>
+    <cs:lnRef idx="0"/>
+    <cs:fillRef idx="0"/>
+    <cs:effectRef idx="0"/>
+    <cs:fontRef idx="minor">
+      <a:schemeClr val="tx1">
+        <a:lumMod val="65000"/>
+        <a:lumOff val="35000"/>
+      </a:schemeClr>
+    </cs:fontRef>
+    <cs:defRPr sz="1000" kern="1200"/>
+  </cs:axisTitle>
+  <cs:categoryAxis>
+    <cs:lnRef idx="0"/>
+    <cs:fillRef idx="0"/>
+    <cs:effectRef idx="0"/>
+    <cs:fontRef idx="minor">
+      <a:schemeClr val="tx1">
+        <a:lumMod val="65000"/>
+        <a:lumOff val="35000"/>
+      </a:schemeClr>
+    </cs:fontRef>
+    <cs:spPr>
+      <a:ln w="9525" cap="flat" cmpd="sng" algn="ctr">
+        <a:solidFill>
+          <a:schemeClr val="tx1">
+            <a:lumMod val="15000"/>
+            <a:lumOff val="85000"/>
+          </a:schemeClr>
+        </a:solidFill>
+        <a:round/>
+      </a:ln>
+    </cs:spPr>
+    <cs:defRPr sz="900" kern="1200"/>
+  </cs:categoryAxis>
+  <cs:chartArea mods="allowNoFillOverride allowNoLineOverride">
+    <cs:lnRef idx="0"/>
+    <cs:fillRef idx="0"/>
+    <cs:effectRef idx="0"/>
+    <cs:fontRef idx="minor">
+      <a:schemeClr val="tx1"/>
+    </cs:fontRef>
+    <cs:spPr>
+      <a:solidFill>
+        <a:schemeClr val="bg1"/>
+      </a:solidFill>
+      <a:ln w="9525" cap="flat" cmpd="sng" algn="ctr">
+        <a:solidFill>
+          <a:schemeClr val="tx1">
+            <a:lumMod val="15000"/>
+            <a:lumOff val="85000"/>
+          </a:schemeClr>
+        </a:solidFill>
+        <a:round/>
+      </a:ln>
+    </cs:spPr>
+    <cs:defRPr sz="1000" kern="1200"/>
+  </cs:chartArea>
+  <cs:dataLabel>
+    <cs:lnRef idx="0"/>
+    <cs:fillRef idx="0"/>
+    <cs:effectRef idx="0"/>
+    <cs:fontRef idx="minor">
+      <a:schemeClr val="tx1">
+        <a:lumMod val="75000"/>
+        <a:lumOff val="25000"/>
+      </a:schemeClr>
+    </cs:fontRef>
+    <cs:defRPr sz="900" kern="1200"/>
+  </cs:dataLabel>
+  <cs:dataLabelCallout>
+    <cs:lnRef idx="0"/>
+    <cs:fillRef idx="0"/>
+    <cs:effectRef idx="0"/>
+    <cs:fontRef idx="minor">
+      <a:schemeClr val="dk1">
+        <a:lumMod val="65000"/>
+        <a:lumOff val="35000"/>
+      </a:schemeClr>
+    </cs:fontRef>
+    <cs:spPr>
+      <a:solidFill>
+        <a:schemeClr val="lt1"/>
+      </a:solidFill>
+      <a:ln>
+        <a:solidFill>
+          <a:schemeClr val="dk1">
+            <a:lumMod val="25000"/>
+            <a:lumOff val="75000"/>
+          </a:schemeClr>
+        </a:solidFill>
+      </a:ln>
+    </cs:spPr>
+    <cs:defRPr sz="900" kern="1200"/>
+    <cs:bodyPr rot="0" spcFirstLastPara="1" vertOverflow="clip" horzOverflow="clip" vert="horz" wrap="square" lIns="36576" tIns="18288" rIns="36576" bIns="18288" anchor="ctr" anchorCtr="1">
+      <a:spAutoFit/>
+    </cs:bodyPr>
+  </cs:dataLabelCallout>
+  <cs:dataPoint>
+    <cs:lnRef idx="0"/>
+    <cs:fillRef idx="1">
+      <cs:styleClr val="auto"/>
+    </cs:fillRef>
+    <cs:effectRef idx="0"/>
+    <cs:fontRef idx="minor">
+      <a:schemeClr val="tx1"/>
+    </cs:fontRef>
+  </cs:dataPoint>
+  <cs:dataPoint3D>
+    <cs:lnRef idx="0"/>
+    <cs:fillRef idx="1">
+      <cs:styleClr val="auto"/>
+    </cs:fillRef>
+    <cs:effectRef idx="0"/>
+    <cs:fontRef idx="minor">
+      <a:schemeClr val="tx1"/>
+    </cs:fontRef>
+  </cs:dataPoint3D>
+  <cs:dataPointLine>
+    <cs:lnRef idx="0">
+      <cs:styleClr val="auto"/>
+    </cs:lnRef>
+    <cs:fillRef idx="1"/>
+    <cs:effectRef idx="0"/>
+    <cs:fontRef idx="minor">
+      <a:schemeClr val="tx1"/>
+    </cs:fontRef>
+    <cs:spPr>
+      <a:ln w="28575" cap="rnd">
+        <a:solidFill>
+          <a:schemeClr val="phClr"/>
+        </a:solidFill>
+        <a:round/>
+      </a:ln>
+    </cs:spPr>
+  </cs:dataPointLine>
+  <cs:dataPointMarker>
+    <cs:lnRef idx="0">
+      <cs:styleClr val="auto"/>
+    </cs:lnRef>
+    <cs:fillRef idx="1">
+      <cs:styleClr val="auto"/>
+    </cs:fillRef>
+    <cs:effectRef idx="0"/>
+    <cs:fontRef idx="minor">
+      <a:schemeClr val="tx1"/>
+    </cs:fontRef>
+    <cs:spPr>
+      <a:ln w="9525">
+        <a:solidFill>
+          <a:schemeClr val="phClr"/>
+        </a:solidFill>
+      </a:ln>
+    </cs:spPr>
+  </cs:dataPointMarker>
+  <cs:dataPointMarkerLayout symbol="circle" size="5"/>
+  <cs:dataPointWireframe>
+    <cs:lnRef idx="0">
+      <cs:styleClr val="auto"/>
+    </cs:lnRef>
+    <cs:fillRef idx="1"/>
+    <cs:effectRef idx="0"/>
+    <cs:fontRef idx="minor">
+      <a:schemeClr val="tx1"/>
+    </cs:fontRef>
+    <cs:spPr>
+      <a:ln w="9525" cap="rnd">
+        <a:solidFill>
+          <a:schemeClr val="phClr"/>
+        </a:solidFill>
+        <a:round/>
+      </a:ln>
+    </cs:spPr>
+  </cs:dataPointWireframe>
+  <cs:dataTable>
+    <cs:lnRef idx="0"/>
+    <cs:fillRef idx="0"/>
+    <cs:effectRef idx="0"/>
+    <cs:fontRef idx="minor">
+      <a:schemeClr val="tx1">
+        <a:lumMod val="65000"/>
+        <a:lumOff val="35000"/>
+      </a:schemeClr>
+    </cs:fontRef>
+    <cs:spPr>
+      <a:noFill/>
+      <a:ln w="9525" cap="flat" cmpd="sng" algn="ctr">
+        <a:solidFill>
+          <a:schemeClr val="tx1">
+            <a:lumMod val="15000"/>
+            <a:lumOff val="85000"/>
+          </a:schemeClr>
+        </a:solidFill>
+        <a:round/>
+      </a:ln>
+    </cs:spPr>
+    <cs:defRPr sz="900" kern="1200"/>
+  </cs:dataTable>
+  <cs:downBar>
+    <cs:lnRef idx="0"/>
+    <cs:fillRef idx="0"/>
+    <cs:effectRef idx="0"/>
+    <cs:fontRef idx="minor">
+      <a:schemeClr val="tx1"/>
+    </cs:fontRef>
+    <cs:spPr>
+      <a:solidFill>
+        <a:schemeClr val="dk1">
+          <a:lumMod val="75000"/>
+          <a:lumOff val="25000"/>
+        </a:schemeClr>
+      </a:solidFill>
+      <a:ln w="9525" cap="flat" cmpd="sng" algn="ctr">
+        <a:solidFill>
+          <a:schemeClr val="tx1">
+            <a:lumMod val="65000"/>
+            <a:lumOff val="35000"/>
+          </a:schemeClr>
+        </a:solidFill>
+        <a:round/>
+      </a:ln>
+    </cs:spPr>
+  </cs:downBar>
+  <cs:dropLine>
+    <cs:lnRef idx="0"/>
+    <cs:fillRef idx="0"/>
+    <cs:effectRef idx="0"/>
+    <cs:fontRef idx="minor">
+      <a:schemeClr val="tx1"/>
+    </cs:fontRef>
+    <cs:spPr>
+      <a:ln w="9525" cap="flat" cmpd="sng" algn="ctr">
+        <a:solidFill>
+          <a:schemeClr val="tx1">
+            <a:lumMod val="35000"/>
+            <a:lumOff val="65000"/>
+          </a:schemeClr>
+        </a:solidFill>
+        <a:round/>
+      </a:ln>
+    </cs:spPr>
+  </cs:dropLine>
+  <cs:errorBar>
+    <cs:lnRef idx="0"/>
+    <cs:fillRef idx="0"/>
+    <cs:effectRef idx="0"/>
+    <cs:fontRef idx="minor">
+      <a:schemeClr val="tx1"/>
+    </cs:fontRef>
+    <cs:spPr>
+      <a:ln w="9525" cap="flat" cmpd="sng" algn="ctr">
+        <a:solidFill>
+          <a:schemeClr val="tx1">
+            <a:lumMod val="65000"/>
+            <a:lumOff val="35000"/>
+          </a:schemeClr>
+        </a:solidFill>
+        <a:round/>
+      </a:ln>
+    </cs:spPr>
+  </cs:errorBar>
+  <cs:floor>
+    <cs:lnRef idx="0"/>
+    <cs:fillRef idx="0"/>
+    <cs:effectRef idx="0"/>
+    <cs:fontRef idx="minor">
+      <a:schemeClr val="tx1"/>
+    </cs:fontRef>
+    <cs:spPr>
+      <a:noFill/>
+      <a:ln>
+        <a:noFill/>
+      </a:ln>
+    </cs:spPr>
+  </cs:floor>
+  <cs:gridlineMajor>
+    <cs:lnRef idx="0"/>
+    <cs:fillRef idx="0"/>
+    <cs:effectRef idx="0"/>
+    <cs:fontRef idx="minor">
+      <a:schemeClr val="tx1"/>
+    </cs:fontRef>
+    <cs:spPr>
+      <a:ln w="9525" cap="flat" cmpd="sng" algn="ctr">
+        <a:solidFill>
+          <a:schemeClr val="tx1">
+            <a:lumMod val="15000"/>
+            <a:lumOff val="85000"/>
+          </a:schemeClr>
+        </a:solidFill>
+        <a:round/>
+      </a:ln>
+    </cs:spPr>
+  </cs:gridlineMajor>
+  <cs:gridlineMinor>
+    <cs:lnRef idx="0"/>
+    <cs:fillRef idx="0"/>
+    <cs:effectRef idx="0"/>
+    <cs:fontRef idx="minor">
+      <a:schemeClr val="tx1"/>
+    </cs:fontRef>
+    <cs:spPr>
+      <a:ln w="9525" cap="flat" cmpd="sng" algn="ctr">
+        <a:solidFill>
+          <a:schemeClr val="tx1">
+            <a:lumMod val="5000"/>
+            <a:lumOff val="95000"/>
+          </a:schemeClr>
+        </a:solidFill>
+        <a:round/>
+      </a:ln>
+    </cs:spPr>
+  </cs:gridlineMinor>
+  <cs:hiLoLine>
+    <cs:lnRef idx="0"/>
+    <cs:fillRef idx="0"/>
+    <cs:effectRef idx="0"/>
+    <cs:fontRef idx="minor">
+      <a:schemeClr val="tx1"/>
+    </cs:fontRef>
+    <cs:spPr>
+      <a:ln w="9525" cap="flat" cmpd="sng" algn="ctr">
+        <a:solidFill>
+          <a:schemeClr val="tx1">
+            <a:lumMod val="50000"/>
+            <a:lumOff val="50000"/>
+          </a:schemeClr>
+        </a:solidFill>
+        <a:round/>
+      </a:ln>
+    </cs:spPr>
+  </cs:hiLoLine>
+  <cs:leaderLine>
+    <cs:lnRef idx="0"/>
+    <cs:fillRef idx="0"/>
+    <cs:effectRef idx="0"/>
+    <cs:fontRef idx="minor">
+      <a:schemeClr val="tx1"/>
+    </cs:fontRef>
+    <cs:spPr>
+      <a:ln w="9525" cap="flat" cmpd="sng" algn="ctr">
+        <a:solidFill>
+          <a:schemeClr val="tx1">
+            <a:lumMod val="35000"/>
+            <a:lumOff val="65000"/>
+          </a:schemeClr>
+        </a:solidFill>
+        <a:round/>
+      </a:ln>
+    </cs:spPr>
+  </cs:leaderLine>
+  <cs:legend>
+    <cs:lnRef idx="0"/>
+    <cs:fillRef idx="0"/>
+    <cs:effectRef idx="0"/>
+    <cs:fontRef idx="minor">
+      <a:schemeClr val="tx1">
+        <a:lumMod val="65000"/>
+        <a:lumOff val="35000"/>
+      </a:schemeClr>
+    </cs:fontRef>
+    <cs:defRPr sz="900" kern="1200"/>
+  </cs:legend>
+  <cs:plotArea mods="allowNoFillOverride allowNoLineOverride">
+    <cs:lnRef idx="0"/>
+    <cs:fillRef idx="0"/>
+    <cs:effectRef idx="0"/>
+    <cs:fontRef idx="minor">
+      <a:schemeClr val="tx1"/>
+    </cs:fontRef>
+  </cs:plotArea>
+  <cs:plotArea3D mods="allowNoFillOverride allowNoLineOverride">
+    <cs:lnRef idx="0"/>
+    <cs:fillRef idx="0"/>
+    <cs:effectRef idx="0"/>
+    <cs:fontRef idx="minor">
+      <a:schemeClr val="tx1"/>
+    </cs:fontRef>
+  </cs:plotArea3D>
+  <cs:seriesAxis>
+    <cs:lnRef idx="0"/>
+    <cs:fillRef idx="0"/>
+    <cs:effectRef idx="0"/>
+    <cs:fontRef idx="minor">
+      <a:schemeClr val="tx1">
+        <a:lumMod val="65000"/>
+        <a:lumOff val="35000"/>
+      </a:schemeClr>
+    </cs:fontRef>
+    <cs:defRPr sz="900" kern="1200"/>
+  </cs:seriesAxis>
+  <cs:seriesLine>
+    <cs:lnRef idx="0"/>
+    <cs:fillRef idx="0"/>
+    <cs:effectRef idx="0"/>
+    <cs:fontRef idx="minor">
+      <a:schemeClr val="tx1"/>
+    </cs:fontRef>
+    <cs:spPr>
+      <a:ln w="9525" cap="flat" cmpd="sng" algn="ctr">
+        <a:solidFill>
+          <a:schemeClr val="tx1">
+            <a:lumMod val="35000"/>
+            <a:lumOff val="65000"/>
+          </a:schemeClr>
+        </a:solidFill>
+        <a:round/>
+      </a:ln>
+    </cs:spPr>
+  </cs:seriesLine>
+  <cs:title>
+    <cs:lnRef idx="0"/>
+    <cs:fillRef idx="0"/>
+    <cs:effectRef idx="0"/>
+    <cs:fontRef idx="minor">
+      <a:schemeClr val="tx1">
+        <a:lumMod val="65000"/>
+        <a:lumOff val="35000"/>
+      </a:schemeClr>
+    </cs:fontRef>
+    <cs:defRPr sz="1400" b="0" kern="1200" spc="0" baseline="0"/>
+  </cs:title>
+  <cs:trendline>
+    <cs:lnRef idx="0">
+      <cs:styleClr val="auto"/>
+    </cs:lnRef>
+    <cs:fillRef idx="0"/>
+    <cs:effectRef idx="0"/>
+    <cs:fontRef idx="minor">
+      <a:schemeClr val="tx1"/>
+    </cs:fontRef>
+    <cs:spPr>
+      <a:ln w="19050" cap="rnd">
+        <a:solidFill>
+          <a:schemeClr val="phClr"/>
+        </a:solidFill>
+        <a:prstDash val="sysDot"/>
+      </a:ln>
+    </cs:spPr>
+  </cs:trendline>
+  <cs:trendlineLabel>
+    <cs:lnRef idx="0"/>
+    <cs:fillRef idx="0"/>
+    <cs:effectRef idx="0"/>
+    <cs:fontRef idx="minor">
+      <a:schemeClr val="tx1">
+        <a:lumMod val="65000"/>
+        <a:lumOff val="35000"/>
+      </a:schemeClr>
+    </cs:fontRef>
+    <cs:defRPr sz="900" kern="1200"/>
+  </cs:trendlineLabel>
+  <cs:upBar>
+    <cs:lnRef idx="0"/>
+    <cs:fillRef idx="0"/>
+    <cs:effectRef idx="0"/>
+    <cs:fontRef idx="minor">
+      <a:schemeClr val="tx1"/>
+    </cs:fontRef>
+    <cs:spPr>
+      <a:solidFill>
+        <a:schemeClr val="lt1"/>
+      </a:solidFill>
+      <a:ln w="9525" cap="flat" cmpd="sng" algn="ctr">
+        <a:solidFill>
+          <a:schemeClr val="tx1">
+            <a:lumMod val="65000"/>
+            <a:lumOff val="35000"/>
+          </a:schemeClr>
+        </a:solidFill>
+        <a:round/>
+      </a:ln>
+    </cs:spPr>
+  </cs:upBar>
+  <cs:valueAxis>
+    <cs:lnRef idx="0"/>
+    <cs:fillRef idx="0"/>
+    <cs:effectRef idx="0"/>
+    <cs:fontRef idx="minor">
+      <a:schemeClr val="tx1">
+        <a:lumMod val="65000"/>
+        <a:lumOff val="35000"/>
+      </a:schemeClr>
+    </cs:fontRef>
+    <cs:defRPr sz="900" kern="1200"/>
+  </cs:valueAxis>
+  <cs:wall>
+    <cs:lnRef idx="0"/>
+    <cs:fillRef idx="0"/>
+    <cs:effectRef idx="0"/>
+    <cs:fontRef idx="minor">
+      <a:schemeClr val="tx1"/>
+    </cs:fontRef>
+    <cs:spPr>
+      <a:noFill/>
+      <a:ln>
+        <a:noFill/>
+      </a:ln>
+    </cs:spPr>
+  </cs:wall>
+</cs:chartStyle>
+</file>
+
+<file path=ppt/diagrams/colors1.xml><?xml version="1.0" encoding="utf-8"?>
+<dgm:colorsDef xmlns:dgm="http://schemas.openxmlformats.org/drawingml/2006/diagram" xmlns:a="http://schemas.openxmlformats.org/drawingml/2006/main" uniqueId="urn:microsoft.com/office/officeart/2005/8/colors/colorful4">
+  <dgm:title val=""/>
+  <dgm:desc val=""/>
+  <dgm:catLst>
+    <dgm:cat type="colorful" pri="10400"/>
+  </dgm:catLst>
+  <dgm:styleLbl name="node0">
+    <dgm:fillClrLst meth="repeat">
+      <a:schemeClr val="accent3"/>
+    </dgm:fillClrLst>
+    <dgm:linClrLst meth="repeat">
+      <a:schemeClr val="lt1"/>
+    </dgm:linClrLst>
+    <dgm:effectClrLst/>
+    <dgm:txLinClrLst/>
+    <dgm:txFillClrLst/>
+    <dgm:txEffectClrLst/>
+  </dgm:styleLbl>
+  <dgm:styleLbl name="node1">
+    <dgm:fillClrLst>
+      <a:schemeClr val="accent4"/>
+      <a:schemeClr val="accent5"/>
+    </dgm:fillClrLst>
+    <dgm:linClrLst meth="repeat">
+      <a:schemeClr val="lt1"/>
+    </dgm:linClrLst>
+    <dgm:effectClrLst/>
+    <dgm:txLinClrLst/>
+    <dgm:txFillClrLst/>
+    <dgm:txEffectClrLst/>
+  </dgm:styleLbl>
+  <dgm:styleLbl name="alignNode1">
+    <dgm:fillClrLst>
+      <a:schemeClr val="accent4"/>
+      <a:schemeClr val="accent5"/>
+    </dgm:fillClrLst>
+    <dgm:linClrLst>
+      <a:schemeClr val="accent4"/>
+      <a:schemeClr val="accent5"/>
+    </dgm:linClrLst>
+    <dgm:effectClrLst/>
+    <dgm:txLinClrLst/>
+    <dgm:txFillClrLst/>
+    <dgm:txEffectClrLst/>
+  </dgm:styleLbl>
+  <dgm:styleLbl name="lnNode1">
+    <dgm:fillClrLst>
+      <a:schemeClr val="accent4"/>
+      <a:schemeClr val="accent5"/>
+    </dgm:fillClrLst>
+    <dgm:linClrLst meth="repeat">
+      <a:schemeClr val="lt1"/>
+    </dgm:linClrLst>
+    <dgm:effectClrLst/>
+    <dgm:txLinClrLst/>
+    <dgm:txFillClrLst/>
+    <dgm:txEffectClrLst/>
+  </dgm:styleLbl>
+  <dgm:styleLbl name="vennNode1">
+    <dgm:fillClrLst>
+      <a:schemeClr val="accent4">
+        <a:alpha val="50000"/>
+      </a:schemeClr>
+      <a:schemeClr val="accent5">
+        <a:alpha val="50000"/>
+      </a:schemeClr>
+    </dgm:fillClrLst>
+    <dgm:linClrLst meth="repeat">
+      <a:schemeClr val="lt1"/>
+    </dgm:linClrLst>
+    <dgm:effectClrLst/>
+    <dgm:txLinClrLst/>
+    <dgm:txFillClrLst/>
+    <dgm:txEffectClrLst/>
+  </dgm:styleLbl>
+  <dgm:styleLbl name="node2">
+    <dgm:fillClrLst>
+      <a:schemeClr val="accent5"/>
+    </dgm:fillClrLst>
+    <dgm:linClrLst meth="repeat">
+      <a:schemeClr val="lt1"/>
+    </dgm:linClrLst>
+    <dgm:effectClrLst/>
+    <dgm:txLinClrLst/>
+    <dgm:txFillClrLst/>
+    <dgm:txEffectClrLst/>
+  </dgm:styleLbl>
+  <dgm:styleLbl name="node3">
+    <dgm:fillClrLst>
+      <a:schemeClr val="accent6"/>
+    </dgm:fillClrLst>
+    <dgm:linClrLst meth="repeat">
+      <a:schemeClr val="lt1"/>
+    </dgm:linClrLst>
+    <dgm:effectClrLst/>
+    <dgm:txLinClrLst/>
+    <dgm:txFillClrLst/>
+    <dgm:txEffectClrLst/>
+  </dgm:styleLbl>
+  <dgm:styleLbl name="node4">
+    <dgm:fillClrLst>
+      <a:schemeClr val="accent1"/>
+    </dgm:fillClrLst>
+    <dgm:linClrLst meth="repeat">
+      <a:schemeClr val="lt1"/>
+    </dgm:linClrLst>
+    <dgm:effectClrLst/>
+    <dgm:txLinClrLst/>
+    <dgm:txFillClrLst/>
+    <dgm:txEffectClrLst/>
+  </dgm:styleLbl>
+  <dgm:styleLbl name="fgImgPlace1">
+    <dgm:fillClrLst>
+      <a:schemeClr val="accent4">
+        <a:tint val="50000"/>
+      </a:schemeClr>
+      <a:schemeClr val="accent5">
+        <a:tint val="50000"/>
+      </a:schemeClr>
+    </dgm:fillClrLst>
+    <dgm:linClrLst meth="repeat">
+      <a:schemeClr val="lt1"/>
+    </dgm:linClrLst>
+    <dgm:effectClrLst/>
+    <dgm:txLinClrLst/>
+    <dgm:txFillClrLst meth="repeat">
+      <a:schemeClr val="lt1"/>
+    </dgm:txFillClrLst>
+    <dgm:txEffectClrLst/>
+  </dgm:styleLbl>
+  <dgm:styleLbl name="alignImgPlace1">
+    <dgm:fillClrLst>
+      <a:schemeClr val="accent4">
+        <a:tint val="50000"/>
+      </a:schemeClr>
+      <a:schemeClr val="accent5">
+        <a:tint val="20000"/>
+      </a:schemeClr>
+    </dgm:fillClrLst>
+    <dgm:linClrLst meth="repeat">
+      <a:schemeClr val="lt1"/>
+    </dgm:linClrLst>
+    <dgm:effectClrLst/>
+    <dgm:txLinClrLst/>
+    <dgm:txFillClrLst meth="repeat">
+      <a:schemeClr val="lt1"/>
+    </dgm:txFillClrLst>
+    <dgm:txEffectClrLst/>
+  </dgm:styleLbl>
+  <dgm:styleLbl name="bgImgPlace1">
+    <dgm:fillClrLst>
+      <a:schemeClr val="accent4">
+        <a:tint val="50000"/>
+      </a:schemeClr>
+      <a:schemeClr val="accent5">
+        <a:tint val="20000"/>
+      </a:schemeClr>
+    </dgm:fillClrLst>
+    <dgm:linClrLst meth="repeat">
+      <a:schemeClr val="lt1"/>
+    </dgm:linClrLst>
+    <dgm:effectClrLst/>
+    <dgm:txLinClrLst/>
+    <dgm:txFillClrLst meth="repeat">
+      <a:schemeClr val="lt1"/>
+    </dgm:txFillClrLst>
+    <dgm:txEffectClrLst/>
+  </dgm:styleLbl>
+  <dgm:styleLbl name="sibTrans2D1">
+    <dgm:fillClrLst>
+      <a:schemeClr val="accent4"/>
+      <a:schemeClr val="accent5"/>
+    </dgm:fillClrLst>
+    <dgm:linClrLst meth="repeat">
+      <a:schemeClr val="lt1"/>
+    </dgm:linClrLst>
+    <dgm:effectClrLst/>
+    <dgm:txLinClrLst/>
+    <dgm:txFillClrLst/>
+    <dgm:txEffectClrLst/>
+  </dgm:styleLbl>
+  <dgm:styleLbl name="fgSibTrans2D1">
+    <dgm:fillClrLst>
+      <a:schemeClr val="accent4"/>
+      <a:schemeClr val="accent5"/>
+    </dgm:fillClrLst>
+    <dgm:linClrLst meth="repeat">
+      <a:schemeClr val="lt1"/>
+    </dgm:linClrLst>
+    <dgm:effectClrLst/>
+    <dgm:txLinClrLst/>
+    <dgm:txFillClrLst meth="repeat">
+      <a:schemeClr val="lt1"/>
+    </dgm:txFillClrLst>
+    <dgm:txEffectClrLst/>
+  </dgm:styleLbl>
+  <dgm:styleLbl name="bgSibTrans2D1">
+    <dgm:fillClrLst>
+      <a:schemeClr val="accent4"/>
+      <a:schemeClr val="accent5"/>
+    </dgm:fillClrLst>
+    <dgm:linClrLst meth="repeat">
+      <a:schemeClr val="lt1"/>
+    </dgm:linClrLst>
+    <dgm:effectClrLst/>
+    <dgm:txLinClrLst/>
+    <dgm:txFillClrLst meth="repeat">
+      <a:schemeClr val="lt1"/>
+    </dgm:txFillClrLst>
+    <dgm:txEffectClrLst/>
+  </dgm:styleLbl>
+  <dgm:styleLbl name="sibTrans1D1">
+    <dgm:fillClrLst/>
+    <dgm:linClrLst>
+      <a:schemeClr val="accent4"/>
+      <a:schemeClr val="accent5"/>
+    </dgm:linClrLst>
+    <dgm:effectClrLst/>
+    <dgm:txLinClrLst/>
+    <dgm:txFillClrLst meth="repeat">
+      <a:schemeClr val="tx1"/>
+    </dgm:txFillClrLst>
+    <dgm:txEffectClrLst/>
+  </dgm:styleLbl>
+  <dgm:styleLbl name="callout">
+    <dgm:fillClrLst meth="repeat">
+      <a:schemeClr val="accent4"/>
+    </dgm:fillClrLst>
+    <dgm:linClrLst meth="repeat">
+      <a:schemeClr val="accent4">
+        <a:tint val="50000"/>
+      </a:schemeClr>
+    </dgm:linClrLst>
+    <dgm:effectClrLst/>
+    <dgm:txLinClrLst/>
+    <dgm:txFillClrLst meth="repeat">
+      <a:schemeClr val="tx1"/>
+    </dgm:txFillClrLst>
+    <dgm:txEffectClrLst/>
+  </dgm:styleLbl>
+  <dgm:styleLbl name="asst0">
+    <dgm:fillClrLst meth="repeat">
+      <a:schemeClr val="accent4"/>
+    </dgm:fillClrLst>
+    <dgm:linClrLst meth="repeat">
+      <a:schemeClr val="lt1">
+        <a:shade val="80000"/>
+      </a:schemeClr>
+    </dgm:linClrLst>
+    <dgm:effectClrLst/>
+    <dgm:txLinClrLst/>
+    <dgm:txFillClrLst/>
+    <dgm:txEffectClrLst/>
+  </dgm:styleLbl>
+  <dgm:styleLbl name="asst1">
+    <dgm:fillClrLst meth="repeat">
+      <a:schemeClr val="accent5"/>
+    </dgm:fillClrLst>
+    <dgm:linClrLst meth="repeat">
+      <a:schemeClr val="lt1">
+        <a:shade val="80000"/>
+      </a:schemeClr>
+    </dgm:linClrLst>
+    <dgm:effectClrLst/>
+    <dgm:txLinClrLst/>
+    <dgm:txFillClrLst/>
+    <dgm:txEffectClrLst/>
+  </dgm:styleLbl>
+  <dgm:styleLbl name="asst2">
+    <dgm:fillClrLst>
+      <a:schemeClr val="accent6"/>
+    </dgm:fillClrLst>
+    <dgm:linClrLst meth="repeat">
+      <a:schemeClr val="lt1"/>
+    </dgm:linClrLst>
+    <dgm:effectClrLst/>
+    <dgm:txLinClrLst/>
+    <dgm:txFillClrLst/>
+    <dgm:txEffectClrLst/>
+  </dgm:styleLbl>
+  <dgm:styleLbl name="asst3">
+    <dgm:fillClrLst>
+      <a:schemeClr val="accent1"/>
+    </dgm:fillClrLst>
+    <dgm:linClrLst meth="repeat">
+      <a:schemeClr val="lt1"/>
+    </dgm:linClrLst>
+    <dgm:effectClrLst/>
+    <dgm:txLinClrLst/>
+    <dgm:txFillClrLst/>
+    <dgm:txEffectClrLst/>
+  </dgm:styleLbl>
+  <dgm:styleLbl name="asst4">
+    <dgm:fillClrLst>
+      <a:schemeClr val="accent2"/>
+    </dgm:fillClrLst>
+    <dgm:linClrLst meth="repeat">
+      <a:schemeClr val="lt1"/>
+    </dgm:linClrLst>
+    <dgm:effectClrLst/>
+    <dgm:txLinClrLst/>
+    <dgm:txFillClrLst/>
+    <dgm:txEffectClrLst/>
+  </dgm:styleLbl>
+  <dgm:styleLbl name="parChTrans2D1">
+    <dgm:fillClrLst meth="repeat">
+      <a:schemeClr val="accent4"/>
+    </dgm:fillClrLst>
+    <dgm:linClrLst meth="repeat">
+      <a:schemeClr val="lt1"/>
+    </dgm:linClrLst>
+    <dgm:effectClrLst/>
+    <dgm:txLinClrLst/>
+    <dgm:txFillClrLst meth="repeat">
+      <a:schemeClr val="lt1"/>
+    </dgm:txFillClrLst>
+    <dgm:txEffectClrLst/>
+  </dgm:styleLbl>
+  <dgm:styleLbl name="parChTrans2D2">
+    <dgm:fillClrLst meth="repeat">
+      <a:schemeClr val="accent5"/>
+    </dgm:fillClrLst>
+    <dgm:linClrLst meth="repeat">
+      <a:schemeClr val="lt1"/>
+    </dgm:linClrLst>
+    <dgm:effectClrLst/>
+    <dgm:txLinClrLst/>
+    <dgm:txFillClrLst/>
+    <dgm:txEffectClrLst/>
+  </dgm:styleLbl>
+  <dgm:styleLbl name="parChTrans2D3">
+    <dgm:fillClrLst meth="repeat">
+      <a:schemeClr val="accent5"/>
+    </dgm:fillClrLst>
+    <dgm:linClrLst meth="repeat">
+      <a:schemeClr val="lt1"/>
+    </dgm:linClrLst>
+    <dgm:effectClrLst/>
+    <dgm:txLinClrLst/>
+    <dgm:txFillClrLst/>
+    <dgm:txEffectClrLst/>
+  </dgm:styleLbl>
+  <dgm:styleLbl name="parChTrans2D4">
+    <dgm:fillClrLst meth="repeat">
+      <a:schemeClr val="accent6"/>
+    </dgm:fillClrLst>
+    <dgm:linClrLst meth="repeat">
+      <a:schemeClr val="lt1"/>
+    </dgm:linClrLst>
+    <dgm:effectClrLst/>
+    <dgm:txLinClrLst/>
+    <dgm:txFillClrLst meth="repeat">
+      <a:schemeClr val="lt1"/>
+    </dgm:txFillClrLst>
+    <dgm:txEffectClrLst/>
+  </dgm:styleLbl>
+  <dgm:styleLbl name="parChTrans1D1">
+    <dgm:fillClrLst meth="repeat">
+      <a:schemeClr val="accent4"/>
+    </dgm:fillClrLst>
+    <dgm:linClrLst meth="repeat">
+      <a:schemeClr val="accent4"/>
+    </dgm:linClrLst>
+    <dgm:effectClrLst/>
+    <dgm:txLinClrLst/>
+    <dgm:txFillClrLst meth="repeat">
+      <a:schemeClr val="tx1"/>
+    </dgm:txFillClrLst>
+    <dgm:txEffectClrLst/>
+  </dgm:styleLbl>
+  <dgm:styleLbl name="parChTrans1D2">
+    <dgm:fillClrLst meth="repeat">
+      <a:schemeClr val="accent4">
+        <a:tint val="90000"/>
+      </a:schemeClr>
+    </dgm:fillClrLst>
+    <dgm:linClrLst meth="repeat">
+      <a:schemeClr val="accent5"/>
+    </dgm:linClrLst>
+    <dgm:effectClrLst/>
+    <dgm:txLinClrLst/>
+    <dgm:txFillClrLst meth="repeat">
+      <a:schemeClr val="tx1"/>
+    </dgm:txFillClrLst>
+    <dgm:txEffectClrLst/>
+  </dgm:styleLbl>
+  <dgm:styleLbl name="parChTrans1D3">
+    <dgm:fillClrLst meth="repeat">
+      <a:schemeClr val="accent4">
+        <a:tint val="70000"/>
+      </a:schemeClr>
+    </dgm:fillClrLst>
+    <dgm:linClrLst meth="repeat">
+      <a:schemeClr val="accent6"/>
+    </dgm:linClrLst>
+    <dgm:effectClrLst/>
+    <dgm:txLinClrLst/>
+    <dgm:txFillClrLst meth="repeat">
+      <a:schemeClr val="tx1"/>
+    </dgm:txFillClrLst>
+    <dgm:txEffectClrLst/>
+  </dgm:styleLbl>
+  <dgm:styleLbl name="parChTrans1D4">
+    <dgm:fillClrLst meth="repeat">
+      <a:schemeClr val="accent4">
+        <a:tint val="50000"/>
+      </a:schemeClr>
+    </dgm:fillClrLst>
+    <dgm:linClrLst meth="repeat">
+      <a:schemeClr val="accent1"/>
+    </dgm:linClrLst>
+    <dgm:effectClrLst/>
+    <dgm:txLinClrLst/>
+    <dgm:txFillClrLst meth="repeat">
+      <a:schemeClr val="tx1"/>
+    </dgm:txFillClrLst>
+    <dgm:txEffectClrLst/>
+  </dgm:styleLbl>
+  <dgm:styleLbl name="fgAcc1">
+    <dgm:fillClrLst meth="repeat">
+      <a:schemeClr val="lt1">
+        <a:alpha val="90000"/>
+      </a:schemeClr>
+    </dgm:fillClrLst>
+    <dgm:linClrLst>
+      <a:schemeClr val="accent4"/>
+      <a:schemeClr val="accent5"/>
+    </dgm:linClrLst>
+    <dgm:effectClrLst/>
+    <dgm:txLinClrLst/>
+    <dgm:txFillClrLst meth="repeat">
+      <a:schemeClr val="dk1"/>
+    </dgm:txFillClrLst>
+    <dgm:txEffectClrLst/>
+  </dgm:styleLbl>
+  <dgm:styleLbl name="conFgAcc1">
+    <dgm:fillClrLst meth="repeat">
+      <a:schemeClr val="lt1">
+        <a:alpha val="90000"/>
+      </a:schemeClr>
+    </dgm:fillClrLst>
+    <dgm:linClrLst>
+      <a:schemeClr val="accent4"/>
+      <a:schemeClr val="accent5"/>
+    </dgm:linClrLst>
+    <dgm:effectClrLst/>
+    <dgm:txLinClrLst/>
+    <dgm:txFillClrLst meth="repeat">
+      <a:schemeClr val="dk1"/>
+    </dgm:txFillClrLst>
+    <dgm:txEffectClrLst/>
+  </dgm:styleLbl>
+  <dgm:styleLbl name="alignAcc1">
+    <dgm:fillClrLst meth="repeat">
+      <a:schemeClr val="lt1">
+        <a:alpha val="90000"/>
+      </a:schemeClr>
+    </dgm:fillClrLst>
+    <dgm:linClrLst>
+      <a:schemeClr val="accent4"/>
+      <a:schemeClr val="accent5"/>
+    </dgm:linClrLst>
+    <dgm:effectClrLst/>
+    <dgm:txLinClrLst/>
+    <dgm:txFillClrLst meth="repeat">
+      <a:schemeClr val="dk1"/>
+    </dgm:txFillClrLst>
+    <dgm:txEffectClrLst/>
+  </dgm:styleLbl>
+  <dgm:styleLbl name="trAlignAcc1">
+    <dgm:fillClrLst meth="repeat">
+      <a:schemeClr val="lt1">
+        <a:alpha val="40000"/>
+      </a:schemeClr>
+    </dgm:fillClrLst>
+    <dgm:linClrLst meth="repeat">
+      <a:schemeClr val="accent4"/>
+    </dgm:linClrLst>
+    <dgm:effectClrLst/>
+    <dgm:txLinClrLst/>
+    <dgm:txFillClrLst meth="repeat">
+      <a:schemeClr val="dk1"/>
+    </dgm:txFillClrLst>
+    <dgm:txEffectClrLst/>
+  </dgm:styleLbl>
+  <dgm:styleLbl name="bgAcc1">
+    <dgm:fillClrLst meth="repeat">
+      <a:schemeClr val="lt1">
+        <a:alpha val="90000"/>
+      </a:schemeClr>
+    </dgm:fillClrLst>
+    <dgm:linClrLst>
+      <a:schemeClr val="accent4"/>
+      <a:schemeClr val="accent5"/>
+    </dgm:linClrLst>
+    <dgm:effectClrLst/>
+    <dgm:txLinClrLst/>
+    <dgm:txFillClrLst meth="repeat">
+      <a:schemeClr val="dk1"/>
+    </dgm:txFillClrLst>
+    <dgm:txEffectClrLst/>
+  </dgm:styleLbl>
+  <dgm:styleLbl name="solidFgAcc1">
+    <dgm:fillClrLst meth="repeat">
+      <a:schemeClr val="lt1"/>
+    </dgm:fillClrLst>
+    <dgm:linClrLst>
+      <a:schemeClr val="accent4"/>
+      <a:schemeClr val="accent5"/>
+    </dgm:linClrLst>
+    <dgm:effectClrLst/>
+    <dgm:txLinClrLst/>
+    <dgm:txFillClrLst meth="repeat">
+      <a:schemeClr val="dk1"/>
+    </dgm:txFillClrLst>
+    <dgm:txEffectClrLst/>
+  </dgm:styleLbl>
+  <dgm:styleLbl name="solidAlignAcc1">
+    <dgm:fillClrLst meth="repeat">
+      <a:schemeClr val="lt1"/>
+    </dgm:fillClrLst>
+    <dgm:linClrLst>
+      <a:schemeClr val="accent4"/>
+      <a:schemeClr val="accent5"/>
+    </dgm:linClrLst>
+    <dgm:effectClrLst/>
+    <dgm:txLinClrLst/>
+    <dgm:txFillClrLst meth="repeat">
+      <a:schemeClr val="dk1"/>
+    </dgm:txFillClrLst>
+    <dgm:txEffectClrLst/>
+  </dgm:styleLbl>
+  <dgm:styleLbl name="solidBgAcc1">
+    <dgm:fillClrLst meth="repeat">
+      <a:schemeClr val="lt1"/>
+    </dgm:fillClrLst>
+    <dgm:linClrLst>
+      <a:schemeClr val="accent4"/>
+      <a:schemeClr val="accent5"/>
+    </dgm:linClrLst>
+    <dgm:effectClrLst/>
+    <dgm:txLinClrLst/>
+    <dgm:txFillClrLst meth="repeat">
+      <a:schemeClr val="dk1"/>
+    </dgm:txFillClrLst>
+    <dgm:txEffectClrLst/>
+  </dgm:styleLbl>
+  <dgm:styleLbl name="fgAccFollowNode1">
+    <dgm:fillClrLst>
+      <a:schemeClr val="accent4">
+        <a:tint val="40000"/>
+        <a:alpha val="90000"/>
+      </a:schemeClr>
+      <a:schemeClr val="accent5">
+        <a:tint val="40000"/>
+        <a:alpha val="90000"/>
+      </a:schemeClr>
+    </dgm:fillClrLst>
+    <dgm:linClrLst>
+      <a:schemeClr val="accent4">
+        <a:tint val="40000"/>
+        <a:alpha val="90000"/>
+      </a:schemeClr>
+      <a:schemeClr val="accent5">
+        <a:tint val="40000"/>
+        <a:alpha val="90000"/>
+      </a:schemeClr>
+    </dgm:linClrLst>
+    <dgm:effectClrLst/>
+    <dgm:txLinClrLst/>
+    <dgm:txFillClrLst meth="repeat">
+      <a:schemeClr val="dk1"/>
+    </dgm:txFillClrLst>
+    <dgm:txEffectClrLst/>
+  </dgm:styleLbl>
+  <dgm:styleLbl name="alignAccFollowNode1">
+    <dgm:fillClrLst>
+      <a:schemeClr val="accent4">
+        <a:tint val="40000"/>
+        <a:alpha val="90000"/>
+      </a:schemeClr>
+      <a:schemeClr val="accent5">
+        <a:tint val="40000"/>
+        <a:alpha val="90000"/>
+      </a:schemeClr>
+    </dgm:fillClrLst>
+    <dgm:linClrLst>
+      <a:schemeClr val="accent4">
+        <a:tint val="40000"/>
+        <a:alpha val="90000"/>
+      </a:schemeClr>
+      <a:schemeClr val="accent5">
+        <a:tint val="40000"/>
+        <a:alpha val="90000"/>
+      </a:schemeClr>
+    </dgm:linClrLst>
+    <dgm:effectClrLst/>
+    <dgm:txLinClrLst/>
+    <dgm:txFillClrLst meth="repeat">
+      <a:schemeClr val="dk1"/>
+    </dgm:txFillClrLst>
+    <dgm:txEffectClrLst/>
+  </dgm:styleLbl>
+  <dgm:styleLbl name="bgAccFollowNode1">
+    <dgm:fillClrLst>
+      <a:schemeClr val="accent4">
+        <a:tint val="40000"/>
+        <a:alpha val="90000"/>
+      </a:schemeClr>
+      <a:schemeClr val="accent5">
+        <a:tint val="40000"/>
+        <a:alpha val="90000"/>
+      </a:schemeClr>
+    </dgm:fillClrLst>
+    <dgm:linClrLst>
+      <a:schemeClr val="accent4">
+        <a:tint val="40000"/>
+        <a:alpha val="90000"/>
+      </a:schemeClr>
+      <a:schemeClr val="accent5">
+        <a:tint val="40000"/>
+        <a:alpha val="90000"/>
+      </a:schemeClr>
+    </dgm:linClrLst>
+    <dgm:effectClrLst/>
+    <dgm:txLinClrLst/>
+    <dgm:txFillClrLst meth="repeat">
+      <a:schemeClr val="dk1"/>
+    </dgm:txFillClrLst>
+    <dgm:txEffectClrLst/>
+  </dgm:styleLbl>
+  <dgm:styleLbl name="fgAcc0">
+    <dgm:fillClrLst meth="repeat">
+      <a:schemeClr val="lt1">
+        <a:alpha val="90000"/>
+      </a:schemeClr>
+    </dgm:fillClrLst>
+    <dgm:linClrLst>
+      <a:schemeClr val="accent3"/>
+    </dgm:linClrLst>
+    <dgm:effectClrLst/>
+    <dgm:txLinClrLst/>
+    <dgm:txFillClrLst meth="repeat">
+      <a:schemeClr val="dk1"/>
+    </dgm:txFillClrLst>
+    <dgm:txEffectClrLst/>
+  </dgm:styleLbl>
+  <dgm:styleLbl name="fgAcc2">
+    <dgm:fillClrLst meth="repeat">
+      <a:schemeClr val="lt1">
+        <a:alpha val="90000"/>
+      </a:schemeClr>
+    </dgm:fillClrLst>
+    <dgm:linClrLst>
+      <a:schemeClr val="accent5"/>
+    </dgm:linClrLst>
+    <dgm:effectClrLst/>
+    <dgm:txLinClrLst/>
+    <dgm:txFillClrLst meth="repeat">
+      <a:schemeClr val="dk1"/>
+    </dgm:txFillClrLst>
+    <dgm:txEffectClrLst/>
+  </dgm:styleLbl>
+  <dgm:styleLbl name="fgAcc3">
+    <dgm:fillClrLst meth="repeat">
+      <a:schemeClr val="lt1">
+        <a:alpha val="90000"/>
+      </a:schemeClr>
+    </dgm:fillClrLst>
+    <dgm:linClrLst>
+      <a:schemeClr val="accent6"/>
+    </dgm:linClrLst>
+    <dgm:effectClrLst/>
+    <dgm:txLinClrLst/>
+    <dgm:txFillClrLst meth="repeat">
+      <a:schemeClr val="dk1"/>
+    </dgm:txFillClrLst>
+    <dgm:txEffectClrLst/>
+  </dgm:styleLbl>
+  <dgm:styleLbl name="fgAcc4">
+    <dgm:fillClrLst meth="repeat">
+      <a:schemeClr val="lt1">
+        <a:alpha val="90000"/>
+      </a:schemeClr>
+    </dgm:fillClrLst>
+    <dgm:linClrLst>
+      <a:schemeClr val="accent1"/>
+    </dgm:linClrLst>
+    <dgm:effectClrLst/>
+    <dgm:txLinClrLst/>
+    <dgm:txFillClrLst meth="repeat">
+      <a:schemeClr val="dk1"/>
+    </dgm:txFillClrLst>
+    <dgm:txEffectClrLst/>
+  </dgm:styleLbl>
+  <dgm:styleLbl name="bgShp">
+    <dgm:fillClrLst meth="repeat">
+      <a:schemeClr val="accent4">
+        <a:tint val="40000"/>
+      </a:schemeClr>
+    </dgm:fillClrLst>
+    <dgm:linClrLst meth="repeat">
+      <a:schemeClr val="dk1"/>
+    </dgm:linClrLst>
+    <dgm:effectClrLst/>
+    <dgm:txLinClrLst/>
+    <dgm:txFillClrLst meth="repeat">
+      <a:schemeClr val="dk1"/>
+    </dgm:txFillClrLst>
+    <dgm:txEffectClrLst/>
+  </dgm:styleLbl>
+  <dgm:styleLbl name="dkBgShp">
+    <dgm:fillClrLst meth="repeat">
+      <a:schemeClr val="accent4">
+        <a:shade val="90000"/>
+      </a:schemeClr>
+    </dgm:fillClrLst>
+    <dgm:linClrLst meth="repeat">
+      <a:schemeClr val="dk1"/>
+    </dgm:linClrLst>
+    <dgm:effectClrLst/>
+    <dgm:txLinClrLst/>
+    <dgm:txFillClrLst meth="repeat">
+      <a:schemeClr val="lt1"/>
+    </dgm:txFillClrLst>
+    <dgm:txEffectClrLst/>
+  </dgm:styleLbl>
+  <dgm:styleLbl name="trBgShp">
+    <dgm:fillClrLst meth="repeat">
+      <a:schemeClr val="accent4">
+        <a:tint val="50000"/>
+        <a:alpha val="40000"/>
+      </a:schemeClr>
+    </dgm:fillClrLst>
+    <dgm:linClrLst meth="repeat">
+      <a:schemeClr val="accent4"/>
+    </dgm:linClrLst>
+    <dgm:effectClrLst/>
+    <dgm:txLinClrLst/>
+    <dgm:txFillClrLst meth="repeat">
+      <a:schemeClr val="lt1"/>
+    </dgm:txFillClrLst>
+    <dgm:txEffectClrLst/>
+  </dgm:styleLbl>
+  <dgm:styleLbl name="fgShp">
+    <dgm:fillClrLst meth="repeat">
+      <a:schemeClr val="accent4">
+        <a:tint val="40000"/>
+      </a:schemeClr>
+    </dgm:fillClrLst>
+    <dgm:linClrLst meth="repeat">
+      <a:schemeClr val="lt1"/>
+    </dgm:linClrLst>
+    <dgm:effectClrLst/>
+    <dgm:txLinClrLst/>
+    <dgm:txFillClrLst meth="repeat">
+      <a:schemeClr val="dk1"/>
+    </dgm:txFillClrLst>
+    <dgm:txEffectClrLst/>
+  </dgm:styleLbl>
+  <dgm:styleLbl name="revTx">
+    <dgm:fillClrLst meth="repeat">
+      <a:schemeClr val="lt1">
+        <a:alpha val="0"/>
+      </a:schemeClr>
+    </dgm:fillClrLst>
+    <dgm:linClrLst meth="repeat">
+      <a:schemeClr val="dk1">
+        <a:alpha val="0"/>
+      </a:schemeClr>
+    </dgm:linClrLst>
+    <dgm:effectClrLst/>
+    <dgm:txLinClrLst/>
+    <dgm:txFillClrLst meth="repeat">
+      <a:schemeClr val="tx1"/>
+    </dgm:txFillClrLst>
+    <dgm:txEffectClrLst/>
+  </dgm:styleLbl>
+</dgm:colorsDef>
+</file>
+
+<file path=ppt/diagrams/data1.xml><?xml version="1.0" encoding="utf-8"?>
+<dgm:dataModel xmlns:dgm="http://schemas.openxmlformats.org/drawingml/2006/diagram" xmlns:a="http://schemas.openxmlformats.org/drawingml/2006/main">
+  <dgm:ptLst>
+    <dgm:pt modelId="{DDDBDBDA-E571-614B-85EA-D77479111032}" type="doc">
+      <dgm:prSet loTypeId="urn:microsoft.com/office/officeart/2005/8/layout/hList1" loCatId="" qsTypeId="urn:microsoft.com/office/officeart/2005/8/quickstyle/simple1" qsCatId="simple" csTypeId="urn:microsoft.com/office/officeart/2005/8/colors/colorful4" csCatId="colorful" phldr="1"/>
+      <dgm:spPr/>
+      <dgm:t>
+        <a:bodyPr/>
+        <a:lstStyle/>
+        <a:p>
+          <a:endParaRPr lang="fr-FR"/>
+        </a:p>
+      </dgm:t>
+    </dgm:pt>
+    <dgm:pt modelId="{F8E8819B-B7A0-0244-B320-15D547627544}">
+      <dgm:prSet phldrT="[Texte]"/>
+      <dgm:spPr/>
+      <dgm:t>
+        <a:bodyPr/>
+        <a:lstStyle/>
+        <a:p>
+          <a:r>
+            <a:rPr lang="fr-FR" dirty="0"/>
+            <a:t>Scénario 2 : </a:t>
+          </a:r>
+        </a:p>
+        <a:p>
+          <a:r>
+            <a:rPr lang="fr-FR" dirty="0"/>
+            <a:t>Optimisation sur la pollution</a:t>
+          </a:r>
+        </a:p>
+      </dgm:t>
+    </dgm:pt>
+    <dgm:pt modelId="{DC3602B7-5A41-5D43-AD58-F298576A6266}" type="parTrans" cxnId="{6C39C14E-53B0-E748-A28D-F190B7DB021A}">
+      <dgm:prSet/>
+      <dgm:spPr/>
+      <dgm:t>
+        <a:bodyPr/>
+        <a:lstStyle/>
+        <a:p>
+          <a:endParaRPr lang="fr-FR"/>
+        </a:p>
+      </dgm:t>
+    </dgm:pt>
+    <dgm:pt modelId="{ADDA49F9-A924-6A4B-98F6-9D90CC342360}" type="sibTrans" cxnId="{6C39C14E-53B0-E748-A28D-F190B7DB021A}">
+      <dgm:prSet/>
+      <dgm:spPr/>
+      <dgm:t>
+        <a:bodyPr/>
+        <a:lstStyle/>
+        <a:p>
+          <a:endParaRPr lang="fr-FR"/>
+        </a:p>
+      </dgm:t>
+    </dgm:pt>
+    <dgm:pt modelId="{9D3714B1-4C1D-3548-A951-A08579D6A9F1}">
+      <dgm:prSet phldrT="[Texte]"/>
+      <dgm:spPr/>
+      <dgm:t>
+        <a:bodyPr/>
+        <a:lstStyle/>
+        <a:p>
+          <a:r>
+            <a:rPr lang="fr-FR" dirty="0"/>
+            <a:t>Augmentation du prix de la tonne de CO2</a:t>
+          </a:r>
+        </a:p>
+      </dgm:t>
+    </dgm:pt>
+    <dgm:pt modelId="{6EA2897E-C88F-BD42-8877-0E0D35177BE7}" type="parTrans" cxnId="{47A97633-0F52-8047-AA55-B5A474BDAC91}">
+      <dgm:prSet/>
+      <dgm:spPr/>
+      <dgm:t>
+        <a:bodyPr/>
+        <a:lstStyle/>
+        <a:p>
+          <a:endParaRPr lang="fr-FR"/>
+        </a:p>
+      </dgm:t>
+    </dgm:pt>
+    <dgm:pt modelId="{8E0EF790-0608-4541-83D1-9FD13F6A0E0F}" type="sibTrans" cxnId="{47A97633-0F52-8047-AA55-B5A474BDAC91}">
+      <dgm:prSet/>
+      <dgm:spPr/>
+      <dgm:t>
+        <a:bodyPr/>
+        <a:lstStyle/>
+        <a:p>
+          <a:endParaRPr lang="fr-FR"/>
+        </a:p>
+      </dgm:t>
+    </dgm:pt>
+    <dgm:pt modelId="{A4A7EC6A-9367-DA4F-9878-0FE98480303E}">
+      <dgm:prSet phldrT="[Texte]"/>
+      <dgm:spPr/>
+      <dgm:t>
+        <a:bodyPr/>
+        <a:lstStyle/>
+        <a:p>
+          <a:r>
+            <a:rPr lang="fr-FR" dirty="0"/>
+            <a:t>Scénario 3 :</a:t>
+          </a:r>
+        </a:p>
+        <a:p>
+          <a:r>
+            <a:rPr lang="fr-FR" dirty="0"/>
+            <a:t>Optimisation en prenant en compte le foisonnement</a:t>
+          </a:r>
+        </a:p>
+      </dgm:t>
+    </dgm:pt>
+    <dgm:pt modelId="{E89307F3-3032-B849-819A-67E33202CEDC}" type="parTrans" cxnId="{2D7EBA1D-CFBC-5F4C-97CF-21631A7A698B}">
+      <dgm:prSet/>
+      <dgm:spPr/>
+      <dgm:t>
+        <a:bodyPr/>
+        <a:lstStyle/>
+        <a:p>
+          <a:endParaRPr lang="fr-FR"/>
+        </a:p>
+      </dgm:t>
+    </dgm:pt>
+    <dgm:pt modelId="{6D9C7951-9196-A348-A4D1-E26773858636}" type="sibTrans" cxnId="{2D7EBA1D-CFBC-5F4C-97CF-21631A7A698B}">
+      <dgm:prSet/>
+      <dgm:spPr/>
+      <dgm:t>
+        <a:bodyPr/>
+        <a:lstStyle/>
+        <a:p>
+          <a:endParaRPr lang="fr-FR"/>
+        </a:p>
+      </dgm:t>
+    </dgm:pt>
+    <dgm:pt modelId="{E2668BC3-C748-4F4A-81B2-24373C396AAC}">
+      <dgm:prSet phldrT="[Texte]"/>
+      <dgm:spPr/>
+      <dgm:t>
+        <a:bodyPr/>
+        <a:lstStyle/>
+        <a:p>
+          <a:r>
+            <a:rPr lang="fr-FR" dirty="0"/>
+            <a:t>Distinction de différents moyens de production solaire-éolien</a:t>
+          </a:r>
+        </a:p>
+      </dgm:t>
+    </dgm:pt>
+    <dgm:pt modelId="{C08A15E9-F3B0-9345-950F-F0951F00D9FC}" type="parTrans" cxnId="{A448BA60-659E-2244-9575-1FF1FD89325A}">
+      <dgm:prSet/>
+      <dgm:spPr/>
+      <dgm:t>
+        <a:bodyPr/>
+        <a:lstStyle/>
+        <a:p>
+          <a:endParaRPr lang="fr-FR"/>
+        </a:p>
+      </dgm:t>
+    </dgm:pt>
+    <dgm:pt modelId="{B630E7A7-9C6B-7245-B16E-F23748ED99FF}" type="sibTrans" cxnId="{A448BA60-659E-2244-9575-1FF1FD89325A}">
+      <dgm:prSet/>
+      <dgm:spPr/>
+      <dgm:t>
+        <a:bodyPr/>
+        <a:lstStyle/>
+        <a:p>
+          <a:endParaRPr lang="fr-FR"/>
+        </a:p>
+      </dgm:t>
+    </dgm:pt>
+    <dgm:pt modelId="{537D130C-9084-2B42-B44B-D8FBE1F3F689}">
+      <dgm:prSet phldrT="[Texte]"/>
+      <dgm:spPr/>
+      <dgm:t>
+        <a:bodyPr/>
+        <a:lstStyle/>
+        <a:p>
+          <a:r>
+            <a:rPr lang="fr-FR" dirty="0"/>
+            <a:t>Prise en compte du prix au m</a:t>
+          </a:r>
+          <a:r>
+            <a:rPr lang="fr-FR" baseline="30000" dirty="0"/>
+            <a:t>2</a:t>
+          </a:r>
+          <a:r>
+            <a:rPr lang="fr-FR" dirty="0"/>
+            <a:t> dans l’optimisation</a:t>
+          </a:r>
+        </a:p>
+      </dgm:t>
+    </dgm:pt>
+    <dgm:pt modelId="{F4FF8CA5-4E68-CC43-8CF8-1E0D4BEF36DD}" type="parTrans" cxnId="{92824350-DA10-3C49-BCB2-2791AE4A6606}">
+      <dgm:prSet/>
+      <dgm:spPr/>
+      <dgm:t>
+        <a:bodyPr/>
+        <a:lstStyle/>
+        <a:p>
+          <a:endParaRPr lang="fr-FR"/>
+        </a:p>
+      </dgm:t>
+    </dgm:pt>
+    <dgm:pt modelId="{BD3D8357-74A6-8F4B-8303-6DB449984183}" type="sibTrans" cxnId="{92824350-DA10-3C49-BCB2-2791AE4A6606}">
+      <dgm:prSet/>
+      <dgm:spPr/>
+      <dgm:t>
+        <a:bodyPr/>
+        <a:lstStyle/>
+        <a:p>
+          <a:endParaRPr lang="fr-FR"/>
+        </a:p>
+      </dgm:t>
+    </dgm:pt>
+    <dgm:pt modelId="{145D0F48-2ADA-0545-B7F6-092709827707}">
+      <dgm:prSet/>
+      <dgm:spPr/>
+      <dgm:t>
+        <a:bodyPr/>
+        <a:lstStyle/>
+        <a:p>
+          <a:r>
+            <a:rPr lang="fr-FR" dirty="0"/>
+            <a:t>Scénario 1 : </a:t>
+          </a:r>
+        </a:p>
+        <a:p>
+          <a:r>
+            <a:rPr lang="fr-FR" dirty="0"/>
+            <a:t>Optimisation sur les coûts</a:t>
+          </a:r>
+        </a:p>
+      </dgm:t>
+    </dgm:pt>
+    <dgm:pt modelId="{E460C793-D9DC-364B-B9B2-544B0BDAB160}" type="parTrans" cxnId="{3F941D60-FD64-4E4E-8BEA-0443F82CB549}">
+      <dgm:prSet/>
+      <dgm:spPr/>
+      <dgm:t>
+        <a:bodyPr/>
+        <a:lstStyle/>
+        <a:p>
+          <a:endParaRPr lang="fr-FR"/>
+        </a:p>
+      </dgm:t>
+    </dgm:pt>
+    <dgm:pt modelId="{DAAE9DE4-CEC4-9A4B-8E82-2269DD5E0C5F}" type="sibTrans" cxnId="{3F941D60-FD64-4E4E-8BEA-0443F82CB549}">
+      <dgm:prSet/>
+      <dgm:spPr/>
+      <dgm:t>
+        <a:bodyPr/>
+        <a:lstStyle/>
+        <a:p>
+          <a:endParaRPr lang="fr-FR"/>
+        </a:p>
+      </dgm:t>
+    </dgm:pt>
+    <dgm:pt modelId="{C1217211-5FFF-FA4D-92ED-5E4BB67C5851}" type="pres">
+      <dgm:prSet presAssocID="{DDDBDBDA-E571-614B-85EA-D77479111032}" presName="Name0" presStyleCnt="0">
+        <dgm:presLayoutVars>
+          <dgm:dir/>
+          <dgm:animLvl val="lvl"/>
+          <dgm:resizeHandles val="exact"/>
+        </dgm:presLayoutVars>
+      </dgm:prSet>
+      <dgm:spPr/>
+    </dgm:pt>
+    <dgm:pt modelId="{E203C5DE-E552-8E4D-A271-9712CF68AB6A}" type="pres">
+      <dgm:prSet presAssocID="{145D0F48-2ADA-0545-B7F6-092709827707}" presName="composite" presStyleCnt="0"/>
+      <dgm:spPr/>
+    </dgm:pt>
+    <dgm:pt modelId="{D28E3696-B0A4-8F4D-8B72-C607AD438EEC}" type="pres">
+      <dgm:prSet presAssocID="{145D0F48-2ADA-0545-B7F6-092709827707}" presName="parTx" presStyleLbl="alignNode1" presStyleIdx="0" presStyleCnt="3">
+        <dgm:presLayoutVars>
+          <dgm:chMax val="0"/>
+          <dgm:chPref val="0"/>
+          <dgm:bulletEnabled val="1"/>
+        </dgm:presLayoutVars>
+      </dgm:prSet>
+      <dgm:spPr/>
+    </dgm:pt>
+    <dgm:pt modelId="{8FA93CE4-9A94-D84E-ADCD-9489B357C5FB}" type="pres">
+      <dgm:prSet presAssocID="{145D0F48-2ADA-0545-B7F6-092709827707}" presName="desTx" presStyleLbl="alignAccFollowNode1" presStyleIdx="0" presStyleCnt="3">
+        <dgm:presLayoutVars>
+          <dgm:bulletEnabled val="1"/>
+        </dgm:presLayoutVars>
+      </dgm:prSet>
+      <dgm:spPr/>
+    </dgm:pt>
+    <dgm:pt modelId="{4769BAFD-5818-EB44-9804-359262F91A0F}" type="pres">
+      <dgm:prSet presAssocID="{DAAE9DE4-CEC4-9A4B-8E82-2269DD5E0C5F}" presName="space" presStyleCnt="0"/>
+      <dgm:spPr/>
+    </dgm:pt>
+    <dgm:pt modelId="{733CE8B3-EE71-394D-9F96-E2D8CF103A99}" type="pres">
+      <dgm:prSet presAssocID="{F8E8819B-B7A0-0244-B320-15D547627544}" presName="composite" presStyleCnt="0"/>
+      <dgm:spPr/>
+    </dgm:pt>
+    <dgm:pt modelId="{61018672-8F3C-F54E-AA6A-785D89A717B7}" type="pres">
+      <dgm:prSet presAssocID="{F8E8819B-B7A0-0244-B320-15D547627544}" presName="parTx" presStyleLbl="alignNode1" presStyleIdx="1" presStyleCnt="3">
+        <dgm:presLayoutVars>
+          <dgm:chMax val="0"/>
+          <dgm:chPref val="0"/>
+          <dgm:bulletEnabled val="1"/>
+        </dgm:presLayoutVars>
+      </dgm:prSet>
+      <dgm:spPr/>
+    </dgm:pt>
+    <dgm:pt modelId="{88BD0DAF-79DF-1846-92C0-6520794FB2E1}" type="pres">
+      <dgm:prSet presAssocID="{F8E8819B-B7A0-0244-B320-15D547627544}" presName="desTx" presStyleLbl="alignAccFollowNode1" presStyleIdx="1" presStyleCnt="3">
+        <dgm:presLayoutVars>
+          <dgm:bulletEnabled val="1"/>
+        </dgm:presLayoutVars>
+      </dgm:prSet>
+      <dgm:spPr/>
+    </dgm:pt>
+    <dgm:pt modelId="{C96F93B4-7977-4A47-9419-A39E0B07C59C}" type="pres">
+      <dgm:prSet presAssocID="{ADDA49F9-A924-6A4B-98F6-9D90CC342360}" presName="space" presStyleCnt="0"/>
+      <dgm:spPr/>
+    </dgm:pt>
+    <dgm:pt modelId="{782B6A52-BC23-324D-9674-EC3F40305C3A}" type="pres">
+      <dgm:prSet presAssocID="{A4A7EC6A-9367-DA4F-9878-0FE98480303E}" presName="composite" presStyleCnt="0"/>
+      <dgm:spPr/>
+    </dgm:pt>
+    <dgm:pt modelId="{57E1324E-8E5F-F340-BE72-439A8D813323}" type="pres">
+      <dgm:prSet presAssocID="{A4A7EC6A-9367-DA4F-9878-0FE98480303E}" presName="parTx" presStyleLbl="alignNode1" presStyleIdx="2" presStyleCnt="3">
+        <dgm:presLayoutVars>
+          <dgm:chMax val="0"/>
+          <dgm:chPref val="0"/>
+          <dgm:bulletEnabled val="1"/>
+        </dgm:presLayoutVars>
+      </dgm:prSet>
+      <dgm:spPr/>
+    </dgm:pt>
+    <dgm:pt modelId="{081493BB-7F0A-9F42-972B-D6E2A0638FAD}" type="pres">
+      <dgm:prSet presAssocID="{A4A7EC6A-9367-DA4F-9878-0FE98480303E}" presName="desTx" presStyleLbl="alignAccFollowNode1" presStyleIdx="2" presStyleCnt="3">
+        <dgm:presLayoutVars>
+          <dgm:bulletEnabled val="1"/>
+        </dgm:presLayoutVars>
+      </dgm:prSet>
+      <dgm:spPr/>
+    </dgm:pt>
+  </dgm:ptLst>
+  <dgm:cxnLst>
+    <dgm:cxn modelId="{34829405-AB34-4E4E-A4C8-A97F21437A33}" type="presOf" srcId="{537D130C-9084-2B42-B44B-D8FBE1F3F689}" destId="{081493BB-7F0A-9F42-972B-D6E2A0638FAD}" srcOrd="0" destOrd="1" presId="urn:microsoft.com/office/officeart/2005/8/layout/hList1"/>
+    <dgm:cxn modelId="{BDBDB714-C879-5A4B-921C-E1B906C783CE}" type="presOf" srcId="{DDDBDBDA-E571-614B-85EA-D77479111032}" destId="{C1217211-5FFF-FA4D-92ED-5E4BB67C5851}" srcOrd="0" destOrd="0" presId="urn:microsoft.com/office/officeart/2005/8/layout/hList1"/>
+    <dgm:cxn modelId="{2D7EBA1D-CFBC-5F4C-97CF-21631A7A698B}" srcId="{DDDBDBDA-E571-614B-85EA-D77479111032}" destId="{A4A7EC6A-9367-DA4F-9878-0FE98480303E}" srcOrd="2" destOrd="0" parTransId="{E89307F3-3032-B849-819A-67E33202CEDC}" sibTransId="{6D9C7951-9196-A348-A4D1-E26773858636}"/>
+    <dgm:cxn modelId="{47A97633-0F52-8047-AA55-B5A474BDAC91}" srcId="{F8E8819B-B7A0-0244-B320-15D547627544}" destId="{9D3714B1-4C1D-3548-A951-A08579D6A9F1}" srcOrd="0" destOrd="0" parTransId="{6EA2897E-C88F-BD42-8877-0E0D35177BE7}" sibTransId="{8E0EF790-0608-4541-83D1-9FD13F6A0E0F}"/>
+    <dgm:cxn modelId="{6C39C14E-53B0-E748-A28D-F190B7DB021A}" srcId="{DDDBDBDA-E571-614B-85EA-D77479111032}" destId="{F8E8819B-B7A0-0244-B320-15D547627544}" srcOrd="1" destOrd="0" parTransId="{DC3602B7-5A41-5D43-AD58-F298576A6266}" sibTransId="{ADDA49F9-A924-6A4B-98F6-9D90CC342360}"/>
+    <dgm:cxn modelId="{92824350-DA10-3C49-BCB2-2791AE4A6606}" srcId="{A4A7EC6A-9367-DA4F-9878-0FE98480303E}" destId="{537D130C-9084-2B42-B44B-D8FBE1F3F689}" srcOrd="1" destOrd="0" parTransId="{F4FF8CA5-4E68-CC43-8CF8-1E0D4BEF36DD}" sibTransId="{BD3D8357-74A6-8F4B-8303-6DB449984183}"/>
+    <dgm:cxn modelId="{3F941D60-FD64-4E4E-8BEA-0443F82CB549}" srcId="{DDDBDBDA-E571-614B-85EA-D77479111032}" destId="{145D0F48-2ADA-0545-B7F6-092709827707}" srcOrd="0" destOrd="0" parTransId="{E460C793-D9DC-364B-B9B2-544B0BDAB160}" sibTransId="{DAAE9DE4-CEC4-9A4B-8E82-2269DD5E0C5F}"/>
+    <dgm:cxn modelId="{A448BA60-659E-2244-9575-1FF1FD89325A}" srcId="{A4A7EC6A-9367-DA4F-9878-0FE98480303E}" destId="{E2668BC3-C748-4F4A-81B2-24373C396AAC}" srcOrd="0" destOrd="0" parTransId="{C08A15E9-F3B0-9345-950F-F0951F00D9FC}" sibTransId="{B630E7A7-9C6B-7245-B16E-F23748ED99FF}"/>
+    <dgm:cxn modelId="{06135D90-A913-5644-9E05-96111CBD645C}" type="presOf" srcId="{145D0F48-2ADA-0545-B7F6-092709827707}" destId="{D28E3696-B0A4-8F4D-8B72-C607AD438EEC}" srcOrd="0" destOrd="0" presId="urn:microsoft.com/office/officeart/2005/8/layout/hList1"/>
+    <dgm:cxn modelId="{C0C4129E-B661-5A42-9A5A-C3F71FB8925D}" type="presOf" srcId="{A4A7EC6A-9367-DA4F-9878-0FE98480303E}" destId="{57E1324E-8E5F-F340-BE72-439A8D813323}" srcOrd="0" destOrd="0" presId="urn:microsoft.com/office/officeart/2005/8/layout/hList1"/>
+    <dgm:cxn modelId="{9ACE63D6-6D98-BD4A-B077-06569419715E}" type="presOf" srcId="{9D3714B1-4C1D-3548-A951-A08579D6A9F1}" destId="{88BD0DAF-79DF-1846-92C0-6520794FB2E1}" srcOrd="0" destOrd="0" presId="urn:microsoft.com/office/officeart/2005/8/layout/hList1"/>
+    <dgm:cxn modelId="{462ECBDF-76AE-0745-8033-7F328EEF3ECE}" type="presOf" srcId="{E2668BC3-C748-4F4A-81B2-24373C396AAC}" destId="{081493BB-7F0A-9F42-972B-D6E2A0638FAD}" srcOrd="0" destOrd="0" presId="urn:microsoft.com/office/officeart/2005/8/layout/hList1"/>
+    <dgm:cxn modelId="{24FAF2F3-8F02-6C41-8D43-63E777F1CE0D}" type="presOf" srcId="{F8E8819B-B7A0-0244-B320-15D547627544}" destId="{61018672-8F3C-F54E-AA6A-785D89A717B7}" srcOrd="0" destOrd="0" presId="urn:microsoft.com/office/officeart/2005/8/layout/hList1"/>
+    <dgm:cxn modelId="{68701CCC-90F3-0946-A681-159A5A7DD195}" type="presParOf" srcId="{C1217211-5FFF-FA4D-92ED-5E4BB67C5851}" destId="{E203C5DE-E552-8E4D-A271-9712CF68AB6A}" srcOrd="0" destOrd="0" presId="urn:microsoft.com/office/officeart/2005/8/layout/hList1"/>
+    <dgm:cxn modelId="{8C3E3E4D-CF95-AD41-8366-E609B66213CA}" type="presParOf" srcId="{E203C5DE-E552-8E4D-A271-9712CF68AB6A}" destId="{D28E3696-B0A4-8F4D-8B72-C607AD438EEC}" srcOrd="0" destOrd="0" presId="urn:microsoft.com/office/officeart/2005/8/layout/hList1"/>
+    <dgm:cxn modelId="{214A5C9C-CF54-1140-8A4B-A867FEFCE0B4}" type="presParOf" srcId="{E203C5DE-E552-8E4D-A271-9712CF68AB6A}" destId="{8FA93CE4-9A94-D84E-ADCD-9489B357C5FB}" srcOrd="1" destOrd="0" presId="urn:microsoft.com/office/officeart/2005/8/layout/hList1"/>
+    <dgm:cxn modelId="{8B2E7636-9AB5-434D-9A7A-34449FEF6836}" type="presParOf" srcId="{C1217211-5FFF-FA4D-92ED-5E4BB67C5851}" destId="{4769BAFD-5818-EB44-9804-359262F91A0F}" srcOrd="1" destOrd="0" presId="urn:microsoft.com/office/officeart/2005/8/layout/hList1"/>
+    <dgm:cxn modelId="{EF3E8708-A75C-214F-8E7B-25DFD1449F38}" type="presParOf" srcId="{C1217211-5FFF-FA4D-92ED-5E4BB67C5851}" destId="{733CE8B3-EE71-394D-9F96-E2D8CF103A99}" srcOrd="2" destOrd="0" presId="urn:microsoft.com/office/officeart/2005/8/layout/hList1"/>
+    <dgm:cxn modelId="{DF475C82-5500-1347-9B50-107CA37330C3}" type="presParOf" srcId="{733CE8B3-EE71-394D-9F96-E2D8CF103A99}" destId="{61018672-8F3C-F54E-AA6A-785D89A717B7}" srcOrd="0" destOrd="0" presId="urn:microsoft.com/office/officeart/2005/8/layout/hList1"/>
+    <dgm:cxn modelId="{D54CEDC7-C75F-2046-A78E-D226421C749D}" type="presParOf" srcId="{733CE8B3-EE71-394D-9F96-E2D8CF103A99}" destId="{88BD0DAF-79DF-1846-92C0-6520794FB2E1}" srcOrd="1" destOrd="0" presId="urn:microsoft.com/office/officeart/2005/8/layout/hList1"/>
+    <dgm:cxn modelId="{ADCE0319-2526-834B-B1F5-A96F56C7A096}" type="presParOf" srcId="{C1217211-5FFF-FA4D-92ED-5E4BB67C5851}" destId="{C96F93B4-7977-4A47-9419-A39E0B07C59C}" srcOrd="3" destOrd="0" presId="urn:microsoft.com/office/officeart/2005/8/layout/hList1"/>
+    <dgm:cxn modelId="{F9B06A5C-39FE-2A48-B6FA-AB0FA2C0DF7B}" type="presParOf" srcId="{C1217211-5FFF-FA4D-92ED-5E4BB67C5851}" destId="{782B6A52-BC23-324D-9674-EC3F40305C3A}" srcOrd="4" destOrd="0" presId="urn:microsoft.com/office/officeart/2005/8/layout/hList1"/>
+    <dgm:cxn modelId="{58C83527-833C-5741-8764-185D605900BA}" type="presParOf" srcId="{782B6A52-BC23-324D-9674-EC3F40305C3A}" destId="{57E1324E-8E5F-F340-BE72-439A8D813323}" srcOrd="0" destOrd="0" presId="urn:microsoft.com/office/officeart/2005/8/layout/hList1"/>
+    <dgm:cxn modelId="{75D639D1-1D43-6144-B788-1674A425D489}" type="presParOf" srcId="{782B6A52-BC23-324D-9674-EC3F40305C3A}" destId="{081493BB-7F0A-9F42-972B-D6E2A0638FAD}" srcOrd="1" destOrd="0" presId="urn:microsoft.com/office/officeart/2005/8/layout/hList1"/>
+  </dgm:cxnLst>
+  <dgm:bg/>
+  <dgm:whole/>
+  <dgm:extLst>
+    <a:ext uri="http://schemas.microsoft.com/office/drawing/2008/diagram">
+      <dsp:dataModelExt xmlns:dsp="http://schemas.microsoft.com/office/drawing/2008/diagram" relId="rId6" minVer="http://schemas.openxmlformats.org/drawingml/2006/diagram"/>
+    </a:ext>
+  </dgm:extLst>
+</dgm:dataModel>
+</file>
+
+<file path=ppt/diagrams/drawing1.xml><?xml version="1.0" encoding="utf-8"?>
+<dsp:drawing xmlns:dgm="http://schemas.openxmlformats.org/drawingml/2006/diagram" xmlns:dsp="http://schemas.microsoft.com/office/drawing/2008/diagram" xmlns:a="http://schemas.openxmlformats.org/drawingml/2006/main">
+  <dsp:spTree>
+    <dsp:nvGrpSpPr>
+      <dsp:cNvPr id="0" name=""/>
+      <dsp:cNvGrpSpPr/>
+    </dsp:nvGrpSpPr>
+    <dsp:grpSpPr/>
+    <dsp:sp modelId="{D28E3696-B0A4-8F4D-8B72-C607AD438EEC}">
+      <dsp:nvSpPr>
+        <dsp:cNvPr id="0" name=""/>
+        <dsp:cNvSpPr/>
+      </dsp:nvSpPr>
+      <dsp:spPr>
+        <a:xfrm>
+          <a:off x="3567" y="658427"/>
+          <a:ext cx="3478225" cy="1228505"/>
+        </a:xfrm>
+        <a:prstGeom prst="rect">
+          <a:avLst/>
+        </a:prstGeom>
+        <a:solidFill>
+          <a:schemeClr val="accent4">
+            <a:hueOff val="0"/>
+            <a:satOff val="0"/>
+            <a:lumOff val="0"/>
+            <a:alphaOff val="0"/>
+          </a:schemeClr>
+        </a:solidFill>
+        <a:ln w="12700" cap="flat" cmpd="sng" algn="ctr">
+          <a:solidFill>
+            <a:schemeClr val="accent4">
+              <a:hueOff val="0"/>
+              <a:satOff val="0"/>
+              <a:lumOff val="0"/>
+              <a:alphaOff val="0"/>
+            </a:schemeClr>
+          </a:solidFill>
+          <a:prstDash val="solid"/>
+          <a:miter lim="800000"/>
+        </a:ln>
+        <a:effectLst/>
+      </dsp:spPr>
+      <dsp:style>
+        <a:lnRef idx="2">
+          <a:scrgbClr r="0" g="0" b="0"/>
+        </a:lnRef>
+        <a:fillRef idx="1">
+          <a:scrgbClr r="0" g="0" b="0"/>
+        </a:fillRef>
+        <a:effectRef idx="0">
+          <a:scrgbClr r="0" g="0" b="0"/>
+        </a:effectRef>
+        <a:fontRef idx="minor">
+          <a:schemeClr val="lt1"/>
+        </a:fontRef>
+      </dsp:style>
+      <dsp:txBody>
+        <a:bodyPr spcFirstLastPara="0" vert="horz" wrap="square" lIns="156464" tIns="89408" rIns="156464" bIns="89408" numCol="1" spcCol="1270" anchor="ctr" anchorCtr="0">
+          <a:noAutofit/>
+        </a:bodyPr>
+        <a:lstStyle/>
+        <a:p>
+          <a:pPr marL="0" lvl="0" indent="0" algn="ctr" defTabSz="977900">
+            <a:lnSpc>
+              <a:spcPct val="90000"/>
+            </a:lnSpc>
+            <a:spcBef>
+              <a:spcPct val="0"/>
+            </a:spcBef>
+            <a:spcAft>
+              <a:spcPct val="35000"/>
+            </a:spcAft>
+            <a:buNone/>
+          </a:pPr>
+          <a:r>
+            <a:rPr lang="fr-FR" sz="2200" kern="1200" dirty="0"/>
+            <a:t>Scénario 1 : </a:t>
+          </a:r>
+        </a:p>
+        <a:p>
+          <a:pPr marL="0" lvl="0" indent="0" algn="ctr" defTabSz="977900">
+            <a:lnSpc>
+              <a:spcPct val="90000"/>
+            </a:lnSpc>
+            <a:spcBef>
+              <a:spcPct val="0"/>
+            </a:spcBef>
+            <a:spcAft>
+              <a:spcPct val="35000"/>
+            </a:spcAft>
+            <a:buNone/>
+          </a:pPr>
+          <a:r>
+            <a:rPr lang="fr-FR" sz="2200" kern="1200" dirty="0"/>
+            <a:t>Optimisation sur les coûts</a:t>
+          </a:r>
+        </a:p>
+      </dsp:txBody>
+      <dsp:txXfrm>
+        <a:off x="3567" y="658427"/>
+        <a:ext cx="3478225" cy="1228505"/>
+      </dsp:txXfrm>
+    </dsp:sp>
+    <dsp:sp modelId="{8FA93CE4-9A94-D84E-ADCD-9489B357C5FB}">
+      <dsp:nvSpPr>
+        <dsp:cNvPr id="0" name=""/>
+        <dsp:cNvSpPr/>
+      </dsp:nvSpPr>
+      <dsp:spPr>
+        <a:xfrm>
+          <a:off x="3567" y="1886933"/>
+          <a:ext cx="3478225" cy="1902285"/>
+        </a:xfrm>
+        <a:prstGeom prst="rect">
+          <a:avLst/>
+        </a:prstGeom>
+        <a:solidFill>
+          <a:schemeClr val="accent4">
+            <a:tint val="40000"/>
+            <a:alpha val="90000"/>
+            <a:hueOff val="0"/>
+            <a:satOff val="0"/>
+            <a:lumOff val="0"/>
+            <a:alphaOff val="0"/>
+          </a:schemeClr>
+        </a:solidFill>
+        <a:ln w="12700" cap="flat" cmpd="sng" algn="ctr">
+          <a:solidFill>
+            <a:schemeClr val="accent4">
+              <a:tint val="40000"/>
+              <a:alpha val="90000"/>
+              <a:hueOff val="0"/>
+              <a:satOff val="0"/>
+              <a:lumOff val="0"/>
+              <a:alphaOff val="0"/>
+            </a:schemeClr>
+          </a:solidFill>
+          <a:prstDash val="solid"/>
+          <a:miter lim="800000"/>
+        </a:ln>
+        <a:effectLst/>
+      </dsp:spPr>
+      <dsp:style>
+        <a:lnRef idx="2">
+          <a:scrgbClr r="0" g="0" b="0"/>
+        </a:lnRef>
+        <a:fillRef idx="1">
+          <a:scrgbClr r="0" g="0" b="0"/>
+        </a:fillRef>
+        <a:effectRef idx="0">
+          <a:scrgbClr r="0" g="0" b="0"/>
+        </a:effectRef>
+        <a:fontRef idx="minor"/>
+      </dsp:style>
+    </dsp:sp>
+    <dsp:sp modelId="{61018672-8F3C-F54E-AA6A-785D89A717B7}">
+      <dsp:nvSpPr>
+        <dsp:cNvPr id="0" name=""/>
+        <dsp:cNvSpPr/>
+      </dsp:nvSpPr>
+      <dsp:spPr>
+        <a:xfrm>
+          <a:off x="3968743" y="658427"/>
+          <a:ext cx="3478225" cy="1228505"/>
+        </a:xfrm>
+        <a:prstGeom prst="rect">
+          <a:avLst/>
+        </a:prstGeom>
+        <a:solidFill>
+          <a:schemeClr val="accent4">
+            <a:hueOff val="4900445"/>
+            <a:satOff val="-20388"/>
+            <a:lumOff val="4804"/>
+            <a:alphaOff val="0"/>
+          </a:schemeClr>
+        </a:solidFill>
+        <a:ln w="12700" cap="flat" cmpd="sng" algn="ctr">
+          <a:solidFill>
+            <a:schemeClr val="accent4">
+              <a:hueOff val="4900445"/>
+              <a:satOff val="-20388"/>
+              <a:lumOff val="4804"/>
+              <a:alphaOff val="0"/>
+            </a:schemeClr>
+          </a:solidFill>
+          <a:prstDash val="solid"/>
+          <a:miter lim="800000"/>
+        </a:ln>
+        <a:effectLst/>
+      </dsp:spPr>
+      <dsp:style>
+        <a:lnRef idx="2">
+          <a:scrgbClr r="0" g="0" b="0"/>
+        </a:lnRef>
+        <a:fillRef idx="1">
+          <a:scrgbClr r="0" g="0" b="0"/>
+        </a:fillRef>
+        <a:effectRef idx="0">
+          <a:scrgbClr r="0" g="0" b="0"/>
+        </a:effectRef>
+        <a:fontRef idx="minor">
+          <a:schemeClr val="lt1"/>
+        </a:fontRef>
+      </dsp:style>
+      <dsp:txBody>
+        <a:bodyPr spcFirstLastPara="0" vert="horz" wrap="square" lIns="156464" tIns="89408" rIns="156464" bIns="89408" numCol="1" spcCol="1270" anchor="ctr" anchorCtr="0">
+          <a:noAutofit/>
+        </a:bodyPr>
+        <a:lstStyle/>
+        <a:p>
+          <a:pPr marL="0" lvl="0" indent="0" algn="ctr" defTabSz="977900">
+            <a:lnSpc>
+              <a:spcPct val="90000"/>
+            </a:lnSpc>
+            <a:spcBef>
+              <a:spcPct val="0"/>
+            </a:spcBef>
+            <a:spcAft>
+              <a:spcPct val="35000"/>
+            </a:spcAft>
+            <a:buNone/>
+          </a:pPr>
+          <a:r>
+            <a:rPr lang="fr-FR" sz="2200" kern="1200" dirty="0"/>
+            <a:t>Scénario 2 : </a:t>
+          </a:r>
+        </a:p>
+        <a:p>
+          <a:pPr marL="0" lvl="0" indent="0" algn="ctr" defTabSz="977900">
+            <a:lnSpc>
+              <a:spcPct val="90000"/>
+            </a:lnSpc>
+            <a:spcBef>
+              <a:spcPct val="0"/>
+            </a:spcBef>
+            <a:spcAft>
+              <a:spcPct val="35000"/>
+            </a:spcAft>
+            <a:buNone/>
+          </a:pPr>
+          <a:r>
+            <a:rPr lang="fr-FR" sz="2200" kern="1200" dirty="0"/>
+            <a:t>Optimisation sur la pollution</a:t>
+          </a:r>
+        </a:p>
+      </dsp:txBody>
+      <dsp:txXfrm>
+        <a:off x="3968743" y="658427"/>
+        <a:ext cx="3478225" cy="1228505"/>
+      </dsp:txXfrm>
+    </dsp:sp>
+    <dsp:sp modelId="{88BD0DAF-79DF-1846-92C0-6520794FB2E1}">
+      <dsp:nvSpPr>
+        <dsp:cNvPr id="0" name=""/>
+        <dsp:cNvSpPr/>
+      </dsp:nvSpPr>
+      <dsp:spPr>
+        <a:xfrm>
+          <a:off x="3968743" y="1886933"/>
+          <a:ext cx="3478225" cy="1902285"/>
+        </a:xfrm>
+        <a:prstGeom prst="rect">
+          <a:avLst/>
+        </a:prstGeom>
+        <a:solidFill>
+          <a:schemeClr val="accent4">
+            <a:tint val="40000"/>
+            <a:alpha val="90000"/>
+            <a:hueOff val="5430963"/>
+            <a:satOff val="-25622"/>
+            <a:lumOff val="-925"/>
+            <a:alphaOff val="0"/>
+          </a:schemeClr>
+        </a:solidFill>
+        <a:ln w="12700" cap="flat" cmpd="sng" algn="ctr">
+          <a:solidFill>
+            <a:schemeClr val="accent4">
+              <a:tint val="40000"/>
+              <a:alpha val="90000"/>
+              <a:hueOff val="5430963"/>
+              <a:satOff val="-25622"/>
+              <a:lumOff val="-925"/>
+              <a:alphaOff val="0"/>
+            </a:schemeClr>
+          </a:solidFill>
+          <a:prstDash val="solid"/>
+          <a:miter lim="800000"/>
+        </a:ln>
+        <a:effectLst/>
+      </dsp:spPr>
+      <dsp:style>
+        <a:lnRef idx="2">
+          <a:scrgbClr r="0" g="0" b="0"/>
+        </a:lnRef>
+        <a:fillRef idx="1">
+          <a:scrgbClr r="0" g="0" b="0"/>
+        </a:fillRef>
+        <a:effectRef idx="0">
+          <a:scrgbClr r="0" g="0" b="0"/>
+        </a:effectRef>
+        <a:fontRef idx="minor"/>
+      </dsp:style>
+      <dsp:txBody>
+        <a:bodyPr spcFirstLastPara="0" vert="horz" wrap="square" lIns="117348" tIns="117348" rIns="156464" bIns="176022" numCol="1" spcCol="1270" anchor="t" anchorCtr="0">
+          <a:noAutofit/>
+        </a:bodyPr>
+        <a:lstStyle/>
+        <a:p>
+          <a:pPr marL="228600" lvl="1" indent="-228600" algn="l" defTabSz="977900">
+            <a:lnSpc>
+              <a:spcPct val="90000"/>
+            </a:lnSpc>
+            <a:spcBef>
+              <a:spcPct val="0"/>
+            </a:spcBef>
+            <a:spcAft>
+              <a:spcPct val="15000"/>
+            </a:spcAft>
+            <a:buChar char="•"/>
+          </a:pPr>
+          <a:r>
+            <a:rPr lang="fr-FR" sz="2200" kern="1200" dirty="0"/>
+            <a:t>Augmentation du prix de la tonne de CO2</a:t>
+          </a:r>
+        </a:p>
+      </dsp:txBody>
+      <dsp:txXfrm>
+        <a:off x="3968743" y="1886933"/>
+        <a:ext cx="3478225" cy="1902285"/>
+      </dsp:txXfrm>
+    </dsp:sp>
+    <dsp:sp modelId="{57E1324E-8E5F-F340-BE72-439A8D813323}">
+      <dsp:nvSpPr>
+        <dsp:cNvPr id="0" name=""/>
+        <dsp:cNvSpPr/>
+      </dsp:nvSpPr>
+      <dsp:spPr>
+        <a:xfrm>
+          <a:off x="7933920" y="658427"/>
+          <a:ext cx="3478225" cy="1228505"/>
+        </a:xfrm>
+        <a:prstGeom prst="rect">
+          <a:avLst/>
+        </a:prstGeom>
+        <a:solidFill>
+          <a:schemeClr val="accent4">
+            <a:hueOff val="9800891"/>
+            <a:satOff val="-40777"/>
+            <a:lumOff val="9608"/>
+            <a:alphaOff val="0"/>
+          </a:schemeClr>
+        </a:solidFill>
+        <a:ln w="12700" cap="flat" cmpd="sng" algn="ctr">
+          <a:solidFill>
+            <a:schemeClr val="accent4">
+              <a:hueOff val="9800891"/>
+              <a:satOff val="-40777"/>
+              <a:lumOff val="9608"/>
+              <a:alphaOff val="0"/>
+            </a:schemeClr>
+          </a:solidFill>
+          <a:prstDash val="solid"/>
+          <a:miter lim="800000"/>
+        </a:ln>
+        <a:effectLst/>
+      </dsp:spPr>
+      <dsp:style>
+        <a:lnRef idx="2">
+          <a:scrgbClr r="0" g="0" b="0"/>
+        </a:lnRef>
+        <a:fillRef idx="1">
+          <a:scrgbClr r="0" g="0" b="0"/>
+        </a:fillRef>
+        <a:effectRef idx="0">
+          <a:scrgbClr r="0" g="0" b="0"/>
+        </a:effectRef>
+        <a:fontRef idx="minor">
+          <a:schemeClr val="lt1"/>
+        </a:fontRef>
+      </dsp:style>
+      <dsp:txBody>
+        <a:bodyPr spcFirstLastPara="0" vert="horz" wrap="square" lIns="156464" tIns="89408" rIns="156464" bIns="89408" numCol="1" spcCol="1270" anchor="ctr" anchorCtr="0">
+          <a:noAutofit/>
+        </a:bodyPr>
+        <a:lstStyle/>
+        <a:p>
+          <a:pPr marL="0" lvl="0" indent="0" algn="ctr" defTabSz="977900">
+            <a:lnSpc>
+              <a:spcPct val="90000"/>
+            </a:lnSpc>
+            <a:spcBef>
+              <a:spcPct val="0"/>
+            </a:spcBef>
+            <a:spcAft>
+              <a:spcPct val="35000"/>
+            </a:spcAft>
+            <a:buNone/>
+          </a:pPr>
+          <a:r>
+            <a:rPr lang="fr-FR" sz="2200" kern="1200" dirty="0"/>
+            <a:t>Scénario 3 :</a:t>
+          </a:r>
+        </a:p>
+        <a:p>
+          <a:pPr marL="0" lvl="0" indent="0" algn="ctr" defTabSz="977900">
+            <a:lnSpc>
+              <a:spcPct val="90000"/>
+            </a:lnSpc>
+            <a:spcBef>
+              <a:spcPct val="0"/>
+            </a:spcBef>
+            <a:spcAft>
+              <a:spcPct val="35000"/>
+            </a:spcAft>
+            <a:buNone/>
+          </a:pPr>
+          <a:r>
+            <a:rPr lang="fr-FR" sz="2200" kern="1200" dirty="0"/>
+            <a:t>Optimisation en prenant en compte le foisonnement</a:t>
+          </a:r>
+        </a:p>
+      </dsp:txBody>
+      <dsp:txXfrm>
+        <a:off x="7933920" y="658427"/>
+        <a:ext cx="3478225" cy="1228505"/>
+      </dsp:txXfrm>
+    </dsp:sp>
+    <dsp:sp modelId="{081493BB-7F0A-9F42-972B-D6E2A0638FAD}">
+      <dsp:nvSpPr>
+        <dsp:cNvPr id="0" name=""/>
+        <dsp:cNvSpPr/>
+      </dsp:nvSpPr>
+      <dsp:spPr>
+        <a:xfrm>
+          <a:off x="7933920" y="1886933"/>
+          <a:ext cx="3478225" cy="1902285"/>
+        </a:xfrm>
+        <a:prstGeom prst="rect">
+          <a:avLst/>
+        </a:prstGeom>
+        <a:solidFill>
+          <a:schemeClr val="accent4">
+            <a:tint val="40000"/>
+            <a:alpha val="90000"/>
+            <a:hueOff val="10861925"/>
+            <a:satOff val="-51245"/>
+            <a:lumOff val="-1851"/>
+            <a:alphaOff val="0"/>
+          </a:schemeClr>
+        </a:solidFill>
+        <a:ln w="12700" cap="flat" cmpd="sng" algn="ctr">
+          <a:solidFill>
+            <a:schemeClr val="accent4">
+              <a:tint val="40000"/>
+              <a:alpha val="90000"/>
+              <a:hueOff val="10861925"/>
+              <a:satOff val="-51245"/>
+              <a:lumOff val="-1851"/>
+              <a:alphaOff val="0"/>
+            </a:schemeClr>
+          </a:solidFill>
+          <a:prstDash val="solid"/>
+          <a:miter lim="800000"/>
+        </a:ln>
+        <a:effectLst/>
+      </dsp:spPr>
+      <dsp:style>
+        <a:lnRef idx="2">
+          <a:scrgbClr r="0" g="0" b="0"/>
+        </a:lnRef>
+        <a:fillRef idx="1">
+          <a:scrgbClr r="0" g="0" b="0"/>
+        </a:fillRef>
+        <a:effectRef idx="0">
+          <a:scrgbClr r="0" g="0" b="0"/>
+        </a:effectRef>
+        <a:fontRef idx="minor"/>
+      </dsp:style>
+      <dsp:txBody>
+        <a:bodyPr spcFirstLastPara="0" vert="horz" wrap="square" lIns="117348" tIns="117348" rIns="156464" bIns="176022" numCol="1" spcCol="1270" anchor="t" anchorCtr="0">
+          <a:noAutofit/>
+        </a:bodyPr>
+        <a:lstStyle/>
+        <a:p>
+          <a:pPr marL="228600" lvl="1" indent="-228600" algn="l" defTabSz="977900">
+            <a:lnSpc>
+              <a:spcPct val="90000"/>
+            </a:lnSpc>
+            <a:spcBef>
+              <a:spcPct val="0"/>
+            </a:spcBef>
+            <a:spcAft>
+              <a:spcPct val="15000"/>
+            </a:spcAft>
+            <a:buChar char="•"/>
+          </a:pPr>
+          <a:r>
+            <a:rPr lang="fr-FR" sz="2200" kern="1200" dirty="0"/>
+            <a:t>Distinction de différents moyens de production solaire-éolien</a:t>
+          </a:r>
+        </a:p>
+        <a:p>
+          <a:pPr marL="228600" lvl="1" indent="-228600" algn="l" defTabSz="977900">
+            <a:lnSpc>
+              <a:spcPct val="90000"/>
+            </a:lnSpc>
+            <a:spcBef>
+              <a:spcPct val="0"/>
+            </a:spcBef>
+            <a:spcAft>
+              <a:spcPct val="15000"/>
+            </a:spcAft>
+            <a:buChar char="•"/>
+          </a:pPr>
+          <a:r>
+            <a:rPr lang="fr-FR" sz="2200" kern="1200" dirty="0"/>
+            <a:t>Prise en compte du prix au m</a:t>
+          </a:r>
+          <a:r>
+            <a:rPr lang="fr-FR" sz="2200" kern="1200" baseline="30000" dirty="0"/>
+            <a:t>2</a:t>
+          </a:r>
+          <a:r>
+            <a:rPr lang="fr-FR" sz="2200" kern="1200" dirty="0"/>
+            <a:t> dans l’optimisation</a:t>
+          </a:r>
+        </a:p>
+      </dsp:txBody>
+      <dsp:txXfrm>
+        <a:off x="7933920" y="1886933"/>
+        <a:ext cx="3478225" cy="1902285"/>
+      </dsp:txXfrm>
+    </dsp:sp>
+  </dsp:spTree>
+</dsp:drawing>
+</file>
+
+<file path=ppt/diagrams/layout1.xml><?xml version="1.0" encoding="utf-8"?>
+<dgm:layoutDef xmlns:dgm="http://schemas.openxmlformats.org/drawingml/2006/diagram" xmlns:a="http://schemas.openxmlformats.org/drawingml/2006/main" uniqueId="urn:microsoft.com/office/officeart/2005/8/layout/hList1">
+  <dgm:title val=""/>
+  <dgm:desc val=""/>
+  <dgm:catLst>
+    <dgm:cat type="list" pri="5000"/>
+    <dgm:cat type="convert" pri="5000"/>
+  </dgm:catLst>
+  <dgm:sampData>
+    <dgm:dataModel>
+      <dgm:ptLst>
+        <dgm:pt modelId="0" type="doc"/>
+        <dgm:pt modelId="1">
+          <dgm:prSet phldr="1"/>
+        </dgm:pt>
+        <dgm:pt modelId="11">
+          <dgm:prSet phldr="1"/>
+        </dgm:pt>
+        <dgm:pt modelId="12">
+          <dgm:prSet phldr="1"/>
+        </dgm:pt>
+        <dgm:pt modelId="2">
+          <dgm:prSet phldr="1"/>
+        </dgm:pt>
+        <dgm:pt modelId="21">
+          <dgm:prSet phldr="1"/>
+        </dgm:pt>
+        <dgm:pt modelId="22">
+          <dgm:prSet phldr="1"/>
+        </dgm:pt>
+        <dgm:pt modelId="3">
+          <dgm:prSet phldr="1"/>
+        </dgm:pt>
+        <dgm:pt modelId="31">
+          <dgm:prSet phldr="1"/>
+        </dgm:pt>
+        <dgm:pt modelId="32">
+          <dgm:prSet phldr="1"/>
+        </dgm:pt>
+      </dgm:ptLst>
+      <dgm:cxnLst>
+        <dgm:cxn modelId="4" srcId="0" destId="1" srcOrd="0" destOrd="0"/>
+        <dgm:cxn modelId="5" srcId="0" destId="2" srcOrd="1" destOrd="0"/>
+        <dgm:cxn modelId="6" srcId="0" destId="3" srcOrd="2" destOrd="0"/>
+        <dgm:cxn modelId="13" srcId="1" destId="11" srcOrd="0" destOrd="0"/>
+        <dgm:cxn modelId="14" srcId="1" destId="12" srcOrd="1" destOrd="0"/>
+        <dgm:cxn modelId="23" srcId="2" destId="21" srcOrd="0" destOrd="0"/>
+        <dgm:cxn modelId="24" srcId="2" destId="22" srcOrd="1" destOrd="0"/>
+        <dgm:cxn modelId="33" srcId="3" destId="31" srcOrd="0" destOrd="0"/>
+        <dgm:cxn modelId="34" srcId="3" destId="32" srcOrd="1" destOrd="0"/>
+      </dgm:cxnLst>
+      <dgm:bg/>
+      <dgm:whole/>
+    </dgm:dataModel>
+  </dgm:sampData>
+  <dgm:styleData>
+    <dgm:dataModel>
+      <dgm:ptLst>
+        <dgm:pt modelId="0" type="doc"/>
+        <dgm:pt modelId="1">
+          <dgm:prSet phldr="1"/>
+        </dgm:pt>
+        <dgm:pt modelId="2">
+          <dgm:prSet phldr="1"/>
+        </dgm:pt>
+      </dgm:ptLst>
+      <dgm:cxnLst>
+        <dgm:cxn modelId="3" srcId="0" destId="1" srcOrd="0" destOrd="0"/>
+        <dgm:cxn modelId="4" srcId="0" destId="2" srcOrd="1" destOrd="0"/>
+      </dgm:cxnLst>
+      <dgm:bg/>
+      <dgm:whole/>
+    </dgm:dataModel>
+  </dgm:styleData>
+  <dgm:clrData>
+    <dgm:dataModel>
+      <dgm:ptLst>
+        <dgm:pt modelId="0" type="doc"/>
+        <dgm:pt modelId="1">
+          <dgm:prSet phldr="1"/>
+        </dgm:pt>
+        <dgm:pt modelId="2">
+          <dgm:prSet phldr="1"/>
+        </dgm:pt>
+        <dgm:pt modelId="3">
+          <dgm:prSet phldr="1"/>
+        </dgm:pt>
+        <dgm:pt modelId="4">
+          <dgm:prSet phldr="1"/>
+        </dgm:pt>
+      </dgm:ptLst>
+      <dgm:cxnLst>
+        <dgm:cxn modelId="5" srcId="0" destId="1" srcOrd="0" destOrd="0"/>
+        <dgm:cxn modelId="6" srcId="0" destId="2" srcOrd="1" destOrd="0"/>
+        <dgm:cxn modelId="7" srcId="0" destId="3" srcOrd="2" destOrd="0"/>
+        <dgm:cxn modelId="8" srcId="0" destId="4" srcOrd="3" destOrd="0"/>
+      </dgm:cxnLst>
+      <dgm:bg/>
+      <dgm:whole/>
+    </dgm:dataModel>
+  </dgm:clrData>
+  <dgm:layoutNode name="Name0">
+    <dgm:varLst>
+      <dgm:dir/>
+      <dgm:animLvl val="lvl"/>
+      <dgm:resizeHandles val="exact"/>
+    </dgm:varLst>
+    <dgm:choose name="Name1">
+      <dgm:if name="Name2" func="var" arg="dir" op="equ" val="norm">
+        <dgm:alg type="lin"/>
+      </dgm:if>
+      <dgm:else name="Name3">
+        <dgm:alg type="lin">
+          <dgm:param type="linDir" val="fromR"/>
+        </dgm:alg>
+      </dgm:else>
+    </dgm:choose>
+    <dgm:shape xmlns:r="http://schemas.openxmlformats.org/officeDocument/2006/relationships" r:blip="">
+      <dgm:adjLst/>
+    </dgm:shape>
+    <dgm:presOf/>
+    <dgm:constrLst>
+      <dgm:constr type="h" for="ch" forName="composite" refType="h"/>
+      <dgm:constr type="w" for="ch" forName="composite" refType="w"/>
+      <dgm:constr type="w" for="des" forName="parTx"/>
+      <dgm:constr type="h" for="des" forName="parTx" op="equ"/>
+      <dgm:constr type="w" for="des" forName="desTx"/>
+      <dgm:constr type="h" for="des" forName="desTx" op="equ"/>
+      <dgm:constr type="primFontSz" for="des" forName="parTx" val="65"/>
+      <dgm:constr type="secFontSz" for="des" forName="desTx" refType="primFontSz" refFor="des" refForName="parTx" op="equ"/>
+      <dgm:constr type="h" for="des" forName="parTx" refType="primFontSz" refFor="des" refForName="parTx" fact="0.8"/>
+      <dgm:constr type="h" for="des" forName="desTx" refType="primFontSz" refFor="des" refForName="parTx" fact="1.22"/>
+      <dgm:constr type="w" for="ch" forName="space" refType="w" refFor="ch" refForName="composite" op="equ" fact="0.14"/>
+    </dgm:constrLst>
+    <dgm:ruleLst>
+      <dgm:rule type="w" for="ch" forName="composite" val="0" fact="NaN" max="NaN"/>
+      <dgm:rule type="primFontSz" for="des" forName="parTx" val="5" fact="NaN" max="NaN"/>
+    </dgm:ruleLst>
+    <dgm:forEach name="Name4" axis="ch" ptType="node">
+      <dgm:layoutNode name="composite">
+        <dgm:alg type="composite"/>
+        <dgm:shape xmlns:r="http://schemas.openxmlformats.org/officeDocument/2006/relationships" r:blip="">
+          <dgm:adjLst/>
+        </dgm:shape>
+        <dgm:presOf/>
+        <dgm:constrLst>
+          <dgm:constr type="l" for="ch" forName="parTx"/>
+          <dgm:constr type="w" for="ch" forName="parTx" refType="w"/>
+          <dgm:constr type="t" for="ch" forName="parTx"/>
+          <dgm:constr type="l" for="ch" forName="desTx"/>
+          <dgm:constr type="w" for="ch" forName="desTx" refType="w" refFor="ch" refForName="parTx"/>
+          <dgm:constr type="t" for="ch" forName="desTx" refType="h" refFor="ch" refForName="parTx"/>
+        </dgm:constrLst>
+        <dgm:ruleLst>
+          <dgm:rule type="h" val="INF" fact="NaN" max="NaN"/>
+        </dgm:ruleLst>
+        <dgm:layoutNode name="parTx" styleLbl="alignNode1">
+          <dgm:varLst>
+            <dgm:chMax val="0"/>
+            <dgm:chPref val="0"/>
+            <dgm:bulletEnabled val="1"/>
+          </dgm:varLst>
+          <dgm:alg type="tx"/>
+          <dgm:shape xmlns:r="http://schemas.openxmlformats.org/officeDocument/2006/relationships" type="rect" r:blip="">
+            <dgm:adjLst/>
+          </dgm:shape>
+          <dgm:presOf axis="self" ptType="node"/>
+          <dgm:constrLst>
+            <dgm:constr type="h" refType="w" op="lte" fact="0.4"/>
+            <dgm:constr type="h"/>
+            <dgm:constr type="tMarg" refType="primFontSz" fact="0.32"/>
+            <dgm:constr type="bMarg" refType="primFontSz" fact="0.32"/>
+          </dgm:constrLst>
+          <dgm:ruleLst>
+            <dgm:rule type="h" val="INF" fact="NaN" max="NaN"/>
+          </dgm:ruleLst>
+        </dgm:layoutNode>
+        <dgm:layoutNode name="desTx" styleLbl="alignAccFollowNode1">
+          <dgm:varLst>
+            <dgm:bulletEnabled val="1"/>
+          </dgm:varLst>
+          <dgm:alg type="tx">
+            <dgm:param type="stBulletLvl" val="1"/>
+          </dgm:alg>
+          <dgm:shape xmlns:r="http://schemas.openxmlformats.org/officeDocument/2006/relationships" type="rect" r:blip="">
+            <dgm:adjLst/>
+          </dgm:shape>
+          <dgm:presOf axis="des" ptType="node"/>
+          <dgm:constrLst>
+            <dgm:constr type="secFontSz" val="65"/>
+            <dgm:constr type="primFontSz" refType="secFontSz"/>
+            <dgm:constr type="h"/>
+            <dgm:constr type="lMarg" refType="primFontSz" fact="0.42"/>
+            <dgm:constr type="tMarg" refType="primFontSz" fact="0.42"/>
+            <dgm:constr type="bMarg" refType="primFontSz" fact="0.63"/>
+          </dgm:constrLst>
+          <dgm:ruleLst>
+            <dgm:rule type="h" val="INF" fact="NaN" max="NaN"/>
+          </dgm:ruleLst>
+        </dgm:layoutNode>
+      </dgm:layoutNode>
+      <dgm:forEach name="Name5" axis="followSib" ptType="sibTrans" cnt="1">
+        <dgm:layoutNode name="space">
+          <dgm:alg type="sp"/>
+          <dgm:shape xmlns:r="http://schemas.openxmlformats.org/officeDocument/2006/relationships" r:blip="">
+            <dgm:adjLst/>
+          </dgm:shape>
+          <dgm:presOf/>
+          <dgm:constrLst/>
+          <dgm:ruleLst/>
+        </dgm:layoutNode>
+      </dgm:forEach>
+    </dgm:forEach>
+  </dgm:layoutNode>
+</dgm:layoutDef>
+</file>
+
+<file path=ppt/diagrams/quickStyle1.xml><?xml version="1.0" encoding="utf-8"?>
+<dgm:styleDef xmlns:dgm="http://schemas.openxmlformats.org/drawingml/2006/diagram" xmlns:a="http://schemas.openxmlformats.org/drawingml/2006/main" uniqueId="urn:microsoft.com/office/officeart/2005/8/quickstyle/simple1">
+  <dgm:title val=""/>
+  <dgm:desc val=""/>
+  <dgm:catLst>
+    <dgm:cat type="simple" pri="10100"/>
+  </dgm:catLst>
+  <dgm:scene3d>
+    <a:camera prst="orthographicFront"/>
+    <a:lightRig rig="threePt" dir="t"/>
+  </dgm:scene3d>
+  <dgm:styleLbl name="node0">
+    <dgm:scene3d>
+      <a:camera prst="orthographicFront"/>
+      <a:lightRig rig="threePt" dir="t"/>
+    </dgm:scene3d>
+    <dgm:sp3d/>
+    <dgm:txPr/>
+    <dgm:style>
+      <a:lnRef idx="2">
+        <a:scrgbClr r="0" g="0" b="0"/>
+      </a:lnRef>
+      <a:fillRef idx="1">
+        <a:scrgbClr r="0" g="0" b="0"/>
+      </a:fillRef>
+      <a:effectRef idx="0">
+        <a:scrgbClr r="0" g="0" b="0"/>
+      </a:effectRef>
+      <a:fontRef idx="minor">
+        <a:schemeClr val="lt1"/>
+      </a:fontRef>
+    </dgm:style>
+  </dgm:styleLbl>
+  <dgm:styleLbl name="lnNode1">
+    <dgm:scene3d>
+      <a:camera prst="orthographicFront"/>
+      <a:lightRig rig="threePt" dir="t"/>
+    </dgm:scene3d>
+    <dgm:sp3d/>
+    <dgm:txPr/>
+    <dgm:style>
+      <a:lnRef idx="2">
+        <a:scrgbClr r="0" g="0" b="0"/>
+      </a:lnRef>
+      <a:fillRef idx="1">
+        <a:scrgbClr r="0" g="0" b="0"/>
+      </a:fillRef>
+      <a:effectRef idx="0">
+        <a:scrgbClr r="0" g="0" b="0"/>
+      </a:effectRef>
+      <a:fontRef idx="minor">
+        <a:schemeClr val="lt1"/>
+      </a:fontRef>
+    </dgm:style>
+  </dgm:styleLbl>
+  <dgm:styleLbl name="vennNode1">
+    <dgm:scene3d>
+      <a:camera prst="orthographicFront"/>
+      <a:lightRig rig="threePt" dir="t"/>
+    </dgm:scene3d>
+    <dgm:sp3d/>
+    <dgm:txPr/>
+    <dgm:style>
+      <a:lnRef idx="2">
+        <a:scrgbClr r="0" g="0" b="0"/>
+      </a:lnRef>
+      <a:fillRef idx="1">
+        <a:scrgbClr r="0" g="0" b="0"/>
+      </a:fillRef>
+      <a:effectRef idx="0">
+        <a:scrgbClr r="0" g="0" b="0"/>
+      </a:effectRef>
+      <a:fontRef idx="minor">
+        <a:schemeClr val="tx1"/>
+      </a:fontRef>
+    </dgm:style>
+  </dgm:styleLbl>
+  <dgm:styleLbl name="alignNode1">
+    <dgm:scene3d>
+      <a:camera prst="orthographicFront"/>
+      <a:lightRig rig="threePt" dir="t"/>
+    </dgm:scene3d>
+    <dgm:sp3d/>
+    <dgm:txPr/>
+    <dgm:style>
+      <a:lnRef idx="2">
+        <a:scrgbClr r="0" g="0" b="0"/>
+      </a:lnRef>
+      <a:fillRef idx="1">
+        <a:scrgbClr r="0" g="0" b="0"/>
+      </a:fillRef>
+      <a:effectRef idx="0">
+        <a:scrgbClr r="0" g="0" b="0"/>
+      </a:effectRef>
+      <a:fontRef idx="minor">
+        <a:schemeClr val="lt1"/>
+      </a:fontRef>
+    </dgm:style>
+  </dgm:styleLbl>
+  <dgm:styleLbl name="node1">
+    <dgm:scene3d>
+      <a:camera prst="orthographicFront"/>
+      <a:lightRig rig="threePt" dir="t"/>
+    </dgm:scene3d>
+    <dgm:sp3d/>
+    <dgm:txPr/>
+    <dgm:style>
+      <a:lnRef idx="2">
+        <a:scrgbClr r="0" g="0" b="0"/>
+      </a:lnRef>
+      <a:fillRef idx="1">
+        <a:scrgbClr r="0" g="0" b="0"/>
+      </a:fillRef>
+      <a:effectRef idx="0">
+        <a:scrgbClr r="0" g="0" b="0"/>
+      </a:effectRef>
+      <a:fontRef idx="minor">
+        <a:schemeClr val="lt1"/>
+      </a:fontRef>
+    </dgm:style>
+  </dgm:styleLbl>
+  <dgm:styleLbl name="node2">
+    <dgm:scene3d>
+      <a:camera prst="orthographicFront"/>
+      <a:lightRig rig="threePt" dir="t"/>
+    </dgm:scene3d>
+    <dgm:sp3d/>
+    <dgm:txPr/>
+    <dgm:style>
+      <a:lnRef idx="2">
+        <a:scrgbClr r="0" g="0" b="0"/>
+      </a:lnRef>
+      <a:fillRef idx="1">
+        <a:scrgbClr r="0" g="0" b="0"/>
+      </a:fillRef>
+      <a:effectRef idx="0">
+        <a:scrgbClr r="0" g="0" b="0"/>
+      </a:effectRef>
+      <a:fontRef idx="minor">
+        <a:schemeClr val="lt1"/>
+      </a:fontRef>
+    </dgm:style>
+  </dgm:styleLbl>
+  <dgm:styleLbl name="node3">
+    <dgm:scene3d>
+      <a:camera prst="orthographicFront"/>
+      <a:lightRig rig="threePt" dir="t"/>
+    </dgm:scene3d>
+    <dgm:sp3d/>
+    <dgm:txPr/>
+    <dgm:style>
+      <a:lnRef idx="2">
+        <a:scrgbClr r="0" g="0" b="0"/>
+      </a:lnRef>
+      <a:fillRef idx="1">
+        <a:scrgbClr r="0" g="0" b="0"/>
+      </a:fillRef>
+      <a:effectRef idx="0">
+        <a:scrgbClr r="0" g="0" b="0"/>
+      </a:effectRef>
+      <a:fontRef idx="minor">
+        <a:schemeClr val="lt1"/>
+      </a:fontRef>
+    </dgm:style>
+  </dgm:styleLbl>
+  <dgm:styleLbl name="node4">
+    <dgm:scene3d>
+      <a:camera prst="orthographicFront"/>
+      <a:lightRig rig="threePt" dir="t"/>
+    </dgm:scene3d>
+    <dgm:sp3d/>
+    <dgm:txPr/>
+    <dgm:style>
+      <a:lnRef idx="2">
+        <a:scrgbClr r="0" g="0" b="0"/>
+      </a:lnRef>
+      <a:fillRef idx="1">
+        <a:scrgbClr r="0" g="0" b="0"/>
+      </a:fillRef>
+      <a:effectRef idx="0">
+        <a:scrgbClr r="0" g="0" b="0"/>
+      </a:effectRef>
+      <a:fontRef idx="minor">
+        <a:schemeClr val="lt1"/>
+      </a:fontRef>
+    </dgm:style>
+  </dgm:styleLbl>
+  <dgm:styleLbl name="fgImgPlace1">
+    <dgm:scene3d>
+      <a:camera prst="orthographicFront"/>
+      <a:lightRig rig="threePt" dir="t"/>
+    </dgm:scene3d>
+    <dgm:sp3d/>
+    <dgm:txPr/>
+    <dgm:style>
+      <a:lnRef idx="2">
+        <a:scrgbClr r="0" g="0" b="0"/>
+      </a:lnRef>
+      <a:fillRef idx="1">
+        <a:scrgbClr r="0" g="0" b="0"/>
+      </a:fillRef>
+      <a:effectRef idx="0">
+        <a:scrgbClr r="0" g="0" b="0"/>
+      </a:effectRef>
+      <a:fontRef idx="minor"/>
+    </dgm:style>
+  </dgm:styleLbl>
+  <dgm:styleLbl name="alignImgPlace1">
+    <dgm:scene3d>
+      <a:camera prst="orthographicFront"/>
+      <a:lightRig rig="threePt" dir="t"/>
+    </dgm:scene3d>
+    <dgm:sp3d/>
+    <dgm:txPr/>
+    <dgm:style>
+      <a:lnRef idx="2">
+        <a:scrgbClr r="0" g="0" b="0"/>
+      </a:lnRef>
+      <a:fillRef idx="1">
+        <a:scrgbClr r="0" g="0" b="0"/>
+      </a:fillRef>
+      <a:effectRef idx="0">
+        <a:scrgbClr r="0" g="0" b="0"/>
+      </a:effectRef>
+      <a:fontRef idx="minor"/>
+    </dgm:style>
+  </dgm:styleLbl>
+  <dgm:styleLbl name="bgImgPlace1">
+    <dgm:scene3d>
+      <a:camera prst="orthographicFront"/>
+      <a:lightRig rig="threePt" dir="t"/>
+    </dgm:scene3d>
+    <dgm:sp3d/>
+    <dgm:txPr/>
+    <dgm:style>
+      <a:lnRef idx="2">
+        <a:scrgbClr r="0" g="0" b="0"/>
+      </a:lnRef>
+      <a:fillRef idx="1">
+        <a:scrgbClr r="0" g="0" b="0"/>
+      </a:fillRef>
+      <a:effectRef idx="0">
+        <a:scrgbClr r="0" g="0" b="0"/>
+      </a:effectRef>
+      <a:fontRef idx="minor"/>
+    </dgm:style>
+  </dgm:styleLbl>
+  <dgm:styleLbl name="sibTrans2D1">
+    <dgm:scene3d>
+      <a:camera prst="orthographicFront"/>
+      <a:lightRig rig="threePt" dir="t"/>
+    </dgm:scene3d>
+    <dgm:sp3d/>
+    <dgm:txPr/>
+    <dgm:style>
+      <a:lnRef idx="0">
+        <a:scrgbClr r="0" g="0" b="0"/>
+      </a:lnRef>
+      <a:fillRef idx="1">
+        <a:scrgbClr r="0" g="0" b="0"/>
+      </a:fillRef>
+      <a:effectRef idx="0">
+        <a:scrgbClr r="0" g="0" b="0"/>
+      </a:effectRef>
+      <a:fontRef idx="minor">
+        <a:schemeClr val="lt1"/>
+      </a:fontRef>
+    </dgm:style>
+  </dgm:styleLbl>
+  <dgm:styleLbl name="fgSibTrans2D1">
+    <dgm:scene3d>
+      <a:camera prst="orthographicFront"/>
+      <a:lightRig rig="threePt" dir="t"/>
+    </dgm:scene3d>
+    <dgm:sp3d/>
+    <dgm:txPr/>
+    <dgm:style>
+      <a:lnRef idx="0">
+        <a:scrgbClr r="0" g="0" b="0"/>
+      </a:lnRef>
+      <a:fillRef idx="1">
+        <a:scrgbClr r="0" g="0" b="0"/>
+      </a:fillRef>
+      <a:effectRef idx="0">
+        <a:scrgbClr r="0" g="0" b="0"/>
+      </a:effectRef>
+      <a:fontRef idx="minor">
+        <a:schemeClr val="lt1"/>
+      </a:fontRef>
+    </dgm:style>
+  </dgm:styleLbl>
+  <dgm:styleLbl name="bgSibTrans2D1">
+    <dgm:scene3d>
+      <a:camera prst="orthographicFront"/>
+      <a:lightRig rig="threePt" dir="t"/>
+    </dgm:scene3d>
+    <dgm:sp3d/>
+    <dgm:txPr/>
+    <dgm:style>
+      <a:lnRef idx="0">
+        <a:scrgbClr r="0" g="0" b="0"/>
+      </a:lnRef>
+      <a:fillRef idx="1">
+        <a:scrgbClr r="0" g="0" b="0"/>
+      </a:fillRef>
+      <a:effectRef idx="0">
+        <a:scrgbClr r="0" g="0" b="0"/>
+      </a:effectRef>
+      <a:fontRef idx="minor">
+        <a:schemeClr val="lt1"/>
+      </a:fontRef>
+    </dgm:style>
+  </dgm:styleLbl>
+  <dgm:styleLbl name="sibTrans1D1">
+    <dgm:scene3d>
+      <a:camera prst="orthographicFront"/>
+      <a:lightRig rig="threePt" dir="t"/>
+    </dgm:scene3d>
+    <dgm:sp3d/>
+    <dgm:txPr/>
+    <dgm:style>
+      <a:lnRef idx="1">
+        <a:scrgbClr r="0" g="0" b="0"/>
+      </a:lnRef>
+      <a:fillRef idx="0">
+        <a:scrgbClr r="0" g="0" b="0"/>
+      </a:fillRef>
+      <a:effectRef idx="0">
+        <a:scrgbClr r="0" g="0" b="0"/>
+      </a:effectRef>
+      <a:fontRef idx="minor"/>
+    </dgm:style>
+  </dgm:styleLbl>
+  <dgm:styleLbl name="callout">
+    <dgm:scene3d>
+      <a:camera prst="orthographicFront"/>
+      <a:lightRig rig="threePt" dir="t"/>
+    </dgm:scene3d>
+    <dgm:sp3d/>
+    <dgm:txPr/>
+    <dgm:style>
+      <a:lnRef idx="2">
+        <a:scrgbClr r="0" g="0" b="0"/>
+      </a:lnRef>
+      <a:fillRef idx="1">
+        <a:scrgbClr r="0" g="0" b="0"/>
+      </a:fillRef>
+      <a:effectRef idx="0">
+        <a:scrgbClr r="0" g="0" b="0"/>
+      </a:effectRef>
+      <a:fontRef idx="minor"/>
+    </dgm:style>
+  </dgm:styleLbl>
+  <dgm:styleLbl name="asst0">
+    <dgm:scene3d>
+      <a:camera prst="orthographicFront"/>
+      <a:lightRig rig="threePt" dir="t"/>
+    </dgm:scene3d>
+    <dgm:sp3d/>
+    <dgm:txPr/>
+    <dgm:style>
+      <a:lnRef idx="2">
+        <a:scrgbClr r="0" g="0" b="0"/>
+      </a:lnRef>
+      <a:fillRef idx="1">
+        <a:scrgbClr r="0" g="0" b="0"/>
+      </a:fillRef>
+      <a:effectRef idx="0">
+        <a:scrgbClr r="0" g="0" b="0"/>
+      </a:effectRef>
+      <a:fontRef idx="minor">
+        <a:schemeClr val="lt1"/>
+      </a:fontRef>
+    </dgm:style>
+  </dgm:styleLbl>
+  <dgm:styleLbl name="asst1">
+    <dgm:scene3d>
+      <a:camera prst="orthographicFront"/>
+      <a:lightRig rig="threePt" dir="t"/>
+    </dgm:scene3d>
+    <dgm:sp3d/>
+    <dgm:txPr/>
+    <dgm:style>
+      <a:lnRef idx="2">
+        <a:scrgbClr r="0" g="0" b="0"/>
+      </a:lnRef>
+      <a:fillRef idx="1">
+        <a:scrgbClr r="0" g="0" b="0"/>
+      </a:fillRef>
+      <a:effectRef idx="0">
+        <a:scrgbClr r="0" g="0" b="0"/>
+      </a:effectRef>
+      <a:fontRef idx="minor">
+        <a:schemeClr val="lt1"/>
+      </a:fontRef>
+    </dgm:style>
+  </dgm:styleLbl>
+  <dgm:styleLbl name="asst2">
+    <dgm:scene3d>
+      <a:camera prst="orthographicFront"/>
+      <a:lightRig rig="threePt" dir="t"/>
+    </dgm:scene3d>
+    <dgm:sp3d/>
+    <dgm:txPr/>
+    <dgm:style>
+      <a:lnRef idx="2">
+        <a:scrgbClr r="0" g="0" b="0"/>
+      </a:lnRef>
+      <a:fillRef idx="1">
+        <a:scrgbClr r="0" g="0" b="0"/>
+      </a:fillRef>
+      <a:effectRef idx="0">
+        <a:scrgbClr r="0" g="0" b="0"/>
+      </a:effectRef>
+      <a:fontRef idx="minor">
+        <a:schemeClr val="lt1"/>
+      </a:fontRef>
+    </dgm:style>
+  </dgm:styleLbl>
+  <dgm:styleLbl name="asst3">
+    <dgm:scene3d>
+      <a:camera prst="orthographicFront"/>
+      <a:lightRig rig="threePt" dir="t"/>
+    </dgm:scene3d>
+    <dgm:sp3d/>
+    <dgm:txPr/>
+    <dgm:style>
+      <a:lnRef idx="2">
+        <a:scrgbClr r="0" g="0" b="0"/>
+      </a:lnRef>
+      <a:fillRef idx="1">
+        <a:scrgbClr r="0" g="0" b="0"/>
+      </a:fillRef>
+      <a:effectRef idx="0">
+        <a:scrgbClr r="0" g="0" b="0"/>
+      </a:effectRef>
+      <a:fontRef idx="minor">
+        <a:schemeClr val="lt1"/>
+      </a:fontRef>
+    </dgm:style>
+  </dgm:styleLbl>
+  <dgm:styleLbl name="asst4">
+    <dgm:scene3d>
+      <a:camera prst="orthographicFront"/>
+      <a:lightRig rig="threePt" dir="t"/>
+    </dgm:scene3d>
+    <dgm:sp3d/>
+    <dgm:txPr/>
+    <dgm:style>
+      <a:lnRef idx="2">
+        <a:scrgbClr r="0" g="0" b="0"/>
+      </a:lnRef>
+      <a:fillRef idx="1">
+        <a:scrgbClr r="0" g="0" b="0"/>
+      </a:fillRef>
+      <a:effectRef idx="0">
+        <a:scrgbClr r="0" g="0" b="0"/>
+      </a:effectRef>
+      <a:fontRef idx="minor">
+        <a:schemeClr val="lt1"/>
+      </a:fontRef>
+    </dgm:style>
+  </dgm:styleLbl>
+  <dgm:styleLbl name="parChTrans2D1">
+    <dgm:scene3d>
+      <a:camera prst="orthographicFront"/>
+      <a:lightRig rig="threePt" dir="t"/>
+    </dgm:scene3d>
+    <dgm:sp3d/>
+    <dgm:txPr/>
+    <dgm:style>
+      <a:lnRef idx="2">
+        <a:scrgbClr r="0" g="0" b="0"/>
+      </a:lnRef>
+      <a:fillRef idx="1">
+        <a:scrgbClr r="0" g="0" b="0"/>
+      </a:fillRef>
+      <a:effectRef idx="0">
+        <a:scrgbClr r="0" g="0" b="0"/>
+      </a:effectRef>
+      <a:fontRef idx="minor">
+        <a:schemeClr val="lt1"/>
+      </a:fontRef>
+    </dgm:style>
+  </dgm:styleLbl>
+  <dgm:styleLbl name="parChTrans2D2">
+    <dgm:scene3d>
+      <a:camera prst="orthographicFront"/>
+      <a:lightRig rig="threePt" dir="t"/>
+    </dgm:scene3d>
+    <dgm:sp3d/>
+    <dgm:txPr/>
+    <dgm:style>
+      <a:lnRef idx="2">
+        <a:scrgbClr r="0" g="0" b="0"/>
+      </a:lnRef>
+      <a:fillRef idx="1">
+        <a:scrgbClr r="0" g="0" b="0"/>
+      </a:fillRef>
+      <a:effectRef idx="0">
+        <a:scrgbClr r="0" g="0" b="0"/>
+      </a:effectRef>
+      <a:fontRef idx="minor">
+        <a:schemeClr val="lt1"/>
+      </a:fontRef>
+    </dgm:style>
+  </dgm:styleLbl>
+  <dgm:styleLbl name="parChTrans2D3">
+    <dgm:scene3d>
+      <a:camera prst="orthographicFront"/>
+      <a:lightRig rig="threePt" dir="t"/>
+    </dgm:scene3d>
+    <dgm:sp3d/>
+    <dgm:txPr/>
+    <dgm:style>
+      <a:lnRef idx="2">
+        <a:scrgbClr r="0" g="0" b="0"/>
+      </a:lnRef>
+      <a:fillRef idx="1">
+        <a:scrgbClr r="0" g="0" b="0"/>
+      </a:fillRef>
+      <a:effectRef idx="0">
+        <a:scrgbClr r="0" g="0" b="0"/>
+      </a:effectRef>
+      <a:fontRef idx="minor">
+        <a:schemeClr val="lt1"/>
+      </a:fontRef>
+    </dgm:style>
+  </dgm:styleLbl>
+  <dgm:styleLbl name="parChTrans2D4">
+    <dgm:scene3d>
+      <a:camera prst="orthographicFront"/>
+      <a:lightRig rig="threePt" dir="t"/>
+    </dgm:scene3d>
+    <dgm:sp3d/>
+    <dgm:txPr/>
+    <dgm:style>
+      <a:lnRef idx="2">
+        <a:scrgbClr r="0" g="0" b="0"/>
+      </a:lnRef>
+      <a:fillRef idx="1">
+        <a:scrgbClr r="0" g="0" b="0"/>
+      </a:fillRef>
+      <a:effectRef idx="0">
+        <a:scrgbClr r="0" g="0" b="0"/>
+      </a:effectRef>
+      <a:fontRef idx="minor">
+        <a:schemeClr val="lt1"/>
+      </a:fontRef>
+    </dgm:style>
+  </dgm:styleLbl>
+  <dgm:styleLbl name="parChTrans1D1">
+    <dgm:scene3d>
+      <a:camera prst="orthographicFront"/>
+      <a:lightRig rig="threePt" dir="t"/>
+    </dgm:scene3d>
+    <dgm:sp3d/>
+    <dgm:txPr/>
+    <dgm:style>
+      <a:lnRef idx="2">
+        <a:scrgbClr r="0" g="0" b="0"/>
+      </a:lnRef>
+      <a:fillRef idx="0">
+        <a:scrgbClr r="0" g="0" b="0"/>
+      </a:fillRef>
+      <a:effectRef idx="0">
+        <a:scrgbClr r="0" g="0" b="0"/>
+      </a:effectRef>
+      <a:fontRef idx="minor"/>
+    </dgm:style>
+  </dgm:styleLbl>
+  <dgm:styleLbl name="parChTrans1D2">
+    <dgm:scene3d>
+      <a:camera prst="orthographicFront"/>
+      <a:lightRig rig="threePt" dir="t"/>
+    </dgm:scene3d>
+    <dgm:sp3d/>
+    <dgm:txPr/>
+    <dgm:style>
+      <a:lnRef idx="2">
+        <a:scrgbClr r="0" g="0" b="0"/>
+      </a:lnRef>
+      <a:fillRef idx="0">
+        <a:scrgbClr r="0" g="0" b="0"/>
+      </a:fillRef>
+      <a:effectRef idx="0">
+        <a:scrgbClr r="0" g="0" b="0"/>
+      </a:effectRef>
+      <a:fontRef idx="minor"/>
+    </dgm:style>
+  </dgm:styleLbl>
+  <dgm:styleLbl name="parChTrans1D3">
+    <dgm:scene3d>
+      <a:camera prst="orthographicFront"/>
+      <a:lightRig rig="threePt" dir="t"/>
+    </dgm:scene3d>
+    <dgm:sp3d/>
+    <dgm:txPr/>
+    <dgm:style>
+      <a:lnRef idx="2">
+        <a:scrgbClr r="0" g="0" b="0"/>
+      </a:lnRef>
+      <a:fillRef idx="0">
+        <a:scrgbClr r="0" g="0" b="0"/>
+      </a:fillRef>
+      <a:effectRef idx="0">
+        <a:scrgbClr r="0" g="0" b="0"/>
+      </a:effectRef>
+      <a:fontRef idx="minor"/>
+    </dgm:style>
+  </dgm:styleLbl>
+  <dgm:styleLbl name="parChTrans1D4">
+    <dgm:scene3d>
+      <a:camera prst="orthographicFront"/>
+      <a:lightRig rig="threePt" dir="t"/>
+    </dgm:scene3d>
+    <dgm:sp3d/>
+    <dgm:txPr/>
+    <dgm:style>
+      <a:lnRef idx="2">
+        <a:scrgbClr r="0" g="0" b="0"/>
+      </a:lnRef>
+      <a:fillRef idx="0">
+        <a:scrgbClr r="0" g="0" b="0"/>
+      </a:fillRef>
+      <a:effectRef idx="0">
+        <a:scrgbClr r="0" g="0" b="0"/>
+      </a:effectRef>
+      <a:fontRef idx="minor"/>
+    </dgm:style>
+  </dgm:styleLbl>
+  <dgm:styleLbl name="fgAcc1">
+    <dgm:scene3d>
+      <a:camera prst="orthographicFront"/>
+      <a:lightRig rig="threePt" dir="t"/>
+    </dgm:scene3d>
+    <dgm:sp3d/>
+    <dgm:txPr/>
+    <dgm:style>
+      <a:lnRef idx="2">
+        <a:scrgbClr r="0" g="0" b="0"/>
+      </a:lnRef>
+      <a:fillRef idx="1">
+        <a:scrgbClr r="0" g="0" b="0"/>
+      </a:fillRef>
+      <a:effectRef idx="0">
+        <a:scrgbClr r="0" g="0" b="0"/>
+      </a:effectRef>
+      <a:fontRef idx="minor"/>
+    </dgm:style>
+  </dgm:styleLbl>
+  <dgm:styleLbl name="conFgAcc1">
+    <dgm:scene3d>
+      <a:camera prst="orthographicFront"/>
+      <a:lightRig rig="threePt" dir="t"/>
+    </dgm:scene3d>
+    <dgm:sp3d/>
+    <dgm:txPr/>
+    <dgm:style>
+      <a:lnRef idx="2">
+        <a:scrgbClr r="0" g="0" b="0"/>
+      </a:lnRef>
+      <a:fillRef idx="1">
+        <a:scrgbClr r="0" g="0" b="0"/>
+      </a:fillRef>
+      <a:effectRef idx="0">
+        <a:scrgbClr r="0" g="0" b="0"/>
+      </a:effectRef>
+      <a:fontRef idx="minor"/>
+    </dgm:style>
+  </dgm:styleLbl>
+  <dgm:styleLbl name="alignAcc1">
+    <dgm:scene3d>
+      <a:camera prst="orthographicFront"/>
+      <a:lightRig rig="threePt" dir="t"/>
+    </dgm:scene3d>
+    <dgm:sp3d/>
+    <dgm:txPr/>
+    <dgm:style>
+      <a:lnRef idx="2">
+        <a:scrgbClr r="0" g="0" b="0"/>
+      </a:lnRef>
+      <a:fillRef idx="1">
+        <a:scrgbClr r="0" g="0" b="0"/>
+      </a:fillRef>
+      <a:effectRef idx="0">
+        <a:scrgbClr r="0" g="0" b="0"/>
+      </a:effectRef>
+      <a:fontRef idx="minor"/>
+    </dgm:style>
+  </dgm:styleLbl>
+  <dgm:styleLbl name="trAlignAcc1">
+    <dgm:scene3d>
+      <a:camera prst="orthographicFront"/>
+      <a:lightRig rig="threePt" dir="t"/>
+    </dgm:scene3d>
+    <dgm:sp3d/>
+    <dgm:txPr/>
+    <dgm:style>
+      <a:lnRef idx="1">
+        <a:scrgbClr r="0" g="0" b="0"/>
+      </a:lnRef>
+      <a:fillRef idx="1">
+        <a:scrgbClr r="0" g="0" b="0"/>
+      </a:fillRef>
+      <a:effectRef idx="0">
+        <a:scrgbClr r="0" g="0" b="0"/>
+      </a:effectRef>
+      <a:fontRef idx="minor"/>
+    </dgm:style>
+  </dgm:styleLbl>
+  <dgm:styleLbl name="bgAcc1">
+    <dgm:scene3d>
+      <a:camera prst="orthographicFront"/>
+      <a:lightRig rig="threePt" dir="t"/>
+    </dgm:scene3d>
+    <dgm:sp3d/>
+    <dgm:txPr/>
+    <dgm:style>
+      <a:lnRef idx="2">
+        <a:scrgbClr r="0" g="0" b="0"/>
+      </a:lnRef>
+      <a:fillRef idx="1">
+        <a:scrgbClr r="0" g="0" b="0"/>
+      </a:fillRef>
+      <a:effectRef idx="0">
+        <a:scrgbClr r="0" g="0" b="0"/>
+      </a:effectRef>
+      <a:fontRef idx="minor"/>
+    </dgm:style>
+  </dgm:styleLbl>
+  <dgm:styleLbl name="solidFgAcc1">
+    <dgm:scene3d>
+      <a:camera prst="orthographicFront"/>
+      <a:lightRig rig="threePt" dir="t"/>
+    </dgm:scene3d>
+    <dgm:sp3d/>
+    <dgm:txPr/>
+    <dgm:style>
+      <a:lnRef idx="2">
+        <a:scrgbClr r="0" g="0" b="0"/>
+      </a:lnRef>
+      <a:fillRef idx="1">
+        <a:scrgbClr r="0" g="0" b="0"/>
+      </a:fillRef>
+      <a:effectRef idx="0">
+        <a:scrgbClr r="0" g="0" b="0"/>
+      </a:effectRef>
+      <a:fontRef idx="minor"/>
+    </dgm:style>
+  </dgm:styleLbl>
+  <dgm:styleLbl name="solidAlignAcc1">
+    <dgm:scene3d>
+      <a:camera prst="orthographicFront"/>
+      <a:lightRig rig="threePt" dir="t"/>
+    </dgm:scene3d>
+    <dgm:sp3d/>
+    <dgm:txPr/>
+    <dgm:style>
+      <a:lnRef idx="2">
+        <a:scrgbClr r="0" g="0" b="0"/>
+      </a:lnRef>
+      <a:fillRef idx="1">
+        <a:scrgbClr r="0" g="0" b="0"/>
+      </a:fillRef>
+      <a:effectRef idx="0">
+        <a:scrgbClr r="0" g="0" b="0"/>
+      </a:effectRef>
+      <a:fontRef idx="minor"/>
+    </dgm:style>
+  </dgm:styleLbl>
+  <dgm:styleLbl name="solidBgAcc1">
+    <dgm:scene3d>
+      <a:camera prst="orthographicFront"/>
+      <a:lightRig rig="threePt" dir="t"/>
+    </dgm:scene3d>
+    <dgm:sp3d/>
+    <dgm:txPr/>
+    <dgm:style>
+      <a:lnRef idx="2">
+        <a:scrgbClr r="0" g="0" b="0"/>
+      </a:lnRef>
+      <a:fillRef idx="1">
+        <a:scrgbClr r="0" g="0" b="0"/>
+      </a:fillRef>
+      <a:effectRef idx="0">
+        <a:scrgbClr r="0" g="0" b="0"/>
+      </a:effectRef>
+      <a:fontRef idx="minor"/>
+    </dgm:style>
+  </dgm:styleLbl>
+  <dgm:styleLbl name="fgAccFollowNode1">
+    <dgm:scene3d>
+      <a:camera prst="orthographicFront"/>
+      <a:lightRig rig="threePt" dir="t"/>
+    </dgm:scene3d>
+    <dgm:sp3d/>
+    <dgm:txPr/>
+    <dgm:style>
+      <a:lnRef idx="2">
+        <a:scrgbClr r="0" g="0" b="0"/>
+      </a:lnRef>
+      <a:fillRef idx="1">
+        <a:scrgbClr r="0" g="0" b="0"/>
+      </a:fillRef>
+      <a:effectRef idx="0">
+        <a:scrgbClr r="0" g="0" b="0"/>
+      </a:effectRef>
+      <a:fontRef idx="minor"/>
+    </dgm:style>
+  </dgm:styleLbl>
+  <dgm:styleLbl name="alignAccFollowNode1">
+    <dgm:scene3d>
+      <a:camera prst="orthographicFront"/>
+      <a:lightRig rig="threePt" dir="t"/>
+    </dgm:scene3d>
+    <dgm:sp3d/>
+    <dgm:txPr/>
+    <dgm:style>
+      <a:lnRef idx="2">
+        <a:scrgbClr r="0" g="0" b="0"/>
+      </a:lnRef>
+      <a:fillRef idx="1">
+        <a:scrgbClr r="0" g="0" b="0"/>
+      </a:fillRef>
+      <a:effectRef idx="0">
+        <a:scrgbClr r="0" g="0" b="0"/>
+      </a:effectRef>
+      <a:fontRef idx="minor"/>
+    </dgm:style>
+  </dgm:styleLbl>
+  <dgm:styleLbl name="bgAccFollowNode1">
+    <dgm:scene3d>
+      <a:camera prst="orthographicFront"/>
+      <a:lightRig rig="threePt" dir="t"/>
+    </dgm:scene3d>
+    <dgm:sp3d/>
+    <dgm:txPr/>
+    <dgm:style>
+      <a:lnRef idx="2">
+        <a:scrgbClr r="0" g="0" b="0"/>
+      </a:lnRef>
+      <a:fillRef idx="1">
+        <a:scrgbClr r="0" g="0" b="0"/>
+      </a:fillRef>
+      <a:effectRef idx="0">
+        <a:scrgbClr r="0" g="0" b="0"/>
+      </a:effectRef>
+      <a:fontRef idx="minor"/>
+    </dgm:style>
+  </dgm:styleLbl>
+  <dgm:styleLbl name="fgAcc0">
+    <dgm:scene3d>
+      <a:camera prst="orthographicFront"/>
+      <a:lightRig rig="threePt" dir="t"/>
+    </dgm:scene3d>
+    <dgm:sp3d/>
+    <dgm:txPr/>
+    <dgm:style>
+      <a:lnRef idx="2">
+        <a:scrgbClr r="0" g="0" b="0"/>
+      </a:lnRef>
+      <a:fillRef idx="1">
+        <a:scrgbClr r="0" g="0" b="0"/>
+      </a:fillRef>
+      <a:effectRef idx="0">
+        <a:scrgbClr r="0" g="0" b="0"/>
+      </a:effectRef>
+      <a:fontRef idx="minor"/>
+    </dgm:style>
+  </dgm:styleLbl>
+  <dgm:styleLbl name="fgAcc2">
+    <dgm:scene3d>
+      <a:camera prst="orthographicFront"/>
+      <a:lightRig rig="threePt" dir="t"/>
+    </dgm:scene3d>
+    <dgm:sp3d/>
+    <dgm:txPr/>
+    <dgm:style>
+      <a:lnRef idx="2">
+        <a:scrgbClr r="0" g="0" b="0"/>
+      </a:lnRef>
+      <a:fillRef idx="1">
+        <a:scrgbClr r="0" g="0" b="0"/>
+      </a:fillRef>
+      <a:effectRef idx="0">
+        <a:scrgbClr r="0" g="0" b="0"/>
+      </a:effectRef>
+      <a:fontRef idx="minor"/>
+    </dgm:style>
+  </dgm:styleLbl>
+  <dgm:styleLbl name="fgAcc3">
+    <dgm:scene3d>
+      <a:camera prst="orthographicFront"/>
+      <a:lightRig rig="threePt" dir="t"/>
+    </dgm:scene3d>
+    <dgm:sp3d/>
+    <dgm:txPr/>
+    <dgm:style>
+      <a:lnRef idx="2">
+        <a:scrgbClr r="0" g="0" b="0"/>
+      </a:lnRef>
+      <a:fillRef idx="1">
+        <a:scrgbClr r="0" g="0" b="0"/>
+      </a:fillRef>
+      <a:effectRef idx="0">
+        <a:scrgbClr r="0" g="0" b="0"/>
+      </a:effectRef>
+      <a:fontRef idx="minor"/>
+    </dgm:style>
+  </dgm:styleLbl>
+  <dgm:styleLbl name="fgAcc4">
+    <dgm:scene3d>
+      <a:camera prst="orthographicFront"/>
+      <a:lightRig rig="threePt" dir="t"/>
+    </dgm:scene3d>
+    <dgm:sp3d/>
+    <dgm:txPr/>
+    <dgm:style>
+      <a:lnRef idx="2">
+        <a:scrgbClr r="0" g="0" b="0"/>
+      </a:lnRef>
+      <a:fillRef idx="1">
+        <a:scrgbClr r="0" g="0" b="0"/>
+      </a:fillRef>
+      <a:effectRef idx="0">
+        <a:scrgbClr r="0" g="0" b="0"/>
+      </a:effectRef>
+      <a:fontRef idx="minor"/>
+    </dgm:style>
+  </dgm:styleLbl>
+  <dgm:styleLbl name="bgShp">
+    <dgm:scene3d>
+      <a:camera prst="orthographicFront"/>
+      <a:lightRig rig="threePt" dir="t"/>
+    </dgm:scene3d>
+    <dgm:sp3d/>
+    <dgm:txPr/>
+    <dgm:style>
+      <a:lnRef idx="0">
+        <a:scrgbClr r="0" g="0" b="0"/>
+      </a:lnRef>
+      <a:fillRef idx="1">
+        <a:scrgbClr r="0" g="0" b="0"/>
+      </a:fillRef>
+      <a:effectRef idx="0">
+        <a:scrgbClr r="0" g="0" b="0"/>
+      </a:effectRef>
+      <a:fontRef idx="minor"/>
+    </dgm:style>
+  </dgm:styleLbl>
+  <dgm:styleLbl name="dkBgShp">
+    <dgm:scene3d>
+      <a:camera prst="orthographicFront"/>
+      <a:lightRig rig="threePt" dir="t"/>
+    </dgm:scene3d>
+    <dgm:sp3d/>
+    <dgm:txPr/>
+    <dgm:style>
+      <a:lnRef idx="0">
+        <a:scrgbClr r="0" g="0" b="0"/>
+      </a:lnRef>
+      <a:fillRef idx="1">
+        <a:scrgbClr r="0" g="0" b="0"/>
+      </a:fillRef>
+      <a:effectRef idx="0">
+        <a:scrgbClr r="0" g="0" b="0"/>
+      </a:effectRef>
+      <a:fontRef idx="minor"/>
+    </dgm:style>
+  </dgm:styleLbl>
+  <dgm:styleLbl name="trBgShp">
+    <dgm:scene3d>
+      <a:camera prst="orthographicFront"/>
+      <a:lightRig rig="threePt" dir="t"/>
+    </dgm:scene3d>
+    <dgm:sp3d/>
+    <dgm:txPr/>
+    <dgm:style>
+      <a:lnRef idx="0">
+        <a:scrgbClr r="0" g="0" b="0"/>
+      </a:lnRef>
+      <a:fillRef idx="1">
+        <a:scrgbClr r="0" g="0" b="0"/>
+      </a:fillRef>
+      <a:effectRef idx="0">
+        <a:scrgbClr r="0" g="0" b="0"/>
+      </a:effectRef>
+      <a:fontRef idx="minor"/>
+    </dgm:style>
+  </dgm:styleLbl>
+  <dgm:styleLbl name="fgShp">
+    <dgm:scene3d>
+      <a:camera prst="orthographicFront"/>
+      <a:lightRig rig="threePt" dir="t"/>
+    </dgm:scene3d>
+    <dgm:sp3d/>
+    <dgm:txPr/>
+    <dgm:style>
+      <a:lnRef idx="2">
+        <a:scrgbClr r="0" g="0" b="0"/>
+      </a:lnRef>
+      <a:fillRef idx="1">
+        <a:scrgbClr r="0" g="0" b="0"/>
+      </a:fillRef>
+      <a:effectRef idx="0">
+        <a:scrgbClr r="0" g="0" b="0"/>
+      </a:effectRef>
+      <a:fontRef idx="minor"/>
+    </dgm:style>
+  </dgm:styleLbl>
+  <dgm:styleLbl name="revTx">
+    <dgm:scene3d>
+      <a:camera prst="orthographicFront"/>
+      <a:lightRig rig="threePt" dir="t"/>
+    </dgm:scene3d>
+    <dgm:sp3d/>
+    <dgm:txPr/>
+    <dgm:style>
+      <a:lnRef idx="0">
+        <a:scrgbClr r="0" g="0" b="0"/>
+      </a:lnRef>
+      <a:fillRef idx="0">
+        <a:scrgbClr r="0" g="0" b="0"/>
+      </a:fillRef>
+      <a:effectRef idx="0">
+        <a:scrgbClr r="0" g="0" b="0"/>
+      </a:effectRef>
+      <a:fontRef idx="minor"/>
+    </dgm:style>
+  </dgm:styleLbl>
+</dgm:styleDef>
 </file>
 
 <file path=ppt/slideLayouts/slideLayout1.xml><?xml version="1.0" encoding="utf-8"?>
@@ -7723,14 +11354,14 @@
             <p:ph idx="1"/>
             <p:extLst>
               <p:ext uri="{D42A27DB-BD31-4B8C-83A1-F6EECF244321}">
-                <p14:modId xmlns:p14="http://schemas.microsoft.com/office/powerpoint/2010/main" val="1826185691"/>
+                <p14:modId xmlns:p14="http://schemas.microsoft.com/office/powerpoint/2010/main" val="2619009997"/>
               </p:ext>
             </p:extLst>
           </p:nvPr>
         </p:nvGraphicFramePr>
         <p:xfrm>
-          <a:off x="838200" y="1825625"/>
-          <a:ext cx="10515597" cy="2225040"/>
+          <a:off x="838201" y="1825625"/>
+          <a:ext cx="5434012" cy="2494280"/>
         </p:xfrm>
         <a:graphic>
           <a:graphicData uri="http://schemas.openxmlformats.org/drawingml/2006/table">
@@ -7739,21 +11370,21 @@
                 <a:tableStyleId>{5C22544A-7EE6-4342-B048-85BDC9FD1C3A}</a:tableStyleId>
               </a:tblPr>
               <a:tblGrid>
-                <a:gridCol w="6131011">
+                <a:gridCol w="2206650">
                   <a:extLst>
                     <a:ext uri="{9D8B030D-6E8A-4147-A177-3AD203B41FA5}">
                       <a16:colId xmlns:a16="http://schemas.microsoft.com/office/drawing/2014/main" val="315530076"/>
                     </a:ext>
                   </a:extLst>
                 </a:gridCol>
-                <a:gridCol w="2075935">
+                <a:gridCol w="1670024">
                   <a:extLst>
                     <a:ext uri="{9D8B030D-6E8A-4147-A177-3AD203B41FA5}">
                       <a16:colId xmlns:a16="http://schemas.microsoft.com/office/drawing/2014/main" val="3572474061"/>
                     </a:ext>
                   </a:extLst>
                 </a:gridCol>
-                <a:gridCol w="2308651">
+                <a:gridCol w="1557338">
                   <a:extLst>
                     <a:ext uri="{9D8B030D-6E8A-4147-A177-3AD203B41FA5}">
                       <a16:colId xmlns:a16="http://schemas.microsoft.com/office/drawing/2014/main" val="2628995089"/>
@@ -8116,46 +11747,34 @@
           </a:p>
         </p:txBody>
       </p:sp>
-      <p:sp>
-        <p:nvSpPr>
-          <p:cNvPr id="3" name="Espace réservé du contenu 2">
+      <p:graphicFrame>
+        <p:nvGraphicFramePr>
+          <p:cNvPr id="4" name="Diagramme 3">
             <a:extLst>
               <a:ext uri="{FF2B5EF4-FFF2-40B4-BE49-F238E27FC236}">
-                <a16:creationId xmlns:a16="http://schemas.microsoft.com/office/drawing/2014/main" id="{26D07565-249A-F223-BA03-29F59D0E1053}"/>
+                <a16:creationId xmlns:a16="http://schemas.microsoft.com/office/drawing/2014/main" id="{7647E022-56BA-05CA-E177-6343CE1D4A29}"/>
               </a:ext>
             </a:extLst>
           </p:cNvPr>
-          <p:cNvSpPr>
-            <a:spLocks noGrp="1"/>
-          </p:cNvSpPr>
+          <p:cNvGraphicFramePr/>
           <p:nvPr>
-            <p:ph idx="1"/>
+            <p:extLst>
+              <p:ext uri="{D42A27DB-BD31-4B8C-83A1-F6EECF244321}">
+                <p14:modId xmlns:p14="http://schemas.microsoft.com/office/powerpoint/2010/main" val="305448632"/>
+              </p:ext>
+            </p:extLst>
           </p:nvPr>
-        </p:nvSpPr>
-        <p:spPr/>
-        <p:txBody>
-          <a:bodyPr/>
-          <a:lstStyle/>
-          <a:p>
-            <a:r>
-              <a:rPr lang="fr-FR" dirty="0"/>
-              <a:t>Optimisation sur le coûts</a:t>
-            </a:r>
-          </a:p>
-          <a:p>
-            <a:r>
-              <a:rPr lang="fr-FR" dirty="0"/>
-              <a:t>Optimisation sur la pollution</a:t>
-            </a:r>
-          </a:p>
-          <a:p>
-            <a:r>
-              <a:rPr lang="fr-FR" dirty="0"/>
-              <a:t>Optimisation en prenant en compte le foisonnement</a:t>
-            </a:r>
-          </a:p>
-        </p:txBody>
-      </p:sp>
+        </p:nvGraphicFramePr>
+        <p:xfrm>
+          <a:off x="371475" y="1690688"/>
+          <a:ext cx="11415713" cy="4447646"/>
+        </p:xfrm>
+        <a:graphic>
+          <a:graphicData uri="http://schemas.openxmlformats.org/drawingml/2006/diagram">
+            <dgm:relIds xmlns:dgm="http://schemas.openxmlformats.org/drawingml/2006/diagram" xmlns:r="http://schemas.openxmlformats.org/officeDocument/2006/relationships" r:dm="rId2" r:lo="rId3" r:qs="rId4" r:cs="rId5"/>
+          </a:graphicData>
+        </a:graphic>
+      </p:graphicFrame>
     </p:spTree>
     <p:extLst>
       <p:ext uri="{BB962C8B-B14F-4D97-AF65-F5344CB8AC3E}">
@@ -8337,7 +11956,7 @@
           <p:nvPr>
             <p:extLst>
               <p:ext uri="{D42A27DB-BD31-4B8C-83A1-F6EECF244321}">
-                <p14:modId xmlns:p14="http://schemas.microsoft.com/office/powerpoint/2010/main" val="4187416305"/>
+                <p14:modId xmlns:p14="http://schemas.microsoft.com/office/powerpoint/2010/main" val="3260700258"/>
               </p:ext>
             </p:extLst>
           </p:nvPr>
@@ -8349,66 +11968,6 @@
         <a:graphic>
           <a:graphicData uri="http://schemas.openxmlformats.org/drawingml/2006/chart">
             <c:chart xmlns:c="http://schemas.openxmlformats.org/drawingml/2006/chart" xmlns:r="http://schemas.openxmlformats.org/officeDocument/2006/relationships" r:id="rId2"/>
-          </a:graphicData>
-        </a:graphic>
-      </p:graphicFrame>
-      <p:graphicFrame>
-        <p:nvGraphicFramePr>
-          <p:cNvPr id="11" name="Graphique 10">
-            <a:extLst>
-              <a:ext uri="{FF2B5EF4-FFF2-40B4-BE49-F238E27FC236}">
-                <a16:creationId xmlns:a16="http://schemas.microsoft.com/office/drawing/2014/main" id="{B9002E69-757F-DEEF-F7F5-3C4B06EEB5F7}"/>
-              </a:ext>
-            </a:extLst>
-          </p:cNvPr>
-          <p:cNvGraphicFramePr>
-            <a:graphicFrameLocks/>
-          </p:cNvGraphicFramePr>
-          <p:nvPr>
-            <p:extLst>
-              <p:ext uri="{D42A27DB-BD31-4B8C-83A1-F6EECF244321}">
-                <p14:modId xmlns:p14="http://schemas.microsoft.com/office/powerpoint/2010/main" val="2052867175"/>
-              </p:ext>
-            </p:extLst>
-          </p:nvPr>
-        </p:nvGraphicFramePr>
-        <p:xfrm>
-          <a:off x="4616278" y="3323970"/>
-          <a:ext cx="2959443" cy="2743200"/>
-        </p:xfrm>
-        <a:graphic>
-          <a:graphicData uri="http://schemas.openxmlformats.org/drawingml/2006/chart">
-            <c:chart xmlns:c="http://schemas.openxmlformats.org/drawingml/2006/chart" xmlns:r="http://schemas.openxmlformats.org/officeDocument/2006/relationships" r:id="rId3"/>
-          </a:graphicData>
-        </a:graphic>
-      </p:graphicFrame>
-      <p:graphicFrame>
-        <p:nvGraphicFramePr>
-          <p:cNvPr id="12" name="Graphique 11">
-            <a:extLst>
-              <a:ext uri="{FF2B5EF4-FFF2-40B4-BE49-F238E27FC236}">
-                <a16:creationId xmlns:a16="http://schemas.microsoft.com/office/drawing/2014/main" id="{D34C7A6B-A8B6-4117-7C72-22AE1E6651F6}"/>
-              </a:ext>
-            </a:extLst>
-          </p:cNvPr>
-          <p:cNvGraphicFramePr>
-            <a:graphicFrameLocks/>
-          </p:cNvGraphicFramePr>
-          <p:nvPr>
-            <p:extLst>
-              <p:ext uri="{D42A27DB-BD31-4B8C-83A1-F6EECF244321}">
-                <p14:modId xmlns:p14="http://schemas.microsoft.com/office/powerpoint/2010/main" val="2483658830"/>
-              </p:ext>
-            </p:extLst>
-          </p:nvPr>
-        </p:nvGraphicFramePr>
-        <p:xfrm>
-          <a:off x="8317128" y="3323970"/>
-          <a:ext cx="2959443" cy="2743200"/>
-        </p:xfrm>
-        <a:graphic>
-          <a:graphicData uri="http://schemas.openxmlformats.org/drawingml/2006/chart">
-            <c:chart xmlns:c="http://schemas.openxmlformats.org/drawingml/2006/chart" xmlns:r="http://schemas.openxmlformats.org/officeDocument/2006/relationships" r:id="rId4"/>
           </a:graphicData>
         </a:graphic>
       </p:graphicFrame>
@@ -8745,6 +12304,96 @@
           </a:p>
         </p:txBody>
       </p:sp>
+      <p:graphicFrame>
+        <p:nvGraphicFramePr>
+          <p:cNvPr id="20" name="Graphique 19">
+            <a:extLst>
+              <a:ext uri="{FF2B5EF4-FFF2-40B4-BE49-F238E27FC236}">
+                <a16:creationId xmlns:a16="http://schemas.microsoft.com/office/drawing/2014/main" id="{92F9513B-84B6-7F4B-893F-9A37F2E23BD4}"/>
+              </a:ext>
+            </a:extLst>
+          </p:cNvPr>
+          <p:cNvGraphicFramePr>
+            <a:graphicFrameLocks/>
+          </p:cNvGraphicFramePr>
+          <p:nvPr>
+            <p:extLst>
+              <p:ext uri="{D42A27DB-BD31-4B8C-83A1-F6EECF244321}">
+                <p14:modId xmlns:p14="http://schemas.microsoft.com/office/powerpoint/2010/main" val="2708890737"/>
+              </p:ext>
+            </p:extLst>
+          </p:nvPr>
+        </p:nvGraphicFramePr>
+        <p:xfrm>
+          <a:off x="4524372" y="3323970"/>
+          <a:ext cx="3143250" cy="2743200"/>
+        </p:xfrm>
+        <a:graphic>
+          <a:graphicData uri="http://schemas.openxmlformats.org/drawingml/2006/chart">
+            <c:chart xmlns:c="http://schemas.openxmlformats.org/drawingml/2006/chart" xmlns:r="http://schemas.openxmlformats.org/officeDocument/2006/relationships" r:id="rId3"/>
+          </a:graphicData>
+        </a:graphic>
+      </p:graphicFrame>
+      <p:graphicFrame>
+        <p:nvGraphicFramePr>
+          <p:cNvPr id="21" name="Graphique 20">
+            <a:extLst>
+              <a:ext uri="{FF2B5EF4-FFF2-40B4-BE49-F238E27FC236}">
+                <a16:creationId xmlns:a16="http://schemas.microsoft.com/office/drawing/2014/main" id="{92F9513B-84B6-7F4B-893F-9A37F2E23BD4}"/>
+              </a:ext>
+            </a:extLst>
+          </p:cNvPr>
+          <p:cNvGraphicFramePr>
+            <a:graphicFrameLocks/>
+          </p:cNvGraphicFramePr>
+          <p:nvPr>
+            <p:extLst>
+              <p:ext uri="{D42A27DB-BD31-4B8C-83A1-F6EECF244321}">
+                <p14:modId xmlns:p14="http://schemas.microsoft.com/office/powerpoint/2010/main" val="3300633595"/>
+              </p:ext>
+            </p:extLst>
+          </p:nvPr>
+        </p:nvGraphicFramePr>
+        <p:xfrm>
+          <a:off x="4524372" y="3323970"/>
+          <a:ext cx="3143250" cy="2743200"/>
+        </p:xfrm>
+        <a:graphic>
+          <a:graphicData uri="http://schemas.openxmlformats.org/drawingml/2006/chart">
+            <c:chart xmlns:c="http://schemas.openxmlformats.org/drawingml/2006/chart" xmlns:r="http://schemas.openxmlformats.org/officeDocument/2006/relationships" r:id="rId4"/>
+          </a:graphicData>
+        </a:graphic>
+      </p:graphicFrame>
+      <p:graphicFrame>
+        <p:nvGraphicFramePr>
+          <p:cNvPr id="22" name="Graphique 21">
+            <a:extLst>
+              <a:ext uri="{FF2B5EF4-FFF2-40B4-BE49-F238E27FC236}">
+                <a16:creationId xmlns:a16="http://schemas.microsoft.com/office/drawing/2014/main" id="{462083F9-DDAE-F24B-9815-1ADD8A7B4B85}"/>
+              </a:ext>
+            </a:extLst>
+          </p:cNvPr>
+          <p:cNvGraphicFramePr>
+            <a:graphicFrameLocks/>
+          </p:cNvGraphicFramePr>
+          <p:nvPr>
+            <p:extLst>
+              <p:ext uri="{D42A27DB-BD31-4B8C-83A1-F6EECF244321}">
+                <p14:modId xmlns:p14="http://schemas.microsoft.com/office/powerpoint/2010/main" val="1428527735"/>
+              </p:ext>
+            </p:extLst>
+          </p:nvPr>
+        </p:nvGraphicFramePr>
+        <p:xfrm>
+          <a:off x="8317123" y="3230892"/>
+          <a:ext cx="3036677" cy="2836278"/>
+        </p:xfrm>
+        <a:graphic>
+          <a:graphicData uri="http://schemas.openxmlformats.org/drawingml/2006/chart">
+            <c:chart xmlns:c="http://schemas.openxmlformats.org/drawingml/2006/chart" xmlns:r="http://schemas.openxmlformats.org/officeDocument/2006/relationships" r:id="rId5"/>
+          </a:graphicData>
+        </a:graphic>
+      </p:graphicFrame>
     </p:spTree>
     <p:extLst>
       <p:ext uri="{BB962C8B-B14F-4D97-AF65-F5344CB8AC3E}">
@@ -9031,7 +12680,7 @@
             <p:ph idx="1"/>
             <p:extLst>
               <p:ext uri="{D42A27DB-BD31-4B8C-83A1-F6EECF244321}">
-                <p14:modId xmlns:p14="http://schemas.microsoft.com/office/powerpoint/2010/main" val="1693614806"/>
+                <p14:modId xmlns:p14="http://schemas.microsoft.com/office/powerpoint/2010/main" val="547477615"/>
               </p:ext>
             </p:extLst>
           </p:nvPr>

--- a/rapport.pptx
+++ b/rapport.pptx
@@ -8,11 +8,17 @@
     <p:sldId id="256" r:id="rId2"/>
     <p:sldId id="257" r:id="rId3"/>
     <p:sldId id="258" r:id="rId4"/>
-    <p:sldId id="259" r:id="rId5"/>
-    <p:sldId id="260" r:id="rId6"/>
-    <p:sldId id="261" r:id="rId7"/>
-    <p:sldId id="262" r:id="rId8"/>
-    <p:sldId id="263" r:id="rId9"/>
+    <p:sldId id="261" r:id="rId5"/>
+    <p:sldId id="264" r:id="rId6"/>
+    <p:sldId id="265" r:id="rId7"/>
+    <p:sldId id="266" r:id="rId8"/>
+    <p:sldId id="268" r:id="rId9"/>
+    <p:sldId id="267" r:id="rId10"/>
+    <p:sldId id="262" r:id="rId11"/>
+    <p:sldId id="263" r:id="rId12"/>
+    <p:sldId id="260" r:id="rId13"/>
+    <p:sldId id="259" r:id="rId14"/>
+    <p:sldId id="269" r:id="rId15"/>
   </p:sldIdLst>
   <p:sldSz cx="12192000" cy="6858000"/>
   <p:notesSz cx="6858000" cy="9144000"/>
@@ -314,16 +320,16 @@
                 <c:formatCode>General</c:formatCode>
                 <c:ptCount val="4"/>
                 <c:pt idx="0">
-                  <c:v>17</c:v>
+                  <c:v>24.206133600000001</c:v>
                 </c:pt>
                 <c:pt idx="1">
-                  <c:v>43</c:v>
+                  <c:v>41.463414729999997</c:v>
                 </c:pt>
                 <c:pt idx="2">
-                  <c:v>21</c:v>
+                  <c:v>20.429814950000001</c:v>
                 </c:pt>
                 <c:pt idx="3">
-                  <c:v>3</c:v>
+                  <c:v>0.25236392000000002</c:v>
                 </c:pt>
               </c:numCache>
             </c:numRef>
@@ -5441,7 +5447,7 @@
         <a:p>
           <a:r>
             <a:rPr lang="fr-FR" dirty="0"/>
-            <a:t>Optimisation sur la pollution</a:t>
+            <a:t>Optimisation des émissions de CO2</a:t>
           </a:r>
         </a:p>
       </dgm:t>
@@ -5477,7 +5483,7 @@
         <a:p>
           <a:r>
             <a:rPr lang="fr-FR" dirty="0"/>
-            <a:t>Augmentation du prix de la tonne de CO2</a:t>
+            <a:t>Ajout de la taxe carbone</a:t>
           </a:r>
         </a:p>
       </dgm:t>
@@ -5519,7 +5525,7 @@
         <a:p>
           <a:r>
             <a:rPr lang="fr-FR" dirty="0"/>
-            <a:t>Optimisation en prenant en compte le foisonnement</a:t>
+            <a:t>Optimisation du foisonnement</a:t>
           </a:r>
         </a:p>
       </dgm:t>
@@ -5555,7 +5561,7 @@
         <a:p>
           <a:r>
             <a:rPr lang="fr-FR" dirty="0"/>
-            <a:t>Distinction de différents moyens de production solaire-éolien</a:t>
+            <a:t>Ajout solaire toiture et éolien off-shore</a:t>
           </a:r>
         </a:p>
       </dgm:t>
@@ -5591,15 +5597,7 @@
         <a:p>
           <a:r>
             <a:rPr lang="fr-FR" dirty="0"/>
-            <a:t>Prise en compte du prix au m</a:t>
-          </a:r>
-          <a:r>
-            <a:rPr lang="fr-FR" baseline="30000" dirty="0"/>
-            <a:t>2</a:t>
-          </a:r>
-          <a:r>
-            <a:rPr lang="fr-FR" dirty="0"/>
-            <a:t> dans l’optimisation</a:t>
+            <a:t>Contrainte sur le foisonnement</a:t>
           </a:r>
         </a:p>
       </dgm:t>
@@ -5635,13 +5633,7 @@
         <a:p>
           <a:r>
             <a:rPr lang="fr-FR" dirty="0"/>
-            <a:t>Scénario 1 : </a:t>
-          </a:r>
-        </a:p>
-        <a:p>
-          <a:r>
-            <a:rPr lang="fr-FR" dirty="0"/>
-            <a:t>Optimisation sur les coûts</a:t>
+            <a:t>Scénario de référence :</a:t>
           </a:r>
         </a:p>
       </dgm:t>
@@ -5668,6 +5660,225 @@
         </a:p>
       </dgm:t>
     </dgm:pt>
+    <dgm:pt modelId="{00B56FBB-66C9-3D4B-931F-3D66BDDCCCEC}">
+      <dgm:prSet phldrT="[Texte]"/>
+      <dgm:spPr/>
+      <dgm:t>
+        <a:bodyPr/>
+        <a:lstStyle/>
+        <a:p>
+          <a:r>
+            <a:rPr lang="fr-FR" dirty="0"/>
+            <a:t>Analyse de sensibilité</a:t>
+          </a:r>
+        </a:p>
+      </dgm:t>
+    </dgm:pt>
+    <dgm:pt modelId="{3665C1D7-4708-CE4F-BEC2-EB19A2532F97}" type="parTrans" cxnId="{9B06584A-AA3A-AC4B-BB32-782F9D5BCBFE}">
+      <dgm:prSet/>
+      <dgm:spPr/>
+      <dgm:t>
+        <a:bodyPr/>
+        <a:lstStyle/>
+        <a:p>
+          <a:endParaRPr lang="fr-FR"/>
+        </a:p>
+      </dgm:t>
+    </dgm:pt>
+    <dgm:pt modelId="{2F9C94AC-3483-F442-B4E2-A9C585E252CD}" type="sibTrans" cxnId="{9B06584A-AA3A-AC4B-BB32-782F9D5BCBFE}">
+      <dgm:prSet/>
+      <dgm:spPr/>
+      <dgm:t>
+        <a:bodyPr/>
+        <a:lstStyle/>
+        <a:p>
+          <a:endParaRPr lang="fr-FR"/>
+        </a:p>
+      </dgm:t>
+    </dgm:pt>
+    <dgm:pt modelId="{94334404-4959-5746-94C0-863E399B905D}">
+      <dgm:prSet/>
+      <dgm:spPr/>
+      <dgm:t>
+        <a:bodyPr/>
+        <a:lstStyle/>
+        <a:p>
+          <a:r>
+            <a:rPr lang="fr-FR" dirty="0"/>
+            <a:t>Scénario 1 : </a:t>
+          </a:r>
+        </a:p>
+        <a:p>
+          <a:r>
+            <a:rPr lang="fr-FR" dirty="0"/>
+            <a:t>Optimisation sur le coût</a:t>
+          </a:r>
+        </a:p>
+      </dgm:t>
+    </dgm:pt>
+    <dgm:pt modelId="{B41E5F4F-8F02-5246-A427-FFF0A403607B}" type="parTrans" cxnId="{43CCCBE1-D4D3-334B-B9E1-D8472C5F4074}">
+      <dgm:prSet/>
+      <dgm:spPr/>
+      <dgm:t>
+        <a:bodyPr/>
+        <a:lstStyle/>
+        <a:p>
+          <a:endParaRPr lang="fr-FR"/>
+        </a:p>
+      </dgm:t>
+    </dgm:pt>
+    <dgm:pt modelId="{F93AD34D-22DA-5546-98B0-0AC12EC37915}" type="sibTrans" cxnId="{43CCCBE1-D4D3-334B-B9E1-D8472C5F4074}">
+      <dgm:prSet/>
+      <dgm:spPr/>
+      <dgm:t>
+        <a:bodyPr/>
+        <a:lstStyle/>
+        <a:p>
+          <a:endParaRPr lang="fr-FR"/>
+        </a:p>
+      </dgm:t>
+    </dgm:pt>
+    <dgm:pt modelId="{7A4626AF-54F5-864D-BAEA-ED9A4399E31D}">
+      <dgm:prSet/>
+      <dgm:spPr/>
+      <dgm:t>
+        <a:bodyPr/>
+        <a:lstStyle/>
+        <a:p>
+          <a:r>
+            <a:rPr lang="fr-FR" dirty="0"/>
+            <a:t>Remplacement des 8MW de diesel </a:t>
+          </a:r>
+        </a:p>
+      </dgm:t>
+    </dgm:pt>
+    <dgm:pt modelId="{75F05EC2-03FE-CC43-8878-F6F236BB2AB9}" type="parTrans" cxnId="{110CE687-5F92-A945-8D92-6943DE7609C4}">
+      <dgm:prSet/>
+      <dgm:spPr/>
+      <dgm:t>
+        <a:bodyPr/>
+        <a:lstStyle/>
+        <a:p>
+          <a:endParaRPr lang="fr-FR"/>
+        </a:p>
+      </dgm:t>
+    </dgm:pt>
+    <dgm:pt modelId="{37D3EB31-4C65-4742-84AE-68ED0F581E22}" type="sibTrans" cxnId="{110CE687-5F92-A945-8D92-6943DE7609C4}">
+      <dgm:prSet/>
+      <dgm:spPr/>
+      <dgm:t>
+        <a:bodyPr/>
+        <a:lstStyle/>
+        <a:p>
+          <a:endParaRPr lang="fr-FR"/>
+        </a:p>
+      </dgm:t>
+    </dgm:pt>
+    <dgm:pt modelId="{E60211F9-8ABE-494C-9096-F8E025240355}">
+      <dgm:prSet/>
+      <dgm:spPr/>
+      <dgm:t>
+        <a:bodyPr/>
+        <a:lstStyle/>
+        <a:p>
+          <a:r>
+            <a:rPr lang="fr-FR" dirty="0"/>
+            <a:t>Incorporation de l'éolien, PV et stockage</a:t>
+          </a:r>
+        </a:p>
+      </dgm:t>
+    </dgm:pt>
+    <dgm:pt modelId="{7BC0BB0D-4D39-AD47-82BD-FB8DD9A0C6C7}" type="parTrans" cxnId="{C5A01D6D-A401-024F-864E-4AB8EBE19141}">
+      <dgm:prSet/>
+      <dgm:spPr/>
+      <dgm:t>
+        <a:bodyPr/>
+        <a:lstStyle/>
+        <a:p>
+          <a:endParaRPr lang="fr-FR"/>
+        </a:p>
+      </dgm:t>
+    </dgm:pt>
+    <dgm:pt modelId="{232175CD-0D14-874F-B894-7E9ACBA71AF8}" type="sibTrans" cxnId="{C5A01D6D-A401-024F-864E-4AB8EBE19141}">
+      <dgm:prSet/>
+      <dgm:spPr/>
+      <dgm:t>
+        <a:bodyPr/>
+        <a:lstStyle/>
+        <a:p>
+          <a:endParaRPr lang="fr-FR"/>
+        </a:p>
+      </dgm:t>
+    </dgm:pt>
+    <dgm:pt modelId="{FB4EF08D-5BAD-2943-A744-3C4551EBD6EF}">
+      <dgm:prSet/>
+      <dgm:spPr/>
+      <dgm:t>
+        <a:bodyPr/>
+        <a:lstStyle/>
+        <a:p>
+          <a:endParaRPr lang="fr-FR" dirty="0"/>
+        </a:p>
+      </dgm:t>
+    </dgm:pt>
+    <dgm:pt modelId="{5EA94A39-0DEE-F04F-A4B5-0D0645F74F5E}" type="parTrans" cxnId="{327F61BC-11BC-9249-A4C1-5D38AF1CB905}">
+      <dgm:prSet/>
+      <dgm:spPr/>
+      <dgm:t>
+        <a:bodyPr/>
+        <a:lstStyle/>
+        <a:p>
+          <a:endParaRPr lang="fr-FR"/>
+        </a:p>
+      </dgm:t>
+    </dgm:pt>
+    <dgm:pt modelId="{85E0E7B1-7449-1045-9C20-0AE9B8040D1A}" type="sibTrans" cxnId="{327F61BC-11BC-9249-A4C1-5D38AF1CB905}">
+      <dgm:prSet/>
+      <dgm:spPr/>
+      <dgm:t>
+        <a:bodyPr/>
+        <a:lstStyle/>
+        <a:p>
+          <a:endParaRPr lang="fr-FR"/>
+        </a:p>
+      </dgm:t>
+    </dgm:pt>
+    <dgm:pt modelId="{EC00754D-C27E-E04B-80A0-E93F1363210D}">
+      <dgm:prSet phldrT="[Texte]"/>
+      <dgm:spPr/>
+      <dgm:t>
+        <a:bodyPr/>
+        <a:lstStyle/>
+        <a:p>
+          <a:r>
+            <a:rPr lang="fr-FR" dirty="0"/>
+            <a:t>Perspective horizon 2040</a:t>
+          </a:r>
+        </a:p>
+      </dgm:t>
+    </dgm:pt>
+    <dgm:pt modelId="{59D26708-F517-4E4B-8EF2-97ADAF231307}" type="parTrans" cxnId="{F7DBEAA3-0E52-5543-ABCA-B4E3A09DF16A}">
+      <dgm:prSet/>
+      <dgm:spPr/>
+      <dgm:t>
+        <a:bodyPr/>
+        <a:lstStyle/>
+        <a:p>
+          <a:endParaRPr lang="fr-FR"/>
+        </a:p>
+      </dgm:t>
+    </dgm:pt>
+    <dgm:pt modelId="{D7AD46E2-47AE-AA45-8A7E-201506304A21}" type="sibTrans" cxnId="{F7DBEAA3-0E52-5543-ABCA-B4E3A09DF16A}">
+      <dgm:prSet/>
+      <dgm:spPr/>
+      <dgm:t>
+        <a:bodyPr/>
+        <a:lstStyle/>
+        <a:p>
+          <a:endParaRPr lang="fr-FR"/>
+        </a:p>
+      </dgm:t>
+    </dgm:pt>
     <dgm:pt modelId="{C1217211-5FFF-FA4D-92ED-5E4BB67C5851}" type="pres">
       <dgm:prSet presAssocID="{DDDBDBDA-E571-614B-85EA-D77479111032}" presName="Name0" presStyleCnt="0">
         <dgm:presLayoutVars>
@@ -5683,7 +5894,7 @@
       <dgm:spPr/>
     </dgm:pt>
     <dgm:pt modelId="{D28E3696-B0A4-8F4D-8B72-C607AD438EEC}" type="pres">
-      <dgm:prSet presAssocID="{145D0F48-2ADA-0545-B7F6-092709827707}" presName="parTx" presStyleLbl="alignNode1" presStyleIdx="0" presStyleCnt="3">
+      <dgm:prSet presAssocID="{145D0F48-2ADA-0545-B7F6-092709827707}" presName="parTx" presStyleLbl="alignNode1" presStyleIdx="0" presStyleCnt="4">
         <dgm:presLayoutVars>
           <dgm:chMax val="0"/>
           <dgm:chPref val="0"/>
@@ -5693,7 +5904,7 @@
       <dgm:spPr/>
     </dgm:pt>
     <dgm:pt modelId="{8FA93CE4-9A94-D84E-ADCD-9489B357C5FB}" type="pres">
-      <dgm:prSet presAssocID="{145D0F48-2ADA-0545-B7F6-092709827707}" presName="desTx" presStyleLbl="alignAccFollowNode1" presStyleIdx="0" presStyleCnt="3">
+      <dgm:prSet presAssocID="{145D0F48-2ADA-0545-B7F6-092709827707}" presName="desTx" presStyleLbl="alignAccFollowNode1" presStyleIdx="0" presStyleCnt="4">
         <dgm:presLayoutVars>
           <dgm:bulletEnabled val="1"/>
         </dgm:presLayoutVars>
@@ -5704,12 +5915,38 @@
       <dgm:prSet presAssocID="{DAAE9DE4-CEC4-9A4B-8E82-2269DD5E0C5F}" presName="space" presStyleCnt="0"/>
       <dgm:spPr/>
     </dgm:pt>
+    <dgm:pt modelId="{0AC27FB7-58AB-B344-AA28-6FA3F8B26534}" type="pres">
+      <dgm:prSet presAssocID="{94334404-4959-5746-94C0-863E399B905D}" presName="composite" presStyleCnt="0"/>
+      <dgm:spPr/>
+    </dgm:pt>
+    <dgm:pt modelId="{3ADF4564-5AA7-AE4E-828E-1588317186EF}" type="pres">
+      <dgm:prSet presAssocID="{94334404-4959-5746-94C0-863E399B905D}" presName="parTx" presStyleLbl="alignNode1" presStyleIdx="1" presStyleCnt="4">
+        <dgm:presLayoutVars>
+          <dgm:chMax val="0"/>
+          <dgm:chPref val="0"/>
+          <dgm:bulletEnabled val="1"/>
+        </dgm:presLayoutVars>
+      </dgm:prSet>
+      <dgm:spPr/>
+    </dgm:pt>
+    <dgm:pt modelId="{8E603D87-2F8D-1D45-906E-298D4E566494}" type="pres">
+      <dgm:prSet presAssocID="{94334404-4959-5746-94C0-863E399B905D}" presName="desTx" presStyleLbl="alignAccFollowNode1" presStyleIdx="1" presStyleCnt="4">
+        <dgm:presLayoutVars>
+          <dgm:bulletEnabled val="1"/>
+        </dgm:presLayoutVars>
+      </dgm:prSet>
+      <dgm:spPr/>
+    </dgm:pt>
+    <dgm:pt modelId="{A641A555-78E1-8644-A644-B0EC39747082}" type="pres">
+      <dgm:prSet presAssocID="{F93AD34D-22DA-5546-98B0-0AC12EC37915}" presName="space" presStyleCnt="0"/>
+      <dgm:spPr/>
+    </dgm:pt>
     <dgm:pt modelId="{733CE8B3-EE71-394D-9F96-E2D8CF103A99}" type="pres">
       <dgm:prSet presAssocID="{F8E8819B-B7A0-0244-B320-15D547627544}" presName="composite" presStyleCnt="0"/>
       <dgm:spPr/>
     </dgm:pt>
     <dgm:pt modelId="{61018672-8F3C-F54E-AA6A-785D89A717B7}" type="pres">
-      <dgm:prSet presAssocID="{F8E8819B-B7A0-0244-B320-15D547627544}" presName="parTx" presStyleLbl="alignNode1" presStyleIdx="1" presStyleCnt="3">
+      <dgm:prSet presAssocID="{F8E8819B-B7A0-0244-B320-15D547627544}" presName="parTx" presStyleLbl="alignNode1" presStyleIdx="2" presStyleCnt="4">
         <dgm:presLayoutVars>
           <dgm:chMax val="0"/>
           <dgm:chPref val="0"/>
@@ -5719,7 +5956,7 @@
       <dgm:spPr/>
     </dgm:pt>
     <dgm:pt modelId="{88BD0DAF-79DF-1846-92C0-6520794FB2E1}" type="pres">
-      <dgm:prSet presAssocID="{F8E8819B-B7A0-0244-B320-15D547627544}" presName="desTx" presStyleLbl="alignAccFollowNode1" presStyleIdx="1" presStyleCnt="3">
+      <dgm:prSet presAssocID="{F8E8819B-B7A0-0244-B320-15D547627544}" presName="desTx" presStyleLbl="alignAccFollowNode1" presStyleIdx="2" presStyleCnt="4">
         <dgm:presLayoutVars>
           <dgm:bulletEnabled val="1"/>
         </dgm:presLayoutVars>
@@ -5735,7 +5972,7 @@
       <dgm:spPr/>
     </dgm:pt>
     <dgm:pt modelId="{57E1324E-8E5F-F340-BE72-439A8D813323}" type="pres">
-      <dgm:prSet presAssocID="{A4A7EC6A-9367-DA4F-9878-0FE98480303E}" presName="parTx" presStyleLbl="alignNode1" presStyleIdx="2" presStyleCnt="3">
+      <dgm:prSet presAssocID="{A4A7EC6A-9367-DA4F-9878-0FE98480303E}" presName="parTx" presStyleLbl="alignNode1" presStyleIdx="3" presStyleCnt="4">
         <dgm:presLayoutVars>
           <dgm:chMax val="0"/>
           <dgm:chPref val="0"/>
@@ -5745,7 +5982,7 @@
       <dgm:spPr/>
     </dgm:pt>
     <dgm:pt modelId="{081493BB-7F0A-9F42-972B-D6E2A0638FAD}" type="pres">
-      <dgm:prSet presAssocID="{A4A7EC6A-9367-DA4F-9878-0FE98480303E}" presName="desTx" presStyleLbl="alignAccFollowNode1" presStyleIdx="2" presStyleCnt="3">
+      <dgm:prSet presAssocID="{A4A7EC6A-9367-DA4F-9878-0FE98480303E}" presName="desTx" presStyleLbl="alignAccFollowNode1" presStyleIdx="3" presStyleCnt="4">
         <dgm:presLayoutVars>
           <dgm:bulletEnabled val="1"/>
         </dgm:presLayoutVars>
@@ -5754,28 +5991,44 @@
     </dgm:pt>
   </dgm:ptLst>
   <dgm:cxnLst>
+    <dgm:cxn modelId="{7D7CD801-0C11-9543-A012-E0430C84C721}" type="presOf" srcId="{00B56FBB-66C9-3D4B-931F-3D66BDDCCCEC}" destId="{88BD0DAF-79DF-1846-92C0-6520794FB2E1}" srcOrd="0" destOrd="1" presId="urn:microsoft.com/office/officeart/2005/8/layout/hList1"/>
+    <dgm:cxn modelId="{CB250203-8A2D-A44E-8AD2-FDD2881DEC35}" type="presOf" srcId="{E60211F9-8ABE-494C-9096-F8E025240355}" destId="{8E603D87-2F8D-1D45-906E-298D4E566494}" srcOrd="0" destOrd="0" presId="urn:microsoft.com/office/officeart/2005/8/layout/hList1"/>
     <dgm:cxn modelId="{34829405-AB34-4E4E-A4C8-A97F21437A33}" type="presOf" srcId="{537D130C-9084-2B42-B44B-D8FBE1F3F689}" destId="{081493BB-7F0A-9F42-972B-D6E2A0638FAD}" srcOrd="0" destOrd="1" presId="urn:microsoft.com/office/officeart/2005/8/layout/hList1"/>
     <dgm:cxn modelId="{BDBDB714-C879-5A4B-921C-E1B906C783CE}" type="presOf" srcId="{DDDBDBDA-E571-614B-85EA-D77479111032}" destId="{C1217211-5FFF-FA4D-92ED-5E4BB67C5851}" srcOrd="0" destOrd="0" presId="urn:microsoft.com/office/officeart/2005/8/layout/hList1"/>
-    <dgm:cxn modelId="{2D7EBA1D-CFBC-5F4C-97CF-21631A7A698B}" srcId="{DDDBDBDA-E571-614B-85EA-D77479111032}" destId="{A4A7EC6A-9367-DA4F-9878-0FE98480303E}" srcOrd="2" destOrd="0" parTransId="{E89307F3-3032-B849-819A-67E33202CEDC}" sibTransId="{6D9C7951-9196-A348-A4D1-E26773858636}"/>
+    <dgm:cxn modelId="{2D7EBA1D-CFBC-5F4C-97CF-21631A7A698B}" srcId="{DDDBDBDA-E571-614B-85EA-D77479111032}" destId="{A4A7EC6A-9367-DA4F-9878-0FE98480303E}" srcOrd="3" destOrd="0" parTransId="{E89307F3-3032-B849-819A-67E33202CEDC}" sibTransId="{6D9C7951-9196-A348-A4D1-E26773858636}"/>
     <dgm:cxn modelId="{47A97633-0F52-8047-AA55-B5A474BDAC91}" srcId="{F8E8819B-B7A0-0244-B320-15D547627544}" destId="{9D3714B1-4C1D-3548-A951-A08579D6A9F1}" srcOrd="0" destOrd="0" parTransId="{6EA2897E-C88F-BD42-8877-0E0D35177BE7}" sibTransId="{8E0EF790-0608-4541-83D1-9FD13F6A0E0F}"/>
-    <dgm:cxn modelId="{6C39C14E-53B0-E748-A28D-F190B7DB021A}" srcId="{DDDBDBDA-E571-614B-85EA-D77479111032}" destId="{F8E8819B-B7A0-0244-B320-15D547627544}" srcOrd="1" destOrd="0" parTransId="{DC3602B7-5A41-5D43-AD58-F298576A6266}" sibTransId="{ADDA49F9-A924-6A4B-98F6-9D90CC342360}"/>
+    <dgm:cxn modelId="{9B06584A-AA3A-AC4B-BB32-782F9D5BCBFE}" srcId="{F8E8819B-B7A0-0244-B320-15D547627544}" destId="{00B56FBB-66C9-3D4B-931F-3D66BDDCCCEC}" srcOrd="1" destOrd="0" parTransId="{3665C1D7-4708-CE4F-BEC2-EB19A2532F97}" sibTransId="{2F9C94AC-3483-F442-B4E2-A9C585E252CD}"/>
+    <dgm:cxn modelId="{6C39C14E-53B0-E748-A28D-F190B7DB021A}" srcId="{DDDBDBDA-E571-614B-85EA-D77479111032}" destId="{F8E8819B-B7A0-0244-B320-15D547627544}" srcOrd="2" destOrd="0" parTransId="{DC3602B7-5A41-5D43-AD58-F298576A6266}" sibTransId="{ADDA49F9-A924-6A4B-98F6-9D90CC342360}"/>
     <dgm:cxn modelId="{92824350-DA10-3C49-BCB2-2791AE4A6606}" srcId="{A4A7EC6A-9367-DA4F-9878-0FE98480303E}" destId="{537D130C-9084-2B42-B44B-D8FBE1F3F689}" srcOrd="1" destOrd="0" parTransId="{F4FF8CA5-4E68-CC43-8CF8-1E0D4BEF36DD}" sibTransId="{BD3D8357-74A6-8F4B-8303-6DB449984183}"/>
     <dgm:cxn modelId="{3F941D60-FD64-4E4E-8BEA-0443F82CB549}" srcId="{DDDBDBDA-E571-614B-85EA-D77479111032}" destId="{145D0F48-2ADA-0545-B7F6-092709827707}" srcOrd="0" destOrd="0" parTransId="{E460C793-D9DC-364B-B9B2-544B0BDAB160}" sibTransId="{DAAE9DE4-CEC4-9A4B-8E82-2269DD5E0C5F}"/>
     <dgm:cxn modelId="{A448BA60-659E-2244-9575-1FF1FD89325A}" srcId="{A4A7EC6A-9367-DA4F-9878-0FE98480303E}" destId="{E2668BC3-C748-4F4A-81B2-24373C396AAC}" srcOrd="0" destOrd="0" parTransId="{C08A15E9-F3B0-9345-950F-F0951F00D9FC}" sibTransId="{B630E7A7-9C6B-7245-B16E-F23748ED99FF}"/>
+    <dgm:cxn modelId="{C5A01D6D-A401-024F-864E-4AB8EBE19141}" srcId="{94334404-4959-5746-94C0-863E399B905D}" destId="{E60211F9-8ABE-494C-9096-F8E025240355}" srcOrd="0" destOrd="0" parTransId="{7BC0BB0D-4D39-AD47-82BD-FB8DD9A0C6C7}" sibTransId="{232175CD-0D14-874F-B894-7E9ACBA71AF8}"/>
+    <dgm:cxn modelId="{832DB284-7AE9-BB4F-9C38-8ABCEBFAFD1A}" type="presOf" srcId="{FB4EF08D-5BAD-2943-A744-3C4551EBD6EF}" destId="{8E603D87-2F8D-1D45-906E-298D4E566494}" srcOrd="0" destOrd="1" presId="urn:microsoft.com/office/officeart/2005/8/layout/hList1"/>
+    <dgm:cxn modelId="{110CE687-5F92-A945-8D92-6943DE7609C4}" srcId="{145D0F48-2ADA-0545-B7F6-092709827707}" destId="{7A4626AF-54F5-864D-BAEA-ED9A4399E31D}" srcOrd="0" destOrd="0" parTransId="{75F05EC2-03FE-CC43-8878-F6F236BB2AB9}" sibTransId="{37D3EB31-4C65-4742-84AE-68ED0F581E22}"/>
+    <dgm:cxn modelId="{E1433A8F-1035-064B-8D53-E251D82B9F78}" type="presOf" srcId="{94334404-4959-5746-94C0-863E399B905D}" destId="{3ADF4564-5AA7-AE4E-828E-1588317186EF}" srcOrd="0" destOrd="0" presId="urn:microsoft.com/office/officeart/2005/8/layout/hList1"/>
     <dgm:cxn modelId="{06135D90-A913-5644-9E05-96111CBD645C}" type="presOf" srcId="{145D0F48-2ADA-0545-B7F6-092709827707}" destId="{D28E3696-B0A4-8F4D-8B72-C607AD438EEC}" srcOrd="0" destOrd="0" presId="urn:microsoft.com/office/officeart/2005/8/layout/hList1"/>
     <dgm:cxn modelId="{C0C4129E-B661-5A42-9A5A-C3F71FB8925D}" type="presOf" srcId="{A4A7EC6A-9367-DA4F-9878-0FE98480303E}" destId="{57E1324E-8E5F-F340-BE72-439A8D813323}" srcOrd="0" destOrd="0" presId="urn:microsoft.com/office/officeart/2005/8/layout/hList1"/>
+    <dgm:cxn modelId="{F7DBEAA3-0E52-5543-ABCA-B4E3A09DF16A}" srcId="{F8E8819B-B7A0-0244-B320-15D547627544}" destId="{EC00754D-C27E-E04B-80A0-E93F1363210D}" srcOrd="2" destOrd="0" parTransId="{59D26708-F517-4E4B-8EF2-97ADAF231307}" sibTransId="{D7AD46E2-47AE-AA45-8A7E-201506304A21}"/>
+    <dgm:cxn modelId="{327F61BC-11BC-9249-A4C1-5D38AF1CB905}" srcId="{94334404-4959-5746-94C0-863E399B905D}" destId="{FB4EF08D-5BAD-2943-A744-3C4551EBD6EF}" srcOrd="1" destOrd="0" parTransId="{5EA94A39-0DEE-F04F-A4B5-0D0645F74F5E}" sibTransId="{85E0E7B1-7449-1045-9C20-0AE9B8040D1A}"/>
     <dgm:cxn modelId="{9ACE63D6-6D98-BD4A-B077-06569419715E}" type="presOf" srcId="{9D3714B1-4C1D-3548-A951-A08579D6A9F1}" destId="{88BD0DAF-79DF-1846-92C0-6520794FB2E1}" srcOrd="0" destOrd="0" presId="urn:microsoft.com/office/officeart/2005/8/layout/hList1"/>
     <dgm:cxn modelId="{462ECBDF-76AE-0745-8033-7F328EEF3ECE}" type="presOf" srcId="{E2668BC3-C748-4F4A-81B2-24373C396AAC}" destId="{081493BB-7F0A-9F42-972B-D6E2A0638FAD}" srcOrd="0" destOrd="0" presId="urn:microsoft.com/office/officeart/2005/8/layout/hList1"/>
+    <dgm:cxn modelId="{43CCCBE1-D4D3-334B-B9E1-D8472C5F4074}" srcId="{DDDBDBDA-E571-614B-85EA-D77479111032}" destId="{94334404-4959-5746-94C0-863E399B905D}" srcOrd="1" destOrd="0" parTransId="{B41E5F4F-8F02-5246-A427-FFF0A403607B}" sibTransId="{F93AD34D-22DA-5546-98B0-0AC12EC37915}"/>
+    <dgm:cxn modelId="{E20D33EB-5F67-D34F-AB4D-090E34F66EE7}" type="presOf" srcId="{EC00754D-C27E-E04B-80A0-E93F1363210D}" destId="{88BD0DAF-79DF-1846-92C0-6520794FB2E1}" srcOrd="0" destOrd="2" presId="urn:microsoft.com/office/officeart/2005/8/layout/hList1"/>
+    <dgm:cxn modelId="{F31077EB-ECE0-AB46-A7E1-595E75E6E683}" type="presOf" srcId="{7A4626AF-54F5-864D-BAEA-ED9A4399E31D}" destId="{8FA93CE4-9A94-D84E-ADCD-9489B357C5FB}" srcOrd="0" destOrd="0" presId="urn:microsoft.com/office/officeart/2005/8/layout/hList1"/>
     <dgm:cxn modelId="{24FAF2F3-8F02-6C41-8D43-63E777F1CE0D}" type="presOf" srcId="{F8E8819B-B7A0-0244-B320-15D547627544}" destId="{61018672-8F3C-F54E-AA6A-785D89A717B7}" srcOrd="0" destOrd="0" presId="urn:microsoft.com/office/officeart/2005/8/layout/hList1"/>
     <dgm:cxn modelId="{68701CCC-90F3-0946-A681-159A5A7DD195}" type="presParOf" srcId="{C1217211-5FFF-FA4D-92ED-5E4BB67C5851}" destId="{E203C5DE-E552-8E4D-A271-9712CF68AB6A}" srcOrd="0" destOrd="0" presId="urn:microsoft.com/office/officeart/2005/8/layout/hList1"/>
     <dgm:cxn modelId="{8C3E3E4D-CF95-AD41-8366-E609B66213CA}" type="presParOf" srcId="{E203C5DE-E552-8E4D-A271-9712CF68AB6A}" destId="{D28E3696-B0A4-8F4D-8B72-C607AD438EEC}" srcOrd="0" destOrd="0" presId="urn:microsoft.com/office/officeart/2005/8/layout/hList1"/>
     <dgm:cxn modelId="{214A5C9C-CF54-1140-8A4B-A867FEFCE0B4}" type="presParOf" srcId="{E203C5DE-E552-8E4D-A271-9712CF68AB6A}" destId="{8FA93CE4-9A94-D84E-ADCD-9489B357C5FB}" srcOrd="1" destOrd="0" presId="urn:microsoft.com/office/officeart/2005/8/layout/hList1"/>
     <dgm:cxn modelId="{8B2E7636-9AB5-434D-9A7A-34449FEF6836}" type="presParOf" srcId="{C1217211-5FFF-FA4D-92ED-5E4BB67C5851}" destId="{4769BAFD-5818-EB44-9804-359262F91A0F}" srcOrd="1" destOrd="0" presId="urn:microsoft.com/office/officeart/2005/8/layout/hList1"/>
-    <dgm:cxn modelId="{EF3E8708-A75C-214F-8E7B-25DFD1449F38}" type="presParOf" srcId="{C1217211-5FFF-FA4D-92ED-5E4BB67C5851}" destId="{733CE8B3-EE71-394D-9F96-E2D8CF103A99}" srcOrd="2" destOrd="0" presId="urn:microsoft.com/office/officeart/2005/8/layout/hList1"/>
+    <dgm:cxn modelId="{A5A1E1C3-5834-684C-86CC-E21CBC1A207A}" type="presParOf" srcId="{C1217211-5FFF-FA4D-92ED-5E4BB67C5851}" destId="{0AC27FB7-58AB-B344-AA28-6FA3F8B26534}" srcOrd="2" destOrd="0" presId="urn:microsoft.com/office/officeart/2005/8/layout/hList1"/>
+    <dgm:cxn modelId="{4EB9A7C9-E4BB-3A41-9BE5-520C68533FF2}" type="presParOf" srcId="{0AC27FB7-58AB-B344-AA28-6FA3F8B26534}" destId="{3ADF4564-5AA7-AE4E-828E-1588317186EF}" srcOrd="0" destOrd="0" presId="urn:microsoft.com/office/officeart/2005/8/layout/hList1"/>
+    <dgm:cxn modelId="{788E3A02-8836-DC44-8B19-25C6CDFDE191}" type="presParOf" srcId="{0AC27FB7-58AB-B344-AA28-6FA3F8B26534}" destId="{8E603D87-2F8D-1D45-906E-298D4E566494}" srcOrd="1" destOrd="0" presId="urn:microsoft.com/office/officeart/2005/8/layout/hList1"/>
+    <dgm:cxn modelId="{EE0B81E7-D338-7047-B8F5-2E5220B6C000}" type="presParOf" srcId="{C1217211-5FFF-FA4D-92ED-5E4BB67C5851}" destId="{A641A555-78E1-8644-A644-B0EC39747082}" srcOrd="3" destOrd="0" presId="urn:microsoft.com/office/officeart/2005/8/layout/hList1"/>
+    <dgm:cxn modelId="{EF3E8708-A75C-214F-8E7B-25DFD1449F38}" type="presParOf" srcId="{C1217211-5FFF-FA4D-92ED-5E4BB67C5851}" destId="{733CE8B3-EE71-394D-9F96-E2D8CF103A99}" srcOrd="4" destOrd="0" presId="urn:microsoft.com/office/officeart/2005/8/layout/hList1"/>
     <dgm:cxn modelId="{DF475C82-5500-1347-9B50-107CA37330C3}" type="presParOf" srcId="{733CE8B3-EE71-394D-9F96-E2D8CF103A99}" destId="{61018672-8F3C-F54E-AA6A-785D89A717B7}" srcOrd="0" destOrd="0" presId="urn:microsoft.com/office/officeart/2005/8/layout/hList1"/>
     <dgm:cxn modelId="{D54CEDC7-C75F-2046-A78E-D226421C749D}" type="presParOf" srcId="{733CE8B3-EE71-394D-9F96-E2D8CF103A99}" destId="{88BD0DAF-79DF-1846-92C0-6520794FB2E1}" srcOrd="1" destOrd="0" presId="urn:microsoft.com/office/officeart/2005/8/layout/hList1"/>
-    <dgm:cxn modelId="{ADCE0319-2526-834B-B1F5-A96F56C7A096}" type="presParOf" srcId="{C1217211-5FFF-FA4D-92ED-5E4BB67C5851}" destId="{C96F93B4-7977-4A47-9419-A39E0B07C59C}" srcOrd="3" destOrd="0" presId="urn:microsoft.com/office/officeart/2005/8/layout/hList1"/>
-    <dgm:cxn modelId="{F9B06A5C-39FE-2A48-B6FA-AB0FA2C0DF7B}" type="presParOf" srcId="{C1217211-5FFF-FA4D-92ED-5E4BB67C5851}" destId="{782B6A52-BC23-324D-9674-EC3F40305C3A}" srcOrd="4" destOrd="0" presId="urn:microsoft.com/office/officeart/2005/8/layout/hList1"/>
+    <dgm:cxn modelId="{ADCE0319-2526-834B-B1F5-A96F56C7A096}" type="presParOf" srcId="{C1217211-5FFF-FA4D-92ED-5E4BB67C5851}" destId="{C96F93B4-7977-4A47-9419-A39E0B07C59C}" srcOrd="5" destOrd="0" presId="urn:microsoft.com/office/officeart/2005/8/layout/hList1"/>
+    <dgm:cxn modelId="{F9B06A5C-39FE-2A48-B6FA-AB0FA2C0DF7B}" type="presParOf" srcId="{C1217211-5FFF-FA4D-92ED-5E4BB67C5851}" destId="{782B6A52-BC23-324D-9674-EC3F40305C3A}" srcOrd="6" destOrd="0" presId="urn:microsoft.com/office/officeart/2005/8/layout/hList1"/>
     <dgm:cxn modelId="{58C83527-833C-5741-8764-185D605900BA}" type="presParOf" srcId="{782B6A52-BC23-324D-9674-EC3F40305C3A}" destId="{57E1324E-8E5F-F340-BE72-439A8D813323}" srcOrd="0" destOrd="0" presId="urn:microsoft.com/office/officeart/2005/8/layout/hList1"/>
     <dgm:cxn modelId="{75D639D1-1D43-6144-B788-1674A425D489}" type="presParOf" srcId="{782B6A52-BC23-324D-9674-EC3F40305C3A}" destId="{081493BB-7F0A-9F42-972B-D6E2A0638FAD}" srcOrd="1" destOrd="0" presId="urn:microsoft.com/office/officeart/2005/8/layout/hList1"/>
   </dgm:cxnLst>
@@ -5804,8 +6057,8 @@
       </dsp:nvSpPr>
       <dsp:spPr>
         <a:xfrm>
-          <a:off x="3567" y="658427"/>
-          <a:ext cx="3478225" cy="1228505"/>
+          <a:off x="4292" y="930306"/>
+          <a:ext cx="2580798" cy="998191"/>
         </a:xfrm>
         <a:prstGeom prst="rect">
           <a:avLst/>
@@ -5847,12 +6100,12 @@
         </a:fontRef>
       </dsp:style>
       <dsp:txBody>
-        <a:bodyPr spcFirstLastPara="0" vert="horz" wrap="square" lIns="156464" tIns="89408" rIns="156464" bIns="89408" numCol="1" spcCol="1270" anchor="ctr" anchorCtr="0">
+        <a:bodyPr spcFirstLastPara="0" vert="horz" wrap="square" lIns="128016" tIns="73152" rIns="128016" bIns="73152" numCol="1" spcCol="1270" anchor="ctr" anchorCtr="0">
           <a:noAutofit/>
         </a:bodyPr>
         <a:lstStyle/>
         <a:p>
-          <a:pPr marL="0" lvl="0" indent="0" algn="ctr" defTabSz="977900">
+          <a:pPr marL="0" lvl="0" indent="0" algn="ctr" defTabSz="800100">
             <a:lnSpc>
               <a:spcPct val="90000"/>
             </a:lnSpc>
@@ -5865,32 +6118,14 @@
             <a:buNone/>
           </a:pPr>
           <a:r>
-            <a:rPr lang="fr-FR" sz="2200" kern="1200" dirty="0"/>
-            <a:t>Scénario 1 : </a:t>
-          </a:r>
-        </a:p>
-        <a:p>
-          <a:pPr marL="0" lvl="0" indent="0" algn="ctr" defTabSz="977900">
-            <a:lnSpc>
-              <a:spcPct val="90000"/>
-            </a:lnSpc>
-            <a:spcBef>
-              <a:spcPct val="0"/>
-            </a:spcBef>
-            <a:spcAft>
-              <a:spcPct val="35000"/>
-            </a:spcAft>
-            <a:buNone/>
-          </a:pPr>
-          <a:r>
-            <a:rPr lang="fr-FR" sz="2200" kern="1200" dirty="0"/>
-            <a:t>Optimisation sur les coûts</a:t>
+            <a:rPr lang="fr-FR" sz="1800" kern="1200" dirty="0"/>
+            <a:t>Scénario de référence :</a:t>
           </a:r>
         </a:p>
       </dsp:txBody>
       <dsp:txXfrm>
-        <a:off x="3567" y="658427"/>
-        <a:ext cx="3478225" cy="1228505"/>
+        <a:off x="4292" y="930306"/>
+        <a:ext cx="2580798" cy="998191"/>
       </dsp:txXfrm>
     </dsp:sp>
     <dsp:sp modelId="{8FA93CE4-9A94-D84E-ADCD-9489B357C5FB}">
@@ -5900,8 +6135,8 @@
       </dsp:nvSpPr>
       <dsp:spPr>
         <a:xfrm>
-          <a:off x="3567" y="1886933"/>
-          <a:ext cx="3478225" cy="1902285"/>
+          <a:off x="4292" y="1928498"/>
+          <a:ext cx="2580798" cy="1588840"/>
         </a:xfrm>
         <a:prstGeom prst="rect">
           <a:avLst/>
@@ -5944,34 +6179,62 @@
         </a:effectRef>
         <a:fontRef idx="minor"/>
       </dsp:style>
+      <dsp:txBody>
+        <a:bodyPr spcFirstLastPara="0" vert="horz" wrap="square" lIns="96012" tIns="96012" rIns="128016" bIns="144018" numCol="1" spcCol="1270" anchor="t" anchorCtr="0">
+          <a:noAutofit/>
+        </a:bodyPr>
+        <a:lstStyle/>
+        <a:p>
+          <a:pPr marL="171450" lvl="1" indent="-171450" algn="l" defTabSz="800100">
+            <a:lnSpc>
+              <a:spcPct val="90000"/>
+            </a:lnSpc>
+            <a:spcBef>
+              <a:spcPct val="0"/>
+            </a:spcBef>
+            <a:spcAft>
+              <a:spcPct val="15000"/>
+            </a:spcAft>
+            <a:buChar char="•"/>
+          </a:pPr>
+          <a:r>
+            <a:rPr lang="fr-FR" sz="1800" kern="1200" dirty="0"/>
+            <a:t>Remplacement des 8MW de diesel </a:t>
+          </a:r>
+        </a:p>
+      </dsp:txBody>
+      <dsp:txXfrm>
+        <a:off x="4292" y="1928498"/>
+        <a:ext cx="2580798" cy="1588840"/>
+      </dsp:txXfrm>
     </dsp:sp>
-    <dsp:sp modelId="{61018672-8F3C-F54E-AA6A-785D89A717B7}">
+    <dsp:sp modelId="{3ADF4564-5AA7-AE4E-828E-1588317186EF}">
       <dsp:nvSpPr>
         <dsp:cNvPr id="0" name=""/>
         <dsp:cNvSpPr/>
       </dsp:nvSpPr>
       <dsp:spPr>
         <a:xfrm>
-          <a:off x="3968743" y="658427"/>
-          <a:ext cx="3478225" cy="1228505"/>
+          <a:off x="2946402" y="930306"/>
+          <a:ext cx="2580798" cy="998191"/>
         </a:xfrm>
         <a:prstGeom prst="rect">
           <a:avLst/>
         </a:prstGeom>
         <a:solidFill>
           <a:schemeClr val="accent4">
-            <a:hueOff val="4900445"/>
-            <a:satOff val="-20388"/>
-            <a:lumOff val="4804"/>
+            <a:hueOff val="3266964"/>
+            <a:satOff val="-13592"/>
+            <a:lumOff val="3203"/>
             <a:alphaOff val="0"/>
           </a:schemeClr>
         </a:solidFill>
         <a:ln w="12700" cap="flat" cmpd="sng" algn="ctr">
           <a:solidFill>
             <a:schemeClr val="accent4">
-              <a:hueOff val="4900445"/>
-              <a:satOff val="-20388"/>
-              <a:lumOff val="4804"/>
+              <a:hueOff val="3266964"/>
+              <a:satOff val="-13592"/>
+              <a:lumOff val="3203"/>
               <a:alphaOff val="0"/>
             </a:schemeClr>
           </a:solidFill>
@@ -5995,12 +6258,12 @@
         </a:fontRef>
       </dsp:style>
       <dsp:txBody>
-        <a:bodyPr spcFirstLastPara="0" vert="horz" wrap="square" lIns="156464" tIns="89408" rIns="156464" bIns="89408" numCol="1" spcCol="1270" anchor="ctr" anchorCtr="0">
+        <a:bodyPr spcFirstLastPara="0" vert="horz" wrap="square" lIns="128016" tIns="73152" rIns="128016" bIns="73152" numCol="1" spcCol="1270" anchor="ctr" anchorCtr="0">
           <a:noAutofit/>
         </a:bodyPr>
         <a:lstStyle/>
         <a:p>
-          <a:pPr marL="0" lvl="0" indent="0" algn="ctr" defTabSz="977900">
+          <a:pPr marL="0" lvl="0" indent="0" algn="ctr" defTabSz="800100">
             <a:lnSpc>
               <a:spcPct val="90000"/>
             </a:lnSpc>
@@ -6013,12 +6276,12 @@
             <a:buNone/>
           </a:pPr>
           <a:r>
-            <a:rPr lang="fr-FR" sz="2200" kern="1200" dirty="0"/>
-            <a:t>Scénario 2 : </a:t>
+            <a:rPr lang="fr-FR" sz="1800" kern="1200" dirty="0"/>
+            <a:t>Scénario 1 : </a:t>
           </a:r>
         </a:p>
         <a:p>
-          <a:pPr marL="0" lvl="0" indent="0" algn="ctr" defTabSz="977900">
+          <a:pPr marL="0" lvl="0" indent="0" algn="ctr" defTabSz="800100">
             <a:lnSpc>
               <a:spcPct val="90000"/>
             </a:lnSpc>
@@ -6031,25 +6294,25 @@
             <a:buNone/>
           </a:pPr>
           <a:r>
-            <a:rPr lang="fr-FR" sz="2200" kern="1200" dirty="0"/>
-            <a:t>Optimisation sur la pollution</a:t>
+            <a:rPr lang="fr-FR" sz="1800" kern="1200" dirty="0"/>
+            <a:t>Optimisation sur le coût</a:t>
           </a:r>
         </a:p>
       </dsp:txBody>
       <dsp:txXfrm>
-        <a:off x="3968743" y="658427"/>
-        <a:ext cx="3478225" cy="1228505"/>
+        <a:off x="2946402" y="930306"/>
+        <a:ext cx="2580798" cy="998191"/>
       </dsp:txXfrm>
     </dsp:sp>
-    <dsp:sp modelId="{88BD0DAF-79DF-1846-92C0-6520794FB2E1}">
+    <dsp:sp modelId="{8E603D87-2F8D-1D45-906E-298D4E566494}">
       <dsp:nvSpPr>
         <dsp:cNvPr id="0" name=""/>
         <dsp:cNvSpPr/>
       </dsp:nvSpPr>
       <dsp:spPr>
         <a:xfrm>
-          <a:off x="3968743" y="1886933"/>
-          <a:ext cx="3478225" cy="1902285"/>
+          <a:off x="2946402" y="1928498"/>
+          <a:ext cx="2580798" cy="1588840"/>
         </a:xfrm>
         <a:prstGeom prst="rect">
           <a:avLst/>
@@ -6058,9 +6321,9 @@
           <a:schemeClr val="accent4">
             <a:tint val="40000"/>
             <a:alpha val="90000"/>
-            <a:hueOff val="5430963"/>
-            <a:satOff val="-25622"/>
-            <a:lumOff val="-925"/>
+            <a:hueOff val="3620642"/>
+            <a:satOff val="-17082"/>
+            <a:lumOff val="-617"/>
             <a:alphaOff val="0"/>
           </a:schemeClr>
         </a:solidFill>
@@ -6069,9 +6332,9 @@
             <a:schemeClr val="accent4">
               <a:tint val="40000"/>
               <a:alpha val="90000"/>
-              <a:hueOff val="5430963"/>
-              <a:satOff val="-25622"/>
-              <a:lumOff val="-925"/>
+              <a:hueOff val="3620642"/>
+              <a:satOff val="-17082"/>
+              <a:lumOff val="-617"/>
               <a:alphaOff val="0"/>
             </a:schemeClr>
           </a:solidFill>
@@ -6093,12 +6356,12 @@
         <a:fontRef idx="minor"/>
       </dsp:style>
       <dsp:txBody>
-        <a:bodyPr spcFirstLastPara="0" vert="horz" wrap="square" lIns="117348" tIns="117348" rIns="156464" bIns="176022" numCol="1" spcCol="1270" anchor="t" anchorCtr="0">
+        <a:bodyPr spcFirstLastPara="0" vert="horz" wrap="square" lIns="96012" tIns="96012" rIns="128016" bIns="144018" numCol="1" spcCol="1270" anchor="t" anchorCtr="0">
           <a:noAutofit/>
         </a:bodyPr>
         <a:lstStyle/>
         <a:p>
-          <a:pPr marL="228600" lvl="1" indent="-228600" algn="l" defTabSz="977900">
+          <a:pPr marL="171450" lvl="1" indent="-171450" algn="l" defTabSz="800100">
             <a:lnSpc>
               <a:spcPct val="90000"/>
             </a:lnSpc>
@@ -6111,14 +6374,241 @@
             <a:buChar char="•"/>
           </a:pPr>
           <a:r>
-            <a:rPr lang="fr-FR" sz="2200" kern="1200" dirty="0"/>
-            <a:t>Augmentation du prix de la tonne de CO2</a:t>
+            <a:rPr lang="fr-FR" sz="1800" kern="1200" dirty="0"/>
+            <a:t>Incorporation de l'éolien, PV et stockage</a:t>
+          </a:r>
+        </a:p>
+        <a:p>
+          <a:pPr marL="171450" lvl="1" indent="-171450" algn="l" defTabSz="800100">
+            <a:lnSpc>
+              <a:spcPct val="90000"/>
+            </a:lnSpc>
+            <a:spcBef>
+              <a:spcPct val="0"/>
+            </a:spcBef>
+            <a:spcAft>
+              <a:spcPct val="15000"/>
+            </a:spcAft>
+            <a:buChar char="•"/>
+          </a:pPr>
+          <a:endParaRPr lang="fr-FR" sz="1800" kern="1200" dirty="0"/>
+        </a:p>
+      </dsp:txBody>
+      <dsp:txXfrm>
+        <a:off x="2946402" y="1928498"/>
+        <a:ext cx="2580798" cy="1588840"/>
+      </dsp:txXfrm>
+    </dsp:sp>
+    <dsp:sp modelId="{61018672-8F3C-F54E-AA6A-785D89A717B7}">
+      <dsp:nvSpPr>
+        <dsp:cNvPr id="0" name=""/>
+        <dsp:cNvSpPr/>
+      </dsp:nvSpPr>
+      <dsp:spPr>
+        <a:xfrm>
+          <a:off x="5888512" y="930306"/>
+          <a:ext cx="2580798" cy="998191"/>
+        </a:xfrm>
+        <a:prstGeom prst="rect">
+          <a:avLst/>
+        </a:prstGeom>
+        <a:solidFill>
+          <a:schemeClr val="accent4">
+            <a:hueOff val="6533927"/>
+            <a:satOff val="-27185"/>
+            <a:lumOff val="6405"/>
+            <a:alphaOff val="0"/>
+          </a:schemeClr>
+        </a:solidFill>
+        <a:ln w="12700" cap="flat" cmpd="sng" algn="ctr">
+          <a:solidFill>
+            <a:schemeClr val="accent4">
+              <a:hueOff val="6533927"/>
+              <a:satOff val="-27185"/>
+              <a:lumOff val="6405"/>
+              <a:alphaOff val="0"/>
+            </a:schemeClr>
+          </a:solidFill>
+          <a:prstDash val="solid"/>
+          <a:miter lim="800000"/>
+        </a:ln>
+        <a:effectLst/>
+      </dsp:spPr>
+      <dsp:style>
+        <a:lnRef idx="2">
+          <a:scrgbClr r="0" g="0" b="0"/>
+        </a:lnRef>
+        <a:fillRef idx="1">
+          <a:scrgbClr r="0" g="0" b="0"/>
+        </a:fillRef>
+        <a:effectRef idx="0">
+          <a:scrgbClr r="0" g="0" b="0"/>
+        </a:effectRef>
+        <a:fontRef idx="minor">
+          <a:schemeClr val="lt1"/>
+        </a:fontRef>
+      </dsp:style>
+      <dsp:txBody>
+        <a:bodyPr spcFirstLastPara="0" vert="horz" wrap="square" lIns="128016" tIns="73152" rIns="128016" bIns="73152" numCol="1" spcCol="1270" anchor="ctr" anchorCtr="0">
+          <a:noAutofit/>
+        </a:bodyPr>
+        <a:lstStyle/>
+        <a:p>
+          <a:pPr marL="0" lvl="0" indent="0" algn="ctr" defTabSz="800100">
+            <a:lnSpc>
+              <a:spcPct val="90000"/>
+            </a:lnSpc>
+            <a:spcBef>
+              <a:spcPct val="0"/>
+            </a:spcBef>
+            <a:spcAft>
+              <a:spcPct val="35000"/>
+            </a:spcAft>
+            <a:buNone/>
+          </a:pPr>
+          <a:r>
+            <a:rPr lang="fr-FR" sz="1800" kern="1200" dirty="0"/>
+            <a:t>Scénario 2 : </a:t>
+          </a:r>
+        </a:p>
+        <a:p>
+          <a:pPr marL="0" lvl="0" indent="0" algn="ctr" defTabSz="800100">
+            <a:lnSpc>
+              <a:spcPct val="90000"/>
+            </a:lnSpc>
+            <a:spcBef>
+              <a:spcPct val="0"/>
+            </a:spcBef>
+            <a:spcAft>
+              <a:spcPct val="35000"/>
+            </a:spcAft>
+            <a:buNone/>
+          </a:pPr>
+          <a:r>
+            <a:rPr lang="fr-FR" sz="1800" kern="1200" dirty="0"/>
+            <a:t>Optimisation des émissions de CO2</a:t>
           </a:r>
         </a:p>
       </dsp:txBody>
       <dsp:txXfrm>
-        <a:off x="3968743" y="1886933"/>
-        <a:ext cx="3478225" cy="1902285"/>
+        <a:off x="5888512" y="930306"/>
+        <a:ext cx="2580798" cy="998191"/>
+      </dsp:txXfrm>
+    </dsp:sp>
+    <dsp:sp modelId="{88BD0DAF-79DF-1846-92C0-6520794FB2E1}">
+      <dsp:nvSpPr>
+        <dsp:cNvPr id="0" name=""/>
+        <dsp:cNvSpPr/>
+      </dsp:nvSpPr>
+      <dsp:spPr>
+        <a:xfrm>
+          <a:off x="5888512" y="1928498"/>
+          <a:ext cx="2580798" cy="1588840"/>
+        </a:xfrm>
+        <a:prstGeom prst="rect">
+          <a:avLst/>
+        </a:prstGeom>
+        <a:solidFill>
+          <a:schemeClr val="accent4">
+            <a:tint val="40000"/>
+            <a:alpha val="90000"/>
+            <a:hueOff val="7241284"/>
+            <a:satOff val="-34163"/>
+            <a:lumOff val="-1234"/>
+            <a:alphaOff val="0"/>
+          </a:schemeClr>
+        </a:solidFill>
+        <a:ln w="12700" cap="flat" cmpd="sng" algn="ctr">
+          <a:solidFill>
+            <a:schemeClr val="accent4">
+              <a:tint val="40000"/>
+              <a:alpha val="90000"/>
+              <a:hueOff val="7241284"/>
+              <a:satOff val="-34163"/>
+              <a:lumOff val="-1234"/>
+              <a:alphaOff val="0"/>
+            </a:schemeClr>
+          </a:solidFill>
+          <a:prstDash val="solid"/>
+          <a:miter lim="800000"/>
+        </a:ln>
+        <a:effectLst/>
+      </dsp:spPr>
+      <dsp:style>
+        <a:lnRef idx="2">
+          <a:scrgbClr r="0" g="0" b="0"/>
+        </a:lnRef>
+        <a:fillRef idx="1">
+          <a:scrgbClr r="0" g="0" b="0"/>
+        </a:fillRef>
+        <a:effectRef idx="0">
+          <a:scrgbClr r="0" g="0" b="0"/>
+        </a:effectRef>
+        <a:fontRef idx="minor"/>
+      </dsp:style>
+      <dsp:txBody>
+        <a:bodyPr spcFirstLastPara="0" vert="horz" wrap="square" lIns="96012" tIns="96012" rIns="128016" bIns="144018" numCol="1" spcCol="1270" anchor="t" anchorCtr="0">
+          <a:noAutofit/>
+        </a:bodyPr>
+        <a:lstStyle/>
+        <a:p>
+          <a:pPr marL="171450" lvl="1" indent="-171450" algn="l" defTabSz="800100">
+            <a:lnSpc>
+              <a:spcPct val="90000"/>
+            </a:lnSpc>
+            <a:spcBef>
+              <a:spcPct val="0"/>
+            </a:spcBef>
+            <a:spcAft>
+              <a:spcPct val="15000"/>
+            </a:spcAft>
+            <a:buChar char="•"/>
+          </a:pPr>
+          <a:r>
+            <a:rPr lang="fr-FR" sz="1800" kern="1200" dirty="0"/>
+            <a:t>Ajout de la taxe carbone</a:t>
+          </a:r>
+        </a:p>
+        <a:p>
+          <a:pPr marL="171450" lvl="1" indent="-171450" algn="l" defTabSz="800100">
+            <a:lnSpc>
+              <a:spcPct val="90000"/>
+            </a:lnSpc>
+            <a:spcBef>
+              <a:spcPct val="0"/>
+            </a:spcBef>
+            <a:spcAft>
+              <a:spcPct val="15000"/>
+            </a:spcAft>
+            <a:buChar char="•"/>
+          </a:pPr>
+          <a:r>
+            <a:rPr lang="fr-FR" sz="1800" kern="1200" dirty="0"/>
+            <a:t>Analyse de sensibilité</a:t>
+          </a:r>
+        </a:p>
+        <a:p>
+          <a:pPr marL="171450" lvl="1" indent="-171450" algn="l" defTabSz="800100">
+            <a:lnSpc>
+              <a:spcPct val="90000"/>
+            </a:lnSpc>
+            <a:spcBef>
+              <a:spcPct val="0"/>
+            </a:spcBef>
+            <a:spcAft>
+              <a:spcPct val="15000"/>
+            </a:spcAft>
+            <a:buChar char="•"/>
+          </a:pPr>
+          <a:r>
+            <a:rPr lang="fr-FR" sz="1800" kern="1200" dirty="0"/>
+            <a:t>Perspective horizon 2040</a:t>
+          </a:r>
+        </a:p>
+      </dsp:txBody>
+      <dsp:txXfrm>
+        <a:off x="5888512" y="1928498"/>
+        <a:ext cx="2580798" cy="1588840"/>
       </dsp:txXfrm>
     </dsp:sp>
     <dsp:sp modelId="{57E1324E-8E5F-F340-BE72-439A8D813323}">
@@ -6128,8 +6618,8 @@
       </dsp:nvSpPr>
       <dsp:spPr>
         <a:xfrm>
-          <a:off x="7933920" y="658427"/>
-          <a:ext cx="3478225" cy="1228505"/>
+          <a:off x="8830622" y="930306"/>
+          <a:ext cx="2580798" cy="998191"/>
         </a:xfrm>
         <a:prstGeom prst="rect">
           <a:avLst/>
@@ -6171,12 +6661,12 @@
         </a:fontRef>
       </dsp:style>
       <dsp:txBody>
-        <a:bodyPr spcFirstLastPara="0" vert="horz" wrap="square" lIns="156464" tIns="89408" rIns="156464" bIns="89408" numCol="1" spcCol="1270" anchor="ctr" anchorCtr="0">
+        <a:bodyPr spcFirstLastPara="0" vert="horz" wrap="square" lIns="128016" tIns="73152" rIns="128016" bIns="73152" numCol="1" spcCol="1270" anchor="ctr" anchorCtr="0">
           <a:noAutofit/>
         </a:bodyPr>
         <a:lstStyle/>
         <a:p>
-          <a:pPr marL="0" lvl="0" indent="0" algn="ctr" defTabSz="977900">
+          <a:pPr marL="0" lvl="0" indent="0" algn="ctr" defTabSz="800100">
             <a:lnSpc>
               <a:spcPct val="90000"/>
             </a:lnSpc>
@@ -6189,12 +6679,12 @@
             <a:buNone/>
           </a:pPr>
           <a:r>
-            <a:rPr lang="fr-FR" sz="2200" kern="1200" dirty="0"/>
+            <a:rPr lang="fr-FR" sz="1800" kern="1200" dirty="0"/>
             <a:t>Scénario 3 :</a:t>
           </a:r>
         </a:p>
         <a:p>
-          <a:pPr marL="0" lvl="0" indent="0" algn="ctr" defTabSz="977900">
+          <a:pPr marL="0" lvl="0" indent="0" algn="ctr" defTabSz="800100">
             <a:lnSpc>
               <a:spcPct val="90000"/>
             </a:lnSpc>
@@ -6207,14 +6697,14 @@
             <a:buNone/>
           </a:pPr>
           <a:r>
-            <a:rPr lang="fr-FR" sz="2200" kern="1200" dirty="0"/>
-            <a:t>Optimisation en prenant en compte le foisonnement</a:t>
+            <a:rPr lang="fr-FR" sz="1800" kern="1200" dirty="0"/>
+            <a:t>Optimisation du foisonnement</a:t>
           </a:r>
         </a:p>
       </dsp:txBody>
       <dsp:txXfrm>
-        <a:off x="7933920" y="658427"/>
-        <a:ext cx="3478225" cy="1228505"/>
+        <a:off x="8830622" y="930306"/>
+        <a:ext cx="2580798" cy="998191"/>
       </dsp:txXfrm>
     </dsp:sp>
     <dsp:sp modelId="{081493BB-7F0A-9F42-972B-D6E2A0638FAD}">
@@ -6224,8 +6714,8 @@
       </dsp:nvSpPr>
       <dsp:spPr>
         <a:xfrm>
-          <a:off x="7933920" y="1886933"/>
-          <a:ext cx="3478225" cy="1902285"/>
+          <a:off x="8830622" y="1928498"/>
+          <a:ext cx="2580798" cy="1588840"/>
         </a:xfrm>
         <a:prstGeom prst="rect">
           <a:avLst/>
@@ -6269,12 +6759,12 @@
         <a:fontRef idx="minor"/>
       </dsp:style>
       <dsp:txBody>
-        <a:bodyPr spcFirstLastPara="0" vert="horz" wrap="square" lIns="117348" tIns="117348" rIns="156464" bIns="176022" numCol="1" spcCol="1270" anchor="t" anchorCtr="0">
+        <a:bodyPr spcFirstLastPara="0" vert="horz" wrap="square" lIns="96012" tIns="96012" rIns="128016" bIns="144018" numCol="1" spcCol="1270" anchor="t" anchorCtr="0">
           <a:noAutofit/>
         </a:bodyPr>
         <a:lstStyle/>
         <a:p>
-          <a:pPr marL="228600" lvl="1" indent="-228600" algn="l" defTabSz="977900">
+          <a:pPr marL="171450" lvl="1" indent="-171450" algn="l" defTabSz="800100">
             <a:lnSpc>
               <a:spcPct val="90000"/>
             </a:lnSpc>
@@ -6287,12 +6777,12 @@
             <a:buChar char="•"/>
           </a:pPr>
           <a:r>
-            <a:rPr lang="fr-FR" sz="2200" kern="1200" dirty="0"/>
-            <a:t>Distinction de différents moyens de production solaire-éolien</a:t>
+            <a:rPr lang="fr-FR" sz="1800" kern="1200" dirty="0"/>
+            <a:t>Ajout solaire toiture et éolien off-shore</a:t>
           </a:r>
         </a:p>
         <a:p>
-          <a:pPr marL="228600" lvl="1" indent="-228600" algn="l" defTabSz="977900">
+          <a:pPr marL="171450" lvl="1" indent="-171450" algn="l" defTabSz="800100">
             <a:lnSpc>
               <a:spcPct val="90000"/>
             </a:lnSpc>
@@ -6305,22 +6795,14 @@
             <a:buChar char="•"/>
           </a:pPr>
           <a:r>
-            <a:rPr lang="fr-FR" sz="2200" kern="1200" dirty="0"/>
-            <a:t>Prise en compte du prix au m</a:t>
-          </a:r>
-          <a:r>
-            <a:rPr lang="fr-FR" sz="2200" kern="1200" baseline="30000" dirty="0"/>
-            <a:t>2</a:t>
-          </a:r>
-          <a:r>
-            <a:rPr lang="fr-FR" sz="2200" kern="1200" dirty="0"/>
-            <a:t> dans l’optimisation</a:t>
+            <a:rPr lang="fr-FR" sz="1800" kern="1200" dirty="0"/>
+            <a:t>Contrainte sur le foisonnement</a:t>
           </a:r>
         </a:p>
       </dsp:txBody>
       <dsp:txXfrm>
-        <a:off x="7933920" y="1886933"/>
-        <a:ext cx="3478225" cy="1902285"/>
+        <a:off x="8830622" y="1928498"/>
+        <a:ext cx="2580798" cy="1588840"/>
       </dsp:txXfrm>
     </dsp:sp>
   </dsp:spTree>
@@ -7725,7 +8207,7 @@
           <a:p>
             <a:fld id="{40A6E905-B5AB-AC44-9673-03A8CEA14BCA}" type="datetimeFigureOut">
               <a:rPr lang="fr-FR" smtClean="0"/>
-              <a:t>16/12/2023</a:t>
+              <a:t>17/12/2023</a:t>
             </a:fld>
             <a:endParaRPr lang="fr-FR"/>
           </a:p>
@@ -7923,7 +8405,7 @@
           <a:p>
             <a:fld id="{40A6E905-B5AB-AC44-9673-03A8CEA14BCA}" type="datetimeFigureOut">
               <a:rPr lang="fr-FR" smtClean="0"/>
-              <a:t>16/12/2023</a:t>
+              <a:t>17/12/2023</a:t>
             </a:fld>
             <a:endParaRPr lang="fr-FR"/>
           </a:p>
@@ -8131,7 +8613,7 @@
           <a:p>
             <a:fld id="{40A6E905-B5AB-AC44-9673-03A8CEA14BCA}" type="datetimeFigureOut">
               <a:rPr lang="fr-FR" smtClean="0"/>
-              <a:t>16/12/2023</a:t>
+              <a:t>17/12/2023</a:t>
             </a:fld>
             <a:endParaRPr lang="fr-FR"/>
           </a:p>
@@ -8329,7 +8811,7 @@
           <a:p>
             <a:fld id="{40A6E905-B5AB-AC44-9673-03A8CEA14BCA}" type="datetimeFigureOut">
               <a:rPr lang="fr-FR" smtClean="0"/>
-              <a:t>16/12/2023</a:t>
+              <a:t>17/12/2023</a:t>
             </a:fld>
             <a:endParaRPr lang="fr-FR"/>
           </a:p>
@@ -8604,7 +9086,7 @@
           <a:p>
             <a:fld id="{40A6E905-B5AB-AC44-9673-03A8CEA14BCA}" type="datetimeFigureOut">
               <a:rPr lang="fr-FR" smtClean="0"/>
-              <a:t>16/12/2023</a:t>
+              <a:t>17/12/2023</a:t>
             </a:fld>
             <a:endParaRPr lang="fr-FR"/>
           </a:p>
@@ -8869,7 +9351,7 @@
           <a:p>
             <a:fld id="{40A6E905-B5AB-AC44-9673-03A8CEA14BCA}" type="datetimeFigureOut">
               <a:rPr lang="fr-FR" smtClean="0"/>
-              <a:t>16/12/2023</a:t>
+              <a:t>17/12/2023</a:t>
             </a:fld>
             <a:endParaRPr lang="fr-FR"/>
           </a:p>
@@ -9281,7 +9763,7 @@
           <a:p>
             <a:fld id="{40A6E905-B5AB-AC44-9673-03A8CEA14BCA}" type="datetimeFigureOut">
               <a:rPr lang="fr-FR" smtClean="0"/>
-              <a:t>16/12/2023</a:t>
+              <a:t>17/12/2023</a:t>
             </a:fld>
             <a:endParaRPr lang="fr-FR"/>
           </a:p>
@@ -9422,7 +9904,7 @@
           <a:p>
             <a:fld id="{40A6E905-B5AB-AC44-9673-03A8CEA14BCA}" type="datetimeFigureOut">
               <a:rPr lang="fr-FR" smtClean="0"/>
-              <a:t>16/12/2023</a:t>
+              <a:t>17/12/2023</a:t>
             </a:fld>
             <a:endParaRPr lang="fr-FR"/>
           </a:p>
@@ -9535,7 +10017,7 @@
           <a:p>
             <a:fld id="{40A6E905-B5AB-AC44-9673-03A8CEA14BCA}" type="datetimeFigureOut">
               <a:rPr lang="fr-FR" smtClean="0"/>
-              <a:t>16/12/2023</a:t>
+              <a:t>17/12/2023</a:t>
             </a:fld>
             <a:endParaRPr lang="fr-FR"/>
           </a:p>
@@ -9846,7 +10328,7 @@
           <a:p>
             <a:fld id="{40A6E905-B5AB-AC44-9673-03A8CEA14BCA}" type="datetimeFigureOut">
               <a:rPr lang="fr-FR" smtClean="0"/>
-              <a:t>16/12/2023</a:t>
+              <a:t>17/12/2023</a:t>
             </a:fld>
             <a:endParaRPr lang="fr-FR"/>
           </a:p>
@@ -10134,7 +10616,7 @@
           <a:p>
             <a:fld id="{40A6E905-B5AB-AC44-9673-03A8CEA14BCA}" type="datetimeFigureOut">
               <a:rPr lang="fr-FR" smtClean="0"/>
-              <a:t>16/12/2023</a:t>
+              <a:t>17/12/2023</a:t>
             </a:fld>
             <a:endParaRPr lang="fr-FR"/>
           </a:p>
@@ -10375,7 +10857,7 @@
           <a:p>
             <a:fld id="{40A6E905-B5AB-AC44-9673-03A8CEA14BCA}" type="datetimeFigureOut">
               <a:rPr lang="fr-FR" smtClean="0"/>
-              <a:t>16/12/2023</a:t>
+              <a:t>17/12/2023</a:t>
             </a:fld>
             <a:endParaRPr lang="fr-FR"/>
           </a:p>
@@ -10883,7 +11365,754 @@
 </p:sld>
 </file>
 
-<file path=ppt/slides/slide2.xml><?xml version="1.0" encoding="utf-8"?>
+<file path=ppt/slides/slide10.xml><?xml version="1.0" encoding="utf-8"?>
+<p:sld xmlns:a="http://schemas.openxmlformats.org/drawingml/2006/main" xmlns:r="http://schemas.openxmlformats.org/officeDocument/2006/relationships" xmlns:p="http://schemas.openxmlformats.org/presentationml/2006/main" show="0">
+  <p:cSld>
+    <p:spTree>
+      <p:nvGrpSpPr>
+        <p:cNvPr id="1" name=""/>
+        <p:cNvGrpSpPr/>
+        <p:nvPr/>
+      </p:nvGrpSpPr>
+      <p:grpSpPr>
+        <a:xfrm>
+          <a:off x="0" y="0"/>
+          <a:ext cx="0" cy="0"/>
+          <a:chOff x="0" y="0"/>
+          <a:chExt cx="0" cy="0"/>
+        </a:xfrm>
+      </p:grpSpPr>
+      <p:sp>
+        <p:nvSpPr>
+          <p:cNvPr id="2" name="Titre 1">
+            <a:extLst>
+              <a:ext uri="{FF2B5EF4-FFF2-40B4-BE49-F238E27FC236}">
+                <a16:creationId xmlns:a16="http://schemas.microsoft.com/office/drawing/2014/main" id="{5F03E97A-003A-99CD-7642-F8F39407F91C}"/>
+              </a:ext>
+            </a:extLst>
+          </p:cNvPr>
+          <p:cNvSpPr>
+            <a:spLocks noGrp="1"/>
+          </p:cNvSpPr>
+          <p:nvPr>
+            <p:ph type="title"/>
+          </p:nvPr>
+        </p:nvSpPr>
+        <p:spPr/>
+        <p:txBody>
+          <a:bodyPr/>
+          <a:lstStyle/>
+          <a:p>
+            <a:r>
+              <a:rPr lang="fr-FR" dirty="0"/>
+              <a:t>Résultats des mix</a:t>
+            </a:r>
+          </a:p>
+        </p:txBody>
+      </p:sp>
+      <p:sp>
+        <p:nvSpPr>
+          <p:cNvPr id="4" name="ZoneTexte 3">
+            <a:extLst>
+              <a:ext uri="{FF2B5EF4-FFF2-40B4-BE49-F238E27FC236}">
+                <a16:creationId xmlns:a16="http://schemas.microsoft.com/office/drawing/2014/main" id="{9509944C-6760-3574-A0D8-6622D18A6B77}"/>
+              </a:ext>
+            </a:extLst>
+          </p:cNvPr>
+          <p:cNvSpPr txBox="1"/>
+          <p:nvPr/>
+        </p:nvSpPr>
+        <p:spPr>
+          <a:xfrm>
+            <a:off x="1721707" y="6067170"/>
+            <a:ext cx="1346886" cy="369332"/>
+          </a:xfrm>
+          <a:prstGeom prst="rect">
+            <a:avLst/>
+          </a:prstGeom>
+          <a:noFill/>
+        </p:spPr>
+        <p:txBody>
+          <a:bodyPr wrap="square" rtlCol="0">
+            <a:spAutoFit/>
+          </a:bodyPr>
+          <a:lstStyle/>
+          <a:p>
+            <a:pPr algn="ctr"/>
+            <a:r>
+              <a:rPr lang="fr-FR" dirty="0"/>
+              <a:t>Scénario 1</a:t>
+            </a:r>
+          </a:p>
+        </p:txBody>
+      </p:sp>
+      <p:sp>
+        <p:nvSpPr>
+          <p:cNvPr id="5" name="ZoneTexte 4">
+            <a:extLst>
+              <a:ext uri="{FF2B5EF4-FFF2-40B4-BE49-F238E27FC236}">
+                <a16:creationId xmlns:a16="http://schemas.microsoft.com/office/drawing/2014/main" id="{20F8F632-A963-4DF1-AF0E-C97FCA9010BD}"/>
+              </a:ext>
+            </a:extLst>
+          </p:cNvPr>
+          <p:cNvSpPr txBox="1"/>
+          <p:nvPr/>
+        </p:nvSpPr>
+        <p:spPr>
+          <a:xfrm>
+            <a:off x="5422557" y="6067170"/>
+            <a:ext cx="1346886" cy="369332"/>
+          </a:xfrm>
+          <a:prstGeom prst="rect">
+            <a:avLst/>
+          </a:prstGeom>
+          <a:noFill/>
+        </p:spPr>
+        <p:txBody>
+          <a:bodyPr wrap="square" rtlCol="0">
+            <a:spAutoFit/>
+          </a:bodyPr>
+          <a:lstStyle/>
+          <a:p>
+            <a:pPr algn="ctr"/>
+            <a:r>
+              <a:rPr lang="fr-FR" dirty="0"/>
+              <a:t>Scénario 2</a:t>
+            </a:r>
+          </a:p>
+        </p:txBody>
+      </p:sp>
+      <p:sp>
+        <p:nvSpPr>
+          <p:cNvPr id="6" name="ZoneTexte 5">
+            <a:extLst>
+              <a:ext uri="{FF2B5EF4-FFF2-40B4-BE49-F238E27FC236}">
+                <a16:creationId xmlns:a16="http://schemas.microsoft.com/office/drawing/2014/main" id="{D173CA55-35E0-8C80-FD12-86BBF74897A1}"/>
+              </a:ext>
+            </a:extLst>
+          </p:cNvPr>
+          <p:cNvSpPr txBox="1"/>
+          <p:nvPr/>
+        </p:nvSpPr>
+        <p:spPr>
+          <a:xfrm>
+            <a:off x="9123407" y="6067170"/>
+            <a:ext cx="1346886" cy="369332"/>
+          </a:xfrm>
+          <a:prstGeom prst="rect">
+            <a:avLst/>
+          </a:prstGeom>
+          <a:noFill/>
+        </p:spPr>
+        <p:txBody>
+          <a:bodyPr wrap="square" rtlCol="0">
+            <a:spAutoFit/>
+          </a:bodyPr>
+          <a:lstStyle/>
+          <a:p>
+            <a:pPr algn="ctr"/>
+            <a:r>
+              <a:rPr lang="fr-FR" dirty="0"/>
+              <a:t>Scénario 3</a:t>
+            </a:r>
+          </a:p>
+        </p:txBody>
+      </p:sp>
+      <p:graphicFrame>
+        <p:nvGraphicFramePr>
+          <p:cNvPr id="10" name="Graphique 9">
+            <a:extLst>
+              <a:ext uri="{FF2B5EF4-FFF2-40B4-BE49-F238E27FC236}">
+                <a16:creationId xmlns:a16="http://schemas.microsoft.com/office/drawing/2014/main" id="{DC02A24C-8D7F-B0F2-977B-CB3801F8A67B}"/>
+              </a:ext>
+            </a:extLst>
+          </p:cNvPr>
+          <p:cNvGraphicFramePr>
+            <a:graphicFrameLocks/>
+          </p:cNvGraphicFramePr>
+          <p:nvPr>
+            <p:extLst>
+              <p:ext uri="{D42A27DB-BD31-4B8C-83A1-F6EECF244321}">
+                <p14:modId xmlns:p14="http://schemas.microsoft.com/office/powerpoint/2010/main" val="3495749743"/>
+              </p:ext>
+            </p:extLst>
+          </p:nvPr>
+        </p:nvGraphicFramePr>
+        <p:xfrm>
+          <a:off x="915428" y="3323970"/>
+          <a:ext cx="2959443" cy="2743200"/>
+        </p:xfrm>
+        <a:graphic>
+          <a:graphicData uri="http://schemas.openxmlformats.org/drawingml/2006/chart">
+            <c:chart xmlns:c="http://schemas.openxmlformats.org/drawingml/2006/chart" xmlns:r="http://schemas.openxmlformats.org/officeDocument/2006/relationships" r:id="rId2"/>
+          </a:graphicData>
+        </a:graphic>
+      </p:graphicFrame>
+      <p:sp>
+        <p:nvSpPr>
+          <p:cNvPr id="13" name="ZoneTexte 12">
+            <a:extLst>
+              <a:ext uri="{FF2B5EF4-FFF2-40B4-BE49-F238E27FC236}">
+                <a16:creationId xmlns:a16="http://schemas.microsoft.com/office/drawing/2014/main" id="{8E9230FE-46C9-C829-A88D-F35BA8F86E3F}"/>
+              </a:ext>
+            </a:extLst>
+          </p:cNvPr>
+          <p:cNvSpPr txBox="1"/>
+          <p:nvPr/>
+        </p:nvSpPr>
+        <p:spPr>
+          <a:xfrm>
+            <a:off x="1834975" y="2309900"/>
+            <a:ext cx="1120347" cy="461665"/>
+          </a:xfrm>
+          <a:prstGeom prst="rect">
+            <a:avLst/>
+          </a:prstGeom>
+          <a:noFill/>
+        </p:spPr>
+        <p:txBody>
+          <a:bodyPr wrap="square" rtlCol="0">
+            <a:spAutoFit/>
+          </a:bodyPr>
+          <a:lstStyle/>
+          <a:p>
+            <a:pPr algn="ctr"/>
+            <a:r>
+              <a:rPr lang="fr-FR" sz="2400" dirty="0">
+                <a:ln w="0"/>
+                <a:solidFill>
+                  <a:schemeClr val="accent1"/>
+                </a:solidFill>
+                <a:effectLst>
+                  <a:outerShdw blurRad="38100" dist="25400" dir="5400000" algn="ctr" rotWithShape="0">
+                    <a:srgbClr val="6E747A">
+                      <a:alpha val="43000"/>
+                    </a:srgbClr>
+                  </a:outerShdw>
+                </a:effectLst>
+              </a:rPr>
+              <a:t>86 MW</a:t>
+            </a:r>
+          </a:p>
+        </p:txBody>
+      </p:sp>
+      <p:sp>
+        <p:nvSpPr>
+          <p:cNvPr id="14" name="ZoneTexte 13">
+            <a:extLst>
+              <a:ext uri="{FF2B5EF4-FFF2-40B4-BE49-F238E27FC236}">
+                <a16:creationId xmlns:a16="http://schemas.microsoft.com/office/drawing/2014/main" id="{0F5CAB77-0C7A-28CD-8A8B-1562E084A957}"/>
+              </a:ext>
+            </a:extLst>
+          </p:cNvPr>
+          <p:cNvSpPr txBox="1"/>
+          <p:nvPr/>
+        </p:nvSpPr>
+        <p:spPr>
+          <a:xfrm>
+            <a:off x="5422557" y="2309898"/>
+            <a:ext cx="1346886" cy="461665"/>
+          </a:xfrm>
+          <a:prstGeom prst="rect">
+            <a:avLst/>
+          </a:prstGeom>
+          <a:noFill/>
+        </p:spPr>
+        <p:txBody>
+          <a:bodyPr wrap="square" rtlCol="0">
+            <a:spAutoFit/>
+          </a:bodyPr>
+          <a:lstStyle/>
+          <a:p>
+            <a:pPr algn="ctr"/>
+            <a:r>
+              <a:rPr lang="fr-FR" sz="2400" dirty="0">
+                <a:ln w="0"/>
+                <a:solidFill>
+                  <a:schemeClr val="accent1"/>
+                </a:solidFill>
+                <a:effectLst>
+                  <a:outerShdw blurRad="38100" dist="25400" dir="5400000" algn="ctr" rotWithShape="0">
+                    <a:srgbClr val="6E747A">
+                      <a:alpha val="43000"/>
+                    </a:srgbClr>
+                  </a:outerShdw>
+                </a:effectLst>
+              </a:rPr>
+              <a:t>102 MW</a:t>
+            </a:r>
+          </a:p>
+        </p:txBody>
+      </p:sp>
+      <p:sp>
+        <p:nvSpPr>
+          <p:cNvPr id="15" name="ZoneTexte 14">
+            <a:extLst>
+              <a:ext uri="{FF2B5EF4-FFF2-40B4-BE49-F238E27FC236}">
+                <a16:creationId xmlns:a16="http://schemas.microsoft.com/office/drawing/2014/main" id="{F9E04AC1-90B2-9969-6E61-6650F2F6BEA8}"/>
+              </a:ext>
+            </a:extLst>
+          </p:cNvPr>
+          <p:cNvSpPr txBox="1"/>
+          <p:nvPr/>
+        </p:nvSpPr>
+        <p:spPr>
+          <a:xfrm>
+            <a:off x="9236675" y="2309898"/>
+            <a:ext cx="1120347" cy="461665"/>
+          </a:xfrm>
+          <a:prstGeom prst="rect">
+            <a:avLst/>
+          </a:prstGeom>
+          <a:noFill/>
+        </p:spPr>
+        <p:txBody>
+          <a:bodyPr wrap="square" rtlCol="0">
+            <a:spAutoFit/>
+          </a:bodyPr>
+          <a:lstStyle/>
+          <a:p>
+            <a:pPr algn="ctr"/>
+            <a:r>
+              <a:rPr lang="fr-FR" sz="2400" dirty="0">
+                <a:ln w="0"/>
+                <a:solidFill>
+                  <a:schemeClr val="accent1"/>
+                </a:solidFill>
+                <a:effectLst>
+                  <a:outerShdw blurRad="38100" dist="25400" dir="5400000" algn="ctr" rotWithShape="0">
+                    <a:srgbClr val="6E747A">
+                      <a:alpha val="43000"/>
+                    </a:srgbClr>
+                  </a:outerShdw>
+                </a:effectLst>
+              </a:rPr>
+              <a:t>42 MW</a:t>
+            </a:r>
+          </a:p>
+        </p:txBody>
+      </p:sp>
+      <p:sp>
+        <p:nvSpPr>
+          <p:cNvPr id="16" name="ZoneTexte 15">
+            <a:extLst>
+              <a:ext uri="{FF2B5EF4-FFF2-40B4-BE49-F238E27FC236}">
+                <a16:creationId xmlns:a16="http://schemas.microsoft.com/office/drawing/2014/main" id="{F57CBEEE-1F61-B829-B56D-B0A5D6799FBB}"/>
+              </a:ext>
+            </a:extLst>
+          </p:cNvPr>
+          <p:cNvSpPr txBox="1"/>
+          <p:nvPr/>
+        </p:nvSpPr>
+        <p:spPr>
+          <a:xfrm>
+            <a:off x="1260901" y="1690688"/>
+            <a:ext cx="2268493" cy="707886"/>
+          </a:xfrm>
+          <a:prstGeom prst="rect">
+            <a:avLst/>
+          </a:prstGeom>
+          <a:noFill/>
+        </p:spPr>
+        <p:txBody>
+          <a:bodyPr wrap="square" rtlCol="0">
+            <a:spAutoFit/>
+          </a:bodyPr>
+          <a:lstStyle/>
+          <a:p>
+            <a:pPr algn="ctr"/>
+            <a:r>
+              <a:rPr lang="fr-FR" sz="4000" b="1" dirty="0">
+                <a:ln w="12700">
+                  <a:solidFill>
+                    <a:schemeClr val="tx2">
+                      <a:lumMod val="75000"/>
+                    </a:schemeClr>
+                  </a:solidFill>
+                  <a:prstDash val="solid"/>
+                </a:ln>
+                <a:pattFill prst="dkUpDiag">
+                  <a:fgClr>
+                    <a:schemeClr val="tx2"/>
+                  </a:fgClr>
+                  <a:bgClr>
+                    <a:schemeClr val="tx2">
+                      <a:lumMod val="20000"/>
+                      <a:lumOff val="80000"/>
+                    </a:schemeClr>
+                  </a:bgClr>
+                </a:pattFill>
+                <a:effectLst>
+                  <a:outerShdw dist="38100" dir="2640000" algn="bl" rotWithShape="0">
+                    <a:schemeClr val="tx2">
+                      <a:lumMod val="75000"/>
+                    </a:schemeClr>
+                  </a:outerShdw>
+                </a:effectLst>
+              </a:rPr>
+              <a:t>228 M€</a:t>
+            </a:r>
+          </a:p>
+        </p:txBody>
+      </p:sp>
+      <p:sp>
+        <p:nvSpPr>
+          <p:cNvPr id="18" name="ZoneTexte 17">
+            <a:extLst>
+              <a:ext uri="{FF2B5EF4-FFF2-40B4-BE49-F238E27FC236}">
+                <a16:creationId xmlns:a16="http://schemas.microsoft.com/office/drawing/2014/main" id="{BB3C13F2-9CB3-8829-8734-0934F7FAA770}"/>
+              </a:ext>
+            </a:extLst>
+          </p:cNvPr>
+          <p:cNvSpPr txBox="1"/>
+          <p:nvPr/>
+        </p:nvSpPr>
+        <p:spPr>
+          <a:xfrm>
+            <a:off x="4961751" y="1690688"/>
+            <a:ext cx="2268493" cy="707886"/>
+          </a:xfrm>
+          <a:prstGeom prst="rect">
+            <a:avLst/>
+          </a:prstGeom>
+          <a:noFill/>
+        </p:spPr>
+        <p:txBody>
+          <a:bodyPr wrap="square" rtlCol="0">
+            <a:spAutoFit/>
+          </a:bodyPr>
+          <a:lstStyle/>
+          <a:p>
+            <a:pPr algn="ctr"/>
+            <a:r>
+              <a:rPr lang="fr-FR" sz="4000" b="1" dirty="0">
+                <a:ln w="12700">
+                  <a:solidFill>
+                    <a:schemeClr val="tx2">
+                      <a:lumMod val="75000"/>
+                    </a:schemeClr>
+                  </a:solidFill>
+                  <a:prstDash val="solid"/>
+                </a:ln>
+                <a:pattFill prst="dkUpDiag">
+                  <a:fgClr>
+                    <a:schemeClr val="tx2"/>
+                  </a:fgClr>
+                  <a:bgClr>
+                    <a:schemeClr val="tx2">
+                      <a:lumMod val="20000"/>
+                      <a:lumOff val="80000"/>
+                    </a:schemeClr>
+                  </a:bgClr>
+                </a:pattFill>
+                <a:effectLst>
+                  <a:outerShdw dist="38100" dir="2640000" algn="bl" rotWithShape="0">
+                    <a:schemeClr val="tx2">
+                      <a:lumMod val="75000"/>
+                    </a:schemeClr>
+                  </a:outerShdw>
+                </a:effectLst>
+              </a:rPr>
+              <a:t>232 M€</a:t>
+            </a:r>
+          </a:p>
+        </p:txBody>
+      </p:sp>
+      <p:sp>
+        <p:nvSpPr>
+          <p:cNvPr id="19" name="ZoneTexte 18">
+            <a:extLst>
+              <a:ext uri="{FF2B5EF4-FFF2-40B4-BE49-F238E27FC236}">
+                <a16:creationId xmlns:a16="http://schemas.microsoft.com/office/drawing/2014/main" id="{98B37F0C-24CD-A9B8-125A-4E3652A516BC}"/>
+              </a:ext>
+            </a:extLst>
+          </p:cNvPr>
+          <p:cNvSpPr txBox="1"/>
+          <p:nvPr/>
+        </p:nvSpPr>
+        <p:spPr>
+          <a:xfrm>
+            <a:off x="8662601" y="1690688"/>
+            <a:ext cx="2268493" cy="707886"/>
+          </a:xfrm>
+          <a:prstGeom prst="rect">
+            <a:avLst/>
+          </a:prstGeom>
+          <a:noFill/>
+        </p:spPr>
+        <p:txBody>
+          <a:bodyPr wrap="square" rtlCol="0">
+            <a:spAutoFit/>
+          </a:bodyPr>
+          <a:lstStyle/>
+          <a:p>
+            <a:pPr algn="ctr"/>
+            <a:r>
+              <a:rPr lang="fr-FR" sz="4000" b="1" dirty="0">
+                <a:ln w="12700">
+                  <a:solidFill>
+                    <a:schemeClr val="tx2">
+                      <a:lumMod val="75000"/>
+                    </a:schemeClr>
+                  </a:solidFill>
+                  <a:prstDash val="solid"/>
+                </a:ln>
+                <a:pattFill prst="dkUpDiag">
+                  <a:fgClr>
+                    <a:schemeClr val="tx2"/>
+                  </a:fgClr>
+                  <a:bgClr>
+                    <a:schemeClr val="tx2">
+                      <a:lumMod val="20000"/>
+                      <a:lumOff val="80000"/>
+                    </a:schemeClr>
+                  </a:bgClr>
+                </a:pattFill>
+                <a:effectLst>
+                  <a:outerShdw dist="38100" dir="2640000" algn="bl" rotWithShape="0">
+                    <a:schemeClr val="tx2">
+                      <a:lumMod val="75000"/>
+                    </a:schemeClr>
+                  </a:outerShdw>
+                </a:effectLst>
+              </a:rPr>
+              <a:t>255 M€</a:t>
+            </a:r>
+          </a:p>
+        </p:txBody>
+      </p:sp>
+      <p:graphicFrame>
+        <p:nvGraphicFramePr>
+          <p:cNvPr id="20" name="Graphique 19">
+            <a:extLst>
+              <a:ext uri="{FF2B5EF4-FFF2-40B4-BE49-F238E27FC236}">
+                <a16:creationId xmlns:a16="http://schemas.microsoft.com/office/drawing/2014/main" id="{92F9513B-84B6-7F4B-893F-9A37F2E23BD4}"/>
+              </a:ext>
+            </a:extLst>
+          </p:cNvPr>
+          <p:cNvGraphicFramePr>
+            <a:graphicFrameLocks/>
+          </p:cNvGraphicFramePr>
+          <p:nvPr>
+            <p:extLst>
+              <p:ext uri="{D42A27DB-BD31-4B8C-83A1-F6EECF244321}">
+                <p14:modId xmlns:p14="http://schemas.microsoft.com/office/powerpoint/2010/main" val="2708890737"/>
+              </p:ext>
+            </p:extLst>
+          </p:nvPr>
+        </p:nvGraphicFramePr>
+        <p:xfrm>
+          <a:off x="4524372" y="3323970"/>
+          <a:ext cx="3143250" cy="2743200"/>
+        </p:xfrm>
+        <a:graphic>
+          <a:graphicData uri="http://schemas.openxmlformats.org/drawingml/2006/chart">
+            <c:chart xmlns:c="http://schemas.openxmlformats.org/drawingml/2006/chart" xmlns:r="http://schemas.openxmlformats.org/officeDocument/2006/relationships" r:id="rId3"/>
+          </a:graphicData>
+        </a:graphic>
+      </p:graphicFrame>
+      <p:graphicFrame>
+        <p:nvGraphicFramePr>
+          <p:cNvPr id="21" name="Graphique 20">
+            <a:extLst>
+              <a:ext uri="{FF2B5EF4-FFF2-40B4-BE49-F238E27FC236}">
+                <a16:creationId xmlns:a16="http://schemas.microsoft.com/office/drawing/2014/main" id="{92F9513B-84B6-7F4B-893F-9A37F2E23BD4}"/>
+              </a:ext>
+            </a:extLst>
+          </p:cNvPr>
+          <p:cNvGraphicFramePr>
+            <a:graphicFrameLocks/>
+          </p:cNvGraphicFramePr>
+          <p:nvPr>
+            <p:extLst>
+              <p:ext uri="{D42A27DB-BD31-4B8C-83A1-F6EECF244321}">
+                <p14:modId xmlns:p14="http://schemas.microsoft.com/office/powerpoint/2010/main" val="3300633595"/>
+              </p:ext>
+            </p:extLst>
+          </p:nvPr>
+        </p:nvGraphicFramePr>
+        <p:xfrm>
+          <a:off x="4524372" y="3323970"/>
+          <a:ext cx="3143250" cy="2743200"/>
+        </p:xfrm>
+        <a:graphic>
+          <a:graphicData uri="http://schemas.openxmlformats.org/drawingml/2006/chart">
+            <c:chart xmlns:c="http://schemas.openxmlformats.org/drawingml/2006/chart" xmlns:r="http://schemas.openxmlformats.org/officeDocument/2006/relationships" r:id="rId4"/>
+          </a:graphicData>
+        </a:graphic>
+      </p:graphicFrame>
+      <p:graphicFrame>
+        <p:nvGraphicFramePr>
+          <p:cNvPr id="22" name="Graphique 21">
+            <a:extLst>
+              <a:ext uri="{FF2B5EF4-FFF2-40B4-BE49-F238E27FC236}">
+                <a16:creationId xmlns:a16="http://schemas.microsoft.com/office/drawing/2014/main" id="{462083F9-DDAE-F24B-9815-1ADD8A7B4B85}"/>
+              </a:ext>
+            </a:extLst>
+          </p:cNvPr>
+          <p:cNvGraphicFramePr>
+            <a:graphicFrameLocks/>
+          </p:cNvGraphicFramePr>
+          <p:nvPr>
+            <p:extLst>
+              <p:ext uri="{D42A27DB-BD31-4B8C-83A1-F6EECF244321}">
+                <p14:modId xmlns:p14="http://schemas.microsoft.com/office/powerpoint/2010/main" val="1428527735"/>
+              </p:ext>
+            </p:extLst>
+          </p:nvPr>
+        </p:nvGraphicFramePr>
+        <p:xfrm>
+          <a:off x="8317123" y="3230892"/>
+          <a:ext cx="3036677" cy="2836278"/>
+        </p:xfrm>
+        <a:graphic>
+          <a:graphicData uri="http://schemas.openxmlformats.org/drawingml/2006/chart">
+            <c:chart xmlns:c="http://schemas.openxmlformats.org/drawingml/2006/chart" xmlns:r="http://schemas.openxmlformats.org/officeDocument/2006/relationships" r:id="rId5"/>
+          </a:graphicData>
+        </a:graphic>
+      </p:graphicFrame>
+      <p:sp>
+        <p:nvSpPr>
+          <p:cNvPr id="3" name="ZoneTexte 2">
+            <a:extLst>
+              <a:ext uri="{FF2B5EF4-FFF2-40B4-BE49-F238E27FC236}">
+                <a16:creationId xmlns:a16="http://schemas.microsoft.com/office/drawing/2014/main" id="{8CBE8EEF-0A09-2A94-EFB6-82ECA923F571}"/>
+              </a:ext>
+            </a:extLst>
+          </p:cNvPr>
+          <p:cNvSpPr txBox="1"/>
+          <p:nvPr/>
+        </p:nvSpPr>
+        <p:spPr>
+          <a:xfrm>
+            <a:off x="1512281" y="2771563"/>
+            <a:ext cx="1765732" cy="461665"/>
+          </a:xfrm>
+          <a:prstGeom prst="rect">
+            <a:avLst/>
+          </a:prstGeom>
+          <a:noFill/>
+        </p:spPr>
+        <p:txBody>
+          <a:bodyPr wrap="square" rtlCol="0">
+            <a:spAutoFit/>
+          </a:bodyPr>
+          <a:lstStyle/>
+          <a:p>
+            <a:pPr algn="ctr"/>
+            <a:r>
+              <a:rPr lang="fr-FR" sz="2400" dirty="0">
+                <a:ln w="0"/>
+                <a:solidFill>
+                  <a:schemeClr val="accent1"/>
+                </a:solidFill>
+                <a:effectLst>
+                  <a:outerShdw blurRad="38100" dist="25400" dir="5400000" algn="ctr" rotWithShape="0">
+                    <a:srgbClr val="6E747A">
+                      <a:alpha val="43000"/>
+                    </a:srgbClr>
+                  </a:outerShdw>
+                </a:effectLst>
+              </a:rPr>
+              <a:t>34611 tCO</a:t>
+            </a:r>
+            <a:r>
+              <a:rPr lang="fr-FR" sz="2400" baseline="-25000" dirty="0">
+                <a:ln w="0"/>
+                <a:solidFill>
+                  <a:schemeClr val="accent1"/>
+                </a:solidFill>
+                <a:effectLst>
+                  <a:outerShdw blurRad="38100" dist="25400" dir="5400000" algn="ctr" rotWithShape="0">
+                    <a:srgbClr val="6E747A">
+                      <a:alpha val="43000"/>
+                    </a:srgbClr>
+                  </a:outerShdw>
+                </a:effectLst>
+              </a:rPr>
+              <a:t>2</a:t>
+            </a:r>
+          </a:p>
+        </p:txBody>
+      </p:sp>
+      <p:sp>
+        <p:nvSpPr>
+          <p:cNvPr id="9" name="ZoneTexte 8">
+            <a:extLst>
+              <a:ext uri="{FF2B5EF4-FFF2-40B4-BE49-F238E27FC236}">
+                <a16:creationId xmlns:a16="http://schemas.microsoft.com/office/drawing/2014/main" id="{8222C2C3-482D-EE45-A8F6-22B8ADB25778}"/>
+              </a:ext>
+            </a:extLst>
+          </p:cNvPr>
+          <p:cNvSpPr txBox="1"/>
+          <p:nvPr/>
+        </p:nvSpPr>
+        <p:spPr>
+          <a:xfrm>
+            <a:off x="5213131" y="2769227"/>
+            <a:ext cx="1765732" cy="461665"/>
+          </a:xfrm>
+          <a:prstGeom prst="rect">
+            <a:avLst/>
+          </a:prstGeom>
+          <a:noFill/>
+        </p:spPr>
+        <p:txBody>
+          <a:bodyPr wrap="square" rtlCol="0">
+            <a:spAutoFit/>
+          </a:bodyPr>
+          <a:lstStyle/>
+          <a:p>
+            <a:pPr algn="ctr"/>
+            <a:r>
+              <a:rPr lang="fr-FR" sz="2400" dirty="0">
+                <a:ln w="0"/>
+                <a:solidFill>
+                  <a:schemeClr val="accent1"/>
+                </a:solidFill>
+                <a:effectLst>
+                  <a:outerShdw blurRad="38100" dist="25400" dir="5400000" algn="ctr" rotWithShape="0">
+                    <a:srgbClr val="6E747A">
+                      <a:alpha val="43000"/>
+                    </a:srgbClr>
+                  </a:outerShdw>
+                </a:effectLst>
+              </a:rPr>
+              <a:t>27898 tCO</a:t>
+            </a:r>
+            <a:r>
+              <a:rPr lang="fr-FR" sz="2400" baseline="-25000" dirty="0">
+                <a:ln w="0"/>
+                <a:solidFill>
+                  <a:schemeClr val="accent1"/>
+                </a:solidFill>
+                <a:effectLst>
+                  <a:outerShdw blurRad="38100" dist="25400" dir="5400000" algn="ctr" rotWithShape="0">
+                    <a:srgbClr val="6E747A">
+                      <a:alpha val="43000"/>
+                    </a:srgbClr>
+                  </a:outerShdw>
+                </a:effectLst>
+              </a:rPr>
+              <a:t>2</a:t>
+            </a:r>
+          </a:p>
+        </p:txBody>
+      </p:sp>
+    </p:spTree>
+    <p:extLst>
+      <p:ext uri="{BB962C8B-B14F-4D97-AF65-F5344CB8AC3E}">
+        <p14:creationId xmlns:p14="http://schemas.microsoft.com/office/powerpoint/2010/main" val="2376248714"/>
+      </p:ext>
+    </p:extLst>
+  </p:cSld>
+  <p:clrMapOvr>
+    <a:masterClrMapping/>
+  </p:clrMapOvr>
+</p:sld>
+</file>
+
+<file path=ppt/slides/slide11.xml><?xml version="1.0" encoding="utf-8"?>
 <p:sld xmlns:a="http://schemas.openxmlformats.org/drawingml/2006/main" xmlns:r="http://schemas.openxmlformats.org/officeDocument/2006/relationships" xmlns:p="http://schemas.openxmlformats.org/presentationml/2006/main">
   <p:cSld>
     <p:bg>
@@ -10910,10 +12139,10 @@
       </p:grpSpPr>
       <p:sp useBgFill="1">
         <p:nvSpPr>
-          <p:cNvPr id="12" name="Rectangle 11">
+          <p:cNvPr id="10" name="Rectangle 9">
             <a:extLst>
               <a:ext uri="{FF2B5EF4-FFF2-40B4-BE49-F238E27FC236}">
-                <a16:creationId xmlns:a16="http://schemas.microsoft.com/office/drawing/2014/main" id="{022BDE4A-8A20-4A69-9C5A-581C82036A4D}"/>
+                <a16:creationId xmlns:a16="http://schemas.microsoft.com/office/drawing/2014/main" id="{53B021B3-DE93-4AB7-8A18-CF5F1CED88B8}"/>
               </a:ext>
               <a:ext uri="{C183D7F6-B498-43B3-948B-1728B52AA6E4}">
                 <adec:decorative xmlns:adec="http://schemas.microsoft.com/office/drawing/2017/decorative" val="1"/>
@@ -10933,8 +12162,8 @@
         </p:nvSpPr>
         <p:spPr>
           <a:xfrm>
-            <a:off x="-1" y="0"/>
-            <a:ext cx="12188952" cy="6858000"/>
+            <a:off x="0" y="0"/>
+            <a:ext cx="12192000" cy="6858000"/>
           </a:xfrm>
           <a:prstGeom prst="rect">
             <a:avLst/>
@@ -10973,7 +12202,7 @@
           <p:cNvPr id="2" name="Titre 1">
             <a:extLst>
               <a:ext uri="{FF2B5EF4-FFF2-40B4-BE49-F238E27FC236}">
-                <a16:creationId xmlns:a16="http://schemas.microsoft.com/office/drawing/2014/main" id="{363BE357-0FB0-C826-6C95-42BE94578F66}"/>
+                <a16:creationId xmlns:a16="http://schemas.microsoft.com/office/drawing/2014/main" id="{5D9C20E2-9E9A-4E9A-86C4-67BF68D912D8}"/>
               </a:ext>
             </a:extLst>
           </p:cNvPr>
@@ -10986,90 +12215,200 @@
         </p:nvSpPr>
         <p:spPr>
           <a:xfrm>
-            <a:off x="1001684" y="170412"/>
-            <a:ext cx="10178934" cy="1328730"/>
+            <a:off x="841248" y="256032"/>
+            <a:ext cx="10506456" cy="1014984"/>
           </a:xfrm>
         </p:spPr>
         <p:txBody>
-          <a:bodyPr vert="horz" lIns="91440" tIns="45720" rIns="91440" bIns="45720" rtlCol="0" anchor="b">
+          <a:bodyPr anchor="b">
             <a:normAutofit/>
           </a:bodyPr>
           <a:lstStyle/>
           <a:p>
-            <a:pPr algn="ctr"/>
-            <a:endParaRPr lang="en-US" sz="5200" kern="1200">
-              <a:solidFill>
-                <a:schemeClr val="tx1"/>
-              </a:solidFill>
-              <a:latin typeface="+mj-lt"/>
-              <a:ea typeface="+mj-ea"/>
-              <a:cs typeface="+mj-cs"/>
-            </a:endParaRPr>
+            <a:r>
+              <a:rPr lang="fr-FR" dirty="0"/>
+              <a:t>Synthèse et </a:t>
+            </a:r>
+            <a:r>
+              <a:rPr lang="fr-FR" dirty="0" err="1"/>
+              <a:t>recommendations</a:t>
+            </a:r>
+            <a:endParaRPr lang="fr-FR" dirty="0"/>
           </a:p>
         </p:txBody>
       </p:sp>
-      <p:pic>
-        <p:nvPicPr>
-          <p:cNvPr id="7" name="Image 6" descr="Une image contenant texte, capture d’écran, Police&#10;&#10;Description générée automatiquement">
+      <p:sp>
+        <p:nvSpPr>
+          <p:cNvPr id="12" name="Rectangle 11">
             <a:extLst>
               <a:ext uri="{FF2B5EF4-FFF2-40B4-BE49-F238E27FC236}">
-                <a16:creationId xmlns:a16="http://schemas.microsoft.com/office/drawing/2014/main" id="{1E77AA91-B6DF-BCC5-42D0-14BE9CA7A733}"/>
+                <a16:creationId xmlns:a16="http://schemas.microsoft.com/office/drawing/2014/main" id="{52D502E5-F6B4-4D58-B4AE-FC466FF15EE8}"/>
+              </a:ext>
+              <a:ext uri="{C183D7F6-B498-43B3-948B-1728B52AA6E4}">
+                <adec:decorative xmlns:adec="http://schemas.microsoft.com/office/drawing/2017/decorative" val="1"/>
               </a:ext>
             </a:extLst>
           </p:cNvPr>
-          <p:cNvPicPr>
-            <a:picLocks noChangeAspect="1"/>
-          </p:cNvPicPr>
-          <p:nvPr/>
-        </p:nvPicPr>
-        <p:blipFill rotWithShape="1">
-          <a:blip r:embed="rId2"/>
-          <a:srcRect t="23275" r="-2" b="25273"/>
-          <a:stretch/>
-        </p:blipFill>
+          <p:cNvSpPr>
+            <a:spLocks noGrp="1" noRot="1" noChangeAspect="1" noMove="1" noResize="1" noEditPoints="1" noAdjustHandles="1" noChangeArrowheads="1" noChangeShapeType="1" noTextEdit="1"/>
+          </p:cNvSpPr>
+          <p:nvPr>
+            <p:extLst>
+              <p:ext uri="{386F3935-93C4-4BCD-93E2-E3B085C9AB24}">
+                <p16:designElem xmlns:p16="http://schemas.microsoft.com/office/powerpoint/2015/main" val="1"/>
+              </p:ext>
+            </p:extLst>
+          </p:nvPr>
+        </p:nvSpPr>
         <p:spPr>
           <a:xfrm>
-            <a:off x="234543" y="2834024"/>
-            <a:ext cx="3457575" cy="2317845"/>
+            <a:off x="865953" y="1634502"/>
+            <a:ext cx="10451592" cy="18288"/>
           </a:xfrm>
           <a:prstGeom prst="rect">
             <a:avLst/>
           </a:prstGeom>
+          <a:solidFill>
+            <a:srgbClr val="D5D5D5"/>
+          </a:solidFill>
+          <a:ln w="3175">
+            <a:noFill/>
+          </a:ln>
+          <a:effectLst/>
         </p:spPr>
-      </p:pic>
-      <p:pic>
-        <p:nvPicPr>
-          <p:cNvPr id="11" name="Espace réservé du contenu 10" descr="Une image contenant texte, capture d’écran, Police, document&#10;&#10;Description générée automatiquement">
+        <p:style>
+          <a:lnRef idx="2">
+            <a:schemeClr val="accent1">
+              <a:shade val="50000"/>
+            </a:schemeClr>
+          </a:lnRef>
+          <a:fillRef idx="1">
+            <a:schemeClr val="accent1"/>
+          </a:fillRef>
+          <a:effectRef idx="0">
+            <a:schemeClr val="accent1"/>
+          </a:effectRef>
+          <a:fontRef idx="minor">
+            <a:schemeClr val="lt1"/>
+          </a:fontRef>
+        </p:style>
+        <p:txBody>
+          <a:bodyPr rtlCol="0" anchor="ctr"/>
+          <a:lstStyle/>
+          <a:p>
+            <a:pPr algn="ctr"/>
+            <a:endParaRPr lang="en-US">
+              <a:solidFill>
+                <a:prstClr val="white"/>
+              </a:solidFill>
+              <a:latin typeface="Calibri" panose="020F0502020204030204"/>
+            </a:endParaRPr>
+          </a:p>
+        </p:txBody>
+      </p:sp>
+      <p:sp>
+        <p:nvSpPr>
+          <p:cNvPr id="14" name="Rectangle 13">
             <a:extLst>
               <a:ext uri="{FF2B5EF4-FFF2-40B4-BE49-F238E27FC236}">
-                <a16:creationId xmlns:a16="http://schemas.microsoft.com/office/drawing/2014/main" id="{6413FB3F-EEDF-409A-1413-CE3D6275B8FB}"/>
+                <a16:creationId xmlns:a16="http://schemas.microsoft.com/office/drawing/2014/main" id="{9DECDBF4-02B6-4BB4-B65B-B8107AD6A9E8}"/>
+              </a:ext>
+              <a:ext uri="{C183D7F6-B498-43B3-948B-1728B52AA6E4}">
+                <adec:decorative xmlns:adec="http://schemas.microsoft.com/office/drawing/2017/decorative" val="1"/>
               </a:ext>
             </a:extLst>
           </p:cNvPr>
-          <p:cNvPicPr>
-            <a:picLocks noGrp="1" noChangeAspect="1"/>
-          </p:cNvPicPr>
+          <p:cNvSpPr>
+            <a:spLocks noGrp="1" noRot="1" noChangeAspect="1" noMove="1" noResize="1" noEditPoints="1" noAdjustHandles="1" noChangeArrowheads="1" noChangeShapeType="1" noTextEdit="1"/>
+          </p:cNvSpPr>
+          <p:nvPr>
+            <p:extLst>
+              <p:ext uri="{386F3935-93C4-4BCD-93E2-E3B085C9AB24}">
+                <p16:designElem xmlns:p16="http://schemas.microsoft.com/office/powerpoint/2015/main" val="1"/>
+              </p:ext>
+            </p:extLst>
+          </p:nvPr>
+        </p:nvSpPr>
+        <p:spPr>
+          <a:xfrm flipV="1">
+            <a:off x="841248" y="1538176"/>
+            <a:ext cx="1873457" cy="109814"/>
+          </a:xfrm>
+          <a:prstGeom prst="rect">
+            <a:avLst/>
+          </a:prstGeom>
+          <a:solidFill>
+            <a:schemeClr val="accent2"/>
+          </a:solidFill>
+          <a:ln>
+            <a:noFill/>
+          </a:ln>
+        </p:spPr>
+        <p:style>
+          <a:lnRef idx="2">
+            <a:schemeClr val="accent1">
+              <a:shade val="50000"/>
+            </a:schemeClr>
+          </a:lnRef>
+          <a:fillRef idx="1">
+            <a:schemeClr val="accent1"/>
+          </a:fillRef>
+          <a:effectRef idx="0">
+            <a:schemeClr val="accent1"/>
+          </a:effectRef>
+          <a:fontRef idx="minor">
+            <a:schemeClr val="lt1"/>
+          </a:fontRef>
+        </p:style>
+        <p:txBody>
+          <a:bodyPr rtlCol="0" anchor="ctr"/>
+          <a:lstStyle/>
+          <a:p>
+            <a:pPr algn="ctr"/>
+            <a:endParaRPr lang="en-US">
+              <a:solidFill>
+                <a:prstClr val="white"/>
+              </a:solidFill>
+              <a:latin typeface="Calibri" panose="020F0502020204030204"/>
+            </a:endParaRPr>
+          </a:p>
+        </p:txBody>
+      </p:sp>
+      <p:graphicFrame>
+        <p:nvGraphicFramePr>
+          <p:cNvPr id="7" name="Graphique 3">
+            <a:extLst>
+              <a:ext uri="{FF2B5EF4-FFF2-40B4-BE49-F238E27FC236}">
+                <a16:creationId xmlns:a16="http://schemas.microsoft.com/office/drawing/2014/main" id="{5405E5B6-61FC-EC4B-CB1D-668B908B4914}"/>
+              </a:ext>
+            </a:extLst>
+          </p:cNvPr>
+          <p:cNvGraphicFramePr>
+            <a:graphicFrameLocks noGrp="1"/>
+          </p:cNvGraphicFramePr>
           <p:nvPr>
             <p:ph idx="1"/>
+            <p:extLst>
+              <p:ext uri="{D42A27DB-BD31-4B8C-83A1-F6EECF244321}">
+                <p14:modId xmlns:p14="http://schemas.microsoft.com/office/powerpoint/2010/main" val="547477615"/>
+              </p:ext>
+            </p:extLst>
           </p:nvPr>
-        </p:nvPicPr>
-        <p:blipFill>
-          <a:blip r:embed="rId3"/>
-          <a:stretch>
-            <a:fillRect/>
-          </a:stretch>
-        </p:blipFill>
-        <p:spPr>
-          <a:xfrm>
-            <a:off x="3692118" y="1949467"/>
-            <a:ext cx="8084368" cy="4351338"/>
-          </a:xfrm>
-        </p:spPr>
-      </p:pic>
+        </p:nvGraphicFramePr>
+        <p:xfrm>
+          <a:off x="838200" y="1926266"/>
+          <a:ext cx="10515600" cy="4357524"/>
+        </p:xfrm>
+        <a:graphic>
+          <a:graphicData uri="http://schemas.openxmlformats.org/drawingml/2006/chart">
+            <c:chart xmlns:c="http://schemas.openxmlformats.org/drawingml/2006/chart" xmlns:r="http://schemas.openxmlformats.org/officeDocument/2006/relationships" r:id="rId2"/>
+          </a:graphicData>
+        </a:graphic>
+      </p:graphicFrame>
     </p:spTree>
     <p:extLst>
       <p:ext uri="{BB962C8B-B14F-4D97-AF65-F5344CB8AC3E}">
-        <p14:creationId xmlns:p14="http://schemas.microsoft.com/office/powerpoint/2010/main" val="1173672993"/>
+        <p14:creationId xmlns:p14="http://schemas.microsoft.com/office/powerpoint/2010/main" val="3012395660"/>
       </p:ext>
     </p:extLst>
   </p:cSld>
@@ -11079,221 +12418,7 @@
 </p:sld>
 </file>
 
-<file path=ppt/slides/slide3.xml><?xml version="1.0" encoding="utf-8"?>
-<p:sld xmlns:a="http://schemas.openxmlformats.org/drawingml/2006/main" xmlns:r="http://schemas.openxmlformats.org/officeDocument/2006/relationships" xmlns:p="http://schemas.openxmlformats.org/presentationml/2006/main">
-  <p:cSld>
-    <p:spTree>
-      <p:nvGrpSpPr>
-        <p:cNvPr id="1" name=""/>
-        <p:cNvGrpSpPr/>
-        <p:nvPr/>
-      </p:nvGrpSpPr>
-      <p:grpSpPr>
-        <a:xfrm>
-          <a:off x="0" y="0"/>
-          <a:ext cx="0" cy="0"/>
-          <a:chOff x="0" y="0"/>
-          <a:chExt cx="0" cy="0"/>
-        </a:xfrm>
-      </p:grpSpPr>
-      <p:sp>
-        <p:nvSpPr>
-          <p:cNvPr id="2" name="Titre 1">
-            <a:extLst>
-              <a:ext uri="{FF2B5EF4-FFF2-40B4-BE49-F238E27FC236}">
-                <a16:creationId xmlns:a16="http://schemas.microsoft.com/office/drawing/2014/main" id="{6410BF9F-7E3F-9795-125F-6B719D6CF5BE}"/>
-              </a:ext>
-            </a:extLst>
-          </p:cNvPr>
-          <p:cNvSpPr>
-            <a:spLocks noGrp="1"/>
-          </p:cNvSpPr>
-          <p:nvPr>
-            <p:ph type="title"/>
-          </p:nvPr>
-        </p:nvSpPr>
-        <p:spPr/>
-        <p:txBody>
-          <a:bodyPr/>
-          <a:lstStyle/>
-          <a:p>
-            <a:r>
-              <a:rPr lang="fr-FR" dirty="0"/>
-              <a:t>Hypothèses</a:t>
-            </a:r>
-          </a:p>
-        </p:txBody>
-      </p:sp>
-      <p:sp>
-        <p:nvSpPr>
-          <p:cNvPr id="3" name="Espace réservé du contenu 2">
-            <a:extLst>
-              <a:ext uri="{FF2B5EF4-FFF2-40B4-BE49-F238E27FC236}">
-                <a16:creationId xmlns:a16="http://schemas.microsoft.com/office/drawing/2014/main" id="{F810667A-3203-F804-266B-3CA1317D811C}"/>
-              </a:ext>
-            </a:extLst>
-          </p:cNvPr>
-          <p:cNvSpPr>
-            <a:spLocks noGrp="1"/>
-          </p:cNvSpPr>
-          <p:nvPr>
-            <p:ph idx="1"/>
-          </p:nvPr>
-        </p:nvSpPr>
-        <p:spPr/>
-        <p:txBody>
-          <a:bodyPr/>
-          <a:lstStyle/>
-          <a:p>
-            <a:r>
-              <a:rPr lang="fr-FR" dirty="0"/>
-              <a:t>Pas d’éolien off-shore</a:t>
-            </a:r>
-          </a:p>
-          <a:p>
-            <a:r>
-              <a:rPr lang="fr-FR" dirty="0"/>
-              <a:t>Solaire au sol </a:t>
-            </a:r>
-          </a:p>
-          <a:p>
-            <a:r>
-              <a:rPr lang="fr-FR" dirty="0"/>
-              <a:t>xx Habitants sur l’île (règle de 3 sur la conso avec la France)</a:t>
-            </a:r>
-          </a:p>
-          <a:p>
-            <a:endParaRPr lang="fr-FR" dirty="0"/>
-          </a:p>
-          <a:p>
-            <a:pPr marL="0" indent="0">
-              <a:buNone/>
-            </a:pPr>
-            <a:endParaRPr lang="fr-FR" dirty="0"/>
-          </a:p>
-        </p:txBody>
-      </p:sp>
-    </p:spTree>
-    <p:extLst>
-      <p:ext uri="{BB962C8B-B14F-4D97-AF65-F5344CB8AC3E}">
-        <p14:creationId xmlns:p14="http://schemas.microsoft.com/office/powerpoint/2010/main" val="3187893851"/>
-      </p:ext>
-    </p:extLst>
-  </p:cSld>
-  <p:clrMapOvr>
-    <a:masterClrMapping/>
-  </p:clrMapOvr>
-</p:sld>
-</file>
-
-<file path=ppt/slides/slide4.xml><?xml version="1.0" encoding="utf-8"?>
-<p:sld xmlns:a="http://schemas.openxmlformats.org/drawingml/2006/main" xmlns:r="http://schemas.openxmlformats.org/officeDocument/2006/relationships" xmlns:p="http://schemas.openxmlformats.org/presentationml/2006/main">
-  <p:cSld>
-    <p:spTree>
-      <p:nvGrpSpPr>
-        <p:cNvPr id="1" name=""/>
-        <p:cNvGrpSpPr/>
-        <p:nvPr/>
-      </p:nvGrpSpPr>
-      <p:grpSpPr>
-        <a:xfrm>
-          <a:off x="0" y="0"/>
-          <a:ext cx="0" cy="0"/>
-          <a:chOff x="0" y="0"/>
-          <a:chExt cx="0" cy="0"/>
-        </a:xfrm>
-      </p:grpSpPr>
-      <p:sp>
-        <p:nvSpPr>
-          <p:cNvPr id="2" name="Titre 1">
-            <a:extLst>
-              <a:ext uri="{FF2B5EF4-FFF2-40B4-BE49-F238E27FC236}">
-                <a16:creationId xmlns:a16="http://schemas.microsoft.com/office/drawing/2014/main" id="{8E60D6D7-D7F4-ACD9-62E1-F703767570BB}"/>
-              </a:ext>
-            </a:extLst>
-          </p:cNvPr>
-          <p:cNvSpPr>
-            <a:spLocks noGrp="1"/>
-          </p:cNvSpPr>
-          <p:nvPr>
-            <p:ph type="title"/>
-          </p:nvPr>
-        </p:nvSpPr>
-        <p:spPr/>
-        <p:txBody>
-          <a:bodyPr/>
-          <a:lstStyle/>
-          <a:p>
-            <a:r>
-              <a:rPr lang="fr-FR" dirty="0"/>
-              <a:t>Sources</a:t>
-            </a:r>
-          </a:p>
-        </p:txBody>
-      </p:sp>
-      <p:sp>
-        <p:nvSpPr>
-          <p:cNvPr id="3" name="Espace réservé du contenu 2">
-            <a:extLst>
-              <a:ext uri="{FF2B5EF4-FFF2-40B4-BE49-F238E27FC236}">
-                <a16:creationId xmlns:a16="http://schemas.microsoft.com/office/drawing/2014/main" id="{3DC91AD9-232E-BFEA-4F6D-F9DFDEAB00A7}"/>
-              </a:ext>
-            </a:extLst>
-          </p:cNvPr>
-          <p:cNvSpPr>
-            <a:spLocks noGrp="1"/>
-          </p:cNvSpPr>
-          <p:nvPr>
-            <p:ph idx="1"/>
-          </p:nvPr>
-        </p:nvSpPr>
-        <p:spPr/>
-        <p:txBody>
-          <a:bodyPr/>
-          <a:lstStyle/>
-          <a:p>
-            <a:r>
-              <a:rPr lang="fr-FR" dirty="0"/>
-              <a:t>Futurs énergétiques 2050 - RTE</a:t>
-            </a:r>
-          </a:p>
-          <a:p>
-            <a:r>
-              <a:rPr lang="fr-FR" dirty="0"/>
-              <a:t>World Energy Outlook 2020 – IAE</a:t>
-            </a:r>
-          </a:p>
-          <a:p>
-            <a:r>
-              <a:rPr lang="fr-FR" dirty="0"/>
-              <a:t>Prix du diesel – site du gouvernement -&gt; date</a:t>
-            </a:r>
-          </a:p>
-          <a:p>
-            <a:r>
-              <a:rPr lang="fr-FR" dirty="0"/>
-              <a:t>CAPEX diesel – prix groupe électrogène Alibaba</a:t>
-            </a:r>
-          </a:p>
-          <a:p>
-            <a:endParaRPr lang="fr-FR" dirty="0"/>
-          </a:p>
-        </p:txBody>
-      </p:sp>
-    </p:spTree>
-    <p:extLst>
-      <p:ext uri="{BB962C8B-B14F-4D97-AF65-F5344CB8AC3E}">
-        <p14:creationId xmlns:p14="http://schemas.microsoft.com/office/powerpoint/2010/main" val="1788369220"/>
-      </p:ext>
-    </p:extLst>
-  </p:cSld>
-  <p:clrMapOvr>
-    <a:masterClrMapping/>
-  </p:clrMapOvr>
-</p:sld>
-</file>
-
-<file path=ppt/slides/slide5.xml><?xml version="1.0" encoding="utf-8"?>
+<file path=ppt/slides/slide12.xml><?xml version="1.0" encoding="utf-8"?>
 <p:sld xmlns:a="http://schemas.openxmlformats.org/drawingml/2006/main" xmlns:r="http://schemas.openxmlformats.org/officeDocument/2006/relationships" xmlns:p="http://schemas.openxmlformats.org/presentationml/2006/main">
   <p:cSld>
     <p:spTree>
@@ -11702,7 +12827,516 @@
 </p:sld>
 </file>
 
-<file path=ppt/slides/slide6.xml><?xml version="1.0" encoding="utf-8"?>
+<file path=ppt/slides/slide13.xml><?xml version="1.0" encoding="utf-8"?>
+<p:sld xmlns:a="http://schemas.openxmlformats.org/drawingml/2006/main" xmlns:r="http://schemas.openxmlformats.org/officeDocument/2006/relationships" xmlns:p="http://schemas.openxmlformats.org/presentationml/2006/main">
+  <p:cSld>
+    <p:spTree>
+      <p:nvGrpSpPr>
+        <p:cNvPr id="1" name=""/>
+        <p:cNvGrpSpPr/>
+        <p:nvPr/>
+      </p:nvGrpSpPr>
+      <p:grpSpPr>
+        <a:xfrm>
+          <a:off x="0" y="0"/>
+          <a:ext cx="0" cy="0"/>
+          <a:chOff x="0" y="0"/>
+          <a:chExt cx="0" cy="0"/>
+        </a:xfrm>
+      </p:grpSpPr>
+      <p:sp>
+        <p:nvSpPr>
+          <p:cNvPr id="2" name="Titre 1">
+            <a:extLst>
+              <a:ext uri="{FF2B5EF4-FFF2-40B4-BE49-F238E27FC236}">
+                <a16:creationId xmlns:a16="http://schemas.microsoft.com/office/drawing/2014/main" id="{8E60D6D7-D7F4-ACD9-62E1-F703767570BB}"/>
+              </a:ext>
+            </a:extLst>
+          </p:cNvPr>
+          <p:cNvSpPr>
+            <a:spLocks noGrp="1"/>
+          </p:cNvSpPr>
+          <p:nvPr>
+            <p:ph type="title"/>
+          </p:nvPr>
+        </p:nvSpPr>
+        <p:spPr/>
+        <p:txBody>
+          <a:bodyPr/>
+          <a:lstStyle/>
+          <a:p>
+            <a:r>
+              <a:rPr lang="fr-FR" dirty="0"/>
+              <a:t>Sources</a:t>
+            </a:r>
+          </a:p>
+        </p:txBody>
+      </p:sp>
+      <p:sp>
+        <p:nvSpPr>
+          <p:cNvPr id="3" name="Espace réservé du contenu 2">
+            <a:extLst>
+              <a:ext uri="{FF2B5EF4-FFF2-40B4-BE49-F238E27FC236}">
+                <a16:creationId xmlns:a16="http://schemas.microsoft.com/office/drawing/2014/main" id="{3DC91AD9-232E-BFEA-4F6D-F9DFDEAB00A7}"/>
+              </a:ext>
+            </a:extLst>
+          </p:cNvPr>
+          <p:cNvSpPr>
+            <a:spLocks noGrp="1"/>
+          </p:cNvSpPr>
+          <p:nvPr>
+            <p:ph idx="1"/>
+          </p:nvPr>
+        </p:nvSpPr>
+        <p:spPr/>
+        <p:txBody>
+          <a:bodyPr/>
+          <a:lstStyle/>
+          <a:p>
+            <a:r>
+              <a:rPr lang="fr-FR" dirty="0"/>
+              <a:t>Futurs énergétiques 2050 - RTE</a:t>
+            </a:r>
+          </a:p>
+          <a:p>
+            <a:r>
+              <a:rPr lang="fr-FR" dirty="0"/>
+              <a:t>World Energy Outlook 2020 – IAE</a:t>
+            </a:r>
+          </a:p>
+          <a:p>
+            <a:r>
+              <a:rPr lang="fr-FR" dirty="0"/>
+              <a:t>Prix du diesel – site du gouvernement 10 décembre 2023</a:t>
+            </a:r>
+          </a:p>
+          <a:p>
+            <a:r>
+              <a:rPr lang="fr-FR" dirty="0"/>
+              <a:t>CAPEX diesel – prix groupe électrogène Alibaba</a:t>
+            </a:r>
+          </a:p>
+          <a:p>
+            <a:endParaRPr lang="fr-FR" dirty="0"/>
+          </a:p>
+        </p:txBody>
+      </p:sp>
+    </p:spTree>
+    <p:extLst>
+      <p:ext uri="{BB962C8B-B14F-4D97-AF65-F5344CB8AC3E}">
+        <p14:creationId xmlns:p14="http://schemas.microsoft.com/office/powerpoint/2010/main" val="1788369220"/>
+      </p:ext>
+    </p:extLst>
+  </p:cSld>
+  <p:clrMapOvr>
+    <a:masterClrMapping/>
+  </p:clrMapOvr>
+</p:sld>
+</file>
+
+<file path=ppt/slides/slide14.xml><?xml version="1.0" encoding="utf-8"?>
+<p:sld xmlns:a="http://schemas.openxmlformats.org/drawingml/2006/main" xmlns:r="http://schemas.openxmlformats.org/officeDocument/2006/relationships" xmlns:p="http://schemas.openxmlformats.org/presentationml/2006/main">
+  <p:cSld>
+    <p:spTree>
+      <p:nvGrpSpPr>
+        <p:cNvPr id="1" name=""/>
+        <p:cNvGrpSpPr/>
+        <p:nvPr/>
+      </p:nvGrpSpPr>
+      <p:grpSpPr>
+        <a:xfrm>
+          <a:off x="0" y="0"/>
+          <a:ext cx="0" cy="0"/>
+          <a:chOff x="0" y="0"/>
+          <a:chExt cx="0" cy="0"/>
+        </a:xfrm>
+      </p:grpSpPr>
+      <p:sp>
+        <p:nvSpPr>
+          <p:cNvPr id="2" name="Titre 1">
+            <a:extLst>
+              <a:ext uri="{FF2B5EF4-FFF2-40B4-BE49-F238E27FC236}">
+                <a16:creationId xmlns:a16="http://schemas.microsoft.com/office/drawing/2014/main" id="{2D83B920-F4AF-1365-6850-3F3A3030963A}"/>
+              </a:ext>
+            </a:extLst>
+          </p:cNvPr>
+          <p:cNvSpPr>
+            <a:spLocks noGrp="1"/>
+          </p:cNvSpPr>
+          <p:nvPr>
+            <p:ph type="title"/>
+          </p:nvPr>
+        </p:nvSpPr>
+        <p:spPr/>
+        <p:txBody>
+          <a:bodyPr/>
+          <a:lstStyle/>
+          <a:p>
+            <a:r>
+              <a:rPr lang="fr-FR" dirty="0"/>
+              <a:t>Cout </a:t>
+            </a:r>
+            <a:r>
+              <a:rPr lang="fr-FR" dirty="0" err="1"/>
+              <a:t>unserved</a:t>
+            </a:r>
+            <a:r>
+              <a:rPr lang="fr-FR" dirty="0"/>
+              <a:t> </a:t>
+            </a:r>
+            <a:r>
+              <a:rPr lang="fr-FR" dirty="0" err="1"/>
+              <a:t>energy</a:t>
+            </a:r>
+            <a:endParaRPr lang="fr-FR" dirty="0"/>
+          </a:p>
+        </p:txBody>
+      </p:sp>
+      <p:sp>
+        <p:nvSpPr>
+          <p:cNvPr id="3" name="Espace réservé du contenu 2">
+            <a:extLst>
+              <a:ext uri="{FF2B5EF4-FFF2-40B4-BE49-F238E27FC236}">
+                <a16:creationId xmlns:a16="http://schemas.microsoft.com/office/drawing/2014/main" id="{3B4A4B9E-EFB5-529F-8833-14538EDDB429}"/>
+              </a:ext>
+            </a:extLst>
+          </p:cNvPr>
+          <p:cNvSpPr>
+            <a:spLocks noGrp="1"/>
+          </p:cNvSpPr>
+          <p:nvPr>
+            <p:ph idx="1"/>
+          </p:nvPr>
+        </p:nvSpPr>
+        <p:spPr/>
+        <p:txBody>
+          <a:bodyPr/>
+          <a:lstStyle/>
+          <a:p>
+            <a:r>
+              <a:rPr lang="fr-FR"/>
+              <a:t>Source : le cours </a:t>
+            </a:r>
+          </a:p>
+        </p:txBody>
+      </p:sp>
+    </p:spTree>
+    <p:extLst>
+      <p:ext uri="{BB962C8B-B14F-4D97-AF65-F5344CB8AC3E}">
+        <p14:creationId xmlns:p14="http://schemas.microsoft.com/office/powerpoint/2010/main" val="956849025"/>
+      </p:ext>
+    </p:extLst>
+  </p:cSld>
+  <p:clrMapOvr>
+    <a:masterClrMapping/>
+  </p:clrMapOvr>
+</p:sld>
+</file>
+
+<file path=ppt/slides/slide2.xml><?xml version="1.0" encoding="utf-8"?>
+<p:sld xmlns:a="http://schemas.openxmlformats.org/drawingml/2006/main" xmlns:r="http://schemas.openxmlformats.org/officeDocument/2006/relationships" xmlns:p="http://schemas.openxmlformats.org/presentationml/2006/main">
+  <p:cSld>
+    <p:bg>
+      <p:bgPr>
+        <a:solidFill>
+          <a:schemeClr val="bg1"/>
+        </a:solidFill>
+        <a:effectLst/>
+      </p:bgPr>
+    </p:bg>
+    <p:spTree>
+      <p:nvGrpSpPr>
+        <p:cNvPr id="1" name=""/>
+        <p:cNvGrpSpPr/>
+        <p:nvPr/>
+      </p:nvGrpSpPr>
+      <p:grpSpPr>
+        <a:xfrm>
+          <a:off x="0" y="0"/>
+          <a:ext cx="0" cy="0"/>
+          <a:chOff x="0" y="0"/>
+          <a:chExt cx="0" cy="0"/>
+        </a:xfrm>
+      </p:grpSpPr>
+      <p:sp useBgFill="1">
+        <p:nvSpPr>
+          <p:cNvPr id="12" name="Rectangle 11">
+            <a:extLst>
+              <a:ext uri="{FF2B5EF4-FFF2-40B4-BE49-F238E27FC236}">
+                <a16:creationId xmlns:a16="http://schemas.microsoft.com/office/drawing/2014/main" id="{022BDE4A-8A20-4A69-9C5A-581C82036A4D}"/>
+              </a:ext>
+              <a:ext uri="{C183D7F6-B498-43B3-948B-1728B52AA6E4}">
+                <adec:decorative xmlns:adec="http://schemas.microsoft.com/office/drawing/2017/decorative" val="1"/>
+              </a:ext>
+            </a:extLst>
+          </p:cNvPr>
+          <p:cNvSpPr>
+            <a:spLocks noGrp="1" noRot="1" noChangeAspect="1" noMove="1" noResize="1" noEditPoints="1" noAdjustHandles="1" noChangeArrowheads="1" noChangeShapeType="1" noTextEdit="1"/>
+          </p:cNvSpPr>
+          <p:nvPr>
+            <p:extLst>
+              <p:ext uri="{386F3935-93C4-4BCD-93E2-E3B085C9AB24}">
+                <p16:designElem xmlns:p16="http://schemas.microsoft.com/office/powerpoint/2015/main" val="1"/>
+              </p:ext>
+            </p:extLst>
+          </p:nvPr>
+        </p:nvSpPr>
+        <p:spPr>
+          <a:xfrm>
+            <a:off x="-1" y="0"/>
+            <a:ext cx="12188952" cy="6858000"/>
+          </a:xfrm>
+          <a:prstGeom prst="rect">
+            <a:avLst/>
+          </a:prstGeom>
+          <a:ln>
+            <a:noFill/>
+          </a:ln>
+        </p:spPr>
+        <p:style>
+          <a:lnRef idx="2">
+            <a:schemeClr val="accent1">
+              <a:shade val="50000"/>
+            </a:schemeClr>
+          </a:lnRef>
+          <a:fillRef idx="1">
+            <a:schemeClr val="accent1"/>
+          </a:fillRef>
+          <a:effectRef idx="0">
+            <a:schemeClr val="accent1"/>
+          </a:effectRef>
+          <a:fontRef idx="minor">
+            <a:schemeClr val="lt1"/>
+          </a:fontRef>
+        </p:style>
+        <p:txBody>
+          <a:bodyPr rtlCol="0" anchor="ctr"/>
+          <a:lstStyle/>
+          <a:p>
+            <a:pPr algn="ctr"/>
+            <a:endParaRPr lang="en-US"/>
+          </a:p>
+        </p:txBody>
+      </p:sp>
+      <p:sp>
+        <p:nvSpPr>
+          <p:cNvPr id="2" name="Titre 1">
+            <a:extLst>
+              <a:ext uri="{FF2B5EF4-FFF2-40B4-BE49-F238E27FC236}">
+                <a16:creationId xmlns:a16="http://schemas.microsoft.com/office/drawing/2014/main" id="{363BE357-0FB0-C826-6C95-42BE94578F66}"/>
+              </a:ext>
+            </a:extLst>
+          </p:cNvPr>
+          <p:cNvSpPr>
+            <a:spLocks noGrp="1"/>
+          </p:cNvSpPr>
+          <p:nvPr>
+            <p:ph type="title"/>
+          </p:nvPr>
+        </p:nvSpPr>
+        <p:spPr>
+          <a:xfrm>
+            <a:off x="1001684" y="170412"/>
+            <a:ext cx="10178934" cy="1328730"/>
+          </a:xfrm>
+        </p:spPr>
+        <p:txBody>
+          <a:bodyPr vert="horz" lIns="91440" tIns="45720" rIns="91440" bIns="45720" rtlCol="0" anchor="b">
+            <a:normAutofit/>
+          </a:bodyPr>
+          <a:lstStyle/>
+          <a:p>
+            <a:pPr algn="ctr"/>
+            <a:endParaRPr lang="en-US" sz="5200" kern="1200">
+              <a:solidFill>
+                <a:schemeClr val="tx1"/>
+              </a:solidFill>
+              <a:latin typeface="+mj-lt"/>
+              <a:ea typeface="+mj-ea"/>
+              <a:cs typeface="+mj-cs"/>
+            </a:endParaRPr>
+          </a:p>
+        </p:txBody>
+      </p:sp>
+      <p:pic>
+        <p:nvPicPr>
+          <p:cNvPr id="7" name="Image 6" descr="Une image contenant texte, capture d’écran, Police&#10;&#10;Description générée automatiquement">
+            <a:extLst>
+              <a:ext uri="{FF2B5EF4-FFF2-40B4-BE49-F238E27FC236}">
+                <a16:creationId xmlns:a16="http://schemas.microsoft.com/office/drawing/2014/main" id="{1E77AA91-B6DF-BCC5-42D0-14BE9CA7A733}"/>
+              </a:ext>
+            </a:extLst>
+          </p:cNvPr>
+          <p:cNvPicPr>
+            <a:picLocks noChangeAspect="1"/>
+          </p:cNvPicPr>
+          <p:nvPr/>
+        </p:nvPicPr>
+        <p:blipFill rotWithShape="1">
+          <a:blip r:embed="rId2"/>
+          <a:srcRect t="23275" r="-2" b="25273"/>
+          <a:stretch/>
+        </p:blipFill>
+        <p:spPr>
+          <a:xfrm>
+            <a:off x="234543" y="2834024"/>
+            <a:ext cx="3457575" cy="2317845"/>
+          </a:xfrm>
+          <a:prstGeom prst="rect">
+            <a:avLst/>
+          </a:prstGeom>
+        </p:spPr>
+      </p:pic>
+      <p:pic>
+        <p:nvPicPr>
+          <p:cNvPr id="11" name="Espace réservé du contenu 10" descr="Une image contenant texte, capture d’écran, Police, document&#10;&#10;Description générée automatiquement">
+            <a:extLst>
+              <a:ext uri="{FF2B5EF4-FFF2-40B4-BE49-F238E27FC236}">
+                <a16:creationId xmlns:a16="http://schemas.microsoft.com/office/drawing/2014/main" id="{6413FB3F-EEDF-409A-1413-CE3D6275B8FB}"/>
+              </a:ext>
+            </a:extLst>
+          </p:cNvPr>
+          <p:cNvPicPr>
+            <a:picLocks noGrp="1" noChangeAspect="1"/>
+          </p:cNvPicPr>
+          <p:nvPr>
+            <p:ph idx="1"/>
+          </p:nvPr>
+        </p:nvPicPr>
+        <p:blipFill>
+          <a:blip r:embed="rId3"/>
+          <a:stretch>
+            <a:fillRect/>
+          </a:stretch>
+        </p:blipFill>
+        <p:spPr>
+          <a:xfrm>
+            <a:off x="3692118" y="1949467"/>
+            <a:ext cx="8084368" cy="4351338"/>
+          </a:xfrm>
+        </p:spPr>
+      </p:pic>
+    </p:spTree>
+    <p:extLst>
+      <p:ext uri="{BB962C8B-B14F-4D97-AF65-F5344CB8AC3E}">
+        <p14:creationId xmlns:p14="http://schemas.microsoft.com/office/powerpoint/2010/main" val="1173672993"/>
+      </p:ext>
+    </p:extLst>
+  </p:cSld>
+  <p:clrMapOvr>
+    <a:masterClrMapping/>
+  </p:clrMapOvr>
+</p:sld>
+</file>
+
+<file path=ppt/slides/slide3.xml><?xml version="1.0" encoding="utf-8"?>
+<p:sld xmlns:a="http://schemas.openxmlformats.org/drawingml/2006/main" xmlns:r="http://schemas.openxmlformats.org/officeDocument/2006/relationships" xmlns:p="http://schemas.openxmlformats.org/presentationml/2006/main">
+  <p:cSld>
+    <p:spTree>
+      <p:nvGrpSpPr>
+        <p:cNvPr id="1" name=""/>
+        <p:cNvGrpSpPr/>
+        <p:nvPr/>
+      </p:nvGrpSpPr>
+      <p:grpSpPr>
+        <a:xfrm>
+          <a:off x="0" y="0"/>
+          <a:ext cx="0" cy="0"/>
+          <a:chOff x="0" y="0"/>
+          <a:chExt cx="0" cy="0"/>
+        </a:xfrm>
+      </p:grpSpPr>
+      <p:sp>
+        <p:nvSpPr>
+          <p:cNvPr id="2" name="Titre 1">
+            <a:extLst>
+              <a:ext uri="{FF2B5EF4-FFF2-40B4-BE49-F238E27FC236}">
+                <a16:creationId xmlns:a16="http://schemas.microsoft.com/office/drawing/2014/main" id="{6410BF9F-7E3F-9795-125F-6B719D6CF5BE}"/>
+              </a:ext>
+            </a:extLst>
+          </p:cNvPr>
+          <p:cNvSpPr>
+            <a:spLocks noGrp="1"/>
+          </p:cNvSpPr>
+          <p:nvPr>
+            <p:ph type="title"/>
+          </p:nvPr>
+        </p:nvSpPr>
+        <p:spPr/>
+        <p:txBody>
+          <a:bodyPr/>
+          <a:lstStyle/>
+          <a:p>
+            <a:r>
+              <a:rPr lang="fr-FR" dirty="0"/>
+              <a:t>Hypothèses</a:t>
+            </a:r>
+          </a:p>
+        </p:txBody>
+      </p:sp>
+      <p:sp>
+        <p:nvSpPr>
+          <p:cNvPr id="3" name="Espace réservé du contenu 2">
+            <a:extLst>
+              <a:ext uri="{FF2B5EF4-FFF2-40B4-BE49-F238E27FC236}">
+                <a16:creationId xmlns:a16="http://schemas.microsoft.com/office/drawing/2014/main" id="{F810667A-3203-F804-266B-3CA1317D811C}"/>
+              </a:ext>
+            </a:extLst>
+          </p:cNvPr>
+          <p:cNvSpPr>
+            <a:spLocks noGrp="1"/>
+          </p:cNvSpPr>
+          <p:nvPr>
+            <p:ph idx="1"/>
+          </p:nvPr>
+        </p:nvSpPr>
+        <p:spPr/>
+        <p:txBody>
+          <a:bodyPr/>
+          <a:lstStyle/>
+          <a:p>
+            <a:r>
+              <a:rPr lang="fr-FR" dirty="0"/>
+              <a:t>Pas d’éolien off-shore</a:t>
+            </a:r>
+          </a:p>
+          <a:p>
+            <a:r>
+              <a:rPr lang="fr-FR" dirty="0"/>
+              <a:t>Solaire au sol </a:t>
+            </a:r>
+          </a:p>
+          <a:p>
+            <a:r>
+              <a:rPr lang="fr-FR" dirty="0"/>
+              <a:t>xx Habitants sur l’île (règle de 3 sur la conso avec la France)</a:t>
+            </a:r>
+          </a:p>
+          <a:p>
+            <a:endParaRPr lang="fr-FR" dirty="0"/>
+          </a:p>
+          <a:p>
+            <a:pPr marL="0" indent="0">
+              <a:buNone/>
+            </a:pPr>
+            <a:endParaRPr lang="fr-FR" dirty="0"/>
+          </a:p>
+        </p:txBody>
+      </p:sp>
+    </p:spTree>
+    <p:extLst>
+      <p:ext uri="{BB962C8B-B14F-4D97-AF65-F5344CB8AC3E}">
+        <p14:creationId xmlns:p14="http://schemas.microsoft.com/office/powerpoint/2010/main" val="3187893851"/>
+      </p:ext>
+    </p:extLst>
+  </p:cSld>
+  <p:clrMapOvr>
+    <a:masterClrMapping/>
+  </p:clrMapOvr>
+</p:sld>
+</file>
+
+<file path=ppt/slides/slide4.xml><?xml version="1.0" encoding="utf-8"?>
 <p:sld xmlns:a="http://schemas.openxmlformats.org/drawingml/2006/main" xmlns:r="http://schemas.openxmlformats.org/officeDocument/2006/relationships" xmlns:p="http://schemas.openxmlformats.org/presentationml/2006/main">
   <p:cSld>
     <p:spTree>
@@ -11760,7 +13394,7 @@
           <p:nvPr>
             <p:extLst>
               <p:ext uri="{D42A27DB-BD31-4B8C-83A1-F6EECF244321}">
-                <p14:modId xmlns:p14="http://schemas.microsoft.com/office/powerpoint/2010/main" val="305448632"/>
+                <p14:modId xmlns:p14="http://schemas.microsoft.com/office/powerpoint/2010/main" val="2460144158"/>
               </p:ext>
             </p:extLst>
           </p:nvPr>
@@ -11779,6 +13413,454 @@
     <p:extLst>
       <p:ext uri="{BB962C8B-B14F-4D97-AF65-F5344CB8AC3E}">
         <p14:creationId xmlns:p14="http://schemas.microsoft.com/office/powerpoint/2010/main" val="4049711483"/>
+      </p:ext>
+    </p:extLst>
+  </p:cSld>
+  <p:clrMapOvr>
+    <a:masterClrMapping/>
+  </p:clrMapOvr>
+</p:sld>
+</file>
+
+<file path=ppt/slides/slide5.xml><?xml version="1.0" encoding="utf-8"?>
+<p:sld xmlns:a="http://schemas.openxmlformats.org/drawingml/2006/main" xmlns:r="http://schemas.openxmlformats.org/officeDocument/2006/relationships" xmlns:p="http://schemas.openxmlformats.org/presentationml/2006/main">
+  <p:cSld>
+    <p:spTree>
+      <p:nvGrpSpPr>
+        <p:cNvPr id="1" name=""/>
+        <p:cNvGrpSpPr/>
+        <p:nvPr/>
+      </p:nvGrpSpPr>
+      <p:grpSpPr>
+        <a:xfrm>
+          <a:off x="0" y="0"/>
+          <a:ext cx="0" cy="0"/>
+          <a:chOff x="0" y="0"/>
+          <a:chExt cx="0" cy="0"/>
+        </a:xfrm>
+      </p:grpSpPr>
+      <p:sp>
+        <p:nvSpPr>
+          <p:cNvPr id="2" name="Titre 1">
+            <a:extLst>
+              <a:ext uri="{FF2B5EF4-FFF2-40B4-BE49-F238E27FC236}">
+                <a16:creationId xmlns:a16="http://schemas.microsoft.com/office/drawing/2014/main" id="{91679FDD-D10B-2448-A259-11364A77EBCD}"/>
+              </a:ext>
+            </a:extLst>
+          </p:cNvPr>
+          <p:cNvSpPr>
+            <a:spLocks noGrp="1"/>
+          </p:cNvSpPr>
+          <p:nvPr>
+            <p:ph type="title"/>
+          </p:nvPr>
+        </p:nvSpPr>
+        <p:spPr/>
+        <p:txBody>
+          <a:bodyPr/>
+          <a:lstStyle/>
+          <a:p>
+            <a:r>
+              <a:rPr lang="fr-FR" dirty="0"/>
+              <a:t>Remplacement du diesel</a:t>
+            </a:r>
+          </a:p>
+        </p:txBody>
+      </p:sp>
+      <p:sp>
+        <p:nvSpPr>
+          <p:cNvPr id="4" name="ZoneTexte 3">
+            <a:extLst>
+              <a:ext uri="{FF2B5EF4-FFF2-40B4-BE49-F238E27FC236}">
+                <a16:creationId xmlns:a16="http://schemas.microsoft.com/office/drawing/2014/main" id="{7CF5DF9F-3E2C-1BBF-429C-A0ED0B560E58}"/>
+              </a:ext>
+            </a:extLst>
+          </p:cNvPr>
+          <p:cNvSpPr txBox="1"/>
+          <p:nvPr/>
+        </p:nvSpPr>
+        <p:spPr>
+          <a:xfrm>
+            <a:off x="7986713" y="1228725"/>
+            <a:ext cx="2514856" cy="1200329"/>
+          </a:xfrm>
+          <a:prstGeom prst="rect">
+            <a:avLst/>
+          </a:prstGeom>
+          <a:noFill/>
+        </p:spPr>
+        <p:txBody>
+          <a:bodyPr wrap="none" rtlCol="0">
+            <a:spAutoFit/>
+          </a:bodyPr>
+          <a:lstStyle/>
+          <a:p>
+            <a:r>
+              <a:rPr lang="fr-FR" dirty="0"/>
+              <a:t>Hypothèses : </a:t>
+            </a:r>
+          </a:p>
+          <a:p>
+            <a:pPr marL="285750" indent="-285750">
+              <a:buFont typeface="Arial" panose="020B0604020202020204" pitchFamily="34" charset="0"/>
+              <a:buChar char="•"/>
+            </a:pPr>
+            <a:r>
+              <a:rPr lang="fr-FR" dirty="0" err="1"/>
+              <a:t>Fze</a:t>
+            </a:r>
+            <a:r>
+              <a:rPr lang="fr-FR" dirty="0"/>
+              <a:t> (</a:t>
+            </a:r>
+            <a:r>
+              <a:rPr lang="fr-FR" dirty="0" err="1"/>
+              <a:t>enoncer</a:t>
+            </a:r>
+            <a:r>
+              <a:rPr lang="fr-FR" dirty="0"/>
+              <a:t> sources)</a:t>
+            </a:r>
+          </a:p>
+          <a:p>
+            <a:pPr marL="285750" indent="-285750">
+              <a:buFont typeface="Arial" panose="020B0604020202020204" pitchFamily="34" charset="0"/>
+              <a:buChar char="•"/>
+            </a:pPr>
+            <a:r>
+              <a:rPr lang="fr-FR" dirty="0"/>
+              <a:t>Fez</a:t>
+            </a:r>
+          </a:p>
+          <a:p>
+            <a:pPr marL="285750" indent="-285750">
+              <a:buFont typeface="Arial" panose="020B0604020202020204" pitchFamily="34" charset="0"/>
+              <a:buChar char="•"/>
+            </a:pPr>
+            <a:endParaRPr lang="fr-FR" dirty="0"/>
+          </a:p>
+        </p:txBody>
+      </p:sp>
+      <p:sp>
+        <p:nvSpPr>
+          <p:cNvPr id="5" name="ZoneTexte 4">
+            <a:extLst>
+              <a:ext uri="{FF2B5EF4-FFF2-40B4-BE49-F238E27FC236}">
+                <a16:creationId xmlns:a16="http://schemas.microsoft.com/office/drawing/2014/main" id="{A21E7E96-EEAC-7B10-1DB1-3F3A0CE3284F}"/>
+              </a:ext>
+            </a:extLst>
+          </p:cNvPr>
+          <p:cNvSpPr txBox="1"/>
+          <p:nvPr/>
+        </p:nvSpPr>
+        <p:spPr>
+          <a:xfrm>
+            <a:off x="1467293" y="3094074"/>
+            <a:ext cx="2455929" cy="369332"/>
+          </a:xfrm>
+          <a:prstGeom prst="rect">
+            <a:avLst/>
+          </a:prstGeom>
+          <a:noFill/>
+        </p:spPr>
+        <p:txBody>
+          <a:bodyPr wrap="none" rtlCol="0">
+            <a:spAutoFit/>
+          </a:bodyPr>
+          <a:lstStyle/>
+          <a:p>
+            <a:r>
+              <a:rPr lang="fr-FR" dirty="0"/>
+              <a:t>Mix énergétique obtenu</a:t>
+            </a:r>
+          </a:p>
+        </p:txBody>
+      </p:sp>
+      <p:sp>
+        <p:nvSpPr>
+          <p:cNvPr id="6" name="ZoneTexte 5">
+            <a:extLst>
+              <a:ext uri="{FF2B5EF4-FFF2-40B4-BE49-F238E27FC236}">
+                <a16:creationId xmlns:a16="http://schemas.microsoft.com/office/drawing/2014/main" id="{6BA1A26C-A46A-18D7-E086-CF691498F52E}"/>
+              </a:ext>
+            </a:extLst>
+          </p:cNvPr>
+          <p:cNvSpPr txBox="1"/>
+          <p:nvPr/>
+        </p:nvSpPr>
+        <p:spPr>
+          <a:xfrm>
+            <a:off x="6985591" y="2860158"/>
+            <a:ext cx="3461910" cy="923330"/>
+          </a:xfrm>
+          <a:prstGeom prst="rect">
+            <a:avLst/>
+          </a:prstGeom>
+        </p:spPr>
+        <p:style>
+          <a:lnRef idx="2">
+            <a:schemeClr val="dk1"/>
+          </a:lnRef>
+          <a:fillRef idx="1">
+            <a:schemeClr val="lt1"/>
+          </a:fillRef>
+          <a:effectRef idx="0">
+            <a:schemeClr val="dk1"/>
+          </a:effectRef>
+          <a:fontRef idx="minor">
+            <a:schemeClr val="dk1"/>
+          </a:fontRef>
+        </p:style>
+        <p:txBody>
+          <a:bodyPr wrap="none" rtlCol="0">
+            <a:spAutoFit/>
+          </a:bodyPr>
+          <a:lstStyle/>
+          <a:p>
+            <a:r>
+              <a:rPr lang="fr-FR" dirty="0"/>
+              <a:t>Emissions de CO2: 100 272 tCO2eq</a:t>
+            </a:r>
+          </a:p>
+          <a:p>
+            <a:r>
+              <a:rPr lang="fr-FR" dirty="0"/>
+              <a:t>CAPEX: 8 404 040 €</a:t>
+            </a:r>
+          </a:p>
+          <a:p>
+            <a:r>
+              <a:rPr lang="fr-FR" dirty="0"/>
+              <a:t>Coûts sur 20 ans : </a:t>
+            </a:r>
+          </a:p>
+        </p:txBody>
+      </p:sp>
+    </p:spTree>
+    <p:extLst>
+      <p:ext uri="{BB962C8B-B14F-4D97-AF65-F5344CB8AC3E}">
+        <p14:creationId xmlns:p14="http://schemas.microsoft.com/office/powerpoint/2010/main" val="2120805346"/>
+      </p:ext>
+    </p:extLst>
+  </p:cSld>
+  <p:clrMapOvr>
+    <a:masterClrMapping/>
+  </p:clrMapOvr>
+</p:sld>
+</file>
+
+<file path=ppt/slides/slide6.xml><?xml version="1.0" encoding="utf-8"?>
+<p:sld xmlns:a="http://schemas.openxmlformats.org/drawingml/2006/main" xmlns:r="http://schemas.openxmlformats.org/officeDocument/2006/relationships" xmlns:p="http://schemas.openxmlformats.org/presentationml/2006/main">
+  <p:cSld>
+    <p:spTree>
+      <p:nvGrpSpPr>
+        <p:cNvPr id="1" name=""/>
+        <p:cNvGrpSpPr/>
+        <p:nvPr/>
+      </p:nvGrpSpPr>
+      <p:grpSpPr>
+        <a:xfrm>
+          <a:off x="0" y="0"/>
+          <a:ext cx="0" cy="0"/>
+          <a:chOff x="0" y="0"/>
+          <a:chExt cx="0" cy="0"/>
+        </a:xfrm>
+      </p:grpSpPr>
+      <p:sp>
+        <p:nvSpPr>
+          <p:cNvPr id="2" name="Titre 1">
+            <a:extLst>
+              <a:ext uri="{FF2B5EF4-FFF2-40B4-BE49-F238E27FC236}">
+                <a16:creationId xmlns:a16="http://schemas.microsoft.com/office/drawing/2014/main" id="{91679FDD-D10B-2448-A259-11364A77EBCD}"/>
+              </a:ext>
+            </a:extLst>
+          </p:cNvPr>
+          <p:cNvSpPr>
+            <a:spLocks noGrp="1"/>
+          </p:cNvSpPr>
+          <p:nvPr>
+            <p:ph type="title"/>
+          </p:nvPr>
+        </p:nvSpPr>
+        <p:spPr/>
+        <p:txBody>
+          <a:bodyPr/>
+          <a:lstStyle/>
+          <a:p>
+            <a:r>
+              <a:rPr lang="fr-FR" dirty="0"/>
+              <a:t>Optimisation financière</a:t>
+            </a:r>
+          </a:p>
+        </p:txBody>
+      </p:sp>
+      <p:sp>
+        <p:nvSpPr>
+          <p:cNvPr id="5" name="ZoneTexte 4">
+            <a:extLst>
+              <a:ext uri="{FF2B5EF4-FFF2-40B4-BE49-F238E27FC236}">
+                <a16:creationId xmlns:a16="http://schemas.microsoft.com/office/drawing/2014/main" id="{1F45DEBC-8C7B-A327-69E8-329A7A65D50A}"/>
+              </a:ext>
+            </a:extLst>
+          </p:cNvPr>
+          <p:cNvSpPr txBox="1"/>
+          <p:nvPr/>
+        </p:nvSpPr>
+        <p:spPr>
+          <a:xfrm>
+            <a:off x="7986713" y="1228725"/>
+            <a:ext cx="2514856" cy="1200329"/>
+          </a:xfrm>
+          <a:prstGeom prst="rect">
+            <a:avLst/>
+          </a:prstGeom>
+          <a:noFill/>
+        </p:spPr>
+        <p:txBody>
+          <a:bodyPr wrap="none" rtlCol="0">
+            <a:spAutoFit/>
+          </a:bodyPr>
+          <a:lstStyle/>
+          <a:p>
+            <a:r>
+              <a:rPr lang="fr-FR" dirty="0"/>
+              <a:t>Hypothèses : </a:t>
+            </a:r>
+          </a:p>
+          <a:p>
+            <a:pPr marL="285750" indent="-285750">
+              <a:buFont typeface="Arial" panose="020B0604020202020204" pitchFamily="34" charset="0"/>
+              <a:buChar char="•"/>
+            </a:pPr>
+            <a:r>
+              <a:rPr lang="fr-FR" dirty="0" err="1"/>
+              <a:t>Fze</a:t>
+            </a:r>
+            <a:r>
+              <a:rPr lang="fr-FR" dirty="0"/>
+              <a:t> (</a:t>
+            </a:r>
+            <a:r>
+              <a:rPr lang="fr-FR" dirty="0" err="1"/>
+              <a:t>enoncer</a:t>
+            </a:r>
+            <a:r>
+              <a:rPr lang="fr-FR" dirty="0"/>
+              <a:t> sources)</a:t>
+            </a:r>
+          </a:p>
+          <a:p>
+            <a:pPr marL="285750" indent="-285750">
+              <a:buFont typeface="Arial" panose="020B0604020202020204" pitchFamily="34" charset="0"/>
+              <a:buChar char="•"/>
+            </a:pPr>
+            <a:r>
+              <a:rPr lang="fr-FR" dirty="0"/>
+              <a:t>Fez</a:t>
+            </a:r>
+          </a:p>
+          <a:p>
+            <a:pPr marL="285750" indent="-285750">
+              <a:buFont typeface="Arial" panose="020B0604020202020204" pitchFamily="34" charset="0"/>
+              <a:buChar char="•"/>
+            </a:pPr>
+            <a:endParaRPr lang="fr-FR" dirty="0"/>
+          </a:p>
+        </p:txBody>
+      </p:sp>
+      <p:sp>
+        <p:nvSpPr>
+          <p:cNvPr id="6" name="ZoneTexte 5">
+            <a:extLst>
+              <a:ext uri="{FF2B5EF4-FFF2-40B4-BE49-F238E27FC236}">
+                <a16:creationId xmlns:a16="http://schemas.microsoft.com/office/drawing/2014/main" id="{E9E0A833-ED9C-048A-ACC0-4E1F476A0C2D}"/>
+              </a:ext>
+            </a:extLst>
+          </p:cNvPr>
+          <p:cNvSpPr txBox="1"/>
+          <p:nvPr/>
+        </p:nvSpPr>
+        <p:spPr>
+          <a:xfrm>
+            <a:off x="1467293" y="3094074"/>
+            <a:ext cx="2455929" cy="369332"/>
+          </a:xfrm>
+          <a:prstGeom prst="rect">
+            <a:avLst/>
+          </a:prstGeom>
+          <a:noFill/>
+        </p:spPr>
+        <p:txBody>
+          <a:bodyPr wrap="none" rtlCol="0">
+            <a:spAutoFit/>
+          </a:bodyPr>
+          <a:lstStyle/>
+          <a:p>
+            <a:r>
+              <a:rPr lang="fr-FR" dirty="0"/>
+              <a:t>Mix énergétique obtenu</a:t>
+            </a:r>
+          </a:p>
+        </p:txBody>
+      </p:sp>
+      <p:sp>
+        <p:nvSpPr>
+          <p:cNvPr id="7" name="ZoneTexte 6">
+            <a:extLst>
+              <a:ext uri="{FF2B5EF4-FFF2-40B4-BE49-F238E27FC236}">
+                <a16:creationId xmlns:a16="http://schemas.microsoft.com/office/drawing/2014/main" id="{AA8E701D-2F94-0A67-202C-44A5C4709F6B}"/>
+              </a:ext>
+            </a:extLst>
+          </p:cNvPr>
+          <p:cNvSpPr txBox="1"/>
+          <p:nvPr/>
+        </p:nvSpPr>
+        <p:spPr>
+          <a:xfrm>
+            <a:off x="6985591" y="2860158"/>
+            <a:ext cx="2653996" cy="646331"/>
+          </a:xfrm>
+          <a:prstGeom prst="rect">
+            <a:avLst/>
+          </a:prstGeom>
+        </p:spPr>
+        <p:style>
+          <a:lnRef idx="2">
+            <a:schemeClr val="dk1"/>
+          </a:lnRef>
+          <a:fillRef idx="1">
+            <a:schemeClr val="lt1"/>
+          </a:fillRef>
+          <a:effectRef idx="0">
+            <a:schemeClr val="dk1"/>
+          </a:effectRef>
+          <a:fontRef idx="minor">
+            <a:schemeClr val="dk1"/>
+          </a:fontRef>
+        </p:style>
+        <p:txBody>
+          <a:bodyPr wrap="none" rtlCol="0">
+            <a:spAutoFit/>
+          </a:bodyPr>
+          <a:lstStyle/>
+          <a:p>
+            <a:r>
+              <a:rPr lang="fr-FR" dirty="0"/>
+              <a:t>Emissions de CO2: tCO2eq</a:t>
+            </a:r>
+          </a:p>
+          <a:p>
+            <a:r>
+              <a:rPr lang="fr-FR" dirty="0"/>
+              <a:t>CAPEX: €</a:t>
+            </a:r>
+          </a:p>
+        </p:txBody>
+      </p:sp>
+    </p:spTree>
+    <p:extLst>
+      <p:ext uri="{BB962C8B-B14F-4D97-AF65-F5344CB8AC3E}">
+        <p14:creationId xmlns:p14="http://schemas.microsoft.com/office/powerpoint/2010/main" val="730383171"/>
       </p:ext>
     </p:extLst>
   </p:cSld>
@@ -11810,7 +13892,7 @@
           <p:cNvPr id="2" name="Titre 1">
             <a:extLst>
               <a:ext uri="{FF2B5EF4-FFF2-40B4-BE49-F238E27FC236}">
-                <a16:creationId xmlns:a16="http://schemas.microsoft.com/office/drawing/2014/main" id="{5F03E97A-003A-99CD-7642-F8F39407F91C}"/>
+                <a16:creationId xmlns:a16="http://schemas.microsoft.com/office/drawing/2014/main" id="{91679FDD-D10B-2448-A259-11364A77EBCD}"/>
               </a:ext>
             </a:extLst>
           </p:cNvPr>
@@ -11828,7 +13910,7 @@
           <a:p>
             <a:r>
               <a:rPr lang="fr-FR" dirty="0"/>
-              <a:t>Résultats des mix</a:t>
+              <a:t>Optimisation des émissions carbones 1/2</a:t>
             </a:r>
           </a:p>
         </p:txBody>
@@ -11838,7 +13920,7 @@
           <p:cNvPr id="4" name="ZoneTexte 3">
             <a:extLst>
               <a:ext uri="{FF2B5EF4-FFF2-40B4-BE49-F238E27FC236}">
-                <a16:creationId xmlns:a16="http://schemas.microsoft.com/office/drawing/2014/main" id="{9509944C-6760-3574-A0D8-6622D18A6B77}"/>
+                <a16:creationId xmlns:a16="http://schemas.microsoft.com/office/drawing/2014/main" id="{02668800-9A3F-4EDA-BE00-5E74F827C1DC}"/>
               </a:ext>
             </a:extLst>
           </p:cNvPr>
@@ -11847,8 +13929,8 @@
         </p:nvSpPr>
         <p:spPr>
           <a:xfrm>
-            <a:off x="1721707" y="6067170"/>
-            <a:ext cx="1346886" cy="369332"/>
+            <a:off x="7986713" y="1228725"/>
+            <a:ext cx="2514856" cy="1200329"/>
           </a:xfrm>
           <a:prstGeom prst="rect">
             <a:avLst/>
@@ -11856,16 +13938,54 @@
           <a:noFill/>
         </p:spPr>
         <p:txBody>
-          <a:bodyPr wrap="square" rtlCol="0">
+          <a:bodyPr wrap="none" rtlCol="0">
             <a:spAutoFit/>
           </a:bodyPr>
           <a:lstStyle/>
           <a:p>
-            <a:pPr algn="ctr"/>
             <a:r>
               <a:rPr lang="fr-FR" dirty="0"/>
-              <a:t>Scénario 1</a:t>
+              <a:t>Hypothèses : </a:t>
             </a:r>
+          </a:p>
+          <a:p>
+            <a:pPr marL="285750" indent="-285750">
+              <a:buFont typeface="Arial" panose="020B0604020202020204" pitchFamily="34" charset="0"/>
+              <a:buChar char="•"/>
+            </a:pPr>
+            <a:r>
+              <a:rPr lang="fr-FR" dirty="0" err="1"/>
+              <a:t>Fze</a:t>
+            </a:r>
+            <a:r>
+              <a:rPr lang="fr-FR" dirty="0"/>
+              <a:t> (</a:t>
+            </a:r>
+            <a:r>
+              <a:rPr lang="fr-FR" dirty="0" err="1"/>
+              <a:t>enoncer</a:t>
+            </a:r>
+            <a:r>
+              <a:rPr lang="fr-FR" dirty="0"/>
+              <a:t> sources)</a:t>
+            </a:r>
+          </a:p>
+          <a:p>
+            <a:pPr marL="285750" indent="-285750">
+              <a:buFont typeface="Arial" panose="020B0604020202020204" pitchFamily="34" charset="0"/>
+              <a:buChar char="•"/>
+            </a:pPr>
+            <a:r>
+              <a:rPr lang="fr-FR" dirty="0"/>
+              <a:t>Fez</a:t>
+            </a:r>
+          </a:p>
+          <a:p>
+            <a:pPr marL="285750" indent="-285750">
+              <a:buFont typeface="Arial" panose="020B0604020202020204" pitchFamily="34" charset="0"/>
+              <a:buChar char="•"/>
+            </a:pPr>
+            <a:endParaRPr lang="fr-FR" dirty="0"/>
           </a:p>
         </p:txBody>
       </p:sp>
@@ -11874,7 +13994,7 @@
           <p:cNvPr id="5" name="ZoneTexte 4">
             <a:extLst>
               <a:ext uri="{FF2B5EF4-FFF2-40B4-BE49-F238E27FC236}">
-                <a16:creationId xmlns:a16="http://schemas.microsoft.com/office/drawing/2014/main" id="{20F8F632-A963-4DF1-AF0E-C97FCA9010BD}"/>
+                <a16:creationId xmlns:a16="http://schemas.microsoft.com/office/drawing/2014/main" id="{5092E99F-8EA8-8446-908F-77FD8856609E}"/>
               </a:ext>
             </a:extLst>
           </p:cNvPr>
@@ -11883,8 +14003,8 @@
         </p:nvSpPr>
         <p:spPr>
           <a:xfrm>
-            <a:off x="5422557" y="6067170"/>
-            <a:ext cx="1346886" cy="369332"/>
+            <a:off x="1467293" y="3094074"/>
+            <a:ext cx="2455929" cy="369332"/>
           </a:xfrm>
           <a:prstGeom prst="rect">
             <a:avLst/>
@@ -11892,15 +14012,14 @@
           <a:noFill/>
         </p:spPr>
         <p:txBody>
-          <a:bodyPr wrap="square" rtlCol="0">
+          <a:bodyPr wrap="none" rtlCol="0">
             <a:spAutoFit/>
           </a:bodyPr>
           <a:lstStyle/>
           <a:p>
-            <a:pPr algn="ctr"/>
             <a:r>
               <a:rPr lang="fr-FR" dirty="0"/>
-              <a:t>Scénario 2</a:t>
+              <a:t>Mix énergétique obtenu</a:t>
             </a:r>
           </a:p>
         </p:txBody>
@@ -11910,7 +14029,7 @@
           <p:cNvPr id="6" name="ZoneTexte 5">
             <a:extLst>
               <a:ext uri="{FF2B5EF4-FFF2-40B4-BE49-F238E27FC236}">
-                <a16:creationId xmlns:a16="http://schemas.microsoft.com/office/drawing/2014/main" id="{D173CA55-35E0-8C80-FD12-86BBF74897A1}"/>
+                <a16:creationId xmlns:a16="http://schemas.microsoft.com/office/drawing/2014/main" id="{FC5A4CC9-DBB8-AB7A-C445-9C9DD1F29DD6}"/>
               </a:ext>
             </a:extLst>
           </p:cNvPr>
@@ -11919,485 +14038,50 @@
         </p:nvSpPr>
         <p:spPr>
           <a:xfrm>
-            <a:off x="9123407" y="6067170"/>
-            <a:ext cx="1346886" cy="369332"/>
+            <a:off x="6985591" y="2860158"/>
+            <a:ext cx="2653996" cy="646331"/>
           </a:xfrm>
           <a:prstGeom prst="rect">
             <a:avLst/>
           </a:prstGeom>
-          <a:noFill/>
         </p:spPr>
+        <p:style>
+          <a:lnRef idx="2">
+            <a:schemeClr val="dk1"/>
+          </a:lnRef>
+          <a:fillRef idx="1">
+            <a:schemeClr val="lt1"/>
+          </a:fillRef>
+          <a:effectRef idx="0">
+            <a:schemeClr val="dk1"/>
+          </a:effectRef>
+          <a:fontRef idx="minor">
+            <a:schemeClr val="dk1"/>
+          </a:fontRef>
+        </p:style>
         <p:txBody>
-          <a:bodyPr wrap="square" rtlCol="0">
+          <a:bodyPr wrap="none" rtlCol="0">
             <a:spAutoFit/>
           </a:bodyPr>
           <a:lstStyle/>
           <a:p>
-            <a:pPr algn="ctr"/>
             <a:r>
               <a:rPr lang="fr-FR" dirty="0"/>
-              <a:t>Scénario 3</a:t>
+              <a:t>Emissions de CO2: tCO2eq</a:t>
+            </a:r>
+          </a:p>
+          <a:p>
+            <a:r>
+              <a:rPr lang="fr-FR" dirty="0"/>
+              <a:t>CAPEX: €</a:t>
             </a:r>
           </a:p>
         </p:txBody>
       </p:sp>
-      <p:graphicFrame>
-        <p:nvGraphicFramePr>
-          <p:cNvPr id="10" name="Graphique 9">
-            <a:extLst>
-              <a:ext uri="{FF2B5EF4-FFF2-40B4-BE49-F238E27FC236}">
-                <a16:creationId xmlns:a16="http://schemas.microsoft.com/office/drawing/2014/main" id="{DC02A24C-8D7F-B0F2-977B-CB3801F8A67B}"/>
-              </a:ext>
-            </a:extLst>
-          </p:cNvPr>
-          <p:cNvGraphicFramePr>
-            <a:graphicFrameLocks/>
-          </p:cNvGraphicFramePr>
-          <p:nvPr>
-            <p:extLst>
-              <p:ext uri="{D42A27DB-BD31-4B8C-83A1-F6EECF244321}">
-                <p14:modId xmlns:p14="http://schemas.microsoft.com/office/powerpoint/2010/main" val="3260700258"/>
-              </p:ext>
-            </p:extLst>
-          </p:nvPr>
-        </p:nvGraphicFramePr>
-        <p:xfrm>
-          <a:off x="915428" y="3323970"/>
-          <a:ext cx="2959443" cy="2743200"/>
-        </p:xfrm>
-        <a:graphic>
-          <a:graphicData uri="http://schemas.openxmlformats.org/drawingml/2006/chart">
-            <c:chart xmlns:c="http://schemas.openxmlformats.org/drawingml/2006/chart" xmlns:r="http://schemas.openxmlformats.org/officeDocument/2006/relationships" r:id="rId2"/>
-          </a:graphicData>
-        </a:graphic>
-      </p:graphicFrame>
-      <p:sp>
-        <p:nvSpPr>
-          <p:cNvPr id="13" name="ZoneTexte 12">
-            <a:extLst>
-              <a:ext uri="{FF2B5EF4-FFF2-40B4-BE49-F238E27FC236}">
-                <a16:creationId xmlns:a16="http://schemas.microsoft.com/office/drawing/2014/main" id="{8E9230FE-46C9-C829-A88D-F35BA8F86E3F}"/>
-              </a:ext>
-            </a:extLst>
-          </p:cNvPr>
-          <p:cNvSpPr txBox="1"/>
-          <p:nvPr/>
-        </p:nvSpPr>
-        <p:spPr>
-          <a:xfrm>
-            <a:off x="1834975" y="2618820"/>
-            <a:ext cx="1120347" cy="461665"/>
-          </a:xfrm>
-          <a:prstGeom prst="rect">
-            <a:avLst/>
-          </a:prstGeom>
-          <a:noFill/>
-        </p:spPr>
-        <p:txBody>
-          <a:bodyPr wrap="square" rtlCol="0">
-            <a:spAutoFit/>
-          </a:bodyPr>
-          <a:lstStyle/>
-          <a:p>
-            <a:pPr algn="ctr"/>
-            <a:r>
-              <a:rPr lang="fr-FR" sz="2400" dirty="0">
-                <a:ln w="0"/>
-                <a:solidFill>
-                  <a:schemeClr val="accent1"/>
-                </a:solidFill>
-                <a:effectLst>
-                  <a:outerShdw blurRad="38100" dist="25400" dir="5400000" algn="ctr" rotWithShape="0">
-                    <a:srgbClr val="6E747A">
-                      <a:alpha val="43000"/>
-                    </a:srgbClr>
-                  </a:outerShdw>
-                </a:effectLst>
-              </a:rPr>
-              <a:t>30 MW</a:t>
-            </a:r>
-          </a:p>
-        </p:txBody>
-      </p:sp>
-      <p:sp>
-        <p:nvSpPr>
-          <p:cNvPr id="14" name="ZoneTexte 13">
-            <a:extLst>
-              <a:ext uri="{FF2B5EF4-FFF2-40B4-BE49-F238E27FC236}">
-                <a16:creationId xmlns:a16="http://schemas.microsoft.com/office/drawing/2014/main" id="{0F5CAB77-0C7A-28CD-8A8B-1562E084A957}"/>
-              </a:ext>
-            </a:extLst>
-          </p:cNvPr>
-          <p:cNvSpPr txBox="1"/>
-          <p:nvPr/>
-        </p:nvSpPr>
-        <p:spPr>
-          <a:xfrm>
-            <a:off x="5535825" y="2618819"/>
-            <a:ext cx="1120347" cy="461665"/>
-          </a:xfrm>
-          <a:prstGeom prst="rect">
-            <a:avLst/>
-          </a:prstGeom>
-          <a:noFill/>
-        </p:spPr>
-        <p:txBody>
-          <a:bodyPr wrap="square" rtlCol="0">
-            <a:spAutoFit/>
-          </a:bodyPr>
-          <a:lstStyle/>
-          <a:p>
-            <a:pPr algn="ctr"/>
-            <a:r>
-              <a:rPr lang="fr-FR" sz="2400" dirty="0">
-                <a:ln w="0"/>
-                <a:solidFill>
-                  <a:schemeClr val="accent1"/>
-                </a:solidFill>
-                <a:effectLst>
-                  <a:outerShdw blurRad="38100" dist="25400" dir="5400000" algn="ctr" rotWithShape="0">
-                    <a:srgbClr val="6E747A">
-                      <a:alpha val="43000"/>
-                    </a:srgbClr>
-                  </a:outerShdw>
-                </a:effectLst>
-              </a:rPr>
-              <a:t>35 MW</a:t>
-            </a:r>
-          </a:p>
-        </p:txBody>
-      </p:sp>
-      <p:sp>
-        <p:nvSpPr>
-          <p:cNvPr id="15" name="ZoneTexte 14">
-            <a:extLst>
-              <a:ext uri="{FF2B5EF4-FFF2-40B4-BE49-F238E27FC236}">
-                <a16:creationId xmlns:a16="http://schemas.microsoft.com/office/drawing/2014/main" id="{F9E04AC1-90B2-9969-6E61-6650F2F6BEA8}"/>
-              </a:ext>
-            </a:extLst>
-          </p:cNvPr>
-          <p:cNvSpPr txBox="1"/>
-          <p:nvPr/>
-        </p:nvSpPr>
-        <p:spPr>
-          <a:xfrm>
-            <a:off x="9236675" y="2618818"/>
-            <a:ext cx="1120347" cy="461665"/>
-          </a:xfrm>
-          <a:prstGeom prst="rect">
-            <a:avLst/>
-          </a:prstGeom>
-          <a:noFill/>
-        </p:spPr>
-        <p:txBody>
-          <a:bodyPr wrap="square" rtlCol="0">
-            <a:spAutoFit/>
-          </a:bodyPr>
-          <a:lstStyle/>
-          <a:p>
-            <a:pPr algn="ctr"/>
-            <a:r>
-              <a:rPr lang="fr-FR" sz="2400" dirty="0">
-                <a:ln w="0"/>
-                <a:solidFill>
-                  <a:schemeClr val="accent1"/>
-                </a:solidFill>
-                <a:effectLst>
-                  <a:outerShdw blurRad="38100" dist="25400" dir="5400000" algn="ctr" rotWithShape="0">
-                    <a:srgbClr val="6E747A">
-                      <a:alpha val="43000"/>
-                    </a:srgbClr>
-                  </a:outerShdw>
-                </a:effectLst>
-              </a:rPr>
-              <a:t>42 MW</a:t>
-            </a:r>
-          </a:p>
-        </p:txBody>
-      </p:sp>
-      <p:sp>
-        <p:nvSpPr>
-          <p:cNvPr id="16" name="ZoneTexte 15">
-            <a:extLst>
-              <a:ext uri="{FF2B5EF4-FFF2-40B4-BE49-F238E27FC236}">
-                <a16:creationId xmlns:a16="http://schemas.microsoft.com/office/drawing/2014/main" id="{F57CBEEE-1F61-B829-B56D-B0A5D6799FBB}"/>
-              </a:ext>
-            </a:extLst>
-          </p:cNvPr>
-          <p:cNvSpPr txBox="1"/>
-          <p:nvPr/>
-        </p:nvSpPr>
-        <p:spPr>
-          <a:xfrm>
-            <a:off x="1260901" y="1690688"/>
-            <a:ext cx="2268493" cy="707886"/>
-          </a:xfrm>
-          <a:prstGeom prst="rect">
-            <a:avLst/>
-          </a:prstGeom>
-          <a:noFill/>
-        </p:spPr>
-        <p:txBody>
-          <a:bodyPr wrap="square" rtlCol="0">
-            <a:spAutoFit/>
-          </a:bodyPr>
-          <a:lstStyle/>
-          <a:p>
-            <a:pPr algn="ctr"/>
-            <a:r>
-              <a:rPr lang="fr-FR" sz="4000" b="1" dirty="0">
-                <a:ln w="12700">
-                  <a:solidFill>
-                    <a:schemeClr val="tx2">
-                      <a:lumMod val="75000"/>
-                    </a:schemeClr>
-                  </a:solidFill>
-                  <a:prstDash val="solid"/>
-                </a:ln>
-                <a:pattFill prst="dkUpDiag">
-                  <a:fgClr>
-                    <a:schemeClr val="tx2"/>
-                  </a:fgClr>
-                  <a:bgClr>
-                    <a:schemeClr val="tx2">
-                      <a:lumMod val="20000"/>
-                      <a:lumOff val="80000"/>
-                    </a:schemeClr>
-                  </a:bgClr>
-                </a:pattFill>
-                <a:effectLst>
-                  <a:outerShdw dist="38100" dir="2640000" algn="bl" rotWithShape="0">
-                    <a:schemeClr val="tx2">
-                      <a:lumMod val="75000"/>
-                    </a:schemeClr>
-                  </a:outerShdw>
-                </a:effectLst>
-              </a:rPr>
-              <a:t>244 M€</a:t>
-            </a:r>
-          </a:p>
-        </p:txBody>
-      </p:sp>
-      <p:sp>
-        <p:nvSpPr>
-          <p:cNvPr id="18" name="ZoneTexte 17">
-            <a:extLst>
-              <a:ext uri="{FF2B5EF4-FFF2-40B4-BE49-F238E27FC236}">
-                <a16:creationId xmlns:a16="http://schemas.microsoft.com/office/drawing/2014/main" id="{BB3C13F2-9CB3-8829-8734-0934F7FAA770}"/>
-              </a:ext>
-            </a:extLst>
-          </p:cNvPr>
-          <p:cNvSpPr txBox="1"/>
-          <p:nvPr/>
-        </p:nvSpPr>
-        <p:spPr>
-          <a:xfrm>
-            <a:off x="4961751" y="1690688"/>
-            <a:ext cx="2268493" cy="707886"/>
-          </a:xfrm>
-          <a:prstGeom prst="rect">
-            <a:avLst/>
-          </a:prstGeom>
-          <a:noFill/>
-        </p:spPr>
-        <p:txBody>
-          <a:bodyPr wrap="square" rtlCol="0">
-            <a:spAutoFit/>
-          </a:bodyPr>
-          <a:lstStyle/>
-          <a:p>
-            <a:pPr algn="ctr"/>
-            <a:r>
-              <a:rPr lang="fr-FR" sz="4000" b="1" dirty="0">
-                <a:ln w="12700">
-                  <a:solidFill>
-                    <a:schemeClr val="tx2">
-                      <a:lumMod val="75000"/>
-                    </a:schemeClr>
-                  </a:solidFill>
-                  <a:prstDash val="solid"/>
-                </a:ln>
-                <a:pattFill prst="dkUpDiag">
-                  <a:fgClr>
-                    <a:schemeClr val="tx2"/>
-                  </a:fgClr>
-                  <a:bgClr>
-                    <a:schemeClr val="tx2">
-                      <a:lumMod val="20000"/>
-                      <a:lumOff val="80000"/>
-                    </a:schemeClr>
-                  </a:bgClr>
-                </a:pattFill>
-                <a:effectLst>
-                  <a:outerShdw dist="38100" dir="2640000" algn="bl" rotWithShape="0">
-                    <a:schemeClr val="tx2">
-                      <a:lumMod val="75000"/>
-                    </a:schemeClr>
-                  </a:outerShdw>
-                </a:effectLst>
-              </a:rPr>
-              <a:t>202 M€</a:t>
-            </a:r>
-          </a:p>
-        </p:txBody>
-      </p:sp>
-      <p:sp>
-        <p:nvSpPr>
-          <p:cNvPr id="19" name="ZoneTexte 18">
-            <a:extLst>
-              <a:ext uri="{FF2B5EF4-FFF2-40B4-BE49-F238E27FC236}">
-                <a16:creationId xmlns:a16="http://schemas.microsoft.com/office/drawing/2014/main" id="{98B37F0C-24CD-A9B8-125A-4E3652A516BC}"/>
-              </a:ext>
-            </a:extLst>
-          </p:cNvPr>
-          <p:cNvSpPr txBox="1"/>
-          <p:nvPr/>
-        </p:nvSpPr>
-        <p:spPr>
-          <a:xfrm>
-            <a:off x="8662601" y="1690688"/>
-            <a:ext cx="2268493" cy="707886"/>
-          </a:xfrm>
-          <a:prstGeom prst="rect">
-            <a:avLst/>
-          </a:prstGeom>
-          <a:noFill/>
-        </p:spPr>
-        <p:txBody>
-          <a:bodyPr wrap="square" rtlCol="0">
-            <a:spAutoFit/>
-          </a:bodyPr>
-          <a:lstStyle/>
-          <a:p>
-            <a:pPr algn="ctr"/>
-            <a:r>
-              <a:rPr lang="fr-FR" sz="4000" b="1" dirty="0">
-                <a:ln w="12700">
-                  <a:solidFill>
-                    <a:schemeClr val="tx2">
-                      <a:lumMod val="75000"/>
-                    </a:schemeClr>
-                  </a:solidFill>
-                  <a:prstDash val="solid"/>
-                </a:ln>
-                <a:pattFill prst="dkUpDiag">
-                  <a:fgClr>
-                    <a:schemeClr val="tx2"/>
-                  </a:fgClr>
-                  <a:bgClr>
-                    <a:schemeClr val="tx2">
-                      <a:lumMod val="20000"/>
-                      <a:lumOff val="80000"/>
-                    </a:schemeClr>
-                  </a:bgClr>
-                </a:pattFill>
-                <a:effectLst>
-                  <a:outerShdw dist="38100" dir="2640000" algn="bl" rotWithShape="0">
-                    <a:schemeClr val="tx2">
-                      <a:lumMod val="75000"/>
-                    </a:schemeClr>
-                  </a:outerShdw>
-                </a:effectLst>
-              </a:rPr>
-              <a:t>255 M€</a:t>
-            </a:r>
-          </a:p>
-        </p:txBody>
-      </p:sp>
-      <p:graphicFrame>
-        <p:nvGraphicFramePr>
-          <p:cNvPr id="20" name="Graphique 19">
-            <a:extLst>
-              <a:ext uri="{FF2B5EF4-FFF2-40B4-BE49-F238E27FC236}">
-                <a16:creationId xmlns:a16="http://schemas.microsoft.com/office/drawing/2014/main" id="{92F9513B-84B6-7F4B-893F-9A37F2E23BD4}"/>
-              </a:ext>
-            </a:extLst>
-          </p:cNvPr>
-          <p:cNvGraphicFramePr>
-            <a:graphicFrameLocks/>
-          </p:cNvGraphicFramePr>
-          <p:nvPr>
-            <p:extLst>
-              <p:ext uri="{D42A27DB-BD31-4B8C-83A1-F6EECF244321}">
-                <p14:modId xmlns:p14="http://schemas.microsoft.com/office/powerpoint/2010/main" val="2708890737"/>
-              </p:ext>
-            </p:extLst>
-          </p:nvPr>
-        </p:nvGraphicFramePr>
-        <p:xfrm>
-          <a:off x="4524372" y="3323970"/>
-          <a:ext cx="3143250" cy="2743200"/>
-        </p:xfrm>
-        <a:graphic>
-          <a:graphicData uri="http://schemas.openxmlformats.org/drawingml/2006/chart">
-            <c:chart xmlns:c="http://schemas.openxmlformats.org/drawingml/2006/chart" xmlns:r="http://schemas.openxmlformats.org/officeDocument/2006/relationships" r:id="rId3"/>
-          </a:graphicData>
-        </a:graphic>
-      </p:graphicFrame>
-      <p:graphicFrame>
-        <p:nvGraphicFramePr>
-          <p:cNvPr id="21" name="Graphique 20">
-            <a:extLst>
-              <a:ext uri="{FF2B5EF4-FFF2-40B4-BE49-F238E27FC236}">
-                <a16:creationId xmlns:a16="http://schemas.microsoft.com/office/drawing/2014/main" id="{92F9513B-84B6-7F4B-893F-9A37F2E23BD4}"/>
-              </a:ext>
-            </a:extLst>
-          </p:cNvPr>
-          <p:cNvGraphicFramePr>
-            <a:graphicFrameLocks/>
-          </p:cNvGraphicFramePr>
-          <p:nvPr>
-            <p:extLst>
-              <p:ext uri="{D42A27DB-BD31-4B8C-83A1-F6EECF244321}">
-                <p14:modId xmlns:p14="http://schemas.microsoft.com/office/powerpoint/2010/main" val="3300633595"/>
-              </p:ext>
-            </p:extLst>
-          </p:nvPr>
-        </p:nvGraphicFramePr>
-        <p:xfrm>
-          <a:off x="4524372" y="3323970"/>
-          <a:ext cx="3143250" cy="2743200"/>
-        </p:xfrm>
-        <a:graphic>
-          <a:graphicData uri="http://schemas.openxmlformats.org/drawingml/2006/chart">
-            <c:chart xmlns:c="http://schemas.openxmlformats.org/drawingml/2006/chart" xmlns:r="http://schemas.openxmlformats.org/officeDocument/2006/relationships" r:id="rId4"/>
-          </a:graphicData>
-        </a:graphic>
-      </p:graphicFrame>
-      <p:graphicFrame>
-        <p:nvGraphicFramePr>
-          <p:cNvPr id="22" name="Graphique 21">
-            <a:extLst>
-              <a:ext uri="{FF2B5EF4-FFF2-40B4-BE49-F238E27FC236}">
-                <a16:creationId xmlns:a16="http://schemas.microsoft.com/office/drawing/2014/main" id="{462083F9-DDAE-F24B-9815-1ADD8A7B4B85}"/>
-              </a:ext>
-            </a:extLst>
-          </p:cNvPr>
-          <p:cNvGraphicFramePr>
-            <a:graphicFrameLocks/>
-          </p:cNvGraphicFramePr>
-          <p:nvPr>
-            <p:extLst>
-              <p:ext uri="{D42A27DB-BD31-4B8C-83A1-F6EECF244321}">
-                <p14:modId xmlns:p14="http://schemas.microsoft.com/office/powerpoint/2010/main" val="1428527735"/>
-              </p:ext>
-            </p:extLst>
-          </p:nvPr>
-        </p:nvGraphicFramePr>
-        <p:xfrm>
-          <a:off x="8317123" y="3230892"/>
-          <a:ext cx="3036677" cy="2836278"/>
-        </p:xfrm>
-        <a:graphic>
-          <a:graphicData uri="http://schemas.openxmlformats.org/drawingml/2006/chart">
-            <c:chart xmlns:c="http://schemas.openxmlformats.org/drawingml/2006/chart" xmlns:r="http://schemas.openxmlformats.org/officeDocument/2006/relationships" r:id="rId5"/>
-          </a:graphicData>
-        </a:graphic>
-      </p:graphicFrame>
     </p:spTree>
     <p:extLst>
       <p:ext uri="{BB962C8B-B14F-4D97-AF65-F5344CB8AC3E}">
-        <p14:creationId xmlns:p14="http://schemas.microsoft.com/office/powerpoint/2010/main" val="2376248714"/>
+        <p14:creationId xmlns:p14="http://schemas.microsoft.com/office/powerpoint/2010/main" val="657776324"/>
       </p:ext>
     </p:extLst>
   </p:cSld>
@@ -12410,14 +14094,6 @@
 <file path=ppt/slides/slide8.xml><?xml version="1.0" encoding="utf-8"?>
 <p:sld xmlns:a="http://schemas.openxmlformats.org/drawingml/2006/main" xmlns:r="http://schemas.openxmlformats.org/officeDocument/2006/relationships" xmlns:p="http://schemas.openxmlformats.org/presentationml/2006/main">
   <p:cSld>
-    <p:bg>
-      <p:bgPr>
-        <a:solidFill>
-          <a:schemeClr val="bg1"/>
-        </a:solidFill>
-        <a:effectLst/>
-      </p:bgPr>
-    </p:bg>
     <p:spTree>
       <p:nvGrpSpPr>
         <p:cNvPr id="1" name=""/>
@@ -12432,72 +14108,12 @@
           <a:chExt cx="0" cy="0"/>
         </a:xfrm>
       </p:grpSpPr>
-      <p:sp useBgFill="1">
-        <p:nvSpPr>
-          <p:cNvPr id="10" name="Rectangle 9">
-            <a:extLst>
-              <a:ext uri="{FF2B5EF4-FFF2-40B4-BE49-F238E27FC236}">
-                <a16:creationId xmlns:a16="http://schemas.microsoft.com/office/drawing/2014/main" id="{53B021B3-DE93-4AB7-8A18-CF5F1CED88B8}"/>
-              </a:ext>
-              <a:ext uri="{C183D7F6-B498-43B3-948B-1728B52AA6E4}">
-                <adec:decorative xmlns:adec="http://schemas.microsoft.com/office/drawing/2017/decorative" val="1"/>
-              </a:ext>
-            </a:extLst>
-          </p:cNvPr>
-          <p:cNvSpPr>
-            <a:spLocks noGrp="1" noRot="1" noChangeAspect="1" noMove="1" noResize="1" noEditPoints="1" noAdjustHandles="1" noChangeArrowheads="1" noChangeShapeType="1" noTextEdit="1"/>
-          </p:cNvSpPr>
-          <p:nvPr>
-            <p:extLst>
-              <p:ext uri="{386F3935-93C4-4BCD-93E2-E3B085C9AB24}">
-                <p16:designElem xmlns:p16="http://schemas.microsoft.com/office/powerpoint/2015/main" val="1"/>
-              </p:ext>
-            </p:extLst>
-          </p:nvPr>
-        </p:nvSpPr>
-        <p:spPr>
-          <a:xfrm>
-            <a:off x="0" y="0"/>
-            <a:ext cx="12192000" cy="6858000"/>
-          </a:xfrm>
-          <a:prstGeom prst="rect">
-            <a:avLst/>
-          </a:prstGeom>
-          <a:ln>
-            <a:noFill/>
-          </a:ln>
-        </p:spPr>
-        <p:style>
-          <a:lnRef idx="2">
-            <a:schemeClr val="accent1">
-              <a:shade val="50000"/>
-            </a:schemeClr>
-          </a:lnRef>
-          <a:fillRef idx="1">
-            <a:schemeClr val="accent1"/>
-          </a:fillRef>
-          <a:effectRef idx="0">
-            <a:schemeClr val="accent1"/>
-          </a:effectRef>
-          <a:fontRef idx="minor">
-            <a:schemeClr val="lt1"/>
-          </a:fontRef>
-        </p:style>
-        <p:txBody>
-          <a:bodyPr rtlCol="0" anchor="ctr"/>
-          <a:lstStyle/>
-          <a:p>
-            <a:pPr algn="ctr"/>
-            <a:endParaRPr lang="en-US"/>
-          </a:p>
-        </p:txBody>
-      </p:sp>
       <p:sp>
         <p:nvSpPr>
           <p:cNvPr id="2" name="Titre 1">
             <a:extLst>
               <a:ext uri="{FF2B5EF4-FFF2-40B4-BE49-F238E27FC236}">
-                <a16:creationId xmlns:a16="http://schemas.microsoft.com/office/drawing/2014/main" id="{5D9C20E2-9E9A-4E9A-86C4-67BF68D912D8}"/>
+                <a16:creationId xmlns:a16="http://schemas.microsoft.com/office/drawing/2014/main" id="{91679FDD-D10B-2448-A259-11364A77EBCD}"/>
               </a:ext>
             </a:extLst>
           </p:cNvPr>
@@ -12508,197 +14124,381 @@
             <p:ph type="title"/>
           </p:nvPr>
         </p:nvSpPr>
-        <p:spPr>
-          <a:xfrm>
-            <a:off x="841248" y="256032"/>
-            <a:ext cx="10506456" cy="1014984"/>
-          </a:xfrm>
-        </p:spPr>
+        <p:spPr/>
         <p:txBody>
-          <a:bodyPr anchor="b">
-            <a:normAutofit/>
-          </a:bodyPr>
+          <a:bodyPr/>
           <a:lstStyle/>
           <a:p>
             <a:r>
               <a:rPr lang="fr-FR" dirty="0"/>
-              <a:t>Variation des couts</a:t>
+              <a:t>Optimisation des émissions carbones 2/2</a:t>
             </a:r>
           </a:p>
         </p:txBody>
       </p:sp>
       <p:sp>
         <p:nvSpPr>
-          <p:cNvPr id="12" name="Rectangle 11">
+          <p:cNvPr id="4" name="ZoneTexte 3">
             <a:extLst>
               <a:ext uri="{FF2B5EF4-FFF2-40B4-BE49-F238E27FC236}">
-                <a16:creationId xmlns:a16="http://schemas.microsoft.com/office/drawing/2014/main" id="{52D502E5-F6B4-4D58-B4AE-FC466FF15EE8}"/>
+                <a16:creationId xmlns:a16="http://schemas.microsoft.com/office/drawing/2014/main" id="{CA8666C1-865A-DCE7-A80A-04BB8D10462B}"/>
               </a:ext>
-              <a:ext uri="{C183D7F6-B498-43B3-948B-1728B52AA6E4}">
-                <adec:decorative xmlns:adec="http://schemas.microsoft.com/office/drawing/2017/decorative" val="1"/>
+            </a:extLst>
+          </p:cNvPr>
+          <p:cNvSpPr txBox="1"/>
+          <p:nvPr/>
+        </p:nvSpPr>
+        <p:spPr>
+          <a:xfrm>
+            <a:off x="1158950" y="5074665"/>
+            <a:ext cx="3848986" cy="646331"/>
+          </a:xfrm>
+          <a:prstGeom prst="rect">
+            <a:avLst/>
+          </a:prstGeom>
+        </p:spPr>
+        <p:txBody>
+          <a:bodyPr wrap="square" rtlCol="0">
+            <a:spAutoFit/>
+          </a:bodyPr>
+          <a:lstStyle/>
+          <a:p>
+            <a:r>
+              <a:rPr lang="fr-FR" dirty="0"/>
+              <a:t>Evolution du mix énergétique en fonction du prix de la tonne de CO2</a:t>
+            </a:r>
+          </a:p>
+        </p:txBody>
+      </p:sp>
+      <p:sp>
+        <p:nvSpPr>
+          <p:cNvPr id="5" name="ZoneTexte 4">
+            <a:extLst>
+              <a:ext uri="{FF2B5EF4-FFF2-40B4-BE49-F238E27FC236}">
+                <a16:creationId xmlns:a16="http://schemas.microsoft.com/office/drawing/2014/main" id="{DD235135-4A6B-826E-2C58-66D443C59467}"/>
+              </a:ext>
+            </a:extLst>
+          </p:cNvPr>
+          <p:cNvSpPr txBox="1"/>
+          <p:nvPr/>
+        </p:nvSpPr>
+        <p:spPr>
+          <a:xfrm>
+            <a:off x="7010402" y="5167312"/>
+            <a:ext cx="3848986" cy="369332"/>
+          </a:xfrm>
+          <a:prstGeom prst="rect">
+            <a:avLst/>
+          </a:prstGeom>
+        </p:spPr>
+        <p:txBody>
+          <a:bodyPr wrap="square" rtlCol="0">
+            <a:spAutoFit/>
+          </a:bodyPr>
+          <a:lstStyle/>
+          <a:p>
+            <a:r>
+              <a:rPr lang="fr-FR" dirty="0"/>
+              <a:t>Horizon 2040 avec prix actualisés </a:t>
+            </a:r>
+          </a:p>
+        </p:txBody>
+      </p:sp>
+      <p:sp>
+        <p:nvSpPr>
+          <p:cNvPr id="6" name="ZoneTexte 5">
+            <a:extLst>
+              <a:ext uri="{FF2B5EF4-FFF2-40B4-BE49-F238E27FC236}">
+                <a16:creationId xmlns:a16="http://schemas.microsoft.com/office/drawing/2014/main" id="{1C74CEE2-000E-55A5-058E-CC30FF1146CD}"/>
+              </a:ext>
+            </a:extLst>
+          </p:cNvPr>
+          <p:cNvSpPr txBox="1"/>
+          <p:nvPr/>
+        </p:nvSpPr>
+        <p:spPr>
+          <a:xfrm>
+            <a:off x="1345563" y="3244334"/>
+            <a:ext cx="3475760" cy="369332"/>
+          </a:xfrm>
+          <a:prstGeom prst="rect">
+            <a:avLst/>
+          </a:prstGeom>
+          <a:noFill/>
+        </p:spPr>
+        <p:txBody>
+          <a:bodyPr wrap="none" rtlCol="0">
+            <a:spAutoFit/>
+          </a:bodyPr>
+          <a:lstStyle/>
+          <a:p>
+            <a:r>
+              <a:rPr lang="fr-FR" dirty="0"/>
+              <a:t>A mettre :Graphe mix = f(prix/CO2)</a:t>
+            </a:r>
+          </a:p>
+        </p:txBody>
+      </p:sp>
+      <p:sp>
+        <p:nvSpPr>
+          <p:cNvPr id="7" name="ZoneTexte 6">
+            <a:extLst>
+              <a:ext uri="{FF2B5EF4-FFF2-40B4-BE49-F238E27FC236}">
+                <a16:creationId xmlns:a16="http://schemas.microsoft.com/office/drawing/2014/main" id="{5AF6BD77-831D-7489-43B4-5C8BE49C57E3}"/>
+              </a:ext>
+            </a:extLst>
+          </p:cNvPr>
+          <p:cNvSpPr txBox="1"/>
+          <p:nvPr/>
+        </p:nvSpPr>
+        <p:spPr>
+          <a:xfrm>
+            <a:off x="6347392" y="3244334"/>
+            <a:ext cx="5175006" cy="369332"/>
+          </a:xfrm>
+          <a:prstGeom prst="rect">
+            <a:avLst/>
+          </a:prstGeom>
+          <a:noFill/>
+        </p:spPr>
+        <p:txBody>
+          <a:bodyPr wrap="none" rtlCol="0">
+            <a:spAutoFit/>
+          </a:bodyPr>
+          <a:lstStyle/>
+          <a:p>
+            <a:r>
+              <a:rPr lang="fr-FR" dirty="0"/>
+              <a:t>A mettre : Coûts, mix énergétique+ émissions de CO2</a:t>
+            </a:r>
+          </a:p>
+        </p:txBody>
+      </p:sp>
+    </p:spTree>
+    <p:extLst>
+      <p:ext uri="{BB962C8B-B14F-4D97-AF65-F5344CB8AC3E}">
+        <p14:creationId xmlns:p14="http://schemas.microsoft.com/office/powerpoint/2010/main" val="1541636522"/>
+      </p:ext>
+    </p:extLst>
+  </p:cSld>
+  <p:clrMapOvr>
+    <a:masterClrMapping/>
+  </p:clrMapOvr>
+</p:sld>
+</file>
+
+<file path=ppt/slides/slide9.xml><?xml version="1.0" encoding="utf-8"?>
+<p:sld xmlns:a="http://schemas.openxmlformats.org/drawingml/2006/main" xmlns:r="http://schemas.openxmlformats.org/officeDocument/2006/relationships" xmlns:p="http://schemas.openxmlformats.org/presentationml/2006/main">
+  <p:cSld>
+    <p:spTree>
+      <p:nvGrpSpPr>
+        <p:cNvPr id="1" name=""/>
+        <p:cNvGrpSpPr/>
+        <p:nvPr/>
+      </p:nvGrpSpPr>
+      <p:grpSpPr>
+        <a:xfrm>
+          <a:off x="0" y="0"/>
+          <a:ext cx="0" cy="0"/>
+          <a:chOff x="0" y="0"/>
+          <a:chExt cx="0" cy="0"/>
+        </a:xfrm>
+      </p:grpSpPr>
+      <p:sp>
+        <p:nvSpPr>
+          <p:cNvPr id="2" name="Titre 1">
+            <a:extLst>
+              <a:ext uri="{FF2B5EF4-FFF2-40B4-BE49-F238E27FC236}">
+                <a16:creationId xmlns:a16="http://schemas.microsoft.com/office/drawing/2014/main" id="{91679FDD-D10B-2448-A259-11364A77EBCD}"/>
               </a:ext>
             </a:extLst>
           </p:cNvPr>
           <p:cNvSpPr>
-            <a:spLocks noGrp="1" noRot="1" noChangeAspect="1" noMove="1" noResize="1" noEditPoints="1" noAdjustHandles="1" noChangeArrowheads="1" noChangeShapeType="1" noTextEdit="1"/>
+            <a:spLocks noGrp="1"/>
           </p:cNvSpPr>
           <p:nvPr>
-            <p:extLst>
-              <p:ext uri="{386F3935-93C4-4BCD-93E2-E3B085C9AB24}">
-                <p16:designElem xmlns:p16="http://schemas.microsoft.com/office/powerpoint/2015/main" val="1"/>
-              </p:ext>
-            </p:extLst>
+            <p:ph type="title"/>
           </p:nvPr>
+        </p:nvSpPr>
+        <p:spPr/>
+        <p:txBody>
+          <a:bodyPr/>
+          <a:lstStyle/>
+          <a:p>
+            <a:r>
+              <a:rPr lang="fr-FR" dirty="0"/>
+              <a:t>Optimisation du foisonnement</a:t>
+            </a:r>
+          </a:p>
+        </p:txBody>
+      </p:sp>
+      <p:sp>
+        <p:nvSpPr>
+          <p:cNvPr id="4" name="ZoneTexte 3">
+            <a:extLst>
+              <a:ext uri="{FF2B5EF4-FFF2-40B4-BE49-F238E27FC236}">
+                <a16:creationId xmlns:a16="http://schemas.microsoft.com/office/drawing/2014/main" id="{46DD9449-4B28-EE50-CCE9-CA0F924ED7EC}"/>
+              </a:ext>
+            </a:extLst>
+          </p:cNvPr>
+          <p:cNvSpPr txBox="1"/>
+          <p:nvPr/>
         </p:nvSpPr>
         <p:spPr>
           <a:xfrm>
-            <a:off x="865953" y="1634502"/>
-            <a:ext cx="10451592" cy="18288"/>
+            <a:off x="7986713" y="1228725"/>
+            <a:ext cx="2514856" cy="1200329"/>
           </a:xfrm>
           <a:prstGeom prst="rect">
             <a:avLst/>
           </a:prstGeom>
-          <a:solidFill>
-            <a:srgbClr val="D5D5D5"/>
-          </a:solidFill>
-          <a:ln w="3175">
-            <a:noFill/>
-          </a:ln>
-          <a:effectLst/>
+          <a:noFill/>
         </p:spPr>
-        <p:style>
-          <a:lnRef idx="2">
-            <a:schemeClr val="accent1">
-              <a:shade val="50000"/>
-            </a:schemeClr>
-          </a:lnRef>
-          <a:fillRef idx="1">
-            <a:schemeClr val="accent1"/>
-          </a:fillRef>
-          <a:effectRef idx="0">
-            <a:schemeClr val="accent1"/>
-          </a:effectRef>
-          <a:fontRef idx="minor">
-            <a:schemeClr val="lt1"/>
-          </a:fontRef>
-        </p:style>
         <p:txBody>
-          <a:bodyPr rtlCol="0" anchor="ctr"/>
+          <a:bodyPr wrap="none" rtlCol="0">
+            <a:spAutoFit/>
+          </a:bodyPr>
           <a:lstStyle/>
           <a:p>
-            <a:pPr algn="ctr"/>
-            <a:endParaRPr lang="en-US">
-              <a:solidFill>
-                <a:prstClr val="white"/>
-              </a:solidFill>
-              <a:latin typeface="Calibri" panose="020F0502020204030204"/>
-            </a:endParaRPr>
+            <a:r>
+              <a:rPr lang="fr-FR" dirty="0"/>
+              <a:t>Hypothèses : </a:t>
+            </a:r>
+          </a:p>
+          <a:p>
+            <a:pPr marL="285750" indent="-285750">
+              <a:buFont typeface="Arial" panose="020B0604020202020204" pitchFamily="34" charset="0"/>
+              <a:buChar char="•"/>
+            </a:pPr>
+            <a:r>
+              <a:rPr lang="fr-FR" dirty="0" err="1"/>
+              <a:t>Fze</a:t>
+            </a:r>
+            <a:r>
+              <a:rPr lang="fr-FR" dirty="0"/>
+              <a:t> (</a:t>
+            </a:r>
+            <a:r>
+              <a:rPr lang="fr-FR" dirty="0" err="1"/>
+              <a:t>enoncer</a:t>
+            </a:r>
+            <a:r>
+              <a:rPr lang="fr-FR" dirty="0"/>
+              <a:t> sources)</a:t>
+            </a:r>
+          </a:p>
+          <a:p>
+            <a:pPr marL="285750" indent="-285750">
+              <a:buFont typeface="Arial" panose="020B0604020202020204" pitchFamily="34" charset="0"/>
+              <a:buChar char="•"/>
+            </a:pPr>
+            <a:r>
+              <a:rPr lang="fr-FR" dirty="0"/>
+              <a:t>Fez</a:t>
+            </a:r>
+          </a:p>
+          <a:p>
+            <a:pPr marL="285750" indent="-285750">
+              <a:buFont typeface="Arial" panose="020B0604020202020204" pitchFamily="34" charset="0"/>
+              <a:buChar char="•"/>
+            </a:pPr>
+            <a:endParaRPr lang="fr-FR" dirty="0"/>
           </a:p>
         </p:txBody>
       </p:sp>
       <p:sp>
         <p:nvSpPr>
-          <p:cNvPr id="14" name="Rectangle 13">
+          <p:cNvPr id="5" name="ZoneTexte 4">
             <a:extLst>
               <a:ext uri="{FF2B5EF4-FFF2-40B4-BE49-F238E27FC236}">
-                <a16:creationId xmlns:a16="http://schemas.microsoft.com/office/drawing/2014/main" id="{9DECDBF4-02B6-4BB4-B65B-B8107AD6A9E8}"/>
-              </a:ext>
-              <a:ext uri="{C183D7F6-B498-43B3-948B-1728B52AA6E4}">
-                <adec:decorative xmlns:adec="http://schemas.microsoft.com/office/drawing/2017/decorative" val="1"/>
+                <a16:creationId xmlns:a16="http://schemas.microsoft.com/office/drawing/2014/main" id="{6D23AF50-F32F-26B6-594A-C38BAB4F70D4}"/>
               </a:ext>
             </a:extLst>
           </p:cNvPr>
-          <p:cNvSpPr>
-            <a:spLocks noGrp="1" noRot="1" noChangeAspect="1" noMove="1" noResize="1" noEditPoints="1" noAdjustHandles="1" noChangeArrowheads="1" noChangeShapeType="1" noTextEdit="1"/>
-          </p:cNvSpPr>
-          <p:nvPr>
-            <p:extLst>
-              <p:ext uri="{386F3935-93C4-4BCD-93E2-E3B085C9AB24}">
-                <p16:designElem xmlns:p16="http://schemas.microsoft.com/office/powerpoint/2015/main" val="1"/>
-              </p:ext>
-            </p:extLst>
-          </p:nvPr>
+          <p:cNvSpPr txBox="1"/>
+          <p:nvPr/>
         </p:nvSpPr>
         <p:spPr>
-          <a:xfrm flipV="1">
-            <a:off x="841248" y="1538176"/>
-            <a:ext cx="1873457" cy="109814"/>
+          <a:xfrm>
+            <a:off x="1467293" y="3125973"/>
+            <a:ext cx="2455929" cy="369332"/>
           </a:xfrm>
           <a:prstGeom prst="rect">
             <a:avLst/>
           </a:prstGeom>
-          <a:solidFill>
-            <a:schemeClr val="accent2"/>
-          </a:solidFill>
-          <a:ln>
-            <a:noFill/>
-          </a:ln>
+          <a:noFill/>
+        </p:spPr>
+        <p:txBody>
+          <a:bodyPr wrap="none" rtlCol="0">
+            <a:spAutoFit/>
+          </a:bodyPr>
+          <a:lstStyle/>
+          <a:p>
+            <a:r>
+              <a:rPr lang="fr-FR" dirty="0"/>
+              <a:t>Mix énergétique obtenu</a:t>
+            </a:r>
+          </a:p>
+        </p:txBody>
+      </p:sp>
+      <p:sp>
+        <p:nvSpPr>
+          <p:cNvPr id="6" name="ZoneTexte 5">
+            <a:extLst>
+              <a:ext uri="{FF2B5EF4-FFF2-40B4-BE49-F238E27FC236}">
+                <a16:creationId xmlns:a16="http://schemas.microsoft.com/office/drawing/2014/main" id="{FF04A7AD-297A-EF7F-A0FD-8F36643F651A}"/>
+              </a:ext>
+            </a:extLst>
+          </p:cNvPr>
+          <p:cNvSpPr txBox="1"/>
+          <p:nvPr/>
+        </p:nvSpPr>
+        <p:spPr>
+          <a:xfrm>
+            <a:off x="6985591" y="2860158"/>
+            <a:ext cx="2653996" cy="646331"/>
+          </a:xfrm>
+          <a:prstGeom prst="rect">
+            <a:avLst/>
+          </a:prstGeom>
         </p:spPr>
         <p:style>
           <a:lnRef idx="2">
-            <a:schemeClr val="accent1">
-              <a:shade val="50000"/>
-            </a:schemeClr>
+            <a:schemeClr val="dk1"/>
           </a:lnRef>
           <a:fillRef idx="1">
-            <a:schemeClr val="accent1"/>
+            <a:schemeClr val="lt1"/>
           </a:fillRef>
           <a:effectRef idx="0">
-            <a:schemeClr val="accent1"/>
+            <a:schemeClr val="dk1"/>
           </a:effectRef>
           <a:fontRef idx="minor">
-            <a:schemeClr val="lt1"/>
+            <a:schemeClr val="dk1"/>
           </a:fontRef>
         </p:style>
         <p:txBody>
-          <a:bodyPr rtlCol="0" anchor="ctr"/>
+          <a:bodyPr wrap="none" rtlCol="0">
+            <a:spAutoFit/>
+          </a:bodyPr>
           <a:lstStyle/>
           <a:p>
-            <a:pPr algn="ctr"/>
-            <a:endParaRPr lang="en-US">
-              <a:solidFill>
-                <a:prstClr val="white"/>
-              </a:solidFill>
-              <a:latin typeface="Calibri" panose="020F0502020204030204"/>
-            </a:endParaRPr>
+            <a:r>
+              <a:rPr lang="fr-FR" dirty="0"/>
+              <a:t>Emissions de CO2: tCO2eq</a:t>
+            </a:r>
+          </a:p>
+          <a:p>
+            <a:r>
+              <a:rPr lang="fr-FR" dirty="0"/>
+              <a:t>CAPEX: €</a:t>
+            </a:r>
           </a:p>
         </p:txBody>
       </p:sp>
-      <p:graphicFrame>
-        <p:nvGraphicFramePr>
-          <p:cNvPr id="7" name="Graphique 3">
-            <a:extLst>
-              <a:ext uri="{FF2B5EF4-FFF2-40B4-BE49-F238E27FC236}">
-                <a16:creationId xmlns:a16="http://schemas.microsoft.com/office/drawing/2014/main" id="{5405E5B6-61FC-EC4B-CB1D-668B908B4914}"/>
-              </a:ext>
-            </a:extLst>
-          </p:cNvPr>
-          <p:cNvGraphicFramePr>
-            <a:graphicFrameLocks noGrp="1"/>
-          </p:cNvGraphicFramePr>
-          <p:nvPr>
-            <p:ph idx="1"/>
-            <p:extLst>
-              <p:ext uri="{D42A27DB-BD31-4B8C-83A1-F6EECF244321}">
-                <p14:modId xmlns:p14="http://schemas.microsoft.com/office/powerpoint/2010/main" val="547477615"/>
-              </p:ext>
-            </p:extLst>
-          </p:nvPr>
-        </p:nvGraphicFramePr>
-        <p:xfrm>
-          <a:off x="838200" y="1926266"/>
-          <a:ext cx="10515600" cy="4357524"/>
-        </p:xfrm>
-        <a:graphic>
-          <a:graphicData uri="http://schemas.openxmlformats.org/drawingml/2006/chart">
-            <c:chart xmlns:c="http://schemas.openxmlformats.org/drawingml/2006/chart" xmlns:r="http://schemas.openxmlformats.org/officeDocument/2006/relationships" r:id="rId2"/>
-          </a:graphicData>
-        </a:graphic>
-      </p:graphicFrame>
     </p:spTree>
     <p:extLst>
       <p:ext uri="{BB962C8B-B14F-4D97-AF65-F5344CB8AC3E}">
-        <p14:creationId xmlns:p14="http://schemas.microsoft.com/office/powerpoint/2010/main" val="3012395660"/>
+        <p14:creationId xmlns:p14="http://schemas.microsoft.com/office/powerpoint/2010/main" val="2232108255"/>
       </p:ext>
     </p:extLst>
   </p:cSld>

--- a/rapport.pptx
+++ b/rapport.pptx
@@ -12,13 +12,15 @@
     <p:sldId id="264" r:id="rId6"/>
     <p:sldId id="265" r:id="rId7"/>
     <p:sldId id="266" r:id="rId8"/>
-    <p:sldId id="268" r:id="rId9"/>
-    <p:sldId id="267" r:id="rId10"/>
-    <p:sldId id="262" r:id="rId11"/>
-    <p:sldId id="263" r:id="rId12"/>
-    <p:sldId id="260" r:id="rId13"/>
-    <p:sldId id="259" r:id="rId14"/>
-    <p:sldId id="269" r:id="rId15"/>
+    <p:sldId id="270" r:id="rId9"/>
+    <p:sldId id="268" r:id="rId10"/>
+    <p:sldId id="267" r:id="rId11"/>
+    <p:sldId id="262" r:id="rId12"/>
+    <p:sldId id="263" r:id="rId13"/>
+    <p:sldId id="260" r:id="rId14"/>
+    <p:sldId id="259" r:id="rId15"/>
+    <p:sldId id="272" r:id="rId16"/>
+    <p:sldId id="271" r:id="rId17"/>
   </p:sldIdLst>
   <p:sldSz cx="12192000" cy="6858000"/>
   <p:notesSz cx="6858000" cy="9144000"/>
@@ -126,6 +128,1410 @@
 </file>
 
 <file path=ppt/charts/chart1.xml><?xml version="1.0" encoding="utf-8"?>
+<c:chartSpace xmlns:c="http://schemas.openxmlformats.org/drawingml/2006/chart" xmlns:a="http://schemas.openxmlformats.org/drawingml/2006/main" xmlns:r="http://schemas.openxmlformats.org/officeDocument/2006/relationships" xmlns:c16r2="http://schemas.microsoft.com/office/drawing/2015/06/chart">
+  <c:date1904 val="0"/>
+  <c:lang val="fr-FR"/>
+  <c:roundedCorners val="0"/>
+  <mc:AlternateContent xmlns:mc="http://schemas.openxmlformats.org/markup-compatibility/2006">
+    <mc:Choice xmlns:c14="http://schemas.microsoft.com/office/drawing/2007/8/2/chart" Requires="c14">
+      <c14:style val="102"/>
+    </mc:Choice>
+    <mc:Fallback>
+      <c:style val="2"/>
+    </mc:Fallback>
+  </mc:AlternateContent>
+  <c:chart>
+    <c:autoTitleDeleted val="1"/>
+    <c:plotArea>
+      <c:layout/>
+      <c:pieChart>
+        <c:varyColors val="1"/>
+        <c:ser>
+          <c:idx val="0"/>
+          <c:order val="0"/>
+          <c:tx>
+            <c:strRef>
+              <c:f>'Scénario 1'!$B$1</c:f>
+              <c:strCache>
+                <c:ptCount val="1"/>
+                <c:pt idx="0">
+                  <c:v>Mix</c:v>
+                </c:pt>
+              </c:strCache>
+            </c:strRef>
+          </c:tx>
+          <c:dPt>
+            <c:idx val="0"/>
+            <c:bubble3D val="0"/>
+            <c:spPr>
+              <a:solidFill>
+                <a:schemeClr val="accent1"/>
+              </a:solidFill>
+              <a:ln w="19050">
+                <a:solidFill>
+                  <a:schemeClr val="lt1"/>
+                </a:solidFill>
+              </a:ln>
+              <a:effectLst/>
+            </c:spPr>
+            <c:extLst>
+              <c:ext xmlns:c16="http://schemas.microsoft.com/office/drawing/2014/chart" uri="{C3380CC4-5D6E-409C-BE32-E72D297353CC}">
+                <c16:uniqueId val="{00000001-57EF-3842-A610-2A57DC9EA206}"/>
+              </c:ext>
+            </c:extLst>
+          </c:dPt>
+          <c:dPt>
+            <c:idx val="1"/>
+            <c:bubble3D val="0"/>
+            <c:spPr>
+              <a:solidFill>
+                <a:schemeClr val="accent2"/>
+              </a:solidFill>
+              <a:ln w="19050">
+                <a:solidFill>
+                  <a:schemeClr val="lt1"/>
+                </a:solidFill>
+              </a:ln>
+              <a:effectLst/>
+            </c:spPr>
+            <c:extLst>
+              <c:ext xmlns:c16="http://schemas.microsoft.com/office/drawing/2014/chart" uri="{C3380CC4-5D6E-409C-BE32-E72D297353CC}">
+                <c16:uniqueId val="{00000003-57EF-3842-A610-2A57DC9EA206}"/>
+              </c:ext>
+            </c:extLst>
+          </c:dPt>
+          <c:dPt>
+            <c:idx val="2"/>
+            <c:bubble3D val="0"/>
+            <c:spPr>
+              <a:solidFill>
+                <a:schemeClr val="accent3"/>
+              </a:solidFill>
+              <a:ln w="19050">
+                <a:solidFill>
+                  <a:schemeClr val="lt1"/>
+                </a:solidFill>
+              </a:ln>
+              <a:effectLst/>
+            </c:spPr>
+            <c:extLst>
+              <c:ext xmlns:c16="http://schemas.microsoft.com/office/drawing/2014/chart" uri="{C3380CC4-5D6E-409C-BE32-E72D297353CC}">
+                <c16:uniqueId val="{00000005-57EF-3842-A610-2A57DC9EA206}"/>
+              </c:ext>
+            </c:extLst>
+          </c:dPt>
+          <c:dPt>
+            <c:idx val="3"/>
+            <c:bubble3D val="0"/>
+            <c:spPr>
+              <a:solidFill>
+                <a:schemeClr val="accent4"/>
+              </a:solidFill>
+              <a:ln w="19050">
+                <a:solidFill>
+                  <a:schemeClr val="lt1"/>
+                </a:solidFill>
+              </a:ln>
+              <a:effectLst/>
+            </c:spPr>
+            <c:extLst>
+              <c:ext xmlns:c16="http://schemas.microsoft.com/office/drawing/2014/chart" uri="{C3380CC4-5D6E-409C-BE32-E72D297353CC}">
+                <c16:uniqueId val="{00000007-57EF-3842-A610-2A57DC9EA206}"/>
+              </c:ext>
+            </c:extLst>
+          </c:dPt>
+          <c:dLbls>
+            <c:spPr>
+              <a:noFill/>
+              <a:ln>
+                <a:noFill/>
+              </a:ln>
+              <a:effectLst/>
+            </c:spPr>
+            <c:txPr>
+              <a:bodyPr rot="0" spcFirstLastPara="1" vertOverflow="ellipsis" vert="horz" wrap="square" lIns="38100" tIns="19050" rIns="38100" bIns="19050" anchor="ctr" anchorCtr="1">
+                <a:spAutoFit/>
+              </a:bodyPr>
+              <a:lstStyle/>
+              <a:p>
+                <a:pPr>
+                  <a:defRPr sz="900" b="0" i="0" u="none" strike="noStrike" kern="1200" baseline="0">
+                    <a:solidFill>
+                      <a:schemeClr val="tx1">
+                        <a:lumMod val="75000"/>
+                        <a:lumOff val="25000"/>
+                      </a:schemeClr>
+                    </a:solidFill>
+                    <a:latin typeface="+mn-lt"/>
+                    <a:ea typeface="+mn-ea"/>
+                    <a:cs typeface="+mn-cs"/>
+                  </a:defRPr>
+                </a:pPr>
+                <a:endParaRPr lang="fr-FR"/>
+              </a:p>
+            </c:txPr>
+            <c:showLegendKey val="0"/>
+            <c:showVal val="1"/>
+            <c:showCatName val="1"/>
+            <c:showSerName val="0"/>
+            <c:showPercent val="0"/>
+            <c:showBubbleSize val="0"/>
+            <c:showLeaderLines val="1"/>
+            <c:leaderLines>
+              <c:spPr>
+                <a:ln w="9525" cap="flat" cmpd="sng" algn="ctr">
+                  <a:solidFill>
+                    <a:schemeClr val="tx1">
+                      <a:lumMod val="35000"/>
+                      <a:lumOff val="65000"/>
+                    </a:schemeClr>
+                  </a:solidFill>
+                  <a:round/>
+                </a:ln>
+                <a:effectLst/>
+              </c:spPr>
+            </c:leaderLines>
+            <c:extLst>
+              <c:ext xmlns:c15="http://schemas.microsoft.com/office/drawing/2012/chart" uri="{CE6537A1-D6FC-4f65-9D91-7224C49458BB}"/>
+            </c:extLst>
+          </c:dLbls>
+          <c:cat>
+            <c:strRef>
+              <c:f>'Scénario 1'!$A$2:$A$5</c:f>
+              <c:strCache>
+                <c:ptCount val="4"/>
+                <c:pt idx="0">
+                  <c:v>Solaire</c:v>
+                </c:pt>
+                <c:pt idx="1">
+                  <c:v>Éolien</c:v>
+                </c:pt>
+                <c:pt idx="2">
+                  <c:v>Diesel</c:v>
+                </c:pt>
+                <c:pt idx="3">
+                  <c:v>Stockage</c:v>
+                </c:pt>
+              </c:strCache>
+            </c:strRef>
+          </c:cat>
+          <c:val>
+            <c:numRef>
+              <c:f>'Scénario 1'!$B$2:$B$5</c:f>
+              <c:numCache>
+                <c:formatCode>0.0</c:formatCode>
+                <c:ptCount val="4"/>
+                <c:pt idx="0">
+                  <c:v>24.206133600000001</c:v>
+                </c:pt>
+                <c:pt idx="1">
+                  <c:v>41.463414729999997</c:v>
+                </c:pt>
+                <c:pt idx="2">
+                  <c:v>20.429814950000001</c:v>
+                </c:pt>
+                <c:pt idx="3">
+                  <c:v>0.25236392000000002</c:v>
+                </c:pt>
+              </c:numCache>
+            </c:numRef>
+          </c:val>
+          <c:extLst>
+            <c:ext xmlns:c16="http://schemas.microsoft.com/office/drawing/2014/chart" uri="{C3380CC4-5D6E-409C-BE32-E72D297353CC}">
+              <c16:uniqueId val="{00000008-57EF-3842-A610-2A57DC9EA206}"/>
+            </c:ext>
+          </c:extLst>
+        </c:ser>
+        <c:dLbls>
+          <c:showLegendKey val="0"/>
+          <c:showVal val="1"/>
+          <c:showCatName val="1"/>
+          <c:showSerName val="0"/>
+          <c:showPercent val="0"/>
+          <c:showBubbleSize val="0"/>
+          <c:showLeaderLines val="1"/>
+        </c:dLbls>
+        <c:firstSliceAng val="0"/>
+      </c:pieChart>
+      <c:spPr>
+        <a:noFill/>
+        <a:ln>
+          <a:noFill/>
+        </a:ln>
+        <a:effectLst/>
+      </c:spPr>
+    </c:plotArea>
+    <c:plotVisOnly val="1"/>
+    <c:dispBlanksAs val="gap"/>
+    <c:extLst>
+      <c:ext xmlns:c16r3="http://schemas.microsoft.com/office/drawing/2017/03/chart" uri="{56B9EC1D-385E-4148-901F-78D8002777C0}">
+        <c16r3:dataDisplayOptions16>
+          <c16r3:dispNaAsBlank val="1"/>
+        </c16r3:dataDisplayOptions16>
+      </c:ext>
+    </c:extLst>
+    <c:showDLblsOverMax val="0"/>
+  </c:chart>
+  <c:spPr>
+    <a:noFill/>
+    <a:ln>
+      <a:noFill/>
+    </a:ln>
+    <a:effectLst/>
+  </c:spPr>
+  <c:txPr>
+    <a:bodyPr/>
+    <a:lstStyle/>
+    <a:p>
+      <a:pPr>
+        <a:defRPr/>
+      </a:pPr>
+      <a:endParaRPr lang="fr-FR"/>
+    </a:p>
+  </c:txPr>
+  <c:externalData r:id="rId3">
+    <c:autoUpdate val="0"/>
+  </c:externalData>
+</c:chartSpace>
+</file>
+
+<file path=ppt/charts/chart2.xml><?xml version="1.0" encoding="utf-8"?>
+<c:chartSpace xmlns:c="http://schemas.openxmlformats.org/drawingml/2006/chart" xmlns:a="http://schemas.openxmlformats.org/drawingml/2006/main" xmlns:r="http://schemas.openxmlformats.org/officeDocument/2006/relationships" xmlns:c16r2="http://schemas.microsoft.com/office/drawing/2015/06/chart">
+  <c:date1904 val="0"/>
+  <c:lang val="fr-FR"/>
+  <c:roundedCorners val="0"/>
+  <mc:AlternateContent xmlns:mc="http://schemas.openxmlformats.org/markup-compatibility/2006">
+    <mc:Choice xmlns:c14="http://schemas.microsoft.com/office/drawing/2007/8/2/chart" Requires="c14">
+      <c14:style val="102"/>
+    </mc:Choice>
+    <mc:Fallback>
+      <c:style val="2"/>
+    </mc:Fallback>
+  </mc:AlternateContent>
+  <c:chart>
+    <c:autoTitleDeleted val="1"/>
+    <c:plotArea>
+      <c:layout/>
+      <c:pieChart>
+        <c:varyColors val="1"/>
+        <c:ser>
+          <c:idx val="0"/>
+          <c:order val="0"/>
+          <c:tx>
+            <c:strRef>
+              <c:f>'Scénario 2'!$B$2</c:f>
+              <c:strCache>
+                <c:ptCount val="1"/>
+                <c:pt idx="0">
+                  <c:v>45</c:v>
+                </c:pt>
+              </c:strCache>
+            </c:strRef>
+          </c:tx>
+          <c:dPt>
+            <c:idx val="0"/>
+            <c:bubble3D val="0"/>
+            <c:spPr>
+              <a:solidFill>
+                <a:schemeClr val="accent1"/>
+              </a:solidFill>
+              <a:ln w="19050">
+                <a:solidFill>
+                  <a:schemeClr val="lt1"/>
+                </a:solidFill>
+              </a:ln>
+              <a:effectLst/>
+            </c:spPr>
+            <c:extLst>
+              <c:ext xmlns:c16="http://schemas.microsoft.com/office/drawing/2014/chart" uri="{C3380CC4-5D6E-409C-BE32-E72D297353CC}">
+                <c16:uniqueId val="{00000001-3ACD-F04C-89B0-0C1784E5C132}"/>
+              </c:ext>
+            </c:extLst>
+          </c:dPt>
+          <c:dPt>
+            <c:idx val="1"/>
+            <c:bubble3D val="0"/>
+            <c:spPr>
+              <a:solidFill>
+                <a:schemeClr val="accent2"/>
+              </a:solidFill>
+              <a:ln w="19050">
+                <a:solidFill>
+                  <a:schemeClr val="lt1"/>
+                </a:solidFill>
+              </a:ln>
+              <a:effectLst/>
+            </c:spPr>
+            <c:extLst>
+              <c:ext xmlns:c16="http://schemas.microsoft.com/office/drawing/2014/chart" uri="{C3380CC4-5D6E-409C-BE32-E72D297353CC}">
+                <c16:uniqueId val="{00000003-3ACD-F04C-89B0-0C1784E5C132}"/>
+              </c:ext>
+            </c:extLst>
+          </c:dPt>
+          <c:dPt>
+            <c:idx val="2"/>
+            <c:bubble3D val="0"/>
+            <c:spPr>
+              <a:solidFill>
+                <a:schemeClr val="accent3"/>
+              </a:solidFill>
+              <a:ln w="19050">
+                <a:solidFill>
+                  <a:schemeClr val="lt1"/>
+                </a:solidFill>
+              </a:ln>
+              <a:effectLst/>
+            </c:spPr>
+            <c:extLst>
+              <c:ext xmlns:c16="http://schemas.microsoft.com/office/drawing/2014/chart" uri="{C3380CC4-5D6E-409C-BE32-E72D297353CC}">
+                <c16:uniqueId val="{00000005-3ACD-F04C-89B0-0C1784E5C132}"/>
+              </c:ext>
+            </c:extLst>
+          </c:dPt>
+          <c:dPt>
+            <c:idx val="3"/>
+            <c:bubble3D val="0"/>
+            <c:spPr>
+              <a:solidFill>
+                <a:schemeClr val="accent4"/>
+              </a:solidFill>
+              <a:ln w="19050">
+                <a:solidFill>
+                  <a:schemeClr val="lt1"/>
+                </a:solidFill>
+              </a:ln>
+              <a:effectLst/>
+            </c:spPr>
+            <c:extLst>
+              <c:ext xmlns:c16="http://schemas.microsoft.com/office/drawing/2014/chart" uri="{C3380CC4-5D6E-409C-BE32-E72D297353CC}">
+                <c16:uniqueId val="{00000007-3ACD-F04C-89B0-0C1784E5C132}"/>
+              </c:ext>
+            </c:extLst>
+          </c:dPt>
+          <c:dLbls>
+            <c:spPr>
+              <a:noFill/>
+              <a:ln>
+                <a:noFill/>
+              </a:ln>
+              <a:effectLst/>
+            </c:spPr>
+            <c:txPr>
+              <a:bodyPr rot="0" spcFirstLastPara="1" vertOverflow="ellipsis" vert="horz" wrap="square" lIns="38100" tIns="19050" rIns="38100" bIns="19050" anchor="ctr" anchorCtr="1">
+                <a:spAutoFit/>
+              </a:bodyPr>
+              <a:lstStyle/>
+              <a:p>
+                <a:pPr>
+                  <a:defRPr sz="900" b="0" i="0" u="none" strike="noStrike" kern="1200" baseline="0">
+                    <a:solidFill>
+                      <a:schemeClr val="tx1">
+                        <a:lumMod val="75000"/>
+                        <a:lumOff val="25000"/>
+                      </a:schemeClr>
+                    </a:solidFill>
+                    <a:latin typeface="+mn-lt"/>
+                    <a:ea typeface="+mn-ea"/>
+                    <a:cs typeface="+mn-cs"/>
+                  </a:defRPr>
+                </a:pPr>
+                <a:endParaRPr lang="fr-FR"/>
+              </a:p>
+            </c:txPr>
+            <c:showLegendKey val="0"/>
+            <c:showVal val="1"/>
+            <c:showCatName val="1"/>
+            <c:showSerName val="0"/>
+            <c:showPercent val="0"/>
+            <c:showBubbleSize val="0"/>
+            <c:showLeaderLines val="1"/>
+            <c:leaderLines>
+              <c:spPr>
+                <a:ln w="9525" cap="flat" cmpd="sng" algn="ctr">
+                  <a:solidFill>
+                    <a:schemeClr val="tx1">
+                      <a:lumMod val="35000"/>
+                      <a:lumOff val="65000"/>
+                    </a:schemeClr>
+                  </a:solidFill>
+                  <a:round/>
+                </a:ln>
+                <a:effectLst/>
+              </c:spPr>
+            </c:leaderLines>
+            <c:extLst>
+              <c:ext xmlns:c15="http://schemas.microsoft.com/office/drawing/2012/chart" uri="{CE6537A1-D6FC-4f65-9D91-7224C49458BB}"/>
+            </c:extLst>
+          </c:dLbls>
+          <c:cat>
+            <c:strRef>
+              <c:f>'Scénario 2'!$A$3:$A$6</c:f>
+              <c:strCache>
+                <c:ptCount val="4"/>
+                <c:pt idx="0">
+                  <c:v>Solaire</c:v>
+                </c:pt>
+                <c:pt idx="1">
+                  <c:v>Éolien</c:v>
+                </c:pt>
+                <c:pt idx="2">
+                  <c:v>Diesel</c:v>
+                </c:pt>
+                <c:pt idx="3">
+                  <c:v>Stockage</c:v>
+                </c:pt>
+              </c:strCache>
+            </c:strRef>
+          </c:cat>
+          <c:val>
+            <c:numRef>
+              <c:f>'Scénario 2'!$B$3:$B$6</c:f>
+              <c:numCache>
+                <c:formatCode>0.0</c:formatCode>
+                <c:ptCount val="4"/>
+                <c:pt idx="0">
+                  <c:v>26.213689030000001</c:v>
+                </c:pt>
+                <c:pt idx="1">
+                  <c:v>46.532023330000001</c:v>
+                </c:pt>
+                <c:pt idx="2">
+                  <c:v>20.06925953</c:v>
+                </c:pt>
+                <c:pt idx="3">
+                  <c:v>1.3962591799999999</c:v>
+                </c:pt>
+              </c:numCache>
+            </c:numRef>
+          </c:val>
+          <c:extLst>
+            <c:ext xmlns:c16="http://schemas.microsoft.com/office/drawing/2014/chart" uri="{C3380CC4-5D6E-409C-BE32-E72D297353CC}">
+              <c16:uniqueId val="{00000008-3ACD-F04C-89B0-0C1784E5C132}"/>
+            </c:ext>
+          </c:extLst>
+        </c:ser>
+        <c:dLbls>
+          <c:showLegendKey val="0"/>
+          <c:showVal val="1"/>
+          <c:showCatName val="1"/>
+          <c:showSerName val="0"/>
+          <c:showPercent val="0"/>
+          <c:showBubbleSize val="0"/>
+          <c:showLeaderLines val="1"/>
+        </c:dLbls>
+        <c:firstSliceAng val="0"/>
+      </c:pieChart>
+      <c:spPr>
+        <a:noFill/>
+        <a:ln>
+          <a:noFill/>
+        </a:ln>
+        <a:effectLst/>
+      </c:spPr>
+    </c:plotArea>
+    <c:plotVisOnly val="1"/>
+    <c:dispBlanksAs val="gap"/>
+    <c:extLst>
+      <c:ext xmlns:c16r3="http://schemas.microsoft.com/office/drawing/2017/03/chart" uri="{56B9EC1D-385E-4148-901F-78D8002777C0}">
+        <c16r3:dataDisplayOptions16>
+          <c16r3:dispNaAsBlank val="1"/>
+        </c16r3:dataDisplayOptions16>
+      </c:ext>
+    </c:extLst>
+    <c:showDLblsOverMax val="0"/>
+  </c:chart>
+  <c:spPr>
+    <a:noFill/>
+    <a:ln>
+      <a:noFill/>
+    </a:ln>
+    <a:effectLst/>
+  </c:spPr>
+  <c:txPr>
+    <a:bodyPr/>
+    <a:lstStyle/>
+    <a:p>
+      <a:pPr>
+        <a:defRPr/>
+      </a:pPr>
+      <a:endParaRPr lang="fr-FR"/>
+    </a:p>
+  </c:txPr>
+  <c:externalData r:id="rId3">
+    <c:autoUpdate val="0"/>
+  </c:externalData>
+</c:chartSpace>
+</file>
+
+<file path=ppt/charts/chart3.xml><?xml version="1.0" encoding="utf-8"?>
+<c:chartSpace xmlns:c="http://schemas.openxmlformats.org/drawingml/2006/chart" xmlns:a="http://schemas.openxmlformats.org/drawingml/2006/main" xmlns:r="http://schemas.openxmlformats.org/officeDocument/2006/relationships" xmlns:c16r2="http://schemas.microsoft.com/office/drawing/2015/06/chart">
+  <c:date1904 val="0"/>
+  <c:lang val="fr-FR"/>
+  <c:roundedCorners val="0"/>
+  <mc:AlternateContent xmlns:mc="http://schemas.openxmlformats.org/markup-compatibility/2006">
+    <mc:Choice xmlns:c14="http://schemas.microsoft.com/office/drawing/2007/8/2/chart" Requires="c14">
+      <c14:style val="102"/>
+    </mc:Choice>
+    <mc:Fallback>
+      <c:style val="2"/>
+    </mc:Fallback>
+  </mc:AlternateContent>
+  <c:chart>
+    <c:autoTitleDeleted val="1"/>
+    <c:plotArea>
+      <c:layout/>
+      <c:pieChart>
+        <c:varyColors val="1"/>
+        <c:ser>
+          <c:idx val="0"/>
+          <c:order val="0"/>
+          <c:tx>
+            <c:strRef>
+              <c:f>'Scénario 2'!$C$2</c:f>
+              <c:strCache>
+                <c:ptCount val="1"/>
+                <c:pt idx="0">
+                  <c:v>100</c:v>
+                </c:pt>
+              </c:strCache>
+            </c:strRef>
+          </c:tx>
+          <c:dPt>
+            <c:idx val="0"/>
+            <c:bubble3D val="0"/>
+            <c:spPr>
+              <a:solidFill>
+                <a:schemeClr val="accent1"/>
+              </a:solidFill>
+              <a:ln w="19050">
+                <a:solidFill>
+                  <a:schemeClr val="lt1"/>
+                </a:solidFill>
+              </a:ln>
+              <a:effectLst/>
+            </c:spPr>
+            <c:extLst>
+              <c:ext xmlns:c16="http://schemas.microsoft.com/office/drawing/2014/chart" uri="{C3380CC4-5D6E-409C-BE32-E72D297353CC}">
+                <c16:uniqueId val="{00000001-CEF8-6E41-92E0-EFC8C0B6B1B8}"/>
+              </c:ext>
+            </c:extLst>
+          </c:dPt>
+          <c:dPt>
+            <c:idx val="1"/>
+            <c:bubble3D val="0"/>
+            <c:spPr>
+              <a:solidFill>
+                <a:schemeClr val="accent2"/>
+              </a:solidFill>
+              <a:ln w="19050">
+                <a:solidFill>
+                  <a:schemeClr val="lt1"/>
+                </a:solidFill>
+              </a:ln>
+              <a:effectLst/>
+            </c:spPr>
+            <c:extLst>
+              <c:ext xmlns:c16="http://schemas.microsoft.com/office/drawing/2014/chart" uri="{C3380CC4-5D6E-409C-BE32-E72D297353CC}">
+                <c16:uniqueId val="{00000003-CEF8-6E41-92E0-EFC8C0B6B1B8}"/>
+              </c:ext>
+            </c:extLst>
+          </c:dPt>
+          <c:dPt>
+            <c:idx val="2"/>
+            <c:bubble3D val="0"/>
+            <c:spPr>
+              <a:solidFill>
+                <a:schemeClr val="accent3"/>
+              </a:solidFill>
+              <a:ln w="19050">
+                <a:solidFill>
+                  <a:schemeClr val="lt1"/>
+                </a:solidFill>
+              </a:ln>
+              <a:effectLst/>
+            </c:spPr>
+            <c:extLst>
+              <c:ext xmlns:c16="http://schemas.microsoft.com/office/drawing/2014/chart" uri="{C3380CC4-5D6E-409C-BE32-E72D297353CC}">
+                <c16:uniqueId val="{00000005-CEF8-6E41-92E0-EFC8C0B6B1B8}"/>
+              </c:ext>
+            </c:extLst>
+          </c:dPt>
+          <c:dPt>
+            <c:idx val="3"/>
+            <c:bubble3D val="0"/>
+            <c:spPr>
+              <a:solidFill>
+                <a:schemeClr val="accent4"/>
+              </a:solidFill>
+              <a:ln w="19050">
+                <a:solidFill>
+                  <a:schemeClr val="lt1"/>
+                </a:solidFill>
+              </a:ln>
+              <a:effectLst/>
+            </c:spPr>
+            <c:extLst>
+              <c:ext xmlns:c16="http://schemas.microsoft.com/office/drawing/2014/chart" uri="{C3380CC4-5D6E-409C-BE32-E72D297353CC}">
+                <c16:uniqueId val="{00000007-CEF8-6E41-92E0-EFC8C0B6B1B8}"/>
+              </c:ext>
+            </c:extLst>
+          </c:dPt>
+          <c:dLbls>
+            <c:spPr>
+              <a:noFill/>
+              <a:ln>
+                <a:noFill/>
+              </a:ln>
+              <a:effectLst/>
+            </c:spPr>
+            <c:txPr>
+              <a:bodyPr rot="0" spcFirstLastPara="1" vertOverflow="ellipsis" vert="horz" wrap="square" lIns="38100" tIns="19050" rIns="38100" bIns="19050" anchor="ctr" anchorCtr="1">
+                <a:spAutoFit/>
+              </a:bodyPr>
+              <a:lstStyle/>
+              <a:p>
+                <a:pPr>
+                  <a:defRPr sz="900" b="0" i="0" u="none" strike="noStrike" kern="1200" baseline="0">
+                    <a:solidFill>
+                      <a:schemeClr val="tx1">
+                        <a:lumMod val="75000"/>
+                        <a:lumOff val="25000"/>
+                      </a:schemeClr>
+                    </a:solidFill>
+                    <a:latin typeface="+mn-lt"/>
+                    <a:ea typeface="+mn-ea"/>
+                    <a:cs typeface="+mn-cs"/>
+                  </a:defRPr>
+                </a:pPr>
+                <a:endParaRPr lang="fr-FR"/>
+              </a:p>
+            </c:txPr>
+            <c:showLegendKey val="0"/>
+            <c:showVal val="1"/>
+            <c:showCatName val="1"/>
+            <c:showSerName val="0"/>
+            <c:showPercent val="0"/>
+            <c:showBubbleSize val="0"/>
+            <c:showLeaderLines val="1"/>
+            <c:leaderLines>
+              <c:spPr>
+                <a:ln w="9525" cap="flat" cmpd="sng" algn="ctr">
+                  <a:solidFill>
+                    <a:schemeClr val="tx1">
+                      <a:lumMod val="35000"/>
+                      <a:lumOff val="65000"/>
+                    </a:schemeClr>
+                  </a:solidFill>
+                  <a:round/>
+                </a:ln>
+                <a:effectLst/>
+              </c:spPr>
+            </c:leaderLines>
+            <c:extLst>
+              <c:ext xmlns:c15="http://schemas.microsoft.com/office/drawing/2012/chart" uri="{CE6537A1-D6FC-4f65-9D91-7224C49458BB}"/>
+            </c:extLst>
+          </c:dLbls>
+          <c:cat>
+            <c:strRef>
+              <c:f>'Scénario 2'!$A$3:$A$6</c:f>
+              <c:strCache>
+                <c:ptCount val="4"/>
+                <c:pt idx="0">
+                  <c:v>Solaire</c:v>
+                </c:pt>
+                <c:pt idx="1">
+                  <c:v>Éolien</c:v>
+                </c:pt>
+                <c:pt idx="2">
+                  <c:v>Diesel</c:v>
+                </c:pt>
+                <c:pt idx="3">
+                  <c:v>Stockage</c:v>
+                </c:pt>
+              </c:strCache>
+            </c:strRef>
+          </c:cat>
+          <c:val>
+            <c:numRef>
+              <c:f>'Scénario 2'!$C$3:$C$6</c:f>
+              <c:numCache>
+                <c:formatCode>0.0</c:formatCode>
+                <c:ptCount val="4"/>
+                <c:pt idx="0">
+                  <c:v>28.08317237</c:v>
+                </c:pt>
+                <c:pt idx="1">
+                  <c:v>52.007729410000003</c:v>
+                </c:pt>
+                <c:pt idx="2">
+                  <c:v>19.699400910000001</c:v>
+                </c:pt>
+                <c:pt idx="3">
+                  <c:v>2.3391302899999999</c:v>
+                </c:pt>
+              </c:numCache>
+            </c:numRef>
+          </c:val>
+          <c:extLst>
+            <c:ext xmlns:c16="http://schemas.microsoft.com/office/drawing/2014/chart" uri="{C3380CC4-5D6E-409C-BE32-E72D297353CC}">
+              <c16:uniqueId val="{00000008-CEF8-6E41-92E0-EFC8C0B6B1B8}"/>
+            </c:ext>
+          </c:extLst>
+        </c:ser>
+        <c:dLbls>
+          <c:showLegendKey val="0"/>
+          <c:showVal val="1"/>
+          <c:showCatName val="1"/>
+          <c:showSerName val="0"/>
+          <c:showPercent val="0"/>
+          <c:showBubbleSize val="0"/>
+          <c:showLeaderLines val="1"/>
+        </c:dLbls>
+        <c:firstSliceAng val="0"/>
+      </c:pieChart>
+      <c:spPr>
+        <a:noFill/>
+        <a:ln>
+          <a:noFill/>
+        </a:ln>
+        <a:effectLst/>
+      </c:spPr>
+    </c:plotArea>
+    <c:plotVisOnly val="1"/>
+    <c:dispBlanksAs val="gap"/>
+    <c:extLst>
+      <c:ext xmlns:c16r3="http://schemas.microsoft.com/office/drawing/2017/03/chart" uri="{56B9EC1D-385E-4148-901F-78D8002777C0}">
+        <c16r3:dataDisplayOptions16>
+          <c16r3:dispNaAsBlank val="1"/>
+        </c16r3:dataDisplayOptions16>
+      </c:ext>
+    </c:extLst>
+    <c:showDLblsOverMax val="0"/>
+  </c:chart>
+  <c:spPr>
+    <a:noFill/>
+    <a:ln>
+      <a:noFill/>
+    </a:ln>
+    <a:effectLst/>
+  </c:spPr>
+  <c:txPr>
+    <a:bodyPr/>
+    <a:lstStyle/>
+    <a:p>
+      <a:pPr>
+        <a:defRPr/>
+      </a:pPr>
+      <a:endParaRPr lang="fr-FR"/>
+    </a:p>
+  </c:txPr>
+  <c:externalData r:id="rId3">
+    <c:autoUpdate val="0"/>
+  </c:externalData>
+</c:chartSpace>
+</file>
+
+<file path=ppt/charts/chart4.xml><?xml version="1.0" encoding="utf-8"?>
+<c:chartSpace xmlns:c="http://schemas.openxmlformats.org/drawingml/2006/chart" xmlns:a="http://schemas.openxmlformats.org/drawingml/2006/main" xmlns:r="http://schemas.openxmlformats.org/officeDocument/2006/relationships" xmlns:c16r2="http://schemas.microsoft.com/office/drawing/2015/06/chart">
+  <c:date1904 val="0"/>
+  <c:lang val="fr-FR"/>
+  <c:roundedCorners val="0"/>
+  <mc:AlternateContent xmlns:mc="http://schemas.openxmlformats.org/markup-compatibility/2006">
+    <mc:Choice xmlns:c14="http://schemas.microsoft.com/office/drawing/2007/8/2/chart" Requires="c14">
+      <c14:style val="102"/>
+    </mc:Choice>
+    <mc:Fallback>
+      <c:style val="2"/>
+    </mc:Fallback>
+  </mc:AlternateContent>
+  <c:chart>
+    <c:autoTitleDeleted val="1"/>
+    <c:plotArea>
+      <c:layout/>
+      <c:scatterChart>
+        <c:scatterStyle val="smoothMarker"/>
+        <c:varyColors val="0"/>
+        <c:ser>
+          <c:idx val="0"/>
+          <c:order val="0"/>
+          <c:tx>
+            <c:strRef>
+              <c:f>'CO2'!$B$3</c:f>
+              <c:strCache>
+                <c:ptCount val="1"/>
+                <c:pt idx="0">
+                  <c:v>Solaire</c:v>
+                </c:pt>
+              </c:strCache>
+            </c:strRef>
+          </c:tx>
+          <c:spPr>
+            <a:ln w="19050" cap="rnd">
+              <a:solidFill>
+                <a:schemeClr val="accent1"/>
+              </a:solidFill>
+              <a:round/>
+            </a:ln>
+            <a:effectLst/>
+          </c:spPr>
+          <c:marker>
+            <c:symbol val="circle"/>
+            <c:size val="5"/>
+            <c:spPr>
+              <a:solidFill>
+                <a:schemeClr val="accent1"/>
+              </a:solidFill>
+              <a:ln w="9525">
+                <a:solidFill>
+                  <a:schemeClr val="accent1"/>
+                </a:solidFill>
+              </a:ln>
+              <a:effectLst/>
+            </c:spPr>
+          </c:marker>
+          <c:xVal>
+            <c:numRef>
+              <c:f>'CO2'!$C$2:$G$2</c:f>
+              <c:numCache>
+                <c:formatCode>General</c:formatCode>
+                <c:ptCount val="5"/>
+                <c:pt idx="0">
+                  <c:v>0</c:v>
+                </c:pt>
+                <c:pt idx="1">
+                  <c:v>45</c:v>
+                </c:pt>
+                <c:pt idx="2">
+                  <c:v>100</c:v>
+                </c:pt>
+                <c:pt idx="3">
+                  <c:v>500</c:v>
+                </c:pt>
+                <c:pt idx="4">
+                  <c:v>1000</c:v>
+                </c:pt>
+              </c:numCache>
+            </c:numRef>
+          </c:xVal>
+          <c:yVal>
+            <c:numRef>
+              <c:f>'CO2'!$C$3:$G$3</c:f>
+              <c:numCache>
+                <c:formatCode>General</c:formatCode>
+                <c:ptCount val="5"/>
+                <c:pt idx="0">
+                  <c:v>24.206133600000001</c:v>
+                </c:pt>
+                <c:pt idx="1">
+                  <c:v>26.213689030000001</c:v>
+                </c:pt>
+                <c:pt idx="2">
+                  <c:v>28.08317237</c:v>
+                </c:pt>
+                <c:pt idx="3">
+                  <c:v>37.518037630000002</c:v>
+                </c:pt>
+                <c:pt idx="4">
+                  <c:v>47.647665840000002</c:v>
+                </c:pt>
+              </c:numCache>
+            </c:numRef>
+          </c:yVal>
+          <c:smooth val="1"/>
+          <c:extLst>
+            <c:ext xmlns:c16="http://schemas.microsoft.com/office/drawing/2014/chart" uri="{C3380CC4-5D6E-409C-BE32-E72D297353CC}">
+              <c16:uniqueId val="{00000000-3CEB-7A4E-A92C-FBF229A9E9E5}"/>
+            </c:ext>
+          </c:extLst>
+        </c:ser>
+        <c:ser>
+          <c:idx val="1"/>
+          <c:order val="1"/>
+          <c:tx>
+            <c:strRef>
+              <c:f>'CO2'!$B$4</c:f>
+              <c:strCache>
+                <c:ptCount val="1"/>
+                <c:pt idx="0">
+                  <c:v>Éolien</c:v>
+                </c:pt>
+              </c:strCache>
+            </c:strRef>
+          </c:tx>
+          <c:spPr>
+            <a:ln w="19050" cap="rnd">
+              <a:solidFill>
+                <a:schemeClr val="accent2"/>
+              </a:solidFill>
+              <a:round/>
+            </a:ln>
+            <a:effectLst/>
+          </c:spPr>
+          <c:marker>
+            <c:symbol val="circle"/>
+            <c:size val="5"/>
+            <c:spPr>
+              <a:solidFill>
+                <a:schemeClr val="accent2"/>
+              </a:solidFill>
+              <a:ln w="9525">
+                <a:solidFill>
+                  <a:schemeClr val="accent2"/>
+                </a:solidFill>
+              </a:ln>
+              <a:effectLst/>
+            </c:spPr>
+          </c:marker>
+          <c:xVal>
+            <c:numRef>
+              <c:f>'CO2'!$C$2:$G$2</c:f>
+              <c:numCache>
+                <c:formatCode>General</c:formatCode>
+                <c:ptCount val="5"/>
+                <c:pt idx="0">
+                  <c:v>0</c:v>
+                </c:pt>
+                <c:pt idx="1">
+                  <c:v>45</c:v>
+                </c:pt>
+                <c:pt idx="2">
+                  <c:v>100</c:v>
+                </c:pt>
+                <c:pt idx="3">
+                  <c:v>500</c:v>
+                </c:pt>
+                <c:pt idx="4">
+                  <c:v>1000</c:v>
+                </c:pt>
+              </c:numCache>
+            </c:numRef>
+          </c:xVal>
+          <c:yVal>
+            <c:numRef>
+              <c:f>'CO2'!$C$4:$G$4</c:f>
+              <c:numCache>
+                <c:formatCode>General</c:formatCode>
+                <c:ptCount val="5"/>
+                <c:pt idx="0">
+                  <c:v>41.463414729999997</c:v>
+                </c:pt>
+                <c:pt idx="1">
+                  <c:v>46.532023330000001</c:v>
+                </c:pt>
+                <c:pt idx="2">
+                  <c:v>52.007729410000003</c:v>
+                </c:pt>
+                <c:pt idx="3">
+                  <c:v>80.808080739999994</c:v>
+                </c:pt>
+                <c:pt idx="4">
+                  <c:v>100</c:v>
+                </c:pt>
+              </c:numCache>
+            </c:numRef>
+          </c:yVal>
+          <c:smooth val="1"/>
+          <c:extLst>
+            <c:ext xmlns:c16="http://schemas.microsoft.com/office/drawing/2014/chart" uri="{C3380CC4-5D6E-409C-BE32-E72D297353CC}">
+              <c16:uniqueId val="{00000001-3CEB-7A4E-A92C-FBF229A9E9E5}"/>
+            </c:ext>
+          </c:extLst>
+        </c:ser>
+        <c:ser>
+          <c:idx val="2"/>
+          <c:order val="2"/>
+          <c:tx>
+            <c:strRef>
+              <c:f>'CO2'!$B$5</c:f>
+              <c:strCache>
+                <c:ptCount val="1"/>
+                <c:pt idx="0">
+                  <c:v>Diesel</c:v>
+                </c:pt>
+              </c:strCache>
+            </c:strRef>
+          </c:tx>
+          <c:spPr>
+            <a:ln w="19050" cap="rnd">
+              <a:solidFill>
+                <a:schemeClr val="accent3"/>
+              </a:solidFill>
+              <a:round/>
+            </a:ln>
+            <a:effectLst/>
+          </c:spPr>
+          <c:marker>
+            <c:symbol val="circle"/>
+            <c:size val="5"/>
+            <c:spPr>
+              <a:solidFill>
+                <a:schemeClr val="accent3"/>
+              </a:solidFill>
+              <a:ln w="9525">
+                <a:solidFill>
+                  <a:schemeClr val="accent3"/>
+                </a:solidFill>
+              </a:ln>
+              <a:effectLst/>
+            </c:spPr>
+          </c:marker>
+          <c:xVal>
+            <c:numRef>
+              <c:f>'CO2'!$C$2:$G$2</c:f>
+              <c:numCache>
+                <c:formatCode>General</c:formatCode>
+                <c:ptCount val="5"/>
+                <c:pt idx="0">
+                  <c:v>0</c:v>
+                </c:pt>
+                <c:pt idx="1">
+                  <c:v>45</c:v>
+                </c:pt>
+                <c:pt idx="2">
+                  <c:v>100</c:v>
+                </c:pt>
+                <c:pt idx="3">
+                  <c:v>500</c:v>
+                </c:pt>
+                <c:pt idx="4">
+                  <c:v>1000</c:v>
+                </c:pt>
+              </c:numCache>
+            </c:numRef>
+          </c:xVal>
+          <c:yVal>
+            <c:numRef>
+              <c:f>'CO2'!$C$5:$G$5</c:f>
+              <c:numCache>
+                <c:formatCode>General</c:formatCode>
+                <c:ptCount val="5"/>
+                <c:pt idx="0">
+                  <c:v>20.429814950000001</c:v>
+                </c:pt>
+                <c:pt idx="1">
+                  <c:v>20.06925953</c:v>
+                </c:pt>
+                <c:pt idx="2">
+                  <c:v>19.699400910000001</c:v>
+                </c:pt>
+                <c:pt idx="3">
+                  <c:v>17.383838480000001</c:v>
+                </c:pt>
+                <c:pt idx="4">
+                  <c:v>16</c:v>
+                </c:pt>
+              </c:numCache>
+            </c:numRef>
+          </c:yVal>
+          <c:smooth val="1"/>
+          <c:extLst>
+            <c:ext xmlns:c16="http://schemas.microsoft.com/office/drawing/2014/chart" uri="{C3380CC4-5D6E-409C-BE32-E72D297353CC}">
+              <c16:uniqueId val="{00000002-3CEB-7A4E-A92C-FBF229A9E9E5}"/>
+            </c:ext>
+          </c:extLst>
+        </c:ser>
+        <c:ser>
+          <c:idx val="3"/>
+          <c:order val="3"/>
+          <c:tx>
+            <c:strRef>
+              <c:f>'CO2'!$B$6</c:f>
+              <c:strCache>
+                <c:ptCount val="1"/>
+                <c:pt idx="0">
+                  <c:v>Stockage</c:v>
+                </c:pt>
+              </c:strCache>
+            </c:strRef>
+          </c:tx>
+          <c:spPr>
+            <a:ln w="19050" cap="rnd">
+              <a:solidFill>
+                <a:schemeClr val="accent4"/>
+              </a:solidFill>
+              <a:round/>
+            </a:ln>
+            <a:effectLst/>
+          </c:spPr>
+          <c:marker>
+            <c:symbol val="circle"/>
+            <c:size val="5"/>
+            <c:spPr>
+              <a:solidFill>
+                <a:schemeClr val="accent4"/>
+              </a:solidFill>
+              <a:ln w="9525">
+                <a:solidFill>
+                  <a:schemeClr val="accent4"/>
+                </a:solidFill>
+              </a:ln>
+              <a:effectLst/>
+            </c:spPr>
+          </c:marker>
+          <c:xVal>
+            <c:numRef>
+              <c:f>'CO2'!$C$2:$G$2</c:f>
+              <c:numCache>
+                <c:formatCode>General</c:formatCode>
+                <c:ptCount val="5"/>
+                <c:pt idx="0">
+                  <c:v>0</c:v>
+                </c:pt>
+                <c:pt idx="1">
+                  <c:v>45</c:v>
+                </c:pt>
+                <c:pt idx="2">
+                  <c:v>100</c:v>
+                </c:pt>
+                <c:pt idx="3">
+                  <c:v>500</c:v>
+                </c:pt>
+                <c:pt idx="4">
+                  <c:v>1000</c:v>
+                </c:pt>
+              </c:numCache>
+            </c:numRef>
+          </c:xVal>
+          <c:yVal>
+            <c:numRef>
+              <c:f>'CO2'!$C$6:$G$6</c:f>
+              <c:numCache>
+                <c:formatCode>General</c:formatCode>
+                <c:ptCount val="5"/>
+                <c:pt idx="0">
+                  <c:v>0.25236392000000002</c:v>
+                </c:pt>
+                <c:pt idx="1">
+                  <c:v>1.3962591799999999</c:v>
+                </c:pt>
+                <c:pt idx="2">
+                  <c:v>2.3391302899999999</c:v>
+                </c:pt>
+                <c:pt idx="3">
+                  <c:v>14.40692666</c:v>
+                </c:pt>
+                <c:pt idx="4">
+                  <c:v>27.517413510000001</c:v>
+                </c:pt>
+              </c:numCache>
+            </c:numRef>
+          </c:yVal>
+          <c:smooth val="1"/>
+          <c:extLst>
+            <c:ext xmlns:c16="http://schemas.microsoft.com/office/drawing/2014/chart" uri="{C3380CC4-5D6E-409C-BE32-E72D297353CC}">
+              <c16:uniqueId val="{00000003-3CEB-7A4E-A92C-FBF229A9E9E5}"/>
+            </c:ext>
+          </c:extLst>
+        </c:ser>
+        <c:dLbls>
+          <c:showLegendKey val="0"/>
+          <c:showVal val="0"/>
+          <c:showCatName val="0"/>
+          <c:showSerName val="0"/>
+          <c:showPercent val="0"/>
+          <c:showBubbleSize val="0"/>
+        </c:dLbls>
+        <c:axId val="1884909743"/>
+        <c:axId val="1901471407"/>
+      </c:scatterChart>
+      <c:valAx>
+        <c:axId val="1884909743"/>
+        <c:scaling>
+          <c:orientation val="minMax"/>
+        </c:scaling>
+        <c:delete val="0"/>
+        <c:axPos val="b"/>
+        <c:majorGridlines>
+          <c:spPr>
+            <a:ln w="9525" cap="flat" cmpd="sng" algn="ctr">
+              <a:solidFill>
+                <a:schemeClr val="tx1">
+                  <a:lumMod val="15000"/>
+                  <a:lumOff val="85000"/>
+                </a:schemeClr>
+              </a:solidFill>
+              <a:round/>
+            </a:ln>
+            <a:effectLst/>
+          </c:spPr>
+        </c:majorGridlines>
+        <c:numFmt formatCode="General" sourceLinked="1"/>
+        <c:majorTickMark val="none"/>
+        <c:minorTickMark val="none"/>
+        <c:tickLblPos val="nextTo"/>
+        <c:spPr>
+          <a:noFill/>
+          <a:ln w="9525" cap="flat" cmpd="sng" algn="ctr">
+            <a:solidFill>
+              <a:schemeClr val="tx1">
+                <a:lumMod val="25000"/>
+                <a:lumOff val="75000"/>
+              </a:schemeClr>
+            </a:solidFill>
+            <a:round/>
+          </a:ln>
+          <a:effectLst/>
+        </c:spPr>
+        <c:txPr>
+          <a:bodyPr rot="-60000000" spcFirstLastPara="1" vertOverflow="ellipsis" vert="horz" wrap="square" anchor="ctr" anchorCtr="1"/>
+          <a:lstStyle/>
+          <a:p>
+            <a:pPr>
+              <a:defRPr sz="900" b="0" i="0" u="none" strike="noStrike" kern="1200" baseline="0">
+                <a:solidFill>
+                  <a:schemeClr val="tx1">
+                    <a:lumMod val="65000"/>
+                    <a:lumOff val="35000"/>
+                  </a:schemeClr>
+                </a:solidFill>
+                <a:latin typeface="+mn-lt"/>
+                <a:ea typeface="+mn-ea"/>
+                <a:cs typeface="+mn-cs"/>
+              </a:defRPr>
+            </a:pPr>
+            <a:endParaRPr lang="fr-FR"/>
+          </a:p>
+        </c:txPr>
+        <c:crossAx val="1901471407"/>
+        <c:crosses val="autoZero"/>
+        <c:crossBetween val="midCat"/>
+      </c:valAx>
+      <c:valAx>
+        <c:axId val="1901471407"/>
+        <c:scaling>
+          <c:orientation val="minMax"/>
+        </c:scaling>
+        <c:delete val="0"/>
+        <c:axPos val="l"/>
+        <c:majorGridlines>
+          <c:spPr>
+            <a:ln w="9525" cap="flat" cmpd="sng" algn="ctr">
+              <a:solidFill>
+                <a:schemeClr val="tx1">
+                  <a:lumMod val="15000"/>
+                  <a:lumOff val="85000"/>
+                </a:schemeClr>
+              </a:solidFill>
+              <a:round/>
+            </a:ln>
+            <a:effectLst/>
+          </c:spPr>
+        </c:majorGridlines>
+        <c:numFmt formatCode="General" sourceLinked="1"/>
+        <c:majorTickMark val="none"/>
+        <c:minorTickMark val="none"/>
+        <c:tickLblPos val="nextTo"/>
+        <c:spPr>
+          <a:noFill/>
+          <a:ln w="9525" cap="flat" cmpd="sng" algn="ctr">
+            <a:solidFill>
+              <a:schemeClr val="tx1">
+                <a:lumMod val="25000"/>
+                <a:lumOff val="75000"/>
+              </a:schemeClr>
+            </a:solidFill>
+            <a:round/>
+          </a:ln>
+          <a:effectLst/>
+        </c:spPr>
+        <c:txPr>
+          <a:bodyPr rot="-60000000" spcFirstLastPara="1" vertOverflow="ellipsis" vert="horz" wrap="square" anchor="ctr" anchorCtr="1"/>
+          <a:lstStyle/>
+          <a:p>
+            <a:pPr>
+              <a:defRPr sz="900" b="0" i="0" u="none" strike="noStrike" kern="1200" baseline="0">
+                <a:solidFill>
+                  <a:schemeClr val="tx1">
+                    <a:lumMod val="65000"/>
+                    <a:lumOff val="35000"/>
+                  </a:schemeClr>
+                </a:solidFill>
+                <a:latin typeface="+mn-lt"/>
+                <a:ea typeface="+mn-ea"/>
+                <a:cs typeface="+mn-cs"/>
+              </a:defRPr>
+            </a:pPr>
+            <a:endParaRPr lang="fr-FR"/>
+          </a:p>
+        </c:txPr>
+        <c:crossAx val="1884909743"/>
+        <c:crosses val="autoZero"/>
+        <c:crossBetween val="midCat"/>
+      </c:valAx>
+      <c:spPr>
+        <a:noFill/>
+        <a:ln>
+          <a:noFill/>
+        </a:ln>
+        <a:effectLst/>
+      </c:spPr>
+    </c:plotArea>
+    <c:legend>
+      <c:legendPos val="b"/>
+      <c:overlay val="0"/>
+      <c:spPr>
+        <a:noFill/>
+        <a:ln>
+          <a:noFill/>
+        </a:ln>
+        <a:effectLst/>
+      </c:spPr>
+      <c:txPr>
+        <a:bodyPr rot="0" spcFirstLastPara="1" vertOverflow="ellipsis" vert="horz" wrap="square" anchor="ctr" anchorCtr="1"/>
+        <a:lstStyle/>
+        <a:p>
+          <a:pPr>
+            <a:defRPr sz="900" b="0" i="0" u="none" strike="noStrike" kern="1200" baseline="0">
+              <a:solidFill>
+                <a:schemeClr val="tx1">
+                  <a:lumMod val="65000"/>
+                  <a:lumOff val="35000"/>
+                </a:schemeClr>
+              </a:solidFill>
+              <a:latin typeface="+mn-lt"/>
+              <a:ea typeface="+mn-ea"/>
+              <a:cs typeface="+mn-cs"/>
+            </a:defRPr>
+          </a:pPr>
+          <a:endParaRPr lang="fr-FR"/>
+        </a:p>
+      </c:txPr>
+    </c:legend>
+    <c:plotVisOnly val="1"/>
+    <c:dispBlanksAs val="gap"/>
+    <c:extLst>
+      <c:ext xmlns:c16r3="http://schemas.microsoft.com/office/drawing/2017/03/chart" uri="{56B9EC1D-385E-4148-901F-78D8002777C0}">
+        <c16r3:dataDisplayOptions16>
+          <c16r3:dispNaAsBlank val="1"/>
+        </c16r3:dataDisplayOptions16>
+      </c:ext>
+    </c:extLst>
+    <c:showDLblsOverMax val="0"/>
+  </c:chart>
+  <c:spPr>
+    <a:noFill/>
+    <a:ln>
+      <a:noFill/>
+    </a:ln>
+    <a:effectLst/>
+  </c:spPr>
+  <c:txPr>
+    <a:bodyPr/>
+    <a:lstStyle/>
+    <a:p>
+      <a:pPr>
+        <a:defRPr/>
+      </a:pPr>
+      <a:endParaRPr lang="fr-FR"/>
+    </a:p>
+  </c:txPr>
+  <c:externalData r:id="rId3">
+    <c:autoUpdate val="0"/>
+  </c:externalData>
+</c:chartSpace>
+</file>
+
+<file path=ppt/charts/chart5.xml><?xml version="1.0" encoding="utf-8"?>
 <c:chartSpace xmlns:c="http://schemas.openxmlformats.org/drawingml/2006/chart" xmlns:a="http://schemas.openxmlformats.org/drawingml/2006/main" xmlns:r="http://schemas.openxmlformats.org/officeDocument/2006/relationships" xmlns:c16r2="http://schemas.microsoft.com/office/drawing/2015/06/chart">
   <c:date1904 val="0"/>
   <c:lang val="fr-FR"/>
@@ -317,7 +1723,7 @@
             <c:numRef>
               <c:f>'Scénario 1'!$B$2:$B$5</c:f>
               <c:numCache>
-                <c:formatCode>General</c:formatCode>
+                <c:formatCode>0.0</c:formatCode>
                 <c:ptCount val="4"/>
                 <c:pt idx="0">
                   <c:v>24.206133600000001</c:v>
@@ -393,7 +1799,7 @@
 </c:chartSpace>
 </file>
 
-<file path=ppt/charts/chart2.xml><?xml version="1.0" encoding="utf-8"?>
+<file path=ppt/charts/chart6.xml><?xml version="1.0" encoding="utf-8"?>
 <c:chartSpace xmlns:c="http://schemas.openxmlformats.org/drawingml/2006/chart" xmlns:a="http://schemas.openxmlformats.org/drawingml/2006/main" xmlns:r="http://schemas.openxmlformats.org/officeDocument/2006/relationships" xmlns:c16r2="http://schemas.microsoft.com/office/drawing/2015/06/chart">
   <c:date1904 val="0"/>
   <c:lang val="fr-FR"/>
@@ -465,7 +1871,7 @@
 </c:chartSpace>
 </file>
 
-<file path=ppt/charts/chart3.xml><?xml version="1.0" encoding="utf-8"?>
+<file path=ppt/charts/chart7.xml><?xml version="1.0" encoding="utf-8"?>
 <c:chartSpace xmlns:c="http://schemas.openxmlformats.org/drawingml/2006/chart" xmlns:a="http://schemas.openxmlformats.org/drawingml/2006/main" xmlns:r="http://schemas.openxmlformats.org/officeDocument/2006/relationships" xmlns:c16r2="http://schemas.microsoft.com/office/drawing/2015/06/chart">
   <c:date1904 val="0"/>
   <c:lang val="fr-FR"/>
@@ -733,7 +2139,7 @@
 </c:chartSpace>
 </file>
 
-<file path=ppt/charts/chart4.xml><?xml version="1.0" encoding="utf-8"?>
+<file path=ppt/charts/chart8.xml><?xml version="1.0" encoding="utf-8"?>
 <c:chartSpace xmlns:c="http://schemas.openxmlformats.org/drawingml/2006/chart" xmlns:a="http://schemas.openxmlformats.org/drawingml/2006/main" xmlns:r="http://schemas.openxmlformats.org/officeDocument/2006/relationships" xmlns:c16r2="http://schemas.microsoft.com/office/drawing/2015/06/chart">
   <c:date1904 val="0"/>
   <c:lang val="fr-FR"/>
@@ -1053,7 +2459,7 @@
 </c:chartSpace>
 </file>
 
-<file path=ppt/charts/chart5.xml><?xml version="1.0" encoding="utf-8"?>
+<file path=ppt/charts/chart9.xml><?xml version="1.0" encoding="utf-8"?>
 <c:chartSpace xmlns:c="http://schemas.openxmlformats.org/drawingml/2006/chart" xmlns:a="http://schemas.openxmlformats.org/drawingml/2006/main" xmlns:r="http://schemas.openxmlformats.org/officeDocument/2006/relationships" xmlns:c16r2="http://schemas.microsoft.com/office/drawing/2015/06/chart">
   <c:date1904 val="0"/>
   <c:lang val="fr-FR"/>
@@ -2045,6 +3451,166 @@
 </file>
 
 <file path=ppt/charts/colors5.xml><?xml version="1.0" encoding="utf-8"?>
+<cs:colorStyle xmlns:cs="http://schemas.microsoft.com/office/drawing/2012/chartStyle" xmlns:a="http://schemas.openxmlformats.org/drawingml/2006/main" meth="cycle" id="10">
+  <a:schemeClr val="accent1"/>
+  <a:schemeClr val="accent2"/>
+  <a:schemeClr val="accent3"/>
+  <a:schemeClr val="accent4"/>
+  <a:schemeClr val="accent5"/>
+  <a:schemeClr val="accent6"/>
+  <cs:variation/>
+  <cs:variation>
+    <a:lumMod val="60000"/>
+  </cs:variation>
+  <cs:variation>
+    <a:lumMod val="80000"/>
+    <a:lumOff val="20000"/>
+  </cs:variation>
+  <cs:variation>
+    <a:lumMod val="80000"/>
+  </cs:variation>
+  <cs:variation>
+    <a:lumMod val="60000"/>
+    <a:lumOff val="40000"/>
+  </cs:variation>
+  <cs:variation>
+    <a:lumMod val="50000"/>
+  </cs:variation>
+  <cs:variation>
+    <a:lumMod val="70000"/>
+    <a:lumOff val="30000"/>
+  </cs:variation>
+  <cs:variation>
+    <a:lumMod val="70000"/>
+  </cs:variation>
+  <cs:variation>
+    <a:lumMod val="50000"/>
+    <a:lumOff val="50000"/>
+  </cs:variation>
+</cs:colorStyle>
+</file>
+
+<file path=ppt/charts/colors6.xml><?xml version="1.0" encoding="utf-8"?>
+<cs:colorStyle xmlns:cs="http://schemas.microsoft.com/office/drawing/2012/chartStyle" xmlns:a="http://schemas.openxmlformats.org/drawingml/2006/main" meth="cycle" id="10">
+  <a:schemeClr val="accent1"/>
+  <a:schemeClr val="accent2"/>
+  <a:schemeClr val="accent3"/>
+  <a:schemeClr val="accent4"/>
+  <a:schemeClr val="accent5"/>
+  <a:schemeClr val="accent6"/>
+  <cs:variation/>
+  <cs:variation>
+    <a:lumMod val="60000"/>
+  </cs:variation>
+  <cs:variation>
+    <a:lumMod val="80000"/>
+    <a:lumOff val="20000"/>
+  </cs:variation>
+  <cs:variation>
+    <a:lumMod val="80000"/>
+  </cs:variation>
+  <cs:variation>
+    <a:lumMod val="60000"/>
+    <a:lumOff val="40000"/>
+  </cs:variation>
+  <cs:variation>
+    <a:lumMod val="50000"/>
+  </cs:variation>
+  <cs:variation>
+    <a:lumMod val="70000"/>
+    <a:lumOff val="30000"/>
+  </cs:variation>
+  <cs:variation>
+    <a:lumMod val="70000"/>
+  </cs:variation>
+  <cs:variation>
+    <a:lumMod val="50000"/>
+    <a:lumOff val="50000"/>
+  </cs:variation>
+</cs:colorStyle>
+</file>
+
+<file path=ppt/charts/colors7.xml><?xml version="1.0" encoding="utf-8"?>
+<cs:colorStyle xmlns:cs="http://schemas.microsoft.com/office/drawing/2012/chartStyle" xmlns:a="http://schemas.openxmlformats.org/drawingml/2006/main" meth="cycle" id="10">
+  <a:schemeClr val="accent1"/>
+  <a:schemeClr val="accent2"/>
+  <a:schemeClr val="accent3"/>
+  <a:schemeClr val="accent4"/>
+  <a:schemeClr val="accent5"/>
+  <a:schemeClr val="accent6"/>
+  <cs:variation/>
+  <cs:variation>
+    <a:lumMod val="60000"/>
+  </cs:variation>
+  <cs:variation>
+    <a:lumMod val="80000"/>
+    <a:lumOff val="20000"/>
+  </cs:variation>
+  <cs:variation>
+    <a:lumMod val="80000"/>
+  </cs:variation>
+  <cs:variation>
+    <a:lumMod val="60000"/>
+    <a:lumOff val="40000"/>
+  </cs:variation>
+  <cs:variation>
+    <a:lumMod val="50000"/>
+  </cs:variation>
+  <cs:variation>
+    <a:lumMod val="70000"/>
+    <a:lumOff val="30000"/>
+  </cs:variation>
+  <cs:variation>
+    <a:lumMod val="70000"/>
+  </cs:variation>
+  <cs:variation>
+    <a:lumMod val="50000"/>
+    <a:lumOff val="50000"/>
+  </cs:variation>
+</cs:colorStyle>
+</file>
+
+<file path=ppt/charts/colors8.xml><?xml version="1.0" encoding="utf-8"?>
+<cs:colorStyle xmlns:cs="http://schemas.microsoft.com/office/drawing/2012/chartStyle" xmlns:a="http://schemas.openxmlformats.org/drawingml/2006/main" meth="cycle" id="10">
+  <a:schemeClr val="accent1"/>
+  <a:schemeClr val="accent2"/>
+  <a:schemeClr val="accent3"/>
+  <a:schemeClr val="accent4"/>
+  <a:schemeClr val="accent5"/>
+  <a:schemeClr val="accent6"/>
+  <cs:variation/>
+  <cs:variation>
+    <a:lumMod val="60000"/>
+  </cs:variation>
+  <cs:variation>
+    <a:lumMod val="80000"/>
+    <a:lumOff val="20000"/>
+  </cs:variation>
+  <cs:variation>
+    <a:lumMod val="80000"/>
+  </cs:variation>
+  <cs:variation>
+    <a:lumMod val="60000"/>
+    <a:lumOff val="40000"/>
+  </cs:variation>
+  <cs:variation>
+    <a:lumMod val="50000"/>
+  </cs:variation>
+  <cs:variation>
+    <a:lumMod val="70000"/>
+    <a:lumOff val="30000"/>
+  </cs:variation>
+  <cs:variation>
+    <a:lumMod val="70000"/>
+  </cs:variation>
+  <cs:variation>
+    <a:lumMod val="50000"/>
+    <a:lumOff val="50000"/>
+  </cs:variation>
+</cs:colorStyle>
+</file>
+
+<file path=ppt/charts/colors9.xml><?xml version="1.0" encoding="utf-8"?>
 <cs:colorStyle xmlns:cs="http://schemas.microsoft.com/office/drawing/2012/chartStyle" xmlns:a="http://schemas.openxmlformats.org/drawingml/2006/main" meth="acrossLinear" id="2">
   <a:schemeClr val="accent1"/>
   <a:schemeClr val="accent2"/>
@@ -3613,7 +5179,7 @@
 </file>
 
 <file path=ppt/charts/style4.xml><?xml version="1.0" encoding="utf-8"?>
-<cs:chartStyle xmlns:cs="http://schemas.microsoft.com/office/drawing/2012/chartStyle" xmlns:a="http://schemas.openxmlformats.org/drawingml/2006/main" id="251">
+<cs:chartStyle xmlns:cs="http://schemas.microsoft.com/office/drawing/2012/chartStyle" xmlns:a="http://schemas.openxmlformats.org/drawingml/2006/main" id="240">
   <cs:axisTitle>
     <cs:lnRef idx="0"/>
     <cs:fillRef idx="0"/>
@@ -3640,8 +5206,8 @@
       <a:ln w="9525" cap="flat" cmpd="sng" algn="ctr">
         <a:solidFill>
           <a:schemeClr val="tx1">
-            <a:lumMod val="15000"/>
-            <a:lumOff val="85000"/>
+            <a:lumMod val="25000"/>
+            <a:lumOff val="75000"/>
           </a:schemeClr>
         </a:solidFill>
         <a:round/>
@@ -3670,7 +5236,7 @@
         <a:round/>
       </a:ln>
     </cs:spPr>
-    <cs:defRPr sz="900" kern="1200"/>
+    <cs:defRPr sz="1000" kern="1200"/>
   </cs:chartArea>
   <cs:dataLabel>
     <cs:lnRef idx="0"/>
@@ -3721,13 +5287,6 @@
     <cs:fontRef idx="minor">
       <a:schemeClr val="tx1"/>
     </cs:fontRef>
-    <cs:spPr>
-      <a:ln w="19050">
-        <a:solidFill>
-          <a:schemeClr val="lt1"/>
-        </a:solidFill>
-      </a:ln>
-    </cs:spPr>
   </cs:dataPoint>
   <cs:dataPoint3D>
     <cs:lnRef idx="0"/>
@@ -3738,25 +5297,18 @@
     <cs:fontRef idx="minor">
       <a:schemeClr val="tx1"/>
     </cs:fontRef>
-    <cs:spPr>
-      <a:ln w="25400">
-        <a:solidFill>
-          <a:schemeClr val="lt1"/>
-        </a:solidFill>
-      </a:ln>
-    </cs:spPr>
   </cs:dataPoint3D>
   <cs:dataPointLine>
     <cs:lnRef idx="0">
       <cs:styleClr val="auto"/>
     </cs:lnRef>
-    <cs:fillRef idx="0"/>
+    <cs:fillRef idx="1"/>
     <cs:effectRef idx="0"/>
     <cs:fontRef idx="minor">
       <a:schemeClr val="tx1"/>
     </cs:fontRef>
     <cs:spPr>
-      <a:ln w="28575" cap="rnd">
+      <a:ln w="19050" cap="rnd">
         <a:solidFill>
           <a:schemeClr val="phClr"/>
         </a:solidFill>
@@ -3791,7 +5343,7 @@
     <cs:fillRef idx="0"/>
     <cs:effectRef idx="0"/>
     <cs:fontRef idx="minor">
-      <a:schemeClr val="tx1"/>
+      <a:schemeClr val="dk1"/>
     </cs:fontRef>
     <cs:spPr>
       <a:ln w="9525" cap="rnd">
@@ -4112,6 +5664,17 @@
         <a:lumOff val="35000"/>
       </a:schemeClr>
     </cs:fontRef>
+    <cs:spPr>
+      <a:ln w="9525" cap="flat" cmpd="sng" algn="ctr">
+        <a:solidFill>
+          <a:schemeClr val="tx1">
+            <a:lumMod val="25000"/>
+            <a:lumOff val="75000"/>
+          </a:schemeClr>
+        </a:solidFill>
+        <a:round/>
+      </a:ln>
+    </cs:spPr>
     <cs:defRPr sz="900" kern="1200"/>
   </cs:valueAxis>
   <cs:wall>
@@ -4132,6 +5695,2082 @@
 </file>
 
 <file path=ppt/charts/style5.xml><?xml version="1.0" encoding="utf-8"?>
+<cs:chartStyle xmlns:cs="http://schemas.microsoft.com/office/drawing/2012/chartStyle" xmlns:a="http://schemas.openxmlformats.org/drawingml/2006/main" id="251">
+  <cs:axisTitle>
+    <cs:lnRef idx="0"/>
+    <cs:fillRef idx="0"/>
+    <cs:effectRef idx="0"/>
+    <cs:fontRef idx="minor">
+      <a:schemeClr val="tx1">
+        <a:lumMod val="65000"/>
+        <a:lumOff val="35000"/>
+      </a:schemeClr>
+    </cs:fontRef>
+    <cs:defRPr sz="1000" kern="1200"/>
+  </cs:axisTitle>
+  <cs:categoryAxis>
+    <cs:lnRef idx="0"/>
+    <cs:fillRef idx="0"/>
+    <cs:effectRef idx="0"/>
+    <cs:fontRef idx="minor">
+      <a:schemeClr val="tx1">
+        <a:lumMod val="65000"/>
+        <a:lumOff val="35000"/>
+      </a:schemeClr>
+    </cs:fontRef>
+    <cs:spPr>
+      <a:ln w="9525" cap="flat" cmpd="sng" algn="ctr">
+        <a:solidFill>
+          <a:schemeClr val="tx1">
+            <a:lumMod val="15000"/>
+            <a:lumOff val="85000"/>
+          </a:schemeClr>
+        </a:solidFill>
+        <a:round/>
+      </a:ln>
+    </cs:spPr>
+    <cs:defRPr sz="900" kern="1200"/>
+  </cs:categoryAxis>
+  <cs:chartArea mods="allowNoFillOverride allowNoLineOverride">
+    <cs:lnRef idx="0"/>
+    <cs:fillRef idx="0"/>
+    <cs:effectRef idx="0"/>
+    <cs:fontRef idx="minor">
+      <a:schemeClr val="tx1"/>
+    </cs:fontRef>
+    <cs:spPr>
+      <a:solidFill>
+        <a:schemeClr val="bg1"/>
+      </a:solidFill>
+      <a:ln w="9525" cap="flat" cmpd="sng" algn="ctr">
+        <a:solidFill>
+          <a:schemeClr val="tx1">
+            <a:lumMod val="15000"/>
+            <a:lumOff val="85000"/>
+          </a:schemeClr>
+        </a:solidFill>
+        <a:round/>
+      </a:ln>
+    </cs:spPr>
+    <cs:defRPr sz="900" kern="1200"/>
+  </cs:chartArea>
+  <cs:dataLabel>
+    <cs:lnRef idx="0"/>
+    <cs:fillRef idx="0"/>
+    <cs:effectRef idx="0"/>
+    <cs:fontRef idx="minor">
+      <a:schemeClr val="tx1">
+        <a:lumMod val="75000"/>
+        <a:lumOff val="25000"/>
+      </a:schemeClr>
+    </cs:fontRef>
+    <cs:defRPr sz="900" kern="1200"/>
+  </cs:dataLabel>
+  <cs:dataLabelCallout>
+    <cs:lnRef idx="0"/>
+    <cs:fillRef idx="0"/>
+    <cs:effectRef idx="0"/>
+    <cs:fontRef idx="minor">
+      <a:schemeClr val="dk1">
+        <a:lumMod val="65000"/>
+        <a:lumOff val="35000"/>
+      </a:schemeClr>
+    </cs:fontRef>
+    <cs:spPr>
+      <a:solidFill>
+        <a:schemeClr val="lt1"/>
+      </a:solidFill>
+      <a:ln>
+        <a:solidFill>
+          <a:schemeClr val="dk1">
+            <a:lumMod val="25000"/>
+            <a:lumOff val="75000"/>
+          </a:schemeClr>
+        </a:solidFill>
+      </a:ln>
+    </cs:spPr>
+    <cs:defRPr sz="900" kern="1200"/>
+    <cs:bodyPr rot="0" spcFirstLastPara="1" vertOverflow="clip" horzOverflow="clip" vert="horz" wrap="square" lIns="36576" tIns="18288" rIns="36576" bIns="18288" anchor="ctr" anchorCtr="1">
+      <a:spAutoFit/>
+    </cs:bodyPr>
+  </cs:dataLabelCallout>
+  <cs:dataPoint>
+    <cs:lnRef idx="0"/>
+    <cs:fillRef idx="1">
+      <cs:styleClr val="auto"/>
+    </cs:fillRef>
+    <cs:effectRef idx="0"/>
+    <cs:fontRef idx="minor">
+      <a:schemeClr val="tx1"/>
+    </cs:fontRef>
+    <cs:spPr>
+      <a:ln w="19050">
+        <a:solidFill>
+          <a:schemeClr val="lt1"/>
+        </a:solidFill>
+      </a:ln>
+    </cs:spPr>
+  </cs:dataPoint>
+  <cs:dataPoint3D>
+    <cs:lnRef idx="0"/>
+    <cs:fillRef idx="1">
+      <cs:styleClr val="auto"/>
+    </cs:fillRef>
+    <cs:effectRef idx="0"/>
+    <cs:fontRef idx="minor">
+      <a:schemeClr val="tx1"/>
+    </cs:fontRef>
+    <cs:spPr>
+      <a:ln w="25400">
+        <a:solidFill>
+          <a:schemeClr val="lt1"/>
+        </a:solidFill>
+      </a:ln>
+    </cs:spPr>
+  </cs:dataPoint3D>
+  <cs:dataPointLine>
+    <cs:lnRef idx="0">
+      <cs:styleClr val="auto"/>
+    </cs:lnRef>
+    <cs:fillRef idx="0"/>
+    <cs:effectRef idx="0"/>
+    <cs:fontRef idx="minor">
+      <a:schemeClr val="tx1"/>
+    </cs:fontRef>
+    <cs:spPr>
+      <a:ln w="28575" cap="rnd">
+        <a:solidFill>
+          <a:schemeClr val="phClr"/>
+        </a:solidFill>
+        <a:round/>
+      </a:ln>
+    </cs:spPr>
+  </cs:dataPointLine>
+  <cs:dataPointMarker>
+    <cs:lnRef idx="0">
+      <cs:styleClr val="auto"/>
+    </cs:lnRef>
+    <cs:fillRef idx="1">
+      <cs:styleClr val="auto"/>
+    </cs:fillRef>
+    <cs:effectRef idx="0"/>
+    <cs:fontRef idx="minor">
+      <a:schemeClr val="tx1"/>
+    </cs:fontRef>
+    <cs:spPr>
+      <a:ln w="9525">
+        <a:solidFill>
+          <a:schemeClr val="phClr"/>
+        </a:solidFill>
+      </a:ln>
+    </cs:spPr>
+  </cs:dataPointMarker>
+  <cs:dataPointMarkerLayout symbol="circle" size="5"/>
+  <cs:dataPointWireframe>
+    <cs:lnRef idx="0">
+      <cs:styleClr val="auto"/>
+    </cs:lnRef>
+    <cs:fillRef idx="0"/>
+    <cs:effectRef idx="0"/>
+    <cs:fontRef idx="minor">
+      <a:schemeClr val="tx1"/>
+    </cs:fontRef>
+    <cs:spPr>
+      <a:ln w="9525" cap="rnd">
+        <a:solidFill>
+          <a:schemeClr val="phClr"/>
+        </a:solidFill>
+        <a:round/>
+      </a:ln>
+    </cs:spPr>
+  </cs:dataPointWireframe>
+  <cs:dataTable>
+    <cs:lnRef idx="0"/>
+    <cs:fillRef idx="0"/>
+    <cs:effectRef idx="0"/>
+    <cs:fontRef idx="minor">
+      <a:schemeClr val="tx1">
+        <a:lumMod val="65000"/>
+        <a:lumOff val="35000"/>
+      </a:schemeClr>
+    </cs:fontRef>
+    <cs:spPr>
+      <a:noFill/>
+      <a:ln w="9525" cap="flat" cmpd="sng" algn="ctr">
+        <a:solidFill>
+          <a:schemeClr val="tx1">
+            <a:lumMod val="15000"/>
+            <a:lumOff val="85000"/>
+          </a:schemeClr>
+        </a:solidFill>
+        <a:round/>
+      </a:ln>
+    </cs:spPr>
+    <cs:defRPr sz="900" kern="1200"/>
+  </cs:dataTable>
+  <cs:downBar>
+    <cs:lnRef idx="0"/>
+    <cs:fillRef idx="0"/>
+    <cs:effectRef idx="0"/>
+    <cs:fontRef idx="minor">
+      <a:schemeClr val="tx1"/>
+    </cs:fontRef>
+    <cs:spPr>
+      <a:solidFill>
+        <a:schemeClr val="dk1">
+          <a:lumMod val="75000"/>
+          <a:lumOff val="25000"/>
+        </a:schemeClr>
+      </a:solidFill>
+      <a:ln w="9525" cap="flat" cmpd="sng" algn="ctr">
+        <a:solidFill>
+          <a:schemeClr val="tx1">
+            <a:lumMod val="65000"/>
+            <a:lumOff val="35000"/>
+          </a:schemeClr>
+        </a:solidFill>
+        <a:round/>
+      </a:ln>
+    </cs:spPr>
+  </cs:downBar>
+  <cs:dropLine>
+    <cs:lnRef idx="0"/>
+    <cs:fillRef idx="0"/>
+    <cs:effectRef idx="0"/>
+    <cs:fontRef idx="minor">
+      <a:schemeClr val="tx1"/>
+    </cs:fontRef>
+    <cs:spPr>
+      <a:ln w="9525" cap="flat" cmpd="sng" algn="ctr">
+        <a:solidFill>
+          <a:schemeClr val="tx1">
+            <a:lumMod val="35000"/>
+            <a:lumOff val="65000"/>
+          </a:schemeClr>
+        </a:solidFill>
+        <a:round/>
+      </a:ln>
+    </cs:spPr>
+  </cs:dropLine>
+  <cs:errorBar>
+    <cs:lnRef idx="0"/>
+    <cs:fillRef idx="0"/>
+    <cs:effectRef idx="0"/>
+    <cs:fontRef idx="minor">
+      <a:schemeClr val="tx1"/>
+    </cs:fontRef>
+    <cs:spPr>
+      <a:ln w="9525" cap="flat" cmpd="sng" algn="ctr">
+        <a:solidFill>
+          <a:schemeClr val="tx1">
+            <a:lumMod val="65000"/>
+            <a:lumOff val="35000"/>
+          </a:schemeClr>
+        </a:solidFill>
+        <a:round/>
+      </a:ln>
+    </cs:spPr>
+  </cs:errorBar>
+  <cs:floor>
+    <cs:lnRef idx="0"/>
+    <cs:fillRef idx="0"/>
+    <cs:effectRef idx="0"/>
+    <cs:fontRef idx="minor">
+      <a:schemeClr val="tx1"/>
+    </cs:fontRef>
+    <cs:spPr>
+      <a:noFill/>
+      <a:ln>
+        <a:noFill/>
+      </a:ln>
+    </cs:spPr>
+  </cs:floor>
+  <cs:gridlineMajor>
+    <cs:lnRef idx="0"/>
+    <cs:fillRef idx="0"/>
+    <cs:effectRef idx="0"/>
+    <cs:fontRef idx="minor">
+      <a:schemeClr val="tx1"/>
+    </cs:fontRef>
+    <cs:spPr>
+      <a:ln w="9525" cap="flat" cmpd="sng" algn="ctr">
+        <a:solidFill>
+          <a:schemeClr val="tx1">
+            <a:lumMod val="15000"/>
+            <a:lumOff val="85000"/>
+          </a:schemeClr>
+        </a:solidFill>
+        <a:round/>
+      </a:ln>
+    </cs:spPr>
+  </cs:gridlineMajor>
+  <cs:gridlineMinor>
+    <cs:lnRef idx="0"/>
+    <cs:fillRef idx="0"/>
+    <cs:effectRef idx="0"/>
+    <cs:fontRef idx="minor">
+      <a:schemeClr val="tx1"/>
+    </cs:fontRef>
+    <cs:spPr>
+      <a:ln w="9525" cap="flat" cmpd="sng" algn="ctr">
+        <a:solidFill>
+          <a:schemeClr val="tx1">
+            <a:lumMod val="5000"/>
+            <a:lumOff val="95000"/>
+          </a:schemeClr>
+        </a:solidFill>
+        <a:round/>
+      </a:ln>
+    </cs:spPr>
+  </cs:gridlineMinor>
+  <cs:hiLoLine>
+    <cs:lnRef idx="0"/>
+    <cs:fillRef idx="0"/>
+    <cs:effectRef idx="0"/>
+    <cs:fontRef idx="minor">
+      <a:schemeClr val="tx1"/>
+    </cs:fontRef>
+    <cs:spPr>
+      <a:ln w="9525" cap="flat" cmpd="sng" algn="ctr">
+        <a:solidFill>
+          <a:schemeClr val="tx1">
+            <a:lumMod val="50000"/>
+            <a:lumOff val="50000"/>
+          </a:schemeClr>
+        </a:solidFill>
+        <a:round/>
+      </a:ln>
+    </cs:spPr>
+  </cs:hiLoLine>
+  <cs:leaderLine>
+    <cs:lnRef idx="0"/>
+    <cs:fillRef idx="0"/>
+    <cs:effectRef idx="0"/>
+    <cs:fontRef idx="minor">
+      <a:schemeClr val="tx1"/>
+    </cs:fontRef>
+    <cs:spPr>
+      <a:ln w="9525" cap="flat" cmpd="sng" algn="ctr">
+        <a:solidFill>
+          <a:schemeClr val="tx1">
+            <a:lumMod val="35000"/>
+            <a:lumOff val="65000"/>
+          </a:schemeClr>
+        </a:solidFill>
+        <a:round/>
+      </a:ln>
+    </cs:spPr>
+  </cs:leaderLine>
+  <cs:legend>
+    <cs:lnRef idx="0"/>
+    <cs:fillRef idx="0"/>
+    <cs:effectRef idx="0"/>
+    <cs:fontRef idx="minor">
+      <a:schemeClr val="tx1">
+        <a:lumMod val="65000"/>
+        <a:lumOff val="35000"/>
+      </a:schemeClr>
+    </cs:fontRef>
+    <cs:defRPr sz="900" kern="1200"/>
+  </cs:legend>
+  <cs:plotArea mods="allowNoFillOverride allowNoLineOverride">
+    <cs:lnRef idx="0"/>
+    <cs:fillRef idx="0"/>
+    <cs:effectRef idx="0"/>
+    <cs:fontRef idx="minor">
+      <a:schemeClr val="tx1"/>
+    </cs:fontRef>
+  </cs:plotArea>
+  <cs:plotArea3D mods="allowNoFillOverride allowNoLineOverride">
+    <cs:lnRef idx="0"/>
+    <cs:fillRef idx="0"/>
+    <cs:effectRef idx="0"/>
+    <cs:fontRef idx="minor">
+      <a:schemeClr val="tx1"/>
+    </cs:fontRef>
+  </cs:plotArea3D>
+  <cs:seriesAxis>
+    <cs:lnRef idx="0"/>
+    <cs:fillRef idx="0"/>
+    <cs:effectRef idx="0"/>
+    <cs:fontRef idx="minor">
+      <a:schemeClr val="tx1">
+        <a:lumMod val="65000"/>
+        <a:lumOff val="35000"/>
+      </a:schemeClr>
+    </cs:fontRef>
+    <cs:defRPr sz="900" kern="1200"/>
+  </cs:seriesAxis>
+  <cs:seriesLine>
+    <cs:lnRef idx="0"/>
+    <cs:fillRef idx="0"/>
+    <cs:effectRef idx="0"/>
+    <cs:fontRef idx="minor">
+      <a:schemeClr val="tx1"/>
+    </cs:fontRef>
+    <cs:spPr>
+      <a:ln w="9525" cap="flat" cmpd="sng" algn="ctr">
+        <a:solidFill>
+          <a:schemeClr val="tx1">
+            <a:lumMod val="35000"/>
+            <a:lumOff val="65000"/>
+          </a:schemeClr>
+        </a:solidFill>
+        <a:round/>
+      </a:ln>
+    </cs:spPr>
+  </cs:seriesLine>
+  <cs:title>
+    <cs:lnRef idx="0"/>
+    <cs:fillRef idx="0"/>
+    <cs:effectRef idx="0"/>
+    <cs:fontRef idx="minor">
+      <a:schemeClr val="tx1">
+        <a:lumMod val="65000"/>
+        <a:lumOff val="35000"/>
+      </a:schemeClr>
+    </cs:fontRef>
+    <cs:defRPr sz="1400" b="0" kern="1200" spc="0" baseline="0"/>
+  </cs:title>
+  <cs:trendline>
+    <cs:lnRef idx="0">
+      <cs:styleClr val="auto"/>
+    </cs:lnRef>
+    <cs:fillRef idx="0"/>
+    <cs:effectRef idx="0"/>
+    <cs:fontRef idx="minor">
+      <a:schemeClr val="tx1"/>
+    </cs:fontRef>
+    <cs:spPr>
+      <a:ln w="19050" cap="rnd">
+        <a:solidFill>
+          <a:schemeClr val="phClr"/>
+        </a:solidFill>
+        <a:prstDash val="sysDot"/>
+      </a:ln>
+    </cs:spPr>
+  </cs:trendline>
+  <cs:trendlineLabel>
+    <cs:lnRef idx="0"/>
+    <cs:fillRef idx="0"/>
+    <cs:effectRef idx="0"/>
+    <cs:fontRef idx="minor">
+      <a:schemeClr val="tx1">
+        <a:lumMod val="65000"/>
+        <a:lumOff val="35000"/>
+      </a:schemeClr>
+    </cs:fontRef>
+    <cs:defRPr sz="900" kern="1200"/>
+  </cs:trendlineLabel>
+  <cs:upBar>
+    <cs:lnRef idx="0"/>
+    <cs:fillRef idx="0"/>
+    <cs:effectRef idx="0"/>
+    <cs:fontRef idx="minor">
+      <a:schemeClr val="tx1"/>
+    </cs:fontRef>
+    <cs:spPr>
+      <a:solidFill>
+        <a:schemeClr val="lt1"/>
+      </a:solidFill>
+      <a:ln w="9525" cap="flat" cmpd="sng" algn="ctr">
+        <a:solidFill>
+          <a:schemeClr val="tx1">
+            <a:lumMod val="65000"/>
+            <a:lumOff val="35000"/>
+          </a:schemeClr>
+        </a:solidFill>
+        <a:round/>
+      </a:ln>
+    </cs:spPr>
+  </cs:upBar>
+  <cs:valueAxis>
+    <cs:lnRef idx="0"/>
+    <cs:fillRef idx="0"/>
+    <cs:effectRef idx="0"/>
+    <cs:fontRef idx="minor">
+      <a:schemeClr val="tx1">
+        <a:lumMod val="65000"/>
+        <a:lumOff val="35000"/>
+      </a:schemeClr>
+    </cs:fontRef>
+    <cs:defRPr sz="900" kern="1200"/>
+  </cs:valueAxis>
+  <cs:wall>
+    <cs:lnRef idx="0"/>
+    <cs:fillRef idx="0"/>
+    <cs:effectRef idx="0"/>
+    <cs:fontRef idx="minor">
+      <a:schemeClr val="tx1"/>
+    </cs:fontRef>
+    <cs:spPr>
+      <a:noFill/>
+      <a:ln>
+        <a:noFill/>
+      </a:ln>
+    </cs:spPr>
+  </cs:wall>
+</cs:chartStyle>
+</file>
+
+<file path=ppt/charts/style6.xml><?xml version="1.0" encoding="utf-8"?>
+<cs:chartStyle xmlns:cs="http://schemas.microsoft.com/office/drawing/2012/chartStyle" xmlns:a="http://schemas.openxmlformats.org/drawingml/2006/main" id="251">
+  <cs:axisTitle>
+    <cs:lnRef idx="0"/>
+    <cs:fillRef idx="0"/>
+    <cs:effectRef idx="0"/>
+    <cs:fontRef idx="minor">
+      <a:schemeClr val="tx1">
+        <a:lumMod val="65000"/>
+        <a:lumOff val="35000"/>
+      </a:schemeClr>
+    </cs:fontRef>
+    <cs:defRPr sz="1000" kern="1200"/>
+  </cs:axisTitle>
+  <cs:categoryAxis>
+    <cs:lnRef idx="0"/>
+    <cs:fillRef idx="0"/>
+    <cs:effectRef idx="0"/>
+    <cs:fontRef idx="minor">
+      <a:schemeClr val="tx1">
+        <a:lumMod val="65000"/>
+        <a:lumOff val="35000"/>
+      </a:schemeClr>
+    </cs:fontRef>
+    <cs:spPr>
+      <a:ln w="9525" cap="flat" cmpd="sng" algn="ctr">
+        <a:solidFill>
+          <a:schemeClr val="tx1">
+            <a:lumMod val="15000"/>
+            <a:lumOff val="85000"/>
+          </a:schemeClr>
+        </a:solidFill>
+        <a:round/>
+      </a:ln>
+    </cs:spPr>
+    <cs:defRPr sz="900" kern="1200"/>
+  </cs:categoryAxis>
+  <cs:chartArea mods="allowNoFillOverride allowNoLineOverride">
+    <cs:lnRef idx="0"/>
+    <cs:fillRef idx="0"/>
+    <cs:effectRef idx="0"/>
+    <cs:fontRef idx="minor">
+      <a:schemeClr val="tx1"/>
+    </cs:fontRef>
+    <cs:spPr>
+      <a:solidFill>
+        <a:schemeClr val="bg1"/>
+      </a:solidFill>
+      <a:ln w="9525" cap="flat" cmpd="sng" algn="ctr">
+        <a:solidFill>
+          <a:schemeClr val="tx1">
+            <a:lumMod val="15000"/>
+            <a:lumOff val="85000"/>
+          </a:schemeClr>
+        </a:solidFill>
+        <a:round/>
+      </a:ln>
+    </cs:spPr>
+    <cs:defRPr sz="900" kern="1200"/>
+  </cs:chartArea>
+  <cs:dataLabel>
+    <cs:lnRef idx="0"/>
+    <cs:fillRef idx="0"/>
+    <cs:effectRef idx="0"/>
+    <cs:fontRef idx="minor">
+      <a:schemeClr val="tx1">
+        <a:lumMod val="75000"/>
+        <a:lumOff val="25000"/>
+      </a:schemeClr>
+    </cs:fontRef>
+    <cs:defRPr sz="900" kern="1200"/>
+  </cs:dataLabel>
+  <cs:dataLabelCallout>
+    <cs:lnRef idx="0"/>
+    <cs:fillRef idx="0"/>
+    <cs:effectRef idx="0"/>
+    <cs:fontRef idx="minor">
+      <a:schemeClr val="dk1">
+        <a:lumMod val="65000"/>
+        <a:lumOff val="35000"/>
+      </a:schemeClr>
+    </cs:fontRef>
+    <cs:spPr>
+      <a:solidFill>
+        <a:schemeClr val="lt1"/>
+      </a:solidFill>
+      <a:ln>
+        <a:solidFill>
+          <a:schemeClr val="dk1">
+            <a:lumMod val="25000"/>
+            <a:lumOff val="75000"/>
+          </a:schemeClr>
+        </a:solidFill>
+      </a:ln>
+    </cs:spPr>
+    <cs:defRPr sz="900" kern="1200"/>
+    <cs:bodyPr rot="0" spcFirstLastPara="1" vertOverflow="clip" horzOverflow="clip" vert="horz" wrap="square" lIns="36576" tIns="18288" rIns="36576" bIns="18288" anchor="ctr" anchorCtr="1">
+      <a:spAutoFit/>
+    </cs:bodyPr>
+  </cs:dataLabelCallout>
+  <cs:dataPoint>
+    <cs:lnRef idx="0"/>
+    <cs:fillRef idx="1">
+      <cs:styleClr val="auto"/>
+    </cs:fillRef>
+    <cs:effectRef idx="0"/>
+    <cs:fontRef idx="minor">
+      <a:schemeClr val="tx1"/>
+    </cs:fontRef>
+    <cs:spPr>
+      <a:ln w="19050">
+        <a:solidFill>
+          <a:schemeClr val="lt1"/>
+        </a:solidFill>
+      </a:ln>
+    </cs:spPr>
+  </cs:dataPoint>
+  <cs:dataPoint3D>
+    <cs:lnRef idx="0"/>
+    <cs:fillRef idx="1">
+      <cs:styleClr val="auto"/>
+    </cs:fillRef>
+    <cs:effectRef idx="0"/>
+    <cs:fontRef idx="minor">
+      <a:schemeClr val="tx1"/>
+    </cs:fontRef>
+    <cs:spPr>
+      <a:ln w="25400">
+        <a:solidFill>
+          <a:schemeClr val="lt1"/>
+        </a:solidFill>
+      </a:ln>
+    </cs:spPr>
+  </cs:dataPoint3D>
+  <cs:dataPointLine>
+    <cs:lnRef idx="0">
+      <cs:styleClr val="auto"/>
+    </cs:lnRef>
+    <cs:fillRef idx="0"/>
+    <cs:effectRef idx="0"/>
+    <cs:fontRef idx="minor">
+      <a:schemeClr val="tx1"/>
+    </cs:fontRef>
+    <cs:spPr>
+      <a:ln w="28575" cap="rnd">
+        <a:solidFill>
+          <a:schemeClr val="phClr"/>
+        </a:solidFill>
+        <a:round/>
+      </a:ln>
+    </cs:spPr>
+  </cs:dataPointLine>
+  <cs:dataPointMarker>
+    <cs:lnRef idx="0">
+      <cs:styleClr val="auto"/>
+    </cs:lnRef>
+    <cs:fillRef idx="1">
+      <cs:styleClr val="auto"/>
+    </cs:fillRef>
+    <cs:effectRef idx="0"/>
+    <cs:fontRef idx="minor">
+      <a:schemeClr val="tx1"/>
+    </cs:fontRef>
+    <cs:spPr>
+      <a:ln w="9525">
+        <a:solidFill>
+          <a:schemeClr val="phClr"/>
+        </a:solidFill>
+      </a:ln>
+    </cs:spPr>
+  </cs:dataPointMarker>
+  <cs:dataPointMarkerLayout symbol="circle" size="5"/>
+  <cs:dataPointWireframe>
+    <cs:lnRef idx="0">
+      <cs:styleClr val="auto"/>
+    </cs:lnRef>
+    <cs:fillRef idx="0"/>
+    <cs:effectRef idx="0"/>
+    <cs:fontRef idx="minor">
+      <a:schemeClr val="tx1"/>
+    </cs:fontRef>
+    <cs:spPr>
+      <a:ln w="9525" cap="rnd">
+        <a:solidFill>
+          <a:schemeClr val="phClr"/>
+        </a:solidFill>
+        <a:round/>
+      </a:ln>
+    </cs:spPr>
+  </cs:dataPointWireframe>
+  <cs:dataTable>
+    <cs:lnRef idx="0"/>
+    <cs:fillRef idx="0"/>
+    <cs:effectRef idx="0"/>
+    <cs:fontRef idx="minor">
+      <a:schemeClr val="tx1">
+        <a:lumMod val="65000"/>
+        <a:lumOff val="35000"/>
+      </a:schemeClr>
+    </cs:fontRef>
+    <cs:spPr>
+      <a:noFill/>
+      <a:ln w="9525" cap="flat" cmpd="sng" algn="ctr">
+        <a:solidFill>
+          <a:schemeClr val="tx1">
+            <a:lumMod val="15000"/>
+            <a:lumOff val="85000"/>
+          </a:schemeClr>
+        </a:solidFill>
+        <a:round/>
+      </a:ln>
+    </cs:spPr>
+    <cs:defRPr sz="900" kern="1200"/>
+  </cs:dataTable>
+  <cs:downBar>
+    <cs:lnRef idx="0"/>
+    <cs:fillRef idx="0"/>
+    <cs:effectRef idx="0"/>
+    <cs:fontRef idx="minor">
+      <a:schemeClr val="tx1"/>
+    </cs:fontRef>
+    <cs:spPr>
+      <a:solidFill>
+        <a:schemeClr val="dk1">
+          <a:lumMod val="75000"/>
+          <a:lumOff val="25000"/>
+        </a:schemeClr>
+      </a:solidFill>
+      <a:ln w="9525" cap="flat" cmpd="sng" algn="ctr">
+        <a:solidFill>
+          <a:schemeClr val="tx1">
+            <a:lumMod val="65000"/>
+            <a:lumOff val="35000"/>
+          </a:schemeClr>
+        </a:solidFill>
+        <a:round/>
+      </a:ln>
+    </cs:spPr>
+  </cs:downBar>
+  <cs:dropLine>
+    <cs:lnRef idx="0"/>
+    <cs:fillRef idx="0"/>
+    <cs:effectRef idx="0"/>
+    <cs:fontRef idx="minor">
+      <a:schemeClr val="tx1"/>
+    </cs:fontRef>
+    <cs:spPr>
+      <a:ln w="9525" cap="flat" cmpd="sng" algn="ctr">
+        <a:solidFill>
+          <a:schemeClr val="tx1">
+            <a:lumMod val="35000"/>
+            <a:lumOff val="65000"/>
+          </a:schemeClr>
+        </a:solidFill>
+        <a:round/>
+      </a:ln>
+    </cs:spPr>
+  </cs:dropLine>
+  <cs:errorBar>
+    <cs:lnRef idx="0"/>
+    <cs:fillRef idx="0"/>
+    <cs:effectRef idx="0"/>
+    <cs:fontRef idx="minor">
+      <a:schemeClr val="tx1"/>
+    </cs:fontRef>
+    <cs:spPr>
+      <a:ln w="9525" cap="flat" cmpd="sng" algn="ctr">
+        <a:solidFill>
+          <a:schemeClr val="tx1">
+            <a:lumMod val="65000"/>
+            <a:lumOff val="35000"/>
+          </a:schemeClr>
+        </a:solidFill>
+        <a:round/>
+      </a:ln>
+    </cs:spPr>
+  </cs:errorBar>
+  <cs:floor>
+    <cs:lnRef idx="0"/>
+    <cs:fillRef idx="0"/>
+    <cs:effectRef idx="0"/>
+    <cs:fontRef idx="minor">
+      <a:schemeClr val="tx1"/>
+    </cs:fontRef>
+    <cs:spPr>
+      <a:noFill/>
+      <a:ln>
+        <a:noFill/>
+      </a:ln>
+    </cs:spPr>
+  </cs:floor>
+  <cs:gridlineMajor>
+    <cs:lnRef idx="0"/>
+    <cs:fillRef idx="0"/>
+    <cs:effectRef idx="0"/>
+    <cs:fontRef idx="minor">
+      <a:schemeClr val="tx1"/>
+    </cs:fontRef>
+    <cs:spPr>
+      <a:ln w="9525" cap="flat" cmpd="sng" algn="ctr">
+        <a:solidFill>
+          <a:schemeClr val="tx1">
+            <a:lumMod val="15000"/>
+            <a:lumOff val="85000"/>
+          </a:schemeClr>
+        </a:solidFill>
+        <a:round/>
+      </a:ln>
+    </cs:spPr>
+  </cs:gridlineMajor>
+  <cs:gridlineMinor>
+    <cs:lnRef idx="0"/>
+    <cs:fillRef idx="0"/>
+    <cs:effectRef idx="0"/>
+    <cs:fontRef idx="minor">
+      <a:schemeClr val="tx1"/>
+    </cs:fontRef>
+    <cs:spPr>
+      <a:ln w="9525" cap="flat" cmpd="sng" algn="ctr">
+        <a:solidFill>
+          <a:schemeClr val="tx1">
+            <a:lumMod val="5000"/>
+            <a:lumOff val="95000"/>
+          </a:schemeClr>
+        </a:solidFill>
+        <a:round/>
+      </a:ln>
+    </cs:spPr>
+  </cs:gridlineMinor>
+  <cs:hiLoLine>
+    <cs:lnRef idx="0"/>
+    <cs:fillRef idx="0"/>
+    <cs:effectRef idx="0"/>
+    <cs:fontRef idx="minor">
+      <a:schemeClr val="tx1"/>
+    </cs:fontRef>
+    <cs:spPr>
+      <a:ln w="9525" cap="flat" cmpd="sng" algn="ctr">
+        <a:solidFill>
+          <a:schemeClr val="tx1">
+            <a:lumMod val="50000"/>
+            <a:lumOff val="50000"/>
+          </a:schemeClr>
+        </a:solidFill>
+        <a:round/>
+      </a:ln>
+    </cs:spPr>
+  </cs:hiLoLine>
+  <cs:leaderLine>
+    <cs:lnRef idx="0"/>
+    <cs:fillRef idx="0"/>
+    <cs:effectRef idx="0"/>
+    <cs:fontRef idx="minor">
+      <a:schemeClr val="tx1"/>
+    </cs:fontRef>
+    <cs:spPr>
+      <a:ln w="9525" cap="flat" cmpd="sng" algn="ctr">
+        <a:solidFill>
+          <a:schemeClr val="tx1">
+            <a:lumMod val="35000"/>
+            <a:lumOff val="65000"/>
+          </a:schemeClr>
+        </a:solidFill>
+        <a:round/>
+      </a:ln>
+    </cs:spPr>
+  </cs:leaderLine>
+  <cs:legend>
+    <cs:lnRef idx="0"/>
+    <cs:fillRef idx="0"/>
+    <cs:effectRef idx="0"/>
+    <cs:fontRef idx="minor">
+      <a:schemeClr val="tx1">
+        <a:lumMod val="65000"/>
+        <a:lumOff val="35000"/>
+      </a:schemeClr>
+    </cs:fontRef>
+    <cs:defRPr sz="900" kern="1200"/>
+  </cs:legend>
+  <cs:plotArea mods="allowNoFillOverride allowNoLineOverride">
+    <cs:lnRef idx="0"/>
+    <cs:fillRef idx="0"/>
+    <cs:effectRef idx="0"/>
+    <cs:fontRef idx="minor">
+      <a:schemeClr val="tx1"/>
+    </cs:fontRef>
+  </cs:plotArea>
+  <cs:plotArea3D mods="allowNoFillOverride allowNoLineOverride">
+    <cs:lnRef idx="0"/>
+    <cs:fillRef idx="0"/>
+    <cs:effectRef idx="0"/>
+    <cs:fontRef idx="minor">
+      <a:schemeClr val="tx1"/>
+    </cs:fontRef>
+  </cs:plotArea3D>
+  <cs:seriesAxis>
+    <cs:lnRef idx="0"/>
+    <cs:fillRef idx="0"/>
+    <cs:effectRef idx="0"/>
+    <cs:fontRef idx="minor">
+      <a:schemeClr val="tx1">
+        <a:lumMod val="65000"/>
+        <a:lumOff val="35000"/>
+      </a:schemeClr>
+    </cs:fontRef>
+    <cs:defRPr sz="900" kern="1200"/>
+  </cs:seriesAxis>
+  <cs:seriesLine>
+    <cs:lnRef idx="0"/>
+    <cs:fillRef idx="0"/>
+    <cs:effectRef idx="0"/>
+    <cs:fontRef idx="minor">
+      <a:schemeClr val="tx1"/>
+    </cs:fontRef>
+    <cs:spPr>
+      <a:ln w="9525" cap="flat" cmpd="sng" algn="ctr">
+        <a:solidFill>
+          <a:schemeClr val="tx1">
+            <a:lumMod val="35000"/>
+            <a:lumOff val="65000"/>
+          </a:schemeClr>
+        </a:solidFill>
+        <a:round/>
+      </a:ln>
+    </cs:spPr>
+  </cs:seriesLine>
+  <cs:title>
+    <cs:lnRef idx="0"/>
+    <cs:fillRef idx="0"/>
+    <cs:effectRef idx="0"/>
+    <cs:fontRef idx="minor">
+      <a:schemeClr val="tx1">
+        <a:lumMod val="65000"/>
+        <a:lumOff val="35000"/>
+      </a:schemeClr>
+    </cs:fontRef>
+    <cs:defRPr sz="1400" b="0" kern="1200" spc="0" baseline="0"/>
+  </cs:title>
+  <cs:trendline>
+    <cs:lnRef idx="0">
+      <cs:styleClr val="auto"/>
+    </cs:lnRef>
+    <cs:fillRef idx="0"/>
+    <cs:effectRef idx="0"/>
+    <cs:fontRef idx="minor">
+      <a:schemeClr val="tx1"/>
+    </cs:fontRef>
+    <cs:spPr>
+      <a:ln w="19050" cap="rnd">
+        <a:solidFill>
+          <a:schemeClr val="phClr"/>
+        </a:solidFill>
+        <a:prstDash val="sysDot"/>
+      </a:ln>
+    </cs:spPr>
+  </cs:trendline>
+  <cs:trendlineLabel>
+    <cs:lnRef idx="0"/>
+    <cs:fillRef idx="0"/>
+    <cs:effectRef idx="0"/>
+    <cs:fontRef idx="minor">
+      <a:schemeClr val="tx1">
+        <a:lumMod val="65000"/>
+        <a:lumOff val="35000"/>
+      </a:schemeClr>
+    </cs:fontRef>
+    <cs:defRPr sz="900" kern="1200"/>
+  </cs:trendlineLabel>
+  <cs:upBar>
+    <cs:lnRef idx="0"/>
+    <cs:fillRef idx="0"/>
+    <cs:effectRef idx="0"/>
+    <cs:fontRef idx="minor">
+      <a:schemeClr val="tx1"/>
+    </cs:fontRef>
+    <cs:spPr>
+      <a:solidFill>
+        <a:schemeClr val="lt1"/>
+      </a:solidFill>
+      <a:ln w="9525" cap="flat" cmpd="sng" algn="ctr">
+        <a:solidFill>
+          <a:schemeClr val="tx1">
+            <a:lumMod val="65000"/>
+            <a:lumOff val="35000"/>
+          </a:schemeClr>
+        </a:solidFill>
+        <a:round/>
+      </a:ln>
+    </cs:spPr>
+  </cs:upBar>
+  <cs:valueAxis>
+    <cs:lnRef idx="0"/>
+    <cs:fillRef idx="0"/>
+    <cs:effectRef idx="0"/>
+    <cs:fontRef idx="minor">
+      <a:schemeClr val="tx1">
+        <a:lumMod val="65000"/>
+        <a:lumOff val="35000"/>
+      </a:schemeClr>
+    </cs:fontRef>
+    <cs:defRPr sz="900" kern="1200"/>
+  </cs:valueAxis>
+  <cs:wall>
+    <cs:lnRef idx="0"/>
+    <cs:fillRef idx="0"/>
+    <cs:effectRef idx="0"/>
+    <cs:fontRef idx="minor">
+      <a:schemeClr val="tx1"/>
+    </cs:fontRef>
+    <cs:spPr>
+      <a:noFill/>
+      <a:ln>
+        <a:noFill/>
+      </a:ln>
+    </cs:spPr>
+  </cs:wall>
+</cs:chartStyle>
+</file>
+
+<file path=ppt/charts/style7.xml><?xml version="1.0" encoding="utf-8"?>
+<cs:chartStyle xmlns:cs="http://schemas.microsoft.com/office/drawing/2012/chartStyle" xmlns:a="http://schemas.openxmlformats.org/drawingml/2006/main" id="251">
+  <cs:axisTitle>
+    <cs:lnRef idx="0"/>
+    <cs:fillRef idx="0"/>
+    <cs:effectRef idx="0"/>
+    <cs:fontRef idx="minor">
+      <a:schemeClr val="tx1">
+        <a:lumMod val="65000"/>
+        <a:lumOff val="35000"/>
+      </a:schemeClr>
+    </cs:fontRef>
+    <cs:defRPr sz="1000" kern="1200"/>
+  </cs:axisTitle>
+  <cs:categoryAxis>
+    <cs:lnRef idx="0"/>
+    <cs:fillRef idx="0"/>
+    <cs:effectRef idx="0"/>
+    <cs:fontRef idx="minor">
+      <a:schemeClr val="tx1">
+        <a:lumMod val="65000"/>
+        <a:lumOff val="35000"/>
+      </a:schemeClr>
+    </cs:fontRef>
+    <cs:spPr>
+      <a:ln w="9525" cap="flat" cmpd="sng" algn="ctr">
+        <a:solidFill>
+          <a:schemeClr val="tx1">
+            <a:lumMod val="15000"/>
+            <a:lumOff val="85000"/>
+          </a:schemeClr>
+        </a:solidFill>
+        <a:round/>
+      </a:ln>
+    </cs:spPr>
+    <cs:defRPr sz="900" kern="1200"/>
+  </cs:categoryAxis>
+  <cs:chartArea mods="allowNoFillOverride allowNoLineOverride">
+    <cs:lnRef idx="0"/>
+    <cs:fillRef idx="0"/>
+    <cs:effectRef idx="0"/>
+    <cs:fontRef idx="minor">
+      <a:schemeClr val="tx1"/>
+    </cs:fontRef>
+    <cs:spPr>
+      <a:solidFill>
+        <a:schemeClr val="bg1"/>
+      </a:solidFill>
+      <a:ln w="9525" cap="flat" cmpd="sng" algn="ctr">
+        <a:solidFill>
+          <a:schemeClr val="tx1">
+            <a:lumMod val="15000"/>
+            <a:lumOff val="85000"/>
+          </a:schemeClr>
+        </a:solidFill>
+        <a:round/>
+      </a:ln>
+    </cs:spPr>
+    <cs:defRPr sz="900" kern="1200"/>
+  </cs:chartArea>
+  <cs:dataLabel>
+    <cs:lnRef idx="0"/>
+    <cs:fillRef idx="0"/>
+    <cs:effectRef idx="0"/>
+    <cs:fontRef idx="minor">
+      <a:schemeClr val="tx1">
+        <a:lumMod val="75000"/>
+        <a:lumOff val="25000"/>
+      </a:schemeClr>
+    </cs:fontRef>
+    <cs:defRPr sz="900" kern="1200"/>
+  </cs:dataLabel>
+  <cs:dataLabelCallout>
+    <cs:lnRef idx="0"/>
+    <cs:fillRef idx="0"/>
+    <cs:effectRef idx="0"/>
+    <cs:fontRef idx="minor">
+      <a:schemeClr val="dk1">
+        <a:lumMod val="65000"/>
+        <a:lumOff val="35000"/>
+      </a:schemeClr>
+    </cs:fontRef>
+    <cs:spPr>
+      <a:solidFill>
+        <a:schemeClr val="lt1"/>
+      </a:solidFill>
+      <a:ln>
+        <a:solidFill>
+          <a:schemeClr val="dk1">
+            <a:lumMod val="25000"/>
+            <a:lumOff val="75000"/>
+          </a:schemeClr>
+        </a:solidFill>
+      </a:ln>
+    </cs:spPr>
+    <cs:defRPr sz="900" kern="1200"/>
+    <cs:bodyPr rot="0" spcFirstLastPara="1" vertOverflow="clip" horzOverflow="clip" vert="horz" wrap="square" lIns="36576" tIns="18288" rIns="36576" bIns="18288" anchor="ctr" anchorCtr="1">
+      <a:spAutoFit/>
+    </cs:bodyPr>
+  </cs:dataLabelCallout>
+  <cs:dataPoint>
+    <cs:lnRef idx="0"/>
+    <cs:fillRef idx="1">
+      <cs:styleClr val="auto"/>
+    </cs:fillRef>
+    <cs:effectRef idx="0"/>
+    <cs:fontRef idx="minor">
+      <a:schemeClr val="tx1"/>
+    </cs:fontRef>
+    <cs:spPr>
+      <a:ln w="19050">
+        <a:solidFill>
+          <a:schemeClr val="lt1"/>
+        </a:solidFill>
+      </a:ln>
+    </cs:spPr>
+  </cs:dataPoint>
+  <cs:dataPoint3D>
+    <cs:lnRef idx="0"/>
+    <cs:fillRef idx="1">
+      <cs:styleClr val="auto"/>
+    </cs:fillRef>
+    <cs:effectRef idx="0"/>
+    <cs:fontRef idx="minor">
+      <a:schemeClr val="tx1"/>
+    </cs:fontRef>
+    <cs:spPr>
+      <a:ln w="25400">
+        <a:solidFill>
+          <a:schemeClr val="lt1"/>
+        </a:solidFill>
+      </a:ln>
+    </cs:spPr>
+  </cs:dataPoint3D>
+  <cs:dataPointLine>
+    <cs:lnRef idx="0">
+      <cs:styleClr val="auto"/>
+    </cs:lnRef>
+    <cs:fillRef idx="0"/>
+    <cs:effectRef idx="0"/>
+    <cs:fontRef idx="minor">
+      <a:schemeClr val="tx1"/>
+    </cs:fontRef>
+    <cs:spPr>
+      <a:ln w="28575" cap="rnd">
+        <a:solidFill>
+          <a:schemeClr val="phClr"/>
+        </a:solidFill>
+        <a:round/>
+      </a:ln>
+    </cs:spPr>
+  </cs:dataPointLine>
+  <cs:dataPointMarker>
+    <cs:lnRef idx="0">
+      <cs:styleClr val="auto"/>
+    </cs:lnRef>
+    <cs:fillRef idx="1">
+      <cs:styleClr val="auto"/>
+    </cs:fillRef>
+    <cs:effectRef idx="0"/>
+    <cs:fontRef idx="minor">
+      <a:schemeClr val="tx1"/>
+    </cs:fontRef>
+    <cs:spPr>
+      <a:ln w="9525">
+        <a:solidFill>
+          <a:schemeClr val="phClr"/>
+        </a:solidFill>
+      </a:ln>
+    </cs:spPr>
+  </cs:dataPointMarker>
+  <cs:dataPointMarkerLayout symbol="circle" size="5"/>
+  <cs:dataPointWireframe>
+    <cs:lnRef idx="0">
+      <cs:styleClr val="auto"/>
+    </cs:lnRef>
+    <cs:fillRef idx="0"/>
+    <cs:effectRef idx="0"/>
+    <cs:fontRef idx="minor">
+      <a:schemeClr val="tx1"/>
+    </cs:fontRef>
+    <cs:spPr>
+      <a:ln w="9525" cap="rnd">
+        <a:solidFill>
+          <a:schemeClr val="phClr"/>
+        </a:solidFill>
+        <a:round/>
+      </a:ln>
+    </cs:spPr>
+  </cs:dataPointWireframe>
+  <cs:dataTable>
+    <cs:lnRef idx="0"/>
+    <cs:fillRef idx="0"/>
+    <cs:effectRef idx="0"/>
+    <cs:fontRef idx="minor">
+      <a:schemeClr val="tx1">
+        <a:lumMod val="65000"/>
+        <a:lumOff val="35000"/>
+      </a:schemeClr>
+    </cs:fontRef>
+    <cs:spPr>
+      <a:noFill/>
+      <a:ln w="9525" cap="flat" cmpd="sng" algn="ctr">
+        <a:solidFill>
+          <a:schemeClr val="tx1">
+            <a:lumMod val="15000"/>
+            <a:lumOff val="85000"/>
+          </a:schemeClr>
+        </a:solidFill>
+        <a:round/>
+      </a:ln>
+    </cs:spPr>
+    <cs:defRPr sz="900" kern="1200"/>
+  </cs:dataTable>
+  <cs:downBar>
+    <cs:lnRef idx="0"/>
+    <cs:fillRef idx="0"/>
+    <cs:effectRef idx="0"/>
+    <cs:fontRef idx="minor">
+      <a:schemeClr val="tx1"/>
+    </cs:fontRef>
+    <cs:spPr>
+      <a:solidFill>
+        <a:schemeClr val="dk1">
+          <a:lumMod val="75000"/>
+          <a:lumOff val="25000"/>
+        </a:schemeClr>
+      </a:solidFill>
+      <a:ln w="9525" cap="flat" cmpd="sng" algn="ctr">
+        <a:solidFill>
+          <a:schemeClr val="tx1">
+            <a:lumMod val="65000"/>
+            <a:lumOff val="35000"/>
+          </a:schemeClr>
+        </a:solidFill>
+        <a:round/>
+      </a:ln>
+    </cs:spPr>
+  </cs:downBar>
+  <cs:dropLine>
+    <cs:lnRef idx="0"/>
+    <cs:fillRef idx="0"/>
+    <cs:effectRef idx="0"/>
+    <cs:fontRef idx="minor">
+      <a:schemeClr val="tx1"/>
+    </cs:fontRef>
+    <cs:spPr>
+      <a:ln w="9525" cap="flat" cmpd="sng" algn="ctr">
+        <a:solidFill>
+          <a:schemeClr val="tx1">
+            <a:lumMod val="35000"/>
+            <a:lumOff val="65000"/>
+          </a:schemeClr>
+        </a:solidFill>
+        <a:round/>
+      </a:ln>
+    </cs:spPr>
+  </cs:dropLine>
+  <cs:errorBar>
+    <cs:lnRef idx="0"/>
+    <cs:fillRef idx="0"/>
+    <cs:effectRef idx="0"/>
+    <cs:fontRef idx="minor">
+      <a:schemeClr val="tx1"/>
+    </cs:fontRef>
+    <cs:spPr>
+      <a:ln w="9525" cap="flat" cmpd="sng" algn="ctr">
+        <a:solidFill>
+          <a:schemeClr val="tx1">
+            <a:lumMod val="65000"/>
+            <a:lumOff val="35000"/>
+          </a:schemeClr>
+        </a:solidFill>
+        <a:round/>
+      </a:ln>
+    </cs:spPr>
+  </cs:errorBar>
+  <cs:floor>
+    <cs:lnRef idx="0"/>
+    <cs:fillRef idx="0"/>
+    <cs:effectRef idx="0"/>
+    <cs:fontRef idx="minor">
+      <a:schemeClr val="tx1"/>
+    </cs:fontRef>
+    <cs:spPr>
+      <a:noFill/>
+      <a:ln>
+        <a:noFill/>
+      </a:ln>
+    </cs:spPr>
+  </cs:floor>
+  <cs:gridlineMajor>
+    <cs:lnRef idx="0"/>
+    <cs:fillRef idx="0"/>
+    <cs:effectRef idx="0"/>
+    <cs:fontRef idx="minor">
+      <a:schemeClr val="tx1"/>
+    </cs:fontRef>
+    <cs:spPr>
+      <a:ln w="9525" cap="flat" cmpd="sng" algn="ctr">
+        <a:solidFill>
+          <a:schemeClr val="tx1">
+            <a:lumMod val="15000"/>
+            <a:lumOff val="85000"/>
+          </a:schemeClr>
+        </a:solidFill>
+        <a:round/>
+      </a:ln>
+    </cs:spPr>
+  </cs:gridlineMajor>
+  <cs:gridlineMinor>
+    <cs:lnRef idx="0"/>
+    <cs:fillRef idx="0"/>
+    <cs:effectRef idx="0"/>
+    <cs:fontRef idx="minor">
+      <a:schemeClr val="tx1"/>
+    </cs:fontRef>
+    <cs:spPr>
+      <a:ln w="9525" cap="flat" cmpd="sng" algn="ctr">
+        <a:solidFill>
+          <a:schemeClr val="tx1">
+            <a:lumMod val="5000"/>
+            <a:lumOff val="95000"/>
+          </a:schemeClr>
+        </a:solidFill>
+        <a:round/>
+      </a:ln>
+    </cs:spPr>
+  </cs:gridlineMinor>
+  <cs:hiLoLine>
+    <cs:lnRef idx="0"/>
+    <cs:fillRef idx="0"/>
+    <cs:effectRef idx="0"/>
+    <cs:fontRef idx="minor">
+      <a:schemeClr val="tx1"/>
+    </cs:fontRef>
+    <cs:spPr>
+      <a:ln w="9525" cap="flat" cmpd="sng" algn="ctr">
+        <a:solidFill>
+          <a:schemeClr val="tx1">
+            <a:lumMod val="50000"/>
+            <a:lumOff val="50000"/>
+          </a:schemeClr>
+        </a:solidFill>
+        <a:round/>
+      </a:ln>
+    </cs:spPr>
+  </cs:hiLoLine>
+  <cs:leaderLine>
+    <cs:lnRef idx="0"/>
+    <cs:fillRef idx="0"/>
+    <cs:effectRef idx="0"/>
+    <cs:fontRef idx="minor">
+      <a:schemeClr val="tx1"/>
+    </cs:fontRef>
+    <cs:spPr>
+      <a:ln w="9525" cap="flat" cmpd="sng" algn="ctr">
+        <a:solidFill>
+          <a:schemeClr val="tx1">
+            <a:lumMod val="35000"/>
+            <a:lumOff val="65000"/>
+          </a:schemeClr>
+        </a:solidFill>
+        <a:round/>
+      </a:ln>
+    </cs:spPr>
+  </cs:leaderLine>
+  <cs:legend>
+    <cs:lnRef idx="0"/>
+    <cs:fillRef idx="0"/>
+    <cs:effectRef idx="0"/>
+    <cs:fontRef idx="minor">
+      <a:schemeClr val="tx1">
+        <a:lumMod val="65000"/>
+        <a:lumOff val="35000"/>
+      </a:schemeClr>
+    </cs:fontRef>
+    <cs:defRPr sz="900" kern="1200"/>
+  </cs:legend>
+  <cs:plotArea mods="allowNoFillOverride allowNoLineOverride">
+    <cs:lnRef idx="0"/>
+    <cs:fillRef idx="0"/>
+    <cs:effectRef idx="0"/>
+    <cs:fontRef idx="minor">
+      <a:schemeClr val="tx1"/>
+    </cs:fontRef>
+  </cs:plotArea>
+  <cs:plotArea3D mods="allowNoFillOverride allowNoLineOverride">
+    <cs:lnRef idx="0"/>
+    <cs:fillRef idx="0"/>
+    <cs:effectRef idx="0"/>
+    <cs:fontRef idx="minor">
+      <a:schemeClr val="tx1"/>
+    </cs:fontRef>
+  </cs:plotArea3D>
+  <cs:seriesAxis>
+    <cs:lnRef idx="0"/>
+    <cs:fillRef idx="0"/>
+    <cs:effectRef idx="0"/>
+    <cs:fontRef idx="minor">
+      <a:schemeClr val="tx1">
+        <a:lumMod val="65000"/>
+        <a:lumOff val="35000"/>
+      </a:schemeClr>
+    </cs:fontRef>
+    <cs:defRPr sz="900" kern="1200"/>
+  </cs:seriesAxis>
+  <cs:seriesLine>
+    <cs:lnRef idx="0"/>
+    <cs:fillRef idx="0"/>
+    <cs:effectRef idx="0"/>
+    <cs:fontRef idx="minor">
+      <a:schemeClr val="tx1"/>
+    </cs:fontRef>
+    <cs:spPr>
+      <a:ln w="9525" cap="flat" cmpd="sng" algn="ctr">
+        <a:solidFill>
+          <a:schemeClr val="tx1">
+            <a:lumMod val="35000"/>
+            <a:lumOff val="65000"/>
+          </a:schemeClr>
+        </a:solidFill>
+        <a:round/>
+      </a:ln>
+    </cs:spPr>
+  </cs:seriesLine>
+  <cs:title>
+    <cs:lnRef idx="0"/>
+    <cs:fillRef idx="0"/>
+    <cs:effectRef idx="0"/>
+    <cs:fontRef idx="minor">
+      <a:schemeClr val="tx1">
+        <a:lumMod val="65000"/>
+        <a:lumOff val="35000"/>
+      </a:schemeClr>
+    </cs:fontRef>
+    <cs:defRPr sz="1400" b="0" kern="1200" spc="0" baseline="0"/>
+  </cs:title>
+  <cs:trendline>
+    <cs:lnRef idx="0">
+      <cs:styleClr val="auto"/>
+    </cs:lnRef>
+    <cs:fillRef idx="0"/>
+    <cs:effectRef idx="0"/>
+    <cs:fontRef idx="minor">
+      <a:schemeClr val="tx1"/>
+    </cs:fontRef>
+    <cs:spPr>
+      <a:ln w="19050" cap="rnd">
+        <a:solidFill>
+          <a:schemeClr val="phClr"/>
+        </a:solidFill>
+        <a:prstDash val="sysDot"/>
+      </a:ln>
+    </cs:spPr>
+  </cs:trendline>
+  <cs:trendlineLabel>
+    <cs:lnRef idx="0"/>
+    <cs:fillRef idx="0"/>
+    <cs:effectRef idx="0"/>
+    <cs:fontRef idx="minor">
+      <a:schemeClr val="tx1">
+        <a:lumMod val="65000"/>
+        <a:lumOff val="35000"/>
+      </a:schemeClr>
+    </cs:fontRef>
+    <cs:defRPr sz="900" kern="1200"/>
+  </cs:trendlineLabel>
+  <cs:upBar>
+    <cs:lnRef idx="0"/>
+    <cs:fillRef idx="0"/>
+    <cs:effectRef idx="0"/>
+    <cs:fontRef idx="minor">
+      <a:schemeClr val="tx1"/>
+    </cs:fontRef>
+    <cs:spPr>
+      <a:solidFill>
+        <a:schemeClr val="lt1"/>
+      </a:solidFill>
+      <a:ln w="9525" cap="flat" cmpd="sng" algn="ctr">
+        <a:solidFill>
+          <a:schemeClr val="tx1">
+            <a:lumMod val="65000"/>
+            <a:lumOff val="35000"/>
+          </a:schemeClr>
+        </a:solidFill>
+        <a:round/>
+      </a:ln>
+    </cs:spPr>
+  </cs:upBar>
+  <cs:valueAxis>
+    <cs:lnRef idx="0"/>
+    <cs:fillRef idx="0"/>
+    <cs:effectRef idx="0"/>
+    <cs:fontRef idx="minor">
+      <a:schemeClr val="tx1">
+        <a:lumMod val="65000"/>
+        <a:lumOff val="35000"/>
+      </a:schemeClr>
+    </cs:fontRef>
+    <cs:defRPr sz="900" kern="1200"/>
+  </cs:valueAxis>
+  <cs:wall>
+    <cs:lnRef idx="0"/>
+    <cs:fillRef idx="0"/>
+    <cs:effectRef idx="0"/>
+    <cs:fontRef idx="minor">
+      <a:schemeClr val="tx1"/>
+    </cs:fontRef>
+    <cs:spPr>
+      <a:noFill/>
+      <a:ln>
+        <a:noFill/>
+      </a:ln>
+    </cs:spPr>
+  </cs:wall>
+</cs:chartStyle>
+</file>
+
+<file path=ppt/charts/style8.xml><?xml version="1.0" encoding="utf-8"?>
+<cs:chartStyle xmlns:cs="http://schemas.microsoft.com/office/drawing/2012/chartStyle" xmlns:a="http://schemas.openxmlformats.org/drawingml/2006/main" id="251">
+  <cs:axisTitle>
+    <cs:lnRef idx="0"/>
+    <cs:fillRef idx="0"/>
+    <cs:effectRef idx="0"/>
+    <cs:fontRef idx="minor">
+      <a:schemeClr val="tx1">
+        <a:lumMod val="65000"/>
+        <a:lumOff val="35000"/>
+      </a:schemeClr>
+    </cs:fontRef>
+    <cs:defRPr sz="1000" kern="1200"/>
+  </cs:axisTitle>
+  <cs:categoryAxis>
+    <cs:lnRef idx="0"/>
+    <cs:fillRef idx="0"/>
+    <cs:effectRef idx="0"/>
+    <cs:fontRef idx="minor">
+      <a:schemeClr val="tx1">
+        <a:lumMod val="65000"/>
+        <a:lumOff val="35000"/>
+      </a:schemeClr>
+    </cs:fontRef>
+    <cs:spPr>
+      <a:ln w="9525" cap="flat" cmpd="sng" algn="ctr">
+        <a:solidFill>
+          <a:schemeClr val="tx1">
+            <a:lumMod val="15000"/>
+            <a:lumOff val="85000"/>
+          </a:schemeClr>
+        </a:solidFill>
+        <a:round/>
+      </a:ln>
+    </cs:spPr>
+    <cs:defRPr sz="900" kern="1200"/>
+  </cs:categoryAxis>
+  <cs:chartArea mods="allowNoFillOverride allowNoLineOverride">
+    <cs:lnRef idx="0"/>
+    <cs:fillRef idx="0"/>
+    <cs:effectRef idx="0"/>
+    <cs:fontRef idx="minor">
+      <a:schemeClr val="tx1"/>
+    </cs:fontRef>
+    <cs:spPr>
+      <a:solidFill>
+        <a:schemeClr val="bg1"/>
+      </a:solidFill>
+      <a:ln w="9525" cap="flat" cmpd="sng" algn="ctr">
+        <a:solidFill>
+          <a:schemeClr val="tx1">
+            <a:lumMod val="15000"/>
+            <a:lumOff val="85000"/>
+          </a:schemeClr>
+        </a:solidFill>
+        <a:round/>
+      </a:ln>
+    </cs:spPr>
+    <cs:defRPr sz="900" kern="1200"/>
+  </cs:chartArea>
+  <cs:dataLabel>
+    <cs:lnRef idx="0"/>
+    <cs:fillRef idx="0"/>
+    <cs:effectRef idx="0"/>
+    <cs:fontRef idx="minor">
+      <a:schemeClr val="tx1">
+        <a:lumMod val="75000"/>
+        <a:lumOff val="25000"/>
+      </a:schemeClr>
+    </cs:fontRef>
+    <cs:defRPr sz="900" kern="1200"/>
+  </cs:dataLabel>
+  <cs:dataLabelCallout>
+    <cs:lnRef idx="0"/>
+    <cs:fillRef idx="0"/>
+    <cs:effectRef idx="0"/>
+    <cs:fontRef idx="minor">
+      <a:schemeClr val="dk1">
+        <a:lumMod val="65000"/>
+        <a:lumOff val="35000"/>
+      </a:schemeClr>
+    </cs:fontRef>
+    <cs:spPr>
+      <a:solidFill>
+        <a:schemeClr val="lt1"/>
+      </a:solidFill>
+      <a:ln>
+        <a:solidFill>
+          <a:schemeClr val="dk1">
+            <a:lumMod val="25000"/>
+            <a:lumOff val="75000"/>
+          </a:schemeClr>
+        </a:solidFill>
+      </a:ln>
+    </cs:spPr>
+    <cs:defRPr sz="900" kern="1200"/>
+    <cs:bodyPr rot="0" spcFirstLastPara="1" vertOverflow="clip" horzOverflow="clip" vert="horz" wrap="square" lIns="36576" tIns="18288" rIns="36576" bIns="18288" anchor="ctr" anchorCtr="1">
+      <a:spAutoFit/>
+    </cs:bodyPr>
+  </cs:dataLabelCallout>
+  <cs:dataPoint>
+    <cs:lnRef idx="0"/>
+    <cs:fillRef idx="1">
+      <cs:styleClr val="auto"/>
+    </cs:fillRef>
+    <cs:effectRef idx="0"/>
+    <cs:fontRef idx="minor">
+      <a:schemeClr val="tx1"/>
+    </cs:fontRef>
+    <cs:spPr>
+      <a:ln w="19050">
+        <a:solidFill>
+          <a:schemeClr val="lt1"/>
+        </a:solidFill>
+      </a:ln>
+    </cs:spPr>
+  </cs:dataPoint>
+  <cs:dataPoint3D>
+    <cs:lnRef idx="0"/>
+    <cs:fillRef idx="1">
+      <cs:styleClr val="auto"/>
+    </cs:fillRef>
+    <cs:effectRef idx="0"/>
+    <cs:fontRef idx="minor">
+      <a:schemeClr val="tx1"/>
+    </cs:fontRef>
+    <cs:spPr>
+      <a:ln w="25400">
+        <a:solidFill>
+          <a:schemeClr val="lt1"/>
+        </a:solidFill>
+      </a:ln>
+    </cs:spPr>
+  </cs:dataPoint3D>
+  <cs:dataPointLine>
+    <cs:lnRef idx="0">
+      <cs:styleClr val="auto"/>
+    </cs:lnRef>
+    <cs:fillRef idx="0"/>
+    <cs:effectRef idx="0"/>
+    <cs:fontRef idx="minor">
+      <a:schemeClr val="tx1"/>
+    </cs:fontRef>
+    <cs:spPr>
+      <a:ln w="28575" cap="rnd">
+        <a:solidFill>
+          <a:schemeClr val="phClr"/>
+        </a:solidFill>
+        <a:round/>
+      </a:ln>
+    </cs:spPr>
+  </cs:dataPointLine>
+  <cs:dataPointMarker>
+    <cs:lnRef idx="0">
+      <cs:styleClr val="auto"/>
+    </cs:lnRef>
+    <cs:fillRef idx="1">
+      <cs:styleClr val="auto"/>
+    </cs:fillRef>
+    <cs:effectRef idx="0"/>
+    <cs:fontRef idx="minor">
+      <a:schemeClr val="tx1"/>
+    </cs:fontRef>
+    <cs:spPr>
+      <a:ln w="9525">
+        <a:solidFill>
+          <a:schemeClr val="phClr"/>
+        </a:solidFill>
+      </a:ln>
+    </cs:spPr>
+  </cs:dataPointMarker>
+  <cs:dataPointMarkerLayout symbol="circle" size="5"/>
+  <cs:dataPointWireframe>
+    <cs:lnRef idx="0">
+      <cs:styleClr val="auto"/>
+    </cs:lnRef>
+    <cs:fillRef idx="0"/>
+    <cs:effectRef idx="0"/>
+    <cs:fontRef idx="minor">
+      <a:schemeClr val="tx1"/>
+    </cs:fontRef>
+    <cs:spPr>
+      <a:ln w="9525" cap="rnd">
+        <a:solidFill>
+          <a:schemeClr val="phClr"/>
+        </a:solidFill>
+        <a:round/>
+      </a:ln>
+    </cs:spPr>
+  </cs:dataPointWireframe>
+  <cs:dataTable>
+    <cs:lnRef idx="0"/>
+    <cs:fillRef idx="0"/>
+    <cs:effectRef idx="0"/>
+    <cs:fontRef idx="minor">
+      <a:schemeClr val="tx1">
+        <a:lumMod val="65000"/>
+        <a:lumOff val="35000"/>
+      </a:schemeClr>
+    </cs:fontRef>
+    <cs:spPr>
+      <a:noFill/>
+      <a:ln w="9525" cap="flat" cmpd="sng" algn="ctr">
+        <a:solidFill>
+          <a:schemeClr val="tx1">
+            <a:lumMod val="15000"/>
+            <a:lumOff val="85000"/>
+          </a:schemeClr>
+        </a:solidFill>
+        <a:round/>
+      </a:ln>
+    </cs:spPr>
+    <cs:defRPr sz="900" kern="1200"/>
+  </cs:dataTable>
+  <cs:downBar>
+    <cs:lnRef idx="0"/>
+    <cs:fillRef idx="0"/>
+    <cs:effectRef idx="0"/>
+    <cs:fontRef idx="minor">
+      <a:schemeClr val="tx1"/>
+    </cs:fontRef>
+    <cs:spPr>
+      <a:solidFill>
+        <a:schemeClr val="dk1">
+          <a:lumMod val="75000"/>
+          <a:lumOff val="25000"/>
+        </a:schemeClr>
+      </a:solidFill>
+      <a:ln w="9525" cap="flat" cmpd="sng" algn="ctr">
+        <a:solidFill>
+          <a:schemeClr val="tx1">
+            <a:lumMod val="65000"/>
+            <a:lumOff val="35000"/>
+          </a:schemeClr>
+        </a:solidFill>
+        <a:round/>
+      </a:ln>
+    </cs:spPr>
+  </cs:downBar>
+  <cs:dropLine>
+    <cs:lnRef idx="0"/>
+    <cs:fillRef idx="0"/>
+    <cs:effectRef idx="0"/>
+    <cs:fontRef idx="minor">
+      <a:schemeClr val="tx1"/>
+    </cs:fontRef>
+    <cs:spPr>
+      <a:ln w="9525" cap="flat" cmpd="sng" algn="ctr">
+        <a:solidFill>
+          <a:schemeClr val="tx1">
+            <a:lumMod val="35000"/>
+            <a:lumOff val="65000"/>
+          </a:schemeClr>
+        </a:solidFill>
+        <a:round/>
+      </a:ln>
+    </cs:spPr>
+  </cs:dropLine>
+  <cs:errorBar>
+    <cs:lnRef idx="0"/>
+    <cs:fillRef idx="0"/>
+    <cs:effectRef idx="0"/>
+    <cs:fontRef idx="minor">
+      <a:schemeClr val="tx1"/>
+    </cs:fontRef>
+    <cs:spPr>
+      <a:ln w="9525" cap="flat" cmpd="sng" algn="ctr">
+        <a:solidFill>
+          <a:schemeClr val="tx1">
+            <a:lumMod val="65000"/>
+            <a:lumOff val="35000"/>
+          </a:schemeClr>
+        </a:solidFill>
+        <a:round/>
+      </a:ln>
+    </cs:spPr>
+  </cs:errorBar>
+  <cs:floor>
+    <cs:lnRef idx="0"/>
+    <cs:fillRef idx="0"/>
+    <cs:effectRef idx="0"/>
+    <cs:fontRef idx="minor">
+      <a:schemeClr val="tx1"/>
+    </cs:fontRef>
+    <cs:spPr>
+      <a:noFill/>
+      <a:ln>
+        <a:noFill/>
+      </a:ln>
+    </cs:spPr>
+  </cs:floor>
+  <cs:gridlineMajor>
+    <cs:lnRef idx="0"/>
+    <cs:fillRef idx="0"/>
+    <cs:effectRef idx="0"/>
+    <cs:fontRef idx="minor">
+      <a:schemeClr val="tx1"/>
+    </cs:fontRef>
+    <cs:spPr>
+      <a:ln w="9525" cap="flat" cmpd="sng" algn="ctr">
+        <a:solidFill>
+          <a:schemeClr val="tx1">
+            <a:lumMod val="15000"/>
+            <a:lumOff val="85000"/>
+          </a:schemeClr>
+        </a:solidFill>
+        <a:round/>
+      </a:ln>
+    </cs:spPr>
+  </cs:gridlineMajor>
+  <cs:gridlineMinor>
+    <cs:lnRef idx="0"/>
+    <cs:fillRef idx="0"/>
+    <cs:effectRef idx="0"/>
+    <cs:fontRef idx="minor">
+      <a:schemeClr val="tx1"/>
+    </cs:fontRef>
+    <cs:spPr>
+      <a:ln w="9525" cap="flat" cmpd="sng" algn="ctr">
+        <a:solidFill>
+          <a:schemeClr val="tx1">
+            <a:lumMod val="5000"/>
+            <a:lumOff val="95000"/>
+          </a:schemeClr>
+        </a:solidFill>
+        <a:round/>
+      </a:ln>
+    </cs:spPr>
+  </cs:gridlineMinor>
+  <cs:hiLoLine>
+    <cs:lnRef idx="0"/>
+    <cs:fillRef idx="0"/>
+    <cs:effectRef idx="0"/>
+    <cs:fontRef idx="minor">
+      <a:schemeClr val="tx1"/>
+    </cs:fontRef>
+    <cs:spPr>
+      <a:ln w="9525" cap="flat" cmpd="sng" algn="ctr">
+        <a:solidFill>
+          <a:schemeClr val="tx1">
+            <a:lumMod val="50000"/>
+            <a:lumOff val="50000"/>
+          </a:schemeClr>
+        </a:solidFill>
+        <a:round/>
+      </a:ln>
+    </cs:spPr>
+  </cs:hiLoLine>
+  <cs:leaderLine>
+    <cs:lnRef idx="0"/>
+    <cs:fillRef idx="0"/>
+    <cs:effectRef idx="0"/>
+    <cs:fontRef idx="minor">
+      <a:schemeClr val="tx1"/>
+    </cs:fontRef>
+    <cs:spPr>
+      <a:ln w="9525" cap="flat" cmpd="sng" algn="ctr">
+        <a:solidFill>
+          <a:schemeClr val="tx1">
+            <a:lumMod val="35000"/>
+            <a:lumOff val="65000"/>
+          </a:schemeClr>
+        </a:solidFill>
+        <a:round/>
+      </a:ln>
+    </cs:spPr>
+  </cs:leaderLine>
+  <cs:legend>
+    <cs:lnRef idx="0"/>
+    <cs:fillRef idx="0"/>
+    <cs:effectRef idx="0"/>
+    <cs:fontRef idx="minor">
+      <a:schemeClr val="tx1">
+        <a:lumMod val="65000"/>
+        <a:lumOff val="35000"/>
+      </a:schemeClr>
+    </cs:fontRef>
+    <cs:defRPr sz="900" kern="1200"/>
+  </cs:legend>
+  <cs:plotArea mods="allowNoFillOverride allowNoLineOverride">
+    <cs:lnRef idx="0"/>
+    <cs:fillRef idx="0"/>
+    <cs:effectRef idx="0"/>
+    <cs:fontRef idx="minor">
+      <a:schemeClr val="tx1"/>
+    </cs:fontRef>
+  </cs:plotArea>
+  <cs:plotArea3D mods="allowNoFillOverride allowNoLineOverride">
+    <cs:lnRef idx="0"/>
+    <cs:fillRef idx="0"/>
+    <cs:effectRef idx="0"/>
+    <cs:fontRef idx="minor">
+      <a:schemeClr val="tx1"/>
+    </cs:fontRef>
+  </cs:plotArea3D>
+  <cs:seriesAxis>
+    <cs:lnRef idx="0"/>
+    <cs:fillRef idx="0"/>
+    <cs:effectRef idx="0"/>
+    <cs:fontRef idx="minor">
+      <a:schemeClr val="tx1">
+        <a:lumMod val="65000"/>
+        <a:lumOff val="35000"/>
+      </a:schemeClr>
+    </cs:fontRef>
+    <cs:defRPr sz="900" kern="1200"/>
+  </cs:seriesAxis>
+  <cs:seriesLine>
+    <cs:lnRef idx="0"/>
+    <cs:fillRef idx="0"/>
+    <cs:effectRef idx="0"/>
+    <cs:fontRef idx="minor">
+      <a:schemeClr val="tx1"/>
+    </cs:fontRef>
+    <cs:spPr>
+      <a:ln w="9525" cap="flat" cmpd="sng" algn="ctr">
+        <a:solidFill>
+          <a:schemeClr val="tx1">
+            <a:lumMod val="35000"/>
+            <a:lumOff val="65000"/>
+          </a:schemeClr>
+        </a:solidFill>
+        <a:round/>
+      </a:ln>
+    </cs:spPr>
+  </cs:seriesLine>
+  <cs:title>
+    <cs:lnRef idx="0"/>
+    <cs:fillRef idx="0"/>
+    <cs:effectRef idx="0"/>
+    <cs:fontRef idx="minor">
+      <a:schemeClr val="tx1">
+        <a:lumMod val="65000"/>
+        <a:lumOff val="35000"/>
+      </a:schemeClr>
+    </cs:fontRef>
+    <cs:defRPr sz="1400" b="0" kern="1200" spc="0" baseline="0"/>
+  </cs:title>
+  <cs:trendline>
+    <cs:lnRef idx="0">
+      <cs:styleClr val="auto"/>
+    </cs:lnRef>
+    <cs:fillRef idx="0"/>
+    <cs:effectRef idx="0"/>
+    <cs:fontRef idx="minor">
+      <a:schemeClr val="tx1"/>
+    </cs:fontRef>
+    <cs:spPr>
+      <a:ln w="19050" cap="rnd">
+        <a:solidFill>
+          <a:schemeClr val="phClr"/>
+        </a:solidFill>
+        <a:prstDash val="sysDot"/>
+      </a:ln>
+    </cs:spPr>
+  </cs:trendline>
+  <cs:trendlineLabel>
+    <cs:lnRef idx="0"/>
+    <cs:fillRef idx="0"/>
+    <cs:effectRef idx="0"/>
+    <cs:fontRef idx="minor">
+      <a:schemeClr val="tx1">
+        <a:lumMod val="65000"/>
+        <a:lumOff val="35000"/>
+      </a:schemeClr>
+    </cs:fontRef>
+    <cs:defRPr sz="900" kern="1200"/>
+  </cs:trendlineLabel>
+  <cs:upBar>
+    <cs:lnRef idx="0"/>
+    <cs:fillRef idx="0"/>
+    <cs:effectRef idx="0"/>
+    <cs:fontRef idx="minor">
+      <a:schemeClr val="tx1"/>
+    </cs:fontRef>
+    <cs:spPr>
+      <a:solidFill>
+        <a:schemeClr val="lt1"/>
+      </a:solidFill>
+      <a:ln w="9525" cap="flat" cmpd="sng" algn="ctr">
+        <a:solidFill>
+          <a:schemeClr val="tx1">
+            <a:lumMod val="65000"/>
+            <a:lumOff val="35000"/>
+          </a:schemeClr>
+        </a:solidFill>
+        <a:round/>
+      </a:ln>
+    </cs:spPr>
+  </cs:upBar>
+  <cs:valueAxis>
+    <cs:lnRef idx="0"/>
+    <cs:fillRef idx="0"/>
+    <cs:effectRef idx="0"/>
+    <cs:fontRef idx="minor">
+      <a:schemeClr val="tx1">
+        <a:lumMod val="65000"/>
+        <a:lumOff val="35000"/>
+      </a:schemeClr>
+    </cs:fontRef>
+    <cs:defRPr sz="900" kern="1200"/>
+  </cs:valueAxis>
+  <cs:wall>
+    <cs:lnRef idx="0"/>
+    <cs:fillRef idx="0"/>
+    <cs:effectRef idx="0"/>
+    <cs:fontRef idx="minor">
+      <a:schemeClr val="tx1"/>
+    </cs:fontRef>
+    <cs:spPr>
+      <a:noFill/>
+      <a:ln>
+        <a:noFill/>
+      </a:ln>
+    </cs:spPr>
+  </cs:wall>
+</cs:chartStyle>
+</file>
+
+<file path=ppt/charts/style9.xml><?xml version="1.0" encoding="utf-8"?>
 <cs:chartStyle xmlns:cs="http://schemas.microsoft.com/office/drawing/2012/chartStyle" xmlns:a="http://schemas.openxmlformats.org/drawingml/2006/main" id="297">
   <cs:axisTitle>
     <cs:lnRef idx="0"/>
@@ -11366,6 +15005,205 @@
 </file>
 
 <file path=ppt/slides/slide10.xml><?xml version="1.0" encoding="utf-8"?>
+<p:sld xmlns:a="http://schemas.openxmlformats.org/drawingml/2006/main" xmlns:r="http://schemas.openxmlformats.org/officeDocument/2006/relationships" xmlns:p="http://schemas.openxmlformats.org/presentationml/2006/main">
+  <p:cSld>
+    <p:spTree>
+      <p:nvGrpSpPr>
+        <p:cNvPr id="1" name=""/>
+        <p:cNvGrpSpPr/>
+        <p:nvPr/>
+      </p:nvGrpSpPr>
+      <p:grpSpPr>
+        <a:xfrm>
+          <a:off x="0" y="0"/>
+          <a:ext cx="0" cy="0"/>
+          <a:chOff x="0" y="0"/>
+          <a:chExt cx="0" cy="0"/>
+        </a:xfrm>
+      </p:grpSpPr>
+      <p:sp>
+        <p:nvSpPr>
+          <p:cNvPr id="2" name="Titre 1">
+            <a:extLst>
+              <a:ext uri="{FF2B5EF4-FFF2-40B4-BE49-F238E27FC236}">
+                <a16:creationId xmlns:a16="http://schemas.microsoft.com/office/drawing/2014/main" id="{91679FDD-D10B-2448-A259-11364A77EBCD}"/>
+              </a:ext>
+            </a:extLst>
+          </p:cNvPr>
+          <p:cNvSpPr>
+            <a:spLocks noGrp="1"/>
+          </p:cNvSpPr>
+          <p:nvPr>
+            <p:ph type="title"/>
+          </p:nvPr>
+        </p:nvSpPr>
+        <p:spPr/>
+        <p:txBody>
+          <a:bodyPr/>
+          <a:lstStyle/>
+          <a:p>
+            <a:r>
+              <a:rPr lang="fr-FR" dirty="0"/>
+              <a:t>Optimisation du foisonnement</a:t>
+            </a:r>
+          </a:p>
+        </p:txBody>
+      </p:sp>
+      <p:sp>
+        <p:nvSpPr>
+          <p:cNvPr id="4" name="ZoneTexte 3">
+            <a:extLst>
+              <a:ext uri="{FF2B5EF4-FFF2-40B4-BE49-F238E27FC236}">
+                <a16:creationId xmlns:a16="http://schemas.microsoft.com/office/drawing/2014/main" id="{46DD9449-4B28-EE50-CCE9-CA0F924ED7EC}"/>
+              </a:ext>
+            </a:extLst>
+          </p:cNvPr>
+          <p:cNvSpPr txBox="1"/>
+          <p:nvPr/>
+        </p:nvSpPr>
+        <p:spPr>
+          <a:xfrm>
+            <a:off x="7986713" y="1228725"/>
+            <a:ext cx="3020827" cy="923330"/>
+          </a:xfrm>
+          <a:prstGeom prst="rect">
+            <a:avLst/>
+          </a:prstGeom>
+          <a:noFill/>
+        </p:spPr>
+        <p:txBody>
+          <a:bodyPr wrap="none" rtlCol="0">
+            <a:spAutoFit/>
+          </a:bodyPr>
+          <a:lstStyle/>
+          <a:p>
+            <a:r>
+              <a:rPr lang="fr-FR" dirty="0"/>
+              <a:t>Hypothèses : </a:t>
+            </a:r>
+          </a:p>
+          <a:p>
+            <a:pPr marL="285750" indent="-285750">
+              <a:buFont typeface="Arial" panose="020B0604020202020204" pitchFamily="34" charset="0"/>
+              <a:buChar char="•"/>
+            </a:pPr>
+            <a:r>
+              <a:rPr lang="fr-FR" dirty="0"/>
+              <a:t>Limitation solaire et éolien </a:t>
+            </a:r>
+          </a:p>
+          <a:p>
+            <a:pPr marL="285750" indent="-285750">
+              <a:buFont typeface="Arial" panose="020B0604020202020204" pitchFamily="34" charset="0"/>
+              <a:buChar char="•"/>
+            </a:pPr>
+            <a:endParaRPr lang="fr-FR" dirty="0"/>
+          </a:p>
+        </p:txBody>
+      </p:sp>
+      <p:sp>
+        <p:nvSpPr>
+          <p:cNvPr id="5" name="ZoneTexte 4">
+            <a:extLst>
+              <a:ext uri="{FF2B5EF4-FFF2-40B4-BE49-F238E27FC236}">
+                <a16:creationId xmlns:a16="http://schemas.microsoft.com/office/drawing/2014/main" id="{6D23AF50-F32F-26B6-594A-C38BAB4F70D4}"/>
+              </a:ext>
+            </a:extLst>
+          </p:cNvPr>
+          <p:cNvSpPr txBox="1"/>
+          <p:nvPr/>
+        </p:nvSpPr>
+        <p:spPr>
+          <a:xfrm>
+            <a:off x="1467293" y="3125973"/>
+            <a:ext cx="2455929" cy="369332"/>
+          </a:xfrm>
+          <a:prstGeom prst="rect">
+            <a:avLst/>
+          </a:prstGeom>
+          <a:noFill/>
+        </p:spPr>
+        <p:txBody>
+          <a:bodyPr wrap="none" rtlCol="0">
+            <a:spAutoFit/>
+          </a:bodyPr>
+          <a:lstStyle/>
+          <a:p>
+            <a:r>
+              <a:rPr lang="fr-FR" dirty="0"/>
+              <a:t>Mix énergétique obtenu</a:t>
+            </a:r>
+          </a:p>
+        </p:txBody>
+      </p:sp>
+      <p:sp>
+        <p:nvSpPr>
+          <p:cNvPr id="6" name="ZoneTexte 5">
+            <a:extLst>
+              <a:ext uri="{FF2B5EF4-FFF2-40B4-BE49-F238E27FC236}">
+                <a16:creationId xmlns:a16="http://schemas.microsoft.com/office/drawing/2014/main" id="{FF04A7AD-297A-EF7F-A0FD-8F36643F651A}"/>
+              </a:ext>
+            </a:extLst>
+          </p:cNvPr>
+          <p:cNvSpPr txBox="1"/>
+          <p:nvPr/>
+        </p:nvSpPr>
+        <p:spPr>
+          <a:xfrm>
+            <a:off x="6985591" y="2860158"/>
+            <a:ext cx="2653996" cy="646331"/>
+          </a:xfrm>
+          <a:prstGeom prst="rect">
+            <a:avLst/>
+          </a:prstGeom>
+        </p:spPr>
+        <p:style>
+          <a:lnRef idx="2">
+            <a:schemeClr val="dk1"/>
+          </a:lnRef>
+          <a:fillRef idx="1">
+            <a:schemeClr val="lt1"/>
+          </a:fillRef>
+          <a:effectRef idx="0">
+            <a:schemeClr val="dk1"/>
+          </a:effectRef>
+          <a:fontRef idx="minor">
+            <a:schemeClr val="dk1"/>
+          </a:fontRef>
+        </p:style>
+        <p:txBody>
+          <a:bodyPr wrap="none" rtlCol="0">
+            <a:spAutoFit/>
+          </a:bodyPr>
+          <a:lstStyle/>
+          <a:p>
+            <a:r>
+              <a:rPr lang="fr-FR" dirty="0"/>
+              <a:t>Emissions de CO2: tCO2eq</a:t>
+            </a:r>
+          </a:p>
+          <a:p>
+            <a:r>
+              <a:rPr lang="fr-FR" dirty="0"/>
+              <a:t>CAPEX: €</a:t>
+            </a:r>
+          </a:p>
+        </p:txBody>
+      </p:sp>
+    </p:spTree>
+    <p:extLst>
+      <p:ext uri="{BB962C8B-B14F-4D97-AF65-F5344CB8AC3E}">
+        <p14:creationId xmlns:p14="http://schemas.microsoft.com/office/powerpoint/2010/main" val="2232108255"/>
+      </p:ext>
+    </p:extLst>
+  </p:cSld>
+  <p:clrMapOvr>
+    <a:masterClrMapping/>
+  </p:clrMapOvr>
+</p:sld>
+</file>
+
+<file path=ppt/slides/slide11.xml><?xml version="1.0" encoding="utf-8"?>
 <p:sld xmlns:a="http://schemas.openxmlformats.org/drawingml/2006/main" xmlns:r="http://schemas.openxmlformats.org/officeDocument/2006/relationships" xmlns:p="http://schemas.openxmlformats.org/presentationml/2006/main" show="0">
   <p:cSld>
     <p:spTree>
@@ -11533,7 +15371,7 @@
           <p:nvPr>
             <p:extLst>
               <p:ext uri="{D42A27DB-BD31-4B8C-83A1-F6EECF244321}">
-                <p14:modId xmlns:p14="http://schemas.microsoft.com/office/powerpoint/2010/main" val="3495749743"/>
+                <p14:modId xmlns:p14="http://schemas.microsoft.com/office/powerpoint/2010/main" val="4064622846"/>
               </p:ext>
             </p:extLst>
           </p:nvPr>
@@ -12112,7 +15950,7 @@
 </p:sld>
 </file>
 
-<file path=ppt/slides/slide11.xml><?xml version="1.0" encoding="utf-8"?>
+<file path=ppt/slides/slide12.xml><?xml version="1.0" encoding="utf-8"?>
 <p:sld xmlns:a="http://schemas.openxmlformats.org/drawingml/2006/main" xmlns:r="http://schemas.openxmlformats.org/officeDocument/2006/relationships" xmlns:p="http://schemas.openxmlformats.org/presentationml/2006/main">
   <p:cSld>
     <p:bg>
@@ -12418,7 +16256,7 @@
 </p:sld>
 </file>
 
-<file path=ppt/slides/slide12.xml><?xml version="1.0" encoding="utf-8"?>
+<file path=ppt/slides/slide13.xml><?xml version="1.0" encoding="utf-8"?>
 <p:sld xmlns:a="http://schemas.openxmlformats.org/drawingml/2006/main" xmlns:r="http://schemas.openxmlformats.org/officeDocument/2006/relationships" xmlns:p="http://schemas.openxmlformats.org/presentationml/2006/main">
   <p:cSld>
     <p:spTree>
@@ -12827,7 +16665,7 @@
 </p:sld>
 </file>
 
-<file path=ppt/slides/slide13.xml><?xml version="1.0" encoding="utf-8"?>
+<file path=ppt/slides/slide14.xml><?xml version="1.0" encoding="utf-8"?>
 <p:sld xmlns:a="http://schemas.openxmlformats.org/drawingml/2006/main" xmlns:r="http://schemas.openxmlformats.org/officeDocument/2006/relationships" xmlns:p="http://schemas.openxmlformats.org/presentationml/2006/main">
   <p:cSld>
     <p:spTree>
@@ -12917,6 +16755,25 @@
             </a:r>
           </a:p>
           <a:p>
+            <a:r>
+              <a:rPr lang="fr-FR" dirty="0"/>
+              <a:t>Cours – cout </a:t>
+            </a:r>
+            <a:r>
+              <a:rPr lang="fr-FR" dirty="0" err="1"/>
+              <a:t>unserved</a:t>
+            </a:r>
+            <a:r>
+              <a:rPr lang="fr-FR" dirty="0"/>
+              <a:t> </a:t>
+            </a:r>
+            <a:r>
+              <a:rPr lang="fr-FR" dirty="0" err="1"/>
+              <a:t>energy</a:t>
+            </a:r>
+            <a:endParaRPr lang="fr-FR" dirty="0"/>
+          </a:p>
+          <a:p>
             <a:endParaRPr lang="fr-FR" dirty="0"/>
           </a:p>
         </p:txBody>
@@ -12934,7 +16791,7 @@
 </p:sld>
 </file>
 
-<file path=ppt/slides/slide14.xml><?xml version="1.0" encoding="utf-8"?>
+<file path=ppt/slides/slide15.xml><?xml version="1.0" encoding="utf-8"?>
 <p:sld xmlns:a="http://schemas.openxmlformats.org/drawingml/2006/main" xmlns:r="http://schemas.openxmlformats.org/officeDocument/2006/relationships" xmlns:p="http://schemas.openxmlformats.org/presentationml/2006/main">
   <p:cSld>
     <p:spTree>
@@ -12956,7 +16813,7 @@
           <p:cNvPr id="2" name="Titre 1">
             <a:extLst>
               <a:ext uri="{FF2B5EF4-FFF2-40B4-BE49-F238E27FC236}">
-                <a16:creationId xmlns:a16="http://schemas.microsoft.com/office/drawing/2014/main" id="{2D83B920-F4AF-1365-6850-3F3A3030963A}"/>
+                <a16:creationId xmlns:a16="http://schemas.microsoft.com/office/drawing/2014/main" id="{245AF664-D200-A9F2-FCC6-A2DA252802EF}"/>
               </a:ext>
             </a:extLst>
           </p:cNvPr>
@@ -12974,19 +16831,11 @@
           <a:p>
             <a:r>
               <a:rPr lang="fr-FR" dirty="0"/>
-              <a:t>Cout </a:t>
+              <a:t>Notre île : l’île </a:t>
             </a:r>
             <a:r>
               <a:rPr lang="fr-FR" dirty="0" err="1"/>
-              <a:t>unserved</a:t>
-            </a:r>
-            <a:r>
-              <a:rPr lang="fr-FR" dirty="0"/>
-              <a:t> </a:t>
-            </a:r>
-            <a:r>
-              <a:rPr lang="fr-FR" dirty="0" err="1"/>
-              <a:t>energy</a:t>
+              <a:t>Usion</a:t>
             </a:r>
             <a:endParaRPr lang="fr-FR" dirty="0"/>
           </a:p>
@@ -12997,7 +16846,7 @@
           <p:cNvPr id="3" name="Espace réservé du contenu 2">
             <a:extLst>
               <a:ext uri="{FF2B5EF4-FFF2-40B4-BE49-F238E27FC236}">
-                <a16:creationId xmlns:a16="http://schemas.microsoft.com/office/drawing/2014/main" id="{3B4A4B9E-EFB5-529F-8833-14538EDDB429}"/>
+                <a16:creationId xmlns:a16="http://schemas.microsoft.com/office/drawing/2014/main" id="{A5BC6D10-04BF-00CC-0E27-C9D8DC0E0D12}"/>
               </a:ext>
             </a:extLst>
           </p:cNvPr>
@@ -13014,16 +16863,387 @@
           <a:lstStyle/>
           <a:p>
             <a:r>
-              <a:rPr lang="fr-FR"/>
-              <a:t>Source : le cours </a:t>
+              <a:rPr lang="fr-FR" dirty="0"/>
+              <a:t>Population : 4990 habitants (proportionnalité avec la consommation annuelle française pour l’année 2021 (Ministère de la transition énergétique))</a:t>
             </a:r>
+          </a:p>
+          <a:p>
+            <a:r>
+              <a:rPr lang="fr-FR" dirty="0"/>
+              <a:t>Superficie : 8,83 km</a:t>
+            </a:r>
+            <a:r>
+              <a:rPr lang="fr-FR" baseline="30000" dirty="0"/>
+              <a:t>2 </a:t>
+            </a:r>
+            <a:r>
+              <a:rPr lang="fr-FR" dirty="0"/>
+              <a:t>(Presqu'ile de Quiberon)</a:t>
+            </a:r>
+          </a:p>
+          <a:p>
+            <a:r>
+              <a:rPr lang="fr-FR" dirty="0"/>
+              <a:t>Nombre de foyers : 2300 (2,17 habitants/foyer (INSEE))</a:t>
+            </a:r>
+          </a:p>
+          <a:p>
+            <a:pPr marL="0" indent="0">
+              <a:buNone/>
+            </a:pPr>
+            <a:endParaRPr lang="fr-FR" dirty="0"/>
+          </a:p>
+          <a:p>
+            <a:endParaRPr lang="fr-FR" dirty="0"/>
           </a:p>
         </p:txBody>
       </p:sp>
     </p:spTree>
     <p:extLst>
       <p:ext uri="{BB962C8B-B14F-4D97-AF65-F5344CB8AC3E}">
-        <p14:creationId xmlns:p14="http://schemas.microsoft.com/office/powerpoint/2010/main" val="956849025"/>
+        <p14:creationId xmlns:p14="http://schemas.microsoft.com/office/powerpoint/2010/main" val="838891477"/>
+      </p:ext>
+    </p:extLst>
+  </p:cSld>
+  <p:clrMapOvr>
+    <a:masterClrMapping/>
+  </p:clrMapOvr>
+</p:sld>
+</file>
+
+<file path=ppt/slides/slide16.xml><?xml version="1.0" encoding="utf-8"?>
+<p:sld xmlns:a="http://schemas.openxmlformats.org/drawingml/2006/main" xmlns:r="http://schemas.openxmlformats.org/officeDocument/2006/relationships" xmlns:p="http://schemas.openxmlformats.org/presentationml/2006/main">
+  <p:cSld>
+    <p:spTree>
+      <p:nvGrpSpPr>
+        <p:cNvPr id="1" name=""/>
+        <p:cNvGrpSpPr/>
+        <p:nvPr/>
+      </p:nvGrpSpPr>
+      <p:grpSpPr>
+        <a:xfrm>
+          <a:off x="0" y="0"/>
+          <a:ext cx="0" cy="0"/>
+          <a:chOff x="0" y="0"/>
+          <a:chExt cx="0" cy="0"/>
+        </a:xfrm>
+      </p:grpSpPr>
+      <p:sp>
+        <p:nvSpPr>
+          <p:cNvPr id="2" name="Titre 1">
+            <a:extLst>
+              <a:ext uri="{FF2B5EF4-FFF2-40B4-BE49-F238E27FC236}">
+                <a16:creationId xmlns:a16="http://schemas.microsoft.com/office/drawing/2014/main" id="{6172CCCD-D648-C3BF-DF8E-BD48DD3A9CFC}"/>
+              </a:ext>
+            </a:extLst>
+          </p:cNvPr>
+          <p:cNvSpPr>
+            <a:spLocks noGrp="1"/>
+          </p:cNvSpPr>
+          <p:nvPr>
+            <p:ph type="title"/>
+          </p:nvPr>
+        </p:nvSpPr>
+        <p:spPr/>
+        <p:txBody>
+          <a:bodyPr/>
+          <a:lstStyle/>
+          <a:p>
+            <a:r>
+              <a:rPr lang="fr-FR" dirty="0"/>
+              <a:t>Bornes </a:t>
+            </a:r>
+          </a:p>
+        </p:txBody>
+      </p:sp>
+      <p:sp>
+        <p:nvSpPr>
+          <p:cNvPr id="3" name="Espace réservé du contenu 2">
+            <a:extLst>
+              <a:ext uri="{FF2B5EF4-FFF2-40B4-BE49-F238E27FC236}">
+                <a16:creationId xmlns:a16="http://schemas.microsoft.com/office/drawing/2014/main" id="{D26270A7-691F-E9BB-8211-53A9AC99A3F4}"/>
+              </a:ext>
+            </a:extLst>
+          </p:cNvPr>
+          <p:cNvSpPr>
+            <a:spLocks noGrp="1"/>
+          </p:cNvSpPr>
+          <p:nvPr>
+            <p:ph idx="1"/>
+          </p:nvPr>
+        </p:nvSpPr>
+        <p:spPr>
+          <a:xfrm>
+            <a:off x="838200" y="1825625"/>
+            <a:ext cx="10515600" cy="3426859"/>
+          </a:xfrm>
+        </p:spPr>
+        <p:txBody>
+          <a:bodyPr>
+            <a:normAutofit fontScale="92500" lnSpcReduction="10000"/>
+          </a:bodyPr>
+          <a:lstStyle/>
+          <a:p>
+            <a:r>
+              <a:rPr lang="fr-FR" dirty="0"/>
+              <a:t>Limitation du photovoltaïque et de l’éolien terrestre</a:t>
+            </a:r>
+          </a:p>
+          <a:p>
+            <a:r>
+              <a:rPr lang="fr-FR" dirty="0"/>
+              <a:t>On considère que chaque foyer occupe 200m</a:t>
+            </a:r>
+            <a:r>
+              <a:rPr lang="fr-FR" baseline="30000" dirty="0"/>
+              <a:t>2</a:t>
+            </a:r>
+            <a:r>
+              <a:rPr lang="fr-FR" dirty="0"/>
+              <a:t> (source : </a:t>
+            </a:r>
+            <a:r>
+              <a:rPr lang="fr-FR" dirty="0" err="1"/>
+              <a:t>tqt</a:t>
+            </a:r>
+            <a:r>
+              <a:rPr lang="fr-FR" dirty="0"/>
+              <a:t>)</a:t>
+            </a:r>
+          </a:p>
+          <a:p>
+            <a:r>
+              <a:rPr lang="fr-FR" dirty="0"/>
+              <a:t>On considère une utilisation de la surface disponible à 60% pour l’énergie (source : </a:t>
+            </a:r>
+            <a:r>
+              <a:rPr lang="fr-FR" dirty="0" err="1"/>
+              <a:t>tqt</a:t>
+            </a:r>
+            <a:r>
+              <a:rPr lang="fr-FR" dirty="0"/>
+              <a:t>)</a:t>
+            </a:r>
+          </a:p>
+          <a:p>
+            <a:r>
+              <a:rPr lang="fr-FR" dirty="0"/>
+              <a:t>On considère que la puissance installée en éolien et 2,5 fois la puissance installée en PV au sol (source : empirique par rapport à nos résultats précédents)</a:t>
+            </a:r>
+          </a:p>
+          <a:p>
+            <a:r>
+              <a:rPr lang="fr-FR" dirty="0"/>
+              <a:t>60m</a:t>
+            </a:r>
+            <a:r>
+              <a:rPr lang="fr-FR" baseline="30000" dirty="0"/>
+              <a:t>2</a:t>
+            </a:r>
+            <a:r>
+              <a:rPr lang="fr-FR" dirty="0"/>
+              <a:t> de panneaux PV par foyer (source : </a:t>
+            </a:r>
+            <a:r>
+              <a:rPr lang="fr-FR" dirty="0" err="1"/>
+              <a:t>tqt</a:t>
+            </a:r>
+            <a:r>
+              <a:rPr lang="fr-FR" dirty="0"/>
+              <a:t>)</a:t>
+            </a:r>
+          </a:p>
+          <a:p>
+            <a:pPr marL="0" indent="0">
+              <a:buNone/>
+            </a:pPr>
+            <a:endParaRPr lang="fr-FR" dirty="0"/>
+          </a:p>
+        </p:txBody>
+      </p:sp>
+      <p:graphicFrame>
+        <p:nvGraphicFramePr>
+          <p:cNvPr id="6" name="Tableau 5">
+            <a:extLst>
+              <a:ext uri="{FF2B5EF4-FFF2-40B4-BE49-F238E27FC236}">
+                <a16:creationId xmlns:a16="http://schemas.microsoft.com/office/drawing/2014/main" id="{89193D47-A744-10F9-5B15-4AA8F9F3F631}"/>
+              </a:ext>
+            </a:extLst>
+          </p:cNvPr>
+          <p:cNvGraphicFramePr>
+            <a:graphicFrameLocks noGrp="1"/>
+          </p:cNvGraphicFramePr>
+          <p:nvPr>
+            <p:extLst>
+              <p:ext uri="{D42A27DB-BD31-4B8C-83A1-F6EECF244321}">
+                <p14:modId xmlns:p14="http://schemas.microsoft.com/office/powerpoint/2010/main" val="2684728986"/>
+              </p:ext>
+            </p:extLst>
+          </p:nvPr>
+        </p:nvGraphicFramePr>
+        <p:xfrm>
+          <a:off x="1851247" y="5472420"/>
+          <a:ext cx="8128000" cy="741680"/>
+        </p:xfrm>
+        <a:graphic>
+          <a:graphicData uri="http://schemas.openxmlformats.org/drawingml/2006/table">
+            <a:tbl>
+              <a:tblPr firstRow="1" firstCol="1" bandRow="1">
+                <a:tableStyleId>{5C22544A-7EE6-4342-B048-85BDC9FD1C3A}</a:tableStyleId>
+              </a:tblPr>
+              <a:tblGrid>
+                <a:gridCol w="3263013">
+                  <a:extLst>
+                    <a:ext uri="{9D8B030D-6E8A-4147-A177-3AD203B41FA5}">
+                      <a16:colId xmlns:a16="http://schemas.microsoft.com/office/drawing/2014/main" val="1888849884"/>
+                    </a:ext>
+                  </a:extLst>
+                </a:gridCol>
+                <a:gridCol w="1860698">
+                  <a:extLst>
+                    <a:ext uri="{9D8B030D-6E8A-4147-A177-3AD203B41FA5}">
+                      <a16:colId xmlns:a16="http://schemas.microsoft.com/office/drawing/2014/main" val="1044970701"/>
+                    </a:ext>
+                  </a:extLst>
+                </a:gridCol>
+                <a:gridCol w="1509823">
+                  <a:extLst>
+                    <a:ext uri="{9D8B030D-6E8A-4147-A177-3AD203B41FA5}">
+                      <a16:colId xmlns:a16="http://schemas.microsoft.com/office/drawing/2014/main" val="726207373"/>
+                    </a:ext>
+                  </a:extLst>
+                </a:gridCol>
+                <a:gridCol w="1494466">
+                  <a:extLst>
+                    <a:ext uri="{9D8B030D-6E8A-4147-A177-3AD203B41FA5}">
+                      <a16:colId xmlns:a16="http://schemas.microsoft.com/office/drawing/2014/main" val="1070884531"/>
+                    </a:ext>
+                  </a:extLst>
+                </a:gridCol>
+              </a:tblGrid>
+              <a:tr h="370840">
+                <a:tc>
+                  <a:txBody>
+                    <a:bodyPr/>
+                    <a:lstStyle/>
+                    <a:p>
+                      <a:endParaRPr lang="fr-FR" dirty="0"/>
+                    </a:p>
+                  </a:txBody>
+                  <a:tcPr/>
+                </a:tc>
+                <a:tc>
+                  <a:txBody>
+                    <a:bodyPr/>
+                    <a:lstStyle/>
+                    <a:p>
+                      <a:r>
+                        <a:rPr lang="fr-FR" dirty="0"/>
+                        <a:t>Éolien terrestre</a:t>
+                      </a:r>
+                    </a:p>
+                  </a:txBody>
+                  <a:tcPr/>
+                </a:tc>
+                <a:tc>
+                  <a:txBody>
+                    <a:bodyPr/>
+                    <a:lstStyle/>
+                    <a:p>
+                      <a:r>
+                        <a:rPr lang="fr-FR" dirty="0"/>
+                        <a:t>PV au sol</a:t>
+                      </a:r>
+                    </a:p>
+                  </a:txBody>
+                  <a:tcPr/>
+                </a:tc>
+                <a:tc>
+                  <a:txBody>
+                    <a:bodyPr/>
+                    <a:lstStyle/>
+                    <a:p>
+                      <a:r>
+                        <a:rPr lang="fr-FR" dirty="0"/>
+                        <a:t>PV toiture</a:t>
+                      </a:r>
+                    </a:p>
+                  </a:txBody>
+                  <a:tcPr/>
+                </a:tc>
+                <a:extLst>
+                  <a:ext uri="{0D108BD9-81ED-4DB2-BD59-A6C34878D82A}">
+                    <a16:rowId xmlns:a16="http://schemas.microsoft.com/office/drawing/2014/main" val="862937336"/>
+                  </a:ext>
+                </a:extLst>
+              </a:tr>
+              <a:tr h="370840">
+                <a:tc>
+                  <a:txBody>
+                    <a:bodyPr/>
+                    <a:lstStyle/>
+                    <a:p>
+                      <a:r>
+                        <a:rPr lang="fr-FR" dirty="0"/>
+                        <a:t>Puissance installée maximale</a:t>
+                      </a:r>
+                    </a:p>
+                  </a:txBody>
+                  <a:tcPr/>
+                </a:tc>
+                <a:tc>
+                  <a:txBody>
+                    <a:bodyPr/>
+                    <a:lstStyle/>
+                    <a:p>
+                      <a:r>
+                        <a:rPr lang="fr-FR" dirty="0"/>
+                        <a:t>9,6 MW</a:t>
+                      </a:r>
+                    </a:p>
+                  </a:txBody>
+                  <a:tcPr/>
+                </a:tc>
+                <a:tc>
+                  <a:txBody>
+                    <a:bodyPr/>
+                    <a:lstStyle/>
+                    <a:p>
+                      <a:r>
+                        <a:rPr lang="fr-FR" dirty="0"/>
+                        <a:t>3,8 MW</a:t>
+                      </a:r>
+                    </a:p>
+                  </a:txBody>
+                  <a:tcPr/>
+                </a:tc>
+                <a:tc>
+                  <a:txBody>
+                    <a:bodyPr/>
+                    <a:lstStyle/>
+                    <a:p>
+                      <a:r>
+                        <a:rPr lang="fr-FR" dirty="0"/>
+                        <a:t>6,5 MW</a:t>
+                      </a:r>
+                    </a:p>
+                  </a:txBody>
+                  <a:tcPr/>
+                </a:tc>
+                <a:extLst>
+                  <a:ext uri="{0D108BD9-81ED-4DB2-BD59-A6C34878D82A}">
+                    <a16:rowId xmlns:a16="http://schemas.microsoft.com/office/drawing/2014/main" val="4007065614"/>
+                  </a:ext>
+                </a:extLst>
+              </a:tr>
+            </a:tbl>
+          </a:graphicData>
+        </a:graphic>
+      </p:graphicFrame>
+    </p:spTree>
+    <p:extLst>
+      <p:ext uri="{BB962C8B-B14F-4D97-AF65-F5344CB8AC3E}">
+        <p14:creationId xmlns:p14="http://schemas.microsoft.com/office/powerpoint/2010/main" val="898459638"/>
       </p:ext>
     </p:extLst>
   </p:cSld>
@@ -13555,7 +17775,7 @@
         </p:nvSpPr>
         <p:spPr>
           <a:xfrm>
-            <a:off x="1467293" y="3094074"/>
+            <a:off x="1392865" y="5018567"/>
             <a:ext cx="2455929" cy="369332"/>
           </a:xfrm>
           <a:prstGeom prst="rect">
@@ -13782,7 +18002,7 @@
         </p:nvSpPr>
         <p:spPr>
           <a:xfrm>
-            <a:off x="1467293" y="3094074"/>
+            <a:off x="1254641" y="5465134"/>
             <a:ext cx="2455929" cy="369332"/>
           </a:xfrm>
           <a:prstGeom prst="rect">
@@ -13818,7 +18038,7 @@
         <p:spPr>
           <a:xfrm>
             <a:off x="6985591" y="2860158"/>
-            <a:ext cx="2653996" cy="646331"/>
+            <a:ext cx="3344890" cy="646331"/>
           </a:xfrm>
           <a:prstGeom prst="rect">
             <a:avLst/>
@@ -13846,17 +18066,47 @@
           <a:p>
             <a:r>
               <a:rPr lang="fr-FR" dirty="0"/>
-              <a:t>Emissions de CO2: tCO2eq</a:t>
+              <a:t>Emissions de CO2: 34 611 tCO2eq</a:t>
             </a:r>
           </a:p>
           <a:p>
             <a:r>
               <a:rPr lang="fr-FR" dirty="0"/>
-              <a:t>CAPEX: €</a:t>
+              <a:t>CAPEX: 229 M€</a:t>
             </a:r>
           </a:p>
         </p:txBody>
       </p:sp>
+      <p:graphicFrame>
+        <p:nvGraphicFramePr>
+          <p:cNvPr id="10" name="Graphique 9">
+            <a:extLst>
+              <a:ext uri="{FF2B5EF4-FFF2-40B4-BE49-F238E27FC236}">
+                <a16:creationId xmlns:a16="http://schemas.microsoft.com/office/drawing/2014/main" id="{DC02A24C-8D7F-B0F2-977B-CB3801F8A67B}"/>
+              </a:ext>
+            </a:extLst>
+          </p:cNvPr>
+          <p:cNvGraphicFramePr>
+            <a:graphicFrameLocks/>
+          </p:cNvGraphicFramePr>
+          <p:nvPr>
+            <p:extLst>
+              <p:ext uri="{D42A27DB-BD31-4B8C-83A1-F6EECF244321}">
+                <p14:modId xmlns:p14="http://schemas.microsoft.com/office/powerpoint/2010/main" val="3735947253"/>
+              </p:ext>
+            </p:extLst>
+          </p:nvPr>
+        </p:nvGraphicFramePr>
+        <p:xfrm>
+          <a:off x="977671" y="2401987"/>
+          <a:ext cx="3009867" cy="2743200"/>
+        </p:xfrm>
+        <a:graphic>
+          <a:graphicData uri="http://schemas.openxmlformats.org/drawingml/2006/chart">
+            <c:chart xmlns:c="http://schemas.openxmlformats.org/drawingml/2006/chart" xmlns:r="http://schemas.openxmlformats.org/officeDocument/2006/relationships" r:id="rId2"/>
+          </a:graphicData>
+        </a:graphic>
+      </p:graphicFrame>
     </p:spTree>
     <p:extLst>
       <p:ext uri="{BB962C8B-B14F-4D97-AF65-F5344CB8AC3E}">
@@ -13910,7 +18160,7 @@
           <a:p>
             <a:r>
               <a:rPr lang="fr-FR" dirty="0"/>
-              <a:t>Optimisation des émissions carbones 1/2</a:t>
+              <a:t>Optimisation des émissions carbones 1/3</a:t>
             </a:r>
           </a:p>
         </p:txBody>
@@ -13930,7 +18180,7 @@
         <p:spPr>
           <a:xfrm>
             <a:off x="7986713" y="1228725"/>
-            <a:ext cx="2514856" cy="1200329"/>
+            <a:ext cx="1671804" cy="923330"/>
           </a:xfrm>
           <a:prstGeom prst="rect">
             <a:avLst/>
@@ -13954,30 +18204,8 @@
               <a:buChar char="•"/>
             </a:pPr>
             <a:r>
-              <a:rPr lang="fr-FR" dirty="0" err="1"/>
-              <a:t>Fze</a:t>
-            </a:r>
-            <a:r>
               <a:rPr lang="fr-FR" dirty="0"/>
-              <a:t> (</a:t>
-            </a:r>
-            <a:r>
-              <a:rPr lang="fr-FR" dirty="0" err="1"/>
-              <a:t>enoncer</a:t>
-            </a:r>
-            <a:r>
-              <a:rPr lang="fr-FR" dirty="0"/>
-              <a:t> sources)</a:t>
-            </a:r>
-          </a:p>
-          <a:p>
-            <a:pPr marL="285750" indent="-285750">
-              <a:buFont typeface="Arial" panose="020B0604020202020204" pitchFamily="34" charset="0"/>
-              <a:buChar char="•"/>
-            </a:pPr>
-            <a:r>
-              <a:rPr lang="fr-FR" dirty="0"/>
-              <a:t>Fez</a:t>
+              <a:t>45 €/tCO2eq</a:t>
             </a:r>
           </a:p>
           <a:p>
@@ -14003,7 +18231,7 @@
         </p:nvSpPr>
         <p:spPr>
           <a:xfrm>
-            <a:off x="1467293" y="3094074"/>
+            <a:off x="1531088" y="5645887"/>
             <a:ext cx="2455929" cy="369332"/>
           </a:xfrm>
           <a:prstGeom prst="rect">
@@ -14039,7 +18267,7 @@
         <p:spPr>
           <a:xfrm>
             <a:off x="6985591" y="2860158"/>
-            <a:ext cx="2653996" cy="646331"/>
+            <a:ext cx="3344890" cy="646331"/>
           </a:xfrm>
           <a:prstGeom prst="rect">
             <a:avLst/>
@@ -14067,17 +18295,47 @@
           <a:p>
             <a:r>
               <a:rPr lang="fr-FR" dirty="0"/>
-              <a:t>Emissions de CO2: tCO2eq</a:t>
+              <a:t>Emissions de CO2: 31 025 tCO2eq</a:t>
             </a:r>
           </a:p>
           <a:p>
             <a:r>
               <a:rPr lang="fr-FR" dirty="0"/>
-              <a:t>CAPEX: €</a:t>
+              <a:t>CAPEX: 230 M€</a:t>
             </a:r>
           </a:p>
         </p:txBody>
       </p:sp>
+      <p:graphicFrame>
+        <p:nvGraphicFramePr>
+          <p:cNvPr id="7" name="Graphique 6">
+            <a:extLst>
+              <a:ext uri="{FF2B5EF4-FFF2-40B4-BE49-F238E27FC236}">
+                <a16:creationId xmlns:a16="http://schemas.microsoft.com/office/drawing/2014/main" id="{9C628B44-01A2-C01C-ACEF-E5D92235B355}"/>
+              </a:ext>
+            </a:extLst>
+          </p:cNvPr>
+          <p:cNvGraphicFramePr>
+            <a:graphicFrameLocks/>
+          </p:cNvGraphicFramePr>
+          <p:nvPr>
+            <p:extLst>
+              <p:ext uri="{D42A27DB-BD31-4B8C-83A1-F6EECF244321}">
+                <p14:modId xmlns:p14="http://schemas.microsoft.com/office/powerpoint/2010/main" val="1349981662"/>
+              </p:ext>
+            </p:extLst>
+          </p:nvPr>
+        </p:nvGraphicFramePr>
+        <p:xfrm>
+          <a:off x="974652" y="2477440"/>
+          <a:ext cx="3344890" cy="2743200"/>
+        </p:xfrm>
+        <a:graphic>
+          <a:graphicData uri="http://schemas.openxmlformats.org/drawingml/2006/chart">
+            <c:chart xmlns:c="http://schemas.openxmlformats.org/drawingml/2006/chart" xmlns:r="http://schemas.openxmlformats.org/officeDocument/2006/relationships" r:id="rId2"/>
+          </a:graphicData>
+        </a:graphic>
+      </p:graphicFrame>
     </p:spTree>
     <p:extLst>
       <p:ext uri="{BB962C8B-B14F-4D97-AF65-F5344CB8AC3E}">
@@ -14131,7 +18389,7 @@
           <a:p>
             <a:r>
               <a:rPr lang="fr-FR" dirty="0"/>
-              <a:t>Optimisation des émissions carbones 2/2</a:t>
+              <a:t>Optimisation des émissions carbones 2/3</a:t>
             </a:r>
           </a:p>
         </p:txBody>
@@ -14141,7 +18399,7 @@
           <p:cNvPr id="4" name="ZoneTexte 3">
             <a:extLst>
               <a:ext uri="{FF2B5EF4-FFF2-40B4-BE49-F238E27FC236}">
-                <a16:creationId xmlns:a16="http://schemas.microsoft.com/office/drawing/2014/main" id="{CA8666C1-865A-DCE7-A80A-04BB8D10462B}"/>
+                <a16:creationId xmlns:a16="http://schemas.microsoft.com/office/drawing/2014/main" id="{02668800-9A3F-4EDA-BE00-5E74F827C1DC}"/>
               </a:ext>
             </a:extLst>
           </p:cNvPr>
@@ -14150,76 +18408,8 @@
         </p:nvSpPr>
         <p:spPr>
           <a:xfrm>
-            <a:off x="1158950" y="5074665"/>
-            <a:ext cx="3848986" cy="646331"/>
-          </a:xfrm>
-          <a:prstGeom prst="rect">
-            <a:avLst/>
-          </a:prstGeom>
-        </p:spPr>
-        <p:txBody>
-          <a:bodyPr wrap="square" rtlCol="0">
-            <a:spAutoFit/>
-          </a:bodyPr>
-          <a:lstStyle/>
-          <a:p>
-            <a:r>
-              <a:rPr lang="fr-FR" dirty="0"/>
-              <a:t>Evolution du mix énergétique en fonction du prix de la tonne de CO2</a:t>
-            </a:r>
-          </a:p>
-        </p:txBody>
-      </p:sp>
-      <p:sp>
-        <p:nvSpPr>
-          <p:cNvPr id="5" name="ZoneTexte 4">
-            <a:extLst>
-              <a:ext uri="{FF2B5EF4-FFF2-40B4-BE49-F238E27FC236}">
-                <a16:creationId xmlns:a16="http://schemas.microsoft.com/office/drawing/2014/main" id="{DD235135-4A6B-826E-2C58-66D443C59467}"/>
-              </a:ext>
-            </a:extLst>
-          </p:cNvPr>
-          <p:cNvSpPr txBox="1"/>
-          <p:nvPr/>
-        </p:nvSpPr>
-        <p:spPr>
-          <a:xfrm>
-            <a:off x="7010402" y="5167312"/>
-            <a:ext cx="3848986" cy="369332"/>
-          </a:xfrm>
-          <a:prstGeom prst="rect">
-            <a:avLst/>
-          </a:prstGeom>
-        </p:spPr>
-        <p:txBody>
-          <a:bodyPr wrap="square" rtlCol="0">
-            <a:spAutoFit/>
-          </a:bodyPr>
-          <a:lstStyle/>
-          <a:p>
-            <a:r>
-              <a:rPr lang="fr-FR" dirty="0"/>
-              <a:t>Horizon 2040 avec prix actualisés </a:t>
-            </a:r>
-          </a:p>
-        </p:txBody>
-      </p:sp>
-      <p:sp>
-        <p:nvSpPr>
-          <p:cNvPr id="6" name="ZoneTexte 5">
-            <a:extLst>
-              <a:ext uri="{FF2B5EF4-FFF2-40B4-BE49-F238E27FC236}">
-                <a16:creationId xmlns:a16="http://schemas.microsoft.com/office/drawing/2014/main" id="{1C74CEE2-000E-55A5-058E-CC30FF1146CD}"/>
-              </a:ext>
-            </a:extLst>
-          </p:cNvPr>
-          <p:cNvSpPr txBox="1"/>
-          <p:nvPr/>
-        </p:nvSpPr>
-        <p:spPr>
-          <a:xfrm>
-            <a:off x="1345563" y="3244334"/>
-            <a:ext cx="3475760" cy="369332"/>
+            <a:off x="7986713" y="1228725"/>
+            <a:ext cx="1788823" cy="923330"/>
           </a:xfrm>
           <a:prstGeom prst="rect">
             <a:avLst/>
@@ -14234,17 +18424,34 @@
           <a:p>
             <a:r>
               <a:rPr lang="fr-FR" dirty="0"/>
-              <a:t>A mettre :Graphe mix = f(prix/CO2)</a:t>
+              <a:t>Hypothèses : </a:t>
             </a:r>
+          </a:p>
+          <a:p>
+            <a:pPr marL="285750" indent="-285750">
+              <a:buFont typeface="Arial" panose="020B0604020202020204" pitchFamily="34" charset="0"/>
+              <a:buChar char="•"/>
+            </a:pPr>
+            <a:r>
+              <a:rPr lang="fr-FR" dirty="0"/>
+              <a:t>100 €/tCO2eq</a:t>
+            </a:r>
+          </a:p>
+          <a:p>
+            <a:pPr marL="285750" indent="-285750">
+              <a:buFont typeface="Arial" panose="020B0604020202020204" pitchFamily="34" charset="0"/>
+              <a:buChar char="•"/>
+            </a:pPr>
+            <a:endParaRPr lang="fr-FR" dirty="0"/>
           </a:p>
         </p:txBody>
       </p:sp>
       <p:sp>
         <p:nvSpPr>
-          <p:cNvPr id="7" name="ZoneTexte 6">
+          <p:cNvPr id="5" name="ZoneTexte 4">
             <a:extLst>
               <a:ext uri="{FF2B5EF4-FFF2-40B4-BE49-F238E27FC236}">
-                <a16:creationId xmlns:a16="http://schemas.microsoft.com/office/drawing/2014/main" id="{5AF6BD77-831D-7489-43B4-5C8BE49C57E3}"/>
+                <a16:creationId xmlns:a16="http://schemas.microsoft.com/office/drawing/2014/main" id="{5092E99F-8EA8-8446-908F-77FD8856609E}"/>
               </a:ext>
             </a:extLst>
           </p:cNvPr>
@@ -14253,8 +18460,8 @@
         </p:nvSpPr>
         <p:spPr>
           <a:xfrm>
-            <a:off x="6347392" y="3244334"/>
-            <a:ext cx="5175006" cy="369332"/>
+            <a:off x="1509823" y="5826641"/>
+            <a:ext cx="2455929" cy="369332"/>
           </a:xfrm>
           <a:prstGeom prst="rect">
             <a:avLst/>
@@ -14269,15 +18476,99 @@
           <a:p>
             <a:r>
               <a:rPr lang="fr-FR" dirty="0"/>
-              <a:t>A mettre : Coûts, mix énergétique+ émissions de CO2</a:t>
+              <a:t>Mix énergétique obtenu</a:t>
             </a:r>
           </a:p>
         </p:txBody>
       </p:sp>
+      <p:sp>
+        <p:nvSpPr>
+          <p:cNvPr id="6" name="ZoneTexte 5">
+            <a:extLst>
+              <a:ext uri="{FF2B5EF4-FFF2-40B4-BE49-F238E27FC236}">
+                <a16:creationId xmlns:a16="http://schemas.microsoft.com/office/drawing/2014/main" id="{FC5A4CC9-DBB8-AB7A-C445-9C9DD1F29DD6}"/>
+              </a:ext>
+            </a:extLst>
+          </p:cNvPr>
+          <p:cNvSpPr txBox="1"/>
+          <p:nvPr/>
+        </p:nvSpPr>
+        <p:spPr>
+          <a:xfrm>
+            <a:off x="6985591" y="2860158"/>
+            <a:ext cx="3291991" cy="646331"/>
+          </a:xfrm>
+          <a:prstGeom prst="rect">
+            <a:avLst/>
+          </a:prstGeom>
+        </p:spPr>
+        <p:style>
+          <a:lnRef idx="2">
+            <a:schemeClr val="dk1"/>
+          </a:lnRef>
+          <a:fillRef idx="1">
+            <a:schemeClr val="lt1"/>
+          </a:fillRef>
+          <a:effectRef idx="0">
+            <a:schemeClr val="dk1"/>
+          </a:effectRef>
+          <a:fontRef idx="minor">
+            <a:schemeClr val="dk1"/>
+          </a:fontRef>
+        </p:style>
+        <p:txBody>
+          <a:bodyPr wrap="none" rtlCol="0">
+            <a:spAutoFit/>
+          </a:bodyPr>
+          <a:lstStyle/>
+          <a:p>
+            <a:r>
+              <a:rPr lang="fr-FR" dirty="0"/>
+              <a:t>Emissions de CO2: 27899 tCO2eq</a:t>
+            </a:r>
+          </a:p>
+          <a:p>
+            <a:r>
+              <a:rPr lang="fr-FR" dirty="0"/>
+              <a:t>CAPEX: 233 M€</a:t>
+            </a:r>
+          </a:p>
+        </p:txBody>
+      </p:sp>
+      <p:graphicFrame>
+        <p:nvGraphicFramePr>
+          <p:cNvPr id="3" name="Graphique 2">
+            <a:extLst>
+              <a:ext uri="{FF2B5EF4-FFF2-40B4-BE49-F238E27FC236}">
+                <a16:creationId xmlns:a16="http://schemas.microsoft.com/office/drawing/2014/main" id="{D56D06F4-39ED-45E7-8810-9D0D31DC1C97}"/>
+              </a:ext>
+            </a:extLst>
+          </p:cNvPr>
+          <p:cNvGraphicFramePr>
+            <a:graphicFrameLocks/>
+          </p:cNvGraphicFramePr>
+          <p:nvPr>
+            <p:extLst>
+              <p:ext uri="{D42A27DB-BD31-4B8C-83A1-F6EECF244321}">
+                <p14:modId xmlns:p14="http://schemas.microsoft.com/office/powerpoint/2010/main" val="1718061891"/>
+              </p:ext>
+            </p:extLst>
+          </p:nvPr>
+        </p:nvGraphicFramePr>
+        <p:xfrm>
+          <a:off x="956929" y="2557130"/>
+          <a:ext cx="3386373" cy="2743200"/>
+        </p:xfrm>
+        <a:graphic>
+          <a:graphicData uri="http://schemas.openxmlformats.org/drawingml/2006/chart">
+            <c:chart xmlns:c="http://schemas.openxmlformats.org/drawingml/2006/chart" xmlns:r="http://schemas.openxmlformats.org/officeDocument/2006/relationships" r:id="rId2"/>
+          </a:graphicData>
+        </a:graphic>
+      </p:graphicFrame>
     </p:spTree>
     <p:extLst>
       <p:ext uri="{BB962C8B-B14F-4D97-AF65-F5344CB8AC3E}">
-        <p14:creationId xmlns:p14="http://schemas.microsoft.com/office/powerpoint/2010/main" val="1541636522"/>
+        <p14:creationId xmlns:p14="http://schemas.microsoft.com/office/powerpoint/2010/main" val="441021801"/>
       </p:ext>
     </p:extLst>
   </p:cSld>
@@ -14327,7 +18618,7 @@
           <a:p>
             <a:r>
               <a:rPr lang="fr-FR" dirty="0"/>
-              <a:t>Optimisation du foisonnement</a:t>
+              <a:t>Optimisation des émissions carbones 3/3</a:t>
             </a:r>
           </a:p>
         </p:txBody>
@@ -14337,7 +18628,7 @@
           <p:cNvPr id="4" name="ZoneTexte 3">
             <a:extLst>
               <a:ext uri="{FF2B5EF4-FFF2-40B4-BE49-F238E27FC236}">
-                <a16:creationId xmlns:a16="http://schemas.microsoft.com/office/drawing/2014/main" id="{46DD9449-4B28-EE50-CCE9-CA0F924ED7EC}"/>
+                <a16:creationId xmlns:a16="http://schemas.microsoft.com/office/drawing/2014/main" id="{CA8666C1-865A-DCE7-A80A-04BB8D10462B}"/>
               </a:ext>
             </a:extLst>
           </p:cNvPr>
@@ -14346,8 +18637,76 @@
         </p:nvSpPr>
         <p:spPr>
           <a:xfrm>
-            <a:off x="7986713" y="1228725"/>
-            <a:ext cx="2514856" cy="1200329"/>
+            <a:off x="1158950" y="5074665"/>
+            <a:ext cx="3848986" cy="646331"/>
+          </a:xfrm>
+          <a:prstGeom prst="rect">
+            <a:avLst/>
+          </a:prstGeom>
+        </p:spPr>
+        <p:txBody>
+          <a:bodyPr wrap="square" rtlCol="0">
+            <a:spAutoFit/>
+          </a:bodyPr>
+          <a:lstStyle/>
+          <a:p>
+            <a:r>
+              <a:rPr lang="fr-FR" dirty="0"/>
+              <a:t>Evolution du mix énergétique en fonction du prix de la tonne de CO2</a:t>
+            </a:r>
+          </a:p>
+        </p:txBody>
+      </p:sp>
+      <p:sp>
+        <p:nvSpPr>
+          <p:cNvPr id="5" name="ZoneTexte 4">
+            <a:extLst>
+              <a:ext uri="{FF2B5EF4-FFF2-40B4-BE49-F238E27FC236}">
+                <a16:creationId xmlns:a16="http://schemas.microsoft.com/office/drawing/2014/main" id="{DD235135-4A6B-826E-2C58-66D443C59467}"/>
+              </a:ext>
+            </a:extLst>
+          </p:cNvPr>
+          <p:cNvSpPr txBox="1"/>
+          <p:nvPr/>
+        </p:nvSpPr>
+        <p:spPr>
+          <a:xfrm>
+            <a:off x="7010402" y="5167312"/>
+            <a:ext cx="3848986" cy="369332"/>
+          </a:xfrm>
+          <a:prstGeom prst="rect">
+            <a:avLst/>
+          </a:prstGeom>
+        </p:spPr>
+        <p:txBody>
+          <a:bodyPr wrap="square" rtlCol="0">
+            <a:spAutoFit/>
+          </a:bodyPr>
+          <a:lstStyle/>
+          <a:p>
+            <a:r>
+              <a:rPr lang="fr-FR" dirty="0"/>
+              <a:t>Horizon 2040 avec prix actualisés </a:t>
+            </a:r>
+          </a:p>
+        </p:txBody>
+      </p:sp>
+      <p:sp>
+        <p:nvSpPr>
+          <p:cNvPr id="7" name="ZoneTexte 6">
+            <a:extLst>
+              <a:ext uri="{FF2B5EF4-FFF2-40B4-BE49-F238E27FC236}">
+                <a16:creationId xmlns:a16="http://schemas.microsoft.com/office/drawing/2014/main" id="{5AF6BD77-831D-7489-43B4-5C8BE49C57E3}"/>
+              </a:ext>
+            </a:extLst>
+          </p:cNvPr>
+          <p:cNvSpPr txBox="1"/>
+          <p:nvPr/>
+        </p:nvSpPr>
+        <p:spPr>
+          <a:xfrm>
+            <a:off x="6347392" y="3244334"/>
+            <a:ext cx="5175006" cy="369332"/>
           </a:xfrm>
           <a:prstGeom prst="rect">
             <a:avLst/>
@@ -14362,143 +18721,45 @@
           <a:p>
             <a:r>
               <a:rPr lang="fr-FR" dirty="0"/>
-              <a:t>Hypothèses : </a:t>
+              <a:t>A mettre : Coûts, mix énergétique+ émissions de CO2</a:t>
             </a:r>
-          </a:p>
-          <a:p>
-            <a:pPr marL="285750" indent="-285750">
-              <a:buFont typeface="Arial" panose="020B0604020202020204" pitchFamily="34" charset="0"/>
-              <a:buChar char="•"/>
-            </a:pPr>
-            <a:r>
-              <a:rPr lang="fr-FR" dirty="0" err="1"/>
-              <a:t>Fze</a:t>
-            </a:r>
-            <a:r>
-              <a:rPr lang="fr-FR" dirty="0"/>
-              <a:t> (</a:t>
-            </a:r>
-            <a:r>
-              <a:rPr lang="fr-FR" dirty="0" err="1"/>
-              <a:t>enoncer</a:t>
-            </a:r>
-            <a:r>
-              <a:rPr lang="fr-FR" dirty="0"/>
-              <a:t> sources)</a:t>
-            </a:r>
-          </a:p>
-          <a:p>
-            <a:pPr marL="285750" indent="-285750">
-              <a:buFont typeface="Arial" panose="020B0604020202020204" pitchFamily="34" charset="0"/>
-              <a:buChar char="•"/>
-            </a:pPr>
-            <a:r>
-              <a:rPr lang="fr-FR" dirty="0"/>
-              <a:t>Fez</a:t>
-            </a:r>
-          </a:p>
-          <a:p>
-            <a:pPr marL="285750" indent="-285750">
-              <a:buFont typeface="Arial" panose="020B0604020202020204" pitchFamily="34" charset="0"/>
-              <a:buChar char="•"/>
-            </a:pPr>
-            <a:endParaRPr lang="fr-FR" dirty="0"/>
           </a:p>
         </p:txBody>
       </p:sp>
-      <p:sp>
-        <p:nvSpPr>
-          <p:cNvPr id="5" name="ZoneTexte 4">
+      <p:graphicFrame>
+        <p:nvGraphicFramePr>
+          <p:cNvPr id="8" name="Graphique 7">
             <a:extLst>
               <a:ext uri="{FF2B5EF4-FFF2-40B4-BE49-F238E27FC236}">
-                <a16:creationId xmlns:a16="http://schemas.microsoft.com/office/drawing/2014/main" id="{6D23AF50-F32F-26B6-594A-C38BAB4F70D4}"/>
+                <a16:creationId xmlns:a16="http://schemas.microsoft.com/office/drawing/2014/main" id="{00B4AF4C-D9E7-08D9-4B3E-9FD78D92A198}"/>
               </a:ext>
             </a:extLst>
           </p:cNvPr>
-          <p:cNvSpPr txBox="1"/>
-          <p:nvPr/>
-        </p:nvSpPr>
-        <p:spPr>
-          <a:xfrm>
-            <a:off x="1467293" y="3125973"/>
-            <a:ext cx="2455929" cy="369332"/>
-          </a:xfrm>
-          <a:prstGeom prst="rect">
-            <a:avLst/>
-          </a:prstGeom>
-          <a:noFill/>
-        </p:spPr>
-        <p:txBody>
-          <a:bodyPr wrap="none" rtlCol="0">
-            <a:spAutoFit/>
-          </a:bodyPr>
-          <a:lstStyle/>
-          <a:p>
-            <a:r>
-              <a:rPr lang="fr-FR" dirty="0"/>
-              <a:t>Mix énergétique obtenu</a:t>
-            </a:r>
-          </a:p>
-        </p:txBody>
-      </p:sp>
-      <p:sp>
-        <p:nvSpPr>
-          <p:cNvPr id="6" name="ZoneTexte 5">
-            <a:extLst>
-              <a:ext uri="{FF2B5EF4-FFF2-40B4-BE49-F238E27FC236}">
-                <a16:creationId xmlns:a16="http://schemas.microsoft.com/office/drawing/2014/main" id="{FF04A7AD-297A-EF7F-A0FD-8F36643F651A}"/>
-              </a:ext>
-            </a:extLst>
-          </p:cNvPr>
-          <p:cNvSpPr txBox="1"/>
-          <p:nvPr/>
-        </p:nvSpPr>
-        <p:spPr>
-          <a:xfrm>
-            <a:off x="6985591" y="2860158"/>
-            <a:ext cx="2653996" cy="646331"/>
-          </a:xfrm>
-          <a:prstGeom prst="rect">
-            <a:avLst/>
-          </a:prstGeom>
-        </p:spPr>
-        <p:style>
-          <a:lnRef idx="2">
-            <a:schemeClr val="dk1"/>
-          </a:lnRef>
-          <a:fillRef idx="1">
-            <a:schemeClr val="lt1"/>
-          </a:fillRef>
-          <a:effectRef idx="0">
-            <a:schemeClr val="dk1"/>
-          </a:effectRef>
-          <a:fontRef idx="minor">
-            <a:schemeClr val="dk1"/>
-          </a:fontRef>
-        </p:style>
-        <p:txBody>
-          <a:bodyPr wrap="none" rtlCol="0">
-            <a:spAutoFit/>
-          </a:bodyPr>
-          <a:lstStyle/>
-          <a:p>
-            <a:r>
-              <a:rPr lang="fr-FR" dirty="0"/>
-              <a:t>Emissions de CO2: tCO2eq</a:t>
-            </a:r>
-          </a:p>
-          <a:p>
-            <a:r>
-              <a:rPr lang="fr-FR" dirty="0"/>
-              <a:t>CAPEX: €</a:t>
-            </a:r>
-          </a:p>
-        </p:txBody>
-      </p:sp>
+          <p:cNvGraphicFramePr>
+            <a:graphicFrameLocks/>
+          </p:cNvGraphicFramePr>
+          <p:nvPr>
+            <p:extLst>
+              <p:ext uri="{D42A27DB-BD31-4B8C-83A1-F6EECF244321}">
+                <p14:modId xmlns:p14="http://schemas.microsoft.com/office/powerpoint/2010/main" val="2679605343"/>
+              </p:ext>
+            </p:extLst>
+          </p:nvPr>
+        </p:nvGraphicFramePr>
+        <p:xfrm>
+          <a:off x="669602" y="1783335"/>
+          <a:ext cx="4891226" cy="3107641"/>
+        </p:xfrm>
+        <a:graphic>
+          <a:graphicData uri="http://schemas.openxmlformats.org/drawingml/2006/chart">
+            <c:chart xmlns:c="http://schemas.openxmlformats.org/drawingml/2006/chart" xmlns:r="http://schemas.openxmlformats.org/officeDocument/2006/relationships" r:id="rId2"/>
+          </a:graphicData>
+        </a:graphic>
+      </p:graphicFrame>
     </p:spTree>
     <p:extLst>
       <p:ext uri="{BB962C8B-B14F-4D97-AF65-F5344CB8AC3E}">
-        <p14:creationId xmlns:p14="http://schemas.microsoft.com/office/powerpoint/2010/main" val="2232108255"/>
+        <p14:creationId xmlns:p14="http://schemas.microsoft.com/office/powerpoint/2010/main" val="1541636522"/>
       </p:ext>
     </p:extLst>
   </p:cSld>
